--- a/defense.pptx
+++ b/defense.pptx
@@ -6,7 +6,12 @@
   </p:sldMasterIdLst>
   <p:sldIdLst>
     <p:sldId id="256" r:id="rId2"/>
-    <p:sldId id="258" r:id="rId3"/>
+    <p:sldId id="259" r:id="rId3"/>
+    <p:sldId id="262" r:id="rId4"/>
+    <p:sldId id="263" r:id="rId5"/>
+    <p:sldId id="264" r:id="rId6"/>
+    <p:sldId id="265" r:id="rId7"/>
+    <p:sldId id="266" r:id="rId8"/>
   </p:sldIdLst>
   <p:sldSz cx="12192000" cy="6858000"/>
   <p:notesSz cx="6858000" cy="9144000"/>
@@ -105,6 +110,30 @@
       </a:defRPr>
     </a:lvl9pPr>
   </p:defaultTextStyle>
+  <p:extLst>
+    <p:ext uri="{521415D9-36F7-43E2-AB2F-B90AF26B5E84}">
+      <p14:sectionLst xmlns:p14="http://schemas.microsoft.com/office/powerpoint/2010/main">
+        <p14:section name="Introduction" id="{2D72FD46-F5EC-4D78-B874-B8B90068E786}">
+          <p14:sldIdLst>
+            <p14:sldId id="256"/>
+            <p14:sldId id="259"/>
+            <p14:sldId id="262"/>
+          </p14:sldIdLst>
+        </p14:section>
+        <p14:section name="Conventional Quantum Theory" id="{1AD4498B-8A87-454D-B1B0-9796FB0C3298}">
+          <p14:sldIdLst>
+            <p14:sldId id="263"/>
+            <p14:sldId id="264"/>
+            <p14:sldId id="265"/>
+            <p14:sldId id="266"/>
+          </p14:sldIdLst>
+        </p14:section>
+      </p14:sectionLst>
+    </p:ext>
+    <p:ext uri="{EFAFB233-063F-42B5-8137-9DF3F51BA10A}">
+      <p15:sldGuideLst xmlns:p15="http://schemas.microsoft.com/office/powerpoint/2012/main"/>
+    </p:ext>
+  </p:extLst>
 </p:presentation>
 </file>
 
@@ -255,7 +284,7 @@
           <a:p>
             <a:fld id="{C8E7DD55-92D8-4F00-9465-9362BAFC34DC}" type="datetimeFigureOut">
               <a:rPr lang="en-US" smtClean="0"/>
-              <a:t>11/22/2018</a:t>
+              <a:t>11/27/2018</a:t>
             </a:fld>
             <a:endParaRPr lang="en-US"/>
           </a:p>
@@ -453,7 +482,7 @@
           <a:p>
             <a:fld id="{C8E7DD55-92D8-4F00-9465-9362BAFC34DC}" type="datetimeFigureOut">
               <a:rPr lang="en-US" smtClean="0"/>
-              <a:t>11/22/2018</a:t>
+              <a:t>11/27/2018</a:t>
             </a:fld>
             <a:endParaRPr lang="en-US"/>
           </a:p>
@@ -661,7 +690,7 @@
           <a:p>
             <a:fld id="{C8E7DD55-92D8-4F00-9465-9362BAFC34DC}" type="datetimeFigureOut">
               <a:rPr lang="en-US" smtClean="0"/>
-              <a:t>11/22/2018</a:t>
+              <a:t>11/27/2018</a:t>
             </a:fld>
             <a:endParaRPr lang="en-US"/>
           </a:p>
@@ -859,7 +888,7 @@
           <a:p>
             <a:fld id="{C8E7DD55-92D8-4F00-9465-9362BAFC34DC}" type="datetimeFigureOut">
               <a:rPr lang="en-US" smtClean="0"/>
-              <a:t>11/22/2018</a:t>
+              <a:t>11/27/2018</a:t>
             </a:fld>
             <a:endParaRPr lang="en-US"/>
           </a:p>
@@ -1134,7 +1163,7 @@
           <a:p>
             <a:fld id="{C8E7DD55-92D8-4F00-9465-9362BAFC34DC}" type="datetimeFigureOut">
               <a:rPr lang="en-US" smtClean="0"/>
-              <a:t>11/22/2018</a:t>
+              <a:t>11/27/2018</a:t>
             </a:fld>
             <a:endParaRPr lang="en-US"/>
           </a:p>
@@ -1399,7 +1428,7 @@
           <a:p>
             <a:fld id="{C8E7DD55-92D8-4F00-9465-9362BAFC34DC}" type="datetimeFigureOut">
               <a:rPr lang="en-US" smtClean="0"/>
-              <a:t>11/22/2018</a:t>
+              <a:t>11/27/2018</a:t>
             </a:fld>
             <a:endParaRPr lang="en-US"/>
           </a:p>
@@ -1811,7 +1840,7 @@
           <a:p>
             <a:fld id="{C8E7DD55-92D8-4F00-9465-9362BAFC34DC}" type="datetimeFigureOut">
               <a:rPr lang="en-US" smtClean="0"/>
-              <a:t>11/22/2018</a:t>
+              <a:t>11/27/2018</a:t>
             </a:fld>
             <a:endParaRPr lang="en-US"/>
           </a:p>
@@ -1952,7 +1981,7 @@
           <a:p>
             <a:fld id="{C8E7DD55-92D8-4F00-9465-9362BAFC34DC}" type="datetimeFigureOut">
               <a:rPr lang="en-US" smtClean="0"/>
-              <a:t>11/22/2018</a:t>
+              <a:t>11/27/2018</a:t>
             </a:fld>
             <a:endParaRPr lang="en-US"/>
           </a:p>
@@ -2065,7 +2094,7 @@
           <a:p>
             <a:fld id="{C8E7DD55-92D8-4F00-9465-9362BAFC34DC}" type="datetimeFigureOut">
               <a:rPr lang="en-US" smtClean="0"/>
-              <a:t>11/22/2018</a:t>
+              <a:t>11/27/2018</a:t>
             </a:fld>
             <a:endParaRPr lang="en-US"/>
           </a:p>
@@ -2376,7 +2405,7 @@
           <a:p>
             <a:fld id="{C8E7DD55-92D8-4F00-9465-9362BAFC34DC}" type="datetimeFigureOut">
               <a:rPr lang="en-US" smtClean="0"/>
-              <a:t>11/22/2018</a:t>
+              <a:t>11/27/2018</a:t>
             </a:fld>
             <a:endParaRPr lang="en-US"/>
           </a:p>
@@ -2664,7 +2693,7 @@
           <a:p>
             <a:fld id="{C8E7DD55-92D8-4F00-9465-9362BAFC34DC}" type="datetimeFigureOut">
               <a:rPr lang="en-US" smtClean="0"/>
-              <a:t>11/22/2018</a:t>
+              <a:t>11/27/2018</a:t>
             </a:fld>
             <a:endParaRPr lang="en-US"/>
           </a:p>
@@ -2905,7 +2934,7 @@
           <a:p>
             <a:fld id="{C8E7DD55-92D8-4F00-9465-9362BAFC34DC}" type="datetimeFigureOut">
               <a:rPr lang="en-US" smtClean="0"/>
-              <a:t>11/22/2018</a:t>
+              <a:t>11/27/2018</a:t>
             </a:fld>
             <a:endParaRPr lang="en-US"/>
           </a:p>
@@ -3431,7 +3460,7 @@
           <p:cNvPr id="2" name="Title 1">
             <a:extLst>
               <a:ext uri="{FF2B5EF4-FFF2-40B4-BE49-F238E27FC236}">
-                <a16:creationId xmlns:a16="http://schemas.microsoft.com/office/drawing/2014/main" id="{F5B85697-731A-47F3-9564-D2E95163C074}"/>
+                <a16:creationId xmlns:a16="http://schemas.microsoft.com/office/drawing/2014/main" id="{98ED5D00-83C9-4A40-8649-E646FB56E4B5}"/>
               </a:ext>
             </a:extLst>
           </p:cNvPr>
@@ -3447,196 +3476,2871 @@
           <a:bodyPr/>
           <a:lstStyle/>
           <a:p>
-            <a:pPr algn="ctr"/>
             <a:r>
               <a:rPr lang="en-US" dirty="0"/>
-              <a:t>How to build quantum computing models?</a:t>
-            </a:r>
-          </a:p>
-        </p:txBody>
-      </p:sp>
-      <p:sp>
-        <p:nvSpPr>
-          <p:cNvPr id="3" name="Text Placeholder 2">
-            <a:extLst>
-              <a:ext uri="{FF2B5EF4-FFF2-40B4-BE49-F238E27FC236}">
-                <a16:creationId xmlns:a16="http://schemas.microsoft.com/office/drawing/2014/main" id="{B77E83CE-1229-4EAB-8BE5-50738F5DFA22}"/>
-              </a:ext>
-            </a:extLst>
-          </p:cNvPr>
-          <p:cNvSpPr>
-            <a:spLocks noGrp="1"/>
-          </p:cNvSpPr>
-          <p:nvPr>
-            <p:ph type="body" idx="1"/>
-          </p:nvPr>
+              <a:t>Dilemma of quantum computing?</a:t>
+            </a:r>
+          </a:p>
+        </p:txBody>
+      </p:sp>
+      <p:sp>
+        <p:nvSpPr>
+          <p:cNvPr id="3" name="Content Placeholder 2">
+            <a:extLst>
+              <a:ext uri="{FF2B5EF4-FFF2-40B4-BE49-F238E27FC236}">
+                <a16:creationId xmlns:a16="http://schemas.microsoft.com/office/drawing/2014/main" id="{99B5DE49-BE6B-4F35-9851-84ABA8AC9040}"/>
+              </a:ext>
+            </a:extLst>
+          </p:cNvPr>
+          <p:cNvSpPr>
+            <a:spLocks noGrp="1"/>
+          </p:cNvSpPr>
+          <p:nvPr>
+            <p:ph idx="1"/>
+          </p:nvPr>
+        </p:nvSpPr>
+        <p:spPr/>
+        <p:txBody>
+          <a:bodyPr/>
+          <a:lstStyle/>
+          <a:p>
+            <a:r>
+              <a:rPr lang="en-US" dirty="0"/>
+              <a:t>Textbook quantum mechanics is correct.</a:t>
+            </a:r>
+          </a:p>
+          <a:p>
+            <a:r>
+              <a:rPr lang="en-US" dirty="0"/>
+              <a:t>There does not exist an efficient classical factoring algorithm.</a:t>
+            </a:r>
+          </a:p>
+          <a:p>
+            <a:r>
+              <a:rPr lang="en-US" dirty="0"/>
+              <a:t>The extended Church-Turing thesis —that probabilistic Turing machines can efficiently simulate any physically realizable model of computation —is correct.</a:t>
+            </a:r>
+          </a:p>
+        </p:txBody>
+      </p:sp>
+      <p:sp>
+        <p:nvSpPr>
+          <p:cNvPr id="4" name="Title 1">
+            <a:extLst>
+              <a:ext uri="{FF2B5EF4-FFF2-40B4-BE49-F238E27FC236}">
+                <a16:creationId xmlns:a16="http://schemas.microsoft.com/office/drawing/2014/main" id="{408F89BC-D477-4CBD-84FC-02A4E46FE77C}"/>
+              </a:ext>
+            </a:extLst>
+          </p:cNvPr>
+          <p:cNvSpPr txBox="1">
+            <a:spLocks/>
+          </p:cNvSpPr>
+          <p:nvPr/>
         </p:nvSpPr>
         <p:spPr>
-          <a:gradFill>
-            <a:gsLst>
-              <a:gs pos="0">
-                <a:schemeClr val="accent1">
-                  <a:lumMod val="5000"/>
-                  <a:lumOff val="95000"/>
-                </a:schemeClr>
-              </a:gs>
-              <a:gs pos="74000">
-                <a:schemeClr val="accent1">
-                  <a:lumMod val="45000"/>
-                  <a:lumOff val="55000"/>
-                </a:schemeClr>
-              </a:gs>
-              <a:gs pos="83000">
-                <a:schemeClr val="accent1">
-                  <a:lumMod val="45000"/>
-                  <a:lumOff val="55000"/>
-                </a:schemeClr>
-              </a:gs>
-              <a:gs pos="100000">
-                <a:schemeClr val="accent1">
-                  <a:lumMod val="30000"/>
-                  <a:lumOff val="70000"/>
-                </a:schemeClr>
-              </a:gs>
-            </a:gsLst>
-            <a:lin ang="5400000" scaled="1"/>
-          </a:gradFill>
-          <a:ln>
-            <a:solidFill>
-              <a:schemeClr val="accent1"/>
-            </a:solidFill>
-          </a:ln>
-        </p:spPr>
-        <p:txBody>
-          <a:bodyPr wrap="none" anchor="ctr" anchorCtr="1">
-            <a:normAutofit/>
-          </a:bodyPr>
-          <a:lstStyle/>
-          <a:p>
-            <a:r>
-              <a:rPr lang="en-US" sz="4000" dirty="0">
-                <a:effectLst/>
-              </a:rPr>
-              <a:t>Quantum Mechanics</a:t>
-            </a:r>
-          </a:p>
-        </p:txBody>
-      </p:sp>
-      <p:sp>
-        <p:nvSpPr>
-          <p:cNvPr id="5" name="Text Placeholder 4">
-            <a:extLst>
-              <a:ext uri="{FF2B5EF4-FFF2-40B4-BE49-F238E27FC236}">
-                <a16:creationId xmlns:a16="http://schemas.microsoft.com/office/drawing/2014/main" id="{7DDB8769-8E33-4337-A262-7E6EE3F1AD19}"/>
-              </a:ext>
-            </a:extLst>
-          </p:cNvPr>
-          <p:cNvSpPr>
-            <a:spLocks noGrp="1"/>
-          </p:cNvSpPr>
-          <p:nvPr>
-            <p:ph type="body" sz="quarter" idx="3"/>
-          </p:nvPr>
-        </p:nvSpPr>
-        <p:spPr>
-          <a:gradFill>
-            <a:gsLst>
-              <a:gs pos="0">
-                <a:schemeClr val="accent1">
-                  <a:lumMod val="5000"/>
-                  <a:lumOff val="95000"/>
-                </a:schemeClr>
-              </a:gs>
-              <a:gs pos="74000">
-                <a:schemeClr val="accent1">
-                  <a:lumMod val="45000"/>
-                  <a:lumOff val="55000"/>
-                </a:schemeClr>
-              </a:gs>
-              <a:gs pos="83000">
-                <a:schemeClr val="accent1">
-                  <a:lumMod val="45000"/>
-                  <a:lumOff val="55000"/>
-                </a:schemeClr>
-              </a:gs>
-              <a:gs pos="100000">
-                <a:schemeClr val="accent1">
-                  <a:lumMod val="30000"/>
-                  <a:lumOff val="70000"/>
-                </a:schemeClr>
-              </a:gs>
-            </a:gsLst>
-            <a:lin ang="5400000" scaled="1"/>
-          </a:gradFill>
-          <a:ln>
-            <a:solidFill>
-              <a:schemeClr val="accent1"/>
-            </a:solidFill>
-          </a:ln>
-        </p:spPr>
-        <p:txBody>
-          <a:bodyPr anchor="ctr" anchorCtr="1">
-            <a:normAutofit/>
-          </a:bodyPr>
-          <a:lstStyle/>
-          <a:p>
-            <a:r>
-              <a:rPr lang="en-US" sz="4000" dirty="0">
-                <a:effectLst/>
-              </a:rPr>
-              <a:t>Computer Science</a:t>
-            </a:r>
-          </a:p>
-        </p:txBody>
-      </p:sp>
-      <p:sp>
-        <p:nvSpPr>
-          <p:cNvPr id="7" name="Left Brace 6">
-            <a:extLst>
-              <a:ext uri="{FF2B5EF4-FFF2-40B4-BE49-F238E27FC236}">
-                <a16:creationId xmlns:a16="http://schemas.microsoft.com/office/drawing/2014/main" id="{8E435564-4AF0-42F8-80C7-CCBEA7D7A1D4}"/>
-              </a:ext>
-            </a:extLst>
-          </p:cNvPr>
-          <p:cNvSpPr/>
-          <p:nvPr/>
-        </p:nvSpPr>
-        <p:spPr>
-          <a:xfrm rot="16200000">
-            <a:off x="3272589" y="2505075"/>
-            <a:ext cx="45719" cy="2671762"/>
+          <a:xfrm>
+            <a:off x="838200" y="4719568"/>
+            <a:ext cx="10515600" cy="1325563"/>
           </a:xfrm>
-          <a:prstGeom prst="leftBrace">
+          <a:prstGeom prst="rect">
             <a:avLst/>
           </a:prstGeom>
         </p:spPr>
-        <p:style>
-          <a:lnRef idx="1">
-            <a:schemeClr val="accent1"/>
-          </a:lnRef>
-          <a:fillRef idx="0">
-            <a:schemeClr val="accent1"/>
-          </a:fillRef>
-          <a:effectRef idx="0">
-            <a:schemeClr val="accent1"/>
-          </a:effectRef>
-          <a:fontRef idx="minor">
-            <a:schemeClr val="tx1"/>
-          </a:fontRef>
-        </p:style>
-        <p:txBody>
-          <a:bodyPr rtlCol="0" anchor="ctr"/>
-          <a:lstStyle/>
-          <a:p>
-            <a:pPr algn="ctr"/>
-            <a:endParaRPr lang="en-US"/>
+        <p:txBody>
+          <a:bodyPr vert="horz" lIns="91440" tIns="45720" rIns="91440" bIns="45720" rtlCol="0" anchor="ctr">
+            <a:normAutofit/>
+          </a:bodyPr>
+          <a:lstStyle>
+            <a:lvl1pPr algn="l" defTabSz="914400" rtl="0" eaLnBrk="1" latinLnBrk="0" hangingPunct="1">
+              <a:lnSpc>
+                <a:spcPct val="90000"/>
+              </a:lnSpc>
+              <a:spcBef>
+                <a:spcPct val="0"/>
+              </a:spcBef>
+              <a:buNone/>
+              <a:defRPr sz="4400" kern="1200">
+                <a:solidFill>
+                  <a:schemeClr val="tx1"/>
+                </a:solidFill>
+                <a:latin typeface="+mj-lt"/>
+                <a:ea typeface="+mj-ea"/>
+                <a:cs typeface="+mj-cs"/>
+              </a:defRPr>
+            </a:lvl1pPr>
+          </a:lstStyle>
+          <a:p>
+            <a:r>
+              <a:rPr lang="en-US" dirty="0"/>
+              <a:t>Check the compatibility of Quantum Mechanics and Computer Science.</a:t>
+            </a:r>
           </a:p>
         </p:txBody>
       </p:sp>
     </p:spTree>
     <p:extLst>
       <p:ext uri="{BB962C8B-B14F-4D97-AF65-F5344CB8AC3E}">
-        <p14:creationId xmlns:p14="http://schemas.microsoft.com/office/powerpoint/2010/main" val="925967257"/>
+        <p14:creationId xmlns:p14="http://schemas.microsoft.com/office/powerpoint/2010/main" val="1278134303"/>
+      </p:ext>
+    </p:extLst>
+  </p:cSld>
+  <p:clrMapOvr>
+    <a:masterClrMapping/>
+  </p:clrMapOvr>
+</p:sld>
+</file>
+
+<file path=ppt/slides/slide3.xml><?xml version="1.0" encoding="utf-8"?>
+<p:sld xmlns:a="http://schemas.openxmlformats.org/drawingml/2006/main" xmlns:r="http://schemas.openxmlformats.org/officeDocument/2006/relationships" xmlns:p="http://schemas.openxmlformats.org/presentationml/2006/main">
+  <p:cSld>
+    <p:spTree>
+      <p:nvGrpSpPr>
+        <p:cNvPr id="1" name=""/>
+        <p:cNvGrpSpPr/>
+        <p:nvPr/>
+      </p:nvGrpSpPr>
+      <p:grpSpPr>
+        <a:xfrm>
+          <a:off x="0" y="0"/>
+          <a:ext cx="0" cy="0"/>
+          <a:chOff x="0" y="0"/>
+          <a:chExt cx="0" cy="0"/>
+        </a:xfrm>
+      </p:grpSpPr>
+      <p:sp>
+        <p:nvSpPr>
+          <p:cNvPr id="2" name="Title 1">
+            <a:extLst>
+              <a:ext uri="{FF2B5EF4-FFF2-40B4-BE49-F238E27FC236}">
+                <a16:creationId xmlns:a16="http://schemas.microsoft.com/office/drawing/2014/main" id="{8C8FF64E-CC13-4648-8379-8859FED32EF4}"/>
+              </a:ext>
+            </a:extLst>
+          </p:cNvPr>
+          <p:cNvSpPr>
+            <a:spLocks noGrp="1"/>
+          </p:cNvSpPr>
+          <p:nvPr>
+            <p:ph type="title"/>
+          </p:nvPr>
+        </p:nvSpPr>
+        <p:spPr/>
+        <p:txBody>
+          <a:bodyPr/>
+          <a:lstStyle/>
+          <a:p>
+            <a:r>
+              <a:rPr lang="en-US" dirty="0"/>
+              <a:t>Quantum Mechanics is based on continuous.</a:t>
+            </a:r>
+            <a:br>
+              <a:rPr lang="en-US" dirty="0"/>
+            </a:br>
+            <a:r>
+              <a:rPr lang="en-US" dirty="0"/>
+              <a:t>How about Computer Science?</a:t>
+            </a:r>
+          </a:p>
+        </p:txBody>
+      </p:sp>
+      <p:graphicFrame>
+        <p:nvGraphicFramePr>
+          <p:cNvPr id="4" name="Content Placeholder 3">
+            <a:extLst>
+              <a:ext uri="{FF2B5EF4-FFF2-40B4-BE49-F238E27FC236}">
+                <a16:creationId xmlns:a16="http://schemas.microsoft.com/office/drawing/2014/main" id="{529004A3-52A7-4592-8356-C5BAA460BC52}"/>
+              </a:ext>
+            </a:extLst>
+          </p:cNvPr>
+          <p:cNvGraphicFramePr>
+            <a:graphicFrameLocks noGrp="1"/>
+          </p:cNvGraphicFramePr>
+          <p:nvPr>
+            <p:ph idx="1"/>
+            <p:extLst>
+              <p:ext uri="{D42A27DB-BD31-4B8C-83A1-F6EECF244321}">
+                <p14:modId xmlns:p14="http://schemas.microsoft.com/office/powerpoint/2010/main" val="435108058"/>
+              </p:ext>
+            </p:extLst>
+          </p:nvPr>
+        </p:nvGraphicFramePr>
+        <p:xfrm>
+          <a:off x="838200" y="1845503"/>
+          <a:ext cx="10045175" cy="4099560"/>
+        </p:xfrm>
+        <a:graphic>
+          <a:graphicData uri="http://schemas.openxmlformats.org/drawingml/2006/table">
+            <a:tbl>
+              <a:tblPr firstRow="1" bandRow="1">
+                <a:tableStyleId>{5C22544A-7EE6-4342-B048-85BDC9FD1C3A}</a:tableStyleId>
+              </a:tblPr>
+              <a:tblGrid>
+                <a:gridCol w="2520188">
+                  <a:extLst>
+                    <a:ext uri="{9D8B030D-6E8A-4147-A177-3AD203B41FA5}">
+                      <a16:colId xmlns:a16="http://schemas.microsoft.com/office/drawing/2014/main" val="1179165086"/>
+                    </a:ext>
+                  </a:extLst>
+                </a:gridCol>
+                <a:gridCol w="2923142">
+                  <a:extLst>
+                    <a:ext uri="{9D8B030D-6E8A-4147-A177-3AD203B41FA5}">
+                      <a16:colId xmlns:a16="http://schemas.microsoft.com/office/drawing/2014/main" val="836440028"/>
+                    </a:ext>
+                  </a:extLst>
+                </a:gridCol>
+                <a:gridCol w="4601845">
+                  <a:extLst>
+                    <a:ext uri="{9D8B030D-6E8A-4147-A177-3AD203B41FA5}">
+                      <a16:colId xmlns:a16="http://schemas.microsoft.com/office/drawing/2014/main" val="1931523512"/>
+                    </a:ext>
+                  </a:extLst>
+                </a:gridCol>
+              </a:tblGrid>
+              <a:tr h="370840">
+                <a:tc>
+                  <a:txBody>
+                    <a:bodyPr/>
+                    <a:lstStyle/>
+                    <a:p>
+                      <a:pPr algn="ctr"/>
+                      <a:endParaRPr lang="en-US" dirty="0"/>
+                    </a:p>
+                  </a:txBody>
+                  <a:tcPr anchor="ctr"/>
+                </a:tc>
+                <a:tc>
+                  <a:txBody>
+                    <a:bodyPr/>
+                    <a:lstStyle/>
+                    <a:p>
+                      <a:pPr algn="ctr"/>
+                      <a:r>
+                        <a:rPr lang="en-US" dirty="0"/>
+                        <a:t>Discrete</a:t>
+                      </a:r>
+                    </a:p>
+                  </a:txBody>
+                  <a:tcPr anchor="ctr"/>
+                </a:tc>
+                <a:tc>
+                  <a:txBody>
+                    <a:bodyPr/>
+                    <a:lstStyle/>
+                    <a:p>
+                      <a:pPr algn="ctr"/>
+                      <a:r>
+                        <a:rPr lang="en-US" dirty="0"/>
+                        <a:t>Continuum</a:t>
+                      </a:r>
+                    </a:p>
+                  </a:txBody>
+                  <a:tcPr anchor="ctr"/>
+                </a:tc>
+                <a:extLst>
+                  <a:ext uri="{0D108BD9-81ED-4DB2-BD59-A6C34878D82A}">
+                    <a16:rowId xmlns:a16="http://schemas.microsoft.com/office/drawing/2014/main" val="3468337323"/>
+                  </a:ext>
+                </a:extLst>
+              </a:tr>
+              <a:tr h="370840">
+                <a:tc>
+                  <a:txBody>
+                    <a:bodyPr/>
+                    <a:lstStyle/>
+                    <a:p>
+                      <a:pPr algn="ctr"/>
+                      <a:r>
+                        <a:rPr lang="en-US" dirty="0"/>
+                        <a:t>Theoretical  Model</a:t>
+                      </a:r>
+                    </a:p>
+                  </a:txBody>
+                  <a:tcPr anchor="ctr"/>
+                </a:tc>
+                <a:tc>
+                  <a:txBody>
+                    <a:bodyPr/>
+                    <a:lstStyle/>
+                    <a:p>
+                      <a:pPr marL="0" marR="0" lvl="0" indent="0" algn="ctr" defTabSz="914400" rtl="0" eaLnBrk="1" fontAlgn="auto" latinLnBrk="0" hangingPunct="1">
+                        <a:lnSpc>
+                          <a:spcPct val="100000"/>
+                        </a:lnSpc>
+                        <a:spcBef>
+                          <a:spcPts val="0"/>
+                        </a:spcBef>
+                        <a:spcAft>
+                          <a:spcPts val="0"/>
+                        </a:spcAft>
+                        <a:buClrTx/>
+                        <a:buSzTx/>
+                        <a:buFontTx/>
+                        <a:buNone/>
+                        <a:tabLst/>
+                        <a:defRPr/>
+                      </a:pPr>
+                      <a:r>
+                        <a:rPr lang="en-US" sz="1800" b="0" i="0" u="none" strike="noStrike" kern="1200" baseline="0" dirty="0">
+                          <a:solidFill>
+                            <a:schemeClr val="dk1"/>
+                          </a:solidFill>
+                          <a:latin typeface="+mn-lt"/>
+                          <a:ea typeface="+mn-ea"/>
+                          <a:cs typeface="+mn-cs"/>
+                        </a:rPr>
+                        <a:t>Turing machine</a:t>
+                      </a:r>
+                      <a:endParaRPr lang="en-US" dirty="0"/>
+                    </a:p>
+                  </a:txBody>
+                  <a:tcPr anchor="ctr"/>
+                </a:tc>
+                <a:tc>
+                  <a:txBody>
+                    <a:bodyPr/>
+                    <a:lstStyle/>
+                    <a:p>
+                      <a:pPr marL="0" marR="0" lvl="0" indent="0" algn="ctr" defTabSz="914400" rtl="0" eaLnBrk="1" fontAlgn="auto" latinLnBrk="0" hangingPunct="1">
+                        <a:lnSpc>
+                          <a:spcPct val="100000"/>
+                        </a:lnSpc>
+                        <a:spcBef>
+                          <a:spcPts val="0"/>
+                        </a:spcBef>
+                        <a:spcAft>
+                          <a:spcPts val="0"/>
+                        </a:spcAft>
+                        <a:buClrTx/>
+                        <a:buSzTx/>
+                        <a:buFontTx/>
+                        <a:buNone/>
+                        <a:tabLst/>
+                        <a:defRPr/>
+                      </a:pPr>
+                      <a:r>
+                        <a:rPr lang="en-US" sz="1800" b="0" i="0" u="none" strike="noStrike" kern="1200" baseline="0" dirty="0">
+                          <a:solidFill>
+                            <a:schemeClr val="dk1"/>
+                          </a:solidFill>
+                          <a:latin typeface="+mn-lt"/>
+                          <a:ea typeface="+mn-ea"/>
+                          <a:cs typeface="+mn-cs"/>
+                        </a:rPr>
+                        <a:t>BCSS machine</a:t>
+                      </a:r>
+                      <a:endParaRPr lang="en-US" dirty="0"/>
+                    </a:p>
+                  </a:txBody>
+                  <a:tcPr anchor="ctr"/>
+                </a:tc>
+                <a:extLst>
+                  <a:ext uri="{0D108BD9-81ED-4DB2-BD59-A6C34878D82A}">
+                    <a16:rowId xmlns:a16="http://schemas.microsoft.com/office/drawing/2014/main" val="1775492903"/>
+                  </a:ext>
+                </a:extLst>
+              </a:tr>
+              <a:tr h="370840">
+                <a:tc>
+                  <a:txBody>
+                    <a:bodyPr/>
+                    <a:lstStyle/>
+                    <a:p>
+                      <a:pPr algn="ctr"/>
+                      <a:r>
+                        <a:rPr lang="en-US" dirty="0"/>
+                        <a:t>Physical Realization</a:t>
+                      </a:r>
+                    </a:p>
+                  </a:txBody>
+                  <a:tcPr anchor="ctr"/>
+                </a:tc>
+                <a:tc>
+                  <a:txBody>
+                    <a:bodyPr/>
+                    <a:lstStyle/>
+                    <a:p>
+                      <a:pPr marL="0" marR="0" lvl="0" indent="0" algn="ctr" defTabSz="914400" rtl="0" eaLnBrk="1" fontAlgn="auto" latinLnBrk="0" hangingPunct="1">
+                        <a:lnSpc>
+                          <a:spcPct val="100000"/>
+                        </a:lnSpc>
+                        <a:spcBef>
+                          <a:spcPts val="0"/>
+                        </a:spcBef>
+                        <a:spcAft>
+                          <a:spcPts val="0"/>
+                        </a:spcAft>
+                        <a:buClrTx/>
+                        <a:buSzTx/>
+                        <a:buFontTx/>
+                        <a:buNone/>
+                        <a:tabLst/>
+                        <a:defRPr/>
+                      </a:pPr>
+                      <a:r>
+                        <a:rPr lang="en-US" sz="1800" b="0" i="0" u="none" strike="noStrike" kern="1200" baseline="0" dirty="0">
+                          <a:solidFill>
+                            <a:schemeClr val="dk1"/>
+                          </a:solidFill>
+                          <a:latin typeface="+mn-lt"/>
+                          <a:ea typeface="+mn-ea"/>
+                          <a:cs typeface="+mn-cs"/>
+                        </a:rPr>
+                        <a:t>Digital Computer</a:t>
+                      </a:r>
+                      <a:endParaRPr lang="en-US" dirty="0"/>
+                    </a:p>
+                  </a:txBody>
+                  <a:tcPr anchor="ctr"/>
+                </a:tc>
+                <a:tc>
+                  <a:txBody>
+                    <a:bodyPr/>
+                    <a:lstStyle/>
+                    <a:p>
+                      <a:pPr marL="0" marR="0" lvl="0" indent="0" algn="ctr" defTabSz="914400" rtl="0" eaLnBrk="1" fontAlgn="auto" latinLnBrk="0" hangingPunct="1">
+                        <a:lnSpc>
+                          <a:spcPct val="100000"/>
+                        </a:lnSpc>
+                        <a:spcBef>
+                          <a:spcPts val="0"/>
+                        </a:spcBef>
+                        <a:spcAft>
+                          <a:spcPts val="0"/>
+                        </a:spcAft>
+                        <a:buClrTx/>
+                        <a:buSzTx/>
+                        <a:buFontTx/>
+                        <a:buNone/>
+                        <a:tabLst/>
+                        <a:defRPr/>
+                      </a:pPr>
+                      <a:r>
+                        <a:rPr lang="en-US" sz="1800" b="0" i="0" u="none" strike="noStrike" kern="1200" baseline="0" dirty="0">
+                          <a:solidFill>
+                            <a:schemeClr val="dk1"/>
+                          </a:solidFill>
+                          <a:latin typeface="+mn-lt"/>
+                          <a:ea typeface="+mn-ea"/>
+                          <a:cs typeface="+mn-cs"/>
+                        </a:rPr>
+                        <a:t>Analog Computer</a:t>
+                      </a:r>
+                      <a:endParaRPr lang="en-US" dirty="0"/>
+                    </a:p>
+                  </a:txBody>
+                  <a:tcPr anchor="ctr"/>
+                </a:tc>
+                <a:extLst>
+                  <a:ext uri="{0D108BD9-81ED-4DB2-BD59-A6C34878D82A}">
+                    <a16:rowId xmlns:a16="http://schemas.microsoft.com/office/drawing/2014/main" val="1992587287"/>
+                  </a:ext>
+                </a:extLst>
+              </a:tr>
+              <a:tr h="370840">
+                <a:tc>
+                  <a:txBody>
+                    <a:bodyPr/>
+                    <a:lstStyle/>
+                    <a:p>
+                      <a:pPr algn="ctr"/>
+                      <a:r>
+                        <a:rPr lang="en-US" dirty="0"/>
+                        <a:t>How the models realize?</a:t>
+                      </a:r>
+                    </a:p>
+                  </a:txBody>
+                  <a:tcPr anchor="ctr"/>
+                </a:tc>
+                <a:tc>
+                  <a:txBody>
+                    <a:bodyPr/>
+                    <a:lstStyle/>
+                    <a:p>
+                      <a:pPr algn="ctr"/>
+                      <a:r>
+                        <a:rPr lang="en-US" sz="1800" b="0" i="0" u="none" strike="noStrike" kern="1200" baseline="0" dirty="0">
+                          <a:solidFill>
+                            <a:schemeClr val="dk1"/>
+                          </a:solidFill>
+                          <a:latin typeface="+mn-lt"/>
+                          <a:ea typeface="+mn-ea"/>
+                          <a:cs typeface="+mn-cs"/>
+                        </a:rPr>
+                        <a:t>Reliably</a:t>
+                      </a:r>
+                      <a:endParaRPr lang="en-US" dirty="0"/>
+                    </a:p>
+                  </a:txBody>
+                  <a:tcPr anchor="ctr"/>
+                </a:tc>
+                <a:tc>
+                  <a:txBody>
+                    <a:bodyPr/>
+                    <a:lstStyle/>
+                    <a:p>
+                      <a:pPr marL="0" marR="0" lvl="0" indent="0" algn="l" defTabSz="914400" rtl="0" eaLnBrk="1" fontAlgn="auto" latinLnBrk="0" hangingPunct="1">
+                        <a:lnSpc>
+                          <a:spcPct val="100000"/>
+                        </a:lnSpc>
+                        <a:spcBef>
+                          <a:spcPts val="0"/>
+                        </a:spcBef>
+                        <a:spcAft>
+                          <a:spcPts val="0"/>
+                        </a:spcAft>
+                        <a:buClrTx/>
+                        <a:buSzTx/>
+                        <a:buFontTx/>
+                        <a:buNone/>
+                        <a:tabLst/>
+                        <a:defRPr/>
+                      </a:pPr>
+                      <a:r>
+                        <a:rPr lang="en-US" sz="1800" b="0" i="0" u="none" strike="noStrike" kern="1200" baseline="0" dirty="0">
+                          <a:solidFill>
+                            <a:schemeClr val="dk1"/>
+                          </a:solidFill>
+                          <a:latin typeface="+mn-lt"/>
+                          <a:ea typeface="+mn-ea"/>
+                          <a:cs typeface="+mn-cs"/>
+                        </a:rPr>
+                        <a:t>Not Reliably:</a:t>
+                      </a:r>
+                      <a:endParaRPr lang="en-US" dirty="0"/>
+                    </a:p>
+                    <a:p>
+                      <a:pPr marL="342900" marR="0" lvl="0" indent="-342900" algn="l" defTabSz="914400" rtl="0" eaLnBrk="1" fontAlgn="auto" latinLnBrk="0" hangingPunct="1">
+                        <a:lnSpc>
+                          <a:spcPct val="100000"/>
+                        </a:lnSpc>
+                        <a:spcBef>
+                          <a:spcPts val="0"/>
+                        </a:spcBef>
+                        <a:spcAft>
+                          <a:spcPts val="0"/>
+                        </a:spcAft>
+                        <a:buClrTx/>
+                        <a:buSzTx/>
+                        <a:buFontTx/>
+                        <a:buAutoNum type="arabicPeriod"/>
+                        <a:tabLst/>
+                        <a:defRPr/>
+                      </a:pPr>
+                      <a:r>
+                        <a:rPr lang="en-US" dirty="0"/>
+                        <a:t>The </a:t>
+                      </a:r>
+                      <a:r>
+                        <a:rPr lang="en-US" sz="1800" b="0" i="0" u="none" strike="noStrike" kern="1200" baseline="0" dirty="0">
+                          <a:solidFill>
+                            <a:schemeClr val="dk1"/>
+                          </a:solidFill>
+                          <a:latin typeface="+mn-lt"/>
+                          <a:ea typeface="+mn-ea"/>
+                          <a:cs typeface="+mn-cs"/>
+                        </a:rPr>
+                        <a:t>quality might be quantized..</a:t>
+                      </a:r>
+                    </a:p>
+                    <a:p>
+                      <a:pPr marL="342900" marR="0" lvl="0" indent="-342900" algn="l" defTabSz="914400" rtl="0" eaLnBrk="1" fontAlgn="auto" latinLnBrk="0" hangingPunct="1">
+                        <a:lnSpc>
+                          <a:spcPct val="100000"/>
+                        </a:lnSpc>
+                        <a:spcBef>
+                          <a:spcPts val="0"/>
+                        </a:spcBef>
+                        <a:spcAft>
+                          <a:spcPts val="0"/>
+                        </a:spcAft>
+                        <a:buClrTx/>
+                        <a:buSzTx/>
+                        <a:buFontTx/>
+                        <a:buAutoNum type="arabicPeriod"/>
+                        <a:tabLst/>
+                        <a:defRPr/>
+                      </a:pPr>
+                      <a:r>
+                        <a:rPr lang="en-US" sz="1800" b="0" i="0" u="none" strike="noStrike" kern="1200" baseline="0" dirty="0">
+                          <a:solidFill>
+                            <a:schemeClr val="dk1"/>
+                          </a:solidFill>
+                          <a:latin typeface="+mn-lt"/>
+                          <a:ea typeface="+mn-ea"/>
+                          <a:cs typeface="+mn-cs"/>
+                        </a:rPr>
+                        <a:t>The precision of an analog computer is low.</a:t>
+                      </a:r>
+                      <a:endParaRPr lang="en-US" dirty="0"/>
+                    </a:p>
+                  </a:txBody>
+                  <a:tcPr anchor="ctr"/>
+                </a:tc>
+                <a:extLst>
+                  <a:ext uri="{0D108BD9-81ED-4DB2-BD59-A6C34878D82A}">
+                    <a16:rowId xmlns:a16="http://schemas.microsoft.com/office/drawing/2014/main" val="58795956"/>
+                  </a:ext>
+                </a:extLst>
+              </a:tr>
+              <a:tr h="370840">
+                <a:tc gridSpan="3">
+                  <a:txBody>
+                    <a:bodyPr/>
+                    <a:lstStyle/>
+                    <a:p>
+                      <a:pPr algn="l"/>
+                      <a:r>
+                        <a:rPr lang="en-US" sz="4400" dirty="0"/>
+                        <a:t>Build a </a:t>
+                      </a:r>
+                      <a:r>
+                        <a:rPr lang="en-US" sz="4400" b="0" i="0" u="none" strike="noStrike" kern="1200" baseline="0" dirty="0">
+                          <a:solidFill>
+                            <a:schemeClr val="dk1"/>
+                          </a:solidFill>
+                          <a:latin typeface="+mn-lt"/>
+                          <a:ea typeface="+mn-ea"/>
+                          <a:cs typeface="+mn-cs"/>
+                        </a:rPr>
+                        <a:t>more faithful Quantum Computing model?</a:t>
+                      </a:r>
+                      <a:endParaRPr lang="en-US" sz="4400" dirty="0"/>
+                    </a:p>
+                  </a:txBody>
+                  <a:tcPr anchor="ctr">
+                    <a:solidFill>
+                      <a:schemeClr val="bg1"/>
+                    </a:solidFill>
+                  </a:tcPr>
+                </a:tc>
+                <a:tc hMerge="1">
+                  <a:txBody>
+                    <a:bodyPr/>
+                    <a:lstStyle/>
+                    <a:p>
+                      <a:endParaRPr lang="en-US" dirty="0"/>
+                    </a:p>
+                  </a:txBody>
+                  <a:tcPr/>
+                </a:tc>
+                <a:tc hMerge="1">
+                  <a:txBody>
+                    <a:bodyPr/>
+                    <a:lstStyle/>
+                    <a:p>
+                      <a:endParaRPr lang="en-US" dirty="0"/>
+                    </a:p>
+                  </a:txBody>
+                  <a:tcPr/>
+                </a:tc>
+                <a:extLst>
+                  <a:ext uri="{0D108BD9-81ED-4DB2-BD59-A6C34878D82A}">
+                    <a16:rowId xmlns:a16="http://schemas.microsoft.com/office/drawing/2014/main" val="4151715633"/>
+                  </a:ext>
+                </a:extLst>
+              </a:tr>
+              <a:tr h="370840">
+                <a:tc>
+                  <a:txBody>
+                    <a:bodyPr/>
+                    <a:lstStyle/>
+                    <a:p>
+                      <a:pPr algn="ctr"/>
+                      <a:r>
+                        <a:rPr lang="en-US" dirty="0"/>
+                        <a:t>Our Quantum Models</a:t>
+                      </a:r>
+                    </a:p>
+                  </a:txBody>
+                  <a:tcPr anchor="ctr"/>
+                </a:tc>
+                <a:tc>
+                  <a:txBody>
+                    <a:bodyPr/>
+                    <a:lstStyle/>
+                    <a:p>
+                      <a:pPr algn="ctr"/>
+                      <a:r>
+                        <a:rPr lang="en-US" sz="1800" b="0" i="0" u="none" strike="noStrike" kern="1200" baseline="0" dirty="0">
+                          <a:solidFill>
+                            <a:schemeClr val="dk1"/>
+                          </a:solidFill>
+                          <a:latin typeface="+mn-lt"/>
+                          <a:ea typeface="+mn-ea"/>
+                          <a:cs typeface="+mn-cs"/>
+                        </a:rPr>
+                        <a:t>Quantum Theories and Computing over Finite Fields</a:t>
+                      </a:r>
+                      <a:endParaRPr lang="en-US" dirty="0"/>
+                    </a:p>
+                  </a:txBody>
+                  <a:tcPr anchor="ctr"/>
+                </a:tc>
+                <a:tc>
+                  <a:txBody>
+                    <a:bodyPr/>
+                    <a:lstStyle/>
+                    <a:p>
+                      <a:pPr algn="ctr"/>
+                      <a:r>
+                        <a:rPr lang="en-US" sz="1800" b="0" i="0" u="none" strike="noStrike" kern="1200" baseline="0" dirty="0">
+                          <a:solidFill>
+                            <a:schemeClr val="dk1"/>
+                          </a:solidFill>
+                          <a:latin typeface="+mn-lt"/>
+                          <a:ea typeface="+mn-ea"/>
+                          <a:cs typeface="+mn-cs"/>
+                        </a:rPr>
+                        <a:t>Quantum Interval-Valued Probability Measures</a:t>
+                      </a:r>
+                      <a:endParaRPr lang="en-US" dirty="0"/>
+                    </a:p>
+                  </a:txBody>
+                  <a:tcPr anchor="ctr"/>
+                </a:tc>
+                <a:extLst>
+                  <a:ext uri="{0D108BD9-81ED-4DB2-BD59-A6C34878D82A}">
+                    <a16:rowId xmlns:a16="http://schemas.microsoft.com/office/drawing/2014/main" val="750985669"/>
+                  </a:ext>
+                </a:extLst>
+              </a:tr>
+            </a:tbl>
+          </a:graphicData>
+        </a:graphic>
+      </p:graphicFrame>
+    </p:spTree>
+    <p:extLst>
+      <p:ext uri="{BB962C8B-B14F-4D97-AF65-F5344CB8AC3E}">
+        <p14:creationId xmlns:p14="http://schemas.microsoft.com/office/powerpoint/2010/main" val="3876686366"/>
+      </p:ext>
+    </p:extLst>
+  </p:cSld>
+  <p:clrMapOvr>
+    <a:masterClrMapping/>
+  </p:clrMapOvr>
+</p:sld>
+</file>
+
+<file path=ppt/slides/slide4.xml><?xml version="1.0" encoding="utf-8"?>
+<p:sld xmlns:a="http://schemas.openxmlformats.org/drawingml/2006/main" xmlns:r="http://schemas.openxmlformats.org/officeDocument/2006/relationships" xmlns:p="http://schemas.openxmlformats.org/presentationml/2006/main">
+  <p:cSld>
+    <p:spTree>
+      <p:nvGrpSpPr>
+        <p:cNvPr id="1" name=""/>
+        <p:cNvGrpSpPr/>
+        <p:nvPr/>
+      </p:nvGrpSpPr>
+      <p:grpSpPr>
+        <a:xfrm>
+          <a:off x="0" y="0"/>
+          <a:ext cx="0" cy="0"/>
+          <a:chOff x="0" y="0"/>
+          <a:chExt cx="0" cy="0"/>
+        </a:xfrm>
+      </p:grpSpPr>
+      <p:sp>
+        <p:nvSpPr>
+          <p:cNvPr id="2" name="Title 1">
+            <a:extLst>
+              <a:ext uri="{FF2B5EF4-FFF2-40B4-BE49-F238E27FC236}">
+                <a16:creationId xmlns:a16="http://schemas.microsoft.com/office/drawing/2014/main" id="{BD296307-E1F9-4BFF-988D-A881D7D3B01E}"/>
+              </a:ext>
+            </a:extLst>
+          </p:cNvPr>
+          <p:cNvSpPr>
+            <a:spLocks noGrp="1"/>
+          </p:cNvSpPr>
+          <p:nvPr>
+            <p:ph type="title"/>
+          </p:nvPr>
+        </p:nvSpPr>
+        <p:spPr/>
+        <p:txBody>
+          <a:bodyPr/>
+          <a:lstStyle/>
+          <a:p>
+            <a:r>
+              <a:rPr lang="en-US" dirty="0"/>
+              <a:t>Conventional Quantum Theory</a:t>
+            </a:r>
+          </a:p>
+        </p:txBody>
+      </p:sp>
+      <p:sp>
+        <p:nvSpPr>
+          <p:cNvPr id="3" name="Text Placeholder 2">
+            <a:extLst>
+              <a:ext uri="{FF2B5EF4-FFF2-40B4-BE49-F238E27FC236}">
+                <a16:creationId xmlns:a16="http://schemas.microsoft.com/office/drawing/2014/main" id="{B2D08CDE-27D5-4BF7-A950-7F73EB14D08B}"/>
+              </a:ext>
+            </a:extLst>
+          </p:cNvPr>
+          <p:cNvSpPr>
+            <a:spLocks noGrp="1"/>
+          </p:cNvSpPr>
+          <p:nvPr>
+            <p:ph type="body" idx="1"/>
+          </p:nvPr>
+        </p:nvSpPr>
+        <p:spPr/>
+        <p:txBody>
+          <a:bodyPr/>
+          <a:lstStyle/>
+          <a:p>
+            <a:endParaRPr lang="en-US"/>
+          </a:p>
+        </p:txBody>
+      </p:sp>
+    </p:spTree>
+    <p:extLst>
+      <p:ext uri="{BB962C8B-B14F-4D97-AF65-F5344CB8AC3E}">
+        <p14:creationId xmlns:p14="http://schemas.microsoft.com/office/powerpoint/2010/main" val="1637760746"/>
+      </p:ext>
+    </p:extLst>
+  </p:cSld>
+  <p:clrMapOvr>
+    <a:masterClrMapping/>
+  </p:clrMapOvr>
+</p:sld>
+</file>
+
+<file path=ppt/slides/slide5.xml><?xml version="1.0" encoding="utf-8"?>
+<p:sld xmlns:a="http://schemas.openxmlformats.org/drawingml/2006/main" xmlns:r="http://schemas.openxmlformats.org/officeDocument/2006/relationships" xmlns:p="http://schemas.openxmlformats.org/presentationml/2006/main">
+  <p:cSld>
+    <p:spTree>
+      <p:nvGrpSpPr>
+        <p:cNvPr id="1" name=""/>
+        <p:cNvGrpSpPr/>
+        <p:nvPr/>
+      </p:nvGrpSpPr>
+      <p:grpSpPr>
+        <a:xfrm>
+          <a:off x="0" y="0"/>
+          <a:ext cx="0" cy="0"/>
+          <a:chOff x="0" y="0"/>
+          <a:chExt cx="0" cy="0"/>
+        </a:xfrm>
+      </p:grpSpPr>
+      <p:sp>
+        <p:nvSpPr>
+          <p:cNvPr id="2" name="Title 1">
+            <a:extLst>
+              <a:ext uri="{FF2B5EF4-FFF2-40B4-BE49-F238E27FC236}">
+                <a16:creationId xmlns:a16="http://schemas.microsoft.com/office/drawing/2014/main" id="{C9D80EE5-8496-4EB9-A306-44EBD0AE3424}"/>
+              </a:ext>
+            </a:extLst>
+          </p:cNvPr>
+          <p:cNvSpPr>
+            <a:spLocks noGrp="1"/>
+          </p:cNvSpPr>
+          <p:nvPr>
+            <p:ph type="title"/>
+          </p:nvPr>
+        </p:nvSpPr>
+        <p:spPr/>
+        <p:txBody>
+          <a:bodyPr/>
+          <a:lstStyle/>
+          <a:p>
+            <a:r>
+              <a:rPr lang="en-US" dirty="0"/>
+              <a:t>Conventional Quantum Theory</a:t>
+            </a:r>
+          </a:p>
+        </p:txBody>
+      </p:sp>
+      <mc:AlternateContent xmlns:mc="http://schemas.openxmlformats.org/markup-compatibility/2006" xmlns:a14="http://schemas.microsoft.com/office/drawing/2010/main">
+        <mc:Choice Requires="a14">
+          <p:sp>
+            <p:nvSpPr>
+              <p:cNvPr id="3" name="Content Placeholder 2">
+                <a:extLst>
+                  <a:ext uri="{FF2B5EF4-FFF2-40B4-BE49-F238E27FC236}">
+                    <a16:creationId xmlns:a16="http://schemas.microsoft.com/office/drawing/2014/main" id="{5A83289A-E06F-4EAC-8509-073420F85301}"/>
+                  </a:ext>
+                </a:extLst>
+              </p:cNvPr>
+              <p:cNvSpPr>
+                <a:spLocks noGrp="1"/>
+              </p:cNvSpPr>
+              <p:nvPr>
+                <p:ph idx="1"/>
+              </p:nvPr>
+            </p:nvSpPr>
+            <p:spPr/>
+            <p:txBody>
+              <a:bodyPr>
+                <a:normAutofit/>
+              </a:bodyPr>
+              <a:lstStyle/>
+              <a:p>
+                <a:pPr marL="571500" indent="-571500">
+                  <a:buFont typeface="+mj-lt"/>
+                  <a:buAutoNum type="romanLcPeriod"/>
+                </a:pPr>
+                <a14:m>
+                  <m:oMath xmlns:m="http://schemas.openxmlformats.org/officeDocument/2006/math">
+                    <m:r>
+                      <a:rPr lang="en-US" b="0" i="1" smtClean="0">
+                        <a:latin typeface="Cambria Math" panose="02040503050406030204" pitchFamily="18" charset="0"/>
+                      </a:rPr>
+                      <m:t>𝐷</m:t>
+                    </m:r>
+                  </m:oMath>
+                </a14:m>
+                <a:r>
+                  <a:rPr lang="en-US" dirty="0"/>
+                  <a:t> orthonormal basis vectors for a Hilbert space of dimension </a:t>
+                </a:r>
+                <a14:m>
+                  <m:oMath xmlns:m="http://schemas.openxmlformats.org/officeDocument/2006/math">
+                    <m:r>
+                      <a:rPr lang="en-US" b="0" i="1" smtClean="0">
+                        <a:latin typeface="Cambria Math" panose="02040503050406030204" pitchFamily="18" charset="0"/>
+                      </a:rPr>
+                      <m:t>𝐷</m:t>
+                    </m:r>
+                  </m:oMath>
+                </a14:m>
+                <a:r>
+                  <a:rPr lang="en-US" dirty="0"/>
+                  <a:t>.</a:t>
+                </a:r>
+              </a:p>
+              <a:p>
+                <a:pPr marL="571500" indent="-571500">
+                  <a:buFont typeface="+mj-lt"/>
+                  <a:buAutoNum type="romanLcPeriod"/>
+                </a:pPr>
+                <a14:m>
+                  <m:oMath xmlns:m="http://schemas.openxmlformats.org/officeDocument/2006/math">
+                    <m:r>
+                      <a:rPr lang="en-US" b="0" i="1" smtClean="0">
+                        <a:latin typeface="Cambria Math" panose="02040503050406030204" pitchFamily="18" charset="0"/>
+                      </a:rPr>
+                      <m:t>𝐷</m:t>
+                    </m:r>
+                  </m:oMath>
+                </a14:m>
+                <a:r>
+                  <a:rPr lang="en-US" dirty="0"/>
+                  <a:t>complex probability amplitude coefficients describing the contribution of each basis vector.</a:t>
+                </a:r>
+              </a:p>
+              <a:p>
+                <a:pPr marL="571500" indent="-571500">
+                  <a:buFont typeface="+mj-lt"/>
+                  <a:buAutoNum type="romanLcPeriod"/>
+                </a:pPr>
+                <a:r>
+                  <a:rPr lang="en-US" dirty="0"/>
+                  <a:t>A set of probability-conserving unitary matrix operators that suffice to describe all required state transformations of a quantum circuit.</a:t>
+                </a:r>
+              </a:p>
+              <a:p>
+                <a:pPr marL="571500" indent="-571500">
+                  <a:buFont typeface="+mj-lt"/>
+                  <a:buAutoNum type="romanLcPeriod"/>
+                </a:pPr>
+                <a:r>
+                  <a:rPr lang="en-US" dirty="0"/>
+                  <a:t>A measurement framework.</a:t>
+                </a:r>
+              </a:p>
+            </p:txBody>
+          </p:sp>
+        </mc:Choice>
+        <mc:Fallback xmlns="">
+          <p:sp>
+            <p:nvSpPr>
+              <p:cNvPr id="3" name="Content Placeholder 2">
+                <a:extLst>
+                  <a:ext uri="{FF2B5EF4-FFF2-40B4-BE49-F238E27FC236}">
+                    <a16:creationId xmlns:a16="http://schemas.microsoft.com/office/drawing/2014/main" id="{5A83289A-E06F-4EAC-8509-073420F85301}"/>
+                  </a:ext>
+                </a:extLst>
+              </p:cNvPr>
+              <p:cNvSpPr>
+                <a:spLocks noGrp="1" noRot="1" noChangeAspect="1" noMove="1" noResize="1" noEditPoints="1" noAdjustHandles="1" noChangeArrowheads="1" noChangeShapeType="1" noTextEdit="1"/>
+              </p:cNvSpPr>
+              <p:nvPr>
+                <p:ph idx="1"/>
+              </p:nvPr>
+            </p:nvSpPr>
+            <p:spPr>
+              <a:blipFill>
+                <a:blip r:embed="rId2"/>
+                <a:stretch>
+                  <a:fillRect l="-1217" t="-2241" r="-1391"/>
+                </a:stretch>
+              </a:blipFill>
+            </p:spPr>
+            <p:txBody>
+              <a:bodyPr/>
+              <a:lstStyle/>
+              <a:p>
+                <a:r>
+                  <a:rPr lang="en-US">
+                    <a:noFill/>
+                  </a:rPr>
+                  <a:t> </a:t>
+                </a:r>
+              </a:p>
+            </p:txBody>
+          </p:sp>
+        </mc:Fallback>
+      </mc:AlternateContent>
+    </p:spTree>
+    <p:extLst>
+      <p:ext uri="{BB962C8B-B14F-4D97-AF65-F5344CB8AC3E}">
+        <p14:creationId xmlns:p14="http://schemas.microsoft.com/office/powerpoint/2010/main" val="570466374"/>
+      </p:ext>
+    </p:extLst>
+  </p:cSld>
+  <p:clrMapOvr>
+    <a:masterClrMapping/>
+  </p:clrMapOvr>
+</p:sld>
+</file>
+
+<file path=ppt/slides/slide6.xml><?xml version="1.0" encoding="utf-8"?>
+<p:sld xmlns:a="http://schemas.openxmlformats.org/drawingml/2006/main" xmlns:r="http://schemas.openxmlformats.org/officeDocument/2006/relationships" xmlns:p="http://schemas.openxmlformats.org/presentationml/2006/main">
+  <p:cSld>
+    <p:spTree>
+      <p:nvGrpSpPr>
+        <p:cNvPr id="1" name=""/>
+        <p:cNvGrpSpPr/>
+        <p:nvPr/>
+      </p:nvGrpSpPr>
+      <p:grpSpPr>
+        <a:xfrm>
+          <a:off x="0" y="0"/>
+          <a:ext cx="0" cy="0"/>
+          <a:chOff x="0" y="0"/>
+          <a:chExt cx="0" cy="0"/>
+        </a:xfrm>
+      </p:grpSpPr>
+      <p:sp>
+        <p:nvSpPr>
+          <p:cNvPr id="2" name="Title 1">
+            <a:extLst>
+              <a:ext uri="{FF2B5EF4-FFF2-40B4-BE49-F238E27FC236}">
+                <a16:creationId xmlns:a16="http://schemas.microsoft.com/office/drawing/2014/main" id="{775EC7E8-80C5-4C74-A647-DCBDE4CB2E4D}"/>
+              </a:ext>
+            </a:extLst>
+          </p:cNvPr>
+          <p:cNvSpPr>
+            <a:spLocks noGrp="1"/>
+          </p:cNvSpPr>
+          <p:nvPr>
+            <p:ph type="title"/>
+          </p:nvPr>
+        </p:nvSpPr>
+        <p:spPr/>
+        <p:txBody>
+          <a:bodyPr/>
+          <a:lstStyle/>
+          <a:p>
+            <a:r>
+              <a:rPr lang="en-US" dirty="0"/>
+              <a:t>Pure State</a:t>
+            </a:r>
+          </a:p>
+        </p:txBody>
+      </p:sp>
+      <mc:AlternateContent xmlns:mc="http://schemas.openxmlformats.org/markup-compatibility/2006" xmlns:a14="http://schemas.microsoft.com/office/drawing/2010/main">
+        <mc:Choice Requires="a14">
+          <p:sp>
+            <p:nvSpPr>
+              <p:cNvPr id="3" name="Content Placeholder 2">
+                <a:extLst>
+                  <a:ext uri="{FF2B5EF4-FFF2-40B4-BE49-F238E27FC236}">
+                    <a16:creationId xmlns:a16="http://schemas.microsoft.com/office/drawing/2014/main" id="{6E40E0FA-A5AB-4253-9DB1-B97F166DEF37}"/>
+                  </a:ext>
+                </a:extLst>
+              </p:cNvPr>
+              <p:cNvSpPr>
+                <a:spLocks noGrp="1"/>
+              </p:cNvSpPr>
+              <p:nvPr>
+                <p:ph idx="1"/>
+              </p:nvPr>
+            </p:nvSpPr>
+            <p:spPr/>
+            <p:txBody>
+              <a:bodyPr>
+                <a:normAutofit lnSpcReduction="10000"/>
+              </a:bodyPr>
+              <a:lstStyle/>
+              <a:p>
+                <a:r>
+                  <a:rPr lang="en-US" dirty="0"/>
+                  <a:t>A pure state can be represented as a </a:t>
+                </a:r>
+                <a14:m>
+                  <m:oMath xmlns:m="http://schemas.openxmlformats.org/officeDocument/2006/math">
+                    <m:r>
+                      <a:rPr lang="en-US" b="0" i="1" smtClean="0">
+                        <a:latin typeface="Cambria Math" panose="02040503050406030204" pitchFamily="18" charset="0"/>
+                      </a:rPr>
+                      <m:t>𝐷</m:t>
+                    </m:r>
+                  </m:oMath>
+                </a14:m>
+                <a:r>
+                  <a:rPr lang="en-US" dirty="0"/>
+                  <a:t>-dimensional vector, </a:t>
+                </a:r>
+                <a14:m>
+                  <m:oMath xmlns:m="http://schemas.openxmlformats.org/officeDocument/2006/math">
+                    <m:d>
+                      <m:dPr>
+                        <m:begChr m:val="|"/>
+                        <m:endChr m:val="⟩"/>
+                        <m:ctrlPr>
+                          <a:rPr lang="en-US" b="0" i="1" smtClean="0">
+                            <a:latin typeface="Cambria Math" panose="02040503050406030204" pitchFamily="18" charset="0"/>
+                          </a:rPr>
+                        </m:ctrlPr>
+                      </m:dPr>
+                      <m:e>
+                        <m:r>
+                          <m:rPr>
+                            <m:sty m:val="p"/>
+                          </m:rPr>
+                          <a:rPr lang="en-US" b="0" i="0" smtClean="0">
+                            <a:latin typeface="Cambria Math" panose="02040503050406030204" pitchFamily="18" charset="0"/>
+                          </a:rPr>
+                          <m:t>Ψ</m:t>
+                        </m:r>
+                      </m:e>
+                    </m:d>
+                    <m:r>
+                      <a:rPr lang="en-US" b="0" i="1" smtClean="0">
+                        <a:latin typeface="Cambria Math" panose="02040503050406030204" pitchFamily="18" charset="0"/>
+                      </a:rPr>
+                      <m:t>=</m:t>
+                    </m:r>
+                    <m:nary>
+                      <m:naryPr>
+                        <m:chr m:val="∑"/>
+                        <m:ctrlPr>
+                          <a:rPr lang="en-US" b="0" i="1" smtClean="0">
+                            <a:latin typeface="Cambria Math" panose="02040503050406030204" pitchFamily="18" charset="0"/>
+                          </a:rPr>
+                        </m:ctrlPr>
+                      </m:naryPr>
+                      <m:sub>
+                        <m:r>
+                          <m:rPr>
+                            <m:brk m:alnAt="23"/>
+                          </m:rPr>
+                          <a:rPr lang="en-US" b="0" i="1" smtClean="0">
+                            <a:latin typeface="Cambria Math" panose="02040503050406030204" pitchFamily="18" charset="0"/>
+                          </a:rPr>
+                          <m:t>𝑖</m:t>
+                        </m:r>
+                        <m:r>
+                          <a:rPr lang="en-US" b="0" i="1" smtClean="0">
+                            <a:latin typeface="Cambria Math" panose="02040503050406030204" pitchFamily="18" charset="0"/>
+                          </a:rPr>
+                          <m:t>=0</m:t>
+                        </m:r>
+                      </m:sub>
+                      <m:sup>
+                        <m:r>
+                          <a:rPr lang="en-US" b="0" i="1" smtClean="0">
+                            <a:latin typeface="Cambria Math" panose="02040503050406030204" pitchFamily="18" charset="0"/>
+                          </a:rPr>
+                          <m:t>𝐷</m:t>
+                        </m:r>
+                        <m:r>
+                          <a:rPr lang="en-US" b="0" i="1" smtClean="0">
+                            <a:latin typeface="Cambria Math" panose="02040503050406030204" pitchFamily="18" charset="0"/>
+                          </a:rPr>
+                          <m:t>−1</m:t>
+                        </m:r>
+                      </m:sup>
+                      <m:e>
+                        <m:sSub>
+                          <m:sSubPr>
+                            <m:ctrlPr>
+                              <a:rPr lang="en-US" b="0" i="1" smtClean="0">
+                                <a:latin typeface="Cambria Math" panose="02040503050406030204" pitchFamily="18" charset="0"/>
+                              </a:rPr>
+                            </m:ctrlPr>
+                          </m:sSubPr>
+                          <m:e>
+                            <m:r>
+                              <a:rPr lang="en-US" b="0" i="1" smtClean="0">
+                                <a:latin typeface="Cambria Math" panose="02040503050406030204" pitchFamily="18" charset="0"/>
+                              </a:rPr>
+                              <m:t>𝛼</m:t>
+                            </m:r>
+                          </m:e>
+                          <m:sub>
+                            <m:r>
+                              <a:rPr lang="en-US" b="0" i="1" smtClean="0">
+                                <a:latin typeface="Cambria Math" panose="02040503050406030204" pitchFamily="18" charset="0"/>
+                              </a:rPr>
+                              <m:t>𝑖</m:t>
+                            </m:r>
+                          </m:sub>
+                        </m:sSub>
+                        <m:d>
+                          <m:dPr>
+                            <m:begChr m:val="|"/>
+                            <m:endChr m:val="⟩"/>
+                            <m:ctrlPr>
+                              <a:rPr lang="en-US" b="0" i="1" smtClean="0">
+                                <a:latin typeface="Cambria Math" panose="02040503050406030204" pitchFamily="18" charset="0"/>
+                              </a:rPr>
+                            </m:ctrlPr>
+                          </m:dPr>
+                          <m:e>
+                            <m:r>
+                              <a:rPr lang="en-US" b="0" i="1" smtClean="0">
+                                <a:latin typeface="Cambria Math" panose="02040503050406030204" pitchFamily="18" charset="0"/>
+                              </a:rPr>
+                              <m:t>𝑖</m:t>
+                            </m:r>
+                          </m:e>
+                        </m:d>
+                      </m:e>
+                    </m:nary>
+                  </m:oMath>
+                </a14:m>
+                <a:r>
+                  <a:rPr lang="en-US" dirty="0"/>
+                  <a:t>, where </a:t>
+                </a:r>
+                <a14:m>
+                  <m:oMath xmlns:m="http://schemas.openxmlformats.org/officeDocument/2006/math">
+                    <m:d>
+                      <m:dPr>
+                        <m:begChr m:val="{"/>
+                        <m:endChr m:val="}"/>
+                        <m:ctrlPr>
+                          <a:rPr lang="en-US" b="0" i="1" smtClean="0">
+                            <a:latin typeface="Cambria Math" panose="02040503050406030204" pitchFamily="18" charset="0"/>
+                          </a:rPr>
+                        </m:ctrlPr>
+                      </m:dPr>
+                      <m:e>
+                        <m:d>
+                          <m:dPr>
+                            <m:begChr m:val="|"/>
+                            <m:endChr m:val="⟩"/>
+                            <m:ctrlPr>
+                              <a:rPr lang="en-US" i="1">
+                                <a:latin typeface="Cambria Math" panose="02040503050406030204" pitchFamily="18" charset="0"/>
+                              </a:rPr>
+                            </m:ctrlPr>
+                          </m:dPr>
+                          <m:e>
+                            <m:r>
+                              <a:rPr lang="en-US" b="0" i="1" smtClean="0">
+                                <a:latin typeface="Cambria Math" panose="02040503050406030204" pitchFamily="18" charset="0"/>
+                              </a:rPr>
+                              <m:t>0</m:t>
+                            </m:r>
+                          </m:e>
+                        </m:d>
+                        <m:r>
+                          <a:rPr lang="en-US" b="0" i="1" smtClean="0">
+                            <a:latin typeface="Cambria Math" panose="02040503050406030204" pitchFamily="18" charset="0"/>
+                          </a:rPr>
+                          <m:t>,</m:t>
+                        </m:r>
+                        <m:d>
+                          <m:dPr>
+                            <m:begChr m:val="|"/>
+                            <m:endChr m:val="⟩"/>
+                            <m:ctrlPr>
+                              <a:rPr lang="en-US" i="1">
+                                <a:latin typeface="Cambria Math" panose="02040503050406030204" pitchFamily="18" charset="0"/>
+                              </a:rPr>
+                            </m:ctrlPr>
+                          </m:dPr>
+                          <m:e>
+                            <m:r>
+                              <a:rPr lang="en-US" b="0" i="1" smtClean="0">
+                                <a:latin typeface="Cambria Math" panose="02040503050406030204" pitchFamily="18" charset="0"/>
+                              </a:rPr>
+                              <m:t>1</m:t>
+                            </m:r>
+                          </m:e>
+                        </m:d>
+                        <m:r>
+                          <a:rPr lang="en-US" b="0" i="1" smtClean="0">
+                            <a:latin typeface="Cambria Math" panose="02040503050406030204" pitchFamily="18" charset="0"/>
+                          </a:rPr>
+                          <m:t>…,</m:t>
+                        </m:r>
+                        <m:d>
+                          <m:dPr>
+                            <m:begChr m:val="|"/>
+                            <m:endChr m:val="⟩"/>
+                            <m:ctrlPr>
+                              <a:rPr lang="en-US" i="1">
+                                <a:latin typeface="Cambria Math" panose="02040503050406030204" pitchFamily="18" charset="0"/>
+                              </a:rPr>
+                            </m:ctrlPr>
+                          </m:dPr>
+                          <m:e>
+                            <m:r>
+                              <a:rPr lang="en-US" b="0" i="1" smtClean="0">
+                                <a:latin typeface="Cambria Math" panose="02040503050406030204" pitchFamily="18" charset="0"/>
+                              </a:rPr>
+                              <m:t>𝐷</m:t>
+                            </m:r>
+                            <m:r>
+                              <a:rPr lang="en-US" b="0" i="1" smtClean="0">
+                                <a:latin typeface="Cambria Math" panose="02040503050406030204" pitchFamily="18" charset="0"/>
+                              </a:rPr>
+                              <m:t>−1</m:t>
+                            </m:r>
+                          </m:e>
+                        </m:d>
+                      </m:e>
+                    </m:d>
+                  </m:oMath>
+                </a14:m>
+                <a:r>
+                  <a:rPr lang="en-US" dirty="0"/>
+                  <a:t> form an orthonormal basis.</a:t>
+                </a:r>
+              </a:p>
+              <a:p>
+                <a:r>
+                  <a:rPr lang="en-US" dirty="0"/>
+                  <a:t>Given two states </a:t>
+                </a:r>
+                <a14:m>
+                  <m:oMath xmlns:m="http://schemas.openxmlformats.org/officeDocument/2006/math">
+                    <m:d>
+                      <m:dPr>
+                        <m:begChr m:val="|"/>
+                        <m:endChr m:val="⟩"/>
+                        <m:ctrlPr>
+                          <a:rPr lang="en-US" i="1">
+                            <a:latin typeface="Cambria Math" panose="02040503050406030204" pitchFamily="18" charset="0"/>
+                          </a:rPr>
+                        </m:ctrlPr>
+                      </m:dPr>
+                      <m:e>
+                        <m:r>
+                          <m:rPr>
+                            <m:sty m:val="p"/>
+                          </m:rPr>
+                          <a:rPr lang="en-US">
+                            <a:latin typeface="Cambria Math" panose="02040503050406030204" pitchFamily="18" charset="0"/>
+                          </a:rPr>
+                          <m:t>Ψ</m:t>
+                        </m:r>
+                      </m:e>
+                    </m:d>
+                    <m:r>
+                      <a:rPr lang="en-US" i="1">
+                        <a:latin typeface="Cambria Math" panose="02040503050406030204" pitchFamily="18" charset="0"/>
+                      </a:rPr>
+                      <m:t>=</m:t>
+                    </m:r>
+                    <m:nary>
+                      <m:naryPr>
+                        <m:chr m:val="∑"/>
+                        <m:ctrlPr>
+                          <a:rPr lang="en-US" i="1">
+                            <a:latin typeface="Cambria Math" panose="02040503050406030204" pitchFamily="18" charset="0"/>
+                          </a:rPr>
+                        </m:ctrlPr>
+                      </m:naryPr>
+                      <m:sub>
+                        <m:r>
+                          <m:rPr>
+                            <m:brk m:alnAt="23"/>
+                          </m:rPr>
+                          <a:rPr lang="en-US" i="1">
+                            <a:latin typeface="Cambria Math" panose="02040503050406030204" pitchFamily="18" charset="0"/>
+                          </a:rPr>
+                          <m:t>𝑖</m:t>
+                        </m:r>
+                        <m:r>
+                          <a:rPr lang="en-US" i="1">
+                            <a:latin typeface="Cambria Math" panose="02040503050406030204" pitchFamily="18" charset="0"/>
+                          </a:rPr>
+                          <m:t>=0</m:t>
+                        </m:r>
+                      </m:sub>
+                      <m:sup>
+                        <m:r>
+                          <a:rPr lang="en-US" i="1">
+                            <a:latin typeface="Cambria Math" panose="02040503050406030204" pitchFamily="18" charset="0"/>
+                          </a:rPr>
+                          <m:t>𝐷</m:t>
+                        </m:r>
+                        <m:r>
+                          <a:rPr lang="en-US" i="1">
+                            <a:latin typeface="Cambria Math" panose="02040503050406030204" pitchFamily="18" charset="0"/>
+                          </a:rPr>
+                          <m:t>−1</m:t>
+                        </m:r>
+                      </m:sup>
+                      <m:e>
+                        <m:sSub>
+                          <m:sSubPr>
+                            <m:ctrlPr>
+                              <a:rPr lang="en-US" i="1">
+                                <a:latin typeface="Cambria Math" panose="02040503050406030204" pitchFamily="18" charset="0"/>
+                              </a:rPr>
+                            </m:ctrlPr>
+                          </m:sSubPr>
+                          <m:e>
+                            <m:r>
+                              <a:rPr lang="en-US" i="1">
+                                <a:latin typeface="Cambria Math" panose="02040503050406030204" pitchFamily="18" charset="0"/>
+                              </a:rPr>
+                              <m:t>𝛼</m:t>
+                            </m:r>
+                          </m:e>
+                          <m:sub>
+                            <m:r>
+                              <a:rPr lang="en-US" i="1">
+                                <a:latin typeface="Cambria Math" panose="02040503050406030204" pitchFamily="18" charset="0"/>
+                              </a:rPr>
+                              <m:t>𝑖</m:t>
+                            </m:r>
+                          </m:sub>
+                        </m:sSub>
+                        <m:d>
+                          <m:dPr>
+                            <m:begChr m:val="|"/>
+                            <m:endChr m:val="⟩"/>
+                            <m:ctrlPr>
+                              <a:rPr lang="en-US" i="1">
+                                <a:latin typeface="Cambria Math" panose="02040503050406030204" pitchFamily="18" charset="0"/>
+                              </a:rPr>
+                            </m:ctrlPr>
+                          </m:dPr>
+                          <m:e>
+                            <m:r>
+                              <a:rPr lang="en-US" i="1">
+                                <a:latin typeface="Cambria Math" panose="02040503050406030204" pitchFamily="18" charset="0"/>
+                              </a:rPr>
+                              <m:t>𝑖</m:t>
+                            </m:r>
+                          </m:e>
+                        </m:d>
+                      </m:e>
+                    </m:nary>
+                  </m:oMath>
+                </a14:m>
+                <a:r>
+                  <a:rPr lang="en-US" dirty="0"/>
+                  <a:t> and </a:t>
+                </a:r>
+                <a14:m>
+                  <m:oMath xmlns:m="http://schemas.openxmlformats.org/officeDocument/2006/math">
+                    <m:d>
+                      <m:dPr>
+                        <m:begChr m:val="|"/>
+                        <m:endChr m:val="⟩"/>
+                        <m:ctrlPr>
+                          <a:rPr lang="en-US" i="1">
+                            <a:latin typeface="Cambria Math" panose="02040503050406030204" pitchFamily="18" charset="0"/>
+                          </a:rPr>
+                        </m:ctrlPr>
+                      </m:dPr>
+                      <m:e>
+                        <m:r>
+                          <m:rPr>
+                            <m:sty m:val="p"/>
+                          </m:rPr>
+                          <a:rPr lang="en-US" b="0" i="0" smtClean="0">
+                            <a:latin typeface="Cambria Math" panose="02040503050406030204" pitchFamily="18" charset="0"/>
+                          </a:rPr>
+                          <m:t>Φ</m:t>
+                        </m:r>
+                      </m:e>
+                    </m:d>
+                    <m:r>
+                      <a:rPr lang="en-US" i="1">
+                        <a:latin typeface="Cambria Math" panose="02040503050406030204" pitchFamily="18" charset="0"/>
+                      </a:rPr>
+                      <m:t>=</m:t>
+                    </m:r>
+                    <m:nary>
+                      <m:naryPr>
+                        <m:chr m:val="∑"/>
+                        <m:ctrlPr>
+                          <a:rPr lang="en-US" i="1">
+                            <a:latin typeface="Cambria Math" panose="02040503050406030204" pitchFamily="18" charset="0"/>
+                          </a:rPr>
+                        </m:ctrlPr>
+                      </m:naryPr>
+                      <m:sub>
+                        <m:r>
+                          <m:rPr>
+                            <m:brk m:alnAt="23"/>
+                          </m:rPr>
+                          <a:rPr lang="en-US" i="1">
+                            <a:latin typeface="Cambria Math" panose="02040503050406030204" pitchFamily="18" charset="0"/>
+                          </a:rPr>
+                          <m:t>𝑖</m:t>
+                        </m:r>
+                        <m:r>
+                          <a:rPr lang="en-US" i="1">
+                            <a:latin typeface="Cambria Math" panose="02040503050406030204" pitchFamily="18" charset="0"/>
+                          </a:rPr>
+                          <m:t>=0</m:t>
+                        </m:r>
+                      </m:sub>
+                      <m:sup>
+                        <m:r>
+                          <a:rPr lang="en-US" i="1">
+                            <a:latin typeface="Cambria Math" panose="02040503050406030204" pitchFamily="18" charset="0"/>
+                          </a:rPr>
+                          <m:t>𝐷</m:t>
+                        </m:r>
+                        <m:r>
+                          <a:rPr lang="en-US" i="1">
+                            <a:latin typeface="Cambria Math" panose="02040503050406030204" pitchFamily="18" charset="0"/>
+                          </a:rPr>
+                          <m:t>−1</m:t>
+                        </m:r>
+                      </m:sup>
+                      <m:e>
+                        <m:sSub>
+                          <m:sSubPr>
+                            <m:ctrlPr>
+                              <a:rPr lang="en-US" i="1">
+                                <a:latin typeface="Cambria Math" panose="02040503050406030204" pitchFamily="18" charset="0"/>
+                              </a:rPr>
+                            </m:ctrlPr>
+                          </m:sSubPr>
+                          <m:e>
+                            <m:r>
+                              <a:rPr lang="en-US" b="0" i="1" smtClean="0">
+                                <a:latin typeface="Cambria Math" panose="02040503050406030204" pitchFamily="18" charset="0"/>
+                              </a:rPr>
+                              <m:t>𝛽</m:t>
+                            </m:r>
+                          </m:e>
+                          <m:sub>
+                            <m:r>
+                              <a:rPr lang="en-US" i="1">
+                                <a:latin typeface="Cambria Math" panose="02040503050406030204" pitchFamily="18" charset="0"/>
+                              </a:rPr>
+                              <m:t>𝑖</m:t>
+                            </m:r>
+                          </m:sub>
+                        </m:sSub>
+                        <m:d>
+                          <m:dPr>
+                            <m:begChr m:val="|"/>
+                            <m:endChr m:val="⟩"/>
+                            <m:ctrlPr>
+                              <a:rPr lang="en-US" i="1">
+                                <a:latin typeface="Cambria Math" panose="02040503050406030204" pitchFamily="18" charset="0"/>
+                              </a:rPr>
+                            </m:ctrlPr>
+                          </m:dPr>
+                          <m:e>
+                            <m:r>
+                              <a:rPr lang="en-US" i="1">
+                                <a:latin typeface="Cambria Math" panose="02040503050406030204" pitchFamily="18" charset="0"/>
+                              </a:rPr>
+                              <m:t>𝑖</m:t>
+                            </m:r>
+                          </m:e>
+                        </m:d>
+                      </m:e>
+                    </m:nary>
+                  </m:oMath>
+                </a14:m>
+                <a:r>
+                  <a:rPr lang="en-US" dirty="0"/>
+                  <a:t>, their inner product </a:t>
+                </a:r>
+                <a:br>
+                  <a:rPr lang="en-US" b="0" i="1" dirty="0">
+                    <a:latin typeface="Cambria Math" panose="02040503050406030204" pitchFamily="18" charset="0"/>
+                  </a:rPr>
+                </a:br>
+                <a14:m>
+                  <m:oMath xmlns:m="http://schemas.openxmlformats.org/officeDocument/2006/math">
+                    <m:d>
+                      <m:dPr>
+                        <m:begChr m:val="⟨"/>
+                        <m:endChr m:val="⟩"/>
+                        <m:ctrlPr>
+                          <a:rPr lang="en-US" b="0" i="1" smtClean="0">
+                            <a:latin typeface="Cambria Math" panose="02040503050406030204" pitchFamily="18" charset="0"/>
+                          </a:rPr>
+                        </m:ctrlPr>
+                      </m:dPr>
+                      <m:e>
+                        <m:r>
+                          <m:rPr>
+                            <m:sty m:val="p"/>
+                          </m:rPr>
+                          <a:rPr lang="en-US" b="0" i="0" smtClean="0">
+                            <a:latin typeface="Cambria Math" panose="02040503050406030204" pitchFamily="18" charset="0"/>
+                          </a:rPr>
+                          <m:t>Φ</m:t>
+                        </m:r>
+                      </m:e>
+                      <m:e>
+                        <m:r>
+                          <m:rPr>
+                            <m:sty m:val="p"/>
+                          </m:rPr>
+                          <a:rPr lang="en-US" b="0" i="0" smtClean="0">
+                            <a:latin typeface="Cambria Math" panose="02040503050406030204" pitchFamily="18" charset="0"/>
+                          </a:rPr>
+                          <m:t>Ψ</m:t>
+                        </m:r>
+                      </m:e>
+                    </m:d>
+                    <m:r>
+                      <a:rPr lang="en-US" b="0" i="1" smtClean="0">
+                        <a:latin typeface="Cambria Math" panose="02040503050406030204" pitchFamily="18" charset="0"/>
+                      </a:rPr>
+                      <m:t>=</m:t>
+                    </m:r>
+                    <m:nary>
+                      <m:naryPr>
+                        <m:chr m:val="∑"/>
+                        <m:ctrlPr>
+                          <a:rPr lang="en-US" b="0" i="1" smtClean="0">
+                            <a:latin typeface="Cambria Math" panose="02040503050406030204" pitchFamily="18" charset="0"/>
+                          </a:rPr>
+                        </m:ctrlPr>
+                      </m:naryPr>
+                      <m:sub>
+                        <m:r>
+                          <m:rPr>
+                            <m:brk m:alnAt="23"/>
+                          </m:rPr>
+                          <a:rPr lang="en-US" b="0" i="1" smtClean="0">
+                            <a:latin typeface="Cambria Math" panose="02040503050406030204" pitchFamily="18" charset="0"/>
+                          </a:rPr>
+                          <m:t>𝑖</m:t>
+                        </m:r>
+                        <m:r>
+                          <a:rPr lang="en-US" b="0" i="1" smtClean="0">
+                            <a:latin typeface="Cambria Math" panose="02040503050406030204" pitchFamily="18" charset="0"/>
+                          </a:rPr>
+                          <m:t>=0</m:t>
+                        </m:r>
+                      </m:sub>
+                      <m:sup>
+                        <m:r>
+                          <a:rPr lang="en-US" b="0" i="1" smtClean="0">
+                            <a:latin typeface="Cambria Math" panose="02040503050406030204" pitchFamily="18" charset="0"/>
+                          </a:rPr>
+                          <m:t>𝐷</m:t>
+                        </m:r>
+                        <m:r>
+                          <a:rPr lang="en-US" b="0" i="1" smtClean="0">
+                            <a:latin typeface="Cambria Math" panose="02040503050406030204" pitchFamily="18" charset="0"/>
+                          </a:rPr>
+                          <m:t>−1</m:t>
+                        </m:r>
+                      </m:sup>
+                      <m:e>
+                        <m:sSubSup>
+                          <m:sSubSupPr>
+                            <m:ctrlPr>
+                              <a:rPr lang="en-US" b="0" i="1" smtClean="0">
+                                <a:latin typeface="Cambria Math" panose="02040503050406030204" pitchFamily="18" charset="0"/>
+                              </a:rPr>
+                            </m:ctrlPr>
+                          </m:sSubSupPr>
+                          <m:e>
+                            <m:r>
+                              <a:rPr lang="en-US" b="0" i="1" smtClean="0">
+                                <a:latin typeface="Cambria Math" panose="02040503050406030204" pitchFamily="18" charset="0"/>
+                              </a:rPr>
+                              <m:t>𝛽</m:t>
+                            </m:r>
+                          </m:e>
+                          <m:sub>
+                            <m:r>
+                              <a:rPr lang="en-US" b="0" i="1" smtClean="0">
+                                <a:latin typeface="Cambria Math" panose="02040503050406030204" pitchFamily="18" charset="0"/>
+                              </a:rPr>
+                              <m:t>𝑖</m:t>
+                            </m:r>
+                          </m:sub>
+                          <m:sup>
+                            <m:r>
+                              <a:rPr lang="en-US" b="0" i="1" smtClean="0">
+                                <a:latin typeface="Cambria Math" panose="02040503050406030204" pitchFamily="18" charset="0"/>
+                              </a:rPr>
+                              <m:t>∗</m:t>
+                            </m:r>
+                          </m:sup>
+                        </m:sSubSup>
+                        <m:sSub>
+                          <m:sSubPr>
+                            <m:ctrlPr>
+                              <a:rPr lang="en-US" b="0" i="1" smtClean="0">
+                                <a:latin typeface="Cambria Math" panose="02040503050406030204" pitchFamily="18" charset="0"/>
+                              </a:rPr>
+                            </m:ctrlPr>
+                          </m:sSubPr>
+                          <m:e>
+                            <m:r>
+                              <a:rPr lang="en-US" b="0" i="1" smtClean="0">
+                                <a:latin typeface="Cambria Math" panose="02040503050406030204" pitchFamily="18" charset="0"/>
+                              </a:rPr>
+                              <m:t>𝛼</m:t>
+                            </m:r>
+                          </m:e>
+                          <m:sub>
+                            <m:r>
+                              <a:rPr lang="en-US" b="0" i="1" smtClean="0">
+                                <a:latin typeface="Cambria Math" panose="02040503050406030204" pitchFamily="18" charset="0"/>
+                              </a:rPr>
+                              <m:t>𝑖</m:t>
+                            </m:r>
+                          </m:sub>
+                        </m:sSub>
+                      </m:e>
+                    </m:nary>
+                  </m:oMath>
+                </a14:m>
+                <a:br>
+                  <a:rPr lang="en-US" dirty="0"/>
+                </a:br>
+                <a:r>
+                  <a:rPr lang="en-US" dirty="0"/>
+                  <a:t>satisfying the following properties:</a:t>
+                </a:r>
+              </a:p>
+              <a:p>
+                <a:pPr marL="914400" lvl="1" indent="-457200">
+                  <a:buFont typeface="+mj-lt"/>
+                  <a:buAutoNum type="alphaUcPeriod"/>
+                </a:pPr>
+                <a14:m>
+                  <m:oMath xmlns:m="http://schemas.openxmlformats.org/officeDocument/2006/math">
+                    <m:d>
+                      <m:dPr>
+                        <m:begChr m:val="⟨"/>
+                        <m:endChr m:val="⟩"/>
+                        <m:ctrlPr>
+                          <a:rPr lang="en-US" i="1" dirty="0" smtClean="0">
+                            <a:latin typeface="Cambria Math" panose="02040503050406030204" pitchFamily="18" charset="0"/>
+                          </a:rPr>
+                        </m:ctrlPr>
+                      </m:dPr>
+                      <m:e>
+                        <m:r>
+                          <m:rPr>
+                            <m:sty m:val="p"/>
+                          </m:rPr>
+                          <a:rPr lang="en-US" i="0" dirty="0">
+                            <a:latin typeface="Cambria Math" panose="02040503050406030204" pitchFamily="18" charset="0"/>
+                          </a:rPr>
+                          <m:t>Φ</m:t>
+                        </m:r>
+                      </m:e>
+                      <m:e>
+                        <m:r>
+                          <m:rPr>
+                            <m:sty m:val="p"/>
+                          </m:rPr>
+                          <a:rPr lang="en-US" i="0" dirty="0">
+                            <a:latin typeface="Cambria Math" panose="02040503050406030204" pitchFamily="18" charset="0"/>
+                          </a:rPr>
+                          <m:t>Ψ</m:t>
+                        </m:r>
+                      </m:e>
+                    </m:d>
+                  </m:oMath>
+                </a14:m>
+                <a:r>
+                  <a:rPr lang="en-US" dirty="0"/>
+                  <a:t> is the complex conjugate of </a:t>
+                </a:r>
+                <a14:m>
+                  <m:oMath xmlns:m="http://schemas.openxmlformats.org/officeDocument/2006/math">
+                    <m:d>
+                      <m:dPr>
+                        <m:begChr m:val="⟨"/>
+                        <m:endChr m:val="⟩"/>
+                        <m:ctrlPr>
+                          <a:rPr lang="en-US" i="1" dirty="0" smtClean="0">
+                            <a:latin typeface="Cambria Math" panose="02040503050406030204" pitchFamily="18" charset="0"/>
+                          </a:rPr>
+                        </m:ctrlPr>
+                      </m:dPr>
+                      <m:e>
+                        <m:r>
+                          <m:rPr>
+                            <m:sty m:val="p"/>
+                          </m:rPr>
+                          <a:rPr lang="en-US" i="0" dirty="0">
+                            <a:latin typeface="Cambria Math" panose="02040503050406030204" pitchFamily="18" charset="0"/>
+                          </a:rPr>
+                          <m:t>Ψ</m:t>
+                        </m:r>
+                      </m:e>
+                      <m:e>
+                        <m:r>
+                          <m:rPr>
+                            <m:sty m:val="p"/>
+                          </m:rPr>
+                          <a:rPr lang="en-US" i="0" dirty="0">
+                            <a:latin typeface="Cambria Math" panose="02040503050406030204" pitchFamily="18" charset="0"/>
+                          </a:rPr>
+                          <m:t>Φ</m:t>
+                        </m:r>
+                      </m:e>
+                    </m:d>
+                  </m:oMath>
+                </a14:m>
+                <a:r>
+                  <a:rPr lang="en-US" dirty="0"/>
+                  <a:t>;</a:t>
+                </a:r>
+              </a:p>
+              <a:p>
+                <a:pPr marL="914400" lvl="1" indent="-457200">
+                  <a:buFont typeface="+mj-lt"/>
+                  <a:buAutoNum type="alphaUcPeriod"/>
+                </a:pPr>
+                <a14:m>
+                  <m:oMath xmlns:m="http://schemas.openxmlformats.org/officeDocument/2006/math">
+                    <m:d>
+                      <m:dPr>
+                        <m:begChr m:val="⟨"/>
+                        <m:endChr m:val="⟩"/>
+                        <m:ctrlPr>
+                          <a:rPr lang="en-US" i="1" dirty="0" smtClean="0">
+                            <a:latin typeface="Cambria Math" panose="02040503050406030204" pitchFamily="18" charset="0"/>
+                          </a:rPr>
+                        </m:ctrlPr>
+                      </m:dPr>
+                      <m:e>
+                        <m:r>
+                          <m:rPr>
+                            <m:sty m:val="p"/>
+                          </m:rPr>
+                          <a:rPr lang="en-US" i="0" dirty="0">
+                            <a:latin typeface="Cambria Math" panose="02040503050406030204" pitchFamily="18" charset="0"/>
+                          </a:rPr>
+                          <m:t>Φ</m:t>
+                        </m:r>
+                      </m:e>
+                      <m:e>
+                        <m:r>
+                          <m:rPr>
+                            <m:sty m:val="p"/>
+                          </m:rPr>
+                          <a:rPr lang="en-US" i="0" dirty="0">
+                            <a:latin typeface="Cambria Math" panose="02040503050406030204" pitchFamily="18" charset="0"/>
+                          </a:rPr>
+                          <m:t>Ψ</m:t>
+                        </m:r>
+                      </m:e>
+                    </m:d>
+                  </m:oMath>
+                </a14:m>
+                <a:r>
+                  <a:rPr lang="en-US" dirty="0"/>
+                  <a:t> is conjugate linear in its first argument and linear in its second argument;</a:t>
+                </a:r>
+              </a:p>
+              <a:p>
+                <a:pPr marL="914400" lvl="1" indent="-457200">
+                  <a:buFont typeface="+mj-lt"/>
+                  <a:buAutoNum type="alphaUcPeriod"/>
+                </a:pPr>
+                <a14:m>
+                  <m:oMath xmlns:m="http://schemas.openxmlformats.org/officeDocument/2006/math">
+                    <m:d>
+                      <m:dPr>
+                        <m:begChr m:val="⟨"/>
+                        <m:endChr m:val="⟩"/>
+                        <m:ctrlPr>
+                          <a:rPr lang="en-US" i="1" dirty="0" smtClean="0">
+                            <a:latin typeface="Cambria Math" panose="02040503050406030204" pitchFamily="18" charset="0"/>
+                          </a:rPr>
+                        </m:ctrlPr>
+                      </m:dPr>
+                      <m:e>
+                        <m:r>
+                          <m:rPr>
+                            <m:sty m:val="p"/>
+                          </m:rPr>
+                          <a:rPr lang="en-US" i="0" dirty="0">
+                            <a:latin typeface="Cambria Math" panose="02040503050406030204" pitchFamily="18" charset="0"/>
+                          </a:rPr>
+                          <m:t>Ψ</m:t>
+                        </m:r>
+                      </m:e>
+                      <m:e>
+                        <m:r>
+                          <m:rPr>
+                            <m:sty m:val="p"/>
+                          </m:rPr>
+                          <a:rPr lang="en-US" i="0" dirty="0">
+                            <a:latin typeface="Cambria Math" panose="02040503050406030204" pitchFamily="18" charset="0"/>
+                          </a:rPr>
+                          <m:t>Ψ</m:t>
+                        </m:r>
+                      </m:e>
+                    </m:d>
+                  </m:oMath>
+                </a14:m>
+                <a:r>
+                  <a:rPr lang="en-US" dirty="0"/>
+                  <a:t> is always non-negative and is equal to 0 only if </a:t>
+                </a:r>
+                <a14:m>
+                  <m:oMath xmlns:m="http://schemas.openxmlformats.org/officeDocument/2006/math">
+                    <m:d>
+                      <m:dPr>
+                        <m:begChr m:val="|"/>
+                        <m:endChr m:val="⟩"/>
+                        <m:ctrlPr>
+                          <a:rPr lang="en-US" i="1" dirty="0" smtClean="0">
+                            <a:latin typeface="Cambria Math" panose="02040503050406030204" pitchFamily="18" charset="0"/>
+                          </a:rPr>
+                        </m:ctrlPr>
+                      </m:dPr>
+                      <m:e>
+                        <m:r>
+                          <m:rPr>
+                            <m:sty m:val="p"/>
+                          </m:rPr>
+                          <a:rPr lang="en-US" i="0" dirty="0">
+                            <a:latin typeface="Cambria Math" panose="02040503050406030204" pitchFamily="18" charset="0"/>
+                          </a:rPr>
+                          <m:t>Ψ</m:t>
+                        </m:r>
+                      </m:e>
+                    </m:d>
+                  </m:oMath>
+                </a14:m>
+                <a:r>
+                  <a:rPr lang="en-US" dirty="0"/>
+                  <a:t> is the zero vector. </a:t>
+                </a:r>
+              </a:p>
+            </p:txBody>
+          </p:sp>
+        </mc:Choice>
+        <mc:Fallback xmlns="">
+          <p:sp>
+            <p:nvSpPr>
+              <p:cNvPr id="3" name="Content Placeholder 2">
+                <a:extLst>
+                  <a:ext uri="{FF2B5EF4-FFF2-40B4-BE49-F238E27FC236}">
+                    <a16:creationId xmlns:a16="http://schemas.microsoft.com/office/drawing/2014/main" id="{6E40E0FA-A5AB-4253-9DB1-B97F166DEF37}"/>
+                  </a:ext>
+                </a:extLst>
+              </p:cNvPr>
+              <p:cNvSpPr>
+                <a:spLocks noGrp="1" noRot="1" noChangeAspect="1" noMove="1" noResize="1" noEditPoints="1" noAdjustHandles="1" noChangeArrowheads="1" noChangeShapeType="1" noTextEdit="1"/>
+              </p:cNvSpPr>
+              <p:nvPr>
+                <p:ph idx="1"/>
+              </p:nvPr>
+            </p:nvSpPr>
+            <p:spPr>
+              <a:blipFill>
+                <a:blip r:embed="rId2"/>
+                <a:stretch>
+                  <a:fillRect l="-1043" t="-3081" b="-1821"/>
+                </a:stretch>
+              </a:blipFill>
+            </p:spPr>
+            <p:txBody>
+              <a:bodyPr/>
+              <a:lstStyle/>
+              <a:p>
+                <a:r>
+                  <a:rPr lang="en-US">
+                    <a:noFill/>
+                  </a:rPr>
+                  <a:t> </a:t>
+                </a:r>
+              </a:p>
+            </p:txBody>
+          </p:sp>
+        </mc:Fallback>
+      </mc:AlternateContent>
+    </p:spTree>
+    <p:extLst>
+      <p:ext uri="{BB962C8B-B14F-4D97-AF65-F5344CB8AC3E}">
+        <p14:creationId xmlns:p14="http://schemas.microsoft.com/office/powerpoint/2010/main" val="3571939173"/>
+      </p:ext>
+    </p:extLst>
+  </p:cSld>
+  <p:clrMapOvr>
+    <a:masterClrMapping/>
+  </p:clrMapOvr>
+</p:sld>
+</file>
+
+<file path=ppt/slides/slide7.xml><?xml version="1.0" encoding="utf-8"?>
+<p:sld xmlns:a="http://schemas.openxmlformats.org/drawingml/2006/main" xmlns:r="http://schemas.openxmlformats.org/officeDocument/2006/relationships" xmlns:p="http://schemas.openxmlformats.org/presentationml/2006/main">
+  <p:cSld>
+    <p:spTree>
+      <p:nvGrpSpPr>
+        <p:cNvPr id="1" name=""/>
+        <p:cNvGrpSpPr/>
+        <p:nvPr/>
+      </p:nvGrpSpPr>
+      <p:grpSpPr>
+        <a:xfrm>
+          <a:off x="0" y="0"/>
+          <a:ext cx="0" cy="0"/>
+          <a:chOff x="0" y="0"/>
+          <a:chExt cx="0" cy="0"/>
+        </a:xfrm>
+      </p:grpSpPr>
+      <p:sp>
+        <p:nvSpPr>
+          <p:cNvPr id="2" name="Title 1">
+            <a:extLst>
+              <a:ext uri="{FF2B5EF4-FFF2-40B4-BE49-F238E27FC236}">
+                <a16:creationId xmlns:a16="http://schemas.microsoft.com/office/drawing/2014/main" id="{97E42FB6-8F32-4799-AECE-38D1330884F3}"/>
+              </a:ext>
+            </a:extLst>
+          </p:cNvPr>
+          <p:cNvSpPr>
+            <a:spLocks noGrp="1"/>
+          </p:cNvSpPr>
+          <p:nvPr>
+            <p:ph type="title"/>
+          </p:nvPr>
+        </p:nvSpPr>
+        <p:spPr/>
+        <p:txBody>
+          <a:bodyPr/>
+          <a:lstStyle/>
+          <a:p>
+            <a:r>
+              <a:rPr lang="en-US" dirty="0"/>
+              <a:t>Mixed State</a:t>
+            </a:r>
+          </a:p>
+        </p:txBody>
+      </p:sp>
+      <mc:AlternateContent xmlns:mc="http://schemas.openxmlformats.org/markup-compatibility/2006">
+        <mc:Choice xmlns:a14="http://schemas.microsoft.com/office/drawing/2010/main" Requires="a14">
+          <p:sp>
+            <p:nvSpPr>
+              <p:cNvPr id="3" name="Content Placeholder 2">
+                <a:extLst>
+                  <a:ext uri="{FF2B5EF4-FFF2-40B4-BE49-F238E27FC236}">
+                    <a16:creationId xmlns:a16="http://schemas.microsoft.com/office/drawing/2014/main" id="{E059D261-B1C5-46F4-B9E5-08BA8EA271F2}"/>
+                  </a:ext>
+                </a:extLst>
+              </p:cNvPr>
+              <p:cNvSpPr>
+                <a:spLocks noGrp="1"/>
+              </p:cNvSpPr>
+              <p:nvPr>
+                <p:ph idx="1"/>
+              </p:nvPr>
+            </p:nvSpPr>
+            <p:spPr/>
+            <p:txBody>
+              <a:bodyPr/>
+              <a:lstStyle/>
+              <a:p>
+                <a:r>
+                  <a:rPr lang="en-US" dirty="0"/>
+                  <a:t>The density matrix of a pure normalized state</a:t>
+                </a:r>
+                <a14:m>
+                  <m:oMath xmlns:m="http://schemas.openxmlformats.org/officeDocument/2006/math">
+                    <m:d>
+                      <m:dPr>
+                        <m:begChr m:val="|"/>
+                        <m:endChr m:val="⟩"/>
+                        <m:ctrlPr>
+                          <a:rPr lang="en-US" i="1">
+                            <a:latin typeface="Cambria Math" panose="02040503050406030204" pitchFamily="18" charset="0"/>
+                          </a:rPr>
+                        </m:ctrlPr>
+                      </m:dPr>
+                      <m:e>
+                        <m:r>
+                          <m:rPr>
+                            <m:sty m:val="p"/>
+                          </m:rPr>
+                          <a:rPr lang="en-US">
+                            <a:latin typeface="Cambria Math" panose="02040503050406030204" pitchFamily="18" charset="0"/>
+                          </a:rPr>
+                          <m:t>Ψ</m:t>
+                        </m:r>
+                      </m:e>
+                    </m:d>
+                    <m:r>
+                      <a:rPr lang="en-US" i="1">
+                        <a:latin typeface="Cambria Math" panose="02040503050406030204" pitchFamily="18" charset="0"/>
+                      </a:rPr>
+                      <m:t>=</m:t>
+                    </m:r>
+                    <m:nary>
+                      <m:naryPr>
+                        <m:chr m:val="∑"/>
+                        <m:ctrlPr>
+                          <a:rPr lang="en-US" i="1">
+                            <a:latin typeface="Cambria Math" panose="02040503050406030204" pitchFamily="18" charset="0"/>
+                          </a:rPr>
+                        </m:ctrlPr>
+                      </m:naryPr>
+                      <m:sub>
+                        <m:r>
+                          <m:rPr>
+                            <m:brk m:alnAt="23"/>
+                          </m:rPr>
+                          <a:rPr lang="en-US" i="1">
+                            <a:latin typeface="Cambria Math" panose="02040503050406030204" pitchFamily="18" charset="0"/>
+                          </a:rPr>
+                          <m:t>𝑖</m:t>
+                        </m:r>
+                        <m:r>
+                          <a:rPr lang="en-US" i="1">
+                            <a:latin typeface="Cambria Math" panose="02040503050406030204" pitchFamily="18" charset="0"/>
+                          </a:rPr>
+                          <m:t>=0</m:t>
+                        </m:r>
+                      </m:sub>
+                      <m:sup>
+                        <m:r>
+                          <a:rPr lang="en-US" i="1">
+                            <a:latin typeface="Cambria Math" panose="02040503050406030204" pitchFamily="18" charset="0"/>
+                          </a:rPr>
+                          <m:t>𝐷</m:t>
+                        </m:r>
+                        <m:r>
+                          <a:rPr lang="en-US" i="1">
+                            <a:latin typeface="Cambria Math" panose="02040503050406030204" pitchFamily="18" charset="0"/>
+                          </a:rPr>
+                          <m:t>−1</m:t>
+                        </m:r>
+                      </m:sup>
+                      <m:e>
+                        <m:sSub>
+                          <m:sSubPr>
+                            <m:ctrlPr>
+                              <a:rPr lang="en-US" i="1">
+                                <a:latin typeface="Cambria Math" panose="02040503050406030204" pitchFamily="18" charset="0"/>
+                              </a:rPr>
+                            </m:ctrlPr>
+                          </m:sSubPr>
+                          <m:e>
+                            <m:r>
+                              <a:rPr lang="en-US" i="1">
+                                <a:latin typeface="Cambria Math" panose="02040503050406030204" pitchFamily="18" charset="0"/>
+                              </a:rPr>
+                              <m:t>𝛼</m:t>
+                            </m:r>
+                          </m:e>
+                          <m:sub>
+                            <m:r>
+                              <a:rPr lang="en-US" i="1">
+                                <a:latin typeface="Cambria Math" panose="02040503050406030204" pitchFamily="18" charset="0"/>
+                              </a:rPr>
+                              <m:t>𝑖</m:t>
+                            </m:r>
+                          </m:sub>
+                        </m:sSub>
+                        <m:d>
+                          <m:dPr>
+                            <m:begChr m:val="|"/>
+                            <m:endChr m:val="⟩"/>
+                            <m:ctrlPr>
+                              <a:rPr lang="en-US" i="1">
+                                <a:latin typeface="Cambria Math" panose="02040503050406030204" pitchFamily="18" charset="0"/>
+                              </a:rPr>
+                            </m:ctrlPr>
+                          </m:dPr>
+                          <m:e>
+                            <m:r>
+                              <a:rPr lang="en-US" i="1">
+                                <a:latin typeface="Cambria Math" panose="02040503050406030204" pitchFamily="18" charset="0"/>
+                              </a:rPr>
+                              <m:t>𝑖</m:t>
+                            </m:r>
+                          </m:e>
+                        </m:d>
+                      </m:e>
+                    </m:nary>
+                  </m:oMath>
+                </a14:m>
+                <a:r>
+                  <a:rPr lang="en-US" dirty="0"/>
+                  <a:t> is </a:t>
+                </a:r>
+                <a:br>
+                  <a:rPr lang="en-US" b="0" i="1" dirty="0">
+                    <a:latin typeface="Cambria Math" panose="02040503050406030204" pitchFamily="18" charset="0"/>
+                  </a:rPr>
+                </a:br>
+                <a14:m>
+                  <m:oMath xmlns:m="http://schemas.openxmlformats.org/officeDocument/2006/math">
+                    <m:r>
+                      <a:rPr lang="en-US" b="0" i="1" smtClean="0">
+                        <a:latin typeface="Cambria Math" panose="02040503050406030204" pitchFamily="18" charset="0"/>
+                      </a:rPr>
+                      <m:t>𝜌</m:t>
+                    </m:r>
+                    <m:r>
+                      <a:rPr lang="en-US" b="0" i="1" smtClean="0">
+                        <a:latin typeface="Cambria Math" panose="02040503050406030204" pitchFamily="18" charset="0"/>
+                      </a:rPr>
+                      <m:t>=</m:t>
+                    </m:r>
+                    <m:d>
+                      <m:dPr>
+                        <m:begChr m:val="|"/>
+                        <m:endChr m:val="⟩"/>
+                        <m:ctrlPr>
+                          <a:rPr lang="en-US" b="0" i="1" smtClean="0">
+                            <a:latin typeface="Cambria Math" panose="02040503050406030204" pitchFamily="18" charset="0"/>
+                          </a:rPr>
+                        </m:ctrlPr>
+                      </m:dPr>
+                      <m:e>
+                        <m:r>
+                          <m:rPr>
+                            <m:sty m:val="p"/>
+                          </m:rPr>
+                          <a:rPr lang="en-US" b="0" i="0" smtClean="0">
+                            <a:latin typeface="Cambria Math" panose="02040503050406030204" pitchFamily="18" charset="0"/>
+                          </a:rPr>
+                          <m:t>Ψ</m:t>
+                        </m:r>
+                      </m:e>
+                    </m:d>
+                    <m:d>
+                      <m:dPr>
+                        <m:begChr m:val="⟨"/>
+                        <m:endChr m:val="|"/>
+                        <m:ctrlPr>
+                          <a:rPr lang="en-US" b="0" i="1" smtClean="0">
+                            <a:latin typeface="Cambria Math" panose="02040503050406030204" pitchFamily="18" charset="0"/>
+                          </a:rPr>
+                        </m:ctrlPr>
+                      </m:dPr>
+                      <m:e>
+                        <m:r>
+                          <m:rPr>
+                            <m:sty m:val="p"/>
+                          </m:rPr>
+                          <a:rPr lang="en-US" b="0" i="0" smtClean="0">
+                            <a:latin typeface="Cambria Math" panose="02040503050406030204" pitchFamily="18" charset="0"/>
+                          </a:rPr>
+                          <m:t>Ψ</m:t>
+                        </m:r>
+                      </m:e>
+                    </m:d>
+                    <m:r>
+                      <a:rPr lang="en-US" b="0" i="1" smtClean="0">
+                        <a:latin typeface="Cambria Math" panose="02040503050406030204" pitchFamily="18" charset="0"/>
+                      </a:rPr>
+                      <m:t>=</m:t>
+                    </m:r>
+                    <m:d>
+                      <m:dPr>
+                        <m:ctrlPr>
+                          <a:rPr lang="en-US" b="0" i="1" smtClean="0">
+                            <a:latin typeface="Cambria Math" panose="02040503050406030204" pitchFamily="18" charset="0"/>
+                          </a:rPr>
+                        </m:ctrlPr>
+                      </m:dPr>
+                      <m:e>
+                        <m:m>
+                          <m:mPr>
+                            <m:mcs>
+                              <m:mc>
+                                <m:mcPr>
+                                  <m:count m:val="3"/>
+                                  <m:mcJc m:val="center"/>
+                                </m:mcPr>
+                              </m:mc>
+                            </m:mcs>
+                            <m:ctrlPr>
+                              <a:rPr lang="en-US" b="0" i="1" smtClean="0">
+                                <a:latin typeface="Cambria Math" panose="02040503050406030204" pitchFamily="18" charset="0"/>
+                              </a:rPr>
+                            </m:ctrlPr>
+                          </m:mPr>
+                          <m:mr>
+                            <m:e>
+                              <m:sSup>
+                                <m:sSupPr>
+                                  <m:ctrlPr>
+                                    <a:rPr lang="en-US" b="0" i="1" smtClean="0">
+                                      <a:latin typeface="Cambria Math" panose="02040503050406030204" pitchFamily="18" charset="0"/>
+                                    </a:rPr>
+                                  </m:ctrlPr>
+                                </m:sSupPr>
+                                <m:e>
+                                  <m:d>
+                                    <m:dPr>
+                                      <m:begChr m:val="|"/>
+                                      <m:endChr m:val="|"/>
+                                      <m:ctrlPr>
+                                        <a:rPr lang="en-US" b="0" i="1" smtClean="0">
+                                          <a:latin typeface="Cambria Math" panose="02040503050406030204" pitchFamily="18" charset="0"/>
+                                        </a:rPr>
+                                      </m:ctrlPr>
+                                    </m:dPr>
+                                    <m:e>
+                                      <m:sSub>
+                                        <m:sSubPr>
+                                          <m:ctrlPr>
+                                            <a:rPr lang="en-US" b="0" i="1" smtClean="0">
+                                              <a:latin typeface="Cambria Math" panose="02040503050406030204" pitchFamily="18" charset="0"/>
+                                            </a:rPr>
+                                          </m:ctrlPr>
+                                        </m:sSubPr>
+                                        <m:e>
+                                          <m:r>
+                                            <m:rPr>
+                                              <m:brk m:alnAt="7"/>
+                                            </m:rPr>
+                                            <a:rPr lang="en-US" b="0" i="1" smtClean="0">
+                                              <a:latin typeface="Cambria Math" panose="02040503050406030204" pitchFamily="18" charset="0"/>
+                                            </a:rPr>
+                                            <m:t>𝛼</m:t>
+                                          </m:r>
+                                        </m:e>
+                                        <m:sub>
+                                          <m:r>
+                                            <m:rPr>
+                                              <m:brk m:alnAt="7"/>
+                                            </m:rPr>
+                                            <a:rPr lang="en-US" b="0" i="1" smtClean="0">
+                                              <a:latin typeface="Cambria Math" panose="02040503050406030204" pitchFamily="18" charset="0"/>
+                                            </a:rPr>
+                                            <m:t>0</m:t>
+                                          </m:r>
+                                        </m:sub>
+                                      </m:sSub>
+                                    </m:e>
+                                  </m:d>
+                                </m:e>
+                                <m:sup>
+                                  <m:r>
+                                    <m:rPr>
+                                      <m:brk m:alnAt="7"/>
+                                    </m:rPr>
+                                    <a:rPr lang="en-US" b="0" i="1" smtClean="0">
+                                      <a:latin typeface="Cambria Math" panose="02040503050406030204" pitchFamily="18" charset="0"/>
+                                    </a:rPr>
+                                    <m:t>2</m:t>
+                                  </m:r>
+                                </m:sup>
+                              </m:sSup>
+                            </m:e>
+                            <m:e>
+                              <m:r>
+                                <a:rPr lang="en-US" i="1">
+                                  <a:latin typeface="Cambria Math" panose="02040503050406030204" pitchFamily="18" charset="0"/>
+                                  <a:ea typeface="Cambria Math" panose="02040503050406030204" pitchFamily="18" charset="0"/>
+                                </a:rPr>
+                                <m:t>⋯</m:t>
+                              </m:r>
+                            </m:e>
+                            <m:e>
+                              <m:sSub>
+                                <m:sSubPr>
+                                  <m:ctrlPr>
+                                    <a:rPr lang="en-US" i="1">
+                                      <a:latin typeface="Cambria Math" panose="02040503050406030204" pitchFamily="18" charset="0"/>
+                                    </a:rPr>
+                                  </m:ctrlPr>
+                                </m:sSubPr>
+                                <m:e>
+                                  <m:r>
+                                    <a:rPr lang="en-US" i="1">
+                                      <a:latin typeface="Cambria Math" panose="02040503050406030204" pitchFamily="18" charset="0"/>
+                                    </a:rPr>
+                                    <m:t>𝛼</m:t>
+                                  </m:r>
+                                </m:e>
+                                <m:sub>
+                                  <m:r>
+                                    <a:rPr lang="en-US" b="0" i="1" smtClean="0">
+                                      <a:latin typeface="Cambria Math" panose="02040503050406030204" pitchFamily="18" charset="0"/>
+                                    </a:rPr>
+                                    <m:t>0</m:t>
+                                  </m:r>
+                                </m:sub>
+                              </m:sSub>
+                              <m:sSubSup>
+                                <m:sSubSupPr>
+                                  <m:ctrlPr>
+                                    <a:rPr lang="en-US" i="1">
+                                      <a:latin typeface="Cambria Math" panose="02040503050406030204" pitchFamily="18" charset="0"/>
+                                    </a:rPr>
+                                  </m:ctrlPr>
+                                </m:sSubSupPr>
+                                <m:e>
+                                  <m:r>
+                                    <a:rPr lang="en-US" i="1">
+                                      <a:latin typeface="Cambria Math" panose="02040503050406030204" pitchFamily="18" charset="0"/>
+                                    </a:rPr>
+                                    <m:t>𝛼</m:t>
+                                  </m:r>
+                                </m:e>
+                                <m:sub>
+                                  <m:r>
+                                    <a:rPr lang="en-US" b="0" i="1" smtClean="0">
+                                      <a:latin typeface="Cambria Math" panose="02040503050406030204" pitchFamily="18" charset="0"/>
+                                    </a:rPr>
+                                    <m:t>𝐷</m:t>
+                                  </m:r>
+                                  <m:r>
+                                    <a:rPr lang="en-US" b="0" i="1" smtClean="0">
+                                      <a:latin typeface="Cambria Math" panose="02040503050406030204" pitchFamily="18" charset="0"/>
+                                    </a:rPr>
+                                    <m:t>−1</m:t>
+                                  </m:r>
+                                </m:sub>
+                                <m:sup>
+                                  <m:r>
+                                    <a:rPr lang="en-US" i="1">
+                                      <a:latin typeface="Cambria Math" panose="02040503050406030204" pitchFamily="18" charset="0"/>
+                                    </a:rPr>
+                                    <m:t>∗</m:t>
+                                  </m:r>
+                                </m:sup>
+                              </m:sSubSup>
+                            </m:e>
+                          </m:mr>
+                          <m:mr>
+                            <m:e>
+                              <m:r>
+                                <a:rPr lang="en-US" b="0" i="1" smtClean="0">
+                                  <a:latin typeface="Cambria Math" panose="02040503050406030204" pitchFamily="18" charset="0"/>
+                                  <a:ea typeface="Cambria Math" panose="02040503050406030204" pitchFamily="18" charset="0"/>
+                                </a:rPr>
+                                <m:t>⋮</m:t>
+                              </m:r>
+                            </m:e>
+                            <m:e>
+                              <m:r>
+                                <a:rPr lang="en-US" b="0" i="1" smtClean="0">
+                                  <a:latin typeface="Cambria Math" panose="02040503050406030204" pitchFamily="18" charset="0"/>
+                                  <a:ea typeface="Cambria Math" panose="02040503050406030204" pitchFamily="18" charset="0"/>
+                                </a:rPr>
+                                <m:t>⋱</m:t>
+                              </m:r>
+                            </m:e>
+                            <m:e>
+                              <m:r>
+                                <a:rPr lang="en-US" b="0" i="1" smtClean="0">
+                                  <a:latin typeface="Cambria Math" panose="02040503050406030204" pitchFamily="18" charset="0"/>
+                                  <a:ea typeface="Cambria Math" panose="02040503050406030204" pitchFamily="18" charset="0"/>
+                                </a:rPr>
+                                <m:t>⋮</m:t>
+                              </m:r>
+                            </m:e>
+                          </m:mr>
+                          <m:mr>
+                            <m:e>
+                              <m:sSub>
+                                <m:sSubPr>
+                                  <m:ctrlPr>
+                                    <a:rPr lang="en-US" b="0" i="1" smtClean="0">
+                                      <a:latin typeface="Cambria Math" panose="02040503050406030204" pitchFamily="18" charset="0"/>
+                                    </a:rPr>
+                                  </m:ctrlPr>
+                                </m:sSubPr>
+                                <m:e>
+                                  <m:r>
+                                    <a:rPr lang="en-US" b="0" i="1" smtClean="0">
+                                      <a:latin typeface="Cambria Math" panose="02040503050406030204" pitchFamily="18" charset="0"/>
+                                    </a:rPr>
+                                    <m:t>𝛼</m:t>
+                                  </m:r>
+                                </m:e>
+                                <m:sub>
+                                  <m:r>
+                                    <a:rPr lang="en-US" b="0" i="1" smtClean="0">
+                                      <a:latin typeface="Cambria Math" panose="02040503050406030204" pitchFamily="18" charset="0"/>
+                                    </a:rPr>
+                                    <m:t>𝐷</m:t>
+                                  </m:r>
+                                  <m:r>
+                                    <a:rPr lang="en-US" b="0" i="1" smtClean="0">
+                                      <a:latin typeface="Cambria Math" panose="02040503050406030204" pitchFamily="18" charset="0"/>
+                                    </a:rPr>
+                                    <m:t>−1</m:t>
+                                  </m:r>
+                                </m:sub>
+                              </m:sSub>
+                              <m:sSubSup>
+                                <m:sSubSupPr>
+                                  <m:ctrlPr>
+                                    <a:rPr lang="en-US" b="0" i="1" smtClean="0">
+                                      <a:latin typeface="Cambria Math" panose="02040503050406030204" pitchFamily="18" charset="0"/>
+                                    </a:rPr>
+                                  </m:ctrlPr>
+                                </m:sSubSupPr>
+                                <m:e>
+                                  <m:r>
+                                    <a:rPr lang="en-US" b="0" i="1" smtClean="0">
+                                      <a:latin typeface="Cambria Math" panose="02040503050406030204" pitchFamily="18" charset="0"/>
+                                    </a:rPr>
+                                    <m:t>𝛼</m:t>
+                                  </m:r>
+                                </m:e>
+                                <m:sub>
+                                  <m:r>
+                                    <a:rPr lang="en-US" b="0" i="1" smtClean="0">
+                                      <a:latin typeface="Cambria Math" panose="02040503050406030204" pitchFamily="18" charset="0"/>
+                                    </a:rPr>
+                                    <m:t>0</m:t>
+                                  </m:r>
+                                </m:sub>
+                                <m:sup>
+                                  <m:r>
+                                    <a:rPr lang="en-US" b="0" i="1" smtClean="0">
+                                      <a:latin typeface="Cambria Math" panose="02040503050406030204" pitchFamily="18" charset="0"/>
+                                    </a:rPr>
+                                    <m:t>∗</m:t>
+                                  </m:r>
+                                </m:sup>
+                              </m:sSubSup>
+                            </m:e>
+                            <m:e>
+                              <m:r>
+                                <a:rPr lang="en-US" b="0" i="1" smtClean="0">
+                                  <a:latin typeface="Cambria Math" panose="02040503050406030204" pitchFamily="18" charset="0"/>
+                                  <a:ea typeface="Cambria Math" panose="02040503050406030204" pitchFamily="18" charset="0"/>
+                                </a:rPr>
+                                <m:t>⋯</m:t>
+                              </m:r>
+                            </m:e>
+                            <m:e>
+                              <m:sSup>
+                                <m:sSupPr>
+                                  <m:ctrlPr>
+                                    <a:rPr lang="en-US" i="1">
+                                      <a:latin typeface="Cambria Math" panose="02040503050406030204" pitchFamily="18" charset="0"/>
+                                    </a:rPr>
+                                  </m:ctrlPr>
+                                </m:sSupPr>
+                                <m:e>
+                                  <m:d>
+                                    <m:dPr>
+                                      <m:begChr m:val="|"/>
+                                      <m:endChr m:val="|"/>
+                                      <m:ctrlPr>
+                                        <a:rPr lang="en-US" i="1">
+                                          <a:latin typeface="Cambria Math" panose="02040503050406030204" pitchFamily="18" charset="0"/>
+                                        </a:rPr>
+                                      </m:ctrlPr>
+                                    </m:dPr>
+                                    <m:e>
+                                      <m:sSub>
+                                        <m:sSubPr>
+                                          <m:ctrlPr>
+                                            <a:rPr lang="en-US" i="1">
+                                              <a:latin typeface="Cambria Math" panose="02040503050406030204" pitchFamily="18" charset="0"/>
+                                            </a:rPr>
+                                          </m:ctrlPr>
+                                        </m:sSubPr>
+                                        <m:e>
+                                          <m:r>
+                                            <m:rPr>
+                                              <m:brk m:alnAt="7"/>
+                                            </m:rPr>
+                                            <a:rPr lang="en-US" i="1">
+                                              <a:latin typeface="Cambria Math" panose="02040503050406030204" pitchFamily="18" charset="0"/>
+                                            </a:rPr>
+                                            <m:t>𝛼</m:t>
+                                          </m:r>
+                                        </m:e>
+                                        <m:sub>
+                                          <m:r>
+                                            <a:rPr lang="en-US" b="0" i="1" smtClean="0">
+                                              <a:latin typeface="Cambria Math" panose="02040503050406030204" pitchFamily="18" charset="0"/>
+                                            </a:rPr>
+                                            <m:t>𝐷</m:t>
+                                          </m:r>
+                                          <m:r>
+                                            <a:rPr lang="en-US" b="0" i="1" smtClean="0">
+                                              <a:latin typeface="Cambria Math" panose="02040503050406030204" pitchFamily="18" charset="0"/>
+                                            </a:rPr>
+                                            <m:t>−1</m:t>
+                                          </m:r>
+                                        </m:sub>
+                                      </m:sSub>
+                                    </m:e>
+                                  </m:d>
+                                </m:e>
+                                <m:sup>
+                                  <m:r>
+                                    <m:rPr>
+                                      <m:brk m:alnAt="7"/>
+                                    </m:rPr>
+                                    <a:rPr lang="en-US" i="1">
+                                      <a:latin typeface="Cambria Math" panose="02040503050406030204" pitchFamily="18" charset="0"/>
+                                    </a:rPr>
+                                    <m:t>2</m:t>
+                                  </m:r>
+                                </m:sup>
+                              </m:sSup>
+                            </m:e>
+                          </m:mr>
+                        </m:m>
+                      </m:e>
+                    </m:d>
+                    <m:r>
+                      <a:rPr lang="en-US" b="0" i="1" smtClean="0">
+                        <a:latin typeface="Cambria Math" panose="02040503050406030204" pitchFamily="18" charset="0"/>
+                      </a:rPr>
+                      <m:t> .</m:t>
+                    </m:r>
+                  </m:oMath>
+                </a14:m>
+                <a:endParaRPr lang="en-US" dirty="0"/>
+              </a:p>
+              <a:p>
+                <a:r>
+                  <a:rPr lang="en-US" dirty="0"/>
+                  <a:t>A mixed state is the weighted average of the density matrices of pure states</a:t>
+                </a:r>
+                <a:br>
+                  <a:rPr lang="en-US" dirty="0"/>
+                </a:br>
+                <a14:m>
+                  <m:oMath xmlns:m="http://schemas.openxmlformats.org/officeDocument/2006/math">
+                    <m:r>
+                      <a:rPr lang="en-US" b="0" i="1" smtClean="0">
+                        <a:latin typeface="Cambria Math" panose="02040503050406030204" pitchFamily="18" charset="0"/>
+                      </a:rPr>
+                      <m:t>𝜌</m:t>
+                    </m:r>
+                    <m:r>
+                      <a:rPr lang="en-US" b="0" i="1" smtClean="0">
+                        <a:latin typeface="Cambria Math" panose="02040503050406030204" pitchFamily="18" charset="0"/>
+                      </a:rPr>
+                      <m:t>=</m:t>
+                    </m:r>
+                    <m:nary>
+                      <m:naryPr>
+                        <m:chr m:val="∑"/>
+                        <m:ctrlPr>
+                          <a:rPr lang="en-US" b="0" i="1" smtClean="0">
+                            <a:latin typeface="Cambria Math" panose="02040503050406030204" pitchFamily="18" charset="0"/>
+                          </a:rPr>
+                        </m:ctrlPr>
+                      </m:naryPr>
+                      <m:sub>
+                        <m:r>
+                          <m:rPr>
+                            <m:brk m:alnAt="23"/>
+                          </m:rPr>
+                          <a:rPr lang="en-US" b="0" i="1" smtClean="0">
+                            <a:latin typeface="Cambria Math" panose="02040503050406030204" pitchFamily="18" charset="0"/>
+                          </a:rPr>
+                          <m:t>𝑗</m:t>
+                        </m:r>
+                        <m:r>
+                          <a:rPr lang="en-US" b="0" i="1" smtClean="0">
+                            <a:latin typeface="Cambria Math" panose="02040503050406030204" pitchFamily="18" charset="0"/>
+                          </a:rPr>
+                          <m:t>=1</m:t>
+                        </m:r>
+                      </m:sub>
+                      <m:sup>
+                        <m:r>
+                          <a:rPr lang="en-US" b="0" i="1" smtClean="0">
+                            <a:latin typeface="Cambria Math" panose="02040503050406030204" pitchFamily="18" charset="0"/>
+                          </a:rPr>
+                          <m:t>𝑁</m:t>
+                        </m:r>
+                      </m:sup>
+                      <m:e>
+                        <m:sSub>
+                          <m:sSubPr>
+                            <m:ctrlPr>
+                              <a:rPr lang="en-US" b="0" i="1" smtClean="0">
+                                <a:latin typeface="Cambria Math" panose="02040503050406030204" pitchFamily="18" charset="0"/>
+                              </a:rPr>
+                            </m:ctrlPr>
+                          </m:sSubPr>
+                          <m:e>
+                            <m:r>
+                              <a:rPr lang="en-US" b="0" i="1" smtClean="0">
+                                <a:latin typeface="Cambria Math" panose="02040503050406030204" pitchFamily="18" charset="0"/>
+                              </a:rPr>
+                              <m:t>𝑞</m:t>
+                            </m:r>
+                          </m:e>
+                          <m:sub>
+                            <m:r>
+                              <a:rPr lang="en-US" b="0" i="1" smtClean="0">
+                                <a:latin typeface="Cambria Math" panose="02040503050406030204" pitchFamily="18" charset="0"/>
+                              </a:rPr>
+                              <m:t>𝑗</m:t>
+                            </m:r>
+                          </m:sub>
+                        </m:sSub>
+                        <m:d>
+                          <m:dPr>
+                            <m:begChr m:val="|"/>
+                            <m:endChr m:val="⟩"/>
+                            <m:ctrlPr>
+                              <a:rPr lang="en-US" b="0" i="1" smtClean="0">
+                                <a:latin typeface="Cambria Math" panose="02040503050406030204" pitchFamily="18" charset="0"/>
+                              </a:rPr>
+                            </m:ctrlPr>
+                          </m:dPr>
+                          <m:e>
+                            <m:sSub>
+                              <m:sSubPr>
+                                <m:ctrlPr>
+                                  <a:rPr lang="en-US" b="0" i="1" smtClean="0">
+                                    <a:latin typeface="Cambria Math" panose="02040503050406030204" pitchFamily="18" charset="0"/>
+                                  </a:rPr>
+                                </m:ctrlPr>
+                              </m:sSubPr>
+                              <m:e>
+                                <m:r>
+                                  <m:rPr>
+                                    <m:sty m:val="p"/>
+                                  </m:rPr>
+                                  <a:rPr lang="en-US" b="0" i="0" smtClean="0">
+                                    <a:latin typeface="Cambria Math" panose="02040503050406030204" pitchFamily="18" charset="0"/>
+                                  </a:rPr>
+                                  <m:t>Φ</m:t>
+                                </m:r>
+                              </m:e>
+                              <m:sub>
+                                <m:r>
+                                  <a:rPr lang="en-US" b="0" i="1" smtClean="0">
+                                    <a:latin typeface="Cambria Math" panose="02040503050406030204" pitchFamily="18" charset="0"/>
+                                  </a:rPr>
+                                  <m:t>𝑖</m:t>
+                                </m:r>
+                              </m:sub>
+                            </m:sSub>
+                          </m:e>
+                        </m:d>
+                        <m:d>
+                          <m:dPr>
+                            <m:begChr m:val="⟨"/>
+                            <m:endChr m:val="|"/>
+                            <m:ctrlPr>
+                              <a:rPr lang="en-US" b="0" i="1" smtClean="0">
+                                <a:latin typeface="Cambria Math" panose="02040503050406030204" pitchFamily="18" charset="0"/>
+                              </a:rPr>
+                            </m:ctrlPr>
+                          </m:dPr>
+                          <m:e>
+                            <m:sSub>
+                              <m:sSubPr>
+                                <m:ctrlPr>
+                                  <a:rPr lang="en-US" i="1">
+                                    <a:latin typeface="Cambria Math" panose="02040503050406030204" pitchFamily="18" charset="0"/>
+                                  </a:rPr>
+                                </m:ctrlPr>
+                              </m:sSubPr>
+                              <m:e>
+                                <m:r>
+                                  <m:rPr>
+                                    <m:sty m:val="p"/>
+                                  </m:rPr>
+                                  <a:rPr lang="en-US">
+                                    <a:latin typeface="Cambria Math" panose="02040503050406030204" pitchFamily="18" charset="0"/>
+                                  </a:rPr>
+                                  <m:t>Φ</m:t>
+                                </m:r>
+                              </m:e>
+                              <m:sub>
+                                <m:r>
+                                  <a:rPr lang="en-US" i="1">
+                                    <a:latin typeface="Cambria Math" panose="02040503050406030204" pitchFamily="18" charset="0"/>
+                                  </a:rPr>
+                                  <m:t>𝑖</m:t>
+                                </m:r>
+                              </m:sub>
+                            </m:sSub>
+                          </m:e>
+                        </m:d>
+                      </m:e>
+                    </m:nary>
+                    <m:r>
+                      <a:rPr lang="en-US" b="0" i="1" smtClean="0">
+                        <a:latin typeface="Cambria Math" panose="02040503050406030204" pitchFamily="18" charset="0"/>
+                      </a:rPr>
+                      <m:t> ,</m:t>
+                    </m:r>
+                  </m:oMath>
+                </a14:m>
+                <a:br>
+                  <a:rPr lang="en-US"/>
+                </a:br>
+                <a:r>
+                  <a:rPr lang="en-US"/>
+                  <a:t>where </a:t>
+                </a:r>
+                <a:endParaRPr lang="en-US" dirty="0"/>
+              </a:p>
+            </p:txBody>
+          </p:sp>
+        </mc:Choice>
+        <mc:Fallback>
+          <p:sp>
+            <p:nvSpPr>
+              <p:cNvPr id="3" name="Content Placeholder 2">
+                <a:extLst>
+                  <a:ext uri="{FF2B5EF4-FFF2-40B4-BE49-F238E27FC236}">
+                    <a16:creationId xmlns:a16="http://schemas.microsoft.com/office/drawing/2014/main" id="{E059D261-B1C5-46F4-B9E5-08BA8EA271F2}"/>
+                  </a:ext>
+                </a:extLst>
+              </p:cNvPr>
+              <p:cNvSpPr>
+                <a:spLocks noGrp="1" noRot="1" noChangeAspect="1" noMove="1" noResize="1" noEditPoints="1" noAdjustHandles="1" noChangeArrowheads="1" noChangeShapeType="1" noTextEdit="1"/>
+              </p:cNvSpPr>
+              <p:nvPr>
+                <p:ph idx="1"/>
+              </p:nvPr>
+            </p:nvSpPr>
+            <p:spPr>
+              <a:blipFill>
+                <a:blip r:embed="rId2"/>
+                <a:stretch>
+                  <a:fillRect l="-1043" t="-1821" r="-580"/>
+                </a:stretch>
+              </a:blipFill>
+            </p:spPr>
+            <p:txBody>
+              <a:bodyPr/>
+              <a:lstStyle/>
+              <a:p>
+                <a:r>
+                  <a:rPr lang="en-US">
+                    <a:noFill/>
+                  </a:rPr>
+                  <a:t> </a:t>
+                </a:r>
+              </a:p>
+            </p:txBody>
+          </p:sp>
+        </mc:Fallback>
+      </mc:AlternateContent>
+    </p:spTree>
+    <p:extLst>
+      <p:ext uri="{BB962C8B-B14F-4D97-AF65-F5344CB8AC3E}">
+        <p14:creationId xmlns:p14="http://schemas.microsoft.com/office/powerpoint/2010/main" val="1810008979"/>
       </p:ext>
     </p:extLst>
   </p:cSld>

--- a/defense.pptx
+++ b/defense.pptx
@@ -12,6 +12,7 @@
     <p:sldId id="264" r:id="rId6"/>
     <p:sldId id="265" r:id="rId7"/>
     <p:sldId id="266" r:id="rId8"/>
+    <p:sldId id="267" r:id="rId9"/>
   </p:sldIdLst>
   <p:sldSz cx="12192000" cy="6858000"/>
   <p:notesSz cx="6858000" cy="9144000"/>
@@ -126,6 +127,7 @@
             <p14:sldId id="264"/>
             <p14:sldId id="265"/>
             <p14:sldId id="266"/>
+            <p14:sldId id="267"/>
           </p14:sldIdLst>
         </p14:section>
       </p14:sectionLst>
@@ -284,7 +286,7 @@
           <a:p>
             <a:fld id="{C8E7DD55-92D8-4F00-9465-9362BAFC34DC}" type="datetimeFigureOut">
               <a:rPr lang="en-US" smtClean="0"/>
-              <a:t>11/27/2018</a:t>
+              <a:t>11/28/2018</a:t>
             </a:fld>
             <a:endParaRPr lang="en-US"/>
           </a:p>
@@ -482,7 +484,7 @@
           <a:p>
             <a:fld id="{C8E7DD55-92D8-4F00-9465-9362BAFC34DC}" type="datetimeFigureOut">
               <a:rPr lang="en-US" smtClean="0"/>
-              <a:t>11/27/2018</a:t>
+              <a:t>11/28/2018</a:t>
             </a:fld>
             <a:endParaRPr lang="en-US"/>
           </a:p>
@@ -690,7 +692,7 @@
           <a:p>
             <a:fld id="{C8E7DD55-92D8-4F00-9465-9362BAFC34DC}" type="datetimeFigureOut">
               <a:rPr lang="en-US" smtClean="0"/>
-              <a:t>11/27/2018</a:t>
+              <a:t>11/28/2018</a:t>
             </a:fld>
             <a:endParaRPr lang="en-US"/>
           </a:p>
@@ -888,7 +890,7 @@
           <a:p>
             <a:fld id="{C8E7DD55-92D8-4F00-9465-9362BAFC34DC}" type="datetimeFigureOut">
               <a:rPr lang="en-US" smtClean="0"/>
-              <a:t>11/27/2018</a:t>
+              <a:t>11/28/2018</a:t>
             </a:fld>
             <a:endParaRPr lang="en-US"/>
           </a:p>
@@ -1163,7 +1165,7 @@
           <a:p>
             <a:fld id="{C8E7DD55-92D8-4F00-9465-9362BAFC34DC}" type="datetimeFigureOut">
               <a:rPr lang="en-US" smtClean="0"/>
-              <a:t>11/27/2018</a:t>
+              <a:t>11/28/2018</a:t>
             </a:fld>
             <a:endParaRPr lang="en-US"/>
           </a:p>
@@ -1428,7 +1430,7 @@
           <a:p>
             <a:fld id="{C8E7DD55-92D8-4F00-9465-9362BAFC34DC}" type="datetimeFigureOut">
               <a:rPr lang="en-US" smtClean="0"/>
-              <a:t>11/27/2018</a:t>
+              <a:t>11/28/2018</a:t>
             </a:fld>
             <a:endParaRPr lang="en-US"/>
           </a:p>
@@ -1840,7 +1842,7 @@
           <a:p>
             <a:fld id="{C8E7DD55-92D8-4F00-9465-9362BAFC34DC}" type="datetimeFigureOut">
               <a:rPr lang="en-US" smtClean="0"/>
-              <a:t>11/27/2018</a:t>
+              <a:t>11/28/2018</a:t>
             </a:fld>
             <a:endParaRPr lang="en-US"/>
           </a:p>
@@ -1981,7 +1983,7 @@
           <a:p>
             <a:fld id="{C8E7DD55-92D8-4F00-9465-9362BAFC34DC}" type="datetimeFigureOut">
               <a:rPr lang="en-US" smtClean="0"/>
-              <a:t>11/27/2018</a:t>
+              <a:t>11/28/2018</a:t>
             </a:fld>
             <a:endParaRPr lang="en-US"/>
           </a:p>
@@ -2094,7 +2096,7 @@
           <a:p>
             <a:fld id="{C8E7DD55-92D8-4F00-9465-9362BAFC34DC}" type="datetimeFigureOut">
               <a:rPr lang="en-US" smtClean="0"/>
-              <a:t>11/27/2018</a:t>
+              <a:t>11/28/2018</a:t>
             </a:fld>
             <a:endParaRPr lang="en-US"/>
           </a:p>
@@ -2405,7 +2407,7 @@
           <a:p>
             <a:fld id="{C8E7DD55-92D8-4F00-9465-9362BAFC34DC}" type="datetimeFigureOut">
               <a:rPr lang="en-US" smtClean="0"/>
-              <a:t>11/27/2018</a:t>
+              <a:t>11/28/2018</a:t>
             </a:fld>
             <a:endParaRPr lang="en-US"/>
           </a:p>
@@ -2693,7 +2695,7 @@
           <a:p>
             <a:fld id="{C8E7DD55-92D8-4F00-9465-9362BAFC34DC}" type="datetimeFigureOut">
               <a:rPr lang="en-US" smtClean="0"/>
-              <a:t>11/27/2018</a:t>
+              <a:t>11/28/2018</a:t>
             </a:fld>
             <a:endParaRPr lang="en-US"/>
           </a:p>
@@ -2934,7 +2936,7 @@
           <a:p>
             <a:fld id="{C8E7DD55-92D8-4F00-9465-9362BAFC34DC}" type="datetimeFigureOut">
               <a:rPr lang="en-US" smtClean="0"/>
-              <a:t>11/27/2018</a:t>
+              <a:t>11/28/2018</a:t>
             </a:fld>
             <a:endParaRPr lang="en-US"/>
           </a:p>
@@ -5552,565 +5554,10 @@
             </p:nvSpPr>
             <p:spPr/>
             <p:txBody>
-              <a:bodyPr/>
+              <a:bodyPr>
+                <a:normAutofit/>
+              </a:bodyPr>
               <a:lstStyle/>
-              <a:p>
-                <a:r>
-                  <a:rPr lang="en-US" dirty="0"/>
-                  <a:t>The density matrix of a pure normalized state</a:t>
-                </a:r>
-                <a14:m>
-                  <m:oMath xmlns:m="http://schemas.openxmlformats.org/officeDocument/2006/math">
-                    <m:d>
-                      <m:dPr>
-                        <m:begChr m:val="|"/>
-                        <m:endChr m:val="⟩"/>
-                        <m:ctrlPr>
-                          <a:rPr lang="en-US" i="1">
-                            <a:latin typeface="Cambria Math" panose="02040503050406030204" pitchFamily="18" charset="0"/>
-                          </a:rPr>
-                        </m:ctrlPr>
-                      </m:dPr>
-                      <m:e>
-                        <m:r>
-                          <m:rPr>
-                            <m:sty m:val="p"/>
-                          </m:rPr>
-                          <a:rPr lang="en-US">
-                            <a:latin typeface="Cambria Math" panose="02040503050406030204" pitchFamily="18" charset="0"/>
-                          </a:rPr>
-                          <m:t>Ψ</m:t>
-                        </m:r>
-                      </m:e>
-                    </m:d>
-                    <m:r>
-                      <a:rPr lang="en-US" i="1">
-                        <a:latin typeface="Cambria Math" panose="02040503050406030204" pitchFamily="18" charset="0"/>
-                      </a:rPr>
-                      <m:t>=</m:t>
-                    </m:r>
-                    <m:nary>
-                      <m:naryPr>
-                        <m:chr m:val="∑"/>
-                        <m:ctrlPr>
-                          <a:rPr lang="en-US" i="1">
-                            <a:latin typeface="Cambria Math" panose="02040503050406030204" pitchFamily="18" charset="0"/>
-                          </a:rPr>
-                        </m:ctrlPr>
-                      </m:naryPr>
-                      <m:sub>
-                        <m:r>
-                          <m:rPr>
-                            <m:brk m:alnAt="23"/>
-                          </m:rPr>
-                          <a:rPr lang="en-US" i="1">
-                            <a:latin typeface="Cambria Math" panose="02040503050406030204" pitchFamily="18" charset="0"/>
-                          </a:rPr>
-                          <m:t>𝑖</m:t>
-                        </m:r>
-                        <m:r>
-                          <a:rPr lang="en-US" i="1">
-                            <a:latin typeface="Cambria Math" panose="02040503050406030204" pitchFamily="18" charset="0"/>
-                          </a:rPr>
-                          <m:t>=0</m:t>
-                        </m:r>
-                      </m:sub>
-                      <m:sup>
-                        <m:r>
-                          <a:rPr lang="en-US" i="1">
-                            <a:latin typeface="Cambria Math" panose="02040503050406030204" pitchFamily="18" charset="0"/>
-                          </a:rPr>
-                          <m:t>𝐷</m:t>
-                        </m:r>
-                        <m:r>
-                          <a:rPr lang="en-US" i="1">
-                            <a:latin typeface="Cambria Math" panose="02040503050406030204" pitchFamily="18" charset="0"/>
-                          </a:rPr>
-                          <m:t>−1</m:t>
-                        </m:r>
-                      </m:sup>
-                      <m:e>
-                        <m:sSub>
-                          <m:sSubPr>
-                            <m:ctrlPr>
-                              <a:rPr lang="en-US" i="1">
-                                <a:latin typeface="Cambria Math" panose="02040503050406030204" pitchFamily="18" charset="0"/>
-                              </a:rPr>
-                            </m:ctrlPr>
-                          </m:sSubPr>
-                          <m:e>
-                            <m:r>
-                              <a:rPr lang="en-US" i="1">
-                                <a:latin typeface="Cambria Math" panose="02040503050406030204" pitchFamily="18" charset="0"/>
-                              </a:rPr>
-                              <m:t>𝛼</m:t>
-                            </m:r>
-                          </m:e>
-                          <m:sub>
-                            <m:r>
-                              <a:rPr lang="en-US" i="1">
-                                <a:latin typeface="Cambria Math" panose="02040503050406030204" pitchFamily="18" charset="0"/>
-                              </a:rPr>
-                              <m:t>𝑖</m:t>
-                            </m:r>
-                          </m:sub>
-                        </m:sSub>
-                        <m:d>
-                          <m:dPr>
-                            <m:begChr m:val="|"/>
-                            <m:endChr m:val="⟩"/>
-                            <m:ctrlPr>
-                              <a:rPr lang="en-US" i="1">
-                                <a:latin typeface="Cambria Math" panose="02040503050406030204" pitchFamily="18" charset="0"/>
-                              </a:rPr>
-                            </m:ctrlPr>
-                          </m:dPr>
-                          <m:e>
-                            <m:r>
-                              <a:rPr lang="en-US" i="1">
-                                <a:latin typeface="Cambria Math" panose="02040503050406030204" pitchFamily="18" charset="0"/>
-                              </a:rPr>
-                              <m:t>𝑖</m:t>
-                            </m:r>
-                          </m:e>
-                        </m:d>
-                      </m:e>
-                    </m:nary>
-                  </m:oMath>
-                </a14:m>
-                <a:r>
-                  <a:rPr lang="en-US" dirty="0"/>
-                  <a:t> is </a:t>
-                </a:r>
-                <a:br>
-                  <a:rPr lang="en-US" b="0" i="1" dirty="0">
-                    <a:latin typeface="Cambria Math" panose="02040503050406030204" pitchFamily="18" charset="0"/>
-                  </a:rPr>
-                </a:br>
-                <a14:m>
-                  <m:oMath xmlns:m="http://schemas.openxmlformats.org/officeDocument/2006/math">
-                    <m:r>
-                      <a:rPr lang="en-US" b="0" i="1" smtClean="0">
-                        <a:latin typeface="Cambria Math" panose="02040503050406030204" pitchFamily="18" charset="0"/>
-                      </a:rPr>
-                      <m:t>𝜌</m:t>
-                    </m:r>
-                    <m:r>
-                      <a:rPr lang="en-US" b="0" i="1" smtClean="0">
-                        <a:latin typeface="Cambria Math" panose="02040503050406030204" pitchFamily="18" charset="0"/>
-                      </a:rPr>
-                      <m:t>=</m:t>
-                    </m:r>
-                    <m:d>
-                      <m:dPr>
-                        <m:begChr m:val="|"/>
-                        <m:endChr m:val="⟩"/>
-                        <m:ctrlPr>
-                          <a:rPr lang="en-US" b="0" i="1" smtClean="0">
-                            <a:latin typeface="Cambria Math" panose="02040503050406030204" pitchFamily="18" charset="0"/>
-                          </a:rPr>
-                        </m:ctrlPr>
-                      </m:dPr>
-                      <m:e>
-                        <m:r>
-                          <m:rPr>
-                            <m:sty m:val="p"/>
-                          </m:rPr>
-                          <a:rPr lang="en-US" b="0" i="0" smtClean="0">
-                            <a:latin typeface="Cambria Math" panose="02040503050406030204" pitchFamily="18" charset="0"/>
-                          </a:rPr>
-                          <m:t>Ψ</m:t>
-                        </m:r>
-                      </m:e>
-                    </m:d>
-                    <m:d>
-                      <m:dPr>
-                        <m:begChr m:val="⟨"/>
-                        <m:endChr m:val="|"/>
-                        <m:ctrlPr>
-                          <a:rPr lang="en-US" b="0" i="1" smtClean="0">
-                            <a:latin typeface="Cambria Math" panose="02040503050406030204" pitchFamily="18" charset="0"/>
-                          </a:rPr>
-                        </m:ctrlPr>
-                      </m:dPr>
-                      <m:e>
-                        <m:r>
-                          <m:rPr>
-                            <m:sty m:val="p"/>
-                          </m:rPr>
-                          <a:rPr lang="en-US" b="0" i="0" smtClean="0">
-                            <a:latin typeface="Cambria Math" panose="02040503050406030204" pitchFamily="18" charset="0"/>
-                          </a:rPr>
-                          <m:t>Ψ</m:t>
-                        </m:r>
-                      </m:e>
-                    </m:d>
-                    <m:r>
-                      <a:rPr lang="en-US" b="0" i="1" smtClean="0">
-                        <a:latin typeface="Cambria Math" panose="02040503050406030204" pitchFamily="18" charset="0"/>
-                      </a:rPr>
-                      <m:t>=</m:t>
-                    </m:r>
-                    <m:d>
-                      <m:dPr>
-                        <m:ctrlPr>
-                          <a:rPr lang="en-US" b="0" i="1" smtClean="0">
-                            <a:latin typeface="Cambria Math" panose="02040503050406030204" pitchFamily="18" charset="0"/>
-                          </a:rPr>
-                        </m:ctrlPr>
-                      </m:dPr>
-                      <m:e>
-                        <m:m>
-                          <m:mPr>
-                            <m:mcs>
-                              <m:mc>
-                                <m:mcPr>
-                                  <m:count m:val="3"/>
-                                  <m:mcJc m:val="center"/>
-                                </m:mcPr>
-                              </m:mc>
-                            </m:mcs>
-                            <m:ctrlPr>
-                              <a:rPr lang="en-US" b="0" i="1" smtClean="0">
-                                <a:latin typeface="Cambria Math" panose="02040503050406030204" pitchFamily="18" charset="0"/>
-                              </a:rPr>
-                            </m:ctrlPr>
-                          </m:mPr>
-                          <m:mr>
-                            <m:e>
-                              <m:sSup>
-                                <m:sSupPr>
-                                  <m:ctrlPr>
-                                    <a:rPr lang="en-US" b="0" i="1" smtClean="0">
-                                      <a:latin typeface="Cambria Math" panose="02040503050406030204" pitchFamily="18" charset="0"/>
-                                    </a:rPr>
-                                  </m:ctrlPr>
-                                </m:sSupPr>
-                                <m:e>
-                                  <m:d>
-                                    <m:dPr>
-                                      <m:begChr m:val="|"/>
-                                      <m:endChr m:val="|"/>
-                                      <m:ctrlPr>
-                                        <a:rPr lang="en-US" b="0" i="1" smtClean="0">
-                                          <a:latin typeface="Cambria Math" panose="02040503050406030204" pitchFamily="18" charset="0"/>
-                                        </a:rPr>
-                                      </m:ctrlPr>
-                                    </m:dPr>
-                                    <m:e>
-                                      <m:sSub>
-                                        <m:sSubPr>
-                                          <m:ctrlPr>
-                                            <a:rPr lang="en-US" b="0" i="1" smtClean="0">
-                                              <a:latin typeface="Cambria Math" panose="02040503050406030204" pitchFamily="18" charset="0"/>
-                                            </a:rPr>
-                                          </m:ctrlPr>
-                                        </m:sSubPr>
-                                        <m:e>
-                                          <m:r>
-                                            <m:rPr>
-                                              <m:brk m:alnAt="7"/>
-                                            </m:rPr>
-                                            <a:rPr lang="en-US" b="0" i="1" smtClean="0">
-                                              <a:latin typeface="Cambria Math" panose="02040503050406030204" pitchFamily="18" charset="0"/>
-                                            </a:rPr>
-                                            <m:t>𝛼</m:t>
-                                          </m:r>
-                                        </m:e>
-                                        <m:sub>
-                                          <m:r>
-                                            <m:rPr>
-                                              <m:brk m:alnAt="7"/>
-                                            </m:rPr>
-                                            <a:rPr lang="en-US" b="0" i="1" smtClean="0">
-                                              <a:latin typeface="Cambria Math" panose="02040503050406030204" pitchFamily="18" charset="0"/>
-                                            </a:rPr>
-                                            <m:t>0</m:t>
-                                          </m:r>
-                                        </m:sub>
-                                      </m:sSub>
-                                    </m:e>
-                                  </m:d>
-                                </m:e>
-                                <m:sup>
-                                  <m:r>
-                                    <m:rPr>
-                                      <m:brk m:alnAt="7"/>
-                                    </m:rPr>
-                                    <a:rPr lang="en-US" b="0" i="1" smtClean="0">
-                                      <a:latin typeface="Cambria Math" panose="02040503050406030204" pitchFamily="18" charset="0"/>
-                                    </a:rPr>
-                                    <m:t>2</m:t>
-                                  </m:r>
-                                </m:sup>
-                              </m:sSup>
-                            </m:e>
-                            <m:e>
-                              <m:r>
-                                <a:rPr lang="en-US" i="1">
-                                  <a:latin typeface="Cambria Math" panose="02040503050406030204" pitchFamily="18" charset="0"/>
-                                  <a:ea typeface="Cambria Math" panose="02040503050406030204" pitchFamily="18" charset="0"/>
-                                </a:rPr>
-                                <m:t>⋯</m:t>
-                              </m:r>
-                            </m:e>
-                            <m:e>
-                              <m:sSub>
-                                <m:sSubPr>
-                                  <m:ctrlPr>
-                                    <a:rPr lang="en-US" i="1">
-                                      <a:latin typeface="Cambria Math" panose="02040503050406030204" pitchFamily="18" charset="0"/>
-                                    </a:rPr>
-                                  </m:ctrlPr>
-                                </m:sSubPr>
-                                <m:e>
-                                  <m:r>
-                                    <a:rPr lang="en-US" i="1">
-                                      <a:latin typeface="Cambria Math" panose="02040503050406030204" pitchFamily="18" charset="0"/>
-                                    </a:rPr>
-                                    <m:t>𝛼</m:t>
-                                  </m:r>
-                                </m:e>
-                                <m:sub>
-                                  <m:r>
-                                    <a:rPr lang="en-US" b="0" i="1" smtClean="0">
-                                      <a:latin typeface="Cambria Math" panose="02040503050406030204" pitchFamily="18" charset="0"/>
-                                    </a:rPr>
-                                    <m:t>0</m:t>
-                                  </m:r>
-                                </m:sub>
-                              </m:sSub>
-                              <m:sSubSup>
-                                <m:sSubSupPr>
-                                  <m:ctrlPr>
-                                    <a:rPr lang="en-US" i="1">
-                                      <a:latin typeface="Cambria Math" panose="02040503050406030204" pitchFamily="18" charset="0"/>
-                                    </a:rPr>
-                                  </m:ctrlPr>
-                                </m:sSubSupPr>
-                                <m:e>
-                                  <m:r>
-                                    <a:rPr lang="en-US" i="1">
-                                      <a:latin typeface="Cambria Math" panose="02040503050406030204" pitchFamily="18" charset="0"/>
-                                    </a:rPr>
-                                    <m:t>𝛼</m:t>
-                                  </m:r>
-                                </m:e>
-                                <m:sub>
-                                  <m:r>
-                                    <a:rPr lang="en-US" b="0" i="1" smtClean="0">
-                                      <a:latin typeface="Cambria Math" panose="02040503050406030204" pitchFamily="18" charset="0"/>
-                                    </a:rPr>
-                                    <m:t>𝐷</m:t>
-                                  </m:r>
-                                  <m:r>
-                                    <a:rPr lang="en-US" b="0" i="1" smtClean="0">
-                                      <a:latin typeface="Cambria Math" panose="02040503050406030204" pitchFamily="18" charset="0"/>
-                                    </a:rPr>
-                                    <m:t>−1</m:t>
-                                  </m:r>
-                                </m:sub>
-                                <m:sup>
-                                  <m:r>
-                                    <a:rPr lang="en-US" i="1">
-                                      <a:latin typeface="Cambria Math" panose="02040503050406030204" pitchFamily="18" charset="0"/>
-                                    </a:rPr>
-                                    <m:t>∗</m:t>
-                                  </m:r>
-                                </m:sup>
-                              </m:sSubSup>
-                            </m:e>
-                          </m:mr>
-                          <m:mr>
-                            <m:e>
-                              <m:r>
-                                <a:rPr lang="en-US" b="0" i="1" smtClean="0">
-                                  <a:latin typeface="Cambria Math" panose="02040503050406030204" pitchFamily="18" charset="0"/>
-                                  <a:ea typeface="Cambria Math" panose="02040503050406030204" pitchFamily="18" charset="0"/>
-                                </a:rPr>
-                                <m:t>⋮</m:t>
-                              </m:r>
-                            </m:e>
-                            <m:e>
-                              <m:r>
-                                <a:rPr lang="en-US" b="0" i="1" smtClean="0">
-                                  <a:latin typeface="Cambria Math" panose="02040503050406030204" pitchFamily="18" charset="0"/>
-                                  <a:ea typeface="Cambria Math" panose="02040503050406030204" pitchFamily="18" charset="0"/>
-                                </a:rPr>
-                                <m:t>⋱</m:t>
-                              </m:r>
-                            </m:e>
-                            <m:e>
-                              <m:r>
-                                <a:rPr lang="en-US" b="0" i="1" smtClean="0">
-                                  <a:latin typeface="Cambria Math" panose="02040503050406030204" pitchFamily="18" charset="0"/>
-                                  <a:ea typeface="Cambria Math" panose="02040503050406030204" pitchFamily="18" charset="0"/>
-                                </a:rPr>
-                                <m:t>⋮</m:t>
-                              </m:r>
-                            </m:e>
-                          </m:mr>
-                          <m:mr>
-                            <m:e>
-                              <m:sSub>
-                                <m:sSubPr>
-                                  <m:ctrlPr>
-                                    <a:rPr lang="en-US" b="0" i="1" smtClean="0">
-                                      <a:latin typeface="Cambria Math" panose="02040503050406030204" pitchFamily="18" charset="0"/>
-                                    </a:rPr>
-                                  </m:ctrlPr>
-                                </m:sSubPr>
-                                <m:e>
-                                  <m:r>
-                                    <a:rPr lang="en-US" b="0" i="1" smtClean="0">
-                                      <a:latin typeface="Cambria Math" panose="02040503050406030204" pitchFamily="18" charset="0"/>
-                                    </a:rPr>
-                                    <m:t>𝛼</m:t>
-                                  </m:r>
-                                </m:e>
-                                <m:sub>
-                                  <m:r>
-                                    <a:rPr lang="en-US" b="0" i="1" smtClean="0">
-                                      <a:latin typeface="Cambria Math" panose="02040503050406030204" pitchFamily="18" charset="0"/>
-                                    </a:rPr>
-                                    <m:t>𝐷</m:t>
-                                  </m:r>
-                                  <m:r>
-                                    <a:rPr lang="en-US" b="0" i="1" smtClean="0">
-                                      <a:latin typeface="Cambria Math" panose="02040503050406030204" pitchFamily="18" charset="0"/>
-                                    </a:rPr>
-                                    <m:t>−1</m:t>
-                                  </m:r>
-                                </m:sub>
-                              </m:sSub>
-                              <m:sSubSup>
-                                <m:sSubSupPr>
-                                  <m:ctrlPr>
-                                    <a:rPr lang="en-US" b="0" i="1" smtClean="0">
-                                      <a:latin typeface="Cambria Math" panose="02040503050406030204" pitchFamily="18" charset="0"/>
-                                    </a:rPr>
-                                  </m:ctrlPr>
-                                </m:sSubSupPr>
-                                <m:e>
-                                  <m:r>
-                                    <a:rPr lang="en-US" b="0" i="1" smtClean="0">
-                                      <a:latin typeface="Cambria Math" panose="02040503050406030204" pitchFamily="18" charset="0"/>
-                                    </a:rPr>
-                                    <m:t>𝛼</m:t>
-                                  </m:r>
-                                </m:e>
-                                <m:sub>
-                                  <m:r>
-                                    <a:rPr lang="en-US" b="0" i="1" smtClean="0">
-                                      <a:latin typeface="Cambria Math" panose="02040503050406030204" pitchFamily="18" charset="0"/>
-                                    </a:rPr>
-                                    <m:t>0</m:t>
-                                  </m:r>
-                                </m:sub>
-                                <m:sup>
-                                  <m:r>
-                                    <a:rPr lang="en-US" b="0" i="1" smtClean="0">
-                                      <a:latin typeface="Cambria Math" panose="02040503050406030204" pitchFamily="18" charset="0"/>
-                                    </a:rPr>
-                                    <m:t>∗</m:t>
-                                  </m:r>
-                                </m:sup>
-                              </m:sSubSup>
-                            </m:e>
-                            <m:e>
-                              <m:r>
-                                <a:rPr lang="en-US" b="0" i="1" smtClean="0">
-                                  <a:latin typeface="Cambria Math" panose="02040503050406030204" pitchFamily="18" charset="0"/>
-                                  <a:ea typeface="Cambria Math" panose="02040503050406030204" pitchFamily="18" charset="0"/>
-                                </a:rPr>
-                                <m:t>⋯</m:t>
-                              </m:r>
-                            </m:e>
-                            <m:e>
-                              <m:sSup>
-                                <m:sSupPr>
-                                  <m:ctrlPr>
-                                    <a:rPr lang="en-US" i="1">
-                                      <a:latin typeface="Cambria Math" panose="02040503050406030204" pitchFamily="18" charset="0"/>
-                                    </a:rPr>
-                                  </m:ctrlPr>
-                                </m:sSupPr>
-                                <m:e>
-                                  <m:d>
-                                    <m:dPr>
-                                      <m:begChr m:val="|"/>
-                                      <m:endChr m:val="|"/>
-                                      <m:ctrlPr>
-                                        <a:rPr lang="en-US" i="1">
-                                          <a:latin typeface="Cambria Math" panose="02040503050406030204" pitchFamily="18" charset="0"/>
-                                        </a:rPr>
-                                      </m:ctrlPr>
-                                    </m:dPr>
-                                    <m:e>
-                                      <m:sSub>
-                                        <m:sSubPr>
-                                          <m:ctrlPr>
-                                            <a:rPr lang="en-US" i="1">
-                                              <a:latin typeface="Cambria Math" panose="02040503050406030204" pitchFamily="18" charset="0"/>
-                                            </a:rPr>
-                                          </m:ctrlPr>
-                                        </m:sSubPr>
-                                        <m:e>
-                                          <m:r>
-                                            <m:rPr>
-                                              <m:brk m:alnAt="7"/>
-                                            </m:rPr>
-                                            <a:rPr lang="en-US" i="1">
-                                              <a:latin typeface="Cambria Math" panose="02040503050406030204" pitchFamily="18" charset="0"/>
-                                            </a:rPr>
-                                            <m:t>𝛼</m:t>
-                                          </m:r>
-                                        </m:e>
-                                        <m:sub>
-                                          <m:r>
-                                            <a:rPr lang="en-US" b="0" i="1" smtClean="0">
-                                              <a:latin typeface="Cambria Math" panose="02040503050406030204" pitchFamily="18" charset="0"/>
-                                            </a:rPr>
-                                            <m:t>𝐷</m:t>
-                                          </m:r>
-                                          <m:r>
-                                            <a:rPr lang="en-US" b="0" i="1" smtClean="0">
-                                              <a:latin typeface="Cambria Math" panose="02040503050406030204" pitchFamily="18" charset="0"/>
-                                            </a:rPr>
-                                            <m:t>−1</m:t>
-                                          </m:r>
-                                        </m:sub>
-                                      </m:sSub>
-                                    </m:e>
-                                  </m:d>
-                                </m:e>
-                                <m:sup>
-                                  <m:r>
-                                    <m:rPr>
-                                      <m:brk m:alnAt="7"/>
-                                    </m:rPr>
-                                    <a:rPr lang="en-US" i="1">
-                                      <a:latin typeface="Cambria Math" panose="02040503050406030204" pitchFamily="18" charset="0"/>
-                                    </a:rPr>
-                                    <m:t>2</m:t>
-                                  </m:r>
-                                </m:sup>
-                              </m:sSup>
-                            </m:e>
-                          </m:mr>
-                        </m:m>
-                      </m:e>
-                    </m:d>
-                    <m:r>
-                      <a:rPr lang="en-US" b="0" i="1" smtClean="0">
-                        <a:latin typeface="Cambria Math" panose="02040503050406030204" pitchFamily="18" charset="0"/>
-                      </a:rPr>
-                      <m:t> .</m:t>
-                    </m:r>
-                  </m:oMath>
-                </a14:m>
-                <a:endParaRPr lang="en-US" dirty="0"/>
-              </a:p>
               <a:p>
                 <a:r>
                   <a:rPr lang="en-US" dirty="0"/>
@@ -6286,13 +5733,176 @@
                   </m:oMath>
                 </a14:m>
                 <a:br>
-                  <a:rPr lang="en-US"/>
+                  <a:rPr lang="en-US" dirty="0"/>
                 </a:br>
                 <a:r>
-                  <a:rPr lang="en-US"/>
+                  <a:rPr lang="en-US" dirty="0"/>
                   <a:t>where </a:t>
                 </a:r>
-                <a:endParaRPr lang="en-US" dirty="0"/>
+                <a14:m>
+                  <m:oMath xmlns:m="http://schemas.openxmlformats.org/officeDocument/2006/math">
+                    <m:d>
+                      <m:dPr>
+                        <m:begChr m:val="|"/>
+                        <m:endChr m:val="⟩"/>
+                        <m:ctrlPr>
+                          <a:rPr lang="en-US" i="1">
+                            <a:latin typeface="Cambria Math" panose="02040503050406030204" pitchFamily="18" charset="0"/>
+                          </a:rPr>
+                        </m:ctrlPr>
+                      </m:dPr>
+                      <m:e>
+                        <m:sSub>
+                          <m:sSubPr>
+                            <m:ctrlPr>
+                              <a:rPr lang="en-US" i="1">
+                                <a:latin typeface="Cambria Math" panose="02040503050406030204" pitchFamily="18" charset="0"/>
+                              </a:rPr>
+                            </m:ctrlPr>
+                          </m:sSubPr>
+                          <m:e>
+                            <m:r>
+                              <m:rPr>
+                                <m:sty m:val="p"/>
+                              </m:rPr>
+                              <a:rPr lang="en-US">
+                                <a:latin typeface="Cambria Math" panose="02040503050406030204" pitchFamily="18" charset="0"/>
+                              </a:rPr>
+                              <m:t>Φ</m:t>
+                            </m:r>
+                          </m:e>
+                          <m:sub>
+                            <m:r>
+                              <a:rPr lang="en-US" i="1">
+                                <a:latin typeface="Cambria Math" panose="02040503050406030204" pitchFamily="18" charset="0"/>
+                              </a:rPr>
+                              <m:t>𝑖</m:t>
+                            </m:r>
+                          </m:sub>
+                        </m:sSub>
+                      </m:e>
+                    </m:d>
+                  </m:oMath>
+                </a14:m>
+                <a:r>
+                  <a:rPr lang="en-US" dirty="0"/>
+                  <a:t> are normalized, </a:t>
+                </a:r>
+                <a14:m>
+                  <m:oMath xmlns:m="http://schemas.openxmlformats.org/officeDocument/2006/math">
+                    <m:sSub>
+                      <m:sSubPr>
+                        <m:ctrlPr>
+                          <a:rPr lang="en-US" b="0" i="1" dirty="0" smtClean="0">
+                            <a:latin typeface="Cambria Math" panose="02040503050406030204" pitchFamily="18" charset="0"/>
+                          </a:rPr>
+                        </m:ctrlPr>
+                      </m:sSubPr>
+                      <m:e>
+                        <m:r>
+                          <a:rPr lang="en-US" b="0" i="1" dirty="0" smtClean="0">
+                            <a:latin typeface="Cambria Math" panose="02040503050406030204" pitchFamily="18" charset="0"/>
+                          </a:rPr>
+                          <m:t>𝑞</m:t>
+                        </m:r>
+                      </m:e>
+                      <m:sub>
+                        <m:r>
+                          <a:rPr lang="en-US" b="0" i="1" dirty="0" smtClean="0">
+                            <a:latin typeface="Cambria Math" panose="02040503050406030204" pitchFamily="18" charset="0"/>
+                          </a:rPr>
+                          <m:t>𝑗</m:t>
+                        </m:r>
+                      </m:sub>
+                    </m:sSub>
+                    <m:r>
+                      <a:rPr lang="en-US" i="1" dirty="0" smtClean="0">
+                        <a:latin typeface="Cambria Math" panose="02040503050406030204" pitchFamily="18" charset="0"/>
+                      </a:rPr>
+                      <m:t>&gt;0</m:t>
+                    </m:r>
+                  </m:oMath>
+                </a14:m>
+                <a:r>
+                  <a:rPr lang="en-US" dirty="0"/>
+                  <a:t>, and </a:t>
+                </a:r>
+                <a14:m>
+                  <m:oMath xmlns:m="http://schemas.openxmlformats.org/officeDocument/2006/math">
+                    <m:nary>
+                      <m:naryPr>
+                        <m:chr m:val="∑"/>
+                        <m:ctrlPr>
+                          <a:rPr lang="en-US" i="1" dirty="0" smtClean="0">
+                            <a:latin typeface="Cambria Math" panose="02040503050406030204" pitchFamily="18" charset="0"/>
+                          </a:rPr>
+                        </m:ctrlPr>
+                      </m:naryPr>
+                      <m:sub>
+                        <m:r>
+                          <m:rPr>
+                            <m:brk m:alnAt="23"/>
+                          </m:rPr>
+                          <a:rPr lang="en-US" b="0" i="1" dirty="0" smtClean="0">
+                            <a:latin typeface="Cambria Math" panose="02040503050406030204" pitchFamily="18" charset="0"/>
+                          </a:rPr>
+                          <m:t>𝑗</m:t>
+                        </m:r>
+                        <m:r>
+                          <a:rPr lang="en-US" b="0" i="1" dirty="0" smtClean="0">
+                            <a:latin typeface="Cambria Math" panose="02040503050406030204" pitchFamily="18" charset="0"/>
+                          </a:rPr>
+                          <m:t>=1</m:t>
+                        </m:r>
+                      </m:sub>
+                      <m:sup>
+                        <m:r>
+                          <a:rPr lang="en-US" b="0" i="1" dirty="0" smtClean="0">
+                            <a:latin typeface="Cambria Math" panose="02040503050406030204" pitchFamily="18" charset="0"/>
+                          </a:rPr>
+                          <m:t>𝑁</m:t>
+                        </m:r>
+                      </m:sup>
+                      <m:e>
+                        <m:sSub>
+                          <m:sSubPr>
+                            <m:ctrlPr>
+                              <a:rPr lang="en-US" b="0" i="1" dirty="0" smtClean="0">
+                                <a:latin typeface="Cambria Math" panose="02040503050406030204" pitchFamily="18" charset="0"/>
+                              </a:rPr>
+                            </m:ctrlPr>
+                          </m:sSubPr>
+                          <m:e>
+                            <m:r>
+                              <a:rPr lang="en-US" b="0" i="1" dirty="0" smtClean="0">
+                                <a:latin typeface="Cambria Math" panose="02040503050406030204" pitchFamily="18" charset="0"/>
+                              </a:rPr>
+                              <m:t>𝑞</m:t>
+                            </m:r>
+                          </m:e>
+                          <m:sub>
+                            <m:r>
+                              <a:rPr lang="en-US" b="0" i="1" dirty="0" smtClean="0">
+                                <a:latin typeface="Cambria Math" panose="02040503050406030204" pitchFamily="18" charset="0"/>
+                              </a:rPr>
+                              <m:t>𝑗</m:t>
+                            </m:r>
+                          </m:sub>
+                        </m:sSub>
+                      </m:e>
+                    </m:nary>
+                    <m:r>
+                      <a:rPr lang="en-US" b="0" i="1" dirty="0" smtClean="0">
+                        <a:latin typeface="Cambria Math" panose="02040503050406030204" pitchFamily="18" charset="0"/>
+                      </a:rPr>
+                      <m:t>=1</m:t>
+                    </m:r>
+                  </m:oMath>
+                </a14:m>
+                <a:r>
+                  <a:rPr lang="en-US" dirty="0"/>
+                  <a:t>.</a:t>
+                </a:r>
               </a:p>
             </p:txBody>
           </p:sp>
@@ -6318,7 +5928,7 @@
               <a:blipFill>
                 <a:blip r:embed="rId2"/>
                 <a:stretch>
-                  <a:fillRect l="-1043" t="-1821" r="-580"/>
+                  <a:fillRect l="-1043" t="-2241" r="-580"/>
                 </a:stretch>
               </a:blipFill>
             </p:spPr>
@@ -6341,6 +5951,865 @@
     <p:extLst>
       <p:ext uri="{BB962C8B-B14F-4D97-AF65-F5344CB8AC3E}">
         <p14:creationId xmlns:p14="http://schemas.microsoft.com/office/powerpoint/2010/main" val="1810008979"/>
+      </p:ext>
+    </p:extLst>
+  </p:cSld>
+  <p:clrMapOvr>
+    <a:masterClrMapping/>
+  </p:clrMapOvr>
+</p:sld>
+</file>
+
+<file path=ppt/slides/slide8.xml><?xml version="1.0" encoding="utf-8"?>
+<p:sld xmlns:a="http://schemas.openxmlformats.org/drawingml/2006/main" xmlns:r="http://schemas.openxmlformats.org/officeDocument/2006/relationships" xmlns:p="http://schemas.openxmlformats.org/presentationml/2006/main">
+  <p:cSld>
+    <p:spTree>
+      <p:nvGrpSpPr>
+        <p:cNvPr id="1" name=""/>
+        <p:cNvGrpSpPr/>
+        <p:nvPr/>
+      </p:nvGrpSpPr>
+      <p:grpSpPr>
+        <a:xfrm>
+          <a:off x="0" y="0"/>
+          <a:ext cx="0" cy="0"/>
+          <a:chOff x="0" y="0"/>
+          <a:chExt cx="0" cy="0"/>
+        </a:xfrm>
+      </p:grpSpPr>
+      <p:sp>
+        <p:nvSpPr>
+          <p:cNvPr id="2" name="Title 1">
+            <a:extLst>
+              <a:ext uri="{FF2B5EF4-FFF2-40B4-BE49-F238E27FC236}">
+                <a16:creationId xmlns:a16="http://schemas.microsoft.com/office/drawing/2014/main" id="{B40DB600-F61B-4D6A-B04B-2CCD978EB2E6}"/>
+              </a:ext>
+            </a:extLst>
+          </p:cNvPr>
+          <p:cNvSpPr>
+            <a:spLocks noGrp="1"/>
+          </p:cNvSpPr>
+          <p:nvPr>
+            <p:ph type="title"/>
+          </p:nvPr>
+        </p:nvSpPr>
+        <p:spPr/>
+        <p:txBody>
+          <a:bodyPr>
+            <a:normAutofit/>
+          </a:bodyPr>
+          <a:lstStyle/>
+          <a:p>
+            <a:r>
+              <a:rPr lang="en-US" dirty="0"/>
+              <a:t>Probability Measure</a:t>
+            </a:r>
+          </a:p>
+        </p:txBody>
+      </p:sp>
+      <p:sp>
+        <p:nvSpPr>
+          <p:cNvPr id="4" name="Text Placeholder 3">
+            <a:extLst>
+              <a:ext uri="{FF2B5EF4-FFF2-40B4-BE49-F238E27FC236}">
+                <a16:creationId xmlns:a16="http://schemas.microsoft.com/office/drawing/2014/main" id="{D87DB010-D924-4187-9FDF-7913C44EEE08}"/>
+              </a:ext>
+            </a:extLst>
+          </p:cNvPr>
+          <p:cNvSpPr>
+            <a:spLocks noGrp="1"/>
+          </p:cNvSpPr>
+          <p:nvPr>
+            <p:ph type="body" idx="1"/>
+          </p:nvPr>
+        </p:nvSpPr>
+        <p:spPr/>
+        <p:txBody>
+          <a:bodyPr/>
+          <a:lstStyle/>
+          <a:p>
+            <a:r>
+              <a:rPr lang="en-US" dirty="0"/>
+              <a:t>Abstraction</a:t>
+            </a:r>
+          </a:p>
+        </p:txBody>
+      </p:sp>
+      <mc:AlternateContent xmlns:mc="http://schemas.openxmlformats.org/markup-compatibility/2006">
+        <mc:Choice xmlns:a14="http://schemas.microsoft.com/office/drawing/2010/main" Requires="a14">
+          <p:sp>
+            <p:nvSpPr>
+              <p:cNvPr id="5" name="Content Placeholder 4">
+                <a:extLst>
+                  <a:ext uri="{FF2B5EF4-FFF2-40B4-BE49-F238E27FC236}">
+                    <a16:creationId xmlns:a16="http://schemas.microsoft.com/office/drawing/2014/main" id="{BF2B535F-A1B1-4A73-A7FF-8E5D362BBFD9}"/>
+                  </a:ext>
+                </a:extLst>
+              </p:cNvPr>
+              <p:cNvSpPr>
+                <a:spLocks noGrp="1"/>
+              </p:cNvSpPr>
+              <p:nvPr>
+                <p:ph sz="half" idx="2"/>
+              </p:nvPr>
+            </p:nvSpPr>
+            <p:spPr/>
+            <p:txBody>
+              <a:bodyPr>
+                <a:normAutofit fontScale="92500" lnSpcReduction="20000"/>
+              </a:bodyPr>
+              <a:lstStyle/>
+              <a:p>
+                <a:r>
+                  <a:rPr lang="en-US" dirty="0">
+                    <a:latin typeface="Cambria Math" panose="02040503050406030204" pitchFamily="18" charset="0"/>
+                  </a:rPr>
+                  <a:t>Sample space </a:t>
+                </a:r>
+                <a14:m>
+                  <m:oMath xmlns:m="http://schemas.openxmlformats.org/officeDocument/2006/math">
+                    <m:r>
+                      <m:rPr>
+                        <m:sty m:val="p"/>
+                      </m:rPr>
+                      <a:rPr lang="el-GR" i="1">
+                        <a:latin typeface="Cambria Math" panose="02040503050406030204" pitchFamily="18" charset="0"/>
+                        <a:ea typeface="Cambria Math" panose="02040503050406030204" pitchFamily="18" charset="0"/>
+                      </a:rPr>
+                      <m:t>Ω</m:t>
+                    </m:r>
+                  </m:oMath>
+                </a14:m>
+                <a:r>
+                  <a:rPr lang="en-US" dirty="0">
+                    <a:latin typeface="Cambria Math" panose="02040503050406030204" pitchFamily="18" charset="0"/>
+                  </a:rPr>
+                  <a:t>.</a:t>
+                </a:r>
+              </a:p>
+              <a:p>
+                <a:r>
+                  <a:rPr lang="en-US" dirty="0">
+                    <a:latin typeface="Cambria Math" panose="02040503050406030204" pitchFamily="18" charset="0"/>
+                  </a:rPr>
+                  <a:t>Event Space </a:t>
+                </a:r>
+                <a14:m>
+                  <m:oMath xmlns:m="http://schemas.openxmlformats.org/officeDocument/2006/math">
+                    <m:sSup>
+                      <m:sSupPr>
+                        <m:ctrlPr>
+                          <a:rPr lang="en-US" i="1">
+                            <a:latin typeface="Cambria Math" panose="02040503050406030204" pitchFamily="18" charset="0"/>
+                            <a:ea typeface="Cambria Math" panose="02040503050406030204" pitchFamily="18" charset="0"/>
+                          </a:rPr>
+                        </m:ctrlPr>
+                      </m:sSupPr>
+                      <m:e>
+                        <m:r>
+                          <a:rPr lang="en-US" i="1">
+                            <a:latin typeface="Cambria Math" panose="02040503050406030204" pitchFamily="18" charset="0"/>
+                            <a:ea typeface="Cambria Math" panose="02040503050406030204" pitchFamily="18" charset="0"/>
+                          </a:rPr>
+                          <m:t>2</m:t>
+                        </m:r>
+                      </m:e>
+                      <m:sup>
+                        <m:r>
+                          <m:rPr>
+                            <m:sty m:val="p"/>
+                          </m:rPr>
+                          <a:rPr lang="el-GR" i="1">
+                            <a:latin typeface="Cambria Math" panose="02040503050406030204" pitchFamily="18" charset="0"/>
+                            <a:ea typeface="Cambria Math" panose="02040503050406030204" pitchFamily="18" charset="0"/>
+                          </a:rPr>
+                          <m:t>Ω</m:t>
+                        </m:r>
+                      </m:sup>
+                    </m:sSup>
+                  </m:oMath>
+                </a14:m>
+                <a:r>
+                  <a:rPr lang="en-US" dirty="0">
+                    <a:latin typeface="Cambria Math" panose="02040503050406030204" pitchFamily="18" charset="0"/>
+                  </a:rPr>
+                  <a:t>.</a:t>
+                </a:r>
+              </a:p>
+              <a:p>
+                <a14:m>
+                  <m:oMath xmlns:m="http://schemas.openxmlformats.org/officeDocument/2006/math">
+                    <m:r>
+                      <a:rPr lang="en-US" i="1">
+                        <a:latin typeface="Cambria Math" panose="02040503050406030204" pitchFamily="18" charset="0"/>
+                      </a:rPr>
+                      <m:t>𝜇</m:t>
+                    </m:r>
+                    <m:r>
+                      <a:rPr lang="en-US" i="1">
+                        <a:latin typeface="Cambria Math" panose="02040503050406030204" pitchFamily="18" charset="0"/>
+                      </a:rPr>
+                      <m:t>:</m:t>
+                    </m:r>
+                    <m:sSup>
+                      <m:sSupPr>
+                        <m:ctrlPr>
+                          <a:rPr lang="en-US" i="1">
+                            <a:latin typeface="Cambria Math" panose="02040503050406030204" pitchFamily="18" charset="0"/>
+                            <a:ea typeface="Cambria Math" panose="02040503050406030204" pitchFamily="18" charset="0"/>
+                          </a:rPr>
+                        </m:ctrlPr>
+                      </m:sSupPr>
+                      <m:e>
+                        <m:r>
+                          <a:rPr lang="en-US" i="1">
+                            <a:latin typeface="Cambria Math" panose="02040503050406030204" pitchFamily="18" charset="0"/>
+                            <a:ea typeface="Cambria Math" panose="02040503050406030204" pitchFamily="18" charset="0"/>
+                          </a:rPr>
+                          <m:t>2</m:t>
+                        </m:r>
+                      </m:e>
+                      <m:sup>
+                        <m:r>
+                          <m:rPr>
+                            <m:sty m:val="p"/>
+                          </m:rPr>
+                          <a:rPr lang="el-GR" i="1">
+                            <a:latin typeface="Cambria Math" panose="02040503050406030204" pitchFamily="18" charset="0"/>
+                            <a:ea typeface="Cambria Math" panose="02040503050406030204" pitchFamily="18" charset="0"/>
+                          </a:rPr>
+                          <m:t>Ω</m:t>
+                        </m:r>
+                      </m:sup>
+                    </m:sSup>
+                    <m:r>
+                      <a:rPr lang="en-US">
+                        <a:latin typeface="Cambria Math" panose="02040503050406030204" pitchFamily="18" charset="0"/>
+                        <a:ea typeface="Cambria Math" panose="02040503050406030204" pitchFamily="18" charset="0"/>
+                      </a:rPr>
+                      <m:t>→</m:t>
+                    </m:r>
+                    <m:d>
+                      <m:dPr>
+                        <m:begChr m:val="["/>
+                        <m:endChr m:val="]"/>
+                        <m:ctrlPr>
+                          <a:rPr lang="en-US" i="1">
+                            <a:solidFill>
+                              <a:schemeClr val="accent4">
+                                <a:lumMod val="75000"/>
+                              </a:schemeClr>
+                            </a:solidFill>
+                            <a:latin typeface="Cambria Math" panose="02040503050406030204" pitchFamily="18" charset="0"/>
+                            <a:ea typeface="Cambria Math" panose="02040503050406030204" pitchFamily="18" charset="0"/>
+                          </a:rPr>
+                        </m:ctrlPr>
+                      </m:dPr>
+                      <m:e>
+                        <m:r>
+                          <a:rPr lang="en-US" i="1">
+                            <a:solidFill>
+                              <a:schemeClr val="accent4">
+                                <a:lumMod val="75000"/>
+                              </a:schemeClr>
+                            </a:solidFill>
+                            <a:latin typeface="Cambria Math" panose="02040503050406030204" pitchFamily="18" charset="0"/>
+                            <a:ea typeface="Cambria Math" panose="02040503050406030204" pitchFamily="18" charset="0"/>
+                          </a:rPr>
+                          <m:t>0,1</m:t>
+                        </m:r>
+                      </m:e>
+                    </m:d>
+                  </m:oMath>
+                </a14:m>
+                <a:endParaRPr lang="en-US" i="1" dirty="0">
+                  <a:latin typeface="Cambria Math" panose="02040503050406030204" pitchFamily="18" charset="0"/>
+                  <a:ea typeface="Cambria Math" panose="02040503050406030204" pitchFamily="18" charset="0"/>
+                </a:endParaRPr>
+              </a:p>
+              <a:p>
+                <a14:m>
+                  <m:oMath xmlns:m="http://schemas.openxmlformats.org/officeDocument/2006/math">
+                    <m:r>
+                      <a:rPr lang="en-US" i="1">
+                        <a:latin typeface="Cambria Math" panose="02040503050406030204" pitchFamily="18" charset="0"/>
+                      </a:rPr>
+                      <m:t>𝜇</m:t>
+                    </m:r>
+                    <m:d>
+                      <m:dPr>
+                        <m:ctrlPr>
+                          <a:rPr lang="en-US" i="1">
+                            <a:latin typeface="Cambria Math" panose="02040503050406030204" pitchFamily="18" charset="0"/>
+                          </a:rPr>
+                        </m:ctrlPr>
+                      </m:dPr>
+                      <m:e>
+                        <m:r>
+                          <a:rPr lang="en-US" i="1">
+                            <a:latin typeface="Cambria Math" panose="02040503050406030204" pitchFamily="18" charset="0"/>
+                            <a:ea typeface="Cambria Math" panose="02040503050406030204" pitchFamily="18" charset="0"/>
+                          </a:rPr>
+                          <m:t>∅</m:t>
+                        </m:r>
+                      </m:e>
+                    </m:d>
+                    <m:r>
+                      <a:rPr lang="en-US" i="1">
+                        <a:latin typeface="Cambria Math" panose="02040503050406030204" pitchFamily="18" charset="0"/>
+                      </a:rPr>
+                      <m:t>=</m:t>
+                    </m:r>
+                    <m:r>
+                      <a:rPr lang="en-US" i="1">
+                        <a:solidFill>
+                          <a:schemeClr val="accent4">
+                            <a:lumMod val="75000"/>
+                          </a:schemeClr>
+                        </a:solidFill>
+                        <a:latin typeface="Cambria Math" panose="02040503050406030204" pitchFamily="18" charset="0"/>
+                      </a:rPr>
+                      <m:t>0</m:t>
+                    </m:r>
+                  </m:oMath>
+                </a14:m>
+                <a:r>
+                  <a:rPr lang="en-US" dirty="0"/>
+                  <a:t>.</a:t>
+                </a:r>
+              </a:p>
+              <a:p>
+                <a14:m>
+                  <m:oMath xmlns:m="http://schemas.openxmlformats.org/officeDocument/2006/math">
+                    <m:r>
+                      <a:rPr lang="en-US" i="1">
+                        <a:latin typeface="Cambria Math" panose="02040503050406030204" pitchFamily="18" charset="0"/>
+                      </a:rPr>
+                      <m:t>𝜇</m:t>
+                    </m:r>
+                    <m:d>
+                      <m:dPr>
+                        <m:ctrlPr>
+                          <a:rPr lang="en-US" i="1">
+                            <a:latin typeface="Cambria Math" panose="02040503050406030204" pitchFamily="18" charset="0"/>
+                          </a:rPr>
+                        </m:ctrlPr>
+                      </m:dPr>
+                      <m:e>
+                        <m:r>
+                          <m:rPr>
+                            <m:sty m:val="p"/>
+                          </m:rPr>
+                          <a:rPr lang="el-GR" i="1">
+                            <a:latin typeface="Cambria Math" panose="02040503050406030204" pitchFamily="18" charset="0"/>
+                            <a:ea typeface="Cambria Math" panose="02040503050406030204" pitchFamily="18" charset="0"/>
+                          </a:rPr>
+                          <m:t>Ω</m:t>
+                        </m:r>
+                      </m:e>
+                    </m:d>
+                    <m:r>
+                      <a:rPr lang="en-US" i="1">
+                        <a:latin typeface="Cambria Math" panose="02040503050406030204" pitchFamily="18" charset="0"/>
+                      </a:rPr>
+                      <m:t>=</m:t>
+                    </m:r>
+                    <m:r>
+                      <a:rPr lang="en-US" i="1">
+                        <a:solidFill>
+                          <a:schemeClr val="accent4">
+                            <a:lumMod val="75000"/>
+                          </a:schemeClr>
+                        </a:solidFill>
+                        <a:latin typeface="Cambria Math" panose="02040503050406030204" pitchFamily="18" charset="0"/>
+                      </a:rPr>
+                      <m:t>1</m:t>
+                    </m:r>
+                  </m:oMath>
+                </a14:m>
+                <a:r>
+                  <a:rPr lang="en-US" dirty="0"/>
+                  <a:t>.</a:t>
+                </a:r>
+              </a:p>
+              <a:p>
+                <a:r>
+                  <a:rPr lang="en-US" dirty="0"/>
+                  <a:t>For any event </a:t>
+                </a:r>
+                <a14:m>
+                  <m:oMath xmlns:m="http://schemas.openxmlformats.org/officeDocument/2006/math">
+                    <m:r>
+                      <a:rPr lang="en-US" i="1">
+                        <a:latin typeface="Cambria Math" panose="02040503050406030204" pitchFamily="18" charset="0"/>
+                      </a:rPr>
+                      <m:t>𝐸</m:t>
+                    </m:r>
+                  </m:oMath>
+                </a14:m>
+                <a:r>
+                  <a:rPr lang="en-US" dirty="0"/>
+                  <a:t>, </a:t>
+                </a:r>
+                <a:br>
+                  <a:rPr lang="en-US" dirty="0"/>
+                </a:br>
+                <a14:m>
+                  <m:oMath xmlns:m="http://schemas.openxmlformats.org/officeDocument/2006/math">
+                    <m:r>
+                      <a:rPr lang="en-US" i="1">
+                        <a:latin typeface="Cambria Math" panose="02040503050406030204" pitchFamily="18" charset="0"/>
+                      </a:rPr>
+                      <m:t>𝜇</m:t>
+                    </m:r>
+                    <m:d>
+                      <m:dPr>
+                        <m:ctrlPr>
+                          <a:rPr lang="en-US" i="1">
+                            <a:latin typeface="Cambria Math" panose="02040503050406030204" pitchFamily="18" charset="0"/>
+                          </a:rPr>
+                        </m:ctrlPr>
+                      </m:dPr>
+                      <m:e>
+                        <m:r>
+                          <m:rPr>
+                            <m:sty m:val="p"/>
+                          </m:rPr>
+                          <a:rPr lang="el-GR" i="1">
+                            <a:latin typeface="Cambria Math" panose="02040503050406030204" pitchFamily="18" charset="0"/>
+                            <a:ea typeface="Cambria Math" panose="02040503050406030204" pitchFamily="18" charset="0"/>
+                          </a:rPr>
+                          <m:t>Ω</m:t>
+                        </m:r>
+                        <m:r>
+                          <a:rPr lang="en-US" i="1">
+                            <a:latin typeface="Cambria Math" panose="02040503050406030204" pitchFamily="18" charset="0"/>
+                          </a:rPr>
+                          <m:t>\</m:t>
+                        </m:r>
+                        <m:r>
+                          <a:rPr lang="en-US" i="1">
+                            <a:latin typeface="Cambria Math" panose="02040503050406030204" pitchFamily="18" charset="0"/>
+                          </a:rPr>
+                          <m:t>𝐸</m:t>
+                        </m:r>
+                      </m:e>
+                    </m:d>
+                    <m:r>
+                      <a:rPr lang="en-US" i="1">
+                        <a:latin typeface="Cambria Math" panose="02040503050406030204" pitchFamily="18" charset="0"/>
+                      </a:rPr>
+                      <m:t>=</m:t>
+                    </m:r>
+                    <m:r>
+                      <a:rPr lang="en-US" i="1">
+                        <a:solidFill>
+                          <a:schemeClr val="accent4">
+                            <a:lumMod val="75000"/>
+                          </a:schemeClr>
+                        </a:solidFill>
+                        <a:latin typeface="Cambria Math" panose="02040503050406030204" pitchFamily="18" charset="0"/>
+                      </a:rPr>
+                      <m:t>1</m:t>
+                    </m:r>
+                    <m:r>
+                      <a:rPr lang="en-US" i="1">
+                        <a:latin typeface="Cambria Math" panose="02040503050406030204" pitchFamily="18" charset="0"/>
+                      </a:rPr>
+                      <m:t>−</m:t>
+                    </m:r>
+                    <m:r>
+                      <a:rPr lang="en-US" i="1">
+                        <a:latin typeface="Cambria Math" panose="02040503050406030204" pitchFamily="18" charset="0"/>
+                      </a:rPr>
+                      <m:t>𝜇</m:t>
+                    </m:r>
+                    <m:d>
+                      <m:dPr>
+                        <m:ctrlPr>
+                          <a:rPr lang="en-US" i="1">
+                            <a:latin typeface="Cambria Math" panose="02040503050406030204" pitchFamily="18" charset="0"/>
+                          </a:rPr>
+                        </m:ctrlPr>
+                      </m:dPr>
+                      <m:e>
+                        <m:r>
+                          <a:rPr lang="en-US" i="1">
+                            <a:latin typeface="Cambria Math" panose="02040503050406030204" pitchFamily="18" charset="0"/>
+                          </a:rPr>
+                          <m:t>𝐸</m:t>
+                        </m:r>
+                      </m:e>
+                    </m:d>
+                    <m:r>
+                      <a:rPr lang="en-US" i="1">
+                        <a:latin typeface="Cambria Math" panose="02040503050406030204" pitchFamily="18" charset="0"/>
+                      </a:rPr>
+                      <m:t> .</m:t>
+                    </m:r>
+                  </m:oMath>
+                </a14:m>
+                <a:endParaRPr lang="en-US" dirty="0"/>
+              </a:p>
+              <a:p>
+                <a:r>
+                  <a:rPr lang="en-US" dirty="0"/>
+                  <a:t>For disjoint events </a:t>
+                </a:r>
+                <a14:m>
+                  <m:oMath xmlns:m="http://schemas.openxmlformats.org/officeDocument/2006/math">
+                    <m:sSub>
+                      <m:sSubPr>
+                        <m:ctrlPr>
+                          <a:rPr lang="en-US" i="1">
+                            <a:latin typeface="Cambria Math" panose="02040503050406030204" pitchFamily="18" charset="0"/>
+                          </a:rPr>
+                        </m:ctrlPr>
+                      </m:sSubPr>
+                      <m:e>
+                        <m:r>
+                          <a:rPr lang="en-US" i="1">
+                            <a:latin typeface="Cambria Math" panose="02040503050406030204" pitchFamily="18" charset="0"/>
+                          </a:rPr>
+                          <m:t>𝐸</m:t>
+                        </m:r>
+                      </m:e>
+                      <m:sub>
+                        <m:r>
+                          <a:rPr lang="en-US" i="1">
+                            <a:latin typeface="Cambria Math" panose="02040503050406030204" pitchFamily="18" charset="0"/>
+                          </a:rPr>
+                          <m:t>0</m:t>
+                        </m:r>
+                      </m:sub>
+                    </m:sSub>
+                  </m:oMath>
+                </a14:m>
+                <a:r>
+                  <a:rPr lang="en-US" dirty="0"/>
+                  <a:t> and </a:t>
+                </a:r>
+                <a14:m>
+                  <m:oMath xmlns:m="http://schemas.openxmlformats.org/officeDocument/2006/math">
+                    <m:sSub>
+                      <m:sSubPr>
+                        <m:ctrlPr>
+                          <a:rPr lang="en-US" i="1">
+                            <a:latin typeface="Cambria Math" panose="02040503050406030204" pitchFamily="18" charset="0"/>
+                          </a:rPr>
+                        </m:ctrlPr>
+                      </m:sSubPr>
+                      <m:e>
+                        <m:r>
+                          <a:rPr lang="en-US" i="1">
+                            <a:latin typeface="Cambria Math" panose="02040503050406030204" pitchFamily="18" charset="0"/>
+                          </a:rPr>
+                          <m:t>𝐸</m:t>
+                        </m:r>
+                      </m:e>
+                      <m:sub>
+                        <m:r>
+                          <a:rPr lang="en-US" i="1">
+                            <a:latin typeface="Cambria Math" panose="02040503050406030204" pitchFamily="18" charset="0"/>
+                          </a:rPr>
+                          <m:t>1</m:t>
+                        </m:r>
+                      </m:sub>
+                    </m:sSub>
+                  </m:oMath>
+                </a14:m>
+                <a:r>
+                  <a:rPr lang="en-US" dirty="0"/>
+                  <a:t>, </a:t>
+                </a:r>
+                <a:br>
+                  <a:rPr lang="en-US" dirty="0"/>
+                </a:br>
+                <a14:m>
+                  <m:oMath xmlns:m="http://schemas.openxmlformats.org/officeDocument/2006/math">
+                    <m:r>
+                      <a:rPr lang="en-US" i="1">
+                        <a:latin typeface="Cambria Math" panose="02040503050406030204" pitchFamily="18" charset="0"/>
+                      </a:rPr>
+                      <m:t>𝜇</m:t>
+                    </m:r>
+                    <m:d>
+                      <m:dPr>
+                        <m:ctrlPr>
+                          <a:rPr lang="en-US" i="1">
+                            <a:latin typeface="Cambria Math" panose="02040503050406030204" pitchFamily="18" charset="0"/>
+                          </a:rPr>
+                        </m:ctrlPr>
+                      </m:dPr>
+                      <m:e>
+                        <m:sSub>
+                          <m:sSubPr>
+                            <m:ctrlPr>
+                              <a:rPr lang="en-US" i="1">
+                                <a:latin typeface="Cambria Math" panose="02040503050406030204" pitchFamily="18" charset="0"/>
+                              </a:rPr>
+                            </m:ctrlPr>
+                          </m:sSubPr>
+                          <m:e>
+                            <m:r>
+                              <a:rPr lang="en-US" i="1">
+                                <a:latin typeface="Cambria Math" panose="02040503050406030204" pitchFamily="18" charset="0"/>
+                              </a:rPr>
+                              <m:t>𝐸</m:t>
+                            </m:r>
+                          </m:e>
+                          <m:sub>
+                            <m:r>
+                              <a:rPr lang="en-US" i="1">
+                                <a:latin typeface="Cambria Math" panose="02040503050406030204" pitchFamily="18" charset="0"/>
+                              </a:rPr>
+                              <m:t>0</m:t>
+                            </m:r>
+                          </m:sub>
+                        </m:sSub>
+                        <m:r>
+                          <a:rPr lang="en-US" i="1">
+                            <a:latin typeface="Cambria Math" panose="02040503050406030204" pitchFamily="18" charset="0"/>
+                          </a:rPr>
+                          <m:t>∪</m:t>
+                        </m:r>
+                        <m:sSub>
+                          <m:sSubPr>
+                            <m:ctrlPr>
+                              <a:rPr lang="en-US" i="1">
+                                <a:latin typeface="Cambria Math" panose="02040503050406030204" pitchFamily="18" charset="0"/>
+                              </a:rPr>
+                            </m:ctrlPr>
+                          </m:sSubPr>
+                          <m:e>
+                            <m:r>
+                              <a:rPr lang="en-US" i="1">
+                                <a:latin typeface="Cambria Math" panose="02040503050406030204" pitchFamily="18" charset="0"/>
+                              </a:rPr>
+                              <m:t>𝐸</m:t>
+                            </m:r>
+                          </m:e>
+                          <m:sub>
+                            <m:r>
+                              <a:rPr lang="en-US" i="1">
+                                <a:latin typeface="Cambria Math" panose="02040503050406030204" pitchFamily="18" charset="0"/>
+                              </a:rPr>
+                              <m:t>1</m:t>
+                            </m:r>
+                          </m:sub>
+                        </m:sSub>
+                      </m:e>
+                    </m:d>
+                    <m:r>
+                      <a:rPr lang="en-US" i="1">
+                        <a:solidFill>
+                          <a:schemeClr val="accent4">
+                            <a:lumMod val="75000"/>
+                          </a:schemeClr>
+                        </a:solidFill>
+                        <a:latin typeface="Cambria Math" panose="02040503050406030204" pitchFamily="18" charset="0"/>
+                      </a:rPr>
+                      <m:t>=</m:t>
+                    </m:r>
+                    <m:r>
+                      <a:rPr lang="en-US" i="1">
+                        <a:latin typeface="Cambria Math" panose="02040503050406030204" pitchFamily="18" charset="0"/>
+                      </a:rPr>
+                      <m:t>𝜇</m:t>
+                    </m:r>
+                    <m:d>
+                      <m:dPr>
+                        <m:ctrlPr>
+                          <a:rPr lang="en-US" i="1">
+                            <a:latin typeface="Cambria Math" panose="02040503050406030204" pitchFamily="18" charset="0"/>
+                          </a:rPr>
+                        </m:ctrlPr>
+                      </m:dPr>
+                      <m:e>
+                        <m:sSub>
+                          <m:sSubPr>
+                            <m:ctrlPr>
+                              <a:rPr lang="en-US" i="1">
+                                <a:latin typeface="Cambria Math" panose="02040503050406030204" pitchFamily="18" charset="0"/>
+                              </a:rPr>
+                            </m:ctrlPr>
+                          </m:sSubPr>
+                          <m:e>
+                            <m:r>
+                              <a:rPr lang="en-US" i="1">
+                                <a:latin typeface="Cambria Math" panose="02040503050406030204" pitchFamily="18" charset="0"/>
+                              </a:rPr>
+                              <m:t>𝐸</m:t>
+                            </m:r>
+                          </m:e>
+                          <m:sub>
+                            <m:r>
+                              <a:rPr lang="en-US" i="1">
+                                <a:latin typeface="Cambria Math" panose="02040503050406030204" pitchFamily="18" charset="0"/>
+                              </a:rPr>
+                              <m:t>0</m:t>
+                            </m:r>
+                          </m:sub>
+                        </m:sSub>
+                      </m:e>
+                    </m:d>
+                    <m:r>
+                      <a:rPr lang="en-US" i="1">
+                        <a:latin typeface="Cambria Math" panose="02040503050406030204" pitchFamily="18" charset="0"/>
+                      </a:rPr>
+                      <m:t>+</m:t>
+                    </m:r>
+                    <m:r>
+                      <a:rPr lang="en-US" i="1">
+                        <a:latin typeface="Cambria Math" panose="02040503050406030204" pitchFamily="18" charset="0"/>
+                      </a:rPr>
+                      <m:t>𝜇</m:t>
+                    </m:r>
+                    <m:d>
+                      <m:dPr>
+                        <m:ctrlPr>
+                          <a:rPr lang="en-US" i="1">
+                            <a:latin typeface="Cambria Math" panose="02040503050406030204" pitchFamily="18" charset="0"/>
+                          </a:rPr>
+                        </m:ctrlPr>
+                      </m:dPr>
+                      <m:e>
+                        <m:sSub>
+                          <m:sSubPr>
+                            <m:ctrlPr>
+                              <a:rPr lang="en-US" i="1">
+                                <a:latin typeface="Cambria Math" panose="02040503050406030204" pitchFamily="18" charset="0"/>
+                              </a:rPr>
+                            </m:ctrlPr>
+                          </m:sSubPr>
+                          <m:e>
+                            <m:r>
+                              <a:rPr lang="en-US" i="1">
+                                <a:latin typeface="Cambria Math" panose="02040503050406030204" pitchFamily="18" charset="0"/>
+                              </a:rPr>
+                              <m:t>𝐸</m:t>
+                            </m:r>
+                          </m:e>
+                          <m:sub>
+                            <m:r>
+                              <a:rPr lang="en-US" i="1">
+                                <a:latin typeface="Cambria Math" panose="02040503050406030204" pitchFamily="18" charset="0"/>
+                              </a:rPr>
+                              <m:t>1</m:t>
+                            </m:r>
+                          </m:sub>
+                        </m:sSub>
+                      </m:e>
+                    </m:d>
+                    <m:r>
+                      <a:rPr lang="en-US" i="1">
+                        <a:latin typeface="Cambria Math" panose="02040503050406030204" pitchFamily="18" charset="0"/>
+                      </a:rPr>
+                      <m:t> .</m:t>
+                    </m:r>
+                  </m:oMath>
+                </a14:m>
+                <a:endParaRPr lang="en-US" dirty="0"/>
+              </a:p>
+            </p:txBody>
+          </p:sp>
+        </mc:Choice>
+        <mc:Fallback>
+          <p:sp>
+            <p:nvSpPr>
+              <p:cNvPr id="5" name="Content Placeholder 4">
+                <a:extLst>
+                  <a:ext uri="{FF2B5EF4-FFF2-40B4-BE49-F238E27FC236}">
+                    <a16:creationId xmlns:a16="http://schemas.microsoft.com/office/drawing/2014/main" id="{BF2B535F-A1B1-4A73-A7FF-8E5D362BBFD9}"/>
+                  </a:ext>
+                </a:extLst>
+              </p:cNvPr>
+              <p:cNvSpPr>
+                <a:spLocks noGrp="1" noRot="1" noChangeAspect="1" noMove="1" noResize="1" noEditPoints="1" noAdjustHandles="1" noChangeArrowheads="1" noChangeShapeType="1" noTextEdit="1"/>
+              </p:cNvSpPr>
+              <p:nvPr>
+                <p:ph sz="half" idx="2"/>
+              </p:nvPr>
+            </p:nvSpPr>
+            <p:spPr>
+              <a:blipFill>
+                <a:blip r:embed="rId2"/>
+                <a:stretch>
+                  <a:fillRect l="-1891" t="-4636"/>
+                </a:stretch>
+              </a:blipFill>
+            </p:spPr>
+            <p:txBody>
+              <a:bodyPr/>
+              <a:lstStyle/>
+              <a:p>
+                <a:r>
+                  <a:rPr lang="en-US">
+                    <a:noFill/>
+                  </a:rPr>
+                  <a:t> </a:t>
+                </a:r>
+              </a:p>
+            </p:txBody>
+          </p:sp>
+        </mc:Fallback>
+      </mc:AlternateContent>
+      <p:sp>
+        <p:nvSpPr>
+          <p:cNvPr id="6" name="Text Placeholder 5">
+            <a:extLst>
+              <a:ext uri="{FF2B5EF4-FFF2-40B4-BE49-F238E27FC236}">
+                <a16:creationId xmlns:a16="http://schemas.microsoft.com/office/drawing/2014/main" id="{8487C2F4-333B-4987-B890-D87138065004}"/>
+              </a:ext>
+            </a:extLst>
+          </p:cNvPr>
+          <p:cNvSpPr>
+            <a:spLocks noGrp="1"/>
+          </p:cNvSpPr>
+          <p:nvPr>
+            <p:ph type="body" sz="quarter" idx="3"/>
+          </p:nvPr>
+        </p:nvSpPr>
+        <p:spPr/>
+        <p:txBody>
+          <a:bodyPr/>
+          <a:lstStyle/>
+          <a:p>
+            <a:endParaRPr lang="en-US" dirty="0"/>
+          </a:p>
+        </p:txBody>
+      </p:sp>
+      <p:sp>
+        <p:nvSpPr>
+          <p:cNvPr id="7" name="Content Placeholder 6">
+            <a:extLst>
+              <a:ext uri="{FF2B5EF4-FFF2-40B4-BE49-F238E27FC236}">
+                <a16:creationId xmlns:a16="http://schemas.microsoft.com/office/drawing/2014/main" id="{C75BD9D8-9251-4CCB-BE0F-0D011B4A8172}"/>
+              </a:ext>
+            </a:extLst>
+          </p:cNvPr>
+          <p:cNvSpPr>
+            <a:spLocks noGrp="1"/>
+          </p:cNvSpPr>
+          <p:nvPr>
+            <p:ph sz="quarter" idx="4"/>
+          </p:nvPr>
+        </p:nvSpPr>
+        <p:spPr/>
+        <p:txBody>
+          <a:bodyPr>
+            <a:normAutofit fontScale="92500" lnSpcReduction="20000"/>
+          </a:bodyPr>
+          <a:lstStyle/>
+          <a:p>
+            <a:endParaRPr lang="en-US"/>
+          </a:p>
+        </p:txBody>
+      </p:sp>
+    </p:spTree>
+    <p:extLst>
+      <p:ext uri="{BB962C8B-B14F-4D97-AF65-F5344CB8AC3E}">
+        <p14:creationId xmlns:p14="http://schemas.microsoft.com/office/powerpoint/2010/main" val="3245410040"/>
       </p:ext>
     </p:extLst>
   </p:cSld>

--- a/defense.pptx
+++ b/defense.pptx
@@ -13,6 +13,13 @@
     <p:sldId id="265" r:id="rId7"/>
     <p:sldId id="266" r:id="rId8"/>
     <p:sldId id="267" r:id="rId9"/>
+    <p:sldId id="268" r:id="rId10"/>
+    <p:sldId id="269" r:id="rId11"/>
+    <p:sldId id="270" r:id="rId12"/>
+    <p:sldId id="271" r:id="rId13"/>
+    <p:sldId id="272" r:id="rId14"/>
+    <p:sldId id="273" r:id="rId15"/>
+    <p:sldId id="274" r:id="rId16"/>
   </p:sldIdLst>
   <p:sldSz cx="12192000" cy="6858000"/>
   <p:notesSz cx="6858000" cy="9144000"/>
@@ -128,6 +135,13 @@
             <p14:sldId id="265"/>
             <p14:sldId id="266"/>
             <p14:sldId id="267"/>
+            <p14:sldId id="268"/>
+            <p14:sldId id="269"/>
+            <p14:sldId id="270"/>
+            <p14:sldId id="271"/>
+            <p14:sldId id="272"/>
+            <p14:sldId id="273"/>
+            <p14:sldId id="274"/>
           </p14:sldIdLst>
         </p14:section>
       </p14:sectionLst>
@@ -3440,6 +3454,6771 @@
 </p:sld>
 </file>
 
+<file path=ppt/slides/slide10.xml><?xml version="1.0" encoding="utf-8"?>
+<p:sld xmlns:a="http://schemas.openxmlformats.org/drawingml/2006/main" xmlns:r="http://schemas.openxmlformats.org/officeDocument/2006/relationships" xmlns:p="http://schemas.openxmlformats.org/presentationml/2006/main">
+  <p:cSld>
+    <p:spTree>
+      <p:nvGrpSpPr>
+        <p:cNvPr id="1" name=""/>
+        <p:cNvGrpSpPr/>
+        <p:nvPr/>
+      </p:nvGrpSpPr>
+      <p:grpSpPr>
+        <a:xfrm>
+          <a:off x="0" y="0"/>
+          <a:ext cx="0" cy="0"/>
+          <a:chOff x="0" y="0"/>
+          <a:chExt cx="0" cy="0"/>
+        </a:xfrm>
+      </p:grpSpPr>
+      <p:sp>
+        <p:nvSpPr>
+          <p:cNvPr id="2" name="Title 1">
+            <a:extLst>
+              <a:ext uri="{FF2B5EF4-FFF2-40B4-BE49-F238E27FC236}">
+                <a16:creationId xmlns:a16="http://schemas.microsoft.com/office/drawing/2014/main" id="{EA6CEF59-FF9F-4188-B6BF-0453207100D3}"/>
+              </a:ext>
+            </a:extLst>
+          </p:cNvPr>
+          <p:cNvSpPr>
+            <a:spLocks noGrp="1"/>
+          </p:cNvSpPr>
+          <p:nvPr>
+            <p:ph type="title"/>
+          </p:nvPr>
+        </p:nvSpPr>
+        <p:spPr/>
+        <p:txBody>
+          <a:bodyPr>
+            <a:normAutofit/>
+          </a:bodyPr>
+          <a:lstStyle/>
+          <a:p>
+            <a:r>
+              <a:rPr lang="en-US" dirty="0"/>
+              <a:t>Glue Classical Event Spaces </a:t>
+            </a:r>
+            <a:br>
+              <a:rPr lang="en-US" dirty="0"/>
+            </a:br>
+            <a:r>
+              <a:rPr lang="en-US" dirty="0"/>
+              <a:t>to a Quantum Event Space</a:t>
+            </a:r>
+          </a:p>
+        </p:txBody>
+      </p:sp>
+      <mc:AlternateContent xmlns:mc="http://schemas.openxmlformats.org/markup-compatibility/2006" xmlns:a14="http://schemas.microsoft.com/office/drawing/2010/main">
+        <mc:Choice Requires="a14">
+          <p:sp>
+            <p:nvSpPr>
+              <p:cNvPr id="3" name="Content Placeholder 2">
+                <a:extLst>
+                  <a:ext uri="{FF2B5EF4-FFF2-40B4-BE49-F238E27FC236}">
+                    <a16:creationId xmlns:a16="http://schemas.microsoft.com/office/drawing/2014/main" id="{121DA518-5151-422B-A199-4BD7913BF478}"/>
+                  </a:ext>
+                </a:extLst>
+              </p:cNvPr>
+              <p:cNvSpPr>
+                <a:spLocks noGrp="1"/>
+              </p:cNvSpPr>
+              <p:nvPr>
+                <p:ph idx="1"/>
+              </p:nvPr>
+            </p:nvSpPr>
+            <p:spPr/>
+            <p:txBody>
+              <a:bodyPr>
+                <a:normAutofit lnSpcReduction="10000"/>
+              </a:bodyPr>
+              <a:lstStyle/>
+              <a:p>
+                <a:r>
+                  <a:rPr lang="en-US" dirty="0"/>
+                  <a:t>When the particle is the same, the probability of the same event is the same: </a:t>
+                </a:r>
+                <a14:m>
+                  <m:oMath xmlns:m="http://schemas.openxmlformats.org/officeDocument/2006/math">
+                    <m:sSub>
+                      <m:sSubPr>
+                        <m:ctrlPr>
+                          <a:rPr lang="en-US" i="1">
+                            <a:latin typeface="Cambria Math" panose="02040503050406030204" pitchFamily="18" charset="0"/>
+                          </a:rPr>
+                        </m:ctrlPr>
+                      </m:sSubPr>
+                      <m:e>
+                        <m:r>
+                          <a:rPr lang="en-US" i="1">
+                            <a:latin typeface="Cambria Math" panose="02040503050406030204" pitchFamily="18" charset="0"/>
+                          </a:rPr>
+                          <m:t>𝜇</m:t>
+                        </m:r>
+                      </m:e>
+                      <m:sub>
+                        <m:r>
+                          <a:rPr lang="en-US" i="1">
+                            <a:latin typeface="Cambria Math" panose="02040503050406030204" pitchFamily="18" charset="0"/>
+                          </a:rPr>
+                          <m:t>0</m:t>
+                        </m:r>
+                      </m:sub>
+                    </m:sSub>
+                    <m:d>
+                      <m:dPr>
+                        <m:ctrlPr>
+                          <a:rPr lang="en-US" i="1">
+                            <a:latin typeface="Cambria Math" panose="02040503050406030204" pitchFamily="18" charset="0"/>
+                          </a:rPr>
+                        </m:ctrlPr>
+                      </m:dPr>
+                      <m:e>
+                        <m:d>
+                          <m:dPr>
+                            <m:begChr m:val="{"/>
+                            <m:endChr m:val="}"/>
+                            <m:ctrlPr>
+                              <a:rPr lang="en-US" i="1">
+                                <a:latin typeface="Cambria Math" panose="02040503050406030204" pitchFamily="18" charset="0"/>
+                              </a:rPr>
+                            </m:ctrlPr>
+                          </m:dPr>
+                          <m:e>
+                            <m:d>
+                              <m:dPr>
+                                <m:begChr m:val="|"/>
+                                <m:endChr m:val="⟩"/>
+                                <m:ctrlPr>
+                                  <a:rPr lang="en-US" i="1">
+                                    <a:latin typeface="Cambria Math" panose="02040503050406030204" pitchFamily="18" charset="0"/>
+                                  </a:rPr>
+                                </m:ctrlPr>
+                              </m:dPr>
+                              <m:e>
+                                <m:r>
+                                  <a:rPr lang="en-US" i="1">
+                                    <a:latin typeface="Cambria Math" panose="02040503050406030204" pitchFamily="18" charset="0"/>
+                                  </a:rPr>
+                                  <m:t>2</m:t>
+                                </m:r>
+                              </m:e>
+                            </m:d>
+                          </m:e>
+                        </m:d>
+                      </m:e>
+                    </m:d>
+                    <m:r>
+                      <a:rPr lang="en-US" i="1">
+                        <a:latin typeface="Cambria Math" panose="02040503050406030204" pitchFamily="18" charset="0"/>
+                      </a:rPr>
+                      <m:t>=</m:t>
+                    </m:r>
+                    <m:sSub>
+                      <m:sSubPr>
+                        <m:ctrlPr>
+                          <a:rPr lang="en-US" i="1">
+                            <a:latin typeface="Cambria Math" panose="02040503050406030204" pitchFamily="18" charset="0"/>
+                          </a:rPr>
+                        </m:ctrlPr>
+                      </m:sSubPr>
+                      <m:e>
+                        <m:r>
+                          <a:rPr lang="en-US" i="1">
+                            <a:latin typeface="Cambria Math" panose="02040503050406030204" pitchFamily="18" charset="0"/>
+                          </a:rPr>
+                          <m:t>𝜇</m:t>
+                        </m:r>
+                      </m:e>
+                      <m:sub>
+                        <m:r>
+                          <a:rPr lang="en-US" i="1">
+                            <a:latin typeface="Cambria Math" panose="02040503050406030204" pitchFamily="18" charset="0"/>
+                          </a:rPr>
+                          <m:t>1</m:t>
+                        </m:r>
+                      </m:sub>
+                    </m:sSub>
+                    <m:d>
+                      <m:dPr>
+                        <m:ctrlPr>
+                          <a:rPr lang="en-US" i="1">
+                            <a:latin typeface="Cambria Math" panose="02040503050406030204" pitchFamily="18" charset="0"/>
+                          </a:rPr>
+                        </m:ctrlPr>
+                      </m:dPr>
+                      <m:e>
+                        <m:d>
+                          <m:dPr>
+                            <m:begChr m:val="{"/>
+                            <m:endChr m:val="}"/>
+                            <m:ctrlPr>
+                              <a:rPr lang="en-US" i="1">
+                                <a:latin typeface="Cambria Math" panose="02040503050406030204" pitchFamily="18" charset="0"/>
+                              </a:rPr>
+                            </m:ctrlPr>
+                          </m:dPr>
+                          <m:e>
+                            <m:d>
+                              <m:dPr>
+                                <m:begChr m:val="|"/>
+                                <m:endChr m:val="⟩"/>
+                                <m:ctrlPr>
+                                  <a:rPr lang="en-US" i="1">
+                                    <a:latin typeface="Cambria Math" panose="02040503050406030204" pitchFamily="18" charset="0"/>
+                                  </a:rPr>
+                                </m:ctrlPr>
+                              </m:dPr>
+                              <m:e>
+                                <m:r>
+                                  <a:rPr lang="en-US" i="1">
+                                    <a:latin typeface="Cambria Math" panose="02040503050406030204" pitchFamily="18" charset="0"/>
+                                  </a:rPr>
+                                  <m:t>2</m:t>
+                                </m:r>
+                              </m:e>
+                            </m:d>
+                          </m:e>
+                        </m:d>
+                      </m:e>
+                    </m:d>
+                  </m:oMath>
+                </a14:m>
+                <a:r>
+                  <a:rPr lang="en-US" dirty="0"/>
+                  <a:t>. </a:t>
+                </a:r>
+                <a:br>
+                  <a:rPr lang="en-US" dirty="0"/>
+                </a:br>
+                <a:r>
+                  <a:rPr lang="en-US" dirty="0"/>
+                  <a:t>So does their complement: </a:t>
+                </a:r>
+                <a14:m>
+                  <m:oMath xmlns:m="http://schemas.openxmlformats.org/officeDocument/2006/math">
+                    <m:sSub>
+                      <m:sSubPr>
+                        <m:ctrlPr>
+                          <a:rPr lang="en-US" i="1">
+                            <a:latin typeface="Cambria Math" panose="02040503050406030204" pitchFamily="18" charset="0"/>
+                          </a:rPr>
+                        </m:ctrlPr>
+                      </m:sSubPr>
+                      <m:e>
+                        <m:r>
+                          <a:rPr lang="en-US" i="1">
+                            <a:latin typeface="Cambria Math" panose="02040503050406030204" pitchFamily="18" charset="0"/>
+                          </a:rPr>
+                          <m:t>𝜇</m:t>
+                        </m:r>
+                      </m:e>
+                      <m:sub>
+                        <m:r>
+                          <a:rPr lang="en-US" i="1">
+                            <a:latin typeface="Cambria Math" panose="02040503050406030204" pitchFamily="18" charset="0"/>
+                          </a:rPr>
+                          <m:t>0</m:t>
+                        </m:r>
+                      </m:sub>
+                    </m:sSub>
+                    <m:d>
+                      <m:dPr>
+                        <m:ctrlPr>
+                          <a:rPr lang="en-US" i="1">
+                            <a:latin typeface="Cambria Math" panose="02040503050406030204" pitchFamily="18" charset="0"/>
+                          </a:rPr>
+                        </m:ctrlPr>
+                      </m:dPr>
+                      <m:e>
+                        <m:d>
+                          <m:dPr>
+                            <m:begChr m:val="{"/>
+                            <m:endChr m:val="}"/>
+                            <m:ctrlPr>
+                              <a:rPr lang="en-US" i="1">
+                                <a:latin typeface="Cambria Math" panose="02040503050406030204" pitchFamily="18" charset="0"/>
+                              </a:rPr>
+                            </m:ctrlPr>
+                          </m:dPr>
+                          <m:e>
+                            <m:d>
+                              <m:dPr>
+                                <m:begChr m:val="|"/>
+                                <m:endChr m:val="⟩"/>
+                                <m:ctrlPr>
+                                  <a:rPr lang="en-US" i="1">
+                                    <a:latin typeface="Cambria Math" panose="02040503050406030204" pitchFamily="18" charset="0"/>
+                                  </a:rPr>
+                                </m:ctrlPr>
+                              </m:dPr>
+                              <m:e>
+                                <m:r>
+                                  <a:rPr lang="en-US" i="1">
+                                    <a:latin typeface="Cambria Math" panose="02040503050406030204" pitchFamily="18" charset="0"/>
+                                  </a:rPr>
+                                  <m:t>0</m:t>
+                                </m:r>
+                              </m:e>
+                            </m:d>
+                            <m:r>
+                              <a:rPr lang="en-US" i="1">
+                                <a:latin typeface="Cambria Math" panose="02040503050406030204" pitchFamily="18" charset="0"/>
+                              </a:rPr>
+                              <m:t>,</m:t>
+                            </m:r>
+                            <m:d>
+                              <m:dPr>
+                                <m:begChr m:val="|"/>
+                                <m:endChr m:val="⟩"/>
+                                <m:ctrlPr>
+                                  <a:rPr lang="en-US" i="1">
+                                    <a:latin typeface="Cambria Math" panose="02040503050406030204" pitchFamily="18" charset="0"/>
+                                  </a:rPr>
+                                </m:ctrlPr>
+                              </m:dPr>
+                              <m:e>
+                                <m:r>
+                                  <a:rPr lang="en-US" i="1">
+                                    <a:latin typeface="Cambria Math" panose="02040503050406030204" pitchFamily="18" charset="0"/>
+                                  </a:rPr>
+                                  <m:t>1</m:t>
+                                </m:r>
+                              </m:e>
+                            </m:d>
+                          </m:e>
+                        </m:d>
+                      </m:e>
+                    </m:d>
+                    <m:r>
+                      <a:rPr lang="en-US" i="1">
+                        <a:latin typeface="Cambria Math" panose="02040503050406030204" pitchFamily="18" charset="0"/>
+                      </a:rPr>
+                      <m:t>=</m:t>
+                    </m:r>
+                    <m:sSub>
+                      <m:sSubPr>
+                        <m:ctrlPr>
+                          <a:rPr lang="en-US" i="1">
+                            <a:latin typeface="Cambria Math" panose="02040503050406030204" pitchFamily="18" charset="0"/>
+                          </a:rPr>
+                        </m:ctrlPr>
+                      </m:sSubPr>
+                      <m:e>
+                        <m:r>
+                          <a:rPr lang="en-US" i="1">
+                            <a:latin typeface="Cambria Math" panose="02040503050406030204" pitchFamily="18" charset="0"/>
+                          </a:rPr>
+                          <m:t>𝜇</m:t>
+                        </m:r>
+                      </m:e>
+                      <m:sub>
+                        <m:r>
+                          <a:rPr lang="en-US" i="1">
+                            <a:latin typeface="Cambria Math" panose="02040503050406030204" pitchFamily="18" charset="0"/>
+                          </a:rPr>
+                          <m:t>1</m:t>
+                        </m:r>
+                      </m:sub>
+                    </m:sSub>
+                    <m:d>
+                      <m:dPr>
+                        <m:ctrlPr>
+                          <a:rPr lang="en-US" i="1">
+                            <a:latin typeface="Cambria Math" panose="02040503050406030204" pitchFamily="18" charset="0"/>
+                          </a:rPr>
+                        </m:ctrlPr>
+                      </m:dPr>
+                      <m:e>
+                        <m:d>
+                          <m:dPr>
+                            <m:begChr m:val="{"/>
+                            <m:endChr m:val="}"/>
+                            <m:ctrlPr>
+                              <a:rPr lang="en-US" i="1">
+                                <a:latin typeface="Cambria Math" panose="02040503050406030204" pitchFamily="18" charset="0"/>
+                              </a:rPr>
+                            </m:ctrlPr>
+                          </m:dPr>
+                          <m:e>
+                            <m:d>
+                              <m:dPr>
+                                <m:begChr m:val="|"/>
+                                <m:endChr m:val="⟩"/>
+                                <m:ctrlPr>
+                                  <a:rPr lang="en-US" i="1">
+                                    <a:latin typeface="Cambria Math" panose="02040503050406030204" pitchFamily="18" charset="0"/>
+                                  </a:rPr>
+                                </m:ctrlPr>
+                              </m:dPr>
+                              <m:e>
+                                <m:r>
+                                  <a:rPr lang="en-US" i="1">
+                                    <a:latin typeface="Cambria Math" panose="02040503050406030204" pitchFamily="18" charset="0"/>
+                                  </a:rPr>
+                                  <m:t>+</m:t>
+                                </m:r>
+                              </m:e>
+                            </m:d>
+                            <m:r>
+                              <a:rPr lang="en-US" i="1">
+                                <a:latin typeface="Cambria Math" panose="02040503050406030204" pitchFamily="18" charset="0"/>
+                              </a:rPr>
+                              <m:t>,</m:t>
+                            </m:r>
+                            <m:d>
+                              <m:dPr>
+                                <m:begChr m:val="|"/>
+                                <m:endChr m:val="⟩"/>
+                                <m:ctrlPr>
+                                  <a:rPr lang="en-US" i="1">
+                                    <a:latin typeface="Cambria Math" panose="02040503050406030204" pitchFamily="18" charset="0"/>
+                                  </a:rPr>
+                                </m:ctrlPr>
+                              </m:dPr>
+                              <m:e>
+                                <m:r>
+                                  <a:rPr lang="en-US" i="1">
+                                    <a:latin typeface="Cambria Math" panose="02040503050406030204" pitchFamily="18" charset="0"/>
+                                  </a:rPr>
+                                  <m:t>−</m:t>
+                                </m:r>
+                              </m:e>
+                            </m:d>
+                          </m:e>
+                        </m:d>
+                      </m:e>
+                    </m:d>
+                  </m:oMath>
+                </a14:m>
+                <a:endParaRPr lang="en-US" dirty="0"/>
+              </a:p>
+              <a:p>
+                <a:r>
+                  <a:rPr lang="en-US" dirty="0"/>
+                  <a:t>Consider</a:t>
+                </a:r>
+                <a:br>
+                  <a:rPr lang="en-US" dirty="0"/>
+                </a:br>
+                <a14:m>
+                  <m:oMath xmlns:m="http://schemas.openxmlformats.org/officeDocument/2006/math">
+                    <m:r>
+                      <a:rPr lang="en-US" b="0" i="1" smtClean="0">
+                        <a:latin typeface="Cambria Math" panose="02040503050406030204" pitchFamily="18" charset="0"/>
+                      </a:rPr>
+                      <m:t>𝜑</m:t>
+                    </m:r>
+                    <m:d>
+                      <m:dPr>
+                        <m:ctrlPr>
+                          <a:rPr lang="en-US" b="0" i="1" smtClean="0">
+                            <a:latin typeface="Cambria Math" panose="02040503050406030204" pitchFamily="18" charset="0"/>
+                          </a:rPr>
+                        </m:ctrlPr>
+                      </m:dPr>
+                      <m:e>
+                        <m:r>
+                          <a:rPr lang="en-US" b="0" i="1" smtClean="0">
+                            <a:latin typeface="Cambria Math" panose="02040503050406030204" pitchFamily="18" charset="0"/>
+                          </a:rPr>
+                          <m:t>𝐸</m:t>
+                        </m:r>
+                      </m:e>
+                    </m:d>
+                    <m:r>
+                      <a:rPr lang="en-US" b="0" i="1" smtClean="0">
+                        <a:latin typeface="Cambria Math" panose="02040503050406030204" pitchFamily="18" charset="0"/>
+                      </a:rPr>
+                      <m:t>=</m:t>
+                    </m:r>
+                    <m:nary>
+                      <m:naryPr>
+                        <m:chr m:val="∑"/>
+                        <m:supHide m:val="on"/>
+                        <m:ctrlPr>
+                          <a:rPr lang="en-US" b="0" i="1" smtClean="0">
+                            <a:latin typeface="Cambria Math" panose="02040503050406030204" pitchFamily="18" charset="0"/>
+                          </a:rPr>
+                        </m:ctrlPr>
+                      </m:naryPr>
+                      <m:sub>
+                        <m:d>
+                          <m:dPr>
+                            <m:begChr m:val="|"/>
+                            <m:endChr m:val="⟩"/>
+                            <m:ctrlPr>
+                              <a:rPr lang="en-US" i="1">
+                                <a:latin typeface="Cambria Math" panose="02040503050406030204" pitchFamily="18" charset="0"/>
+                              </a:rPr>
+                            </m:ctrlPr>
+                          </m:dPr>
+                          <m:e>
+                            <m:r>
+                              <a:rPr lang="en-US" i="1">
+                                <a:latin typeface="Cambria Math" panose="02040503050406030204" pitchFamily="18" charset="0"/>
+                              </a:rPr>
+                              <m:t>𝑗</m:t>
+                            </m:r>
+                          </m:e>
+                        </m:d>
+                        <m:r>
+                          <a:rPr lang="en-US" b="0" i="1" smtClean="0">
+                            <a:latin typeface="Cambria Math" panose="02040503050406030204" pitchFamily="18" charset="0"/>
+                          </a:rPr>
+                          <m:t>∈</m:t>
+                        </m:r>
+                        <m:r>
+                          <a:rPr lang="en-US" b="0" i="1" smtClean="0">
+                            <a:latin typeface="Cambria Math" panose="02040503050406030204" pitchFamily="18" charset="0"/>
+                          </a:rPr>
+                          <m:t>𝐸</m:t>
+                        </m:r>
+                      </m:sub>
+                      <m:sup/>
+                      <m:e>
+                        <m:d>
+                          <m:dPr>
+                            <m:begChr m:val="|"/>
+                            <m:endChr m:val="⟩"/>
+                            <m:ctrlPr>
+                              <a:rPr lang="en-US" b="0" i="1" smtClean="0">
+                                <a:latin typeface="Cambria Math" panose="02040503050406030204" pitchFamily="18" charset="0"/>
+                              </a:rPr>
+                            </m:ctrlPr>
+                          </m:dPr>
+                          <m:e>
+                            <m:r>
+                              <a:rPr lang="en-US" b="0" i="1" smtClean="0">
+                                <a:latin typeface="Cambria Math" panose="02040503050406030204" pitchFamily="18" charset="0"/>
+                              </a:rPr>
+                              <m:t>𝑗</m:t>
+                            </m:r>
+                          </m:e>
+                        </m:d>
+                        <m:d>
+                          <m:dPr>
+                            <m:begChr m:val="⟨"/>
+                            <m:endChr m:val="|"/>
+                            <m:ctrlPr>
+                              <a:rPr lang="en-US" b="0" i="1" smtClean="0">
+                                <a:latin typeface="Cambria Math" panose="02040503050406030204" pitchFamily="18" charset="0"/>
+                              </a:rPr>
+                            </m:ctrlPr>
+                          </m:dPr>
+                          <m:e>
+                            <m:r>
+                              <a:rPr lang="en-US" b="0" i="1" smtClean="0">
+                                <a:latin typeface="Cambria Math" panose="02040503050406030204" pitchFamily="18" charset="0"/>
+                              </a:rPr>
+                              <m:t>𝑗</m:t>
+                            </m:r>
+                          </m:e>
+                        </m:d>
+                      </m:e>
+                    </m:nary>
+                  </m:oMath>
+                </a14:m>
+                <a:br>
+                  <a:rPr lang="en-US" dirty="0"/>
+                </a:br>
+                <a:r>
+                  <a:rPr lang="en-US" dirty="0"/>
+                  <a:t>Then, </a:t>
+                </a:r>
+                <a:br>
+                  <a:rPr lang="en-US" i="1" dirty="0">
+                    <a:latin typeface="Cambria Math" panose="02040503050406030204" pitchFamily="18" charset="0"/>
+                  </a:rPr>
+                </a:br>
+                <a14:m>
+                  <m:oMath xmlns:m="http://schemas.openxmlformats.org/officeDocument/2006/math">
+                    <m:r>
+                      <a:rPr lang="en-US" i="1">
+                        <a:latin typeface="Cambria Math" panose="02040503050406030204" pitchFamily="18" charset="0"/>
+                      </a:rPr>
+                      <m:t>𝜑</m:t>
+                    </m:r>
+                    <m:d>
+                      <m:dPr>
+                        <m:ctrlPr>
+                          <a:rPr lang="en-US" i="1">
+                            <a:latin typeface="Cambria Math" panose="02040503050406030204" pitchFamily="18" charset="0"/>
+                          </a:rPr>
+                        </m:ctrlPr>
+                      </m:dPr>
+                      <m:e>
+                        <m:d>
+                          <m:dPr>
+                            <m:begChr m:val="{"/>
+                            <m:endChr m:val="}"/>
+                            <m:ctrlPr>
+                              <a:rPr lang="en-US" i="1">
+                                <a:latin typeface="Cambria Math" panose="02040503050406030204" pitchFamily="18" charset="0"/>
+                              </a:rPr>
+                            </m:ctrlPr>
+                          </m:dPr>
+                          <m:e>
+                            <m:d>
+                              <m:dPr>
+                                <m:begChr m:val="|"/>
+                                <m:endChr m:val="⟩"/>
+                                <m:ctrlPr>
+                                  <a:rPr lang="en-US" i="1">
+                                    <a:latin typeface="Cambria Math" panose="02040503050406030204" pitchFamily="18" charset="0"/>
+                                  </a:rPr>
+                                </m:ctrlPr>
+                              </m:dPr>
+                              <m:e>
+                                <m:r>
+                                  <a:rPr lang="en-US" i="1">
+                                    <a:latin typeface="Cambria Math" panose="02040503050406030204" pitchFamily="18" charset="0"/>
+                                  </a:rPr>
+                                  <m:t>0</m:t>
+                                </m:r>
+                              </m:e>
+                            </m:d>
+                            <m:r>
+                              <a:rPr lang="en-US" i="1">
+                                <a:latin typeface="Cambria Math" panose="02040503050406030204" pitchFamily="18" charset="0"/>
+                              </a:rPr>
+                              <m:t>,</m:t>
+                            </m:r>
+                            <m:d>
+                              <m:dPr>
+                                <m:begChr m:val="|"/>
+                                <m:endChr m:val="⟩"/>
+                                <m:ctrlPr>
+                                  <a:rPr lang="en-US" i="1">
+                                    <a:latin typeface="Cambria Math" panose="02040503050406030204" pitchFamily="18" charset="0"/>
+                                  </a:rPr>
+                                </m:ctrlPr>
+                              </m:dPr>
+                              <m:e>
+                                <m:r>
+                                  <a:rPr lang="en-US" i="1">
+                                    <a:latin typeface="Cambria Math" panose="02040503050406030204" pitchFamily="18" charset="0"/>
+                                  </a:rPr>
+                                  <m:t>1</m:t>
+                                </m:r>
+                              </m:e>
+                            </m:d>
+                          </m:e>
+                        </m:d>
+                      </m:e>
+                    </m:d>
+                    <m:r>
+                      <a:rPr lang="en-US" i="1">
+                        <a:latin typeface="Cambria Math" panose="02040503050406030204" pitchFamily="18" charset="0"/>
+                      </a:rPr>
+                      <m:t>=</m:t>
+                    </m:r>
+                    <m:d>
+                      <m:dPr>
+                        <m:begChr m:val="|"/>
+                        <m:endChr m:val="⟩"/>
+                        <m:ctrlPr>
+                          <a:rPr lang="en-US" i="1">
+                            <a:latin typeface="Cambria Math" panose="02040503050406030204" pitchFamily="18" charset="0"/>
+                          </a:rPr>
+                        </m:ctrlPr>
+                      </m:dPr>
+                      <m:e>
+                        <m:r>
+                          <a:rPr lang="en-US" b="0" i="1" smtClean="0">
+                            <a:latin typeface="Cambria Math" panose="02040503050406030204" pitchFamily="18" charset="0"/>
+                          </a:rPr>
+                          <m:t>0</m:t>
+                        </m:r>
+                      </m:e>
+                    </m:d>
+                    <m:d>
+                      <m:dPr>
+                        <m:begChr m:val="⟨"/>
+                        <m:endChr m:val="|"/>
+                        <m:ctrlPr>
+                          <a:rPr lang="en-US" i="1">
+                            <a:latin typeface="Cambria Math" panose="02040503050406030204" pitchFamily="18" charset="0"/>
+                          </a:rPr>
+                        </m:ctrlPr>
+                      </m:dPr>
+                      <m:e>
+                        <m:r>
+                          <a:rPr lang="en-US" b="0" i="1" smtClean="0">
+                            <a:latin typeface="Cambria Math" panose="02040503050406030204" pitchFamily="18" charset="0"/>
+                          </a:rPr>
+                          <m:t>0</m:t>
+                        </m:r>
+                      </m:e>
+                    </m:d>
+                    <m:r>
+                      <a:rPr lang="en-US" b="0" i="1" smtClean="0">
+                        <a:latin typeface="Cambria Math" panose="02040503050406030204" pitchFamily="18" charset="0"/>
+                      </a:rPr>
+                      <m:t>+</m:t>
+                    </m:r>
+                    <m:d>
+                      <m:dPr>
+                        <m:begChr m:val="|"/>
+                        <m:endChr m:val="⟩"/>
+                        <m:ctrlPr>
+                          <a:rPr lang="en-US" i="1">
+                            <a:latin typeface="Cambria Math" panose="02040503050406030204" pitchFamily="18" charset="0"/>
+                          </a:rPr>
+                        </m:ctrlPr>
+                      </m:dPr>
+                      <m:e>
+                        <m:r>
+                          <a:rPr lang="en-US" b="0" i="1" smtClean="0">
+                            <a:latin typeface="Cambria Math" panose="02040503050406030204" pitchFamily="18" charset="0"/>
+                          </a:rPr>
+                          <m:t>1</m:t>
+                        </m:r>
+                      </m:e>
+                    </m:d>
+                    <m:d>
+                      <m:dPr>
+                        <m:begChr m:val="⟨"/>
+                        <m:endChr m:val="|"/>
+                        <m:ctrlPr>
+                          <a:rPr lang="en-US" i="1">
+                            <a:latin typeface="Cambria Math" panose="02040503050406030204" pitchFamily="18" charset="0"/>
+                          </a:rPr>
+                        </m:ctrlPr>
+                      </m:dPr>
+                      <m:e>
+                        <m:r>
+                          <a:rPr lang="en-US" b="0" i="1" smtClean="0">
+                            <a:latin typeface="Cambria Math" panose="02040503050406030204" pitchFamily="18" charset="0"/>
+                          </a:rPr>
+                          <m:t>1</m:t>
+                        </m:r>
+                      </m:e>
+                    </m:d>
+                    <m:r>
+                      <a:rPr lang="en-US" b="0" i="1" smtClean="0">
+                        <a:latin typeface="Cambria Math" panose="02040503050406030204" pitchFamily="18" charset="0"/>
+                      </a:rPr>
+                      <m:t>=</m:t>
+                    </m:r>
+                    <m:d>
+                      <m:dPr>
+                        <m:begChr m:val="|"/>
+                        <m:endChr m:val="⟩"/>
+                        <m:ctrlPr>
+                          <a:rPr lang="en-US" i="1">
+                            <a:latin typeface="Cambria Math" panose="02040503050406030204" pitchFamily="18" charset="0"/>
+                          </a:rPr>
+                        </m:ctrlPr>
+                      </m:dPr>
+                      <m:e>
+                        <m:r>
+                          <a:rPr lang="en-US" b="0" i="1" smtClean="0">
+                            <a:latin typeface="Cambria Math" panose="02040503050406030204" pitchFamily="18" charset="0"/>
+                          </a:rPr>
+                          <m:t>+</m:t>
+                        </m:r>
+                      </m:e>
+                    </m:d>
+                    <m:d>
+                      <m:dPr>
+                        <m:begChr m:val="⟨"/>
+                        <m:endChr m:val="|"/>
+                        <m:ctrlPr>
+                          <a:rPr lang="en-US" i="1">
+                            <a:latin typeface="Cambria Math" panose="02040503050406030204" pitchFamily="18" charset="0"/>
+                          </a:rPr>
+                        </m:ctrlPr>
+                      </m:dPr>
+                      <m:e>
+                        <m:r>
+                          <a:rPr lang="en-US" b="0" i="1" smtClean="0">
+                            <a:latin typeface="Cambria Math" panose="02040503050406030204" pitchFamily="18" charset="0"/>
+                          </a:rPr>
+                          <m:t>+</m:t>
+                        </m:r>
+                      </m:e>
+                    </m:d>
+                    <m:r>
+                      <a:rPr lang="en-US" b="0" i="1" smtClean="0">
+                        <a:latin typeface="Cambria Math" panose="02040503050406030204" pitchFamily="18" charset="0"/>
+                      </a:rPr>
+                      <m:t>+</m:t>
+                    </m:r>
+                    <m:d>
+                      <m:dPr>
+                        <m:begChr m:val="|"/>
+                        <m:endChr m:val="⟩"/>
+                        <m:ctrlPr>
+                          <a:rPr lang="en-US" i="1">
+                            <a:latin typeface="Cambria Math" panose="02040503050406030204" pitchFamily="18" charset="0"/>
+                          </a:rPr>
+                        </m:ctrlPr>
+                      </m:dPr>
+                      <m:e>
+                        <m:r>
+                          <a:rPr lang="en-US" b="0" i="1" smtClean="0">
+                            <a:latin typeface="Cambria Math" panose="02040503050406030204" pitchFamily="18" charset="0"/>
+                          </a:rPr>
+                          <m:t>−</m:t>
+                        </m:r>
+                      </m:e>
+                    </m:d>
+                    <m:d>
+                      <m:dPr>
+                        <m:begChr m:val="⟨"/>
+                        <m:endChr m:val="|"/>
+                        <m:ctrlPr>
+                          <a:rPr lang="en-US" i="1">
+                            <a:latin typeface="Cambria Math" panose="02040503050406030204" pitchFamily="18" charset="0"/>
+                          </a:rPr>
+                        </m:ctrlPr>
+                      </m:dPr>
+                      <m:e>
+                        <m:r>
+                          <a:rPr lang="en-US" b="0" i="1" smtClean="0">
+                            <a:latin typeface="Cambria Math" panose="02040503050406030204" pitchFamily="18" charset="0"/>
+                          </a:rPr>
+                          <m:t>−</m:t>
+                        </m:r>
+                      </m:e>
+                    </m:d>
+                    <m:r>
+                      <a:rPr lang="en-US" b="0" i="1" smtClean="0">
+                        <a:latin typeface="Cambria Math" panose="02040503050406030204" pitchFamily="18" charset="0"/>
+                      </a:rPr>
+                      <m:t>=</m:t>
+                    </m:r>
+                    <m:r>
+                      <a:rPr lang="en-US" i="1">
+                        <a:latin typeface="Cambria Math" panose="02040503050406030204" pitchFamily="18" charset="0"/>
+                      </a:rPr>
+                      <m:t>𝜑</m:t>
+                    </m:r>
+                    <m:d>
+                      <m:dPr>
+                        <m:ctrlPr>
+                          <a:rPr lang="en-US" i="1">
+                            <a:latin typeface="Cambria Math" panose="02040503050406030204" pitchFamily="18" charset="0"/>
+                          </a:rPr>
+                        </m:ctrlPr>
+                      </m:dPr>
+                      <m:e>
+                        <m:d>
+                          <m:dPr>
+                            <m:begChr m:val="{"/>
+                            <m:endChr m:val="}"/>
+                            <m:ctrlPr>
+                              <a:rPr lang="en-US" i="1">
+                                <a:latin typeface="Cambria Math" panose="02040503050406030204" pitchFamily="18" charset="0"/>
+                              </a:rPr>
+                            </m:ctrlPr>
+                          </m:dPr>
+                          <m:e>
+                            <m:d>
+                              <m:dPr>
+                                <m:begChr m:val="|"/>
+                                <m:endChr m:val="⟩"/>
+                                <m:ctrlPr>
+                                  <a:rPr lang="en-US" i="1">
+                                    <a:latin typeface="Cambria Math" panose="02040503050406030204" pitchFamily="18" charset="0"/>
+                                  </a:rPr>
+                                </m:ctrlPr>
+                              </m:dPr>
+                              <m:e>
+                                <m:r>
+                                  <a:rPr lang="en-US" i="1">
+                                    <a:latin typeface="Cambria Math" panose="02040503050406030204" pitchFamily="18" charset="0"/>
+                                  </a:rPr>
+                                  <m:t>+</m:t>
+                                </m:r>
+                              </m:e>
+                            </m:d>
+                            <m:r>
+                              <a:rPr lang="en-US" i="1">
+                                <a:latin typeface="Cambria Math" panose="02040503050406030204" pitchFamily="18" charset="0"/>
+                              </a:rPr>
+                              <m:t>,</m:t>
+                            </m:r>
+                            <m:d>
+                              <m:dPr>
+                                <m:begChr m:val="|"/>
+                                <m:endChr m:val="⟩"/>
+                                <m:ctrlPr>
+                                  <a:rPr lang="en-US" i="1">
+                                    <a:latin typeface="Cambria Math" panose="02040503050406030204" pitchFamily="18" charset="0"/>
+                                  </a:rPr>
+                                </m:ctrlPr>
+                              </m:dPr>
+                              <m:e>
+                                <m:r>
+                                  <a:rPr lang="en-US" i="1">
+                                    <a:latin typeface="Cambria Math" panose="02040503050406030204" pitchFamily="18" charset="0"/>
+                                  </a:rPr>
+                                  <m:t>−</m:t>
+                                </m:r>
+                              </m:e>
+                            </m:d>
+                          </m:e>
+                        </m:d>
+                      </m:e>
+                    </m:d>
+                  </m:oMath>
+                </a14:m>
+                <a:endParaRPr lang="en-US" dirty="0"/>
+              </a:p>
+              <a:p>
+                <a:r>
+                  <a:rPr lang="en-US" dirty="0"/>
+                  <a:t>The quantum event of a classical event </a:t>
+                </a:r>
+                <a14:m>
+                  <m:oMath xmlns:m="http://schemas.openxmlformats.org/officeDocument/2006/math">
+                    <m:r>
+                      <a:rPr lang="en-US" b="0" i="1" smtClean="0">
+                        <a:latin typeface="Cambria Math" panose="02040503050406030204" pitchFamily="18" charset="0"/>
+                      </a:rPr>
+                      <m:t>𝐸</m:t>
+                    </m:r>
+                  </m:oMath>
+                </a14:m>
+                <a:r>
+                  <a:rPr lang="en-US" dirty="0"/>
+                  <a:t> is the projector </a:t>
+                </a:r>
+                <a14:m>
+                  <m:oMath xmlns:m="http://schemas.openxmlformats.org/officeDocument/2006/math">
+                    <m:r>
+                      <a:rPr lang="en-US" i="1">
+                        <a:latin typeface="Cambria Math" panose="02040503050406030204" pitchFamily="18" charset="0"/>
+                      </a:rPr>
+                      <m:t>𝜑</m:t>
+                    </m:r>
+                    <m:d>
+                      <m:dPr>
+                        <m:ctrlPr>
+                          <a:rPr lang="en-US" i="1">
+                            <a:latin typeface="Cambria Math" panose="02040503050406030204" pitchFamily="18" charset="0"/>
+                          </a:rPr>
+                        </m:ctrlPr>
+                      </m:dPr>
+                      <m:e>
+                        <m:r>
+                          <a:rPr lang="en-US" i="1">
+                            <a:latin typeface="Cambria Math" panose="02040503050406030204" pitchFamily="18" charset="0"/>
+                          </a:rPr>
+                          <m:t>𝐸</m:t>
+                        </m:r>
+                      </m:e>
+                    </m:d>
+                  </m:oMath>
+                </a14:m>
+                <a:r>
+                  <a:rPr lang="en-US" dirty="0"/>
+                  <a:t>, and the set of all projectors on a given Hilbert space is called a quantum event space </a:t>
+                </a:r>
+                <a14:m>
+                  <m:oMath xmlns:m="http://schemas.openxmlformats.org/officeDocument/2006/math">
+                    <m:r>
+                      <a:rPr lang="en-US" i="1" smtClean="0">
+                        <a:latin typeface="Cambria Math" panose="02040503050406030204" pitchFamily="18" charset="0"/>
+                        <a:ea typeface="Cambria Math" panose="02040503050406030204" pitchFamily="18" charset="0"/>
+                      </a:rPr>
+                      <m:t>ℰ</m:t>
+                    </m:r>
+                  </m:oMath>
+                </a14:m>
+                <a:r>
+                  <a:rPr lang="en-US" dirty="0"/>
+                  <a:t>.</a:t>
+                </a:r>
+              </a:p>
+            </p:txBody>
+          </p:sp>
+        </mc:Choice>
+        <mc:Fallback xmlns="">
+          <p:sp>
+            <p:nvSpPr>
+              <p:cNvPr id="3" name="Content Placeholder 2">
+                <a:extLst>
+                  <a:ext uri="{FF2B5EF4-FFF2-40B4-BE49-F238E27FC236}">
+                    <a16:creationId xmlns:a16="http://schemas.microsoft.com/office/drawing/2014/main" id="{121DA518-5151-422B-A199-4BD7913BF478}"/>
+                  </a:ext>
+                </a:extLst>
+              </p:cNvPr>
+              <p:cNvSpPr>
+                <a:spLocks noGrp="1" noRot="1" noChangeAspect="1" noMove="1" noResize="1" noEditPoints="1" noAdjustHandles="1" noChangeArrowheads="1" noChangeShapeType="1" noTextEdit="1"/>
+              </p:cNvSpPr>
+              <p:nvPr>
+                <p:ph idx="1"/>
+              </p:nvPr>
+            </p:nvSpPr>
+            <p:spPr>
+              <a:blipFill>
+                <a:blip r:embed="rId2"/>
+                <a:stretch>
+                  <a:fillRect l="-1043" t="-3081" b="-2661"/>
+                </a:stretch>
+              </a:blipFill>
+            </p:spPr>
+            <p:txBody>
+              <a:bodyPr/>
+              <a:lstStyle/>
+              <a:p>
+                <a:r>
+                  <a:rPr lang="en-US">
+                    <a:noFill/>
+                  </a:rPr>
+                  <a:t> </a:t>
+                </a:r>
+              </a:p>
+            </p:txBody>
+          </p:sp>
+        </mc:Fallback>
+      </mc:AlternateContent>
+    </p:spTree>
+    <p:extLst>
+      <p:ext uri="{BB962C8B-B14F-4D97-AF65-F5344CB8AC3E}">
+        <p14:creationId xmlns:p14="http://schemas.microsoft.com/office/powerpoint/2010/main" val="3331255416"/>
+      </p:ext>
+    </p:extLst>
+  </p:cSld>
+  <p:clrMapOvr>
+    <a:masterClrMapping/>
+  </p:clrMapOvr>
+</p:sld>
+</file>
+
+<file path=ppt/slides/slide11.xml><?xml version="1.0" encoding="utf-8"?>
+<p:sld xmlns:a="http://schemas.openxmlformats.org/drawingml/2006/main" xmlns:r="http://schemas.openxmlformats.org/officeDocument/2006/relationships" xmlns:p="http://schemas.openxmlformats.org/presentationml/2006/main">
+  <p:cSld>
+    <p:spTree>
+      <p:nvGrpSpPr>
+        <p:cNvPr id="1" name=""/>
+        <p:cNvGrpSpPr/>
+        <p:nvPr/>
+      </p:nvGrpSpPr>
+      <p:grpSpPr>
+        <a:xfrm>
+          <a:off x="0" y="0"/>
+          <a:ext cx="0" cy="0"/>
+          <a:chOff x="0" y="0"/>
+          <a:chExt cx="0" cy="0"/>
+        </a:xfrm>
+      </p:grpSpPr>
+      <p:sp>
+        <p:nvSpPr>
+          <p:cNvPr id="2" name="Title 1">
+            <a:extLst>
+              <a:ext uri="{FF2B5EF4-FFF2-40B4-BE49-F238E27FC236}">
+                <a16:creationId xmlns:a16="http://schemas.microsoft.com/office/drawing/2014/main" id="{B40DB600-F61B-4D6A-B04B-2CCD978EB2E6}"/>
+              </a:ext>
+            </a:extLst>
+          </p:cNvPr>
+          <p:cNvSpPr>
+            <a:spLocks noGrp="1"/>
+          </p:cNvSpPr>
+          <p:nvPr>
+            <p:ph type="title"/>
+          </p:nvPr>
+        </p:nvSpPr>
+        <p:spPr/>
+        <p:txBody>
+          <a:bodyPr>
+            <a:normAutofit/>
+          </a:bodyPr>
+          <a:lstStyle/>
+          <a:p>
+            <a:r>
+              <a:rPr lang="en-US" dirty="0"/>
+              <a:t>Classical and Quantum Probability Measure</a:t>
+            </a:r>
+          </a:p>
+        </p:txBody>
+      </p:sp>
+      <p:sp>
+        <p:nvSpPr>
+          <p:cNvPr id="4" name="Text Placeholder 3">
+            <a:extLst>
+              <a:ext uri="{FF2B5EF4-FFF2-40B4-BE49-F238E27FC236}">
+                <a16:creationId xmlns:a16="http://schemas.microsoft.com/office/drawing/2014/main" id="{D87DB010-D924-4187-9FDF-7913C44EEE08}"/>
+              </a:ext>
+            </a:extLst>
+          </p:cNvPr>
+          <p:cNvSpPr>
+            <a:spLocks noGrp="1"/>
+          </p:cNvSpPr>
+          <p:nvPr>
+            <p:ph type="body" idx="1"/>
+          </p:nvPr>
+        </p:nvSpPr>
+        <p:spPr>
+          <a:xfrm>
+            <a:off x="763588" y="1034173"/>
+            <a:ext cx="5157787" cy="823912"/>
+          </a:xfrm>
+        </p:spPr>
+        <p:txBody>
+          <a:bodyPr>
+            <a:normAutofit/>
+          </a:bodyPr>
+          <a:lstStyle/>
+          <a:p>
+            <a:r>
+              <a:rPr lang="en-US" dirty="0"/>
+              <a:t>Classical Probability measure</a:t>
+            </a:r>
+            <a:endParaRPr lang="en-US" i="1" dirty="0">
+              <a:latin typeface="Cambria Math" panose="02040503050406030204" pitchFamily="18" charset="0"/>
+              <a:ea typeface="Cambria Math" panose="02040503050406030204" pitchFamily="18" charset="0"/>
+            </a:endParaRPr>
+          </a:p>
+        </p:txBody>
+      </p:sp>
+      <mc:AlternateContent xmlns:mc="http://schemas.openxmlformats.org/markup-compatibility/2006" xmlns:a14="http://schemas.microsoft.com/office/drawing/2010/main">
+        <mc:Choice Requires="a14">
+          <p:sp>
+            <p:nvSpPr>
+              <p:cNvPr id="5" name="Content Placeholder 4">
+                <a:extLst>
+                  <a:ext uri="{FF2B5EF4-FFF2-40B4-BE49-F238E27FC236}">
+                    <a16:creationId xmlns:a16="http://schemas.microsoft.com/office/drawing/2014/main" id="{BF2B535F-A1B1-4A73-A7FF-8E5D362BBFD9}"/>
+                  </a:ext>
+                </a:extLst>
+              </p:cNvPr>
+              <p:cNvSpPr>
+                <a:spLocks noGrp="1"/>
+              </p:cNvSpPr>
+              <p:nvPr>
+                <p:ph sz="half" idx="2"/>
+              </p:nvPr>
+            </p:nvSpPr>
+            <p:spPr>
+              <a:xfrm>
+                <a:off x="763588" y="1858085"/>
+                <a:ext cx="5157787" cy="3684588"/>
+              </a:xfrm>
+            </p:spPr>
+            <p:txBody>
+              <a:bodyPr>
+                <a:normAutofit fontScale="85000" lnSpcReduction="20000"/>
+              </a:bodyPr>
+              <a:lstStyle/>
+              <a:p>
+                <a:pPr>
+                  <a:lnSpc>
+                    <a:spcPct val="95000"/>
+                  </a:lnSpc>
+                </a:pPr>
+                <a14:m>
+                  <m:oMath xmlns:m="http://schemas.openxmlformats.org/officeDocument/2006/math">
+                    <m:r>
+                      <a:rPr lang="en-US" i="1" smtClean="0">
+                        <a:latin typeface="Cambria Math" panose="02040503050406030204" pitchFamily="18" charset="0"/>
+                      </a:rPr>
+                      <m:t>𝜇</m:t>
+                    </m:r>
+                    <m:r>
+                      <a:rPr lang="en-US" i="1" smtClean="0">
+                        <a:latin typeface="Cambria Math" panose="02040503050406030204" pitchFamily="18" charset="0"/>
+                      </a:rPr>
+                      <m:t>:</m:t>
+                    </m:r>
+                    <m:sSup>
+                      <m:sSupPr>
+                        <m:ctrlPr>
+                          <a:rPr lang="en-US" b="0" i="1" smtClean="0">
+                            <a:latin typeface="Cambria Math" panose="02040503050406030204" pitchFamily="18" charset="0"/>
+                          </a:rPr>
+                        </m:ctrlPr>
+                      </m:sSupPr>
+                      <m:e>
+                        <m:r>
+                          <a:rPr lang="en-US" b="0" i="1" smtClean="0">
+                            <a:latin typeface="Cambria Math" panose="02040503050406030204" pitchFamily="18" charset="0"/>
+                          </a:rPr>
+                          <m:t>2</m:t>
+                        </m:r>
+                      </m:e>
+                      <m:sup>
+                        <m:r>
+                          <m:rPr>
+                            <m:sty m:val="p"/>
+                          </m:rPr>
+                          <a:rPr lang="en-US" b="0" i="0" smtClean="0">
+                            <a:latin typeface="Cambria Math" panose="02040503050406030204" pitchFamily="18" charset="0"/>
+                          </a:rPr>
+                          <m:t>Ω</m:t>
+                        </m:r>
+                      </m:sup>
+                    </m:sSup>
+                    <m:r>
+                      <a:rPr lang="en-US">
+                        <a:latin typeface="Cambria Math" panose="02040503050406030204" pitchFamily="18" charset="0"/>
+                        <a:ea typeface="Cambria Math" panose="02040503050406030204" pitchFamily="18" charset="0"/>
+                      </a:rPr>
+                      <m:t>→</m:t>
+                    </m:r>
+                    <m:d>
+                      <m:dPr>
+                        <m:begChr m:val="["/>
+                        <m:endChr m:val="]"/>
+                        <m:ctrlPr>
+                          <a:rPr lang="en-US" i="1">
+                            <a:latin typeface="Cambria Math" panose="02040503050406030204" pitchFamily="18" charset="0"/>
+                            <a:ea typeface="Cambria Math" panose="02040503050406030204" pitchFamily="18" charset="0"/>
+                          </a:rPr>
+                        </m:ctrlPr>
+                      </m:dPr>
+                      <m:e>
+                        <m:r>
+                          <a:rPr lang="en-US" i="1">
+                            <a:latin typeface="Cambria Math" panose="02040503050406030204" pitchFamily="18" charset="0"/>
+                            <a:ea typeface="Cambria Math" panose="02040503050406030204" pitchFamily="18" charset="0"/>
+                          </a:rPr>
+                          <m:t>0,1</m:t>
+                        </m:r>
+                      </m:e>
+                    </m:d>
+                  </m:oMath>
+                </a14:m>
+                <a:endParaRPr lang="en-US" i="1" dirty="0">
+                  <a:solidFill>
+                    <a:srgbClr val="BF9000"/>
+                  </a:solidFill>
+                  <a:latin typeface="Cambria Math" panose="02040503050406030204" pitchFamily="18" charset="0"/>
+                  <a:ea typeface="Cambria Math" panose="02040503050406030204" pitchFamily="18" charset="0"/>
+                </a:endParaRPr>
+              </a:p>
+              <a:p>
+                <a:pPr>
+                  <a:lnSpc>
+                    <a:spcPct val="95000"/>
+                  </a:lnSpc>
+                </a:pPr>
+                <a14:m>
+                  <m:oMath xmlns:m="http://schemas.openxmlformats.org/officeDocument/2006/math">
+                    <m:r>
+                      <a:rPr lang="en-US" i="1">
+                        <a:latin typeface="Cambria Math" panose="02040503050406030204" pitchFamily="18" charset="0"/>
+                      </a:rPr>
+                      <m:t>𝜇</m:t>
+                    </m:r>
+                    <m:d>
+                      <m:dPr>
+                        <m:ctrlPr>
+                          <a:rPr lang="en-US" i="1">
+                            <a:latin typeface="Cambria Math" panose="02040503050406030204" pitchFamily="18" charset="0"/>
+                          </a:rPr>
+                        </m:ctrlPr>
+                      </m:dPr>
+                      <m:e>
+                        <m:r>
+                          <a:rPr lang="en-US" i="1">
+                            <a:solidFill>
+                              <a:srgbClr val="FF0000"/>
+                            </a:solidFill>
+                            <a:latin typeface="Cambria Math" panose="02040503050406030204" pitchFamily="18" charset="0"/>
+                            <a:ea typeface="Cambria Math" panose="02040503050406030204" pitchFamily="18" charset="0"/>
+                          </a:rPr>
+                          <m:t>∅</m:t>
+                        </m:r>
+                      </m:e>
+                    </m:d>
+                    <m:r>
+                      <a:rPr lang="en-US" i="1">
+                        <a:latin typeface="Cambria Math" panose="02040503050406030204" pitchFamily="18" charset="0"/>
+                      </a:rPr>
+                      <m:t>=0</m:t>
+                    </m:r>
+                  </m:oMath>
+                </a14:m>
+                <a:r>
+                  <a:rPr lang="en-US" dirty="0"/>
+                  <a:t>.</a:t>
+                </a:r>
+              </a:p>
+              <a:p>
+                <a:pPr>
+                  <a:lnSpc>
+                    <a:spcPct val="95000"/>
+                  </a:lnSpc>
+                </a:pPr>
+                <a14:m>
+                  <m:oMath xmlns:m="http://schemas.openxmlformats.org/officeDocument/2006/math">
+                    <m:r>
+                      <a:rPr lang="en-US" i="1">
+                        <a:latin typeface="Cambria Math" panose="02040503050406030204" pitchFamily="18" charset="0"/>
+                      </a:rPr>
+                      <m:t>𝜇</m:t>
+                    </m:r>
+                    <m:d>
+                      <m:dPr>
+                        <m:ctrlPr>
+                          <a:rPr lang="en-US" i="1">
+                            <a:latin typeface="Cambria Math" panose="02040503050406030204" pitchFamily="18" charset="0"/>
+                          </a:rPr>
+                        </m:ctrlPr>
+                      </m:dPr>
+                      <m:e>
+                        <m:r>
+                          <m:rPr>
+                            <m:sty m:val="p"/>
+                          </m:rPr>
+                          <a:rPr lang="el-GR" i="1">
+                            <a:solidFill>
+                              <a:srgbClr val="FF0000"/>
+                            </a:solidFill>
+                            <a:latin typeface="Cambria Math" panose="02040503050406030204" pitchFamily="18" charset="0"/>
+                            <a:ea typeface="Cambria Math" panose="02040503050406030204" pitchFamily="18" charset="0"/>
+                          </a:rPr>
+                          <m:t>Ω</m:t>
+                        </m:r>
+                      </m:e>
+                    </m:d>
+                    <m:r>
+                      <a:rPr lang="en-US" i="1">
+                        <a:latin typeface="Cambria Math" panose="02040503050406030204" pitchFamily="18" charset="0"/>
+                      </a:rPr>
+                      <m:t>=1</m:t>
+                    </m:r>
+                  </m:oMath>
+                </a14:m>
+                <a:r>
+                  <a:rPr lang="en-US" dirty="0"/>
+                  <a:t>.</a:t>
+                </a:r>
+              </a:p>
+              <a:p>
+                <a:pPr>
+                  <a:lnSpc>
+                    <a:spcPct val="95000"/>
+                  </a:lnSpc>
+                </a:pPr>
+                <a:r>
+                  <a:rPr lang="en-US" dirty="0"/>
+                  <a:t>For any event </a:t>
+                </a:r>
+                <a14:m>
+                  <m:oMath xmlns:m="http://schemas.openxmlformats.org/officeDocument/2006/math">
+                    <m:r>
+                      <a:rPr lang="en-US" i="1">
+                        <a:latin typeface="Cambria Math" panose="02040503050406030204" pitchFamily="18" charset="0"/>
+                      </a:rPr>
+                      <m:t>𝐸</m:t>
+                    </m:r>
+                  </m:oMath>
+                </a14:m>
+                <a:r>
+                  <a:rPr lang="en-US" dirty="0"/>
+                  <a:t>, </a:t>
+                </a:r>
+                <a:br>
+                  <a:rPr lang="en-US" dirty="0"/>
+                </a:br>
+                <a14:m>
+                  <m:oMath xmlns:m="http://schemas.openxmlformats.org/officeDocument/2006/math">
+                    <m:r>
+                      <a:rPr lang="en-US" i="1">
+                        <a:latin typeface="Cambria Math" panose="02040503050406030204" pitchFamily="18" charset="0"/>
+                      </a:rPr>
+                      <m:t>𝜇</m:t>
+                    </m:r>
+                    <m:d>
+                      <m:dPr>
+                        <m:ctrlPr>
+                          <a:rPr lang="en-US" i="1">
+                            <a:latin typeface="Cambria Math" panose="02040503050406030204" pitchFamily="18" charset="0"/>
+                          </a:rPr>
+                        </m:ctrlPr>
+                      </m:dPr>
+                      <m:e>
+                        <m:acc>
+                          <m:accPr>
+                            <m:chr m:val="̅"/>
+                            <m:ctrlPr>
+                              <a:rPr lang="en-US" i="1">
+                                <a:latin typeface="Cambria Math" panose="02040503050406030204" pitchFamily="18" charset="0"/>
+                              </a:rPr>
+                            </m:ctrlPr>
+                          </m:accPr>
+                          <m:e>
+                            <m:r>
+                              <a:rPr lang="en-US" i="1">
+                                <a:latin typeface="Cambria Math" panose="02040503050406030204" pitchFamily="18" charset="0"/>
+                              </a:rPr>
+                              <m:t>𝐸</m:t>
+                            </m:r>
+                          </m:e>
+                        </m:acc>
+                      </m:e>
+                    </m:d>
+                    <m:r>
+                      <a:rPr lang="en-US" i="1">
+                        <a:latin typeface="Cambria Math" panose="02040503050406030204" pitchFamily="18" charset="0"/>
+                      </a:rPr>
+                      <m:t>=1−</m:t>
+                    </m:r>
+                    <m:r>
+                      <a:rPr lang="en-US" i="1">
+                        <a:latin typeface="Cambria Math" panose="02040503050406030204" pitchFamily="18" charset="0"/>
+                      </a:rPr>
+                      <m:t>𝜇</m:t>
+                    </m:r>
+                    <m:d>
+                      <m:dPr>
+                        <m:ctrlPr>
+                          <a:rPr lang="en-US" i="1">
+                            <a:latin typeface="Cambria Math" panose="02040503050406030204" pitchFamily="18" charset="0"/>
+                          </a:rPr>
+                        </m:ctrlPr>
+                      </m:dPr>
+                      <m:e>
+                        <m:r>
+                          <a:rPr lang="en-US" i="1">
+                            <a:latin typeface="Cambria Math" panose="02040503050406030204" pitchFamily="18" charset="0"/>
+                          </a:rPr>
+                          <m:t>𝐸</m:t>
+                        </m:r>
+                      </m:e>
+                    </m:d>
+                    <m:r>
+                      <a:rPr lang="en-US" i="1">
+                        <a:latin typeface="Cambria Math" panose="02040503050406030204" pitchFamily="18" charset="0"/>
+                      </a:rPr>
+                      <m:t> .</m:t>
+                    </m:r>
+                  </m:oMath>
+                </a14:m>
+                <a:endParaRPr lang="en-US" dirty="0"/>
+              </a:p>
+              <a:p>
+                <a:pPr>
+                  <a:lnSpc>
+                    <a:spcPct val="95000"/>
+                  </a:lnSpc>
+                </a:pPr>
+                <a:r>
+                  <a:rPr lang="en-US" dirty="0"/>
+                  <a:t>For </a:t>
+                </a:r>
+                <a:r>
+                  <a:rPr lang="en-US" dirty="0">
+                    <a:solidFill>
+                      <a:srgbClr val="FF0000"/>
+                    </a:solidFill>
+                  </a:rPr>
+                  <a:t>disjoint</a:t>
+                </a:r>
+                <a:r>
+                  <a:rPr lang="en-US" dirty="0"/>
+                  <a:t> events </a:t>
+                </a:r>
+                <a14:m>
+                  <m:oMath xmlns:m="http://schemas.openxmlformats.org/officeDocument/2006/math">
+                    <m:sSub>
+                      <m:sSubPr>
+                        <m:ctrlPr>
+                          <a:rPr lang="en-US" i="1">
+                            <a:latin typeface="Cambria Math" panose="02040503050406030204" pitchFamily="18" charset="0"/>
+                          </a:rPr>
+                        </m:ctrlPr>
+                      </m:sSubPr>
+                      <m:e>
+                        <m:r>
+                          <a:rPr lang="en-US" i="1">
+                            <a:latin typeface="Cambria Math" panose="02040503050406030204" pitchFamily="18" charset="0"/>
+                          </a:rPr>
+                          <m:t>𝐸</m:t>
+                        </m:r>
+                      </m:e>
+                      <m:sub>
+                        <m:r>
+                          <a:rPr lang="en-US" i="1">
+                            <a:latin typeface="Cambria Math" panose="02040503050406030204" pitchFamily="18" charset="0"/>
+                          </a:rPr>
+                          <m:t>0</m:t>
+                        </m:r>
+                      </m:sub>
+                    </m:sSub>
+                  </m:oMath>
+                </a14:m>
+                <a:r>
+                  <a:rPr lang="en-US" dirty="0"/>
+                  <a:t> and </a:t>
+                </a:r>
+                <a14:m>
+                  <m:oMath xmlns:m="http://schemas.openxmlformats.org/officeDocument/2006/math">
+                    <m:sSub>
+                      <m:sSubPr>
+                        <m:ctrlPr>
+                          <a:rPr lang="en-US" i="1">
+                            <a:latin typeface="Cambria Math" panose="02040503050406030204" pitchFamily="18" charset="0"/>
+                          </a:rPr>
+                        </m:ctrlPr>
+                      </m:sSubPr>
+                      <m:e>
+                        <m:r>
+                          <a:rPr lang="en-US" i="1">
+                            <a:latin typeface="Cambria Math" panose="02040503050406030204" pitchFamily="18" charset="0"/>
+                          </a:rPr>
+                          <m:t>𝐸</m:t>
+                        </m:r>
+                      </m:e>
+                      <m:sub>
+                        <m:r>
+                          <a:rPr lang="en-US" i="1">
+                            <a:latin typeface="Cambria Math" panose="02040503050406030204" pitchFamily="18" charset="0"/>
+                          </a:rPr>
+                          <m:t>1</m:t>
+                        </m:r>
+                      </m:sub>
+                    </m:sSub>
+                  </m:oMath>
+                </a14:m>
+                <a:r>
+                  <a:rPr lang="en-US" dirty="0"/>
+                  <a:t> </a:t>
+                </a:r>
+                <a:br>
+                  <a:rPr lang="en-US" dirty="0"/>
+                </a:br>
+                <a:r>
+                  <a:rPr lang="en-US" dirty="0"/>
+                  <a:t>(</a:t>
+                </a:r>
+                <a14:m>
+                  <m:oMath xmlns:m="http://schemas.openxmlformats.org/officeDocument/2006/math">
+                    <m:sSub>
+                      <m:sSubPr>
+                        <m:ctrlPr>
+                          <a:rPr lang="en-US" i="1">
+                            <a:solidFill>
+                              <a:srgbClr val="FF0000"/>
+                            </a:solidFill>
+                            <a:latin typeface="Cambria Math" panose="02040503050406030204" pitchFamily="18" charset="0"/>
+                          </a:rPr>
+                        </m:ctrlPr>
+                      </m:sSubPr>
+                      <m:e>
+                        <m:r>
+                          <a:rPr lang="en-US" i="1">
+                            <a:solidFill>
+                              <a:srgbClr val="FF0000"/>
+                            </a:solidFill>
+                            <a:latin typeface="Cambria Math" panose="02040503050406030204" pitchFamily="18" charset="0"/>
+                          </a:rPr>
+                          <m:t>𝐸</m:t>
+                        </m:r>
+                      </m:e>
+                      <m:sub>
+                        <m:r>
+                          <a:rPr lang="en-US" i="1">
+                            <a:solidFill>
+                              <a:srgbClr val="FF0000"/>
+                            </a:solidFill>
+                            <a:latin typeface="Cambria Math" panose="02040503050406030204" pitchFamily="18" charset="0"/>
+                          </a:rPr>
+                          <m:t>0</m:t>
+                        </m:r>
+                      </m:sub>
+                    </m:sSub>
+                    <m:r>
+                      <a:rPr lang="en-US" i="1">
+                        <a:solidFill>
+                          <a:srgbClr val="FF0000"/>
+                        </a:solidFill>
+                        <a:latin typeface="Cambria Math" panose="02040503050406030204" pitchFamily="18" charset="0"/>
+                      </a:rPr>
+                      <m:t>∩</m:t>
+                    </m:r>
+                    <m:sSub>
+                      <m:sSubPr>
+                        <m:ctrlPr>
+                          <a:rPr lang="en-US" i="1">
+                            <a:solidFill>
+                              <a:srgbClr val="FF0000"/>
+                            </a:solidFill>
+                            <a:latin typeface="Cambria Math" panose="02040503050406030204" pitchFamily="18" charset="0"/>
+                          </a:rPr>
+                        </m:ctrlPr>
+                      </m:sSubPr>
+                      <m:e>
+                        <m:r>
+                          <a:rPr lang="en-US" i="1">
+                            <a:solidFill>
+                              <a:srgbClr val="FF0000"/>
+                            </a:solidFill>
+                            <a:latin typeface="Cambria Math" panose="02040503050406030204" pitchFamily="18" charset="0"/>
+                          </a:rPr>
+                          <m:t>𝐸</m:t>
+                        </m:r>
+                      </m:e>
+                      <m:sub>
+                        <m:r>
+                          <a:rPr lang="en-US" i="1">
+                            <a:solidFill>
+                              <a:srgbClr val="FF0000"/>
+                            </a:solidFill>
+                            <a:latin typeface="Cambria Math" panose="02040503050406030204" pitchFamily="18" charset="0"/>
+                          </a:rPr>
+                          <m:t>1</m:t>
+                        </m:r>
+                      </m:sub>
+                    </m:sSub>
+                    <m:r>
+                      <a:rPr lang="en-US" i="1">
+                        <a:solidFill>
+                          <a:srgbClr val="FF0000"/>
+                        </a:solidFill>
+                        <a:latin typeface="Cambria Math" panose="02040503050406030204" pitchFamily="18" charset="0"/>
+                      </a:rPr>
+                      <m:t>=</m:t>
+                    </m:r>
+                    <m:r>
+                      <a:rPr lang="en-US" i="1">
+                        <a:solidFill>
+                          <a:srgbClr val="FF0000"/>
+                        </a:solidFill>
+                        <a:latin typeface="Cambria Math" panose="02040503050406030204" pitchFamily="18" charset="0"/>
+                        <a:ea typeface="Cambria Math" panose="02040503050406030204" pitchFamily="18" charset="0"/>
+                      </a:rPr>
+                      <m:t>∅</m:t>
+                    </m:r>
+                  </m:oMath>
+                </a14:m>
+                <a:r>
+                  <a:rPr lang="en-US" dirty="0"/>
+                  <a:t>), </a:t>
+                </a:r>
+                <a:br>
+                  <a:rPr lang="en-US" dirty="0"/>
+                </a:br>
+                <a14:m>
+                  <m:oMath xmlns:m="http://schemas.openxmlformats.org/officeDocument/2006/math">
+                    <m:r>
+                      <a:rPr lang="en-US" i="1">
+                        <a:latin typeface="Cambria Math" panose="02040503050406030204" pitchFamily="18" charset="0"/>
+                      </a:rPr>
+                      <m:t>𝜇</m:t>
+                    </m:r>
+                    <m:d>
+                      <m:dPr>
+                        <m:ctrlPr>
+                          <a:rPr lang="en-US" i="1">
+                            <a:latin typeface="Cambria Math" panose="02040503050406030204" pitchFamily="18" charset="0"/>
+                          </a:rPr>
+                        </m:ctrlPr>
+                      </m:dPr>
+                      <m:e>
+                        <m:sSub>
+                          <m:sSubPr>
+                            <m:ctrlPr>
+                              <a:rPr lang="en-US" i="1">
+                                <a:latin typeface="Cambria Math" panose="02040503050406030204" pitchFamily="18" charset="0"/>
+                              </a:rPr>
+                            </m:ctrlPr>
+                          </m:sSubPr>
+                          <m:e>
+                            <m:r>
+                              <a:rPr lang="en-US" i="1">
+                                <a:latin typeface="Cambria Math" panose="02040503050406030204" pitchFamily="18" charset="0"/>
+                              </a:rPr>
+                              <m:t>𝐸</m:t>
+                            </m:r>
+                          </m:e>
+                          <m:sub>
+                            <m:r>
+                              <a:rPr lang="en-US" i="1">
+                                <a:latin typeface="Cambria Math" panose="02040503050406030204" pitchFamily="18" charset="0"/>
+                              </a:rPr>
+                              <m:t>0</m:t>
+                            </m:r>
+                          </m:sub>
+                        </m:sSub>
+                        <m:r>
+                          <a:rPr lang="en-US" i="1">
+                            <a:solidFill>
+                              <a:srgbClr val="FF0000"/>
+                            </a:solidFill>
+                            <a:latin typeface="Cambria Math" panose="02040503050406030204" pitchFamily="18" charset="0"/>
+                          </a:rPr>
+                          <m:t>∪</m:t>
+                        </m:r>
+                        <m:sSub>
+                          <m:sSubPr>
+                            <m:ctrlPr>
+                              <a:rPr lang="en-US" i="1">
+                                <a:latin typeface="Cambria Math" panose="02040503050406030204" pitchFamily="18" charset="0"/>
+                              </a:rPr>
+                            </m:ctrlPr>
+                          </m:sSubPr>
+                          <m:e>
+                            <m:r>
+                              <a:rPr lang="en-US" i="1">
+                                <a:latin typeface="Cambria Math" panose="02040503050406030204" pitchFamily="18" charset="0"/>
+                              </a:rPr>
+                              <m:t>𝐸</m:t>
+                            </m:r>
+                          </m:e>
+                          <m:sub>
+                            <m:r>
+                              <a:rPr lang="en-US" i="1">
+                                <a:latin typeface="Cambria Math" panose="02040503050406030204" pitchFamily="18" charset="0"/>
+                              </a:rPr>
+                              <m:t>1</m:t>
+                            </m:r>
+                          </m:sub>
+                        </m:sSub>
+                      </m:e>
+                    </m:d>
+                    <m:r>
+                      <a:rPr lang="en-US" i="1">
+                        <a:latin typeface="Cambria Math" panose="02040503050406030204" pitchFamily="18" charset="0"/>
+                      </a:rPr>
+                      <m:t>=</m:t>
+                    </m:r>
+                    <m:r>
+                      <a:rPr lang="en-US" i="1">
+                        <a:latin typeface="Cambria Math" panose="02040503050406030204" pitchFamily="18" charset="0"/>
+                      </a:rPr>
+                      <m:t>𝜇</m:t>
+                    </m:r>
+                    <m:d>
+                      <m:dPr>
+                        <m:ctrlPr>
+                          <a:rPr lang="en-US" i="1">
+                            <a:latin typeface="Cambria Math" panose="02040503050406030204" pitchFamily="18" charset="0"/>
+                          </a:rPr>
+                        </m:ctrlPr>
+                      </m:dPr>
+                      <m:e>
+                        <m:sSub>
+                          <m:sSubPr>
+                            <m:ctrlPr>
+                              <a:rPr lang="en-US" i="1">
+                                <a:latin typeface="Cambria Math" panose="02040503050406030204" pitchFamily="18" charset="0"/>
+                              </a:rPr>
+                            </m:ctrlPr>
+                          </m:sSubPr>
+                          <m:e>
+                            <m:r>
+                              <a:rPr lang="en-US" i="1">
+                                <a:latin typeface="Cambria Math" panose="02040503050406030204" pitchFamily="18" charset="0"/>
+                              </a:rPr>
+                              <m:t>𝐸</m:t>
+                            </m:r>
+                          </m:e>
+                          <m:sub>
+                            <m:r>
+                              <a:rPr lang="en-US" i="1">
+                                <a:latin typeface="Cambria Math" panose="02040503050406030204" pitchFamily="18" charset="0"/>
+                              </a:rPr>
+                              <m:t>0</m:t>
+                            </m:r>
+                          </m:sub>
+                        </m:sSub>
+                      </m:e>
+                    </m:d>
+                    <m:r>
+                      <a:rPr lang="en-US" i="1">
+                        <a:latin typeface="Cambria Math" panose="02040503050406030204" pitchFamily="18" charset="0"/>
+                      </a:rPr>
+                      <m:t>+</m:t>
+                    </m:r>
+                    <m:r>
+                      <a:rPr lang="en-US" i="1">
+                        <a:latin typeface="Cambria Math" panose="02040503050406030204" pitchFamily="18" charset="0"/>
+                      </a:rPr>
+                      <m:t>𝜇</m:t>
+                    </m:r>
+                    <m:d>
+                      <m:dPr>
+                        <m:ctrlPr>
+                          <a:rPr lang="en-US" i="1">
+                            <a:latin typeface="Cambria Math" panose="02040503050406030204" pitchFamily="18" charset="0"/>
+                          </a:rPr>
+                        </m:ctrlPr>
+                      </m:dPr>
+                      <m:e>
+                        <m:sSub>
+                          <m:sSubPr>
+                            <m:ctrlPr>
+                              <a:rPr lang="en-US" i="1">
+                                <a:latin typeface="Cambria Math" panose="02040503050406030204" pitchFamily="18" charset="0"/>
+                              </a:rPr>
+                            </m:ctrlPr>
+                          </m:sSubPr>
+                          <m:e>
+                            <m:r>
+                              <a:rPr lang="en-US" i="1">
+                                <a:latin typeface="Cambria Math" panose="02040503050406030204" pitchFamily="18" charset="0"/>
+                              </a:rPr>
+                              <m:t>𝐸</m:t>
+                            </m:r>
+                          </m:e>
+                          <m:sub>
+                            <m:r>
+                              <a:rPr lang="en-US" i="1">
+                                <a:latin typeface="Cambria Math" panose="02040503050406030204" pitchFamily="18" charset="0"/>
+                              </a:rPr>
+                              <m:t>1</m:t>
+                            </m:r>
+                          </m:sub>
+                        </m:sSub>
+                      </m:e>
+                    </m:d>
+                    <m:r>
+                      <a:rPr lang="en-US" i="1">
+                        <a:latin typeface="Cambria Math" panose="02040503050406030204" pitchFamily="18" charset="0"/>
+                      </a:rPr>
+                      <m:t> .</m:t>
+                    </m:r>
+                  </m:oMath>
+                </a14:m>
+                <a:endParaRPr lang="en-US" dirty="0"/>
+              </a:p>
+            </p:txBody>
+          </p:sp>
+        </mc:Choice>
+        <mc:Fallback xmlns="">
+          <p:sp>
+            <p:nvSpPr>
+              <p:cNvPr id="5" name="Content Placeholder 4">
+                <a:extLst>
+                  <a:ext uri="{FF2B5EF4-FFF2-40B4-BE49-F238E27FC236}">
+                    <a16:creationId xmlns:a16="http://schemas.microsoft.com/office/drawing/2014/main" id="{BF2B535F-A1B1-4A73-A7FF-8E5D362BBFD9}"/>
+                  </a:ext>
+                </a:extLst>
+              </p:cNvPr>
+              <p:cNvSpPr>
+                <a:spLocks noGrp="1" noRot="1" noChangeAspect="1" noMove="1" noResize="1" noEditPoints="1" noAdjustHandles="1" noChangeArrowheads="1" noChangeShapeType="1" noTextEdit="1"/>
+              </p:cNvSpPr>
+              <p:nvPr>
+                <p:ph sz="half" idx="2"/>
+              </p:nvPr>
+            </p:nvSpPr>
+            <p:spPr>
+              <a:xfrm>
+                <a:off x="763588" y="1858085"/>
+                <a:ext cx="5157787" cy="3684588"/>
+              </a:xfrm>
+              <a:blipFill>
+                <a:blip r:embed="rId2"/>
+                <a:stretch>
+                  <a:fillRect l="-1537"/>
+                </a:stretch>
+              </a:blipFill>
+            </p:spPr>
+            <p:txBody>
+              <a:bodyPr/>
+              <a:lstStyle/>
+              <a:p>
+                <a:r>
+                  <a:rPr lang="en-US">
+                    <a:noFill/>
+                  </a:rPr>
+                  <a:t> </a:t>
+                </a:r>
+              </a:p>
+            </p:txBody>
+          </p:sp>
+        </mc:Fallback>
+      </mc:AlternateContent>
+      <p:sp>
+        <p:nvSpPr>
+          <p:cNvPr id="6" name="Text Placeholder 5">
+            <a:extLst>
+              <a:ext uri="{FF2B5EF4-FFF2-40B4-BE49-F238E27FC236}">
+                <a16:creationId xmlns:a16="http://schemas.microsoft.com/office/drawing/2014/main" id="{8487C2F4-333B-4987-B890-D87138065004}"/>
+              </a:ext>
+            </a:extLst>
+          </p:cNvPr>
+          <p:cNvSpPr>
+            <a:spLocks noGrp="1"/>
+          </p:cNvSpPr>
+          <p:nvPr>
+            <p:ph type="body" sz="quarter" idx="3"/>
+          </p:nvPr>
+        </p:nvSpPr>
+        <p:spPr>
+          <a:xfrm>
+            <a:off x="6096000" y="1034173"/>
+            <a:ext cx="5183188" cy="823912"/>
+          </a:xfrm>
+        </p:spPr>
+        <p:txBody>
+          <a:bodyPr>
+            <a:normAutofit/>
+          </a:bodyPr>
+          <a:lstStyle/>
+          <a:p>
+            <a:r>
+              <a:rPr lang="en-US" dirty="0"/>
+              <a:t>Quantum Probability measure</a:t>
+            </a:r>
+            <a:endParaRPr lang="en-US" i="1" dirty="0">
+              <a:latin typeface="Cambria Math" panose="02040503050406030204" pitchFamily="18" charset="0"/>
+              <a:ea typeface="Cambria Math" panose="02040503050406030204" pitchFamily="18" charset="0"/>
+            </a:endParaRPr>
+          </a:p>
+        </p:txBody>
+      </p:sp>
+      <mc:AlternateContent xmlns:mc="http://schemas.openxmlformats.org/markup-compatibility/2006" xmlns:a14="http://schemas.microsoft.com/office/drawing/2010/main">
+        <mc:Choice Requires="a14">
+          <p:sp>
+            <p:nvSpPr>
+              <p:cNvPr id="7" name="Content Placeholder 6">
+                <a:extLst>
+                  <a:ext uri="{FF2B5EF4-FFF2-40B4-BE49-F238E27FC236}">
+                    <a16:creationId xmlns:a16="http://schemas.microsoft.com/office/drawing/2014/main" id="{C75BD9D8-9251-4CCB-BE0F-0D011B4A8172}"/>
+                  </a:ext>
+                </a:extLst>
+              </p:cNvPr>
+              <p:cNvSpPr>
+                <a:spLocks noGrp="1"/>
+              </p:cNvSpPr>
+              <p:nvPr>
+                <p:ph sz="quarter" idx="4"/>
+              </p:nvPr>
+            </p:nvSpPr>
+            <p:spPr>
+              <a:xfrm>
+                <a:off x="6096000" y="1858085"/>
+                <a:ext cx="5183188" cy="3684588"/>
+              </a:xfrm>
+            </p:spPr>
+            <p:txBody>
+              <a:bodyPr>
+                <a:normAutofit fontScale="85000" lnSpcReduction="20000"/>
+              </a:bodyPr>
+              <a:lstStyle/>
+              <a:p>
+                <a:pPr>
+                  <a:lnSpc>
+                    <a:spcPct val="100000"/>
+                  </a:lnSpc>
+                </a:pPr>
+                <a14:m>
+                  <m:oMath xmlns:m="http://schemas.openxmlformats.org/officeDocument/2006/math">
+                    <m:r>
+                      <a:rPr lang="en-US" i="1">
+                        <a:latin typeface="Cambria Math" panose="02040503050406030204" pitchFamily="18" charset="0"/>
+                      </a:rPr>
+                      <m:t>𝜇</m:t>
+                    </m:r>
+                    <m:r>
+                      <a:rPr lang="en-US" i="1">
+                        <a:latin typeface="Cambria Math" panose="02040503050406030204" pitchFamily="18" charset="0"/>
+                      </a:rPr>
+                      <m:t>:</m:t>
+                    </m:r>
+                    <m:r>
+                      <a:rPr lang="en-US" i="1">
+                        <a:latin typeface="Cambria Math" panose="02040503050406030204" pitchFamily="18" charset="0"/>
+                        <a:ea typeface="Cambria Math" panose="02040503050406030204" pitchFamily="18" charset="0"/>
+                      </a:rPr>
+                      <m:t>ℰ</m:t>
+                    </m:r>
+                    <m:r>
+                      <a:rPr lang="en-US">
+                        <a:latin typeface="Cambria Math" panose="02040503050406030204" pitchFamily="18" charset="0"/>
+                        <a:ea typeface="Cambria Math" panose="02040503050406030204" pitchFamily="18" charset="0"/>
+                      </a:rPr>
+                      <m:t>→</m:t>
+                    </m:r>
+                    <m:d>
+                      <m:dPr>
+                        <m:begChr m:val="["/>
+                        <m:endChr m:val="]"/>
+                        <m:ctrlPr>
+                          <a:rPr lang="en-US" i="1">
+                            <a:latin typeface="Cambria Math" panose="02040503050406030204" pitchFamily="18" charset="0"/>
+                            <a:ea typeface="Cambria Math" panose="02040503050406030204" pitchFamily="18" charset="0"/>
+                          </a:rPr>
+                        </m:ctrlPr>
+                      </m:dPr>
+                      <m:e>
+                        <m:r>
+                          <a:rPr lang="en-US" i="1">
+                            <a:latin typeface="Cambria Math" panose="02040503050406030204" pitchFamily="18" charset="0"/>
+                            <a:ea typeface="Cambria Math" panose="02040503050406030204" pitchFamily="18" charset="0"/>
+                          </a:rPr>
+                          <m:t>0,1</m:t>
+                        </m:r>
+                      </m:e>
+                    </m:d>
+                  </m:oMath>
+                </a14:m>
+                <a:endParaRPr lang="en-US" i="1" dirty="0">
+                  <a:solidFill>
+                    <a:srgbClr val="BF9000"/>
+                  </a:solidFill>
+                  <a:latin typeface="Cambria Math" panose="02040503050406030204" pitchFamily="18" charset="0"/>
+                  <a:ea typeface="Cambria Math" panose="02040503050406030204" pitchFamily="18" charset="0"/>
+                </a:endParaRPr>
+              </a:p>
+              <a:p>
+                <a:pPr>
+                  <a:lnSpc>
+                    <a:spcPct val="100000"/>
+                  </a:lnSpc>
+                </a:pPr>
+                <a14:m>
+                  <m:oMath xmlns:m="http://schemas.openxmlformats.org/officeDocument/2006/math">
+                    <m:r>
+                      <a:rPr lang="en-US" i="1">
+                        <a:latin typeface="Cambria Math" panose="02040503050406030204" pitchFamily="18" charset="0"/>
+                      </a:rPr>
+                      <m:t>𝜇</m:t>
+                    </m:r>
+                    <m:d>
+                      <m:dPr>
+                        <m:ctrlPr>
+                          <a:rPr lang="en-US" i="1">
+                            <a:latin typeface="Cambria Math" panose="02040503050406030204" pitchFamily="18" charset="0"/>
+                          </a:rPr>
+                        </m:ctrlPr>
+                      </m:dPr>
+                      <m:e>
+                        <m:r>
+                          <a:rPr lang="en-US" i="1">
+                            <a:solidFill>
+                              <a:srgbClr val="FF0000"/>
+                            </a:solidFill>
+                            <a:latin typeface="Cambria Math" panose="02040503050406030204" pitchFamily="18" charset="0"/>
+                          </a:rPr>
+                          <m:t>𝟘</m:t>
+                        </m:r>
+                      </m:e>
+                    </m:d>
+                    <m:r>
+                      <a:rPr lang="en-US" i="1">
+                        <a:latin typeface="Cambria Math" panose="02040503050406030204" pitchFamily="18" charset="0"/>
+                      </a:rPr>
+                      <m:t>=0</m:t>
+                    </m:r>
+                  </m:oMath>
+                </a14:m>
+                <a:r>
+                  <a:rPr lang="en-US" dirty="0"/>
+                  <a:t>, where </a:t>
+                </a:r>
+                <a14:m>
+                  <m:oMath xmlns:m="http://schemas.openxmlformats.org/officeDocument/2006/math">
+                    <m:r>
+                      <a:rPr lang="en-US" i="1">
+                        <a:solidFill>
+                          <a:srgbClr val="FF0000"/>
+                        </a:solidFill>
+                        <a:latin typeface="Cambria Math" panose="02040503050406030204" pitchFamily="18" charset="0"/>
+                      </a:rPr>
+                      <m:t>𝟘</m:t>
+                    </m:r>
+                  </m:oMath>
+                </a14:m>
+                <a:r>
+                  <a:rPr lang="en-US" dirty="0"/>
+                  <a:t> is the zero projector.</a:t>
+                </a:r>
+              </a:p>
+              <a:p>
+                <a:pPr>
+                  <a:lnSpc>
+                    <a:spcPct val="100000"/>
+                  </a:lnSpc>
+                </a:pPr>
+                <a14:m>
+                  <m:oMath xmlns:m="http://schemas.openxmlformats.org/officeDocument/2006/math">
+                    <m:r>
+                      <a:rPr lang="en-US" i="1">
+                        <a:latin typeface="Cambria Math" panose="02040503050406030204" pitchFamily="18" charset="0"/>
+                      </a:rPr>
+                      <m:t>𝜇</m:t>
+                    </m:r>
+                    <m:d>
+                      <m:dPr>
+                        <m:ctrlPr>
+                          <a:rPr lang="en-US" i="1">
+                            <a:latin typeface="Cambria Math" panose="02040503050406030204" pitchFamily="18" charset="0"/>
+                          </a:rPr>
+                        </m:ctrlPr>
+                      </m:dPr>
+                      <m:e>
+                        <m:r>
+                          <a:rPr lang="en-US" i="1">
+                            <a:solidFill>
+                              <a:srgbClr val="FF0000"/>
+                            </a:solidFill>
+                            <a:latin typeface="Cambria Math" panose="02040503050406030204" pitchFamily="18" charset="0"/>
+                          </a:rPr>
+                          <m:t>𝟙</m:t>
+                        </m:r>
+                      </m:e>
+                    </m:d>
+                    <m:r>
+                      <a:rPr lang="en-US" i="1">
+                        <a:latin typeface="Cambria Math" panose="02040503050406030204" pitchFamily="18" charset="0"/>
+                      </a:rPr>
+                      <m:t>=1</m:t>
+                    </m:r>
+                  </m:oMath>
+                </a14:m>
+                <a:r>
+                  <a:rPr lang="en-US" dirty="0"/>
+                  <a:t>, where </a:t>
+                </a:r>
+                <a14:m>
+                  <m:oMath xmlns:m="http://schemas.openxmlformats.org/officeDocument/2006/math">
+                    <m:r>
+                      <a:rPr lang="en-US" i="1">
+                        <a:solidFill>
+                          <a:srgbClr val="FF0000"/>
+                        </a:solidFill>
+                        <a:latin typeface="Cambria Math" panose="02040503050406030204" pitchFamily="18" charset="0"/>
+                      </a:rPr>
+                      <m:t>𝟙</m:t>
+                    </m:r>
+                  </m:oMath>
+                </a14:m>
+                <a:r>
+                  <a:rPr lang="en-US" dirty="0"/>
+                  <a:t> is the identity projector.</a:t>
+                </a:r>
+              </a:p>
+              <a:p>
+                <a:pPr>
+                  <a:lnSpc>
+                    <a:spcPct val="100000"/>
+                  </a:lnSpc>
+                </a:pPr>
+                <a:r>
+                  <a:rPr lang="en-US" dirty="0"/>
+                  <a:t>For any projector </a:t>
+                </a:r>
+                <a14:m>
+                  <m:oMath xmlns:m="http://schemas.openxmlformats.org/officeDocument/2006/math">
+                    <m:r>
+                      <a:rPr lang="en-US" i="1">
+                        <a:latin typeface="Cambria Math" panose="02040503050406030204" pitchFamily="18" charset="0"/>
+                      </a:rPr>
+                      <m:t>𝑃</m:t>
+                    </m:r>
+                  </m:oMath>
+                </a14:m>
+                <a:r>
+                  <a:rPr lang="en-US" dirty="0"/>
+                  <a:t>,</a:t>
+                </a:r>
+                <a:br>
+                  <a:rPr lang="en-US" i="1" dirty="0">
+                    <a:latin typeface="Cambria Math" panose="02040503050406030204" pitchFamily="18" charset="0"/>
+                  </a:rPr>
+                </a:br>
+                <a14:m>
+                  <m:oMath xmlns:m="http://schemas.openxmlformats.org/officeDocument/2006/math">
+                    <m:r>
+                      <a:rPr lang="en-US" i="1">
+                        <a:latin typeface="Cambria Math" panose="02040503050406030204" pitchFamily="18" charset="0"/>
+                      </a:rPr>
+                      <m:t>𝜇</m:t>
+                    </m:r>
+                    <m:d>
+                      <m:dPr>
+                        <m:ctrlPr>
+                          <a:rPr lang="en-US" i="1">
+                            <a:latin typeface="Cambria Math" panose="02040503050406030204" pitchFamily="18" charset="0"/>
+                          </a:rPr>
+                        </m:ctrlPr>
+                      </m:dPr>
+                      <m:e>
+                        <m:r>
+                          <a:rPr lang="en-US" i="1">
+                            <a:solidFill>
+                              <a:srgbClr val="FF0000"/>
+                            </a:solidFill>
+                            <a:latin typeface="Cambria Math" panose="02040503050406030204" pitchFamily="18" charset="0"/>
+                          </a:rPr>
+                          <m:t>𝟙</m:t>
+                        </m:r>
+                        <m:r>
+                          <a:rPr lang="en-US" i="1">
+                            <a:solidFill>
+                              <a:srgbClr val="FF0000"/>
+                            </a:solidFill>
+                            <a:latin typeface="Cambria Math" panose="02040503050406030204" pitchFamily="18" charset="0"/>
+                          </a:rPr>
+                          <m:t>−</m:t>
+                        </m:r>
+                        <m:r>
+                          <a:rPr lang="en-US" i="1">
+                            <a:latin typeface="Cambria Math" panose="02040503050406030204" pitchFamily="18" charset="0"/>
+                          </a:rPr>
+                          <m:t>𝑃</m:t>
+                        </m:r>
+                      </m:e>
+                    </m:d>
+                    <m:r>
+                      <a:rPr lang="en-US" i="1">
+                        <a:latin typeface="Cambria Math" panose="02040503050406030204" pitchFamily="18" charset="0"/>
+                      </a:rPr>
+                      <m:t>=1−</m:t>
+                    </m:r>
+                    <m:r>
+                      <a:rPr lang="en-US" i="1">
+                        <a:latin typeface="Cambria Math" panose="02040503050406030204" pitchFamily="18" charset="0"/>
+                      </a:rPr>
+                      <m:t>𝜇</m:t>
+                    </m:r>
+                    <m:d>
+                      <m:dPr>
+                        <m:ctrlPr>
+                          <a:rPr lang="en-US" i="1">
+                            <a:latin typeface="Cambria Math" panose="02040503050406030204" pitchFamily="18" charset="0"/>
+                          </a:rPr>
+                        </m:ctrlPr>
+                      </m:dPr>
+                      <m:e>
+                        <m:r>
+                          <a:rPr lang="en-US" i="1">
+                            <a:latin typeface="Cambria Math" panose="02040503050406030204" pitchFamily="18" charset="0"/>
+                          </a:rPr>
+                          <m:t>𝑃</m:t>
+                        </m:r>
+                      </m:e>
+                    </m:d>
+                    <m:r>
+                      <a:rPr lang="en-US" i="1">
+                        <a:latin typeface="Cambria Math" panose="02040503050406030204" pitchFamily="18" charset="0"/>
+                      </a:rPr>
+                      <m:t> .</m:t>
+                    </m:r>
+                  </m:oMath>
+                </a14:m>
+                <a:endParaRPr lang="en-US" dirty="0"/>
+              </a:p>
+              <a:p>
+                <a:pPr>
+                  <a:lnSpc>
+                    <a:spcPct val="100000"/>
+                  </a:lnSpc>
+                </a:pPr>
+                <a:r>
+                  <a:rPr lang="en-US" dirty="0"/>
+                  <a:t>For </a:t>
+                </a:r>
+                <a:r>
+                  <a:rPr lang="en-US" dirty="0">
+                    <a:solidFill>
+                      <a:srgbClr val="FF0000"/>
+                    </a:solidFill>
+                  </a:rPr>
+                  <a:t>orthogonal </a:t>
+                </a:r>
+                <a:r>
+                  <a:rPr lang="en-US" dirty="0"/>
+                  <a:t>projectors </a:t>
+                </a:r>
+                <a14:m>
+                  <m:oMath xmlns:m="http://schemas.openxmlformats.org/officeDocument/2006/math">
+                    <m:sSub>
+                      <m:sSubPr>
+                        <m:ctrlPr>
+                          <a:rPr lang="en-US" i="1">
+                            <a:latin typeface="Cambria Math" panose="02040503050406030204" pitchFamily="18" charset="0"/>
+                          </a:rPr>
+                        </m:ctrlPr>
+                      </m:sSubPr>
+                      <m:e>
+                        <m:r>
+                          <a:rPr lang="en-US" i="1">
+                            <a:latin typeface="Cambria Math" panose="02040503050406030204" pitchFamily="18" charset="0"/>
+                          </a:rPr>
+                          <m:t>𝑃</m:t>
+                        </m:r>
+                      </m:e>
+                      <m:sub>
+                        <m:r>
+                          <a:rPr lang="en-US" i="1">
+                            <a:latin typeface="Cambria Math" panose="02040503050406030204" pitchFamily="18" charset="0"/>
+                          </a:rPr>
+                          <m:t>0</m:t>
+                        </m:r>
+                      </m:sub>
+                    </m:sSub>
+                  </m:oMath>
+                </a14:m>
+                <a:r>
+                  <a:rPr lang="en-US" dirty="0"/>
+                  <a:t> and </a:t>
+                </a:r>
+                <a14:m>
+                  <m:oMath xmlns:m="http://schemas.openxmlformats.org/officeDocument/2006/math">
+                    <m:sSub>
+                      <m:sSubPr>
+                        <m:ctrlPr>
+                          <a:rPr lang="en-US" i="1">
+                            <a:latin typeface="Cambria Math" panose="02040503050406030204" pitchFamily="18" charset="0"/>
+                          </a:rPr>
+                        </m:ctrlPr>
+                      </m:sSubPr>
+                      <m:e>
+                        <m:r>
+                          <a:rPr lang="en-US" i="1">
+                            <a:latin typeface="Cambria Math" panose="02040503050406030204" pitchFamily="18" charset="0"/>
+                          </a:rPr>
+                          <m:t>𝑃</m:t>
+                        </m:r>
+                      </m:e>
+                      <m:sub>
+                        <m:r>
+                          <a:rPr lang="en-US" i="1">
+                            <a:latin typeface="Cambria Math" panose="02040503050406030204" pitchFamily="18" charset="0"/>
+                          </a:rPr>
+                          <m:t>1</m:t>
+                        </m:r>
+                      </m:sub>
+                    </m:sSub>
+                  </m:oMath>
+                </a14:m>
+                <a:r>
+                  <a:rPr lang="en-US" dirty="0"/>
+                  <a:t> </a:t>
+                </a:r>
+                <a:br>
+                  <a:rPr lang="en-US" dirty="0"/>
+                </a:br>
+                <a:r>
+                  <a:rPr lang="en-US" dirty="0"/>
+                  <a:t>(</a:t>
+                </a:r>
+                <a14:m>
+                  <m:oMath xmlns:m="http://schemas.openxmlformats.org/officeDocument/2006/math">
+                    <m:sSub>
+                      <m:sSubPr>
+                        <m:ctrlPr>
+                          <a:rPr lang="en-US" i="1">
+                            <a:solidFill>
+                              <a:srgbClr val="FF0000"/>
+                            </a:solidFill>
+                            <a:latin typeface="Cambria Math" panose="02040503050406030204" pitchFamily="18" charset="0"/>
+                          </a:rPr>
+                        </m:ctrlPr>
+                      </m:sSubPr>
+                      <m:e>
+                        <m:r>
+                          <a:rPr lang="en-US" i="1">
+                            <a:solidFill>
+                              <a:srgbClr val="FF0000"/>
+                            </a:solidFill>
+                            <a:latin typeface="Cambria Math" panose="02040503050406030204" pitchFamily="18" charset="0"/>
+                          </a:rPr>
+                          <m:t>𝑃</m:t>
+                        </m:r>
+                      </m:e>
+                      <m:sub>
+                        <m:r>
+                          <a:rPr lang="en-US" i="1">
+                            <a:solidFill>
+                              <a:srgbClr val="FF0000"/>
+                            </a:solidFill>
+                            <a:latin typeface="Cambria Math" panose="02040503050406030204" pitchFamily="18" charset="0"/>
+                          </a:rPr>
+                          <m:t>0</m:t>
+                        </m:r>
+                      </m:sub>
+                    </m:sSub>
+                    <m:sSub>
+                      <m:sSubPr>
+                        <m:ctrlPr>
+                          <a:rPr lang="en-US" i="1">
+                            <a:solidFill>
+                              <a:srgbClr val="FF0000"/>
+                            </a:solidFill>
+                            <a:latin typeface="Cambria Math" panose="02040503050406030204" pitchFamily="18" charset="0"/>
+                          </a:rPr>
+                        </m:ctrlPr>
+                      </m:sSubPr>
+                      <m:e>
+                        <m:r>
+                          <a:rPr lang="en-US" i="1">
+                            <a:solidFill>
+                              <a:srgbClr val="FF0000"/>
+                            </a:solidFill>
+                            <a:latin typeface="Cambria Math" panose="02040503050406030204" pitchFamily="18" charset="0"/>
+                          </a:rPr>
+                          <m:t>𝑃</m:t>
+                        </m:r>
+                      </m:e>
+                      <m:sub>
+                        <m:r>
+                          <a:rPr lang="en-US" i="1">
+                            <a:solidFill>
+                              <a:srgbClr val="FF0000"/>
+                            </a:solidFill>
+                            <a:latin typeface="Cambria Math" panose="02040503050406030204" pitchFamily="18" charset="0"/>
+                          </a:rPr>
+                          <m:t>1</m:t>
+                        </m:r>
+                      </m:sub>
+                    </m:sSub>
+                    <m:r>
+                      <a:rPr lang="en-US" i="1">
+                        <a:solidFill>
+                          <a:srgbClr val="FF0000"/>
+                        </a:solidFill>
+                        <a:latin typeface="Cambria Math" panose="02040503050406030204" pitchFamily="18" charset="0"/>
+                      </a:rPr>
+                      <m:t>=</m:t>
+                    </m:r>
+                    <m:r>
+                      <a:rPr lang="en-US" i="1">
+                        <a:solidFill>
+                          <a:srgbClr val="FF0000"/>
+                        </a:solidFill>
+                        <a:latin typeface="Cambria Math" panose="02040503050406030204" pitchFamily="18" charset="0"/>
+                      </a:rPr>
+                      <m:t>𝟘</m:t>
+                    </m:r>
+                  </m:oMath>
+                </a14:m>
+                <a:r>
+                  <a:rPr lang="en-US" dirty="0"/>
+                  <a:t>), </a:t>
+                </a:r>
+                <a:br>
+                  <a:rPr lang="en-US" dirty="0"/>
+                </a:br>
+                <a14:m>
+                  <m:oMath xmlns:m="http://schemas.openxmlformats.org/officeDocument/2006/math">
+                    <m:r>
+                      <a:rPr lang="en-US" i="1">
+                        <a:latin typeface="Cambria Math" panose="02040503050406030204" pitchFamily="18" charset="0"/>
+                      </a:rPr>
+                      <m:t>𝜇</m:t>
+                    </m:r>
+                    <m:d>
+                      <m:dPr>
+                        <m:ctrlPr>
+                          <a:rPr lang="en-US" i="1">
+                            <a:latin typeface="Cambria Math" panose="02040503050406030204" pitchFamily="18" charset="0"/>
+                          </a:rPr>
+                        </m:ctrlPr>
+                      </m:dPr>
+                      <m:e>
+                        <m:sSub>
+                          <m:sSubPr>
+                            <m:ctrlPr>
+                              <a:rPr lang="en-US" i="1">
+                                <a:latin typeface="Cambria Math" panose="02040503050406030204" pitchFamily="18" charset="0"/>
+                              </a:rPr>
+                            </m:ctrlPr>
+                          </m:sSubPr>
+                          <m:e>
+                            <m:r>
+                              <a:rPr lang="en-US" i="1">
+                                <a:latin typeface="Cambria Math" panose="02040503050406030204" pitchFamily="18" charset="0"/>
+                              </a:rPr>
+                              <m:t>𝑃</m:t>
+                            </m:r>
+                          </m:e>
+                          <m:sub>
+                            <m:r>
+                              <a:rPr lang="en-US" i="1">
+                                <a:latin typeface="Cambria Math" panose="02040503050406030204" pitchFamily="18" charset="0"/>
+                              </a:rPr>
+                              <m:t>0</m:t>
+                            </m:r>
+                          </m:sub>
+                        </m:sSub>
+                        <m:r>
+                          <a:rPr lang="en-US" i="1">
+                            <a:solidFill>
+                              <a:srgbClr val="FF0000"/>
+                            </a:solidFill>
+                            <a:latin typeface="Cambria Math" panose="02040503050406030204" pitchFamily="18" charset="0"/>
+                          </a:rPr>
+                          <m:t>+</m:t>
+                        </m:r>
+                        <m:sSub>
+                          <m:sSubPr>
+                            <m:ctrlPr>
+                              <a:rPr lang="en-US" i="1">
+                                <a:latin typeface="Cambria Math" panose="02040503050406030204" pitchFamily="18" charset="0"/>
+                              </a:rPr>
+                            </m:ctrlPr>
+                          </m:sSubPr>
+                          <m:e>
+                            <m:r>
+                              <a:rPr lang="en-US" i="1">
+                                <a:latin typeface="Cambria Math" panose="02040503050406030204" pitchFamily="18" charset="0"/>
+                              </a:rPr>
+                              <m:t>𝑃</m:t>
+                            </m:r>
+                          </m:e>
+                          <m:sub>
+                            <m:r>
+                              <a:rPr lang="en-US" i="1">
+                                <a:latin typeface="Cambria Math" panose="02040503050406030204" pitchFamily="18" charset="0"/>
+                              </a:rPr>
+                              <m:t>1</m:t>
+                            </m:r>
+                          </m:sub>
+                        </m:sSub>
+                      </m:e>
+                    </m:d>
+                    <m:r>
+                      <a:rPr lang="en-US" i="1">
+                        <a:latin typeface="Cambria Math" panose="02040503050406030204" pitchFamily="18" charset="0"/>
+                      </a:rPr>
+                      <m:t>=</m:t>
+                    </m:r>
+                    <m:r>
+                      <a:rPr lang="en-US" i="1">
+                        <a:latin typeface="Cambria Math" panose="02040503050406030204" pitchFamily="18" charset="0"/>
+                      </a:rPr>
+                      <m:t>𝜇</m:t>
+                    </m:r>
+                    <m:d>
+                      <m:dPr>
+                        <m:ctrlPr>
+                          <a:rPr lang="en-US" i="1">
+                            <a:latin typeface="Cambria Math" panose="02040503050406030204" pitchFamily="18" charset="0"/>
+                          </a:rPr>
+                        </m:ctrlPr>
+                      </m:dPr>
+                      <m:e>
+                        <m:sSub>
+                          <m:sSubPr>
+                            <m:ctrlPr>
+                              <a:rPr lang="en-US" i="1">
+                                <a:latin typeface="Cambria Math" panose="02040503050406030204" pitchFamily="18" charset="0"/>
+                              </a:rPr>
+                            </m:ctrlPr>
+                          </m:sSubPr>
+                          <m:e>
+                            <m:r>
+                              <a:rPr lang="en-US" i="1">
+                                <a:latin typeface="Cambria Math" panose="02040503050406030204" pitchFamily="18" charset="0"/>
+                              </a:rPr>
+                              <m:t>𝑃</m:t>
+                            </m:r>
+                          </m:e>
+                          <m:sub>
+                            <m:r>
+                              <a:rPr lang="en-US" i="1">
+                                <a:latin typeface="Cambria Math" panose="02040503050406030204" pitchFamily="18" charset="0"/>
+                              </a:rPr>
+                              <m:t>0</m:t>
+                            </m:r>
+                          </m:sub>
+                        </m:sSub>
+                      </m:e>
+                    </m:d>
+                    <m:r>
+                      <a:rPr lang="en-US" i="1">
+                        <a:latin typeface="Cambria Math" panose="02040503050406030204" pitchFamily="18" charset="0"/>
+                      </a:rPr>
+                      <m:t>+</m:t>
+                    </m:r>
+                    <m:r>
+                      <a:rPr lang="en-US" i="1">
+                        <a:latin typeface="Cambria Math" panose="02040503050406030204" pitchFamily="18" charset="0"/>
+                      </a:rPr>
+                      <m:t>𝜇</m:t>
+                    </m:r>
+                    <m:d>
+                      <m:dPr>
+                        <m:ctrlPr>
+                          <a:rPr lang="en-US" i="1">
+                            <a:latin typeface="Cambria Math" panose="02040503050406030204" pitchFamily="18" charset="0"/>
+                          </a:rPr>
+                        </m:ctrlPr>
+                      </m:dPr>
+                      <m:e>
+                        <m:sSub>
+                          <m:sSubPr>
+                            <m:ctrlPr>
+                              <a:rPr lang="en-US" i="1">
+                                <a:latin typeface="Cambria Math" panose="02040503050406030204" pitchFamily="18" charset="0"/>
+                              </a:rPr>
+                            </m:ctrlPr>
+                          </m:sSubPr>
+                          <m:e>
+                            <m:r>
+                              <a:rPr lang="en-US" i="1">
+                                <a:latin typeface="Cambria Math" panose="02040503050406030204" pitchFamily="18" charset="0"/>
+                              </a:rPr>
+                              <m:t>𝑃</m:t>
+                            </m:r>
+                          </m:e>
+                          <m:sub>
+                            <m:r>
+                              <a:rPr lang="en-US" i="1">
+                                <a:latin typeface="Cambria Math" panose="02040503050406030204" pitchFamily="18" charset="0"/>
+                              </a:rPr>
+                              <m:t>1</m:t>
+                            </m:r>
+                          </m:sub>
+                        </m:sSub>
+                      </m:e>
+                    </m:d>
+                    <m:r>
+                      <a:rPr lang="en-US" i="1">
+                        <a:latin typeface="Cambria Math" panose="02040503050406030204" pitchFamily="18" charset="0"/>
+                      </a:rPr>
+                      <m:t> .</m:t>
+                    </m:r>
+                  </m:oMath>
+                </a14:m>
+                <a:br>
+                  <a:rPr lang="en-US" dirty="0"/>
+                </a:br>
+                <a:endParaRPr lang="en-US" dirty="0"/>
+              </a:p>
+            </p:txBody>
+          </p:sp>
+        </mc:Choice>
+        <mc:Fallback xmlns="">
+          <p:sp>
+            <p:nvSpPr>
+              <p:cNvPr id="7" name="Content Placeholder 6">
+                <a:extLst>
+                  <a:ext uri="{FF2B5EF4-FFF2-40B4-BE49-F238E27FC236}">
+                    <a16:creationId xmlns:a16="http://schemas.microsoft.com/office/drawing/2014/main" id="{C75BD9D8-9251-4CCB-BE0F-0D011B4A8172}"/>
+                  </a:ext>
+                </a:extLst>
+              </p:cNvPr>
+              <p:cNvSpPr>
+                <a:spLocks noGrp="1" noRot="1" noChangeAspect="1" noMove="1" noResize="1" noEditPoints="1" noAdjustHandles="1" noChangeArrowheads="1" noChangeShapeType="1" noTextEdit="1"/>
+              </p:cNvSpPr>
+              <p:nvPr>
+                <p:ph sz="quarter" idx="4"/>
+              </p:nvPr>
+            </p:nvSpPr>
+            <p:spPr>
+              <a:xfrm>
+                <a:off x="6096000" y="1858085"/>
+                <a:ext cx="5183188" cy="3684588"/>
+              </a:xfrm>
+              <a:blipFill>
+                <a:blip r:embed="rId3"/>
+                <a:stretch>
+                  <a:fillRect l="-1529" t="-497"/>
+                </a:stretch>
+              </a:blipFill>
+            </p:spPr>
+            <p:txBody>
+              <a:bodyPr/>
+              <a:lstStyle/>
+              <a:p>
+                <a:r>
+                  <a:rPr lang="en-US">
+                    <a:noFill/>
+                  </a:rPr>
+                  <a:t> </a:t>
+                </a:r>
+              </a:p>
+            </p:txBody>
+          </p:sp>
+        </mc:Fallback>
+      </mc:AlternateContent>
+      <mc:AlternateContent xmlns:mc="http://schemas.openxmlformats.org/markup-compatibility/2006" xmlns:a14="http://schemas.microsoft.com/office/drawing/2010/main">
+        <mc:Choice Requires="a14">
+          <p:sp>
+            <p:nvSpPr>
+              <p:cNvPr id="8" name="Title 1">
+                <a:extLst>
+                  <a:ext uri="{FF2B5EF4-FFF2-40B4-BE49-F238E27FC236}">
+                    <a16:creationId xmlns:a16="http://schemas.microsoft.com/office/drawing/2014/main" id="{CE51F895-B79B-4090-AB6F-47C7A454D373}"/>
+                  </a:ext>
+                </a:extLst>
+              </p:cNvPr>
+              <p:cNvSpPr txBox="1">
+                <a:spLocks/>
+              </p:cNvSpPr>
+              <p:nvPr/>
+            </p:nvSpPr>
+            <p:spPr>
+              <a:xfrm>
+                <a:off x="663575" y="5464091"/>
+                <a:ext cx="10515600" cy="1325563"/>
+              </a:xfrm>
+              <a:prstGeom prst="rect">
+                <a:avLst/>
+              </a:prstGeom>
+            </p:spPr>
+            <p:txBody>
+              <a:bodyPr vert="horz" lIns="91440" tIns="45720" rIns="91440" bIns="45720" rtlCol="0" anchor="ctr">
+                <a:normAutofit fontScale="62500" lnSpcReduction="20000"/>
+              </a:bodyPr>
+              <a:lstStyle>
+                <a:lvl1pPr algn="l" defTabSz="914400" rtl="0" eaLnBrk="1" latinLnBrk="0" hangingPunct="1">
+                  <a:lnSpc>
+                    <a:spcPct val="90000"/>
+                  </a:lnSpc>
+                  <a:spcBef>
+                    <a:spcPct val="0"/>
+                  </a:spcBef>
+                  <a:buNone/>
+                  <a:defRPr sz="4400" kern="1200">
+                    <a:solidFill>
+                      <a:schemeClr val="tx1"/>
+                    </a:solidFill>
+                    <a:latin typeface="+mj-lt"/>
+                    <a:ea typeface="+mj-ea"/>
+                    <a:cs typeface="+mj-cs"/>
+                  </a:defRPr>
+                </a:lvl1pPr>
+              </a:lstStyle>
+              <a:p>
+                <a:r>
+                  <a:rPr lang="en-US" dirty="0"/>
+                  <a:t>Fix an orthonormal basis </a:t>
+                </a:r>
+                <a14:m>
+                  <m:oMath xmlns:m="http://schemas.openxmlformats.org/officeDocument/2006/math">
+                    <m:r>
+                      <m:rPr>
+                        <m:sty m:val="p"/>
+                      </m:rPr>
+                      <a:rPr lang="en-US" b="0" i="0" smtClean="0">
+                        <a:latin typeface="Cambria Math" panose="02040503050406030204" pitchFamily="18" charset="0"/>
+                      </a:rPr>
+                      <m:t>Ω</m:t>
+                    </m:r>
+                  </m:oMath>
+                </a14:m>
+                <a:r>
+                  <a:rPr lang="en-US" dirty="0"/>
+                  <a:t>, consider the restricted </a:t>
+                </a:r>
+                <a14:m>
+                  <m:oMath xmlns:m="http://schemas.openxmlformats.org/officeDocument/2006/math">
+                    <m:r>
+                      <a:rPr lang="en-US" b="0" i="1" smtClean="0">
+                        <a:latin typeface="Cambria Math" panose="02040503050406030204" pitchFamily="18" charset="0"/>
+                      </a:rPr>
+                      <m:t>𝜑</m:t>
+                    </m:r>
+                    <m:r>
+                      <a:rPr lang="en-US" b="0" i="1" smtClean="0">
+                        <a:latin typeface="Cambria Math" panose="02040503050406030204" pitchFamily="18" charset="0"/>
+                      </a:rPr>
+                      <m:t>:</m:t>
+                    </m:r>
+                    <m:sSup>
+                      <m:sSupPr>
+                        <m:ctrlPr>
+                          <a:rPr lang="en-US" b="0" i="1" smtClean="0">
+                            <a:latin typeface="Cambria Math" panose="02040503050406030204" pitchFamily="18" charset="0"/>
+                          </a:rPr>
+                        </m:ctrlPr>
+                      </m:sSupPr>
+                      <m:e>
+                        <m:r>
+                          <a:rPr lang="en-US" b="0" i="1" smtClean="0">
+                            <a:latin typeface="Cambria Math" panose="02040503050406030204" pitchFamily="18" charset="0"/>
+                          </a:rPr>
+                          <m:t>2</m:t>
+                        </m:r>
+                      </m:e>
+                      <m:sup>
+                        <m:r>
+                          <m:rPr>
+                            <m:sty m:val="p"/>
+                          </m:rPr>
+                          <a:rPr lang="en-US" b="0" i="0" smtClean="0">
+                            <a:latin typeface="Cambria Math" panose="02040503050406030204" pitchFamily="18" charset="0"/>
+                          </a:rPr>
+                          <m:t>Ω</m:t>
+                        </m:r>
+                      </m:sup>
+                    </m:sSup>
+                    <m:r>
+                      <a:rPr lang="en-US" b="0" i="1" smtClean="0">
+                        <a:latin typeface="Cambria Math" panose="02040503050406030204" pitchFamily="18" charset="0"/>
+                      </a:rPr>
+                      <m:t>→</m:t>
+                    </m:r>
+                    <m:r>
+                      <a:rPr lang="en-US" i="1">
+                        <a:latin typeface="Cambria Math" panose="02040503050406030204" pitchFamily="18" charset="0"/>
+                        <a:ea typeface="Cambria Math" panose="02040503050406030204" pitchFamily="18" charset="0"/>
+                      </a:rPr>
+                      <m:t>ℰ</m:t>
+                    </m:r>
+                  </m:oMath>
+                </a14:m>
+                <a:r>
+                  <a:rPr lang="en-US" dirty="0"/>
+                  <a:t>. Then, </a:t>
+                </a:r>
+                <a14:m>
+                  <m:oMath xmlns:m="http://schemas.openxmlformats.org/officeDocument/2006/math">
+                    <m:sSup>
+                      <m:sSupPr>
+                        <m:ctrlPr>
+                          <a:rPr lang="en-US" b="0" i="1" smtClean="0">
+                            <a:latin typeface="Cambria Math" panose="02040503050406030204" pitchFamily="18" charset="0"/>
+                          </a:rPr>
+                        </m:ctrlPr>
+                      </m:sSupPr>
+                      <m:e>
+                        <m:r>
+                          <a:rPr lang="en-US" b="0" i="1" smtClean="0">
+                            <a:latin typeface="Cambria Math" panose="02040503050406030204" pitchFamily="18" charset="0"/>
+                          </a:rPr>
+                          <m:t>𝜑</m:t>
+                        </m:r>
+                      </m:e>
+                      <m:sup>
+                        <m:r>
+                          <a:rPr lang="en-US" b="0" i="1" smtClean="0">
+                            <a:latin typeface="Cambria Math" panose="02040503050406030204" pitchFamily="18" charset="0"/>
+                          </a:rPr>
+                          <m:t>∗</m:t>
+                        </m:r>
+                      </m:sup>
+                    </m:sSup>
+                    <m:r>
+                      <a:rPr lang="en-US" b="0" i="1" smtClean="0">
+                        <a:latin typeface="Cambria Math" panose="02040503050406030204" pitchFamily="18" charset="0"/>
+                      </a:rPr>
+                      <m:t>𝜇</m:t>
+                    </m:r>
+                    <m:r>
+                      <a:rPr lang="en-US" b="0" i="1" smtClean="0">
+                        <a:latin typeface="Cambria Math" panose="02040503050406030204" pitchFamily="18" charset="0"/>
+                      </a:rPr>
+                      <m:t>:</m:t>
+                    </m:r>
+                    <m:sSup>
+                      <m:sSupPr>
+                        <m:ctrlPr>
+                          <a:rPr lang="en-US" i="1">
+                            <a:latin typeface="Cambria Math" panose="02040503050406030204" pitchFamily="18" charset="0"/>
+                          </a:rPr>
+                        </m:ctrlPr>
+                      </m:sSupPr>
+                      <m:e>
+                        <m:r>
+                          <a:rPr lang="en-US" i="1">
+                            <a:latin typeface="Cambria Math" panose="02040503050406030204" pitchFamily="18" charset="0"/>
+                          </a:rPr>
+                          <m:t>2</m:t>
+                        </m:r>
+                      </m:e>
+                      <m:sup>
+                        <m:r>
+                          <m:rPr>
+                            <m:sty m:val="p"/>
+                          </m:rPr>
+                          <a:rPr lang="en-US">
+                            <a:latin typeface="Cambria Math" panose="02040503050406030204" pitchFamily="18" charset="0"/>
+                          </a:rPr>
+                          <m:t>Ω</m:t>
+                        </m:r>
+                      </m:sup>
+                    </m:sSup>
+                    <m:r>
+                      <a:rPr lang="en-US" i="1">
+                        <a:latin typeface="Cambria Math" panose="02040503050406030204" pitchFamily="18" charset="0"/>
+                      </a:rPr>
+                      <m:t>→</m:t>
+                    </m:r>
+                    <m:d>
+                      <m:dPr>
+                        <m:begChr m:val="["/>
+                        <m:endChr m:val="]"/>
+                        <m:ctrlPr>
+                          <a:rPr lang="en-US" b="0" i="1" smtClean="0">
+                            <a:latin typeface="Cambria Math" panose="02040503050406030204" pitchFamily="18" charset="0"/>
+                          </a:rPr>
+                        </m:ctrlPr>
+                      </m:dPr>
+                      <m:e>
+                        <m:r>
+                          <a:rPr lang="en-US" b="0" i="1" smtClean="0">
+                            <a:latin typeface="Cambria Math" panose="02040503050406030204" pitchFamily="18" charset="0"/>
+                          </a:rPr>
+                          <m:t>0,1</m:t>
+                        </m:r>
+                      </m:e>
+                    </m:d>
+                  </m:oMath>
+                </a14:m>
+                <a:r>
+                  <a:rPr lang="en-US" dirty="0"/>
+                  <a:t> defined by </a:t>
+                </a:r>
+                <a14:m>
+                  <m:oMath xmlns:m="http://schemas.openxmlformats.org/officeDocument/2006/math">
+                    <m:d>
+                      <m:dPr>
+                        <m:ctrlPr>
+                          <a:rPr lang="en-US" b="0" i="1" smtClean="0">
+                            <a:latin typeface="Cambria Math" panose="02040503050406030204" pitchFamily="18" charset="0"/>
+                          </a:rPr>
+                        </m:ctrlPr>
+                      </m:dPr>
+                      <m:e>
+                        <m:sSup>
+                          <m:sSupPr>
+                            <m:ctrlPr>
+                              <a:rPr lang="en-US" b="0" i="1" smtClean="0">
+                                <a:latin typeface="Cambria Math" panose="02040503050406030204" pitchFamily="18" charset="0"/>
+                              </a:rPr>
+                            </m:ctrlPr>
+                          </m:sSupPr>
+                          <m:e>
+                            <m:r>
+                              <a:rPr lang="en-US" b="0" i="1" smtClean="0">
+                                <a:latin typeface="Cambria Math" panose="02040503050406030204" pitchFamily="18" charset="0"/>
+                              </a:rPr>
+                              <m:t>𝜑</m:t>
+                            </m:r>
+                          </m:e>
+                          <m:sup>
+                            <m:r>
+                              <a:rPr lang="en-US" b="0" i="1" smtClean="0">
+                                <a:latin typeface="Cambria Math" panose="02040503050406030204" pitchFamily="18" charset="0"/>
+                              </a:rPr>
+                              <m:t>∗</m:t>
+                            </m:r>
+                          </m:sup>
+                        </m:sSup>
+                        <m:r>
+                          <a:rPr lang="en-US" b="0" i="1" smtClean="0">
+                            <a:latin typeface="Cambria Math" panose="02040503050406030204" pitchFamily="18" charset="0"/>
+                          </a:rPr>
+                          <m:t>𝜇</m:t>
+                        </m:r>
+                      </m:e>
+                    </m:d>
+                    <m:d>
+                      <m:dPr>
+                        <m:ctrlPr>
+                          <a:rPr lang="en-US" b="0" i="1" smtClean="0">
+                            <a:latin typeface="Cambria Math" panose="02040503050406030204" pitchFamily="18" charset="0"/>
+                          </a:rPr>
+                        </m:ctrlPr>
+                      </m:dPr>
+                      <m:e>
+                        <m:r>
+                          <a:rPr lang="en-US" b="0" i="1" smtClean="0">
+                            <a:latin typeface="Cambria Math" panose="02040503050406030204" pitchFamily="18" charset="0"/>
+                          </a:rPr>
+                          <m:t>𝐸</m:t>
+                        </m:r>
+                      </m:e>
+                    </m:d>
+                    <m:r>
+                      <a:rPr lang="en-US" b="0" i="1" smtClean="0">
+                        <a:latin typeface="Cambria Math" panose="02040503050406030204" pitchFamily="18" charset="0"/>
+                      </a:rPr>
+                      <m:t>=</m:t>
+                    </m:r>
+                    <m:r>
+                      <a:rPr lang="en-US" b="0" i="1" smtClean="0">
+                        <a:latin typeface="Cambria Math" panose="02040503050406030204" pitchFamily="18" charset="0"/>
+                      </a:rPr>
+                      <m:t>𝜇</m:t>
+                    </m:r>
+                    <m:d>
+                      <m:dPr>
+                        <m:ctrlPr>
+                          <a:rPr lang="en-US" b="0" i="1" smtClean="0">
+                            <a:latin typeface="Cambria Math" panose="02040503050406030204" pitchFamily="18" charset="0"/>
+                          </a:rPr>
+                        </m:ctrlPr>
+                      </m:dPr>
+                      <m:e>
+                        <m:r>
+                          <a:rPr lang="en-US" b="0" i="1" smtClean="0">
+                            <a:latin typeface="Cambria Math" panose="02040503050406030204" pitchFamily="18" charset="0"/>
+                          </a:rPr>
+                          <m:t>𝜑</m:t>
+                        </m:r>
+                        <m:d>
+                          <m:dPr>
+                            <m:ctrlPr>
+                              <a:rPr lang="en-US" b="0" i="1" smtClean="0">
+                                <a:latin typeface="Cambria Math" panose="02040503050406030204" pitchFamily="18" charset="0"/>
+                              </a:rPr>
+                            </m:ctrlPr>
+                          </m:dPr>
+                          <m:e>
+                            <m:r>
+                              <a:rPr lang="en-US" b="0" i="1" smtClean="0">
+                                <a:latin typeface="Cambria Math" panose="02040503050406030204" pitchFamily="18" charset="0"/>
+                              </a:rPr>
+                              <m:t>𝐸</m:t>
+                            </m:r>
+                          </m:e>
+                        </m:d>
+                      </m:e>
+                    </m:d>
+                  </m:oMath>
+                </a14:m>
+                <a:r>
+                  <a:rPr lang="en-US" dirty="0"/>
+                  <a:t> is a classical probability measure and called the pullback of </a:t>
+                </a:r>
+                <a14:m>
+                  <m:oMath xmlns:m="http://schemas.openxmlformats.org/officeDocument/2006/math">
+                    <m:r>
+                      <a:rPr lang="en-US" b="0" i="1" smtClean="0">
+                        <a:latin typeface="Cambria Math" panose="02040503050406030204" pitchFamily="18" charset="0"/>
+                      </a:rPr>
+                      <m:t>𝜇</m:t>
+                    </m:r>
+                  </m:oMath>
+                </a14:m>
+                <a:r>
+                  <a:rPr lang="en-US" dirty="0"/>
+                  <a:t> by </a:t>
+                </a:r>
+                <a14:m>
+                  <m:oMath xmlns:m="http://schemas.openxmlformats.org/officeDocument/2006/math">
+                    <m:r>
+                      <a:rPr lang="en-US" i="1">
+                        <a:latin typeface="Cambria Math" panose="02040503050406030204" pitchFamily="18" charset="0"/>
+                      </a:rPr>
+                      <m:t>𝜑</m:t>
+                    </m:r>
+                    <m:r>
+                      <a:rPr lang="en-US" i="1">
+                        <a:latin typeface="Cambria Math" panose="02040503050406030204" pitchFamily="18" charset="0"/>
+                      </a:rPr>
+                      <m:t>:</m:t>
+                    </m:r>
+                    <m:sSup>
+                      <m:sSupPr>
+                        <m:ctrlPr>
+                          <a:rPr lang="en-US" i="1">
+                            <a:latin typeface="Cambria Math" panose="02040503050406030204" pitchFamily="18" charset="0"/>
+                          </a:rPr>
+                        </m:ctrlPr>
+                      </m:sSupPr>
+                      <m:e>
+                        <m:r>
+                          <a:rPr lang="en-US" i="1">
+                            <a:latin typeface="Cambria Math" panose="02040503050406030204" pitchFamily="18" charset="0"/>
+                          </a:rPr>
+                          <m:t>2</m:t>
+                        </m:r>
+                      </m:e>
+                      <m:sup>
+                        <m:r>
+                          <m:rPr>
+                            <m:sty m:val="p"/>
+                          </m:rPr>
+                          <a:rPr lang="en-US">
+                            <a:latin typeface="Cambria Math" panose="02040503050406030204" pitchFamily="18" charset="0"/>
+                          </a:rPr>
+                          <m:t>Ω</m:t>
+                        </m:r>
+                      </m:sup>
+                    </m:sSup>
+                    <m:r>
+                      <a:rPr lang="en-US" i="1">
+                        <a:latin typeface="Cambria Math" panose="02040503050406030204" pitchFamily="18" charset="0"/>
+                      </a:rPr>
+                      <m:t>→</m:t>
+                    </m:r>
+                    <m:r>
+                      <a:rPr lang="en-US" i="1">
+                        <a:latin typeface="Cambria Math" panose="02040503050406030204" pitchFamily="18" charset="0"/>
+                        <a:ea typeface="Cambria Math" panose="02040503050406030204" pitchFamily="18" charset="0"/>
+                      </a:rPr>
+                      <m:t>ℰ</m:t>
+                    </m:r>
+                  </m:oMath>
+                </a14:m>
+                <a:r>
+                  <a:rPr lang="en-US" dirty="0"/>
+                  <a:t>.</a:t>
+                </a:r>
+              </a:p>
+            </p:txBody>
+          </p:sp>
+        </mc:Choice>
+        <mc:Fallback xmlns="">
+          <p:sp>
+            <p:nvSpPr>
+              <p:cNvPr id="8" name="Title 1">
+                <a:extLst>
+                  <a:ext uri="{FF2B5EF4-FFF2-40B4-BE49-F238E27FC236}">
+                    <a16:creationId xmlns:a16="http://schemas.microsoft.com/office/drawing/2014/main" id="{CE51F895-B79B-4090-AB6F-47C7A454D373}"/>
+                  </a:ext>
+                </a:extLst>
+              </p:cNvPr>
+              <p:cNvSpPr txBox="1">
+                <a:spLocks noRot="1" noChangeAspect="1" noMove="1" noResize="1" noEditPoints="1" noAdjustHandles="1" noChangeArrowheads="1" noChangeShapeType="1" noTextEdit="1"/>
+              </p:cNvSpPr>
+              <p:nvPr/>
+            </p:nvSpPr>
+            <p:spPr>
+              <a:xfrm>
+                <a:off x="663575" y="5464091"/>
+                <a:ext cx="10515600" cy="1325563"/>
+              </a:xfrm>
+              <a:prstGeom prst="rect">
+                <a:avLst/>
+              </a:prstGeom>
+              <a:blipFill>
+                <a:blip r:embed="rId4"/>
+                <a:stretch>
+                  <a:fillRect l="-1217" t="-1835" b="-3211"/>
+                </a:stretch>
+              </a:blipFill>
+            </p:spPr>
+            <p:txBody>
+              <a:bodyPr/>
+              <a:lstStyle/>
+              <a:p>
+                <a:r>
+                  <a:rPr lang="en-US">
+                    <a:noFill/>
+                  </a:rPr>
+                  <a:t> </a:t>
+                </a:r>
+              </a:p>
+            </p:txBody>
+          </p:sp>
+        </mc:Fallback>
+      </mc:AlternateContent>
+    </p:spTree>
+    <p:extLst>
+      <p:ext uri="{BB962C8B-B14F-4D97-AF65-F5344CB8AC3E}">
+        <p14:creationId xmlns:p14="http://schemas.microsoft.com/office/powerpoint/2010/main" val="2758496698"/>
+      </p:ext>
+    </p:extLst>
+  </p:cSld>
+  <p:clrMapOvr>
+    <a:masterClrMapping/>
+  </p:clrMapOvr>
+</p:sld>
+</file>
+
+<file path=ppt/slides/slide12.xml><?xml version="1.0" encoding="utf-8"?>
+<p:sld xmlns:a="http://schemas.openxmlformats.org/drawingml/2006/main" xmlns:r="http://schemas.openxmlformats.org/officeDocument/2006/relationships" xmlns:p="http://schemas.openxmlformats.org/presentationml/2006/main">
+  <p:cSld>
+    <p:spTree>
+      <p:nvGrpSpPr>
+        <p:cNvPr id="1" name=""/>
+        <p:cNvGrpSpPr/>
+        <p:nvPr/>
+      </p:nvGrpSpPr>
+      <p:grpSpPr>
+        <a:xfrm>
+          <a:off x="0" y="0"/>
+          <a:ext cx="0" cy="0"/>
+          <a:chOff x="0" y="0"/>
+          <a:chExt cx="0" cy="0"/>
+        </a:xfrm>
+      </p:grpSpPr>
+      <p:sp>
+        <p:nvSpPr>
+          <p:cNvPr id="2" name="Title 1">
+            <a:extLst>
+              <a:ext uri="{FF2B5EF4-FFF2-40B4-BE49-F238E27FC236}">
+                <a16:creationId xmlns:a16="http://schemas.microsoft.com/office/drawing/2014/main" id="{C08DF539-E305-499C-9F79-A89071474ECF}"/>
+              </a:ext>
+            </a:extLst>
+          </p:cNvPr>
+          <p:cNvSpPr>
+            <a:spLocks noGrp="1"/>
+          </p:cNvSpPr>
+          <p:nvPr>
+            <p:ph type="title"/>
+          </p:nvPr>
+        </p:nvSpPr>
+        <p:spPr/>
+        <p:txBody>
+          <a:bodyPr/>
+          <a:lstStyle/>
+          <a:p>
+            <a:r>
+              <a:rPr lang="en-US" dirty="0"/>
+              <a:t>Observables and Expectation Values</a:t>
+            </a:r>
+          </a:p>
+        </p:txBody>
+      </p:sp>
+      <mc:AlternateContent xmlns:mc="http://schemas.openxmlformats.org/markup-compatibility/2006">
+        <mc:Choice xmlns:a14="http://schemas.microsoft.com/office/drawing/2010/main" Requires="a14">
+          <p:sp>
+            <p:nvSpPr>
+              <p:cNvPr id="3" name="Content Placeholder 2">
+                <a:extLst>
+                  <a:ext uri="{FF2B5EF4-FFF2-40B4-BE49-F238E27FC236}">
+                    <a16:creationId xmlns:a16="http://schemas.microsoft.com/office/drawing/2014/main" id="{BE1E54F3-A46D-4709-AFF7-FD7E0C79097D}"/>
+                  </a:ext>
+                </a:extLst>
+              </p:cNvPr>
+              <p:cNvSpPr>
+                <a:spLocks noGrp="1"/>
+              </p:cNvSpPr>
+              <p:nvPr>
+                <p:ph idx="1"/>
+              </p:nvPr>
+            </p:nvSpPr>
+            <p:spPr/>
+            <p:txBody>
+              <a:bodyPr>
+                <a:normAutofit lnSpcReduction="10000"/>
+              </a:bodyPr>
+              <a:lstStyle/>
+              <a:p>
+                <a:r>
+                  <a:rPr lang="en-US" dirty="0"/>
+                  <a:t>A quantum probability measure </a:t>
+                </a:r>
+                <a14:m>
+                  <m:oMath xmlns:m="http://schemas.openxmlformats.org/officeDocument/2006/math">
+                    <m:r>
+                      <a:rPr lang="en-US" i="1">
+                        <a:latin typeface="Cambria Math" panose="02040503050406030204" pitchFamily="18" charset="0"/>
+                      </a:rPr>
+                      <m:t>𝜇</m:t>
+                    </m:r>
+                    <m:r>
+                      <a:rPr lang="en-US" i="1">
+                        <a:latin typeface="Cambria Math" panose="02040503050406030204" pitchFamily="18" charset="0"/>
+                      </a:rPr>
+                      <m:t> :</m:t>
+                    </m:r>
+                    <m:r>
+                      <a:rPr lang="en-US" i="1">
+                        <a:latin typeface="Cambria Math" panose="02040503050406030204" pitchFamily="18" charset="0"/>
+                        <a:ea typeface="Cambria Math" panose="02040503050406030204" pitchFamily="18" charset="0"/>
+                      </a:rPr>
+                      <m:t>ℰ</m:t>
+                    </m:r>
+                    <m:r>
+                      <a:rPr lang="en-US">
+                        <a:latin typeface="Cambria Math" panose="02040503050406030204" pitchFamily="18" charset="0"/>
+                        <a:ea typeface="Cambria Math" panose="02040503050406030204" pitchFamily="18" charset="0"/>
+                      </a:rPr>
+                      <m:t>→</m:t>
+                    </m:r>
+                    <m:d>
+                      <m:dPr>
+                        <m:begChr m:val="["/>
+                        <m:endChr m:val="]"/>
+                        <m:ctrlPr>
+                          <a:rPr lang="en-US" b="0" i="1" smtClean="0">
+                            <a:latin typeface="Cambria Math" panose="02040503050406030204" pitchFamily="18" charset="0"/>
+                            <a:ea typeface="Cambria Math" panose="02040503050406030204" pitchFamily="18" charset="0"/>
+                          </a:rPr>
+                        </m:ctrlPr>
+                      </m:dPr>
+                      <m:e>
+                        <m:r>
+                          <a:rPr lang="en-US" b="0" i="1" smtClean="0">
+                            <a:latin typeface="Cambria Math" panose="02040503050406030204" pitchFamily="18" charset="0"/>
+                            <a:ea typeface="Cambria Math" panose="02040503050406030204" pitchFamily="18" charset="0"/>
+                          </a:rPr>
+                          <m:t>0,1</m:t>
+                        </m:r>
+                      </m:e>
+                    </m:d>
+                  </m:oMath>
+                </a14:m>
+                <a:r>
+                  <a:rPr lang="en-US" dirty="0"/>
+                  <a:t>.</a:t>
+                </a:r>
+              </a:p>
+              <a:p>
+                <a:r>
+                  <a:rPr lang="en-US" dirty="0">
+                    <a:solidFill>
+                      <a:schemeClr val="tx1"/>
+                    </a:solidFill>
+                  </a:rPr>
+                  <a:t>A observable </a:t>
+                </a:r>
+                <a14:m>
+                  <m:oMath xmlns:m="http://schemas.openxmlformats.org/officeDocument/2006/math">
+                    <m:r>
+                      <a:rPr lang="en-US" b="1">
+                        <a:solidFill>
+                          <a:schemeClr val="tx1"/>
+                        </a:solidFill>
+                        <a:latin typeface="Cambria Math" panose="02040503050406030204" pitchFamily="18" charset="0"/>
+                      </a:rPr>
+                      <m:t>𝐎</m:t>
+                    </m:r>
+                  </m:oMath>
+                </a14:m>
+                <a:r>
+                  <a:rPr lang="en-US" dirty="0">
+                    <a:solidFill>
+                      <a:schemeClr val="tx1"/>
+                    </a:solidFill>
+                  </a:rPr>
+                  <a:t> diagonalizable by an orthonormal basis </a:t>
+                </a:r>
+                <a14:m>
+                  <m:oMath xmlns:m="http://schemas.openxmlformats.org/officeDocument/2006/math">
+                    <m:r>
+                      <m:rPr>
+                        <m:sty m:val="p"/>
+                      </m:rPr>
+                      <a:rPr lang="en-US" b="0" i="0" smtClean="0">
+                        <a:solidFill>
+                          <a:schemeClr val="tx1"/>
+                        </a:solidFill>
+                        <a:latin typeface="Cambria Math" panose="02040503050406030204" pitchFamily="18" charset="0"/>
+                      </a:rPr>
+                      <m:t>Ω</m:t>
+                    </m:r>
+                    <m:r>
+                      <a:rPr lang="en-US" i="1">
+                        <a:latin typeface="Cambria Math" panose="02040503050406030204" pitchFamily="18" charset="0"/>
+                        <a:ea typeface="Cambria Math" panose="02040503050406030204" pitchFamily="18" charset="0"/>
+                      </a:rPr>
+                      <m:t>=</m:t>
+                    </m:r>
+                    <m:d>
+                      <m:dPr>
+                        <m:begChr m:val="{"/>
+                        <m:endChr m:val="}"/>
+                        <m:ctrlPr>
+                          <a:rPr lang="en-US" i="1">
+                            <a:latin typeface="Cambria Math" panose="02040503050406030204" pitchFamily="18" charset="0"/>
+                            <a:ea typeface="Cambria Math" panose="02040503050406030204" pitchFamily="18" charset="0"/>
+                          </a:rPr>
+                        </m:ctrlPr>
+                      </m:dPr>
+                      <m:e>
+                        <m:d>
+                          <m:dPr>
+                            <m:begChr m:val="|"/>
+                            <m:endChr m:val="⟩"/>
+                            <m:ctrlPr>
+                              <a:rPr lang="en-US" i="1">
+                                <a:latin typeface="Cambria Math" panose="02040503050406030204" pitchFamily="18" charset="0"/>
+                              </a:rPr>
+                            </m:ctrlPr>
+                          </m:dPr>
+                          <m:e>
+                            <m:r>
+                              <a:rPr lang="en-US" i="1">
+                                <a:latin typeface="Cambria Math" panose="02040503050406030204" pitchFamily="18" charset="0"/>
+                              </a:rPr>
+                              <m:t>0</m:t>
+                            </m:r>
+                          </m:e>
+                        </m:d>
+                        <m:r>
+                          <a:rPr lang="en-US" i="1">
+                            <a:latin typeface="Cambria Math" panose="02040503050406030204" pitchFamily="18" charset="0"/>
+                          </a:rPr>
+                          <m:t>,</m:t>
+                        </m:r>
+                        <m:d>
+                          <m:dPr>
+                            <m:begChr m:val="|"/>
+                            <m:endChr m:val="⟩"/>
+                            <m:ctrlPr>
+                              <a:rPr lang="en-US" i="1">
+                                <a:latin typeface="Cambria Math" panose="02040503050406030204" pitchFamily="18" charset="0"/>
+                              </a:rPr>
+                            </m:ctrlPr>
+                          </m:dPr>
+                          <m:e>
+                            <m:r>
+                              <a:rPr lang="en-US" i="1">
+                                <a:latin typeface="Cambria Math" panose="02040503050406030204" pitchFamily="18" charset="0"/>
+                              </a:rPr>
+                              <m:t>1</m:t>
+                            </m:r>
+                          </m:e>
+                        </m:d>
+                        <m:r>
+                          <a:rPr lang="en-US" i="1">
+                            <a:latin typeface="Cambria Math" panose="02040503050406030204" pitchFamily="18" charset="0"/>
+                          </a:rPr>
+                          <m:t>,</m:t>
+                        </m:r>
+                        <m:r>
+                          <a:rPr lang="en-US" b="0" i="1" smtClean="0">
+                            <a:latin typeface="Cambria Math" panose="02040503050406030204" pitchFamily="18" charset="0"/>
+                          </a:rPr>
+                          <m:t>…,</m:t>
+                        </m:r>
+                        <m:d>
+                          <m:dPr>
+                            <m:begChr m:val="|"/>
+                            <m:endChr m:val="⟩"/>
+                            <m:ctrlPr>
+                              <a:rPr lang="en-US" i="1">
+                                <a:latin typeface="Cambria Math" panose="02040503050406030204" pitchFamily="18" charset="0"/>
+                              </a:rPr>
+                            </m:ctrlPr>
+                          </m:dPr>
+                          <m:e>
+                            <m:r>
+                              <a:rPr lang="en-US" b="0" i="1" smtClean="0">
+                                <a:latin typeface="Cambria Math" panose="02040503050406030204" pitchFamily="18" charset="0"/>
+                              </a:rPr>
+                              <m:t>𝐷</m:t>
+                            </m:r>
+                            <m:r>
+                              <a:rPr lang="en-US" b="0" i="1" smtClean="0">
+                                <a:latin typeface="Cambria Math" panose="02040503050406030204" pitchFamily="18" charset="0"/>
+                              </a:rPr>
+                              <m:t>−1</m:t>
+                            </m:r>
+                          </m:e>
+                        </m:d>
+                      </m:e>
+                    </m:d>
+                  </m:oMath>
+                </a14:m>
+                <a:r>
+                  <a:rPr lang="en-US" dirty="0">
+                    <a:solidFill>
+                      <a:schemeClr val="tx1"/>
+                    </a:solidFill>
+                  </a:rPr>
+                  <a:t>with spectral decomposition </a:t>
+                </a:r>
+                <a14:m>
+                  <m:oMath xmlns:m="http://schemas.openxmlformats.org/officeDocument/2006/math">
+                    <m:r>
+                      <a:rPr lang="en-US" b="1">
+                        <a:solidFill>
+                          <a:schemeClr val="tx1"/>
+                        </a:solidFill>
+                        <a:latin typeface="Cambria Math" panose="02040503050406030204" pitchFamily="18" charset="0"/>
+                      </a:rPr>
+                      <m:t>𝐎</m:t>
+                    </m:r>
+                    <m:r>
+                      <a:rPr lang="en-US" i="1">
+                        <a:solidFill>
+                          <a:schemeClr val="tx1"/>
+                        </a:solidFill>
+                        <a:latin typeface="Cambria Math" panose="02040503050406030204" pitchFamily="18" charset="0"/>
+                      </a:rPr>
+                      <m:t>=</m:t>
+                    </m:r>
+                    <m:nary>
+                      <m:naryPr>
+                        <m:chr m:val="∑"/>
+                        <m:ctrlPr>
+                          <a:rPr lang="en-US" i="1">
+                            <a:solidFill>
+                              <a:schemeClr val="tx1"/>
+                            </a:solidFill>
+                            <a:latin typeface="Cambria Math" panose="02040503050406030204" pitchFamily="18" charset="0"/>
+                          </a:rPr>
+                        </m:ctrlPr>
+                      </m:naryPr>
+                      <m:sub>
+                        <m:r>
+                          <a:rPr lang="en-US" i="1">
+                            <a:solidFill>
+                              <a:schemeClr val="tx1"/>
+                            </a:solidFill>
+                            <a:latin typeface="Cambria Math" panose="02040503050406030204" pitchFamily="18" charset="0"/>
+                          </a:rPr>
+                          <m:t>𝑖</m:t>
+                        </m:r>
+                        <m:r>
+                          <a:rPr lang="en-US" i="1">
+                            <a:solidFill>
+                              <a:schemeClr val="tx1"/>
+                            </a:solidFill>
+                            <a:latin typeface="Cambria Math" panose="02040503050406030204" pitchFamily="18" charset="0"/>
+                          </a:rPr>
+                          <m:t>=1</m:t>
+                        </m:r>
+                      </m:sub>
+                      <m:sup>
+                        <m:r>
+                          <a:rPr lang="en-US" b="0" i="1" smtClean="0">
+                            <a:solidFill>
+                              <a:schemeClr val="tx1"/>
+                            </a:solidFill>
+                            <a:latin typeface="Cambria Math" panose="02040503050406030204" pitchFamily="18" charset="0"/>
+                          </a:rPr>
+                          <m:t>𝐷</m:t>
+                        </m:r>
+                        <m:r>
+                          <a:rPr lang="en-US" b="0" i="1" smtClean="0">
+                            <a:solidFill>
+                              <a:schemeClr val="tx1"/>
+                            </a:solidFill>
+                            <a:latin typeface="Cambria Math" panose="02040503050406030204" pitchFamily="18" charset="0"/>
+                          </a:rPr>
+                          <m:t>−1</m:t>
+                        </m:r>
+                      </m:sup>
+                      <m:e>
+                        <m:sSub>
+                          <m:sSubPr>
+                            <m:ctrlPr>
+                              <a:rPr lang="en-US" i="1">
+                                <a:solidFill>
+                                  <a:schemeClr val="tx1"/>
+                                </a:solidFill>
+                                <a:latin typeface="Cambria Math" panose="02040503050406030204" pitchFamily="18" charset="0"/>
+                              </a:rPr>
+                            </m:ctrlPr>
+                          </m:sSubPr>
+                          <m:e>
+                            <m:r>
+                              <a:rPr lang="en-US" i="1">
+                                <a:solidFill>
+                                  <a:schemeClr val="tx1"/>
+                                </a:solidFill>
+                                <a:latin typeface="Cambria Math" panose="02040503050406030204" pitchFamily="18" charset="0"/>
+                              </a:rPr>
+                              <m:t>𝜆</m:t>
+                            </m:r>
+                          </m:e>
+                          <m:sub>
+                            <m:r>
+                              <a:rPr lang="en-US" i="1">
+                                <a:solidFill>
+                                  <a:schemeClr val="tx1"/>
+                                </a:solidFill>
+                                <a:latin typeface="Cambria Math" panose="02040503050406030204" pitchFamily="18" charset="0"/>
+                              </a:rPr>
+                              <m:t>𝑖</m:t>
+                            </m:r>
+                          </m:sub>
+                        </m:sSub>
+                        <m:d>
+                          <m:dPr>
+                            <m:begChr m:val="|"/>
+                            <m:endChr m:val="⟩"/>
+                            <m:ctrlPr>
+                              <a:rPr lang="en-US" b="0" i="1" smtClean="0">
+                                <a:solidFill>
+                                  <a:schemeClr val="tx1"/>
+                                </a:solidFill>
+                                <a:latin typeface="Cambria Math" panose="02040503050406030204" pitchFamily="18" charset="0"/>
+                              </a:rPr>
+                            </m:ctrlPr>
+                          </m:dPr>
+                          <m:e>
+                            <m:r>
+                              <a:rPr lang="en-US" b="0" i="1" smtClean="0">
+                                <a:solidFill>
+                                  <a:schemeClr val="tx1"/>
+                                </a:solidFill>
+                                <a:latin typeface="Cambria Math" panose="02040503050406030204" pitchFamily="18" charset="0"/>
+                              </a:rPr>
+                              <m:t>𝑖</m:t>
+                            </m:r>
+                          </m:e>
+                        </m:d>
+                        <m:d>
+                          <m:dPr>
+                            <m:begChr m:val="⟨"/>
+                            <m:endChr m:val="|"/>
+                            <m:ctrlPr>
+                              <a:rPr lang="en-US" b="0" i="1" smtClean="0">
+                                <a:solidFill>
+                                  <a:schemeClr val="tx1"/>
+                                </a:solidFill>
+                                <a:latin typeface="Cambria Math" panose="02040503050406030204" pitchFamily="18" charset="0"/>
+                              </a:rPr>
+                            </m:ctrlPr>
+                          </m:dPr>
+                          <m:e>
+                            <m:r>
+                              <a:rPr lang="en-US" b="0" i="1" smtClean="0">
+                                <a:solidFill>
+                                  <a:schemeClr val="tx1"/>
+                                </a:solidFill>
+                                <a:latin typeface="Cambria Math" panose="02040503050406030204" pitchFamily="18" charset="0"/>
+                              </a:rPr>
+                              <m:t>𝑖</m:t>
+                            </m:r>
+                          </m:e>
+                        </m:d>
+                      </m:e>
+                    </m:nary>
+                  </m:oMath>
+                </a14:m>
+                <a:r>
+                  <a:rPr lang="en-US" dirty="0">
+                    <a:solidFill>
+                      <a:schemeClr val="tx1"/>
+                    </a:solidFill>
+                  </a:rPr>
+                  <a:t>.</a:t>
+                </a:r>
+              </a:p>
+              <a:p>
+                <a:r>
+                  <a:rPr lang="en-US" dirty="0"/>
+                  <a:t>The expectation value is </a:t>
+                </a:r>
+                <a14:m>
+                  <m:oMath xmlns:m="http://schemas.openxmlformats.org/officeDocument/2006/math">
+                    <m:sSub>
+                      <m:sSubPr>
+                        <m:ctrlPr>
+                          <a:rPr lang="en-US" b="0" i="1" smtClean="0">
+                            <a:latin typeface="Cambria Math" panose="02040503050406030204" pitchFamily="18" charset="0"/>
+                          </a:rPr>
+                        </m:ctrlPr>
+                      </m:sSubPr>
+                      <m:e>
+                        <m:d>
+                          <m:dPr>
+                            <m:begChr m:val="⟨"/>
+                            <m:endChr m:val="⟩"/>
+                            <m:ctrlPr>
+                              <a:rPr lang="en-US" b="0" i="1" smtClean="0">
+                                <a:latin typeface="Cambria Math" panose="02040503050406030204" pitchFamily="18" charset="0"/>
+                              </a:rPr>
+                            </m:ctrlPr>
+                          </m:dPr>
+                          <m:e>
+                            <m:r>
+                              <a:rPr lang="en-US" b="1" smtClean="0">
+                                <a:solidFill>
+                                  <a:schemeClr val="tx1"/>
+                                </a:solidFill>
+                                <a:latin typeface="Cambria Math" panose="02040503050406030204" pitchFamily="18" charset="0"/>
+                              </a:rPr>
+                              <m:t>𝐎</m:t>
+                            </m:r>
+                          </m:e>
+                        </m:d>
+                      </m:e>
+                      <m:sub>
+                        <m:r>
+                          <a:rPr lang="en-US" b="0" i="1" smtClean="0">
+                            <a:latin typeface="Cambria Math" panose="02040503050406030204" pitchFamily="18" charset="0"/>
+                          </a:rPr>
+                          <m:t>𝜇</m:t>
+                        </m:r>
+                      </m:sub>
+                    </m:sSub>
+                    <m:r>
+                      <a:rPr lang="en-US" b="0" i="1" smtClean="0">
+                        <a:latin typeface="Cambria Math" panose="02040503050406030204" pitchFamily="18" charset="0"/>
+                      </a:rPr>
+                      <m:t>=</m:t>
+                    </m:r>
+                    <m:nary>
+                      <m:naryPr>
+                        <m:chr m:val="∑"/>
+                        <m:ctrlPr>
+                          <a:rPr lang="en-US" i="1" smtClean="0">
+                            <a:solidFill>
+                              <a:schemeClr val="tx1"/>
+                            </a:solidFill>
+                            <a:latin typeface="Cambria Math" panose="02040503050406030204" pitchFamily="18" charset="0"/>
+                          </a:rPr>
+                        </m:ctrlPr>
+                      </m:naryPr>
+                      <m:sub>
+                        <m:r>
+                          <a:rPr lang="en-US" i="1">
+                            <a:solidFill>
+                              <a:schemeClr val="tx1"/>
+                            </a:solidFill>
+                            <a:latin typeface="Cambria Math" panose="02040503050406030204" pitchFamily="18" charset="0"/>
+                          </a:rPr>
+                          <m:t>𝑖</m:t>
+                        </m:r>
+                        <m:r>
+                          <a:rPr lang="en-US" i="1">
+                            <a:solidFill>
+                              <a:schemeClr val="tx1"/>
+                            </a:solidFill>
+                            <a:latin typeface="Cambria Math" panose="02040503050406030204" pitchFamily="18" charset="0"/>
+                          </a:rPr>
+                          <m:t>=1</m:t>
+                        </m:r>
+                      </m:sub>
+                      <m:sup>
+                        <m:r>
+                          <a:rPr lang="en-US" i="1">
+                            <a:solidFill>
+                              <a:schemeClr val="tx1"/>
+                            </a:solidFill>
+                            <a:latin typeface="Cambria Math" panose="02040503050406030204" pitchFamily="18" charset="0"/>
+                          </a:rPr>
+                          <m:t>𝐷</m:t>
+                        </m:r>
+                        <m:r>
+                          <a:rPr lang="en-US" i="1">
+                            <a:solidFill>
+                              <a:schemeClr val="tx1"/>
+                            </a:solidFill>
+                            <a:latin typeface="Cambria Math" panose="02040503050406030204" pitchFamily="18" charset="0"/>
+                          </a:rPr>
+                          <m:t>−1</m:t>
+                        </m:r>
+                      </m:sup>
+                      <m:e>
+                        <m:sSub>
+                          <m:sSubPr>
+                            <m:ctrlPr>
+                              <a:rPr lang="en-US" i="1">
+                                <a:solidFill>
+                                  <a:schemeClr val="tx1"/>
+                                </a:solidFill>
+                                <a:latin typeface="Cambria Math" panose="02040503050406030204" pitchFamily="18" charset="0"/>
+                              </a:rPr>
+                            </m:ctrlPr>
+                          </m:sSubPr>
+                          <m:e>
+                            <m:r>
+                              <a:rPr lang="en-US" i="1">
+                                <a:solidFill>
+                                  <a:schemeClr val="tx1"/>
+                                </a:solidFill>
+                                <a:latin typeface="Cambria Math" panose="02040503050406030204" pitchFamily="18" charset="0"/>
+                              </a:rPr>
+                              <m:t>𝜆</m:t>
+                            </m:r>
+                          </m:e>
+                          <m:sub>
+                            <m:r>
+                              <a:rPr lang="en-US" i="1">
+                                <a:solidFill>
+                                  <a:schemeClr val="tx1"/>
+                                </a:solidFill>
+                                <a:latin typeface="Cambria Math" panose="02040503050406030204" pitchFamily="18" charset="0"/>
+                              </a:rPr>
+                              <m:t>𝑖</m:t>
+                            </m:r>
+                          </m:sub>
+                        </m:sSub>
+                        <m:r>
+                          <a:rPr lang="en-US" b="0" i="1" smtClean="0">
+                            <a:solidFill>
+                              <a:schemeClr val="tx1"/>
+                            </a:solidFill>
+                            <a:latin typeface="Cambria Math" panose="02040503050406030204" pitchFamily="18" charset="0"/>
+                          </a:rPr>
+                          <m:t>𝜇</m:t>
+                        </m:r>
+                        <m:d>
+                          <m:dPr>
+                            <m:ctrlPr>
+                              <a:rPr lang="en-US" b="0" i="1" smtClean="0">
+                                <a:solidFill>
+                                  <a:schemeClr val="tx1"/>
+                                </a:solidFill>
+                                <a:latin typeface="Cambria Math" panose="02040503050406030204" pitchFamily="18" charset="0"/>
+                              </a:rPr>
+                            </m:ctrlPr>
+                          </m:dPr>
+                          <m:e>
+                            <m:d>
+                              <m:dPr>
+                                <m:begChr m:val="|"/>
+                                <m:endChr m:val="⟩"/>
+                                <m:ctrlPr>
+                                  <a:rPr lang="en-US" i="1">
+                                    <a:latin typeface="Cambria Math" panose="02040503050406030204" pitchFamily="18" charset="0"/>
+                                  </a:rPr>
+                                </m:ctrlPr>
+                              </m:dPr>
+                              <m:e>
+                                <m:r>
+                                  <a:rPr lang="en-US" i="1">
+                                    <a:latin typeface="Cambria Math" panose="02040503050406030204" pitchFamily="18" charset="0"/>
+                                  </a:rPr>
+                                  <m:t>𝑖</m:t>
+                                </m:r>
+                              </m:e>
+                            </m:d>
+                            <m:d>
+                              <m:dPr>
+                                <m:begChr m:val="⟨"/>
+                                <m:endChr m:val="|"/>
+                                <m:ctrlPr>
+                                  <a:rPr lang="en-US" i="1">
+                                    <a:latin typeface="Cambria Math" panose="02040503050406030204" pitchFamily="18" charset="0"/>
+                                  </a:rPr>
+                                </m:ctrlPr>
+                              </m:dPr>
+                              <m:e>
+                                <m:r>
+                                  <a:rPr lang="en-US" i="1">
+                                    <a:latin typeface="Cambria Math" panose="02040503050406030204" pitchFamily="18" charset="0"/>
+                                  </a:rPr>
+                                  <m:t>𝑖</m:t>
+                                </m:r>
+                              </m:e>
+                            </m:d>
+                          </m:e>
+                        </m:d>
+                      </m:e>
+                    </m:nary>
+                  </m:oMath>
+                </a14:m>
+                <a:r>
+                  <a:rPr lang="en-US" dirty="0"/>
+                  <a:t>.</a:t>
+                </a:r>
+              </a:p>
+              <a:p>
+                <a:r>
+                  <a:rPr lang="en-US" dirty="0"/>
+                  <a:t>The pullback of </a:t>
+                </a:r>
+                <a14:m>
+                  <m:oMath xmlns:m="http://schemas.openxmlformats.org/officeDocument/2006/math">
+                    <m:r>
+                      <a:rPr lang="en-US" b="1">
+                        <a:latin typeface="Cambria Math" panose="02040503050406030204" pitchFamily="18" charset="0"/>
+                      </a:rPr>
+                      <m:t>𝐎</m:t>
+                    </m:r>
+                  </m:oMath>
+                </a14:m>
+                <a:r>
+                  <a:rPr lang="en-US" dirty="0"/>
+                  <a:t> by </a:t>
+                </a:r>
+                <a14:m>
+                  <m:oMath xmlns:m="http://schemas.openxmlformats.org/officeDocument/2006/math">
+                    <m:r>
+                      <a:rPr lang="en-US" i="1">
+                        <a:latin typeface="Cambria Math" panose="02040503050406030204" pitchFamily="18" charset="0"/>
+                      </a:rPr>
+                      <m:t>𝜑</m:t>
+                    </m:r>
+                    <m:r>
+                      <a:rPr lang="en-US" i="1">
+                        <a:latin typeface="Cambria Math" panose="02040503050406030204" pitchFamily="18" charset="0"/>
+                      </a:rPr>
+                      <m:t>:</m:t>
+                    </m:r>
+                    <m:sSup>
+                      <m:sSupPr>
+                        <m:ctrlPr>
+                          <a:rPr lang="en-US" i="1">
+                            <a:latin typeface="Cambria Math" panose="02040503050406030204" pitchFamily="18" charset="0"/>
+                          </a:rPr>
+                        </m:ctrlPr>
+                      </m:sSupPr>
+                      <m:e>
+                        <m:r>
+                          <a:rPr lang="en-US" i="1">
+                            <a:latin typeface="Cambria Math" panose="02040503050406030204" pitchFamily="18" charset="0"/>
+                          </a:rPr>
+                          <m:t>2</m:t>
+                        </m:r>
+                      </m:e>
+                      <m:sup>
+                        <m:r>
+                          <m:rPr>
+                            <m:sty m:val="p"/>
+                          </m:rPr>
+                          <a:rPr lang="en-US">
+                            <a:latin typeface="Cambria Math" panose="02040503050406030204" pitchFamily="18" charset="0"/>
+                          </a:rPr>
+                          <m:t>Ω</m:t>
+                        </m:r>
+                      </m:sup>
+                    </m:sSup>
+                    <m:r>
+                      <a:rPr lang="en-US" i="1">
+                        <a:latin typeface="Cambria Math" panose="02040503050406030204" pitchFamily="18" charset="0"/>
+                      </a:rPr>
+                      <m:t>→</m:t>
+                    </m:r>
+                    <m:r>
+                      <a:rPr lang="en-US" i="1">
+                        <a:latin typeface="Cambria Math" panose="02040503050406030204" pitchFamily="18" charset="0"/>
+                        <a:ea typeface="Cambria Math" panose="02040503050406030204" pitchFamily="18" charset="0"/>
+                      </a:rPr>
+                      <m:t>ℰ</m:t>
+                    </m:r>
+                  </m:oMath>
+                </a14:m>
+                <a:r>
+                  <a:rPr lang="en-US" dirty="0"/>
+                  <a:t> is the random variable </a:t>
+                </a:r>
+                <a14:m>
+                  <m:oMath xmlns:m="http://schemas.openxmlformats.org/officeDocument/2006/math">
+                    <m:sSup>
+                      <m:sSupPr>
+                        <m:ctrlPr>
+                          <a:rPr lang="en-US" b="0" i="1" smtClean="0">
+                            <a:latin typeface="Cambria Math" panose="02040503050406030204" pitchFamily="18" charset="0"/>
+                          </a:rPr>
+                        </m:ctrlPr>
+                      </m:sSupPr>
+                      <m:e>
+                        <m:r>
+                          <a:rPr lang="en-US" i="1">
+                            <a:latin typeface="Cambria Math" panose="02040503050406030204" pitchFamily="18" charset="0"/>
+                          </a:rPr>
+                          <m:t>𝜑</m:t>
+                        </m:r>
+                      </m:e>
+                      <m:sup>
+                        <m:r>
+                          <a:rPr lang="en-US" b="0" i="1" smtClean="0">
+                            <a:latin typeface="Cambria Math" panose="02040503050406030204" pitchFamily="18" charset="0"/>
+                          </a:rPr>
+                          <m:t>∗</m:t>
+                        </m:r>
+                      </m:sup>
+                    </m:sSup>
+                    <m:r>
+                      <a:rPr lang="en-US" b="1">
+                        <a:latin typeface="Cambria Math" panose="02040503050406030204" pitchFamily="18" charset="0"/>
+                      </a:rPr>
+                      <m:t>𝐎</m:t>
+                    </m:r>
+                    <m:r>
+                      <a:rPr lang="en-US" i="1">
+                        <a:latin typeface="Cambria Math" panose="02040503050406030204" pitchFamily="18" charset="0"/>
+                      </a:rPr>
+                      <m:t>:</m:t>
+                    </m:r>
+                    <m:sSup>
+                      <m:sSupPr>
+                        <m:ctrlPr>
+                          <a:rPr lang="en-US" i="1">
+                            <a:latin typeface="Cambria Math" panose="02040503050406030204" pitchFamily="18" charset="0"/>
+                          </a:rPr>
+                        </m:ctrlPr>
+                      </m:sSupPr>
+                      <m:e>
+                        <m:r>
+                          <a:rPr lang="en-US" i="1">
+                            <a:latin typeface="Cambria Math" panose="02040503050406030204" pitchFamily="18" charset="0"/>
+                          </a:rPr>
+                          <m:t>2</m:t>
+                        </m:r>
+                      </m:e>
+                      <m:sup>
+                        <m:r>
+                          <m:rPr>
+                            <m:sty m:val="p"/>
+                          </m:rPr>
+                          <a:rPr lang="en-US">
+                            <a:latin typeface="Cambria Math" panose="02040503050406030204" pitchFamily="18" charset="0"/>
+                          </a:rPr>
+                          <m:t>Ω</m:t>
+                        </m:r>
+                      </m:sup>
+                    </m:sSup>
+                    <m:r>
+                      <a:rPr lang="en-US" i="1">
+                        <a:latin typeface="Cambria Math" panose="02040503050406030204" pitchFamily="18" charset="0"/>
+                      </a:rPr>
+                      <m:t>→</m:t>
+                    </m:r>
+                    <m:r>
+                      <a:rPr lang="en-US" i="1">
+                        <a:latin typeface="Cambria Math" panose="02040503050406030204" pitchFamily="18" charset="0"/>
+                        <a:ea typeface="Cambria Math" panose="02040503050406030204" pitchFamily="18" charset="0"/>
+                      </a:rPr>
+                      <m:t>ℰ</m:t>
+                    </m:r>
+                  </m:oMath>
+                </a14:m>
+                <a:r>
+                  <a:rPr lang="en-US" dirty="0"/>
+                  <a:t> defined by </a:t>
+                </a:r>
+                <a14:m>
+                  <m:oMath xmlns:m="http://schemas.openxmlformats.org/officeDocument/2006/math">
+                    <m:sSup>
+                      <m:sSupPr>
+                        <m:ctrlPr>
+                          <a:rPr lang="en-US" i="1">
+                            <a:latin typeface="Cambria Math" panose="02040503050406030204" pitchFamily="18" charset="0"/>
+                          </a:rPr>
+                        </m:ctrlPr>
+                      </m:sSupPr>
+                      <m:e>
+                        <m:r>
+                          <a:rPr lang="en-US" i="1">
+                            <a:latin typeface="Cambria Math" panose="02040503050406030204" pitchFamily="18" charset="0"/>
+                          </a:rPr>
+                          <m:t>𝜑</m:t>
+                        </m:r>
+                      </m:e>
+                      <m:sup>
+                        <m:r>
+                          <a:rPr lang="en-US" i="1">
+                            <a:latin typeface="Cambria Math" panose="02040503050406030204" pitchFamily="18" charset="0"/>
+                          </a:rPr>
+                          <m:t>∗</m:t>
+                        </m:r>
+                      </m:sup>
+                    </m:sSup>
+                    <m:r>
+                      <a:rPr lang="en-US" b="1">
+                        <a:latin typeface="Cambria Math" panose="02040503050406030204" pitchFamily="18" charset="0"/>
+                      </a:rPr>
+                      <m:t>𝐎</m:t>
+                    </m:r>
+                    <m:r>
+                      <a:rPr lang="en-US" b="1" i="0" smtClean="0">
+                        <a:latin typeface="Cambria Math" panose="02040503050406030204" pitchFamily="18" charset="0"/>
+                      </a:rPr>
+                      <m:t>=</m:t>
+                    </m:r>
+                    <m:nary>
+                      <m:naryPr>
+                        <m:chr m:val="∑"/>
+                        <m:ctrlPr>
+                          <a:rPr lang="en-US" i="1">
+                            <a:latin typeface="Cambria Math" panose="02040503050406030204" pitchFamily="18" charset="0"/>
+                          </a:rPr>
+                        </m:ctrlPr>
+                      </m:naryPr>
+                      <m:sub>
+                        <m:r>
+                          <a:rPr lang="en-US" i="1">
+                            <a:latin typeface="Cambria Math" panose="02040503050406030204" pitchFamily="18" charset="0"/>
+                          </a:rPr>
+                          <m:t>𝑖</m:t>
+                        </m:r>
+                        <m:r>
+                          <a:rPr lang="en-US" i="1">
+                            <a:latin typeface="Cambria Math" panose="02040503050406030204" pitchFamily="18" charset="0"/>
+                          </a:rPr>
+                          <m:t>=1</m:t>
+                        </m:r>
+                      </m:sub>
+                      <m:sup>
+                        <m:r>
+                          <a:rPr lang="en-US" i="1">
+                            <a:latin typeface="Cambria Math" panose="02040503050406030204" pitchFamily="18" charset="0"/>
+                          </a:rPr>
+                          <m:t>𝐷</m:t>
+                        </m:r>
+                        <m:r>
+                          <a:rPr lang="en-US" i="1">
+                            <a:latin typeface="Cambria Math" panose="02040503050406030204" pitchFamily="18" charset="0"/>
+                          </a:rPr>
+                          <m:t>−1</m:t>
+                        </m:r>
+                      </m:sup>
+                      <m:e>
+                        <m:sSub>
+                          <m:sSubPr>
+                            <m:ctrlPr>
+                              <a:rPr lang="en-US" i="1">
+                                <a:latin typeface="Cambria Math" panose="02040503050406030204" pitchFamily="18" charset="0"/>
+                              </a:rPr>
+                            </m:ctrlPr>
+                          </m:sSubPr>
+                          <m:e>
+                            <m:r>
+                              <a:rPr lang="en-US" i="1">
+                                <a:latin typeface="Cambria Math" panose="02040503050406030204" pitchFamily="18" charset="0"/>
+                              </a:rPr>
+                              <m:t>𝜆</m:t>
+                            </m:r>
+                          </m:e>
+                          <m:sub>
+                            <m:r>
+                              <a:rPr lang="en-US" i="1">
+                                <a:latin typeface="Cambria Math" panose="02040503050406030204" pitchFamily="18" charset="0"/>
+                              </a:rPr>
+                              <m:t>𝑖</m:t>
+                            </m:r>
+                          </m:sub>
+                        </m:sSub>
+                        <m:sSub>
+                          <m:sSubPr>
+                            <m:ctrlPr>
+                              <a:rPr lang="en-US" b="0" i="1" smtClean="0">
+                                <a:latin typeface="Cambria Math" panose="02040503050406030204" pitchFamily="18" charset="0"/>
+                              </a:rPr>
+                            </m:ctrlPr>
+                          </m:sSubPr>
+                          <m:e>
+                            <m:r>
+                              <a:rPr lang="en-US" b="1" i="0" smtClean="0">
+                                <a:latin typeface="Cambria Math" panose="02040503050406030204" pitchFamily="18" charset="0"/>
+                              </a:rPr>
+                              <m:t>𝟏</m:t>
+                            </m:r>
+                          </m:e>
+                          <m:sub>
+                            <m:d>
+                              <m:dPr>
+                                <m:begChr m:val="{"/>
+                                <m:endChr m:val="}"/>
+                                <m:ctrlPr>
+                                  <a:rPr lang="en-US" b="0" i="1" smtClean="0">
+                                    <a:latin typeface="Cambria Math" panose="02040503050406030204" pitchFamily="18" charset="0"/>
+                                  </a:rPr>
+                                </m:ctrlPr>
+                              </m:dPr>
+                              <m:e>
+                                <m:d>
+                                  <m:dPr>
+                                    <m:begChr m:val="|"/>
+                                    <m:endChr m:val="⟩"/>
+                                    <m:ctrlPr>
+                                      <a:rPr lang="en-US" b="0" i="1" smtClean="0">
+                                        <a:latin typeface="Cambria Math" panose="02040503050406030204" pitchFamily="18" charset="0"/>
+                                      </a:rPr>
+                                    </m:ctrlPr>
+                                  </m:dPr>
+                                  <m:e>
+                                    <m:r>
+                                      <a:rPr lang="en-US" b="0" i="1" smtClean="0">
+                                        <a:latin typeface="Cambria Math" panose="02040503050406030204" pitchFamily="18" charset="0"/>
+                                      </a:rPr>
+                                      <m:t>𝑖</m:t>
+                                    </m:r>
+                                  </m:e>
+                                </m:d>
+                              </m:e>
+                            </m:d>
+                          </m:sub>
+                        </m:sSub>
+                      </m:e>
+                    </m:nary>
+                  </m:oMath>
+                </a14:m>
+                <a:r>
+                  <a:rPr lang="en-US" dirty="0"/>
+                  <a:t>, where </a:t>
+                </a:r>
+                <a14:m>
+                  <m:oMath xmlns:m="http://schemas.openxmlformats.org/officeDocument/2006/math">
+                    <m:sSub>
+                      <m:sSubPr>
+                        <m:ctrlPr>
+                          <a:rPr lang="en-US" i="1">
+                            <a:latin typeface="Cambria Math" panose="02040503050406030204" pitchFamily="18" charset="0"/>
+                          </a:rPr>
+                        </m:ctrlPr>
+                      </m:sSubPr>
+                      <m:e>
+                        <m:r>
+                          <a:rPr lang="en-US" b="1">
+                            <a:latin typeface="Cambria Math" panose="02040503050406030204" pitchFamily="18" charset="0"/>
+                          </a:rPr>
+                          <m:t>𝟏</m:t>
+                        </m:r>
+                      </m:e>
+                      <m:sub>
+                        <m:d>
+                          <m:dPr>
+                            <m:begChr m:val="{"/>
+                            <m:endChr m:val="}"/>
+                            <m:ctrlPr>
+                              <a:rPr lang="en-US" i="1">
+                                <a:latin typeface="Cambria Math" panose="02040503050406030204" pitchFamily="18" charset="0"/>
+                              </a:rPr>
+                            </m:ctrlPr>
+                          </m:dPr>
+                          <m:e>
+                            <m:d>
+                              <m:dPr>
+                                <m:begChr m:val="|"/>
+                                <m:endChr m:val="⟩"/>
+                                <m:ctrlPr>
+                                  <a:rPr lang="en-US" i="1">
+                                    <a:latin typeface="Cambria Math" panose="02040503050406030204" pitchFamily="18" charset="0"/>
+                                  </a:rPr>
+                                </m:ctrlPr>
+                              </m:dPr>
+                              <m:e>
+                                <m:r>
+                                  <a:rPr lang="en-US" i="1">
+                                    <a:latin typeface="Cambria Math" panose="02040503050406030204" pitchFamily="18" charset="0"/>
+                                  </a:rPr>
+                                  <m:t>𝑖</m:t>
+                                </m:r>
+                              </m:e>
+                            </m:d>
+                          </m:e>
+                        </m:d>
+                      </m:sub>
+                    </m:sSub>
+                  </m:oMath>
+                </a14:m>
+                <a:r>
+                  <a:rPr lang="en-US" dirty="0"/>
+                  <a:t> is the indicator function.</a:t>
+                </a:r>
+              </a:p>
+              <a:p>
+                <a:r>
+                  <a:rPr lang="en-US" dirty="0"/>
+                  <a:t>The pullback preserves the expectation value </a:t>
+                </a:r>
+                <a:br>
+                  <a:rPr lang="en-US" i="1" dirty="0">
+                    <a:latin typeface="Cambria Math" panose="02040503050406030204" pitchFamily="18" charset="0"/>
+                  </a:rPr>
+                </a:br>
+                <a14:m>
+                  <m:oMath xmlns:m="http://schemas.openxmlformats.org/officeDocument/2006/math">
+                    <m:sSub>
+                      <m:sSubPr>
+                        <m:ctrlPr>
+                          <a:rPr lang="en-US" i="1">
+                            <a:latin typeface="Cambria Math" panose="02040503050406030204" pitchFamily="18" charset="0"/>
+                          </a:rPr>
+                        </m:ctrlPr>
+                      </m:sSubPr>
+                      <m:e>
+                        <m:d>
+                          <m:dPr>
+                            <m:begChr m:val="⟨"/>
+                            <m:endChr m:val="⟩"/>
+                            <m:ctrlPr>
+                              <a:rPr lang="en-US" i="1">
+                                <a:latin typeface="Cambria Math" panose="02040503050406030204" pitchFamily="18" charset="0"/>
+                              </a:rPr>
+                            </m:ctrlPr>
+                          </m:dPr>
+                          <m:e>
+                            <m:r>
+                              <a:rPr lang="en-US" b="1">
+                                <a:latin typeface="Cambria Math" panose="02040503050406030204" pitchFamily="18" charset="0"/>
+                              </a:rPr>
+                              <m:t>𝐎</m:t>
+                            </m:r>
+                          </m:e>
+                        </m:d>
+                      </m:e>
+                      <m:sub>
+                        <m:r>
+                          <a:rPr lang="en-US" i="1">
+                            <a:latin typeface="Cambria Math" panose="02040503050406030204" pitchFamily="18" charset="0"/>
+                          </a:rPr>
+                          <m:t>𝜇</m:t>
+                        </m:r>
+                      </m:sub>
+                    </m:sSub>
+                    <m:r>
+                      <a:rPr lang="en-US" b="0" i="1" smtClean="0">
+                        <a:latin typeface="Cambria Math" panose="02040503050406030204" pitchFamily="18" charset="0"/>
+                      </a:rPr>
+                      <m:t>=</m:t>
+                    </m:r>
+                    <m:nary>
+                      <m:naryPr>
+                        <m:limLoc m:val="undOvr"/>
+                        <m:subHide m:val="on"/>
+                        <m:supHide m:val="on"/>
+                        <m:ctrlPr>
+                          <a:rPr lang="en-US" b="0" i="1" smtClean="0">
+                            <a:latin typeface="Cambria Math" panose="02040503050406030204" pitchFamily="18" charset="0"/>
+                          </a:rPr>
+                        </m:ctrlPr>
+                      </m:naryPr>
+                      <m:sub/>
+                      <m:sup/>
+                      <m:e>
+                        <m:d>
+                          <m:dPr>
+                            <m:ctrlPr>
+                              <a:rPr lang="en-US" b="0" i="1" smtClean="0">
+                                <a:latin typeface="Cambria Math" panose="02040503050406030204" pitchFamily="18" charset="0"/>
+                              </a:rPr>
+                            </m:ctrlPr>
+                          </m:dPr>
+                          <m:e>
+                            <m:sSup>
+                              <m:sSupPr>
+                                <m:ctrlPr>
+                                  <a:rPr lang="en-US" i="1">
+                                    <a:latin typeface="Cambria Math" panose="02040503050406030204" pitchFamily="18" charset="0"/>
+                                  </a:rPr>
+                                </m:ctrlPr>
+                              </m:sSupPr>
+                              <m:e>
+                                <m:r>
+                                  <a:rPr lang="en-US" i="1">
+                                    <a:latin typeface="Cambria Math" panose="02040503050406030204" pitchFamily="18" charset="0"/>
+                                  </a:rPr>
+                                  <m:t>𝜑</m:t>
+                                </m:r>
+                              </m:e>
+                              <m:sup>
+                                <m:r>
+                                  <a:rPr lang="en-US" i="1">
+                                    <a:latin typeface="Cambria Math" panose="02040503050406030204" pitchFamily="18" charset="0"/>
+                                  </a:rPr>
+                                  <m:t>∗</m:t>
+                                </m:r>
+                              </m:sup>
+                            </m:sSup>
+                            <m:r>
+                              <a:rPr lang="en-US" b="1">
+                                <a:latin typeface="Cambria Math" panose="02040503050406030204" pitchFamily="18" charset="0"/>
+                              </a:rPr>
+                              <m:t>𝐎</m:t>
+                            </m:r>
+                          </m:e>
+                        </m:d>
+                        <m:r>
+                          <a:rPr lang="en-US" b="0" i="1" smtClean="0">
+                            <a:latin typeface="Cambria Math" panose="02040503050406030204" pitchFamily="18" charset="0"/>
+                          </a:rPr>
+                          <m:t>ⅆ</m:t>
+                        </m:r>
+                        <m:d>
+                          <m:dPr>
+                            <m:ctrlPr>
+                              <a:rPr lang="en-US" i="1">
+                                <a:latin typeface="Cambria Math" panose="02040503050406030204" pitchFamily="18" charset="0"/>
+                              </a:rPr>
+                            </m:ctrlPr>
+                          </m:dPr>
+                          <m:e>
+                            <m:sSup>
+                              <m:sSupPr>
+                                <m:ctrlPr>
+                                  <a:rPr lang="en-US" i="1">
+                                    <a:latin typeface="Cambria Math" panose="02040503050406030204" pitchFamily="18" charset="0"/>
+                                  </a:rPr>
+                                </m:ctrlPr>
+                              </m:sSupPr>
+                              <m:e>
+                                <m:r>
+                                  <a:rPr lang="en-US" i="1">
+                                    <a:latin typeface="Cambria Math" panose="02040503050406030204" pitchFamily="18" charset="0"/>
+                                  </a:rPr>
+                                  <m:t>𝜑</m:t>
+                                </m:r>
+                              </m:e>
+                              <m:sup>
+                                <m:r>
+                                  <a:rPr lang="en-US" i="1">
+                                    <a:latin typeface="Cambria Math" panose="02040503050406030204" pitchFamily="18" charset="0"/>
+                                  </a:rPr>
+                                  <m:t>∗</m:t>
+                                </m:r>
+                              </m:sup>
+                            </m:sSup>
+                            <m:r>
+                              <a:rPr lang="en-US" i="1">
+                                <a:latin typeface="Cambria Math" panose="02040503050406030204" pitchFamily="18" charset="0"/>
+                              </a:rPr>
+                              <m:t>𝜇</m:t>
+                            </m:r>
+                          </m:e>
+                        </m:d>
+                      </m:e>
+                    </m:nary>
+                  </m:oMath>
+                </a14:m>
+                <a:endParaRPr lang="en-US" dirty="0"/>
+              </a:p>
+              <a:p>
+                <a:endParaRPr lang="en-US" dirty="0"/>
+              </a:p>
+              <a:p>
+                <a:endParaRPr lang="en-US" dirty="0"/>
+              </a:p>
+            </p:txBody>
+          </p:sp>
+        </mc:Choice>
+        <mc:Fallback>
+          <p:sp>
+            <p:nvSpPr>
+              <p:cNvPr id="3" name="Content Placeholder 2">
+                <a:extLst>
+                  <a:ext uri="{FF2B5EF4-FFF2-40B4-BE49-F238E27FC236}">
+                    <a16:creationId xmlns:a16="http://schemas.microsoft.com/office/drawing/2014/main" id="{BE1E54F3-A46D-4709-AFF7-FD7E0C79097D}"/>
+                  </a:ext>
+                </a:extLst>
+              </p:cNvPr>
+              <p:cNvSpPr>
+                <a:spLocks noGrp="1" noRot="1" noChangeAspect="1" noMove="1" noResize="1" noEditPoints="1" noAdjustHandles="1" noChangeArrowheads="1" noChangeShapeType="1" noTextEdit="1"/>
+              </p:cNvSpPr>
+              <p:nvPr>
+                <p:ph idx="1"/>
+              </p:nvPr>
+            </p:nvSpPr>
+            <p:spPr>
+              <a:blipFill>
+                <a:blip r:embed="rId2"/>
+                <a:stretch>
+                  <a:fillRect l="-1043" t="-3081" r="-348"/>
+                </a:stretch>
+              </a:blipFill>
+            </p:spPr>
+            <p:txBody>
+              <a:bodyPr/>
+              <a:lstStyle/>
+              <a:p>
+                <a:r>
+                  <a:rPr lang="en-US">
+                    <a:noFill/>
+                  </a:rPr>
+                  <a:t> </a:t>
+                </a:r>
+              </a:p>
+            </p:txBody>
+          </p:sp>
+        </mc:Fallback>
+      </mc:AlternateContent>
+    </p:spTree>
+    <p:extLst>
+      <p:ext uri="{BB962C8B-B14F-4D97-AF65-F5344CB8AC3E}">
+        <p14:creationId xmlns:p14="http://schemas.microsoft.com/office/powerpoint/2010/main" val="3863686101"/>
+      </p:ext>
+    </p:extLst>
+  </p:cSld>
+  <p:clrMapOvr>
+    <a:masterClrMapping/>
+  </p:clrMapOvr>
+</p:sld>
+</file>
+
+<file path=ppt/slides/slide13.xml><?xml version="1.0" encoding="utf-8"?>
+<p:sld xmlns:a="http://schemas.openxmlformats.org/drawingml/2006/main" xmlns:r="http://schemas.openxmlformats.org/officeDocument/2006/relationships" xmlns:p="http://schemas.openxmlformats.org/presentationml/2006/main">
+  <p:cSld>
+    <p:spTree>
+      <p:nvGrpSpPr>
+        <p:cNvPr id="1" name=""/>
+        <p:cNvGrpSpPr/>
+        <p:nvPr/>
+      </p:nvGrpSpPr>
+      <p:grpSpPr>
+        <a:xfrm>
+          <a:off x="0" y="0"/>
+          <a:ext cx="0" cy="0"/>
+          <a:chOff x="0" y="0"/>
+          <a:chExt cx="0" cy="0"/>
+        </a:xfrm>
+      </p:grpSpPr>
+      <p:sp>
+        <p:nvSpPr>
+          <p:cNvPr id="2" name="Title 1"/>
+          <p:cNvSpPr>
+            <a:spLocks noGrp="1"/>
+          </p:cNvSpPr>
+          <p:nvPr>
+            <p:ph type="title"/>
+          </p:nvPr>
+        </p:nvSpPr>
+        <p:spPr/>
+        <p:txBody>
+          <a:bodyPr>
+            <a:normAutofit/>
+          </a:bodyPr>
+          <a:lstStyle/>
+          <a:p>
+            <a:r>
+              <a:rPr lang="en-US" dirty="0">
+                <a:solidFill>
+                  <a:srgbClr val="FF0000"/>
+                </a:solidFill>
+              </a:rPr>
+              <a:t>Gleason’s Theorem</a:t>
+            </a:r>
+          </a:p>
+        </p:txBody>
+      </p:sp>
+      <mc:AlternateContent xmlns:mc="http://schemas.openxmlformats.org/markup-compatibility/2006">
+        <mc:Choice xmlns:a14="http://schemas.microsoft.com/office/drawing/2010/main" Requires="a14">
+          <p:sp>
+            <p:nvSpPr>
+              <p:cNvPr id="3" name="Content Placeholder 2"/>
+              <p:cNvSpPr>
+                <a:spLocks noGrp="1"/>
+              </p:cNvSpPr>
+              <p:nvPr>
+                <p:ph idx="1"/>
+              </p:nvPr>
+            </p:nvSpPr>
+            <p:spPr/>
+            <p:txBody>
+              <a:bodyPr/>
+              <a:lstStyle/>
+              <a:p>
+                <a:pPr marL="0" indent="0">
+                  <a:buNone/>
+                </a:pPr>
+                <a:r>
+                  <a:rPr lang="en-US" b="1" dirty="0">
+                    <a:solidFill>
+                      <a:srgbClr val="FF0000"/>
+                    </a:solidFill>
+                  </a:rPr>
+                  <a:t>Theorem</a:t>
+                </a:r>
+                <a:r>
+                  <a:rPr lang="en-US" dirty="0">
+                    <a:solidFill>
+                      <a:srgbClr val="FF0000"/>
+                    </a:solidFill>
+                  </a:rPr>
+                  <a:t> (Gleason’s)</a:t>
+                </a:r>
+                <a:r>
+                  <a:rPr lang="en-US" dirty="0"/>
+                  <a:t> When dimension </a:t>
+                </a:r>
+                <a14:m>
+                  <m:oMath xmlns:m="http://schemas.openxmlformats.org/officeDocument/2006/math">
+                    <m:r>
+                      <a:rPr lang="en-US" b="0" i="1" smtClean="0">
+                        <a:latin typeface="Cambria Math" panose="02040503050406030204" pitchFamily="18" charset="0"/>
+                      </a:rPr>
+                      <m:t>𝑑</m:t>
+                    </m:r>
+                    <m:r>
+                      <a:rPr lang="en-US" b="0" i="1" smtClean="0">
+                        <a:latin typeface="Cambria Math" panose="02040503050406030204" pitchFamily="18" charset="0"/>
+                      </a:rPr>
+                      <m:t>≥3</m:t>
+                    </m:r>
+                  </m:oMath>
+                </a14:m>
+                <a:r>
+                  <a:rPr lang="en-US" dirty="0"/>
+                  <a:t>, given a quantum probability measure </a:t>
+                </a:r>
+                <a14:m>
+                  <m:oMath xmlns:m="http://schemas.openxmlformats.org/officeDocument/2006/math">
+                    <m:r>
+                      <a:rPr lang="en-US" i="1">
+                        <a:latin typeface="Cambria Math" panose="02040503050406030204" pitchFamily="18" charset="0"/>
+                      </a:rPr>
+                      <m:t>𝜇</m:t>
+                    </m:r>
+                    <m:r>
+                      <a:rPr lang="en-US" i="1">
+                        <a:latin typeface="Cambria Math" panose="02040503050406030204" pitchFamily="18" charset="0"/>
+                      </a:rPr>
+                      <m:t>:</m:t>
+                    </m:r>
+                    <m:r>
+                      <a:rPr lang="en-US" i="1">
+                        <a:latin typeface="Cambria Math" panose="02040503050406030204" pitchFamily="18" charset="0"/>
+                        <a:ea typeface="Cambria Math" panose="02040503050406030204" pitchFamily="18" charset="0"/>
+                      </a:rPr>
+                      <m:t>ℰ</m:t>
+                    </m:r>
+                    <m:r>
+                      <a:rPr lang="en-US" i="1">
+                        <a:latin typeface="Cambria Math" panose="02040503050406030204" pitchFamily="18" charset="0"/>
+                        <a:ea typeface="Cambria Math" panose="02040503050406030204" pitchFamily="18" charset="0"/>
+                      </a:rPr>
+                      <m:t>→</m:t>
+                    </m:r>
+                    <m:d>
+                      <m:dPr>
+                        <m:begChr m:val="["/>
+                        <m:endChr m:val="]"/>
+                        <m:ctrlPr>
+                          <a:rPr lang="en-US" i="1">
+                            <a:latin typeface="Cambria Math" panose="02040503050406030204" pitchFamily="18" charset="0"/>
+                            <a:ea typeface="Cambria Math" panose="02040503050406030204" pitchFamily="18" charset="0"/>
+                          </a:rPr>
+                        </m:ctrlPr>
+                      </m:dPr>
+                      <m:e>
+                        <m:r>
+                          <a:rPr lang="en-US" i="1">
+                            <a:latin typeface="Cambria Math" panose="02040503050406030204" pitchFamily="18" charset="0"/>
+                            <a:ea typeface="Cambria Math" panose="02040503050406030204" pitchFamily="18" charset="0"/>
+                          </a:rPr>
+                          <m:t>0,1</m:t>
+                        </m:r>
+                      </m:e>
+                    </m:d>
+                  </m:oMath>
+                </a14:m>
+                <a:r>
+                  <a:rPr lang="en-US" dirty="0"/>
+                  <a:t>, there exists a unique mixed state </a:t>
+                </a:r>
+                <a14:m>
+                  <m:oMath xmlns:m="http://schemas.openxmlformats.org/officeDocument/2006/math">
+                    <m:r>
+                      <a:rPr lang="en-US" b="0" i="1" smtClean="0">
+                        <a:latin typeface="Cambria Math" panose="02040503050406030204" pitchFamily="18" charset="0"/>
+                      </a:rPr>
+                      <m:t>𝜌</m:t>
+                    </m:r>
+                  </m:oMath>
+                </a14:m>
+                <a:r>
+                  <a:rPr lang="en-US" dirty="0"/>
+                  <a:t> such that</a:t>
+                </a:r>
+                <a:br>
+                  <a:rPr lang="en-US" dirty="0"/>
+                </a:br>
+                <a14:m>
+                  <m:oMathPara xmlns:m="http://schemas.openxmlformats.org/officeDocument/2006/math">
+                    <m:oMathParaPr>
+                      <m:jc m:val="centerGroup"/>
+                    </m:oMathParaPr>
+                    <m:oMath xmlns:m="http://schemas.openxmlformats.org/officeDocument/2006/math">
+                      <m:r>
+                        <a:rPr lang="en-US" i="1">
+                          <a:latin typeface="Cambria Math" panose="02040503050406030204" pitchFamily="18" charset="0"/>
+                        </a:rPr>
+                        <m:t>𝜇</m:t>
+                      </m:r>
+                      <m:d>
+                        <m:dPr>
+                          <m:ctrlPr>
+                            <a:rPr lang="en-US" b="0" i="1" smtClean="0">
+                              <a:latin typeface="Cambria Math" panose="02040503050406030204" pitchFamily="18" charset="0"/>
+                            </a:rPr>
+                          </m:ctrlPr>
+                        </m:dPr>
+                        <m:e>
+                          <m:r>
+                            <a:rPr lang="en-US" b="0" i="1" smtClean="0">
+                              <a:latin typeface="Cambria Math" panose="02040503050406030204" pitchFamily="18" charset="0"/>
+                            </a:rPr>
+                            <m:t>𝑃</m:t>
+                          </m:r>
+                        </m:e>
+                      </m:d>
+                      <m:r>
+                        <a:rPr lang="en-US" b="0" i="1" smtClean="0">
+                          <a:latin typeface="Cambria Math" panose="02040503050406030204" pitchFamily="18" charset="0"/>
+                        </a:rPr>
+                        <m:t>=</m:t>
+                      </m:r>
+                      <m:r>
+                        <m:rPr>
+                          <m:nor/>
+                        </m:rPr>
+                        <a:rPr lang="en-US" b="0" i="0" smtClean="0">
+                          <a:latin typeface="Cambria Math" panose="02040503050406030204" pitchFamily="18" charset="0"/>
+                        </a:rPr>
+                        <m:t>Tr</m:t>
+                      </m:r>
+                      <m:d>
+                        <m:dPr>
+                          <m:ctrlPr>
+                            <a:rPr lang="en-US" b="0" i="1" smtClean="0">
+                              <a:latin typeface="Cambria Math" panose="02040503050406030204" pitchFamily="18" charset="0"/>
+                            </a:rPr>
+                          </m:ctrlPr>
+                        </m:dPr>
+                        <m:e>
+                          <m:r>
+                            <a:rPr lang="en-US" b="0" i="1" smtClean="0">
+                              <a:latin typeface="Cambria Math" panose="02040503050406030204" pitchFamily="18" charset="0"/>
+                            </a:rPr>
+                            <m:t>𝜌</m:t>
+                          </m:r>
+                          <m:r>
+                            <a:rPr lang="en-US" b="0" i="1" smtClean="0">
+                              <a:latin typeface="Cambria Math" panose="02040503050406030204" pitchFamily="18" charset="0"/>
+                            </a:rPr>
+                            <m:t>𝑃</m:t>
+                          </m:r>
+                        </m:e>
+                      </m:d>
+                      <m:r>
+                        <a:rPr lang="en-US" b="0" i="1" smtClean="0">
+                          <a:latin typeface="Cambria Math" panose="02040503050406030204" pitchFamily="18" charset="0"/>
+                        </a:rPr>
+                        <m:t> .</m:t>
+                      </m:r>
+                    </m:oMath>
+                  </m:oMathPara>
+                </a14:m>
+                <a:endParaRPr lang="en-US" dirty="0"/>
+              </a:p>
+              <a:p>
+                <a:r>
+                  <a:rPr lang="en-US" dirty="0"/>
+                  <a:t>If we follow the same interpretation that </a:t>
+                </a:r>
+                <a14:m>
+                  <m:oMath xmlns:m="http://schemas.openxmlformats.org/officeDocument/2006/math">
+                    <m:r>
+                      <a:rPr lang="en-US" i="1">
+                        <a:latin typeface="Cambria Math" panose="02040503050406030204" pitchFamily="18" charset="0"/>
+                      </a:rPr>
+                      <m:t>𝜇</m:t>
+                    </m:r>
+                    <m:d>
+                      <m:dPr>
+                        <m:ctrlPr>
+                          <a:rPr lang="en-US" i="1">
+                            <a:latin typeface="Cambria Math" panose="02040503050406030204" pitchFamily="18" charset="0"/>
+                          </a:rPr>
+                        </m:ctrlPr>
+                      </m:dPr>
+                      <m:e>
+                        <m:r>
+                          <a:rPr lang="en-US" i="1">
+                            <a:latin typeface="Cambria Math" panose="02040503050406030204" pitchFamily="18" charset="0"/>
+                          </a:rPr>
+                          <m:t>𝑃</m:t>
+                        </m:r>
+                      </m:e>
+                    </m:d>
+                  </m:oMath>
+                </a14:m>
+                <a:r>
+                  <a:rPr lang="en-US" dirty="0"/>
+                  <a:t> is the probability of the particle in the split beams in </a:t>
+                </a:r>
+                <a14:m>
+                  <m:oMath xmlns:m="http://schemas.openxmlformats.org/officeDocument/2006/math">
+                    <m:r>
+                      <a:rPr lang="en-US" i="1">
+                        <a:latin typeface="Cambria Math" panose="02040503050406030204" pitchFamily="18" charset="0"/>
+                      </a:rPr>
+                      <m:t>𝑃</m:t>
+                    </m:r>
+                  </m:oMath>
+                </a14:m>
+                <a:r>
+                  <a:rPr lang="en-US" dirty="0"/>
+                  <a:t>, does </a:t>
+                </a:r>
+                <a14:m>
+                  <m:oMath xmlns:m="http://schemas.openxmlformats.org/officeDocument/2006/math">
+                    <m:r>
+                      <a:rPr lang="en-US" b="0" i="1" smtClean="0">
+                        <a:latin typeface="Cambria Math" panose="02040503050406030204" pitchFamily="18" charset="0"/>
+                      </a:rPr>
+                      <m:t>𝜌</m:t>
+                    </m:r>
+                  </m:oMath>
+                </a14:m>
+                <a:r>
+                  <a:rPr lang="en-US" dirty="0"/>
+                  <a:t> represent the state of the particle sending to the beam splitter?</a:t>
+                </a:r>
+              </a:p>
+            </p:txBody>
+          </p:sp>
+        </mc:Choice>
+        <mc:Fallback>
+          <p:sp>
+            <p:nvSpPr>
+              <p:cNvPr id="3" name="Content Placeholder 2"/>
+              <p:cNvSpPr>
+                <a:spLocks noGrp="1" noRot="1" noChangeAspect="1" noMove="1" noResize="1" noEditPoints="1" noAdjustHandles="1" noChangeArrowheads="1" noChangeShapeType="1" noTextEdit="1"/>
+              </p:cNvSpPr>
+              <p:nvPr>
+                <p:ph idx="1"/>
+              </p:nvPr>
+            </p:nvSpPr>
+            <p:spPr>
+              <a:blipFill>
+                <a:blip r:embed="rId2"/>
+                <a:stretch>
+                  <a:fillRect l="-1217" t="-2241"/>
+                </a:stretch>
+              </a:blipFill>
+            </p:spPr>
+            <p:txBody>
+              <a:bodyPr/>
+              <a:lstStyle/>
+              <a:p>
+                <a:r>
+                  <a:rPr lang="en-US">
+                    <a:noFill/>
+                  </a:rPr>
+                  <a:t> </a:t>
+                </a:r>
+              </a:p>
+            </p:txBody>
+          </p:sp>
+        </mc:Fallback>
+      </mc:AlternateContent>
+    </p:spTree>
+    <p:extLst>
+      <p:ext uri="{BB962C8B-B14F-4D97-AF65-F5344CB8AC3E}">
+        <p14:creationId xmlns:p14="http://schemas.microsoft.com/office/powerpoint/2010/main" val="3410314300"/>
+      </p:ext>
+    </p:extLst>
+  </p:cSld>
+  <p:clrMapOvr>
+    <a:masterClrMapping/>
+  </p:clrMapOvr>
+</p:sld>
+</file>
+
+<file path=ppt/slides/slide14.xml><?xml version="1.0" encoding="utf-8"?>
+<p:sld xmlns:a="http://schemas.openxmlformats.org/drawingml/2006/main" xmlns:r="http://schemas.openxmlformats.org/officeDocument/2006/relationships" xmlns:p="http://schemas.openxmlformats.org/presentationml/2006/main">
+  <p:cSld>
+    <p:spTree>
+      <p:nvGrpSpPr>
+        <p:cNvPr id="1" name=""/>
+        <p:cNvGrpSpPr/>
+        <p:nvPr/>
+      </p:nvGrpSpPr>
+      <p:grpSpPr>
+        <a:xfrm>
+          <a:off x="0" y="0"/>
+          <a:ext cx="0" cy="0"/>
+          <a:chOff x="0" y="0"/>
+          <a:chExt cx="0" cy="0"/>
+        </a:xfrm>
+      </p:grpSpPr>
+      <p:sp>
+        <p:nvSpPr>
+          <p:cNvPr id="2" name="Title 1"/>
+          <p:cNvSpPr>
+            <a:spLocks noGrp="1"/>
+          </p:cNvSpPr>
+          <p:nvPr>
+            <p:ph type="title"/>
+          </p:nvPr>
+        </p:nvSpPr>
+        <p:spPr/>
+        <p:txBody>
+          <a:bodyPr>
+            <a:normAutofit/>
+          </a:bodyPr>
+          <a:lstStyle/>
+          <a:p>
+            <a:r>
+              <a:rPr lang="en-US" dirty="0">
+                <a:solidFill>
+                  <a:srgbClr val="FF0000"/>
+                </a:solidFill>
+              </a:rPr>
+              <a:t>Born Rule</a:t>
+            </a:r>
+          </a:p>
+        </p:txBody>
+      </p:sp>
+      <mc:AlternateContent xmlns:mc="http://schemas.openxmlformats.org/markup-compatibility/2006">
+        <mc:Choice xmlns:a14="http://schemas.microsoft.com/office/drawing/2010/main" Requires="a14">
+          <p:sp>
+            <p:nvSpPr>
+              <p:cNvPr id="3" name="Content Placeholder 2"/>
+              <p:cNvSpPr>
+                <a:spLocks noGrp="1"/>
+              </p:cNvSpPr>
+              <p:nvPr>
+                <p:ph idx="1"/>
+              </p:nvPr>
+            </p:nvSpPr>
+            <p:spPr/>
+            <p:txBody>
+              <a:bodyPr/>
+              <a:lstStyle/>
+              <a:p>
+                <a:r>
+                  <a:rPr lang="en-US" dirty="0"/>
+                  <a:t>Let </a:t>
+                </a:r>
+                <a14:m>
+                  <m:oMath xmlns:m="http://schemas.openxmlformats.org/officeDocument/2006/math">
+                    <m:sSubSup>
+                      <m:sSubSupPr>
+                        <m:ctrlPr>
+                          <a:rPr lang="en-US" i="1">
+                            <a:latin typeface="Cambria Math" panose="02040503050406030204" pitchFamily="18" charset="0"/>
+                          </a:rPr>
+                        </m:ctrlPr>
+                      </m:sSubSupPr>
+                      <m:e>
+                        <m:r>
+                          <a:rPr lang="en-US" i="1">
+                            <a:latin typeface="Cambria Math" panose="02040503050406030204" pitchFamily="18" charset="0"/>
+                          </a:rPr>
+                          <m:t>𝜇</m:t>
+                        </m:r>
+                      </m:e>
+                      <m:sub>
+                        <m:r>
+                          <m:rPr>
+                            <m:sty m:val="p"/>
+                          </m:rPr>
+                          <a:rPr lang="en-US">
+                            <a:latin typeface="Cambria Math" panose="02040503050406030204" pitchFamily="18" charset="0"/>
+                          </a:rPr>
+                          <m:t>Φ</m:t>
+                        </m:r>
+                      </m:sub>
+                      <m:sup>
+                        <m:r>
+                          <m:rPr>
+                            <m:nor/>
+                          </m:rPr>
+                          <a:rPr lang="en-US">
+                            <a:latin typeface="Cambria Math" panose="02040503050406030204" pitchFamily="18" charset="0"/>
+                          </a:rPr>
+                          <m:t>B</m:t>
+                        </m:r>
+                      </m:sup>
+                    </m:sSubSup>
+                    <m:d>
+                      <m:dPr>
+                        <m:ctrlPr>
+                          <a:rPr lang="en-US" i="1">
+                            <a:latin typeface="Cambria Math" panose="02040503050406030204" pitchFamily="18" charset="0"/>
+                          </a:rPr>
+                        </m:ctrlPr>
+                      </m:dPr>
+                      <m:e>
+                        <m:r>
+                          <a:rPr lang="en-US" i="1">
+                            <a:latin typeface="Cambria Math" panose="02040503050406030204" pitchFamily="18" charset="0"/>
+                          </a:rPr>
+                          <m:t>𝑃</m:t>
+                        </m:r>
+                      </m:e>
+                    </m:d>
+                  </m:oMath>
+                </a14:m>
+                <a:r>
+                  <a:rPr lang="en-US" dirty="0"/>
+                  <a:t> denote the quantum probability measure created by the particle in the normalized pure state </a:t>
+                </a:r>
+                <a14:m>
+                  <m:oMath xmlns:m="http://schemas.openxmlformats.org/officeDocument/2006/math">
+                    <m:d>
+                      <m:dPr>
+                        <m:begChr m:val="|"/>
+                        <m:endChr m:val="⟩"/>
+                        <m:ctrlPr>
+                          <a:rPr lang="en-US" b="0" i="0" smtClean="0">
+                            <a:latin typeface="Cambria Math" panose="02040503050406030204" pitchFamily="18" charset="0"/>
+                          </a:rPr>
+                        </m:ctrlPr>
+                      </m:dPr>
+                      <m:e>
+                        <m:r>
+                          <m:rPr>
+                            <m:sty m:val="p"/>
+                          </m:rPr>
+                          <a:rPr lang="en-US">
+                            <a:latin typeface="Cambria Math" panose="02040503050406030204" pitchFamily="18" charset="0"/>
+                          </a:rPr>
+                          <m:t>Φ</m:t>
+                        </m:r>
+                      </m:e>
+                    </m:d>
+                  </m:oMath>
+                </a14:m>
+                <a:r>
+                  <a:rPr lang="en-US" dirty="0"/>
+                  <a:t>. It should satisfy:</a:t>
+                </a:r>
+              </a:p>
+              <a:p>
+                <a:pPr lvl="1"/>
+                <a14:m>
+                  <m:oMath xmlns:m="http://schemas.openxmlformats.org/officeDocument/2006/math">
+                    <m:r>
+                      <a:rPr lang="en-US" b="0" i="1" smtClean="0">
+                        <a:latin typeface="Cambria Math" panose="02040503050406030204" pitchFamily="18" charset="0"/>
+                      </a:rPr>
+                      <m:t>𝑃</m:t>
+                    </m:r>
+                    <m:d>
+                      <m:dPr>
+                        <m:begChr m:val="|"/>
+                        <m:endChr m:val="⟩"/>
+                        <m:ctrlPr>
+                          <a:rPr lang="en-US" b="0" i="1" smtClean="0">
+                            <a:latin typeface="Cambria Math" panose="02040503050406030204" pitchFamily="18" charset="0"/>
+                          </a:rPr>
+                        </m:ctrlPr>
+                      </m:dPr>
+                      <m:e>
+                        <m:r>
+                          <m:rPr>
+                            <m:sty m:val="p"/>
+                          </m:rPr>
+                          <a:rPr lang="en-US" b="0" i="0" smtClean="0">
+                            <a:latin typeface="Cambria Math" panose="02040503050406030204" pitchFamily="18" charset="0"/>
+                          </a:rPr>
+                          <m:t>Φ</m:t>
+                        </m:r>
+                      </m:e>
+                    </m:d>
+                    <m:r>
+                      <a:rPr lang="en-US" b="0" i="1" smtClean="0">
+                        <a:latin typeface="Cambria Math" panose="02040503050406030204" pitchFamily="18" charset="0"/>
+                      </a:rPr>
+                      <m:t>=</m:t>
+                    </m:r>
+                    <m:d>
+                      <m:dPr>
+                        <m:begChr m:val="|"/>
+                        <m:endChr m:val="⟩"/>
+                        <m:ctrlPr>
+                          <a:rPr lang="en-US" i="1">
+                            <a:latin typeface="Cambria Math" panose="02040503050406030204" pitchFamily="18" charset="0"/>
+                          </a:rPr>
+                        </m:ctrlPr>
+                      </m:dPr>
+                      <m:e>
+                        <m:r>
+                          <m:rPr>
+                            <m:sty m:val="p"/>
+                          </m:rPr>
+                          <a:rPr lang="en-US">
+                            <a:latin typeface="Cambria Math" panose="02040503050406030204" pitchFamily="18" charset="0"/>
+                          </a:rPr>
+                          <m:t>Φ</m:t>
+                        </m:r>
+                      </m:e>
+                    </m:d>
+                  </m:oMath>
+                </a14:m>
+                <a:r>
+                  <a:rPr lang="en-US" dirty="0"/>
+                  <a:t> if and only if </a:t>
+                </a:r>
+                <a14:m>
+                  <m:oMath xmlns:m="http://schemas.openxmlformats.org/officeDocument/2006/math">
+                    <m:sSubSup>
+                      <m:sSubSupPr>
+                        <m:ctrlPr>
+                          <a:rPr lang="en-US" i="1">
+                            <a:latin typeface="Cambria Math" panose="02040503050406030204" pitchFamily="18" charset="0"/>
+                          </a:rPr>
+                        </m:ctrlPr>
+                      </m:sSubSupPr>
+                      <m:e>
+                        <m:r>
+                          <a:rPr lang="en-US" i="1">
+                            <a:latin typeface="Cambria Math" panose="02040503050406030204" pitchFamily="18" charset="0"/>
+                          </a:rPr>
+                          <m:t>𝜇</m:t>
+                        </m:r>
+                      </m:e>
+                      <m:sub>
+                        <m:r>
+                          <m:rPr>
+                            <m:sty m:val="p"/>
+                          </m:rPr>
+                          <a:rPr lang="en-US">
+                            <a:latin typeface="Cambria Math" panose="02040503050406030204" pitchFamily="18" charset="0"/>
+                          </a:rPr>
+                          <m:t>Φ</m:t>
+                        </m:r>
+                      </m:sub>
+                      <m:sup>
+                        <m:r>
+                          <m:rPr>
+                            <m:nor/>
+                          </m:rPr>
+                          <a:rPr lang="en-US">
+                            <a:latin typeface="Cambria Math" panose="02040503050406030204" pitchFamily="18" charset="0"/>
+                          </a:rPr>
+                          <m:t>B</m:t>
+                        </m:r>
+                      </m:sup>
+                    </m:sSubSup>
+                    <m:d>
+                      <m:dPr>
+                        <m:ctrlPr>
+                          <a:rPr lang="en-US" i="1">
+                            <a:latin typeface="Cambria Math" panose="02040503050406030204" pitchFamily="18" charset="0"/>
+                          </a:rPr>
+                        </m:ctrlPr>
+                      </m:dPr>
+                      <m:e>
+                        <m:r>
+                          <a:rPr lang="en-US" i="1">
+                            <a:latin typeface="Cambria Math" panose="02040503050406030204" pitchFamily="18" charset="0"/>
+                          </a:rPr>
+                          <m:t>𝑃</m:t>
+                        </m:r>
+                      </m:e>
+                    </m:d>
+                    <m:r>
+                      <a:rPr lang="en-US" b="0" i="1" smtClean="0">
+                        <a:latin typeface="Cambria Math" panose="02040503050406030204" pitchFamily="18" charset="0"/>
+                      </a:rPr>
+                      <m:t>=1</m:t>
+                    </m:r>
+                  </m:oMath>
+                </a14:m>
+                <a:r>
+                  <a:rPr lang="en-US" dirty="0"/>
+                  <a:t>.</a:t>
+                </a:r>
+              </a:p>
+              <a:p>
+                <a:pPr lvl="1"/>
+                <a14:m>
+                  <m:oMath xmlns:m="http://schemas.openxmlformats.org/officeDocument/2006/math">
+                    <m:sSubSup>
+                      <m:sSubSupPr>
+                        <m:ctrlPr>
+                          <a:rPr lang="en-US" i="1">
+                            <a:latin typeface="Cambria Math" panose="02040503050406030204" pitchFamily="18" charset="0"/>
+                          </a:rPr>
+                        </m:ctrlPr>
+                      </m:sSubSupPr>
+                      <m:e>
+                        <m:r>
+                          <a:rPr lang="en-US" i="1">
+                            <a:latin typeface="Cambria Math" panose="02040503050406030204" pitchFamily="18" charset="0"/>
+                          </a:rPr>
+                          <m:t>𝜇</m:t>
+                        </m:r>
+                      </m:e>
+                      <m:sub>
+                        <m:r>
+                          <m:rPr>
+                            <m:sty m:val="p"/>
+                          </m:rPr>
+                          <a:rPr lang="en-US">
+                            <a:latin typeface="Cambria Math" panose="02040503050406030204" pitchFamily="18" charset="0"/>
+                          </a:rPr>
+                          <m:t>Φ</m:t>
+                        </m:r>
+                      </m:sub>
+                      <m:sup>
+                        <m:r>
+                          <m:rPr>
+                            <m:nor/>
+                          </m:rPr>
+                          <a:rPr lang="en-US">
+                            <a:latin typeface="Cambria Math" panose="02040503050406030204" pitchFamily="18" charset="0"/>
+                          </a:rPr>
+                          <m:t>B</m:t>
+                        </m:r>
+                      </m:sup>
+                    </m:sSubSup>
+                    <m:d>
+                      <m:dPr>
+                        <m:ctrlPr>
+                          <a:rPr lang="en-US" i="1">
+                            <a:latin typeface="Cambria Math" panose="02040503050406030204" pitchFamily="18" charset="0"/>
+                          </a:rPr>
+                        </m:ctrlPr>
+                      </m:dPr>
+                      <m:e>
+                        <m:r>
+                          <a:rPr lang="en-US" i="1">
+                            <a:latin typeface="Cambria Math" panose="02040503050406030204" pitchFamily="18" charset="0"/>
+                          </a:rPr>
+                          <m:t>𝑃</m:t>
+                        </m:r>
+                      </m:e>
+                    </m:d>
+                    <m:r>
+                      <a:rPr lang="en-US" i="1">
+                        <a:latin typeface="Cambria Math" panose="02040503050406030204" pitchFamily="18" charset="0"/>
+                      </a:rPr>
+                      <m:t>=</m:t>
+                    </m:r>
+                    <m:sSubSup>
+                      <m:sSubSupPr>
+                        <m:ctrlPr>
+                          <a:rPr lang="en-US" i="1">
+                            <a:latin typeface="Cambria Math" panose="02040503050406030204" pitchFamily="18" charset="0"/>
+                          </a:rPr>
+                        </m:ctrlPr>
+                      </m:sSubSupPr>
+                      <m:e>
+                        <m:r>
+                          <a:rPr lang="en-US" i="1">
+                            <a:latin typeface="Cambria Math" panose="02040503050406030204" pitchFamily="18" charset="0"/>
+                          </a:rPr>
+                          <m:t>𝜇</m:t>
+                        </m:r>
+                      </m:e>
+                      <m:sub>
+                        <m:r>
+                          <a:rPr lang="en-US" b="0" i="1" smtClean="0">
+                            <a:latin typeface="Cambria Math" panose="02040503050406030204" pitchFamily="18" charset="0"/>
+                          </a:rPr>
+                          <m:t>𝑈</m:t>
+                        </m:r>
+                        <m:d>
+                          <m:dPr>
+                            <m:begChr m:val="|"/>
+                            <m:endChr m:val="⟩"/>
+                            <m:ctrlPr>
+                              <a:rPr lang="en-US" b="0" i="1" smtClean="0">
+                                <a:latin typeface="Cambria Math" panose="02040503050406030204" pitchFamily="18" charset="0"/>
+                              </a:rPr>
+                            </m:ctrlPr>
+                          </m:dPr>
+                          <m:e>
+                            <m:r>
+                              <m:rPr>
+                                <m:sty m:val="p"/>
+                              </m:rPr>
+                              <a:rPr lang="en-US">
+                                <a:latin typeface="Cambria Math" panose="02040503050406030204" pitchFamily="18" charset="0"/>
+                              </a:rPr>
+                              <m:t>Φ</m:t>
+                            </m:r>
+                          </m:e>
+                        </m:d>
+                      </m:sub>
+                      <m:sup>
+                        <m:r>
+                          <m:rPr>
+                            <m:nor/>
+                          </m:rPr>
+                          <a:rPr lang="en-US">
+                            <a:latin typeface="Cambria Math" panose="02040503050406030204" pitchFamily="18" charset="0"/>
+                          </a:rPr>
+                          <m:t>B</m:t>
+                        </m:r>
+                      </m:sup>
+                    </m:sSubSup>
+                    <m:d>
+                      <m:dPr>
+                        <m:ctrlPr>
+                          <a:rPr lang="en-US" i="1">
+                            <a:latin typeface="Cambria Math" panose="02040503050406030204" pitchFamily="18" charset="0"/>
+                          </a:rPr>
+                        </m:ctrlPr>
+                      </m:dPr>
+                      <m:e>
+                        <m:r>
+                          <a:rPr lang="en-US" b="0" i="1" smtClean="0">
+                            <a:latin typeface="Cambria Math" panose="02040503050406030204" pitchFamily="18" charset="0"/>
+                          </a:rPr>
+                          <m:t>𝑈</m:t>
+                        </m:r>
+                        <m:r>
+                          <a:rPr lang="en-US" i="1">
+                            <a:latin typeface="Cambria Math" panose="02040503050406030204" pitchFamily="18" charset="0"/>
+                          </a:rPr>
+                          <m:t>𝑃</m:t>
+                        </m:r>
+                        <m:sSup>
+                          <m:sSupPr>
+                            <m:ctrlPr>
+                              <a:rPr lang="en-US" b="0" i="1" smtClean="0">
+                                <a:latin typeface="Cambria Math" panose="02040503050406030204" pitchFamily="18" charset="0"/>
+                              </a:rPr>
+                            </m:ctrlPr>
+                          </m:sSupPr>
+                          <m:e>
+                            <m:r>
+                              <a:rPr lang="en-US" b="0" i="1" smtClean="0">
+                                <a:latin typeface="Cambria Math" panose="02040503050406030204" pitchFamily="18" charset="0"/>
+                              </a:rPr>
+                              <m:t>𝑈</m:t>
+                            </m:r>
+                          </m:e>
+                          <m:sup>
+                            <m:r>
+                              <a:rPr lang="en-US" i="1">
+                                <a:latin typeface="Cambria Math" panose="02040503050406030204" pitchFamily="18" charset="0"/>
+                                <a:ea typeface="Cambria Math" panose="02040503050406030204" pitchFamily="18" charset="0"/>
+                              </a:rPr>
+                              <m:t>†</m:t>
+                            </m:r>
+                          </m:sup>
+                        </m:sSup>
+                      </m:e>
+                    </m:d>
+                  </m:oMath>
+                </a14:m>
+                <a:r>
+                  <a:rPr lang="en-US" dirty="0"/>
+                  <a:t> for unitary </a:t>
+                </a:r>
+                <a14:m>
+                  <m:oMath xmlns:m="http://schemas.openxmlformats.org/officeDocument/2006/math">
+                    <m:r>
+                      <a:rPr lang="en-US" b="0" i="1" smtClean="0">
+                        <a:latin typeface="Cambria Math" panose="02040503050406030204" pitchFamily="18" charset="0"/>
+                      </a:rPr>
+                      <m:t>𝑈</m:t>
+                    </m:r>
+                  </m:oMath>
+                </a14:m>
+                <a:r>
+                  <a:rPr lang="en-US" dirty="0"/>
+                  <a:t>.</a:t>
+                </a:r>
+              </a:p>
+              <a:p>
+                <a:r>
+                  <a:rPr lang="en-US" dirty="0"/>
+                  <a:t>Then, </a:t>
+                </a:r>
+                <a14:m>
+                  <m:oMath xmlns:m="http://schemas.openxmlformats.org/officeDocument/2006/math">
+                    <m:sSubSup>
+                      <m:sSubSupPr>
+                        <m:ctrlPr>
+                          <a:rPr lang="en-US" i="1">
+                            <a:latin typeface="Cambria Math" panose="02040503050406030204" pitchFamily="18" charset="0"/>
+                          </a:rPr>
+                        </m:ctrlPr>
+                      </m:sSubSupPr>
+                      <m:e>
+                        <m:r>
+                          <a:rPr lang="en-US" i="1">
+                            <a:latin typeface="Cambria Math" panose="02040503050406030204" pitchFamily="18" charset="0"/>
+                          </a:rPr>
+                          <m:t>𝜇</m:t>
+                        </m:r>
+                      </m:e>
+                      <m:sub>
+                        <m:r>
+                          <m:rPr>
+                            <m:sty m:val="p"/>
+                          </m:rPr>
+                          <a:rPr lang="en-US">
+                            <a:latin typeface="Cambria Math" panose="02040503050406030204" pitchFamily="18" charset="0"/>
+                          </a:rPr>
+                          <m:t>Φ</m:t>
+                        </m:r>
+                      </m:sub>
+                      <m:sup>
+                        <m:r>
+                          <m:rPr>
+                            <m:nor/>
+                          </m:rPr>
+                          <a:rPr lang="en-US">
+                            <a:latin typeface="Cambria Math" panose="02040503050406030204" pitchFamily="18" charset="0"/>
+                          </a:rPr>
+                          <m:t>B</m:t>
+                        </m:r>
+                      </m:sup>
+                    </m:sSubSup>
+                    <m:d>
+                      <m:dPr>
+                        <m:ctrlPr>
+                          <a:rPr lang="en-US" i="1">
+                            <a:latin typeface="Cambria Math" panose="02040503050406030204" pitchFamily="18" charset="0"/>
+                          </a:rPr>
+                        </m:ctrlPr>
+                      </m:dPr>
+                      <m:e>
+                        <m:r>
+                          <a:rPr lang="en-US" i="1">
+                            <a:latin typeface="Cambria Math" panose="02040503050406030204" pitchFamily="18" charset="0"/>
+                          </a:rPr>
+                          <m:t>𝑃</m:t>
+                        </m:r>
+                      </m:e>
+                    </m:d>
+                    <m:r>
+                      <a:rPr lang="en-US" i="1">
+                        <a:latin typeface="Cambria Math" panose="02040503050406030204" pitchFamily="18" charset="0"/>
+                      </a:rPr>
+                      <m:t>=</m:t>
+                    </m:r>
+                    <m:d>
+                      <m:dPr>
+                        <m:begChr m:val="⟨"/>
+                        <m:endChr m:val="⟩"/>
+                        <m:sepChr m:val="∣"/>
+                        <m:ctrlPr>
+                          <a:rPr lang="en-US" i="1">
+                            <a:latin typeface="Cambria Math" panose="02040503050406030204" pitchFamily="18" charset="0"/>
+                          </a:rPr>
+                        </m:ctrlPr>
+                      </m:dPr>
+                      <m:e>
+                        <m:r>
+                          <m:rPr>
+                            <m:sty m:val="p"/>
+                          </m:rPr>
+                          <a:rPr lang="en-US">
+                            <a:latin typeface="Cambria Math" panose="02040503050406030204" pitchFamily="18" charset="0"/>
+                          </a:rPr>
+                          <m:t>Φ</m:t>
+                        </m:r>
+                      </m:e>
+                      <m:e>
+                        <m:r>
+                          <a:rPr lang="en-US" i="1">
+                            <a:latin typeface="Cambria Math" panose="02040503050406030204" pitchFamily="18" charset="0"/>
+                          </a:rPr>
+                          <m:t>𝑃</m:t>
+                        </m:r>
+                      </m:e>
+                      <m:e>
+                        <m:r>
+                          <m:rPr>
+                            <m:sty m:val="p"/>
+                          </m:rPr>
+                          <a:rPr lang="en-US">
+                            <a:latin typeface="Cambria Math" panose="02040503050406030204" pitchFamily="18" charset="0"/>
+                          </a:rPr>
+                          <m:t>Φ</m:t>
+                        </m:r>
+                      </m:e>
+                    </m:d>
+                  </m:oMath>
+                </a14:m>
+                <a:r>
+                  <a:rPr lang="en-US" dirty="0"/>
+                  <a:t> is called the Born rule.</a:t>
+                </a:r>
+              </a:p>
+              <a:p>
+                <a:r>
+                  <a:rPr lang="en-US" dirty="0"/>
+                  <a:t>For a mixed state </a:t>
+                </a:r>
+                <a14:m>
+                  <m:oMath xmlns:m="http://schemas.openxmlformats.org/officeDocument/2006/math">
+                    <m:r>
+                      <a:rPr lang="en-US" i="1">
+                        <a:latin typeface="Cambria Math" panose="02040503050406030204" pitchFamily="18" charset="0"/>
+                      </a:rPr>
+                      <m:t>𝜌</m:t>
+                    </m:r>
+                    <m:r>
+                      <a:rPr lang="en-US" i="1">
+                        <a:latin typeface="Cambria Math" panose="02040503050406030204" pitchFamily="18" charset="0"/>
+                      </a:rPr>
+                      <m:t>=</m:t>
+                    </m:r>
+                    <m:nary>
+                      <m:naryPr>
+                        <m:chr m:val="∑"/>
+                        <m:ctrlPr>
+                          <a:rPr lang="en-US" i="1">
+                            <a:latin typeface="Cambria Math" panose="02040503050406030204" pitchFamily="18" charset="0"/>
+                          </a:rPr>
+                        </m:ctrlPr>
+                      </m:naryPr>
+                      <m:sub>
+                        <m:r>
+                          <m:rPr>
+                            <m:brk m:alnAt="23"/>
+                          </m:rPr>
+                          <a:rPr lang="en-US" i="1">
+                            <a:latin typeface="Cambria Math" panose="02040503050406030204" pitchFamily="18" charset="0"/>
+                          </a:rPr>
+                          <m:t>𝑗</m:t>
+                        </m:r>
+                        <m:r>
+                          <a:rPr lang="en-US" i="1">
+                            <a:latin typeface="Cambria Math" panose="02040503050406030204" pitchFamily="18" charset="0"/>
+                          </a:rPr>
+                          <m:t>=1</m:t>
+                        </m:r>
+                      </m:sub>
+                      <m:sup>
+                        <m:r>
+                          <a:rPr lang="en-US" i="1">
+                            <a:latin typeface="Cambria Math" panose="02040503050406030204" pitchFamily="18" charset="0"/>
+                          </a:rPr>
+                          <m:t>𝑁</m:t>
+                        </m:r>
+                      </m:sup>
+                      <m:e>
+                        <m:sSub>
+                          <m:sSubPr>
+                            <m:ctrlPr>
+                              <a:rPr lang="en-US" i="1">
+                                <a:latin typeface="Cambria Math" panose="02040503050406030204" pitchFamily="18" charset="0"/>
+                              </a:rPr>
+                            </m:ctrlPr>
+                          </m:sSubPr>
+                          <m:e>
+                            <m:r>
+                              <a:rPr lang="en-US" i="1">
+                                <a:latin typeface="Cambria Math" panose="02040503050406030204" pitchFamily="18" charset="0"/>
+                              </a:rPr>
+                              <m:t>𝑞</m:t>
+                            </m:r>
+                          </m:e>
+                          <m:sub>
+                            <m:r>
+                              <a:rPr lang="en-US" i="1">
+                                <a:latin typeface="Cambria Math" panose="02040503050406030204" pitchFamily="18" charset="0"/>
+                              </a:rPr>
+                              <m:t>𝑗</m:t>
+                            </m:r>
+                          </m:sub>
+                        </m:sSub>
+                        <m:d>
+                          <m:dPr>
+                            <m:begChr m:val="|"/>
+                            <m:endChr m:val="⟩"/>
+                            <m:ctrlPr>
+                              <a:rPr lang="en-US" i="1">
+                                <a:latin typeface="Cambria Math" panose="02040503050406030204" pitchFamily="18" charset="0"/>
+                              </a:rPr>
+                            </m:ctrlPr>
+                          </m:dPr>
+                          <m:e>
+                            <m:sSub>
+                              <m:sSubPr>
+                                <m:ctrlPr>
+                                  <a:rPr lang="en-US" i="1">
+                                    <a:latin typeface="Cambria Math" panose="02040503050406030204" pitchFamily="18" charset="0"/>
+                                  </a:rPr>
+                                </m:ctrlPr>
+                              </m:sSubPr>
+                              <m:e>
+                                <m:r>
+                                  <m:rPr>
+                                    <m:sty m:val="p"/>
+                                  </m:rPr>
+                                  <a:rPr lang="en-US">
+                                    <a:latin typeface="Cambria Math" panose="02040503050406030204" pitchFamily="18" charset="0"/>
+                                  </a:rPr>
+                                  <m:t>Φ</m:t>
+                                </m:r>
+                              </m:e>
+                              <m:sub>
+                                <m:r>
+                                  <a:rPr lang="en-US" i="1">
+                                    <a:latin typeface="Cambria Math" panose="02040503050406030204" pitchFamily="18" charset="0"/>
+                                  </a:rPr>
+                                  <m:t>𝑖</m:t>
+                                </m:r>
+                              </m:sub>
+                            </m:sSub>
+                          </m:e>
+                        </m:d>
+                        <m:d>
+                          <m:dPr>
+                            <m:begChr m:val="⟨"/>
+                            <m:endChr m:val="|"/>
+                            <m:ctrlPr>
+                              <a:rPr lang="en-US" i="1">
+                                <a:latin typeface="Cambria Math" panose="02040503050406030204" pitchFamily="18" charset="0"/>
+                              </a:rPr>
+                            </m:ctrlPr>
+                          </m:dPr>
+                          <m:e>
+                            <m:sSub>
+                              <m:sSubPr>
+                                <m:ctrlPr>
+                                  <a:rPr lang="en-US" i="1">
+                                    <a:latin typeface="Cambria Math" panose="02040503050406030204" pitchFamily="18" charset="0"/>
+                                  </a:rPr>
+                                </m:ctrlPr>
+                              </m:sSubPr>
+                              <m:e>
+                                <m:r>
+                                  <m:rPr>
+                                    <m:sty m:val="p"/>
+                                  </m:rPr>
+                                  <a:rPr lang="en-US">
+                                    <a:latin typeface="Cambria Math" panose="02040503050406030204" pitchFamily="18" charset="0"/>
+                                  </a:rPr>
+                                  <m:t>Φ</m:t>
+                                </m:r>
+                              </m:e>
+                              <m:sub>
+                                <m:r>
+                                  <a:rPr lang="en-US" i="1">
+                                    <a:latin typeface="Cambria Math" panose="02040503050406030204" pitchFamily="18" charset="0"/>
+                                  </a:rPr>
+                                  <m:t>𝑖</m:t>
+                                </m:r>
+                              </m:sub>
+                            </m:sSub>
+                          </m:e>
+                        </m:d>
+                      </m:e>
+                    </m:nary>
+                  </m:oMath>
+                </a14:m>
+                <a:r>
+                  <a:rPr lang="en-US" dirty="0"/>
+                  <a:t>, </a:t>
+                </a:r>
+                <a:br>
+                  <a:rPr lang="en-US" dirty="0"/>
+                </a:br>
+                <a14:m>
+                  <m:oMath xmlns:m="http://schemas.openxmlformats.org/officeDocument/2006/math">
+                    <m:sSubSup>
+                      <m:sSubSupPr>
+                        <m:ctrlPr>
+                          <a:rPr lang="en-US" i="1">
+                            <a:latin typeface="Cambria Math" panose="02040503050406030204" pitchFamily="18" charset="0"/>
+                          </a:rPr>
+                        </m:ctrlPr>
+                      </m:sSubSupPr>
+                      <m:e>
+                        <m:r>
+                          <a:rPr lang="en-US" i="1">
+                            <a:latin typeface="Cambria Math" panose="02040503050406030204" pitchFamily="18" charset="0"/>
+                          </a:rPr>
+                          <m:t>𝜇</m:t>
+                        </m:r>
+                      </m:e>
+                      <m:sub>
+                        <m:r>
+                          <a:rPr lang="en-US" b="0" i="1" smtClean="0">
+                            <a:latin typeface="Cambria Math" panose="02040503050406030204" pitchFamily="18" charset="0"/>
+                          </a:rPr>
+                          <m:t>𝜌</m:t>
+                        </m:r>
+                      </m:sub>
+                      <m:sup>
+                        <m:r>
+                          <m:rPr>
+                            <m:nor/>
+                          </m:rPr>
+                          <a:rPr lang="en-US">
+                            <a:latin typeface="Cambria Math" panose="02040503050406030204" pitchFamily="18" charset="0"/>
+                          </a:rPr>
+                          <m:t>B</m:t>
+                        </m:r>
+                      </m:sup>
+                    </m:sSubSup>
+                    <m:d>
+                      <m:dPr>
+                        <m:ctrlPr>
+                          <a:rPr lang="en-US" i="1">
+                            <a:latin typeface="Cambria Math" panose="02040503050406030204" pitchFamily="18" charset="0"/>
+                          </a:rPr>
+                        </m:ctrlPr>
+                      </m:dPr>
+                      <m:e>
+                        <m:r>
+                          <a:rPr lang="en-US" i="1">
+                            <a:latin typeface="Cambria Math" panose="02040503050406030204" pitchFamily="18" charset="0"/>
+                          </a:rPr>
+                          <m:t>𝑃</m:t>
+                        </m:r>
+                      </m:e>
+                    </m:d>
+                    <m:r>
+                      <a:rPr lang="en-US" i="1">
+                        <a:latin typeface="Cambria Math" panose="02040503050406030204" pitchFamily="18" charset="0"/>
+                      </a:rPr>
+                      <m:t>=</m:t>
+                    </m:r>
+                    <m:nary>
+                      <m:naryPr>
+                        <m:chr m:val="∑"/>
+                        <m:ctrlPr>
+                          <a:rPr lang="en-US" i="1">
+                            <a:latin typeface="Cambria Math" panose="02040503050406030204" pitchFamily="18" charset="0"/>
+                          </a:rPr>
+                        </m:ctrlPr>
+                      </m:naryPr>
+                      <m:sub>
+                        <m:r>
+                          <m:rPr>
+                            <m:brk m:alnAt="23"/>
+                          </m:rPr>
+                          <a:rPr lang="en-US" i="1">
+                            <a:latin typeface="Cambria Math" panose="02040503050406030204" pitchFamily="18" charset="0"/>
+                          </a:rPr>
+                          <m:t>𝑗</m:t>
+                        </m:r>
+                        <m:r>
+                          <a:rPr lang="en-US" i="1">
+                            <a:latin typeface="Cambria Math" panose="02040503050406030204" pitchFamily="18" charset="0"/>
+                          </a:rPr>
+                          <m:t>=1</m:t>
+                        </m:r>
+                      </m:sub>
+                      <m:sup>
+                        <m:r>
+                          <a:rPr lang="en-US" i="1">
+                            <a:latin typeface="Cambria Math" panose="02040503050406030204" pitchFamily="18" charset="0"/>
+                          </a:rPr>
+                          <m:t>𝑁</m:t>
+                        </m:r>
+                      </m:sup>
+                      <m:e>
+                        <m:sSub>
+                          <m:sSubPr>
+                            <m:ctrlPr>
+                              <a:rPr lang="en-US" i="1">
+                                <a:latin typeface="Cambria Math" panose="02040503050406030204" pitchFamily="18" charset="0"/>
+                              </a:rPr>
+                            </m:ctrlPr>
+                          </m:sSubPr>
+                          <m:e>
+                            <m:r>
+                              <a:rPr lang="en-US" i="1">
+                                <a:latin typeface="Cambria Math" panose="02040503050406030204" pitchFamily="18" charset="0"/>
+                              </a:rPr>
+                              <m:t>𝑞</m:t>
+                            </m:r>
+                          </m:e>
+                          <m:sub>
+                            <m:r>
+                              <a:rPr lang="en-US" i="1">
+                                <a:latin typeface="Cambria Math" panose="02040503050406030204" pitchFamily="18" charset="0"/>
+                              </a:rPr>
+                              <m:t>𝑗</m:t>
+                            </m:r>
+                          </m:sub>
+                        </m:sSub>
+                        <m:sSubSup>
+                          <m:sSubSupPr>
+                            <m:ctrlPr>
+                              <a:rPr lang="en-US" i="1">
+                                <a:latin typeface="Cambria Math" panose="02040503050406030204" pitchFamily="18" charset="0"/>
+                              </a:rPr>
+                            </m:ctrlPr>
+                          </m:sSubSupPr>
+                          <m:e>
+                            <m:r>
+                              <a:rPr lang="en-US" i="1">
+                                <a:latin typeface="Cambria Math" panose="02040503050406030204" pitchFamily="18" charset="0"/>
+                              </a:rPr>
+                              <m:t>𝜇</m:t>
+                            </m:r>
+                          </m:e>
+                          <m:sub>
+                            <m:sSub>
+                              <m:sSubPr>
+                                <m:ctrlPr>
+                                  <a:rPr lang="en-US" b="0" i="0" smtClean="0">
+                                    <a:latin typeface="Cambria Math" panose="02040503050406030204" pitchFamily="18" charset="0"/>
+                                  </a:rPr>
+                                </m:ctrlPr>
+                              </m:sSubPr>
+                              <m:e>
+                                <m:r>
+                                  <m:rPr>
+                                    <m:sty m:val="p"/>
+                                  </m:rPr>
+                                  <a:rPr lang="en-US">
+                                    <a:latin typeface="Cambria Math" panose="02040503050406030204" pitchFamily="18" charset="0"/>
+                                  </a:rPr>
+                                  <m:t>Φ</m:t>
+                                </m:r>
+                              </m:e>
+                              <m:sub>
+                                <m:r>
+                                  <a:rPr lang="en-US" b="0" i="1" smtClean="0">
+                                    <a:latin typeface="Cambria Math" panose="02040503050406030204" pitchFamily="18" charset="0"/>
+                                  </a:rPr>
+                                  <m:t>𝑗</m:t>
+                                </m:r>
+                              </m:sub>
+                            </m:sSub>
+                          </m:sub>
+                          <m:sup>
+                            <m:r>
+                              <m:rPr>
+                                <m:nor/>
+                              </m:rPr>
+                              <a:rPr lang="en-US">
+                                <a:latin typeface="Cambria Math" panose="02040503050406030204" pitchFamily="18" charset="0"/>
+                              </a:rPr>
+                              <m:t>B</m:t>
+                            </m:r>
+                          </m:sup>
+                        </m:sSubSup>
+                        <m:d>
+                          <m:dPr>
+                            <m:ctrlPr>
+                              <a:rPr lang="en-US" i="1">
+                                <a:latin typeface="Cambria Math" panose="02040503050406030204" pitchFamily="18" charset="0"/>
+                              </a:rPr>
+                            </m:ctrlPr>
+                          </m:dPr>
+                          <m:e>
+                            <m:r>
+                              <a:rPr lang="en-US" i="1">
+                                <a:latin typeface="Cambria Math" panose="02040503050406030204" pitchFamily="18" charset="0"/>
+                              </a:rPr>
+                              <m:t>𝑃</m:t>
+                            </m:r>
+                          </m:e>
+                        </m:d>
+                      </m:e>
+                    </m:nary>
+                    <m:r>
+                      <a:rPr lang="en-US" b="0" i="1" smtClean="0">
+                        <a:latin typeface="Cambria Math" panose="02040503050406030204" pitchFamily="18" charset="0"/>
+                      </a:rPr>
+                      <m:t> </m:t>
+                    </m:r>
+                    <m:r>
+                      <a:rPr lang="en-US" i="1">
+                        <a:latin typeface="Cambria Math" panose="02040503050406030204" pitchFamily="18" charset="0"/>
+                      </a:rPr>
+                      <m:t>=</m:t>
+                    </m:r>
+                    <m:r>
+                      <m:rPr>
+                        <m:nor/>
+                      </m:rPr>
+                      <a:rPr lang="en-US">
+                        <a:latin typeface="Cambria Math" panose="02040503050406030204" pitchFamily="18" charset="0"/>
+                      </a:rPr>
+                      <m:t>Tr</m:t>
+                    </m:r>
+                    <m:d>
+                      <m:dPr>
+                        <m:ctrlPr>
+                          <a:rPr lang="en-US" i="1">
+                            <a:latin typeface="Cambria Math" panose="02040503050406030204" pitchFamily="18" charset="0"/>
+                          </a:rPr>
+                        </m:ctrlPr>
+                      </m:dPr>
+                      <m:e>
+                        <m:r>
+                          <a:rPr lang="en-US" i="1">
+                            <a:latin typeface="Cambria Math" panose="02040503050406030204" pitchFamily="18" charset="0"/>
+                          </a:rPr>
+                          <m:t>𝜌</m:t>
+                        </m:r>
+                        <m:r>
+                          <a:rPr lang="en-US" i="1">
+                            <a:latin typeface="Cambria Math" panose="02040503050406030204" pitchFamily="18" charset="0"/>
+                          </a:rPr>
+                          <m:t>𝑃</m:t>
+                        </m:r>
+                      </m:e>
+                    </m:d>
+                  </m:oMath>
+                </a14:m>
+                <a:endParaRPr lang="en-US" dirty="0"/>
+              </a:p>
+            </p:txBody>
+          </p:sp>
+        </mc:Choice>
+        <mc:Fallback>
+          <p:sp>
+            <p:nvSpPr>
+              <p:cNvPr id="3" name="Content Placeholder 2"/>
+              <p:cNvSpPr>
+                <a:spLocks noGrp="1" noRot="1" noChangeAspect="1" noMove="1" noResize="1" noEditPoints="1" noAdjustHandles="1" noChangeArrowheads="1" noChangeShapeType="1" noTextEdit="1"/>
+              </p:cNvSpPr>
+              <p:nvPr>
+                <p:ph idx="1"/>
+              </p:nvPr>
+            </p:nvSpPr>
+            <p:spPr>
+              <a:blipFill>
+                <a:blip r:embed="rId2"/>
+                <a:stretch>
+                  <a:fillRect l="-1043" t="-420"/>
+                </a:stretch>
+              </a:blipFill>
+            </p:spPr>
+            <p:txBody>
+              <a:bodyPr/>
+              <a:lstStyle/>
+              <a:p>
+                <a:r>
+                  <a:rPr lang="en-US">
+                    <a:noFill/>
+                  </a:rPr>
+                  <a:t> </a:t>
+                </a:r>
+              </a:p>
+            </p:txBody>
+          </p:sp>
+        </mc:Fallback>
+      </mc:AlternateContent>
+    </p:spTree>
+    <p:extLst>
+      <p:ext uri="{BB962C8B-B14F-4D97-AF65-F5344CB8AC3E}">
+        <p14:creationId xmlns:p14="http://schemas.microsoft.com/office/powerpoint/2010/main" val="2015223511"/>
+      </p:ext>
+    </p:extLst>
+  </p:cSld>
+  <p:clrMapOvr>
+    <a:masterClrMapping/>
+  </p:clrMapOvr>
+</p:sld>
+</file>
+
+<file path=ppt/slides/slide15.xml><?xml version="1.0" encoding="utf-8"?>
+<p:sld xmlns:a="http://schemas.openxmlformats.org/drawingml/2006/main" xmlns:r="http://schemas.openxmlformats.org/officeDocument/2006/relationships" xmlns:p="http://schemas.openxmlformats.org/presentationml/2006/main">
+  <p:cSld>
+    <p:spTree>
+      <p:nvGrpSpPr>
+        <p:cNvPr id="1" name=""/>
+        <p:cNvGrpSpPr/>
+        <p:nvPr/>
+      </p:nvGrpSpPr>
+      <p:grpSpPr>
+        <a:xfrm>
+          <a:off x="0" y="0"/>
+          <a:ext cx="0" cy="0"/>
+          <a:chOff x="0" y="0"/>
+          <a:chExt cx="0" cy="0"/>
+        </a:xfrm>
+      </p:grpSpPr>
+      <p:sp>
+        <p:nvSpPr>
+          <p:cNvPr id="2" name="Title 1">
+            <a:extLst>
+              <a:ext uri="{FF2B5EF4-FFF2-40B4-BE49-F238E27FC236}">
+                <a16:creationId xmlns:a16="http://schemas.microsoft.com/office/drawing/2014/main" id="{B46A63E5-9764-4C4C-A80C-5EC570F8C50F}"/>
+              </a:ext>
+            </a:extLst>
+          </p:cNvPr>
+          <p:cNvSpPr>
+            <a:spLocks noGrp="1"/>
+          </p:cNvSpPr>
+          <p:nvPr>
+            <p:ph type="title"/>
+          </p:nvPr>
+        </p:nvSpPr>
+        <p:spPr/>
+        <p:txBody>
+          <a:bodyPr/>
+          <a:lstStyle/>
+          <a:p>
+            <a:r>
+              <a:rPr lang="en-US" dirty="0"/>
+              <a:t>Pauli Operators and </a:t>
+            </a:r>
+            <a:br>
+              <a:rPr lang="en-US" dirty="0"/>
+            </a:br>
+            <a:r>
+              <a:rPr lang="en-US" dirty="0"/>
+              <a:t>the Reduced Density Matrix</a:t>
+            </a:r>
+          </a:p>
+        </p:txBody>
+      </p:sp>
+      <mc:AlternateContent xmlns:mc="http://schemas.openxmlformats.org/markup-compatibility/2006">
+        <mc:Choice xmlns:a14="http://schemas.microsoft.com/office/drawing/2010/main" Requires="a14">
+          <p:sp>
+            <p:nvSpPr>
+              <p:cNvPr id="3" name="Content Placeholder 2">
+                <a:extLst>
+                  <a:ext uri="{FF2B5EF4-FFF2-40B4-BE49-F238E27FC236}">
+                    <a16:creationId xmlns:a16="http://schemas.microsoft.com/office/drawing/2014/main" id="{110EFD77-4FE5-40A1-8269-4EECE3729BCF}"/>
+                  </a:ext>
+                </a:extLst>
+              </p:cNvPr>
+              <p:cNvSpPr>
+                <a:spLocks noGrp="1"/>
+              </p:cNvSpPr>
+              <p:nvPr>
+                <p:ph idx="1"/>
+              </p:nvPr>
+            </p:nvSpPr>
+            <p:spPr/>
+            <p:txBody>
+              <a:bodyPr/>
+              <a:lstStyle/>
+              <a:p>
+                <a14:m>
+                  <m:oMath xmlns:m="http://schemas.openxmlformats.org/officeDocument/2006/math">
+                    <m:sSub>
+                      <m:sSubPr>
+                        <m:ctrlPr>
+                          <a:rPr lang="en-US" b="0" i="1" smtClean="0">
+                            <a:latin typeface="Cambria Math" panose="02040503050406030204" pitchFamily="18" charset="0"/>
+                          </a:rPr>
+                        </m:ctrlPr>
+                      </m:sSubPr>
+                      <m:e>
+                        <m:r>
+                          <a:rPr lang="en-US" b="0" i="1" smtClean="0">
+                            <a:latin typeface="Cambria Math" panose="02040503050406030204" pitchFamily="18" charset="0"/>
+                          </a:rPr>
+                          <m:t>𝜎</m:t>
+                        </m:r>
+                      </m:e>
+                      <m:sub>
+                        <m:r>
+                          <a:rPr lang="en-US" b="0" i="1" smtClean="0">
+                            <a:latin typeface="Cambria Math" panose="02040503050406030204" pitchFamily="18" charset="0"/>
+                          </a:rPr>
+                          <m:t>0</m:t>
+                        </m:r>
+                      </m:sub>
+                    </m:sSub>
+                    <m:r>
+                      <a:rPr lang="en-US" b="0" i="1" smtClean="0">
+                        <a:latin typeface="Cambria Math" panose="02040503050406030204" pitchFamily="18" charset="0"/>
+                      </a:rPr>
+                      <m:t>=</m:t>
+                    </m:r>
+                    <m:d>
+                      <m:dPr>
+                        <m:begChr m:val="|"/>
+                        <m:endChr m:val="⟩"/>
+                        <m:ctrlPr>
+                          <a:rPr lang="en-US" b="0" i="1" smtClean="0">
+                            <a:latin typeface="Cambria Math" panose="02040503050406030204" pitchFamily="18" charset="0"/>
+                          </a:rPr>
+                        </m:ctrlPr>
+                      </m:dPr>
+                      <m:e>
+                        <m:r>
+                          <a:rPr lang="en-US" b="0" i="1" smtClean="0">
+                            <a:latin typeface="Cambria Math" panose="02040503050406030204" pitchFamily="18" charset="0"/>
+                          </a:rPr>
+                          <m:t>0</m:t>
+                        </m:r>
+                      </m:e>
+                    </m:d>
+                    <m:d>
+                      <m:dPr>
+                        <m:begChr m:val="⟨"/>
+                        <m:endChr m:val="|"/>
+                        <m:ctrlPr>
+                          <a:rPr lang="en-US" b="0" i="1" smtClean="0">
+                            <a:latin typeface="Cambria Math" panose="02040503050406030204" pitchFamily="18" charset="0"/>
+                          </a:rPr>
+                        </m:ctrlPr>
+                      </m:dPr>
+                      <m:e>
+                        <m:r>
+                          <a:rPr lang="en-US" b="0" i="1" smtClean="0">
+                            <a:latin typeface="Cambria Math" panose="02040503050406030204" pitchFamily="18" charset="0"/>
+                          </a:rPr>
+                          <m:t>0</m:t>
+                        </m:r>
+                      </m:e>
+                    </m:d>
+                    <m:r>
+                      <a:rPr lang="en-US" b="0" i="1" smtClean="0">
+                        <a:latin typeface="Cambria Math" panose="02040503050406030204" pitchFamily="18" charset="0"/>
+                      </a:rPr>
+                      <m:t>+</m:t>
+                    </m:r>
+                    <m:d>
+                      <m:dPr>
+                        <m:begChr m:val="|"/>
+                        <m:endChr m:val="⟩"/>
+                        <m:ctrlPr>
+                          <a:rPr lang="en-US" i="1">
+                            <a:latin typeface="Cambria Math" panose="02040503050406030204" pitchFamily="18" charset="0"/>
+                          </a:rPr>
+                        </m:ctrlPr>
+                      </m:dPr>
+                      <m:e>
+                        <m:r>
+                          <a:rPr lang="en-US" i="1">
+                            <a:latin typeface="Cambria Math" panose="02040503050406030204" pitchFamily="18" charset="0"/>
+                          </a:rPr>
+                          <m:t>0</m:t>
+                        </m:r>
+                      </m:e>
+                    </m:d>
+                    <m:d>
+                      <m:dPr>
+                        <m:begChr m:val="⟨"/>
+                        <m:endChr m:val="|"/>
+                        <m:ctrlPr>
+                          <a:rPr lang="en-US" i="1">
+                            <a:latin typeface="Cambria Math" panose="02040503050406030204" pitchFamily="18" charset="0"/>
+                          </a:rPr>
+                        </m:ctrlPr>
+                      </m:dPr>
+                      <m:e>
+                        <m:r>
+                          <a:rPr lang="en-US" i="1">
+                            <a:latin typeface="Cambria Math" panose="02040503050406030204" pitchFamily="18" charset="0"/>
+                          </a:rPr>
+                          <m:t>0</m:t>
+                        </m:r>
+                      </m:e>
+                    </m:d>
+                  </m:oMath>
+                </a14:m>
+                <a:r>
+                  <a:rPr lang="en-US" dirty="0"/>
+                  <a:t>, </a:t>
+                </a:r>
+                <a14:m>
+                  <m:oMath xmlns:m="http://schemas.openxmlformats.org/officeDocument/2006/math">
+                    <m:sSub>
+                      <m:sSubPr>
+                        <m:ctrlPr>
+                          <a:rPr lang="en-US" i="1">
+                            <a:latin typeface="Cambria Math" panose="02040503050406030204" pitchFamily="18" charset="0"/>
+                          </a:rPr>
+                        </m:ctrlPr>
+                      </m:sSubPr>
+                      <m:e>
+                        <m:r>
+                          <a:rPr lang="en-US" i="1">
+                            <a:latin typeface="Cambria Math" panose="02040503050406030204" pitchFamily="18" charset="0"/>
+                          </a:rPr>
+                          <m:t>𝜎</m:t>
+                        </m:r>
+                      </m:e>
+                      <m:sub>
+                        <m:r>
+                          <a:rPr lang="en-US" b="0" i="1" smtClean="0">
+                            <a:latin typeface="Cambria Math" panose="02040503050406030204" pitchFamily="18" charset="0"/>
+                          </a:rPr>
+                          <m:t>𝑥</m:t>
+                        </m:r>
+                      </m:sub>
+                    </m:sSub>
+                    <m:r>
+                      <a:rPr lang="en-US" i="1">
+                        <a:latin typeface="Cambria Math" panose="02040503050406030204" pitchFamily="18" charset="0"/>
+                      </a:rPr>
+                      <m:t>=</m:t>
+                    </m:r>
+                    <m:d>
+                      <m:dPr>
+                        <m:begChr m:val="|"/>
+                        <m:endChr m:val="⟩"/>
+                        <m:ctrlPr>
+                          <a:rPr lang="en-US" i="1">
+                            <a:latin typeface="Cambria Math" panose="02040503050406030204" pitchFamily="18" charset="0"/>
+                          </a:rPr>
+                        </m:ctrlPr>
+                      </m:dPr>
+                      <m:e>
+                        <m:r>
+                          <a:rPr lang="en-US" b="0" i="1" smtClean="0">
+                            <a:latin typeface="Cambria Math" panose="02040503050406030204" pitchFamily="18" charset="0"/>
+                          </a:rPr>
+                          <m:t>1</m:t>
+                        </m:r>
+                      </m:e>
+                    </m:d>
+                    <m:d>
+                      <m:dPr>
+                        <m:begChr m:val="⟨"/>
+                        <m:endChr m:val="|"/>
+                        <m:ctrlPr>
+                          <a:rPr lang="en-US" i="1">
+                            <a:latin typeface="Cambria Math" panose="02040503050406030204" pitchFamily="18" charset="0"/>
+                          </a:rPr>
+                        </m:ctrlPr>
+                      </m:dPr>
+                      <m:e>
+                        <m:r>
+                          <a:rPr lang="en-US" i="1">
+                            <a:latin typeface="Cambria Math" panose="02040503050406030204" pitchFamily="18" charset="0"/>
+                          </a:rPr>
+                          <m:t>0</m:t>
+                        </m:r>
+                      </m:e>
+                    </m:d>
+                    <m:r>
+                      <a:rPr lang="en-US" i="1">
+                        <a:latin typeface="Cambria Math" panose="02040503050406030204" pitchFamily="18" charset="0"/>
+                      </a:rPr>
+                      <m:t>+</m:t>
+                    </m:r>
+                    <m:d>
+                      <m:dPr>
+                        <m:begChr m:val="|"/>
+                        <m:endChr m:val="⟩"/>
+                        <m:ctrlPr>
+                          <a:rPr lang="en-US" i="1">
+                            <a:latin typeface="Cambria Math" panose="02040503050406030204" pitchFamily="18" charset="0"/>
+                          </a:rPr>
+                        </m:ctrlPr>
+                      </m:dPr>
+                      <m:e>
+                        <m:r>
+                          <a:rPr lang="en-US" i="1">
+                            <a:latin typeface="Cambria Math" panose="02040503050406030204" pitchFamily="18" charset="0"/>
+                          </a:rPr>
+                          <m:t>0</m:t>
+                        </m:r>
+                      </m:e>
+                    </m:d>
+                    <m:d>
+                      <m:dPr>
+                        <m:begChr m:val="⟨"/>
+                        <m:endChr m:val="|"/>
+                        <m:ctrlPr>
+                          <a:rPr lang="en-US" i="1">
+                            <a:latin typeface="Cambria Math" panose="02040503050406030204" pitchFamily="18" charset="0"/>
+                          </a:rPr>
+                        </m:ctrlPr>
+                      </m:dPr>
+                      <m:e>
+                        <m:r>
+                          <a:rPr lang="en-US" b="0" i="1" smtClean="0">
+                            <a:latin typeface="Cambria Math" panose="02040503050406030204" pitchFamily="18" charset="0"/>
+                          </a:rPr>
+                          <m:t>1</m:t>
+                        </m:r>
+                      </m:e>
+                    </m:d>
+                  </m:oMath>
+                </a14:m>
+                <a:r>
+                  <a:rPr lang="en-US" dirty="0"/>
+                  <a:t>, </a:t>
+                </a:r>
+                <a14:m>
+                  <m:oMath xmlns:m="http://schemas.openxmlformats.org/officeDocument/2006/math">
+                    <m:sSub>
+                      <m:sSubPr>
+                        <m:ctrlPr>
+                          <a:rPr lang="en-US" i="1">
+                            <a:latin typeface="Cambria Math" panose="02040503050406030204" pitchFamily="18" charset="0"/>
+                          </a:rPr>
+                        </m:ctrlPr>
+                      </m:sSubPr>
+                      <m:e>
+                        <m:r>
+                          <a:rPr lang="en-US" i="1">
+                            <a:latin typeface="Cambria Math" panose="02040503050406030204" pitchFamily="18" charset="0"/>
+                          </a:rPr>
+                          <m:t>𝜎</m:t>
+                        </m:r>
+                      </m:e>
+                      <m:sub>
+                        <m:r>
+                          <a:rPr lang="en-US" b="0" i="1" smtClean="0">
+                            <a:latin typeface="Cambria Math" panose="02040503050406030204" pitchFamily="18" charset="0"/>
+                          </a:rPr>
+                          <m:t>𝑦</m:t>
+                        </m:r>
+                      </m:sub>
+                    </m:sSub>
+                    <m:r>
+                      <a:rPr lang="en-US" i="1">
+                        <a:latin typeface="Cambria Math" panose="02040503050406030204" pitchFamily="18" charset="0"/>
+                      </a:rPr>
+                      <m:t>=</m:t>
+                    </m:r>
+                    <m:r>
+                      <a:rPr lang="en-US" i="1" smtClean="0">
+                        <a:solidFill>
+                          <a:schemeClr val="tx1"/>
+                        </a:solidFill>
+                        <a:latin typeface="Cambria Math" panose="02040503050406030204" pitchFamily="18" charset="0"/>
+                        <a:ea typeface="Cambria Math" panose="02040503050406030204" pitchFamily="18" charset="0"/>
+                      </a:rPr>
+                      <m:t>𝕚</m:t>
+                    </m:r>
+                    <m:d>
+                      <m:dPr>
+                        <m:begChr m:val="|"/>
+                        <m:endChr m:val="⟩"/>
+                        <m:ctrlPr>
+                          <a:rPr lang="en-US" i="1">
+                            <a:latin typeface="Cambria Math" panose="02040503050406030204" pitchFamily="18" charset="0"/>
+                          </a:rPr>
+                        </m:ctrlPr>
+                      </m:dPr>
+                      <m:e>
+                        <m:r>
+                          <a:rPr lang="en-US" b="0" i="1" smtClean="0">
+                            <a:latin typeface="Cambria Math" panose="02040503050406030204" pitchFamily="18" charset="0"/>
+                          </a:rPr>
+                          <m:t>1</m:t>
+                        </m:r>
+                      </m:e>
+                    </m:d>
+                    <m:d>
+                      <m:dPr>
+                        <m:begChr m:val="⟨"/>
+                        <m:endChr m:val="|"/>
+                        <m:ctrlPr>
+                          <a:rPr lang="en-US" i="1">
+                            <a:latin typeface="Cambria Math" panose="02040503050406030204" pitchFamily="18" charset="0"/>
+                          </a:rPr>
+                        </m:ctrlPr>
+                      </m:dPr>
+                      <m:e>
+                        <m:r>
+                          <a:rPr lang="en-US" i="1">
+                            <a:latin typeface="Cambria Math" panose="02040503050406030204" pitchFamily="18" charset="0"/>
+                          </a:rPr>
+                          <m:t>0</m:t>
+                        </m:r>
+                      </m:e>
+                    </m:d>
+                    <m:r>
+                      <a:rPr lang="en-US" b="0" i="1" smtClean="0">
+                        <a:latin typeface="Cambria Math" panose="02040503050406030204" pitchFamily="18" charset="0"/>
+                      </a:rPr>
+                      <m:t>−</m:t>
+                    </m:r>
+                    <m:r>
+                      <a:rPr lang="en-US" i="1">
+                        <a:latin typeface="Cambria Math" panose="02040503050406030204" pitchFamily="18" charset="0"/>
+                        <a:ea typeface="Cambria Math" panose="02040503050406030204" pitchFamily="18" charset="0"/>
+                      </a:rPr>
+                      <m:t>𝕚</m:t>
+                    </m:r>
+                    <m:d>
+                      <m:dPr>
+                        <m:begChr m:val="|"/>
+                        <m:endChr m:val="⟩"/>
+                        <m:ctrlPr>
+                          <a:rPr lang="en-US" i="1">
+                            <a:latin typeface="Cambria Math" panose="02040503050406030204" pitchFamily="18" charset="0"/>
+                          </a:rPr>
+                        </m:ctrlPr>
+                      </m:dPr>
+                      <m:e>
+                        <m:r>
+                          <a:rPr lang="en-US" i="1">
+                            <a:latin typeface="Cambria Math" panose="02040503050406030204" pitchFamily="18" charset="0"/>
+                          </a:rPr>
+                          <m:t>0</m:t>
+                        </m:r>
+                      </m:e>
+                    </m:d>
+                    <m:d>
+                      <m:dPr>
+                        <m:begChr m:val="⟨"/>
+                        <m:endChr m:val="|"/>
+                        <m:ctrlPr>
+                          <a:rPr lang="en-US" i="1">
+                            <a:latin typeface="Cambria Math" panose="02040503050406030204" pitchFamily="18" charset="0"/>
+                          </a:rPr>
+                        </m:ctrlPr>
+                      </m:dPr>
+                      <m:e>
+                        <m:r>
+                          <a:rPr lang="en-US" b="0" i="1" smtClean="0">
+                            <a:latin typeface="Cambria Math" panose="02040503050406030204" pitchFamily="18" charset="0"/>
+                          </a:rPr>
+                          <m:t>1</m:t>
+                        </m:r>
+                      </m:e>
+                    </m:d>
+                  </m:oMath>
+                </a14:m>
+                <a:r>
+                  <a:rPr lang="en-US" dirty="0"/>
+                  <a:t>, </a:t>
+                </a:r>
+                <a14:m>
+                  <m:oMath xmlns:m="http://schemas.openxmlformats.org/officeDocument/2006/math">
+                    <m:sSub>
+                      <m:sSubPr>
+                        <m:ctrlPr>
+                          <a:rPr lang="en-US" i="1">
+                            <a:latin typeface="Cambria Math" panose="02040503050406030204" pitchFamily="18" charset="0"/>
+                          </a:rPr>
+                        </m:ctrlPr>
+                      </m:sSubPr>
+                      <m:e>
+                        <m:r>
+                          <a:rPr lang="en-US" i="1">
+                            <a:latin typeface="Cambria Math" panose="02040503050406030204" pitchFamily="18" charset="0"/>
+                          </a:rPr>
+                          <m:t>𝜎</m:t>
+                        </m:r>
+                      </m:e>
+                      <m:sub>
+                        <m:r>
+                          <a:rPr lang="en-US" b="0" i="1" smtClean="0">
+                            <a:latin typeface="Cambria Math" panose="02040503050406030204" pitchFamily="18" charset="0"/>
+                          </a:rPr>
+                          <m:t>𝑧</m:t>
+                        </m:r>
+                      </m:sub>
+                    </m:sSub>
+                    <m:r>
+                      <a:rPr lang="en-US" i="1">
+                        <a:latin typeface="Cambria Math" panose="02040503050406030204" pitchFamily="18" charset="0"/>
+                      </a:rPr>
+                      <m:t>=</m:t>
+                    </m:r>
+                    <m:d>
+                      <m:dPr>
+                        <m:begChr m:val="|"/>
+                        <m:endChr m:val="⟩"/>
+                        <m:ctrlPr>
+                          <a:rPr lang="en-US" i="1">
+                            <a:latin typeface="Cambria Math" panose="02040503050406030204" pitchFamily="18" charset="0"/>
+                          </a:rPr>
+                        </m:ctrlPr>
+                      </m:dPr>
+                      <m:e>
+                        <m:r>
+                          <a:rPr lang="en-US" i="1">
+                            <a:latin typeface="Cambria Math" panose="02040503050406030204" pitchFamily="18" charset="0"/>
+                          </a:rPr>
+                          <m:t>0</m:t>
+                        </m:r>
+                      </m:e>
+                    </m:d>
+                    <m:d>
+                      <m:dPr>
+                        <m:begChr m:val="⟨"/>
+                        <m:endChr m:val="|"/>
+                        <m:ctrlPr>
+                          <a:rPr lang="en-US" i="1">
+                            <a:latin typeface="Cambria Math" panose="02040503050406030204" pitchFamily="18" charset="0"/>
+                          </a:rPr>
+                        </m:ctrlPr>
+                      </m:dPr>
+                      <m:e>
+                        <m:r>
+                          <a:rPr lang="en-US" i="1">
+                            <a:latin typeface="Cambria Math" panose="02040503050406030204" pitchFamily="18" charset="0"/>
+                          </a:rPr>
+                          <m:t>0</m:t>
+                        </m:r>
+                      </m:e>
+                    </m:d>
+                    <m:r>
+                      <a:rPr lang="en-US" b="0" i="1" smtClean="0">
+                        <a:latin typeface="Cambria Math" panose="02040503050406030204" pitchFamily="18" charset="0"/>
+                      </a:rPr>
+                      <m:t>−</m:t>
+                    </m:r>
+                    <m:d>
+                      <m:dPr>
+                        <m:begChr m:val="|"/>
+                        <m:endChr m:val="⟩"/>
+                        <m:ctrlPr>
+                          <a:rPr lang="en-US" i="1">
+                            <a:latin typeface="Cambria Math" panose="02040503050406030204" pitchFamily="18" charset="0"/>
+                          </a:rPr>
+                        </m:ctrlPr>
+                      </m:dPr>
+                      <m:e>
+                        <m:r>
+                          <a:rPr lang="en-US" b="0" i="1" smtClean="0">
+                            <a:latin typeface="Cambria Math" panose="02040503050406030204" pitchFamily="18" charset="0"/>
+                          </a:rPr>
+                          <m:t>1</m:t>
+                        </m:r>
+                      </m:e>
+                    </m:d>
+                    <m:d>
+                      <m:dPr>
+                        <m:begChr m:val="⟨"/>
+                        <m:endChr m:val="|"/>
+                        <m:ctrlPr>
+                          <a:rPr lang="en-US" i="1">
+                            <a:latin typeface="Cambria Math" panose="02040503050406030204" pitchFamily="18" charset="0"/>
+                          </a:rPr>
+                        </m:ctrlPr>
+                      </m:dPr>
+                      <m:e>
+                        <m:r>
+                          <a:rPr lang="en-US" b="0" i="1" smtClean="0">
+                            <a:latin typeface="Cambria Math" panose="02040503050406030204" pitchFamily="18" charset="0"/>
+                          </a:rPr>
+                          <m:t>1</m:t>
+                        </m:r>
+                      </m:e>
+                    </m:d>
+                  </m:oMath>
+                </a14:m>
+                <a:r>
+                  <a:rPr lang="en-US" dirty="0"/>
+                  <a:t>.</a:t>
+                </a:r>
+              </a:p>
+              <a:p>
+                <a14:m>
+                  <m:oMath xmlns:m="http://schemas.openxmlformats.org/officeDocument/2006/math">
+                    <m:sSubSup>
+                      <m:sSubSupPr>
+                        <m:ctrlPr>
+                          <a:rPr lang="en-US" b="0" i="1" smtClean="0">
+                            <a:latin typeface="Cambria Math" panose="02040503050406030204" pitchFamily="18" charset="0"/>
+                          </a:rPr>
+                        </m:ctrlPr>
+                      </m:sSubSupPr>
+                      <m:e>
+                        <m:r>
+                          <a:rPr lang="en-US" b="0" i="1" smtClean="0">
+                            <a:latin typeface="Cambria Math" panose="02040503050406030204" pitchFamily="18" charset="0"/>
+                          </a:rPr>
+                          <m:t>𝜎</m:t>
+                        </m:r>
+                      </m:e>
+                      <m:sub>
+                        <m:r>
+                          <a:rPr lang="en-US" b="0" i="1" smtClean="0">
+                            <a:latin typeface="Cambria Math" panose="02040503050406030204" pitchFamily="18" charset="0"/>
+                            <a:ea typeface="Cambria Math" panose="02040503050406030204" pitchFamily="18" charset="0"/>
+                          </a:rPr>
+                          <m:t>𝜂</m:t>
+                        </m:r>
+                      </m:sub>
+                      <m:sup>
+                        <m:r>
+                          <a:rPr lang="en-US" b="0" i="1" smtClean="0">
+                            <a:latin typeface="Cambria Math" panose="02040503050406030204" pitchFamily="18" charset="0"/>
+                          </a:rPr>
+                          <m:t>𝑗</m:t>
+                        </m:r>
+                      </m:sup>
+                    </m:sSubSup>
+                    <m:r>
+                      <a:rPr lang="en-US" b="0" i="1" smtClean="0">
+                        <a:latin typeface="Cambria Math" panose="02040503050406030204" pitchFamily="18" charset="0"/>
+                      </a:rPr>
+                      <m:t>=</m:t>
+                    </m:r>
+                    <m:sSub>
+                      <m:sSubPr>
+                        <m:ctrlPr>
+                          <a:rPr lang="en-US" i="1">
+                            <a:latin typeface="Cambria Math" panose="02040503050406030204" pitchFamily="18" charset="0"/>
+                          </a:rPr>
+                        </m:ctrlPr>
+                      </m:sSubPr>
+                      <m:e>
+                        <m:r>
+                          <a:rPr lang="en-US" i="1">
+                            <a:latin typeface="Cambria Math" panose="02040503050406030204" pitchFamily="18" charset="0"/>
+                          </a:rPr>
+                          <m:t>𝜎</m:t>
+                        </m:r>
+                      </m:e>
+                      <m:sub>
+                        <m:r>
+                          <a:rPr lang="en-US" i="1">
+                            <a:latin typeface="Cambria Math" panose="02040503050406030204" pitchFamily="18" charset="0"/>
+                          </a:rPr>
+                          <m:t>0</m:t>
+                        </m:r>
+                      </m:sub>
+                    </m:sSub>
+                    <m:r>
+                      <a:rPr lang="en-US" b="0" i="1" smtClean="0">
+                        <a:latin typeface="Cambria Math" panose="02040503050406030204" pitchFamily="18" charset="0"/>
+                      </a:rPr>
+                      <m:t>⊗…</m:t>
+                    </m:r>
+                    <m:r>
+                      <a:rPr lang="en-US" i="1">
+                        <a:latin typeface="Cambria Math" panose="02040503050406030204" pitchFamily="18" charset="0"/>
+                      </a:rPr>
+                      <m:t>⊗</m:t>
+                    </m:r>
+                    <m:sSub>
+                      <m:sSubPr>
+                        <m:ctrlPr>
+                          <a:rPr lang="en-US" i="1">
+                            <a:latin typeface="Cambria Math" panose="02040503050406030204" pitchFamily="18" charset="0"/>
+                          </a:rPr>
+                        </m:ctrlPr>
+                      </m:sSubPr>
+                      <m:e>
+                        <m:r>
+                          <a:rPr lang="en-US" i="1">
+                            <a:latin typeface="Cambria Math" panose="02040503050406030204" pitchFamily="18" charset="0"/>
+                          </a:rPr>
+                          <m:t>𝜎</m:t>
+                        </m:r>
+                      </m:e>
+                      <m:sub>
+                        <m:r>
+                          <a:rPr lang="en-US" i="1">
+                            <a:latin typeface="Cambria Math" panose="02040503050406030204" pitchFamily="18" charset="0"/>
+                          </a:rPr>
+                          <m:t>0</m:t>
+                        </m:r>
+                      </m:sub>
+                    </m:sSub>
+                    <m:r>
+                      <a:rPr lang="en-US" i="1">
+                        <a:latin typeface="Cambria Math" panose="02040503050406030204" pitchFamily="18" charset="0"/>
+                      </a:rPr>
+                      <m:t>⊗</m:t>
+                    </m:r>
+                    <m:sSub>
+                      <m:sSubPr>
+                        <m:ctrlPr>
+                          <a:rPr lang="en-US" i="1">
+                            <a:latin typeface="Cambria Math" panose="02040503050406030204" pitchFamily="18" charset="0"/>
+                          </a:rPr>
+                        </m:ctrlPr>
+                      </m:sSubPr>
+                      <m:e>
+                        <m:r>
+                          <a:rPr lang="en-US" i="1">
+                            <a:latin typeface="Cambria Math" panose="02040503050406030204" pitchFamily="18" charset="0"/>
+                          </a:rPr>
+                          <m:t>𝜎</m:t>
+                        </m:r>
+                      </m:e>
+                      <m:sub>
+                        <m:r>
+                          <a:rPr lang="en-US" b="0" i="1" smtClean="0">
+                            <a:latin typeface="Cambria Math" panose="02040503050406030204" pitchFamily="18" charset="0"/>
+                          </a:rPr>
+                          <m:t>𝜂</m:t>
+                        </m:r>
+                      </m:sub>
+                    </m:sSub>
+                    <m:r>
+                      <a:rPr lang="en-US" i="1">
+                        <a:latin typeface="Cambria Math" panose="02040503050406030204" pitchFamily="18" charset="0"/>
+                      </a:rPr>
+                      <m:t>⊗</m:t>
+                    </m:r>
+                    <m:sSub>
+                      <m:sSubPr>
+                        <m:ctrlPr>
+                          <a:rPr lang="en-US" i="1">
+                            <a:latin typeface="Cambria Math" panose="02040503050406030204" pitchFamily="18" charset="0"/>
+                          </a:rPr>
+                        </m:ctrlPr>
+                      </m:sSubPr>
+                      <m:e>
+                        <m:r>
+                          <a:rPr lang="en-US" i="1">
+                            <a:latin typeface="Cambria Math" panose="02040503050406030204" pitchFamily="18" charset="0"/>
+                          </a:rPr>
+                          <m:t>𝜎</m:t>
+                        </m:r>
+                      </m:e>
+                      <m:sub>
+                        <m:r>
+                          <a:rPr lang="en-US" i="1">
+                            <a:latin typeface="Cambria Math" panose="02040503050406030204" pitchFamily="18" charset="0"/>
+                          </a:rPr>
+                          <m:t>0</m:t>
+                        </m:r>
+                      </m:sub>
+                    </m:sSub>
+                    <m:r>
+                      <a:rPr lang="en-US" i="1">
+                        <a:latin typeface="Cambria Math" panose="02040503050406030204" pitchFamily="18" charset="0"/>
+                      </a:rPr>
+                      <m:t>⊗</m:t>
+                    </m:r>
+                    <m:r>
+                      <a:rPr lang="en-US" b="0" i="1" smtClean="0">
+                        <a:latin typeface="Cambria Math" panose="02040503050406030204" pitchFamily="18" charset="0"/>
+                      </a:rPr>
+                      <m:t>…</m:t>
+                    </m:r>
+                    <m:r>
+                      <a:rPr lang="en-US" i="1">
+                        <a:latin typeface="Cambria Math" panose="02040503050406030204" pitchFamily="18" charset="0"/>
+                      </a:rPr>
+                      <m:t>⊗</m:t>
+                    </m:r>
+                    <m:sSub>
+                      <m:sSubPr>
+                        <m:ctrlPr>
+                          <a:rPr lang="en-US" i="1">
+                            <a:latin typeface="Cambria Math" panose="02040503050406030204" pitchFamily="18" charset="0"/>
+                          </a:rPr>
+                        </m:ctrlPr>
+                      </m:sSubPr>
+                      <m:e>
+                        <m:r>
+                          <a:rPr lang="en-US" i="1">
+                            <a:latin typeface="Cambria Math" panose="02040503050406030204" pitchFamily="18" charset="0"/>
+                          </a:rPr>
+                          <m:t>𝜎</m:t>
+                        </m:r>
+                      </m:e>
+                      <m:sub>
+                        <m:r>
+                          <a:rPr lang="en-US" i="1">
+                            <a:latin typeface="Cambria Math" panose="02040503050406030204" pitchFamily="18" charset="0"/>
+                          </a:rPr>
+                          <m:t>0</m:t>
+                        </m:r>
+                      </m:sub>
+                    </m:sSub>
+                  </m:oMath>
+                </a14:m>
+                <a:r>
+                  <a:rPr lang="en-US" dirty="0"/>
+                  <a:t>, where </a:t>
+                </a:r>
+                <a14:m>
+                  <m:oMath xmlns:m="http://schemas.openxmlformats.org/officeDocument/2006/math">
+                    <m:sSub>
+                      <m:sSubPr>
+                        <m:ctrlPr>
+                          <a:rPr lang="en-US" i="1">
+                            <a:latin typeface="Cambria Math" panose="02040503050406030204" pitchFamily="18" charset="0"/>
+                          </a:rPr>
+                        </m:ctrlPr>
+                      </m:sSubPr>
+                      <m:e>
+                        <m:r>
+                          <a:rPr lang="en-US" i="1">
+                            <a:latin typeface="Cambria Math" panose="02040503050406030204" pitchFamily="18" charset="0"/>
+                          </a:rPr>
+                          <m:t>𝜎</m:t>
+                        </m:r>
+                      </m:e>
+                      <m:sub>
+                        <m:r>
+                          <a:rPr lang="en-US" i="1">
+                            <a:latin typeface="Cambria Math" panose="02040503050406030204" pitchFamily="18" charset="0"/>
+                          </a:rPr>
+                          <m:t>𝜂</m:t>
+                        </m:r>
+                      </m:sub>
+                    </m:sSub>
+                  </m:oMath>
+                </a14:m>
+                <a:r>
+                  <a:rPr lang="en-US" dirty="0"/>
+                  <a:t> </a:t>
+                </a:r>
+                <a:r>
+                  <a:rPr lang="en-US"/>
+                  <a:t>is the </a:t>
+                </a:r>
+                <a:endParaRPr lang="en-US" dirty="0"/>
+              </a:p>
+            </p:txBody>
+          </p:sp>
+        </mc:Choice>
+        <mc:Fallback>
+          <p:sp>
+            <p:nvSpPr>
+              <p:cNvPr id="3" name="Content Placeholder 2">
+                <a:extLst>
+                  <a:ext uri="{FF2B5EF4-FFF2-40B4-BE49-F238E27FC236}">
+                    <a16:creationId xmlns:a16="http://schemas.microsoft.com/office/drawing/2014/main" id="{110EFD77-4FE5-40A1-8269-4EECE3729BCF}"/>
+                  </a:ext>
+                </a:extLst>
+              </p:cNvPr>
+              <p:cNvSpPr>
+                <a:spLocks noGrp="1" noRot="1" noChangeAspect="1" noMove="1" noResize="1" noEditPoints="1" noAdjustHandles="1" noChangeArrowheads="1" noChangeShapeType="1" noTextEdit="1"/>
+              </p:cNvSpPr>
+              <p:nvPr>
+                <p:ph idx="1"/>
+              </p:nvPr>
+            </p:nvSpPr>
+            <p:spPr>
+              <a:blipFill>
+                <a:blip r:embed="rId2"/>
+                <a:stretch>
+                  <a:fillRect l="-1043" t="-1961"/>
+                </a:stretch>
+              </a:blipFill>
+            </p:spPr>
+            <p:txBody>
+              <a:bodyPr/>
+              <a:lstStyle/>
+              <a:p>
+                <a:r>
+                  <a:rPr lang="en-US">
+                    <a:noFill/>
+                  </a:rPr>
+                  <a:t> </a:t>
+                </a:r>
+              </a:p>
+            </p:txBody>
+          </p:sp>
+        </mc:Fallback>
+      </mc:AlternateContent>
+    </p:spTree>
+    <p:extLst>
+      <p:ext uri="{BB962C8B-B14F-4D97-AF65-F5344CB8AC3E}">
+        <p14:creationId xmlns:p14="http://schemas.microsoft.com/office/powerpoint/2010/main" val="1874664231"/>
+      </p:ext>
+    </p:extLst>
+  </p:cSld>
+  <p:clrMapOvr>
+    <a:masterClrMapping/>
+  </p:clrMapOvr>
+</p:sld>
+</file>
+
 <file path=ppt/slides/slide2.xml><?xml version="1.0" encoding="utf-8"?>
 <p:sld xmlns:a="http://schemas.openxmlformats.org/drawingml/2006/main" xmlns:r="http://schemas.openxmlformats.org/officeDocument/2006/relationships" xmlns:p="http://schemas.openxmlformats.org/presentationml/2006/main">
   <p:cSld>
@@ -5534,8 +12313,8 @@
           </a:p>
         </p:txBody>
       </p:sp>
-      <mc:AlternateContent xmlns:mc="http://schemas.openxmlformats.org/markup-compatibility/2006">
-        <mc:Choice xmlns:a14="http://schemas.microsoft.com/office/drawing/2010/main" Requires="a14">
+      <mc:AlternateContent xmlns:mc="http://schemas.openxmlformats.org/markup-compatibility/2006" xmlns:a14="http://schemas.microsoft.com/office/drawing/2010/main">
+        <mc:Choice Requires="a14">
           <p:sp>
             <p:nvSpPr>
               <p:cNvPr id="3" name="Content Placeholder 2">
@@ -5907,7 +12686,7 @@
             </p:txBody>
           </p:sp>
         </mc:Choice>
-        <mc:Fallback>
+        <mc:Fallback xmlns="">
           <p:sp>
             <p:nvSpPr>
               <p:cNvPr id="3" name="Content Placeholder 2">
@@ -6002,7 +12781,7 @@
           <a:p>
             <a:r>
               <a:rPr lang="en-US" dirty="0"/>
-              <a:t>Probability Measure</a:t>
+              <a:t>Probability Space</a:t>
             </a:r>
           </a:p>
         </p:txBody>
@@ -6025,7 +12804,9 @@
         </p:nvSpPr>
         <p:spPr/>
         <p:txBody>
-          <a:bodyPr/>
+          <a:bodyPr>
+            <a:normAutofit/>
+          </a:bodyPr>
           <a:lstStyle/>
           <a:p>
             <a:r>
@@ -6035,8 +12816,8 @@
           </a:p>
         </p:txBody>
       </p:sp>
-      <mc:AlternateContent xmlns:mc="http://schemas.openxmlformats.org/markup-compatibility/2006">
-        <mc:Choice xmlns:a14="http://schemas.microsoft.com/office/drawing/2010/main" Requires="a14">
+      <mc:AlternateContent xmlns:mc="http://schemas.openxmlformats.org/markup-compatibility/2006" xmlns:a14="http://schemas.microsoft.com/office/drawing/2010/main">
+        <mc:Choice Requires="a14">
           <p:sp>
             <p:nvSpPr>
               <p:cNvPr id="5" name="Content Placeholder 4">
@@ -6056,14 +12837,12 @@
             <p:spPr/>
             <p:txBody>
               <a:bodyPr>
-                <a:normAutofit fontScale="92500" lnSpcReduction="20000"/>
+                <a:normAutofit fontScale="92500"/>
               </a:bodyPr>
               <a:lstStyle/>
               <a:p>
                 <a:r>
-                  <a:rPr lang="en-US" dirty="0">
-                    <a:latin typeface="Cambria Math" panose="02040503050406030204" pitchFamily="18" charset="0"/>
-                  </a:rPr>
+                  <a:rPr lang="en-US" dirty="0"/>
                   <a:t>Sample space </a:t>
                 </a:r>
                 <a14:m>
@@ -6089,10 +12868,14 @@
               </a:p>
               <a:p>
                 <a:r>
+                  <a:rPr lang="en-US" dirty="0"/>
+                  <a:t>Event Space</a:t>
+                </a:r>
+                <a:r>
                   <a:rPr lang="en-US" dirty="0">
                     <a:latin typeface="Cambria Math" panose="02040503050406030204" pitchFamily="18" charset="0"/>
                   </a:rPr>
-                  <a:t>Event Space </a:t>
+                  <a:t> </a:t>
                 </a:r>
                 <a14:m>
                   <m:oMath xmlns:m="http://schemas.openxmlformats.org/officeDocument/2006/math">
@@ -6137,6 +12920,10 @@
                 </a:r>
               </a:p>
               <a:p>
+                <a:r>
+                  <a:rPr lang="en-US" dirty="0"/>
+                  <a:t>Probability measure </a:t>
+                </a:r>
                 <a14:m>
                   <m:oMath xmlns:m="http://schemas.openxmlformats.org/officeDocument/2006/math">
                     <m:r>
@@ -6228,6 +13015,7 @@
                 </a:endParaRPr>
               </a:p>
               <a:p>
+                <a:pPr lvl="1"/>
                 <a14:m>
                   <m:oMath xmlns:m="http://schemas.openxmlformats.org/officeDocument/2006/math">
                     <m:r>
@@ -6279,6 +13067,7 @@
                 </a:r>
               </a:p>
               <a:p>
+                <a:pPr lvl="1"/>
                 <a14:m>
                   <m:oMath xmlns:m="http://schemas.openxmlformats.org/officeDocument/2006/math">
                     <m:r>
@@ -6333,6 +13122,7 @@
                 </a:r>
               </a:p>
               <a:p>
+                <a:pPr lvl="1"/>
                 <a:r>
                   <a:rPr lang="en-US" dirty="0"/>
                   <a:t>For any event </a:t>
@@ -6371,28 +13161,24 @@
                         </m:ctrlPr>
                       </m:dPr>
                       <m:e>
-                        <m:r>
-                          <m:rPr>
-                            <m:sty m:val="p"/>
-                          </m:rPr>
-                          <a:rPr lang="el-GR" i="1">
-                            <a:latin typeface="Cambria Math" panose="02040503050406030204" pitchFamily="18" charset="0"/>
-                            <a:ea typeface="Cambria Math" panose="02040503050406030204" pitchFamily="18" charset="0"/>
-                          </a:rPr>
-                          <m:t>Ω</m:t>
-                        </m:r>
-                        <m:r>
-                          <a:rPr lang="en-US" i="1">
-                            <a:latin typeface="Cambria Math" panose="02040503050406030204" pitchFamily="18" charset="0"/>
-                          </a:rPr>
-                          <m:t>\</m:t>
-                        </m:r>
-                        <m:r>
-                          <a:rPr lang="en-US" i="1">
-                            <a:latin typeface="Cambria Math" panose="02040503050406030204" pitchFamily="18" charset="0"/>
-                          </a:rPr>
-                          <m:t>𝐸</m:t>
-                        </m:r>
+                        <m:acc>
+                          <m:accPr>
+                            <m:chr m:val="̅"/>
+                            <m:ctrlPr>
+                              <a:rPr lang="en-US" i="1" smtClean="0">
+                                <a:latin typeface="Cambria Math" panose="02040503050406030204" pitchFamily="18" charset="0"/>
+                              </a:rPr>
+                            </m:ctrlPr>
+                          </m:accPr>
+                          <m:e>
+                            <m:r>
+                              <a:rPr lang="en-US" b="0" i="1" smtClean="0">
+                                <a:latin typeface="Cambria Math" panose="02040503050406030204" pitchFamily="18" charset="0"/>
+                              </a:rPr>
+                              <m:t>𝐸</m:t>
+                            </m:r>
+                          </m:e>
+                        </m:acc>
                       </m:e>
                     </m:d>
                     <m:r>
@@ -6452,6 +13238,7 @@
                 <a:endParaRPr lang="en-US" dirty="0"/>
               </a:p>
               <a:p>
+                <a:pPr lvl="1"/>
                 <a:r>
                   <a:rPr lang="en-US" dirty="0"/>
                   <a:t>For disjoint events </a:t>
@@ -6714,7 +13501,7 @@
             </p:txBody>
           </p:sp>
         </mc:Choice>
-        <mc:Fallback>
+        <mc:Fallback xmlns="">
           <p:sp>
             <p:nvSpPr>
               <p:cNvPr id="5" name="Content Placeholder 4">
@@ -6735,7 +13522,7 @@
               <a:blipFill>
                 <a:blip r:embed="rId2"/>
                 <a:stretch>
-                  <a:fillRect l="-1891" t="-4636"/>
+                  <a:fillRect l="-1891" t="-2815"/>
                 </a:stretch>
               </a:blipFill>
             </p:spPr>
@@ -6772,19 +13559,552 @@
         </p:nvSpPr>
         <p:spPr/>
         <p:txBody>
-          <a:bodyPr/>
+          <a:bodyPr>
+            <a:normAutofit/>
+          </a:bodyPr>
           <a:lstStyle/>
           <a:p>
-            <a:endParaRPr lang="en-US" dirty="0"/>
+            <a:r>
+              <a:rPr lang="en-US" dirty="0"/>
+              <a:t>Example</a:t>
+            </a:r>
           </a:p>
         </p:txBody>
       </p:sp>
+      <mc:AlternateContent xmlns:mc="http://schemas.openxmlformats.org/markup-compatibility/2006" xmlns:a14="http://schemas.microsoft.com/office/drawing/2010/main">
+        <mc:Choice Requires="a14">
+          <p:sp>
+            <p:nvSpPr>
+              <p:cNvPr id="7" name="Content Placeholder 6">
+                <a:extLst>
+                  <a:ext uri="{FF2B5EF4-FFF2-40B4-BE49-F238E27FC236}">
+                    <a16:creationId xmlns:a16="http://schemas.microsoft.com/office/drawing/2014/main" id="{C75BD9D8-9251-4CCB-BE0F-0D011B4A8172}"/>
+                  </a:ext>
+                </a:extLst>
+              </p:cNvPr>
+              <p:cNvSpPr>
+                <a:spLocks noGrp="1"/>
+              </p:cNvSpPr>
+              <p:nvPr>
+                <p:ph sz="quarter" idx="4"/>
+              </p:nvPr>
+            </p:nvSpPr>
+            <p:spPr/>
+            <p:txBody>
+              <a:bodyPr>
+                <a:normAutofit fontScale="92500"/>
+              </a:bodyPr>
+              <a:lstStyle/>
+              <a:p>
+                <a:r>
+                  <a:rPr lang="en-US" dirty="0"/>
+                  <a:t>Sending a particle to a beam splitter with the split beams </a:t>
+                </a:r>
+                <a14:m>
+                  <m:oMath xmlns:m="http://schemas.openxmlformats.org/officeDocument/2006/math">
+                    <m:d>
+                      <m:dPr>
+                        <m:begChr m:val="|"/>
+                        <m:endChr m:val="⟩"/>
+                        <m:ctrlPr>
+                          <a:rPr lang="en-US" i="1">
+                            <a:latin typeface="Cambria Math" panose="02040503050406030204" pitchFamily="18" charset="0"/>
+                          </a:rPr>
+                        </m:ctrlPr>
+                      </m:dPr>
+                      <m:e>
+                        <m:r>
+                          <a:rPr lang="en-US" b="0" i="1">
+                            <a:latin typeface="Cambria Math" panose="02040503050406030204" pitchFamily="18" charset="0"/>
+                          </a:rPr>
+                          <m:t>0</m:t>
+                        </m:r>
+                      </m:e>
+                    </m:d>
+                  </m:oMath>
+                </a14:m>
+                <a:r>
+                  <a:rPr lang="en-US" dirty="0"/>
+                  <a:t>, </a:t>
+                </a:r>
+                <a14:m>
+                  <m:oMath xmlns:m="http://schemas.openxmlformats.org/officeDocument/2006/math">
+                    <m:d>
+                      <m:dPr>
+                        <m:begChr m:val="|"/>
+                        <m:endChr m:val="⟩"/>
+                        <m:ctrlPr>
+                          <a:rPr lang="en-US" i="1">
+                            <a:latin typeface="Cambria Math" panose="02040503050406030204" pitchFamily="18" charset="0"/>
+                          </a:rPr>
+                        </m:ctrlPr>
+                      </m:dPr>
+                      <m:e>
+                        <m:r>
+                          <a:rPr lang="en-US" b="0" i="1">
+                            <a:latin typeface="Cambria Math" panose="02040503050406030204" pitchFamily="18" charset="0"/>
+                          </a:rPr>
+                          <m:t>1</m:t>
+                        </m:r>
+                      </m:e>
+                    </m:d>
+                  </m:oMath>
+                </a14:m>
+                <a:r>
+                  <a:rPr lang="en-US" dirty="0"/>
+                  <a:t>, and </a:t>
+                </a:r>
+                <a14:m>
+                  <m:oMath xmlns:m="http://schemas.openxmlformats.org/officeDocument/2006/math">
+                    <m:d>
+                      <m:dPr>
+                        <m:begChr m:val="|"/>
+                        <m:endChr m:val="⟩"/>
+                        <m:ctrlPr>
+                          <a:rPr lang="en-US" i="1">
+                            <a:latin typeface="Cambria Math" panose="02040503050406030204" pitchFamily="18" charset="0"/>
+                          </a:rPr>
+                        </m:ctrlPr>
+                      </m:dPr>
+                      <m:e>
+                        <m:r>
+                          <a:rPr lang="en-US" b="0" i="1">
+                            <a:latin typeface="Cambria Math" panose="02040503050406030204" pitchFamily="18" charset="0"/>
+                          </a:rPr>
+                          <m:t>2</m:t>
+                        </m:r>
+                      </m:e>
+                    </m:d>
+                  </m:oMath>
+                </a14:m>
+                <a:r>
+                  <a:rPr lang="en-US" dirty="0"/>
+                  <a:t>.</a:t>
+                </a:r>
+              </a:p>
+              <a:p>
+                <a:r>
+                  <a:rPr lang="en-US" dirty="0"/>
+                  <a:t>Sample space </a:t>
+                </a:r>
+                <a14:m>
+                  <m:oMath xmlns:m="http://schemas.openxmlformats.org/officeDocument/2006/math">
+                    <m:sSub>
+                      <m:sSubPr>
+                        <m:ctrlPr>
+                          <a:rPr lang="en-US" b="0" i="1" smtClean="0">
+                            <a:latin typeface="Cambria Math" panose="02040503050406030204" pitchFamily="18" charset="0"/>
+                            <a:ea typeface="Cambria Math" panose="02040503050406030204" pitchFamily="18" charset="0"/>
+                          </a:rPr>
+                        </m:ctrlPr>
+                      </m:sSubPr>
+                      <m:e>
+                        <m:r>
+                          <m:rPr>
+                            <m:sty m:val="p"/>
+                          </m:rPr>
+                          <a:rPr lang="el-GR" i="1">
+                            <a:latin typeface="Cambria Math" panose="02040503050406030204" pitchFamily="18" charset="0"/>
+                            <a:ea typeface="Cambria Math" panose="02040503050406030204" pitchFamily="18" charset="0"/>
+                          </a:rPr>
+                          <m:t>Ω</m:t>
+                        </m:r>
+                      </m:e>
+                      <m:sub>
+                        <m:r>
+                          <a:rPr lang="en-US" b="0" i="1" smtClean="0">
+                            <a:latin typeface="Cambria Math" panose="02040503050406030204" pitchFamily="18" charset="0"/>
+                            <a:ea typeface="Cambria Math" panose="02040503050406030204" pitchFamily="18" charset="0"/>
+                          </a:rPr>
+                          <m:t>0</m:t>
+                        </m:r>
+                      </m:sub>
+                    </m:sSub>
+                    <m:r>
+                      <a:rPr lang="en-US" b="0" i="1" smtClean="0">
+                        <a:latin typeface="Cambria Math" panose="02040503050406030204" pitchFamily="18" charset="0"/>
+                        <a:ea typeface="Cambria Math" panose="02040503050406030204" pitchFamily="18" charset="0"/>
+                      </a:rPr>
+                      <m:t>=</m:t>
+                    </m:r>
+                    <m:d>
+                      <m:dPr>
+                        <m:begChr m:val="{"/>
+                        <m:endChr m:val="}"/>
+                        <m:ctrlPr>
+                          <a:rPr lang="en-US" b="0" i="1" smtClean="0">
+                            <a:latin typeface="Cambria Math" panose="02040503050406030204" pitchFamily="18" charset="0"/>
+                            <a:ea typeface="Cambria Math" panose="02040503050406030204" pitchFamily="18" charset="0"/>
+                          </a:rPr>
+                        </m:ctrlPr>
+                      </m:dPr>
+                      <m:e>
+                        <m:d>
+                          <m:dPr>
+                            <m:begChr m:val="|"/>
+                            <m:endChr m:val="⟩"/>
+                            <m:ctrlPr>
+                              <a:rPr lang="en-US" i="1">
+                                <a:latin typeface="Cambria Math" panose="02040503050406030204" pitchFamily="18" charset="0"/>
+                              </a:rPr>
+                            </m:ctrlPr>
+                          </m:dPr>
+                          <m:e>
+                            <m:r>
+                              <a:rPr lang="en-US" i="1">
+                                <a:latin typeface="Cambria Math" panose="02040503050406030204" pitchFamily="18" charset="0"/>
+                              </a:rPr>
+                              <m:t>0</m:t>
+                            </m:r>
+                          </m:e>
+                        </m:d>
+                        <m:r>
+                          <a:rPr lang="en-US" b="0" i="1" smtClean="0">
+                            <a:latin typeface="Cambria Math" panose="02040503050406030204" pitchFamily="18" charset="0"/>
+                          </a:rPr>
+                          <m:t>,</m:t>
+                        </m:r>
+                        <m:d>
+                          <m:dPr>
+                            <m:begChr m:val="|"/>
+                            <m:endChr m:val="⟩"/>
+                            <m:ctrlPr>
+                              <a:rPr lang="en-US" i="1">
+                                <a:latin typeface="Cambria Math" panose="02040503050406030204" pitchFamily="18" charset="0"/>
+                              </a:rPr>
+                            </m:ctrlPr>
+                          </m:dPr>
+                          <m:e>
+                            <m:r>
+                              <a:rPr lang="en-US" b="0" i="1" smtClean="0">
+                                <a:latin typeface="Cambria Math" panose="02040503050406030204" pitchFamily="18" charset="0"/>
+                              </a:rPr>
+                              <m:t>1</m:t>
+                            </m:r>
+                          </m:e>
+                        </m:d>
+                        <m:r>
+                          <a:rPr lang="en-US" b="0" i="1" smtClean="0">
+                            <a:latin typeface="Cambria Math" panose="02040503050406030204" pitchFamily="18" charset="0"/>
+                          </a:rPr>
+                          <m:t>,</m:t>
+                        </m:r>
+                        <m:d>
+                          <m:dPr>
+                            <m:begChr m:val="|"/>
+                            <m:endChr m:val="⟩"/>
+                            <m:ctrlPr>
+                              <a:rPr lang="en-US" i="1">
+                                <a:latin typeface="Cambria Math" panose="02040503050406030204" pitchFamily="18" charset="0"/>
+                              </a:rPr>
+                            </m:ctrlPr>
+                          </m:dPr>
+                          <m:e>
+                            <m:r>
+                              <a:rPr lang="en-US" b="0" i="1" smtClean="0">
+                                <a:latin typeface="Cambria Math" panose="02040503050406030204" pitchFamily="18" charset="0"/>
+                              </a:rPr>
+                              <m:t>2</m:t>
+                            </m:r>
+                          </m:e>
+                        </m:d>
+                      </m:e>
+                    </m:d>
+                  </m:oMath>
+                </a14:m>
+                <a:r>
+                  <a:rPr lang="en-US" dirty="0">
+                    <a:latin typeface="Cambria Math" panose="02040503050406030204" pitchFamily="18" charset="0"/>
+                  </a:rPr>
+                  <a:t>.</a:t>
+                </a:r>
+              </a:p>
+              <a:p>
+                <a:r>
+                  <a:rPr lang="en-US" dirty="0"/>
+                  <a:t>Event Space </a:t>
+                </a:r>
+                <a14:m>
+                  <m:oMath xmlns:m="http://schemas.openxmlformats.org/officeDocument/2006/math">
+                    <m:sSup>
+                      <m:sSupPr>
+                        <m:ctrlPr>
+                          <a:rPr lang="en-US" i="1">
+                            <a:latin typeface="Cambria Math" panose="02040503050406030204" pitchFamily="18" charset="0"/>
+                          </a:rPr>
+                        </m:ctrlPr>
+                      </m:sSupPr>
+                      <m:e>
+                        <m:r>
+                          <a:rPr lang="en-US">
+                            <a:latin typeface="Cambria Math" panose="02040503050406030204" pitchFamily="18" charset="0"/>
+                          </a:rPr>
+                          <m:t>2</m:t>
+                        </m:r>
+                      </m:e>
+                      <m:sup>
+                        <m:sSub>
+                          <m:sSubPr>
+                            <m:ctrlPr>
+                              <a:rPr lang="en-US" i="1">
+                                <a:latin typeface="Cambria Math" panose="02040503050406030204" pitchFamily="18" charset="0"/>
+                              </a:rPr>
+                            </m:ctrlPr>
+                          </m:sSubPr>
+                          <m:e>
+                            <m:r>
+                              <m:rPr>
+                                <m:sty m:val="p"/>
+                              </m:rPr>
+                              <a:rPr lang="el-GR">
+                                <a:latin typeface="Cambria Math" panose="02040503050406030204" pitchFamily="18" charset="0"/>
+                              </a:rPr>
+                              <m:t>Ω</m:t>
+                            </m:r>
+                          </m:e>
+                          <m:sub>
+                            <m:r>
+                              <a:rPr lang="en-US">
+                                <a:latin typeface="Cambria Math" panose="02040503050406030204" pitchFamily="18" charset="0"/>
+                              </a:rPr>
+                              <m:t>0</m:t>
+                            </m:r>
+                          </m:sub>
+                        </m:sSub>
+                      </m:sup>
+                    </m:sSup>
+                  </m:oMath>
+                </a14:m>
+                <a:r>
+                  <a:rPr lang="en-US" dirty="0">
+                    <a:latin typeface="Cambria Math" panose="02040503050406030204" pitchFamily="18" charset="0"/>
+                  </a:rPr>
+                  <a:t>.</a:t>
+                </a:r>
+              </a:p>
+              <a:p>
+                <a:r>
+                  <a:rPr lang="en-US" dirty="0"/>
+                  <a:t>Probability measure </a:t>
+                </a:r>
+                <a:br>
+                  <a:rPr lang="en-US" dirty="0"/>
+                </a:br>
+                <a14:m>
+                  <m:oMath xmlns:m="http://schemas.openxmlformats.org/officeDocument/2006/math">
+                    <m:sSub>
+                      <m:sSubPr>
+                        <m:ctrlPr>
+                          <a:rPr lang="en-US" b="0" i="1" smtClean="0">
+                            <a:latin typeface="Cambria Math" panose="02040503050406030204" pitchFamily="18" charset="0"/>
+                          </a:rPr>
+                        </m:ctrlPr>
+                      </m:sSubPr>
+                      <m:e>
+                        <m:r>
+                          <a:rPr lang="en-US" i="1">
+                            <a:latin typeface="Cambria Math" panose="02040503050406030204" pitchFamily="18" charset="0"/>
+                          </a:rPr>
+                          <m:t>𝜇</m:t>
+                        </m:r>
+                      </m:e>
+                      <m:sub>
+                        <m:r>
+                          <a:rPr lang="en-US" b="0" i="1" smtClean="0">
+                            <a:latin typeface="Cambria Math" panose="02040503050406030204" pitchFamily="18" charset="0"/>
+                          </a:rPr>
+                          <m:t>0</m:t>
+                        </m:r>
+                      </m:sub>
+                    </m:sSub>
+                    <m:r>
+                      <a:rPr lang="en-US" i="1">
+                        <a:latin typeface="Cambria Math" panose="02040503050406030204" pitchFamily="18" charset="0"/>
+                      </a:rPr>
+                      <m:t>:</m:t>
+                    </m:r>
+                    <m:sSup>
+                      <m:sSupPr>
+                        <m:ctrlPr>
+                          <a:rPr lang="en-US" i="1">
+                            <a:latin typeface="Cambria Math" panose="02040503050406030204" pitchFamily="18" charset="0"/>
+                            <a:ea typeface="Cambria Math" panose="02040503050406030204" pitchFamily="18" charset="0"/>
+                          </a:rPr>
+                        </m:ctrlPr>
+                      </m:sSupPr>
+                      <m:e>
+                        <m:r>
+                          <a:rPr lang="en-US" i="1">
+                            <a:latin typeface="Cambria Math" panose="02040503050406030204" pitchFamily="18" charset="0"/>
+                            <a:ea typeface="Cambria Math" panose="02040503050406030204" pitchFamily="18" charset="0"/>
+                          </a:rPr>
+                          <m:t>2</m:t>
+                        </m:r>
+                      </m:e>
+                      <m:sup>
+                        <m:sSub>
+                          <m:sSubPr>
+                            <m:ctrlPr>
+                              <a:rPr lang="en-US" b="0" i="1" smtClean="0">
+                                <a:latin typeface="Cambria Math" panose="02040503050406030204" pitchFamily="18" charset="0"/>
+                                <a:ea typeface="Cambria Math" panose="02040503050406030204" pitchFamily="18" charset="0"/>
+                              </a:rPr>
+                            </m:ctrlPr>
+                          </m:sSubPr>
+                          <m:e>
+                            <m:r>
+                              <m:rPr>
+                                <m:sty m:val="p"/>
+                              </m:rPr>
+                              <a:rPr lang="el-GR" i="1">
+                                <a:latin typeface="Cambria Math" panose="02040503050406030204" pitchFamily="18" charset="0"/>
+                                <a:ea typeface="Cambria Math" panose="02040503050406030204" pitchFamily="18" charset="0"/>
+                              </a:rPr>
+                              <m:t>Ω</m:t>
+                            </m:r>
+                          </m:e>
+                          <m:sub>
+                            <m:r>
+                              <a:rPr lang="en-US" b="0" i="1" smtClean="0">
+                                <a:latin typeface="Cambria Math" panose="02040503050406030204" pitchFamily="18" charset="0"/>
+                                <a:ea typeface="Cambria Math" panose="02040503050406030204" pitchFamily="18" charset="0"/>
+                              </a:rPr>
+                              <m:t>0</m:t>
+                            </m:r>
+                          </m:sub>
+                        </m:sSub>
+                      </m:sup>
+                    </m:sSup>
+                    <m:r>
+                      <a:rPr lang="en-US">
+                        <a:latin typeface="Cambria Math" panose="02040503050406030204" pitchFamily="18" charset="0"/>
+                        <a:ea typeface="Cambria Math" panose="02040503050406030204" pitchFamily="18" charset="0"/>
+                      </a:rPr>
+                      <m:t>→</m:t>
+                    </m:r>
+                    <m:d>
+                      <m:dPr>
+                        <m:begChr m:val="["/>
+                        <m:endChr m:val="]"/>
+                        <m:ctrlPr>
+                          <a:rPr lang="en-US" i="1">
+                            <a:solidFill>
+                              <a:schemeClr val="accent4">
+                                <a:lumMod val="75000"/>
+                              </a:schemeClr>
+                            </a:solidFill>
+                            <a:latin typeface="Cambria Math" panose="02040503050406030204" pitchFamily="18" charset="0"/>
+                            <a:ea typeface="Cambria Math" panose="02040503050406030204" pitchFamily="18" charset="0"/>
+                          </a:rPr>
+                        </m:ctrlPr>
+                      </m:dPr>
+                      <m:e>
+                        <m:r>
+                          <a:rPr lang="en-US" i="1">
+                            <a:solidFill>
+                              <a:schemeClr val="accent4">
+                                <a:lumMod val="75000"/>
+                              </a:schemeClr>
+                            </a:solidFill>
+                            <a:latin typeface="Cambria Math" panose="02040503050406030204" pitchFamily="18" charset="0"/>
+                            <a:ea typeface="Cambria Math" panose="02040503050406030204" pitchFamily="18" charset="0"/>
+                          </a:rPr>
+                          <m:t>0,1</m:t>
+                        </m:r>
+                      </m:e>
+                    </m:d>
+                  </m:oMath>
+                </a14:m>
+                <a:r>
+                  <a:rPr lang="en-US" i="1" dirty="0">
+                    <a:latin typeface="Cambria Math" panose="02040503050406030204" pitchFamily="18" charset="0"/>
+                    <a:ea typeface="Cambria Math" panose="02040503050406030204" pitchFamily="18" charset="0"/>
+                  </a:rPr>
+                  <a:t>.</a:t>
+                </a:r>
+              </a:p>
+              <a:p>
+                <a:endParaRPr lang="en-US" dirty="0"/>
+              </a:p>
+            </p:txBody>
+          </p:sp>
+        </mc:Choice>
+        <mc:Fallback xmlns="">
+          <p:sp>
+            <p:nvSpPr>
+              <p:cNvPr id="7" name="Content Placeholder 6">
+                <a:extLst>
+                  <a:ext uri="{FF2B5EF4-FFF2-40B4-BE49-F238E27FC236}">
+                    <a16:creationId xmlns:a16="http://schemas.microsoft.com/office/drawing/2014/main" id="{C75BD9D8-9251-4CCB-BE0F-0D011B4A8172}"/>
+                  </a:ext>
+                </a:extLst>
+              </p:cNvPr>
+              <p:cNvSpPr>
+                <a:spLocks noGrp="1" noRot="1" noChangeAspect="1" noMove="1" noResize="1" noEditPoints="1" noAdjustHandles="1" noChangeArrowheads="1" noChangeShapeType="1" noTextEdit="1"/>
+              </p:cNvSpPr>
+              <p:nvPr>
+                <p:ph sz="quarter" idx="4"/>
+              </p:nvPr>
+            </p:nvSpPr>
+            <p:spPr>
+              <a:blipFill>
+                <a:blip r:embed="rId3"/>
+                <a:stretch>
+                  <a:fillRect l="-1882" t="-2483"/>
+                </a:stretch>
+              </a:blipFill>
+            </p:spPr>
+            <p:txBody>
+              <a:bodyPr/>
+              <a:lstStyle/>
+              <a:p>
+                <a:r>
+                  <a:rPr lang="en-US">
+                    <a:noFill/>
+                  </a:rPr>
+                  <a:t> </a:t>
+                </a:r>
+              </a:p>
+            </p:txBody>
+          </p:sp>
+        </mc:Fallback>
+      </mc:AlternateContent>
+    </p:spTree>
+    <p:extLst>
+      <p:ext uri="{BB962C8B-B14F-4D97-AF65-F5344CB8AC3E}">
+        <p14:creationId xmlns:p14="http://schemas.microsoft.com/office/powerpoint/2010/main" val="3245410040"/>
+      </p:ext>
+    </p:extLst>
+  </p:cSld>
+  <p:clrMapOvr>
+    <a:masterClrMapping/>
+  </p:clrMapOvr>
+</p:sld>
+</file>
+
+<file path=ppt/slides/slide9.xml><?xml version="1.0" encoding="utf-8"?>
+<p:sld xmlns:a="http://schemas.openxmlformats.org/drawingml/2006/main" xmlns:r="http://schemas.openxmlformats.org/officeDocument/2006/relationships" xmlns:p="http://schemas.openxmlformats.org/presentationml/2006/main">
+  <p:cSld>
+    <p:spTree>
+      <p:nvGrpSpPr>
+        <p:cNvPr id="1" name=""/>
+        <p:cNvGrpSpPr/>
+        <p:nvPr/>
+      </p:nvGrpSpPr>
+      <p:grpSpPr>
+        <a:xfrm>
+          <a:off x="0" y="0"/>
+          <a:ext cx="0" cy="0"/>
+          <a:chOff x="0" y="0"/>
+          <a:chExt cx="0" cy="0"/>
+        </a:xfrm>
+      </p:grpSpPr>
       <p:sp>
         <p:nvSpPr>
-          <p:cNvPr id="7" name="Content Placeholder 6">
+          <p:cNvPr id="2" name="Title 1">
             <a:extLst>
               <a:ext uri="{FF2B5EF4-FFF2-40B4-BE49-F238E27FC236}">
-                <a16:creationId xmlns:a16="http://schemas.microsoft.com/office/drawing/2014/main" id="{C75BD9D8-9251-4CCB-BE0F-0D011B4A8172}"/>
+                <a16:creationId xmlns:a16="http://schemas.microsoft.com/office/drawing/2014/main" id="{B40DB600-F61B-4D6A-B04B-2CCD978EB2E6}"/>
               </a:ext>
             </a:extLst>
           </p:cNvPr>
@@ -6792,24 +14112,1810 @@
             <a:spLocks noGrp="1"/>
           </p:cNvSpPr>
           <p:nvPr>
-            <p:ph sz="quarter" idx="4"/>
+            <p:ph type="title"/>
           </p:nvPr>
         </p:nvSpPr>
         <p:spPr/>
         <p:txBody>
           <a:bodyPr>
-            <a:normAutofit fontScale="92500" lnSpcReduction="20000"/>
+            <a:normAutofit/>
           </a:bodyPr>
           <a:lstStyle/>
           <a:p>
-            <a:endParaRPr lang="en-US"/>
+            <a:r>
+              <a:rPr lang="en-US" dirty="0"/>
+              <a:t>Probability Space</a:t>
+            </a:r>
           </a:p>
         </p:txBody>
       </p:sp>
+      <p:sp>
+        <p:nvSpPr>
+          <p:cNvPr id="4" name="Text Placeholder 3">
+            <a:extLst>
+              <a:ext uri="{FF2B5EF4-FFF2-40B4-BE49-F238E27FC236}">
+                <a16:creationId xmlns:a16="http://schemas.microsoft.com/office/drawing/2014/main" id="{D87DB010-D924-4187-9FDF-7913C44EEE08}"/>
+              </a:ext>
+            </a:extLst>
+          </p:cNvPr>
+          <p:cNvSpPr>
+            <a:spLocks noGrp="1"/>
+          </p:cNvSpPr>
+          <p:nvPr>
+            <p:ph type="body" idx="1"/>
+          </p:nvPr>
+        </p:nvSpPr>
+        <p:spPr>
+          <a:xfrm>
+            <a:off x="763588" y="1034173"/>
+            <a:ext cx="5157787" cy="823912"/>
+          </a:xfrm>
+        </p:spPr>
+        <p:txBody>
+          <a:bodyPr>
+            <a:normAutofit/>
+          </a:bodyPr>
+          <a:lstStyle/>
+          <a:p>
+            <a:r>
+              <a:rPr lang="en-US" dirty="0"/>
+              <a:t>Example</a:t>
+            </a:r>
+          </a:p>
+        </p:txBody>
+      </p:sp>
+      <mc:AlternateContent xmlns:mc="http://schemas.openxmlformats.org/markup-compatibility/2006" xmlns:a14="http://schemas.microsoft.com/office/drawing/2010/main">
+        <mc:Choice Requires="a14">
+          <p:sp>
+            <p:nvSpPr>
+              <p:cNvPr id="5" name="Content Placeholder 4">
+                <a:extLst>
+                  <a:ext uri="{FF2B5EF4-FFF2-40B4-BE49-F238E27FC236}">
+                    <a16:creationId xmlns:a16="http://schemas.microsoft.com/office/drawing/2014/main" id="{BF2B535F-A1B1-4A73-A7FF-8E5D362BBFD9}"/>
+                  </a:ext>
+                </a:extLst>
+              </p:cNvPr>
+              <p:cNvSpPr>
+                <a:spLocks noGrp="1"/>
+              </p:cNvSpPr>
+              <p:nvPr>
+                <p:ph sz="half" idx="2"/>
+              </p:nvPr>
+            </p:nvSpPr>
+            <p:spPr>
+              <a:xfrm>
+                <a:off x="763588" y="1858085"/>
+                <a:ext cx="5157787" cy="3684588"/>
+              </a:xfrm>
+            </p:spPr>
+            <p:txBody>
+              <a:bodyPr>
+                <a:normAutofit fontScale="92500"/>
+              </a:bodyPr>
+              <a:lstStyle/>
+              <a:p>
+                <a:r>
+                  <a:rPr lang="en-US" dirty="0"/>
+                  <a:t>Sending a particle to a beam splitter with the split beams </a:t>
+                </a:r>
+                <a14:m>
+                  <m:oMath xmlns:m="http://schemas.openxmlformats.org/officeDocument/2006/math">
+                    <m:d>
+                      <m:dPr>
+                        <m:begChr m:val="|"/>
+                        <m:endChr m:val="⟩"/>
+                        <m:ctrlPr>
+                          <a:rPr lang="en-US" i="1">
+                            <a:latin typeface="Cambria Math" panose="02040503050406030204" pitchFamily="18" charset="0"/>
+                          </a:rPr>
+                        </m:ctrlPr>
+                      </m:dPr>
+                      <m:e>
+                        <m:r>
+                          <a:rPr lang="en-US" i="1">
+                            <a:latin typeface="Cambria Math" panose="02040503050406030204" pitchFamily="18" charset="0"/>
+                          </a:rPr>
+                          <m:t>0</m:t>
+                        </m:r>
+                      </m:e>
+                    </m:d>
+                  </m:oMath>
+                </a14:m>
+                <a:r>
+                  <a:rPr lang="en-US" dirty="0"/>
+                  <a:t>, </a:t>
+                </a:r>
+                <a14:m>
+                  <m:oMath xmlns:m="http://schemas.openxmlformats.org/officeDocument/2006/math">
+                    <m:d>
+                      <m:dPr>
+                        <m:begChr m:val="|"/>
+                        <m:endChr m:val="⟩"/>
+                        <m:ctrlPr>
+                          <a:rPr lang="en-US" i="1">
+                            <a:latin typeface="Cambria Math" panose="02040503050406030204" pitchFamily="18" charset="0"/>
+                          </a:rPr>
+                        </m:ctrlPr>
+                      </m:dPr>
+                      <m:e>
+                        <m:r>
+                          <a:rPr lang="en-US" i="1">
+                            <a:latin typeface="Cambria Math" panose="02040503050406030204" pitchFamily="18" charset="0"/>
+                          </a:rPr>
+                          <m:t>1</m:t>
+                        </m:r>
+                      </m:e>
+                    </m:d>
+                  </m:oMath>
+                </a14:m>
+                <a:r>
+                  <a:rPr lang="en-US" dirty="0"/>
+                  <a:t>, and </a:t>
+                </a:r>
+                <a14:m>
+                  <m:oMath xmlns:m="http://schemas.openxmlformats.org/officeDocument/2006/math">
+                    <m:d>
+                      <m:dPr>
+                        <m:begChr m:val="|"/>
+                        <m:endChr m:val="⟩"/>
+                        <m:ctrlPr>
+                          <a:rPr lang="en-US" i="1">
+                            <a:latin typeface="Cambria Math" panose="02040503050406030204" pitchFamily="18" charset="0"/>
+                          </a:rPr>
+                        </m:ctrlPr>
+                      </m:dPr>
+                      <m:e>
+                        <m:r>
+                          <a:rPr lang="en-US" i="1">
+                            <a:latin typeface="Cambria Math" panose="02040503050406030204" pitchFamily="18" charset="0"/>
+                          </a:rPr>
+                          <m:t>2</m:t>
+                        </m:r>
+                      </m:e>
+                    </m:d>
+                  </m:oMath>
+                </a14:m>
+                <a:r>
+                  <a:rPr lang="en-US" dirty="0"/>
+                  <a:t>.</a:t>
+                </a:r>
+              </a:p>
+              <a:p>
+                <a:r>
+                  <a:rPr lang="en-US" dirty="0"/>
+                  <a:t>Sample space </a:t>
+                </a:r>
+                <a14:m>
+                  <m:oMath xmlns:m="http://schemas.openxmlformats.org/officeDocument/2006/math">
+                    <m:sSub>
+                      <m:sSubPr>
+                        <m:ctrlPr>
+                          <a:rPr lang="en-US" i="1">
+                            <a:latin typeface="Cambria Math" panose="02040503050406030204" pitchFamily="18" charset="0"/>
+                            <a:ea typeface="Cambria Math" panose="02040503050406030204" pitchFamily="18" charset="0"/>
+                          </a:rPr>
+                        </m:ctrlPr>
+                      </m:sSubPr>
+                      <m:e>
+                        <m:r>
+                          <m:rPr>
+                            <m:sty m:val="p"/>
+                          </m:rPr>
+                          <a:rPr lang="el-GR" i="1">
+                            <a:latin typeface="Cambria Math" panose="02040503050406030204" pitchFamily="18" charset="0"/>
+                            <a:ea typeface="Cambria Math" panose="02040503050406030204" pitchFamily="18" charset="0"/>
+                          </a:rPr>
+                          <m:t>Ω</m:t>
+                        </m:r>
+                      </m:e>
+                      <m:sub>
+                        <m:r>
+                          <a:rPr lang="en-US" i="1">
+                            <a:latin typeface="Cambria Math" panose="02040503050406030204" pitchFamily="18" charset="0"/>
+                            <a:ea typeface="Cambria Math" panose="02040503050406030204" pitchFamily="18" charset="0"/>
+                          </a:rPr>
+                          <m:t>0</m:t>
+                        </m:r>
+                      </m:sub>
+                    </m:sSub>
+                    <m:r>
+                      <a:rPr lang="en-US" i="1">
+                        <a:latin typeface="Cambria Math" panose="02040503050406030204" pitchFamily="18" charset="0"/>
+                        <a:ea typeface="Cambria Math" panose="02040503050406030204" pitchFamily="18" charset="0"/>
+                      </a:rPr>
+                      <m:t>=</m:t>
+                    </m:r>
+                    <m:d>
+                      <m:dPr>
+                        <m:begChr m:val="{"/>
+                        <m:endChr m:val="}"/>
+                        <m:ctrlPr>
+                          <a:rPr lang="en-US" i="1">
+                            <a:latin typeface="Cambria Math" panose="02040503050406030204" pitchFamily="18" charset="0"/>
+                            <a:ea typeface="Cambria Math" panose="02040503050406030204" pitchFamily="18" charset="0"/>
+                          </a:rPr>
+                        </m:ctrlPr>
+                      </m:dPr>
+                      <m:e>
+                        <m:d>
+                          <m:dPr>
+                            <m:begChr m:val="|"/>
+                            <m:endChr m:val="⟩"/>
+                            <m:ctrlPr>
+                              <a:rPr lang="en-US" i="1">
+                                <a:latin typeface="Cambria Math" panose="02040503050406030204" pitchFamily="18" charset="0"/>
+                              </a:rPr>
+                            </m:ctrlPr>
+                          </m:dPr>
+                          <m:e>
+                            <m:r>
+                              <a:rPr lang="en-US" i="1">
+                                <a:latin typeface="Cambria Math" panose="02040503050406030204" pitchFamily="18" charset="0"/>
+                              </a:rPr>
+                              <m:t>0</m:t>
+                            </m:r>
+                          </m:e>
+                        </m:d>
+                        <m:r>
+                          <a:rPr lang="en-US" i="1">
+                            <a:latin typeface="Cambria Math" panose="02040503050406030204" pitchFamily="18" charset="0"/>
+                          </a:rPr>
+                          <m:t>,</m:t>
+                        </m:r>
+                        <m:d>
+                          <m:dPr>
+                            <m:begChr m:val="|"/>
+                            <m:endChr m:val="⟩"/>
+                            <m:ctrlPr>
+                              <a:rPr lang="en-US" i="1">
+                                <a:latin typeface="Cambria Math" panose="02040503050406030204" pitchFamily="18" charset="0"/>
+                              </a:rPr>
+                            </m:ctrlPr>
+                          </m:dPr>
+                          <m:e>
+                            <m:r>
+                              <a:rPr lang="en-US" i="1">
+                                <a:latin typeface="Cambria Math" panose="02040503050406030204" pitchFamily="18" charset="0"/>
+                              </a:rPr>
+                              <m:t>1</m:t>
+                            </m:r>
+                          </m:e>
+                        </m:d>
+                        <m:r>
+                          <a:rPr lang="en-US" i="1">
+                            <a:latin typeface="Cambria Math" panose="02040503050406030204" pitchFamily="18" charset="0"/>
+                          </a:rPr>
+                          <m:t>,</m:t>
+                        </m:r>
+                        <m:d>
+                          <m:dPr>
+                            <m:begChr m:val="|"/>
+                            <m:endChr m:val="⟩"/>
+                            <m:ctrlPr>
+                              <a:rPr lang="en-US" i="1">
+                                <a:latin typeface="Cambria Math" panose="02040503050406030204" pitchFamily="18" charset="0"/>
+                              </a:rPr>
+                            </m:ctrlPr>
+                          </m:dPr>
+                          <m:e>
+                            <m:r>
+                              <a:rPr lang="en-US" i="1">
+                                <a:latin typeface="Cambria Math" panose="02040503050406030204" pitchFamily="18" charset="0"/>
+                              </a:rPr>
+                              <m:t>2</m:t>
+                            </m:r>
+                          </m:e>
+                        </m:d>
+                      </m:e>
+                    </m:d>
+                  </m:oMath>
+                </a14:m>
+                <a:r>
+                  <a:rPr lang="en-US" dirty="0">
+                    <a:latin typeface="Cambria Math" panose="02040503050406030204" pitchFamily="18" charset="0"/>
+                  </a:rPr>
+                  <a:t>.</a:t>
+                </a:r>
+              </a:p>
+              <a:p>
+                <a:r>
+                  <a:rPr lang="en-US" dirty="0"/>
+                  <a:t>Event Space </a:t>
+                </a:r>
+                <a14:m>
+                  <m:oMath xmlns:m="http://schemas.openxmlformats.org/officeDocument/2006/math">
+                    <m:sSup>
+                      <m:sSupPr>
+                        <m:ctrlPr>
+                          <a:rPr lang="en-US" i="1">
+                            <a:latin typeface="Cambria Math" panose="02040503050406030204" pitchFamily="18" charset="0"/>
+                          </a:rPr>
+                        </m:ctrlPr>
+                      </m:sSupPr>
+                      <m:e>
+                        <m:r>
+                          <a:rPr lang="en-US">
+                            <a:latin typeface="Cambria Math" panose="02040503050406030204" pitchFamily="18" charset="0"/>
+                          </a:rPr>
+                          <m:t>2</m:t>
+                        </m:r>
+                      </m:e>
+                      <m:sup>
+                        <m:sSub>
+                          <m:sSubPr>
+                            <m:ctrlPr>
+                              <a:rPr lang="en-US" i="1">
+                                <a:latin typeface="Cambria Math" panose="02040503050406030204" pitchFamily="18" charset="0"/>
+                              </a:rPr>
+                            </m:ctrlPr>
+                          </m:sSubPr>
+                          <m:e>
+                            <m:r>
+                              <m:rPr>
+                                <m:sty m:val="p"/>
+                              </m:rPr>
+                              <a:rPr lang="el-GR">
+                                <a:latin typeface="Cambria Math" panose="02040503050406030204" pitchFamily="18" charset="0"/>
+                              </a:rPr>
+                              <m:t>Ω</m:t>
+                            </m:r>
+                          </m:e>
+                          <m:sub>
+                            <m:r>
+                              <a:rPr lang="en-US">
+                                <a:latin typeface="Cambria Math" panose="02040503050406030204" pitchFamily="18" charset="0"/>
+                              </a:rPr>
+                              <m:t>0</m:t>
+                            </m:r>
+                          </m:sub>
+                        </m:sSub>
+                      </m:sup>
+                    </m:sSup>
+                  </m:oMath>
+                </a14:m>
+                <a:r>
+                  <a:rPr lang="en-US" dirty="0">
+                    <a:latin typeface="Cambria Math" panose="02040503050406030204" pitchFamily="18" charset="0"/>
+                  </a:rPr>
+                  <a:t>.</a:t>
+                </a:r>
+              </a:p>
+              <a:p>
+                <a:r>
+                  <a:rPr lang="en-US" dirty="0"/>
+                  <a:t>Probability measure </a:t>
+                </a:r>
+                <a:br>
+                  <a:rPr lang="en-US" i="1" dirty="0">
+                    <a:latin typeface="Cambria Math" panose="02040503050406030204" pitchFamily="18" charset="0"/>
+                  </a:rPr>
+                </a:br>
+                <a14:m>
+                  <m:oMath xmlns:m="http://schemas.openxmlformats.org/officeDocument/2006/math">
+                    <m:sSub>
+                      <m:sSubPr>
+                        <m:ctrlPr>
+                          <a:rPr lang="en-US" i="1">
+                            <a:latin typeface="Cambria Math" panose="02040503050406030204" pitchFamily="18" charset="0"/>
+                          </a:rPr>
+                        </m:ctrlPr>
+                      </m:sSubPr>
+                      <m:e>
+                        <m:r>
+                          <a:rPr lang="en-US" i="1">
+                            <a:latin typeface="Cambria Math" panose="02040503050406030204" pitchFamily="18" charset="0"/>
+                          </a:rPr>
+                          <m:t>𝜇</m:t>
+                        </m:r>
+                      </m:e>
+                      <m:sub>
+                        <m:r>
+                          <a:rPr lang="en-US" i="1">
+                            <a:latin typeface="Cambria Math" panose="02040503050406030204" pitchFamily="18" charset="0"/>
+                          </a:rPr>
+                          <m:t>0</m:t>
+                        </m:r>
+                      </m:sub>
+                    </m:sSub>
+                    <m:r>
+                      <a:rPr lang="en-US" i="1">
+                        <a:latin typeface="Cambria Math" panose="02040503050406030204" pitchFamily="18" charset="0"/>
+                      </a:rPr>
+                      <m:t>:</m:t>
+                    </m:r>
+                    <m:sSup>
+                      <m:sSupPr>
+                        <m:ctrlPr>
+                          <a:rPr lang="en-US" i="1">
+                            <a:latin typeface="Cambria Math" panose="02040503050406030204" pitchFamily="18" charset="0"/>
+                            <a:ea typeface="Cambria Math" panose="02040503050406030204" pitchFamily="18" charset="0"/>
+                          </a:rPr>
+                        </m:ctrlPr>
+                      </m:sSupPr>
+                      <m:e>
+                        <m:r>
+                          <a:rPr lang="en-US" i="1">
+                            <a:latin typeface="Cambria Math" panose="02040503050406030204" pitchFamily="18" charset="0"/>
+                            <a:ea typeface="Cambria Math" panose="02040503050406030204" pitchFamily="18" charset="0"/>
+                          </a:rPr>
+                          <m:t>2</m:t>
+                        </m:r>
+                      </m:e>
+                      <m:sup>
+                        <m:sSub>
+                          <m:sSubPr>
+                            <m:ctrlPr>
+                              <a:rPr lang="en-US" i="1">
+                                <a:latin typeface="Cambria Math" panose="02040503050406030204" pitchFamily="18" charset="0"/>
+                                <a:ea typeface="Cambria Math" panose="02040503050406030204" pitchFamily="18" charset="0"/>
+                              </a:rPr>
+                            </m:ctrlPr>
+                          </m:sSubPr>
+                          <m:e>
+                            <m:r>
+                              <m:rPr>
+                                <m:sty m:val="p"/>
+                              </m:rPr>
+                              <a:rPr lang="el-GR" i="1">
+                                <a:latin typeface="Cambria Math" panose="02040503050406030204" pitchFamily="18" charset="0"/>
+                                <a:ea typeface="Cambria Math" panose="02040503050406030204" pitchFamily="18" charset="0"/>
+                              </a:rPr>
+                              <m:t>Ω</m:t>
+                            </m:r>
+                          </m:e>
+                          <m:sub>
+                            <m:r>
+                              <a:rPr lang="en-US" i="1">
+                                <a:latin typeface="Cambria Math" panose="02040503050406030204" pitchFamily="18" charset="0"/>
+                                <a:ea typeface="Cambria Math" panose="02040503050406030204" pitchFamily="18" charset="0"/>
+                              </a:rPr>
+                              <m:t>0</m:t>
+                            </m:r>
+                          </m:sub>
+                        </m:sSub>
+                      </m:sup>
+                    </m:sSup>
+                    <m:r>
+                      <a:rPr lang="en-US">
+                        <a:latin typeface="Cambria Math" panose="02040503050406030204" pitchFamily="18" charset="0"/>
+                        <a:ea typeface="Cambria Math" panose="02040503050406030204" pitchFamily="18" charset="0"/>
+                      </a:rPr>
+                      <m:t>→</m:t>
+                    </m:r>
+                    <m:d>
+                      <m:dPr>
+                        <m:begChr m:val="["/>
+                        <m:endChr m:val="]"/>
+                        <m:ctrlPr>
+                          <a:rPr lang="en-US" i="1">
+                            <a:solidFill>
+                              <a:schemeClr val="accent4">
+                                <a:lumMod val="75000"/>
+                              </a:schemeClr>
+                            </a:solidFill>
+                            <a:latin typeface="Cambria Math" panose="02040503050406030204" pitchFamily="18" charset="0"/>
+                            <a:ea typeface="Cambria Math" panose="02040503050406030204" pitchFamily="18" charset="0"/>
+                          </a:rPr>
+                        </m:ctrlPr>
+                      </m:dPr>
+                      <m:e>
+                        <m:r>
+                          <a:rPr lang="en-US" i="1">
+                            <a:solidFill>
+                              <a:schemeClr val="accent4">
+                                <a:lumMod val="75000"/>
+                              </a:schemeClr>
+                            </a:solidFill>
+                            <a:latin typeface="Cambria Math" panose="02040503050406030204" pitchFamily="18" charset="0"/>
+                            <a:ea typeface="Cambria Math" panose="02040503050406030204" pitchFamily="18" charset="0"/>
+                          </a:rPr>
+                          <m:t>0,1</m:t>
+                        </m:r>
+                      </m:e>
+                    </m:d>
+                  </m:oMath>
+                </a14:m>
+                <a:r>
+                  <a:rPr lang="en-US" i="1" dirty="0">
+                    <a:latin typeface="Cambria Math" panose="02040503050406030204" pitchFamily="18" charset="0"/>
+                    <a:ea typeface="Cambria Math" panose="02040503050406030204" pitchFamily="18" charset="0"/>
+                  </a:rPr>
+                  <a:t>.</a:t>
+                </a:r>
+              </a:p>
+            </p:txBody>
+          </p:sp>
+        </mc:Choice>
+        <mc:Fallback xmlns="">
+          <p:sp>
+            <p:nvSpPr>
+              <p:cNvPr id="5" name="Content Placeholder 4">
+                <a:extLst>
+                  <a:ext uri="{FF2B5EF4-FFF2-40B4-BE49-F238E27FC236}">
+                    <a16:creationId xmlns:a16="http://schemas.microsoft.com/office/drawing/2014/main" id="{BF2B535F-A1B1-4A73-A7FF-8E5D362BBFD9}"/>
+                  </a:ext>
+                </a:extLst>
+              </p:cNvPr>
+              <p:cNvSpPr>
+                <a:spLocks noGrp="1" noRot="1" noChangeAspect="1" noMove="1" noResize="1" noEditPoints="1" noAdjustHandles="1" noChangeArrowheads="1" noChangeShapeType="1" noTextEdit="1"/>
+              </p:cNvSpPr>
+              <p:nvPr>
+                <p:ph sz="half" idx="2"/>
+              </p:nvPr>
+            </p:nvSpPr>
+            <p:spPr>
+              <a:xfrm>
+                <a:off x="763588" y="1858085"/>
+                <a:ext cx="5157787" cy="3684588"/>
+              </a:xfrm>
+              <a:blipFill>
+                <a:blip r:embed="rId2"/>
+                <a:stretch>
+                  <a:fillRect l="-1773" t="-2483"/>
+                </a:stretch>
+              </a:blipFill>
+            </p:spPr>
+            <p:txBody>
+              <a:bodyPr/>
+              <a:lstStyle/>
+              <a:p>
+                <a:r>
+                  <a:rPr lang="en-US">
+                    <a:noFill/>
+                  </a:rPr>
+                  <a:t> </a:t>
+                </a:r>
+              </a:p>
+            </p:txBody>
+          </p:sp>
+        </mc:Fallback>
+      </mc:AlternateContent>
+      <p:sp>
+        <p:nvSpPr>
+          <p:cNvPr id="6" name="Text Placeholder 5">
+            <a:extLst>
+              <a:ext uri="{FF2B5EF4-FFF2-40B4-BE49-F238E27FC236}">
+                <a16:creationId xmlns:a16="http://schemas.microsoft.com/office/drawing/2014/main" id="{8487C2F4-333B-4987-B890-D87138065004}"/>
+              </a:ext>
+            </a:extLst>
+          </p:cNvPr>
+          <p:cNvSpPr>
+            <a:spLocks noGrp="1"/>
+          </p:cNvSpPr>
+          <p:nvPr>
+            <p:ph type="body" sz="quarter" idx="3"/>
+          </p:nvPr>
+        </p:nvSpPr>
+        <p:spPr>
+          <a:xfrm>
+            <a:off x="6096000" y="1034173"/>
+            <a:ext cx="5183188" cy="823912"/>
+          </a:xfrm>
+        </p:spPr>
+        <p:txBody>
+          <a:bodyPr>
+            <a:normAutofit/>
+          </a:bodyPr>
+          <a:lstStyle/>
+          <a:p>
+            <a:r>
+              <a:rPr lang="en-US" dirty="0"/>
+              <a:t>Another Example</a:t>
+            </a:r>
+          </a:p>
+        </p:txBody>
+      </p:sp>
+      <mc:AlternateContent xmlns:mc="http://schemas.openxmlformats.org/markup-compatibility/2006" xmlns:a14="http://schemas.microsoft.com/office/drawing/2010/main">
+        <mc:Choice Requires="a14">
+          <p:sp>
+            <p:nvSpPr>
+              <p:cNvPr id="7" name="Content Placeholder 6">
+                <a:extLst>
+                  <a:ext uri="{FF2B5EF4-FFF2-40B4-BE49-F238E27FC236}">
+                    <a16:creationId xmlns:a16="http://schemas.microsoft.com/office/drawing/2014/main" id="{C75BD9D8-9251-4CCB-BE0F-0D011B4A8172}"/>
+                  </a:ext>
+                </a:extLst>
+              </p:cNvPr>
+              <p:cNvSpPr>
+                <a:spLocks noGrp="1"/>
+              </p:cNvSpPr>
+              <p:nvPr>
+                <p:ph sz="quarter" idx="4"/>
+              </p:nvPr>
+            </p:nvSpPr>
+            <p:spPr>
+              <a:xfrm>
+                <a:off x="6096000" y="1858085"/>
+                <a:ext cx="5183188" cy="3684588"/>
+              </a:xfrm>
+            </p:spPr>
+            <p:txBody>
+              <a:bodyPr>
+                <a:normAutofit fontScale="92500"/>
+              </a:bodyPr>
+              <a:lstStyle/>
+              <a:p>
+                <a:r>
+                  <a:rPr lang="en-US" dirty="0"/>
+                  <a:t>Sending the </a:t>
+                </a:r>
+                <a:r>
+                  <a:rPr lang="en-US" dirty="0">
+                    <a:solidFill>
+                      <a:srgbClr val="FF0000"/>
+                    </a:solidFill>
+                  </a:rPr>
+                  <a:t>same</a:t>
+                </a:r>
+                <a:r>
+                  <a:rPr lang="en-US" dirty="0"/>
+                  <a:t> particle to a beam splitter with the split beams </a:t>
+                </a:r>
+                <a14:m>
+                  <m:oMath xmlns:m="http://schemas.openxmlformats.org/officeDocument/2006/math">
+                    <m:d>
+                      <m:dPr>
+                        <m:begChr m:val="|"/>
+                        <m:endChr m:val="⟩"/>
+                        <m:ctrlPr>
+                          <a:rPr lang="en-US" i="1">
+                            <a:solidFill>
+                              <a:srgbClr val="FF0000"/>
+                            </a:solidFill>
+                            <a:latin typeface="Cambria Math" panose="02040503050406030204" pitchFamily="18" charset="0"/>
+                          </a:rPr>
+                        </m:ctrlPr>
+                      </m:dPr>
+                      <m:e>
+                        <m:r>
+                          <a:rPr lang="en-US" i="1">
+                            <a:solidFill>
+                              <a:srgbClr val="FF0000"/>
+                            </a:solidFill>
+                            <a:latin typeface="Cambria Math" panose="02040503050406030204" pitchFamily="18" charset="0"/>
+                          </a:rPr>
+                          <m:t>+</m:t>
+                        </m:r>
+                      </m:e>
+                    </m:d>
+                    <m:r>
+                      <a:rPr lang="en-US" i="1">
+                        <a:solidFill>
+                          <a:srgbClr val="FF0000"/>
+                        </a:solidFill>
+                        <a:latin typeface="Cambria Math" panose="02040503050406030204" pitchFamily="18" charset="0"/>
+                      </a:rPr>
+                      <m:t>=</m:t>
+                    </m:r>
+                    <m:f>
+                      <m:fPr>
+                        <m:ctrlPr>
+                          <a:rPr lang="en-US" i="1">
+                            <a:solidFill>
+                              <a:srgbClr val="FF0000"/>
+                            </a:solidFill>
+                            <a:latin typeface="Cambria Math" panose="02040503050406030204" pitchFamily="18" charset="0"/>
+                          </a:rPr>
+                        </m:ctrlPr>
+                      </m:fPr>
+                      <m:num>
+                        <m:d>
+                          <m:dPr>
+                            <m:begChr m:val="|"/>
+                            <m:endChr m:val="⟩"/>
+                            <m:ctrlPr>
+                              <a:rPr lang="en-US" i="1">
+                                <a:solidFill>
+                                  <a:srgbClr val="FF0000"/>
+                                </a:solidFill>
+                                <a:latin typeface="Cambria Math" panose="02040503050406030204" pitchFamily="18" charset="0"/>
+                              </a:rPr>
+                            </m:ctrlPr>
+                          </m:dPr>
+                          <m:e>
+                            <m:r>
+                              <a:rPr lang="en-US" i="1">
+                                <a:solidFill>
+                                  <a:srgbClr val="FF0000"/>
+                                </a:solidFill>
+                                <a:latin typeface="Cambria Math" panose="02040503050406030204" pitchFamily="18" charset="0"/>
+                              </a:rPr>
+                              <m:t>0</m:t>
+                            </m:r>
+                          </m:e>
+                        </m:d>
+                        <m:r>
+                          <a:rPr lang="en-US" i="1">
+                            <a:solidFill>
+                              <a:srgbClr val="FF0000"/>
+                            </a:solidFill>
+                            <a:latin typeface="Cambria Math" panose="02040503050406030204" pitchFamily="18" charset="0"/>
+                          </a:rPr>
+                          <m:t>+</m:t>
+                        </m:r>
+                        <m:d>
+                          <m:dPr>
+                            <m:begChr m:val="|"/>
+                            <m:endChr m:val="⟩"/>
+                            <m:ctrlPr>
+                              <a:rPr lang="en-US" i="1">
+                                <a:solidFill>
+                                  <a:srgbClr val="FF0000"/>
+                                </a:solidFill>
+                                <a:latin typeface="Cambria Math" panose="02040503050406030204" pitchFamily="18" charset="0"/>
+                              </a:rPr>
+                            </m:ctrlPr>
+                          </m:dPr>
+                          <m:e>
+                            <m:r>
+                              <a:rPr lang="en-US" i="1">
+                                <a:solidFill>
+                                  <a:srgbClr val="FF0000"/>
+                                </a:solidFill>
+                                <a:latin typeface="Cambria Math" panose="02040503050406030204" pitchFamily="18" charset="0"/>
+                              </a:rPr>
+                              <m:t>1</m:t>
+                            </m:r>
+                          </m:e>
+                        </m:d>
+                      </m:num>
+                      <m:den>
+                        <m:rad>
+                          <m:radPr>
+                            <m:degHide m:val="on"/>
+                            <m:ctrlPr>
+                              <a:rPr lang="en-US" i="1">
+                                <a:solidFill>
+                                  <a:srgbClr val="FF0000"/>
+                                </a:solidFill>
+                                <a:latin typeface="Cambria Math" panose="02040503050406030204" pitchFamily="18" charset="0"/>
+                              </a:rPr>
+                            </m:ctrlPr>
+                          </m:radPr>
+                          <m:deg/>
+                          <m:e>
+                            <m:r>
+                              <a:rPr lang="en-US" i="1">
+                                <a:solidFill>
+                                  <a:srgbClr val="FF0000"/>
+                                </a:solidFill>
+                                <a:latin typeface="Cambria Math" panose="02040503050406030204" pitchFamily="18" charset="0"/>
+                              </a:rPr>
+                              <m:t>2</m:t>
+                            </m:r>
+                          </m:e>
+                        </m:rad>
+                      </m:den>
+                    </m:f>
+                  </m:oMath>
+                </a14:m>
+                <a:r>
+                  <a:rPr lang="en-US" dirty="0"/>
+                  <a:t>, </a:t>
+                </a:r>
+                <a14:m>
+                  <m:oMath xmlns:m="http://schemas.openxmlformats.org/officeDocument/2006/math">
+                    <m:d>
+                      <m:dPr>
+                        <m:begChr m:val="|"/>
+                        <m:endChr m:val="⟩"/>
+                        <m:ctrlPr>
+                          <a:rPr lang="en-US" i="1">
+                            <a:solidFill>
+                              <a:srgbClr val="FF0000"/>
+                            </a:solidFill>
+                            <a:latin typeface="Cambria Math" panose="02040503050406030204" pitchFamily="18" charset="0"/>
+                          </a:rPr>
+                        </m:ctrlPr>
+                      </m:dPr>
+                      <m:e>
+                        <m:r>
+                          <a:rPr lang="en-US" i="1">
+                            <a:solidFill>
+                              <a:srgbClr val="FF0000"/>
+                            </a:solidFill>
+                            <a:latin typeface="Cambria Math" panose="02040503050406030204" pitchFamily="18" charset="0"/>
+                          </a:rPr>
+                          <m:t>−</m:t>
+                        </m:r>
+                      </m:e>
+                    </m:d>
+                    <m:r>
+                      <a:rPr lang="en-US" i="1">
+                        <a:solidFill>
+                          <a:srgbClr val="FF0000"/>
+                        </a:solidFill>
+                        <a:latin typeface="Cambria Math" panose="02040503050406030204" pitchFamily="18" charset="0"/>
+                      </a:rPr>
+                      <m:t>=</m:t>
+                    </m:r>
+                    <m:f>
+                      <m:fPr>
+                        <m:ctrlPr>
+                          <a:rPr lang="en-US" i="1">
+                            <a:solidFill>
+                              <a:srgbClr val="FF0000"/>
+                            </a:solidFill>
+                            <a:latin typeface="Cambria Math" panose="02040503050406030204" pitchFamily="18" charset="0"/>
+                          </a:rPr>
+                        </m:ctrlPr>
+                      </m:fPr>
+                      <m:num>
+                        <m:d>
+                          <m:dPr>
+                            <m:begChr m:val="|"/>
+                            <m:endChr m:val="⟩"/>
+                            <m:ctrlPr>
+                              <a:rPr lang="en-US" i="1">
+                                <a:solidFill>
+                                  <a:srgbClr val="FF0000"/>
+                                </a:solidFill>
+                                <a:latin typeface="Cambria Math" panose="02040503050406030204" pitchFamily="18" charset="0"/>
+                              </a:rPr>
+                            </m:ctrlPr>
+                          </m:dPr>
+                          <m:e>
+                            <m:r>
+                              <a:rPr lang="en-US" i="1">
+                                <a:solidFill>
+                                  <a:srgbClr val="FF0000"/>
+                                </a:solidFill>
+                                <a:latin typeface="Cambria Math" panose="02040503050406030204" pitchFamily="18" charset="0"/>
+                              </a:rPr>
+                              <m:t>0</m:t>
+                            </m:r>
+                          </m:e>
+                        </m:d>
+                        <m:r>
+                          <a:rPr lang="en-US" i="1">
+                            <a:solidFill>
+                              <a:srgbClr val="FF0000"/>
+                            </a:solidFill>
+                            <a:latin typeface="Cambria Math" panose="02040503050406030204" pitchFamily="18" charset="0"/>
+                          </a:rPr>
+                          <m:t>−</m:t>
+                        </m:r>
+                        <m:d>
+                          <m:dPr>
+                            <m:begChr m:val="|"/>
+                            <m:endChr m:val="⟩"/>
+                            <m:ctrlPr>
+                              <a:rPr lang="en-US" i="1">
+                                <a:solidFill>
+                                  <a:srgbClr val="FF0000"/>
+                                </a:solidFill>
+                                <a:latin typeface="Cambria Math" panose="02040503050406030204" pitchFamily="18" charset="0"/>
+                              </a:rPr>
+                            </m:ctrlPr>
+                          </m:dPr>
+                          <m:e>
+                            <m:r>
+                              <a:rPr lang="en-US" i="1">
+                                <a:solidFill>
+                                  <a:srgbClr val="FF0000"/>
+                                </a:solidFill>
+                                <a:latin typeface="Cambria Math" panose="02040503050406030204" pitchFamily="18" charset="0"/>
+                              </a:rPr>
+                              <m:t>1</m:t>
+                            </m:r>
+                          </m:e>
+                        </m:d>
+                      </m:num>
+                      <m:den>
+                        <m:rad>
+                          <m:radPr>
+                            <m:degHide m:val="on"/>
+                            <m:ctrlPr>
+                              <a:rPr lang="en-US" i="1">
+                                <a:solidFill>
+                                  <a:srgbClr val="FF0000"/>
+                                </a:solidFill>
+                                <a:latin typeface="Cambria Math" panose="02040503050406030204" pitchFamily="18" charset="0"/>
+                              </a:rPr>
+                            </m:ctrlPr>
+                          </m:radPr>
+                          <m:deg/>
+                          <m:e>
+                            <m:r>
+                              <a:rPr lang="en-US" i="1">
+                                <a:solidFill>
+                                  <a:srgbClr val="FF0000"/>
+                                </a:solidFill>
+                                <a:latin typeface="Cambria Math" panose="02040503050406030204" pitchFamily="18" charset="0"/>
+                              </a:rPr>
+                              <m:t>2</m:t>
+                            </m:r>
+                          </m:e>
+                        </m:rad>
+                      </m:den>
+                    </m:f>
+                  </m:oMath>
+                </a14:m>
+                <a:r>
+                  <a:rPr lang="en-US" dirty="0"/>
+                  <a:t>, and </a:t>
+                </a:r>
+                <a14:m>
+                  <m:oMath xmlns:m="http://schemas.openxmlformats.org/officeDocument/2006/math">
+                    <m:d>
+                      <m:dPr>
+                        <m:begChr m:val="|"/>
+                        <m:endChr m:val="⟩"/>
+                        <m:ctrlPr>
+                          <a:rPr lang="en-US" i="1">
+                            <a:latin typeface="Cambria Math" panose="02040503050406030204" pitchFamily="18" charset="0"/>
+                          </a:rPr>
+                        </m:ctrlPr>
+                      </m:dPr>
+                      <m:e>
+                        <m:r>
+                          <a:rPr lang="en-US" b="0" i="1">
+                            <a:latin typeface="Cambria Math" panose="02040503050406030204" pitchFamily="18" charset="0"/>
+                          </a:rPr>
+                          <m:t>2</m:t>
+                        </m:r>
+                      </m:e>
+                    </m:d>
+                  </m:oMath>
+                </a14:m>
+                <a:r>
+                  <a:rPr lang="en-US" dirty="0"/>
+                  <a:t>.</a:t>
+                </a:r>
+              </a:p>
+              <a:p>
+                <a:r>
+                  <a:rPr lang="en-US" dirty="0"/>
+                  <a:t>Sample space </a:t>
+                </a:r>
+                <a14:m>
+                  <m:oMath xmlns:m="http://schemas.openxmlformats.org/officeDocument/2006/math">
+                    <m:sSub>
+                      <m:sSubPr>
+                        <m:ctrlPr>
+                          <a:rPr lang="en-US" b="0" i="1" smtClean="0">
+                            <a:latin typeface="Cambria Math" panose="02040503050406030204" pitchFamily="18" charset="0"/>
+                            <a:ea typeface="Cambria Math" panose="02040503050406030204" pitchFamily="18" charset="0"/>
+                          </a:rPr>
+                        </m:ctrlPr>
+                      </m:sSubPr>
+                      <m:e>
+                        <m:r>
+                          <m:rPr>
+                            <m:sty m:val="p"/>
+                          </m:rPr>
+                          <a:rPr lang="el-GR" i="1">
+                            <a:latin typeface="Cambria Math" panose="02040503050406030204" pitchFamily="18" charset="0"/>
+                            <a:ea typeface="Cambria Math" panose="02040503050406030204" pitchFamily="18" charset="0"/>
+                          </a:rPr>
+                          <m:t>Ω</m:t>
+                        </m:r>
+                      </m:e>
+                      <m:sub>
+                        <m:r>
+                          <a:rPr lang="en-US" b="0" i="1" smtClean="0">
+                            <a:latin typeface="Cambria Math" panose="02040503050406030204" pitchFamily="18" charset="0"/>
+                            <a:ea typeface="Cambria Math" panose="02040503050406030204" pitchFamily="18" charset="0"/>
+                          </a:rPr>
+                          <m:t>1</m:t>
+                        </m:r>
+                      </m:sub>
+                    </m:sSub>
+                    <m:r>
+                      <a:rPr lang="en-US" b="0" i="1" smtClean="0">
+                        <a:latin typeface="Cambria Math" panose="02040503050406030204" pitchFamily="18" charset="0"/>
+                        <a:ea typeface="Cambria Math" panose="02040503050406030204" pitchFamily="18" charset="0"/>
+                      </a:rPr>
+                      <m:t>=</m:t>
+                    </m:r>
+                    <m:d>
+                      <m:dPr>
+                        <m:begChr m:val="{"/>
+                        <m:endChr m:val="}"/>
+                        <m:ctrlPr>
+                          <a:rPr lang="en-US" b="0" i="1" smtClean="0">
+                            <a:latin typeface="Cambria Math" panose="02040503050406030204" pitchFamily="18" charset="0"/>
+                            <a:ea typeface="Cambria Math" panose="02040503050406030204" pitchFamily="18" charset="0"/>
+                          </a:rPr>
+                        </m:ctrlPr>
+                      </m:dPr>
+                      <m:e>
+                        <m:d>
+                          <m:dPr>
+                            <m:begChr m:val="|"/>
+                            <m:endChr m:val="⟩"/>
+                            <m:ctrlPr>
+                              <a:rPr lang="en-US" i="1">
+                                <a:latin typeface="Cambria Math" panose="02040503050406030204" pitchFamily="18" charset="0"/>
+                              </a:rPr>
+                            </m:ctrlPr>
+                          </m:dPr>
+                          <m:e>
+                            <m:r>
+                              <a:rPr lang="en-US" b="0" i="1" smtClean="0">
+                                <a:latin typeface="Cambria Math" panose="02040503050406030204" pitchFamily="18" charset="0"/>
+                              </a:rPr>
+                              <m:t>+</m:t>
+                            </m:r>
+                          </m:e>
+                        </m:d>
+                        <m:r>
+                          <a:rPr lang="en-US" b="0" i="1" smtClean="0">
+                            <a:latin typeface="Cambria Math" panose="02040503050406030204" pitchFamily="18" charset="0"/>
+                          </a:rPr>
+                          <m:t>,</m:t>
+                        </m:r>
+                        <m:d>
+                          <m:dPr>
+                            <m:begChr m:val="|"/>
+                            <m:endChr m:val="⟩"/>
+                            <m:ctrlPr>
+                              <a:rPr lang="en-US" i="1">
+                                <a:latin typeface="Cambria Math" panose="02040503050406030204" pitchFamily="18" charset="0"/>
+                              </a:rPr>
+                            </m:ctrlPr>
+                          </m:dPr>
+                          <m:e>
+                            <m:r>
+                              <a:rPr lang="en-US" b="0" i="1" smtClean="0">
+                                <a:latin typeface="Cambria Math" panose="02040503050406030204" pitchFamily="18" charset="0"/>
+                              </a:rPr>
+                              <m:t>−</m:t>
+                            </m:r>
+                          </m:e>
+                        </m:d>
+                        <m:r>
+                          <a:rPr lang="en-US" b="0" i="1" smtClean="0">
+                            <a:latin typeface="Cambria Math" panose="02040503050406030204" pitchFamily="18" charset="0"/>
+                          </a:rPr>
+                          <m:t>,</m:t>
+                        </m:r>
+                        <m:d>
+                          <m:dPr>
+                            <m:begChr m:val="|"/>
+                            <m:endChr m:val="⟩"/>
+                            <m:ctrlPr>
+                              <a:rPr lang="en-US" i="1">
+                                <a:latin typeface="Cambria Math" panose="02040503050406030204" pitchFamily="18" charset="0"/>
+                              </a:rPr>
+                            </m:ctrlPr>
+                          </m:dPr>
+                          <m:e>
+                            <m:r>
+                              <a:rPr lang="en-US" b="0" i="1" smtClean="0">
+                                <a:latin typeface="Cambria Math" panose="02040503050406030204" pitchFamily="18" charset="0"/>
+                              </a:rPr>
+                              <m:t>2</m:t>
+                            </m:r>
+                          </m:e>
+                        </m:d>
+                      </m:e>
+                    </m:d>
+                  </m:oMath>
+                </a14:m>
+                <a:r>
+                  <a:rPr lang="en-US" dirty="0">
+                    <a:latin typeface="Cambria Math" panose="02040503050406030204" pitchFamily="18" charset="0"/>
+                  </a:rPr>
+                  <a:t>.</a:t>
+                </a:r>
+              </a:p>
+              <a:p>
+                <a:r>
+                  <a:rPr lang="en-US" dirty="0"/>
+                  <a:t>Event Space </a:t>
+                </a:r>
+                <a14:m>
+                  <m:oMath xmlns:m="http://schemas.openxmlformats.org/officeDocument/2006/math">
+                    <m:sSup>
+                      <m:sSupPr>
+                        <m:ctrlPr>
+                          <a:rPr lang="en-US" i="1">
+                            <a:latin typeface="Cambria Math" panose="02040503050406030204" pitchFamily="18" charset="0"/>
+                          </a:rPr>
+                        </m:ctrlPr>
+                      </m:sSupPr>
+                      <m:e>
+                        <m:r>
+                          <a:rPr lang="en-US">
+                            <a:latin typeface="Cambria Math" panose="02040503050406030204" pitchFamily="18" charset="0"/>
+                          </a:rPr>
+                          <m:t>2</m:t>
+                        </m:r>
+                      </m:e>
+                      <m:sup>
+                        <m:sSub>
+                          <m:sSubPr>
+                            <m:ctrlPr>
+                              <a:rPr lang="en-US" i="1">
+                                <a:latin typeface="Cambria Math" panose="02040503050406030204" pitchFamily="18" charset="0"/>
+                              </a:rPr>
+                            </m:ctrlPr>
+                          </m:sSubPr>
+                          <m:e>
+                            <m:r>
+                              <m:rPr>
+                                <m:sty m:val="p"/>
+                              </m:rPr>
+                              <a:rPr lang="el-GR">
+                                <a:latin typeface="Cambria Math" panose="02040503050406030204" pitchFamily="18" charset="0"/>
+                              </a:rPr>
+                              <m:t>Ω</m:t>
+                            </m:r>
+                          </m:e>
+                          <m:sub>
+                            <m:r>
+                              <a:rPr lang="en-US" b="0" i="0" smtClean="0">
+                                <a:latin typeface="Cambria Math" panose="02040503050406030204" pitchFamily="18" charset="0"/>
+                              </a:rPr>
+                              <m:t>1</m:t>
+                            </m:r>
+                          </m:sub>
+                        </m:sSub>
+                      </m:sup>
+                    </m:sSup>
+                  </m:oMath>
+                </a14:m>
+                <a:r>
+                  <a:rPr lang="en-US" dirty="0">
+                    <a:latin typeface="Cambria Math" panose="02040503050406030204" pitchFamily="18" charset="0"/>
+                  </a:rPr>
+                  <a:t>.</a:t>
+                </a:r>
+              </a:p>
+              <a:p>
+                <a:r>
+                  <a:rPr lang="en-US" dirty="0"/>
+                  <a:t>Probability measure </a:t>
+                </a:r>
+                <a:br>
+                  <a:rPr lang="en-US" b="0" i="1" dirty="0">
+                    <a:latin typeface="Cambria Math" panose="02040503050406030204" pitchFamily="18" charset="0"/>
+                  </a:rPr>
+                </a:br>
+                <a14:m>
+                  <m:oMath xmlns:m="http://schemas.openxmlformats.org/officeDocument/2006/math">
+                    <m:sSub>
+                      <m:sSubPr>
+                        <m:ctrlPr>
+                          <a:rPr lang="en-US" b="0" i="1" smtClean="0">
+                            <a:latin typeface="Cambria Math" panose="02040503050406030204" pitchFamily="18" charset="0"/>
+                          </a:rPr>
+                        </m:ctrlPr>
+                      </m:sSubPr>
+                      <m:e>
+                        <m:r>
+                          <a:rPr lang="en-US" i="1">
+                            <a:latin typeface="Cambria Math" panose="02040503050406030204" pitchFamily="18" charset="0"/>
+                          </a:rPr>
+                          <m:t>𝜇</m:t>
+                        </m:r>
+                      </m:e>
+                      <m:sub>
+                        <m:r>
+                          <a:rPr lang="en-US" b="0" i="1" smtClean="0">
+                            <a:latin typeface="Cambria Math" panose="02040503050406030204" pitchFamily="18" charset="0"/>
+                          </a:rPr>
+                          <m:t>1</m:t>
+                        </m:r>
+                      </m:sub>
+                    </m:sSub>
+                    <m:r>
+                      <a:rPr lang="en-US" i="1">
+                        <a:latin typeface="Cambria Math" panose="02040503050406030204" pitchFamily="18" charset="0"/>
+                      </a:rPr>
+                      <m:t>:</m:t>
+                    </m:r>
+                    <m:sSup>
+                      <m:sSupPr>
+                        <m:ctrlPr>
+                          <a:rPr lang="en-US" i="1">
+                            <a:latin typeface="Cambria Math" panose="02040503050406030204" pitchFamily="18" charset="0"/>
+                            <a:ea typeface="Cambria Math" panose="02040503050406030204" pitchFamily="18" charset="0"/>
+                          </a:rPr>
+                        </m:ctrlPr>
+                      </m:sSupPr>
+                      <m:e>
+                        <m:r>
+                          <a:rPr lang="en-US" i="1">
+                            <a:latin typeface="Cambria Math" panose="02040503050406030204" pitchFamily="18" charset="0"/>
+                            <a:ea typeface="Cambria Math" panose="02040503050406030204" pitchFamily="18" charset="0"/>
+                          </a:rPr>
+                          <m:t>2</m:t>
+                        </m:r>
+                      </m:e>
+                      <m:sup>
+                        <m:sSub>
+                          <m:sSubPr>
+                            <m:ctrlPr>
+                              <a:rPr lang="en-US" b="0" i="1" smtClean="0">
+                                <a:latin typeface="Cambria Math" panose="02040503050406030204" pitchFamily="18" charset="0"/>
+                                <a:ea typeface="Cambria Math" panose="02040503050406030204" pitchFamily="18" charset="0"/>
+                              </a:rPr>
+                            </m:ctrlPr>
+                          </m:sSubPr>
+                          <m:e>
+                            <m:r>
+                              <m:rPr>
+                                <m:sty m:val="p"/>
+                              </m:rPr>
+                              <a:rPr lang="el-GR" i="1">
+                                <a:latin typeface="Cambria Math" panose="02040503050406030204" pitchFamily="18" charset="0"/>
+                                <a:ea typeface="Cambria Math" panose="02040503050406030204" pitchFamily="18" charset="0"/>
+                              </a:rPr>
+                              <m:t>Ω</m:t>
+                            </m:r>
+                          </m:e>
+                          <m:sub>
+                            <m:r>
+                              <a:rPr lang="en-US" b="0" i="1" smtClean="0">
+                                <a:latin typeface="Cambria Math" panose="02040503050406030204" pitchFamily="18" charset="0"/>
+                                <a:ea typeface="Cambria Math" panose="02040503050406030204" pitchFamily="18" charset="0"/>
+                              </a:rPr>
+                              <m:t>1</m:t>
+                            </m:r>
+                          </m:sub>
+                        </m:sSub>
+                      </m:sup>
+                    </m:sSup>
+                    <m:r>
+                      <a:rPr lang="en-US">
+                        <a:latin typeface="Cambria Math" panose="02040503050406030204" pitchFamily="18" charset="0"/>
+                        <a:ea typeface="Cambria Math" panose="02040503050406030204" pitchFamily="18" charset="0"/>
+                      </a:rPr>
+                      <m:t>→</m:t>
+                    </m:r>
+                    <m:d>
+                      <m:dPr>
+                        <m:begChr m:val="["/>
+                        <m:endChr m:val="]"/>
+                        <m:ctrlPr>
+                          <a:rPr lang="en-US" i="1">
+                            <a:solidFill>
+                              <a:schemeClr val="accent4">
+                                <a:lumMod val="75000"/>
+                              </a:schemeClr>
+                            </a:solidFill>
+                            <a:latin typeface="Cambria Math" panose="02040503050406030204" pitchFamily="18" charset="0"/>
+                            <a:ea typeface="Cambria Math" panose="02040503050406030204" pitchFamily="18" charset="0"/>
+                          </a:rPr>
+                        </m:ctrlPr>
+                      </m:dPr>
+                      <m:e>
+                        <m:r>
+                          <a:rPr lang="en-US" i="1">
+                            <a:solidFill>
+                              <a:schemeClr val="accent4">
+                                <a:lumMod val="75000"/>
+                              </a:schemeClr>
+                            </a:solidFill>
+                            <a:latin typeface="Cambria Math" panose="02040503050406030204" pitchFamily="18" charset="0"/>
+                            <a:ea typeface="Cambria Math" panose="02040503050406030204" pitchFamily="18" charset="0"/>
+                          </a:rPr>
+                          <m:t>0,1</m:t>
+                        </m:r>
+                      </m:e>
+                    </m:d>
+                  </m:oMath>
+                </a14:m>
+                <a:r>
+                  <a:rPr lang="en-US" i="1" dirty="0">
+                    <a:latin typeface="Cambria Math" panose="02040503050406030204" pitchFamily="18" charset="0"/>
+                    <a:ea typeface="Cambria Math" panose="02040503050406030204" pitchFamily="18" charset="0"/>
+                  </a:rPr>
+                  <a:t>.</a:t>
+                </a:r>
+              </a:p>
+              <a:p>
+                <a:endParaRPr lang="en-US" dirty="0"/>
+              </a:p>
+            </p:txBody>
+          </p:sp>
+        </mc:Choice>
+        <mc:Fallback xmlns="">
+          <p:sp>
+            <p:nvSpPr>
+              <p:cNvPr id="7" name="Content Placeholder 6">
+                <a:extLst>
+                  <a:ext uri="{FF2B5EF4-FFF2-40B4-BE49-F238E27FC236}">
+                    <a16:creationId xmlns:a16="http://schemas.microsoft.com/office/drawing/2014/main" id="{C75BD9D8-9251-4CCB-BE0F-0D011B4A8172}"/>
+                  </a:ext>
+                </a:extLst>
+              </p:cNvPr>
+              <p:cNvSpPr>
+                <a:spLocks noGrp="1" noRot="1" noChangeAspect="1" noMove="1" noResize="1" noEditPoints="1" noAdjustHandles="1" noChangeArrowheads="1" noChangeShapeType="1" noTextEdit="1"/>
+              </p:cNvSpPr>
+              <p:nvPr>
+                <p:ph sz="quarter" idx="4"/>
+              </p:nvPr>
+            </p:nvSpPr>
+            <p:spPr>
+              <a:xfrm>
+                <a:off x="6096000" y="1858085"/>
+                <a:ext cx="5183188" cy="3684588"/>
+              </a:xfrm>
+              <a:blipFill>
+                <a:blip r:embed="rId3"/>
+                <a:stretch>
+                  <a:fillRect l="-1765" t="-2483" r="-1647"/>
+                </a:stretch>
+              </a:blipFill>
+            </p:spPr>
+            <p:txBody>
+              <a:bodyPr/>
+              <a:lstStyle/>
+              <a:p>
+                <a:r>
+                  <a:rPr lang="en-US">
+                    <a:noFill/>
+                  </a:rPr>
+                  <a:t> </a:t>
+                </a:r>
+              </a:p>
+            </p:txBody>
+          </p:sp>
+        </mc:Fallback>
+      </mc:AlternateContent>
+      <mc:AlternateContent xmlns:mc="http://schemas.openxmlformats.org/markup-compatibility/2006" xmlns:a14="http://schemas.microsoft.com/office/drawing/2010/main">
+        <mc:Choice Requires="a14">
+          <p:sp>
+            <p:nvSpPr>
+              <p:cNvPr id="8" name="Title 1">
+                <a:extLst>
+                  <a:ext uri="{FF2B5EF4-FFF2-40B4-BE49-F238E27FC236}">
+                    <a16:creationId xmlns:a16="http://schemas.microsoft.com/office/drawing/2014/main" id="{CE51F895-B79B-4090-AB6F-47C7A454D373}"/>
+                  </a:ext>
+                </a:extLst>
+              </p:cNvPr>
+              <p:cNvSpPr txBox="1">
+                <a:spLocks/>
+              </p:cNvSpPr>
+              <p:nvPr/>
+            </p:nvSpPr>
+            <p:spPr>
+              <a:xfrm>
+                <a:off x="663575" y="5167312"/>
+                <a:ext cx="10515600" cy="1325563"/>
+              </a:xfrm>
+              <a:prstGeom prst="rect">
+                <a:avLst/>
+              </a:prstGeom>
+            </p:spPr>
+            <p:txBody>
+              <a:bodyPr vert="horz" lIns="91440" tIns="45720" rIns="91440" bIns="45720" rtlCol="0" anchor="ctr">
+                <a:normAutofit fontScale="77500" lnSpcReduction="20000"/>
+              </a:bodyPr>
+              <a:lstStyle>
+                <a:lvl1pPr algn="l" defTabSz="914400" rtl="0" eaLnBrk="1" latinLnBrk="0" hangingPunct="1">
+                  <a:lnSpc>
+                    <a:spcPct val="90000"/>
+                  </a:lnSpc>
+                  <a:spcBef>
+                    <a:spcPct val="0"/>
+                  </a:spcBef>
+                  <a:buNone/>
+                  <a:defRPr sz="4400" kern="1200">
+                    <a:solidFill>
+                      <a:schemeClr val="tx1"/>
+                    </a:solidFill>
+                    <a:latin typeface="+mj-lt"/>
+                    <a:ea typeface="+mj-ea"/>
+                    <a:cs typeface="+mj-cs"/>
+                  </a:defRPr>
+                </a:lvl1pPr>
+              </a:lstStyle>
+              <a:p>
+                <a:r>
+                  <a:rPr lang="en-US" dirty="0"/>
+                  <a:t>When the particle is the same, the probability of the same event is the same: </a:t>
+                </a:r>
+                <a14:m>
+                  <m:oMath xmlns:m="http://schemas.openxmlformats.org/officeDocument/2006/math">
+                    <m:sSub>
+                      <m:sSubPr>
+                        <m:ctrlPr>
+                          <a:rPr lang="en-US" b="0" i="1" smtClean="0">
+                            <a:latin typeface="Cambria Math" panose="02040503050406030204" pitchFamily="18" charset="0"/>
+                          </a:rPr>
+                        </m:ctrlPr>
+                      </m:sSubPr>
+                      <m:e>
+                        <m:r>
+                          <a:rPr lang="en-US" b="0" i="1" smtClean="0">
+                            <a:latin typeface="Cambria Math" panose="02040503050406030204" pitchFamily="18" charset="0"/>
+                          </a:rPr>
+                          <m:t>𝜇</m:t>
+                        </m:r>
+                      </m:e>
+                      <m:sub>
+                        <m:r>
+                          <a:rPr lang="en-US" b="0" i="1" smtClean="0">
+                            <a:latin typeface="Cambria Math" panose="02040503050406030204" pitchFamily="18" charset="0"/>
+                          </a:rPr>
+                          <m:t>0</m:t>
+                        </m:r>
+                      </m:sub>
+                    </m:sSub>
+                    <m:d>
+                      <m:dPr>
+                        <m:ctrlPr>
+                          <a:rPr lang="en-US" b="0" i="1" smtClean="0">
+                            <a:latin typeface="Cambria Math" panose="02040503050406030204" pitchFamily="18" charset="0"/>
+                          </a:rPr>
+                        </m:ctrlPr>
+                      </m:dPr>
+                      <m:e>
+                        <m:d>
+                          <m:dPr>
+                            <m:begChr m:val="{"/>
+                            <m:endChr m:val="}"/>
+                            <m:ctrlPr>
+                              <a:rPr lang="en-US" b="0" i="1" smtClean="0">
+                                <a:latin typeface="Cambria Math" panose="02040503050406030204" pitchFamily="18" charset="0"/>
+                              </a:rPr>
+                            </m:ctrlPr>
+                          </m:dPr>
+                          <m:e>
+                            <m:d>
+                              <m:dPr>
+                                <m:begChr m:val="|"/>
+                                <m:endChr m:val="⟩"/>
+                                <m:ctrlPr>
+                                  <a:rPr lang="en-US" b="0" i="1" smtClean="0">
+                                    <a:latin typeface="Cambria Math" panose="02040503050406030204" pitchFamily="18" charset="0"/>
+                                  </a:rPr>
+                                </m:ctrlPr>
+                              </m:dPr>
+                              <m:e>
+                                <m:r>
+                                  <a:rPr lang="en-US" b="0" i="1" smtClean="0">
+                                    <a:latin typeface="Cambria Math" panose="02040503050406030204" pitchFamily="18" charset="0"/>
+                                  </a:rPr>
+                                  <m:t>2</m:t>
+                                </m:r>
+                              </m:e>
+                            </m:d>
+                          </m:e>
+                        </m:d>
+                      </m:e>
+                    </m:d>
+                    <m:r>
+                      <a:rPr lang="en-US" b="0" i="1" smtClean="0">
+                        <a:latin typeface="Cambria Math" panose="02040503050406030204" pitchFamily="18" charset="0"/>
+                      </a:rPr>
+                      <m:t>=</m:t>
+                    </m:r>
+                    <m:sSub>
+                      <m:sSubPr>
+                        <m:ctrlPr>
+                          <a:rPr lang="en-US" i="1">
+                            <a:latin typeface="Cambria Math" panose="02040503050406030204" pitchFamily="18" charset="0"/>
+                          </a:rPr>
+                        </m:ctrlPr>
+                      </m:sSubPr>
+                      <m:e>
+                        <m:r>
+                          <a:rPr lang="en-US" i="1">
+                            <a:latin typeface="Cambria Math" panose="02040503050406030204" pitchFamily="18" charset="0"/>
+                          </a:rPr>
+                          <m:t>𝜇</m:t>
+                        </m:r>
+                      </m:e>
+                      <m:sub>
+                        <m:r>
+                          <a:rPr lang="en-US" b="0" i="1" smtClean="0">
+                            <a:latin typeface="Cambria Math" panose="02040503050406030204" pitchFamily="18" charset="0"/>
+                          </a:rPr>
+                          <m:t>1</m:t>
+                        </m:r>
+                      </m:sub>
+                    </m:sSub>
+                    <m:d>
+                      <m:dPr>
+                        <m:ctrlPr>
+                          <a:rPr lang="en-US" i="1">
+                            <a:latin typeface="Cambria Math" panose="02040503050406030204" pitchFamily="18" charset="0"/>
+                          </a:rPr>
+                        </m:ctrlPr>
+                      </m:dPr>
+                      <m:e>
+                        <m:d>
+                          <m:dPr>
+                            <m:begChr m:val="{"/>
+                            <m:endChr m:val="}"/>
+                            <m:ctrlPr>
+                              <a:rPr lang="en-US" i="1">
+                                <a:latin typeface="Cambria Math" panose="02040503050406030204" pitchFamily="18" charset="0"/>
+                              </a:rPr>
+                            </m:ctrlPr>
+                          </m:dPr>
+                          <m:e>
+                            <m:d>
+                              <m:dPr>
+                                <m:begChr m:val="|"/>
+                                <m:endChr m:val="⟩"/>
+                                <m:ctrlPr>
+                                  <a:rPr lang="en-US" i="1">
+                                    <a:latin typeface="Cambria Math" panose="02040503050406030204" pitchFamily="18" charset="0"/>
+                                  </a:rPr>
+                                </m:ctrlPr>
+                              </m:dPr>
+                              <m:e>
+                                <m:r>
+                                  <a:rPr lang="en-US" i="1">
+                                    <a:latin typeface="Cambria Math" panose="02040503050406030204" pitchFamily="18" charset="0"/>
+                                  </a:rPr>
+                                  <m:t>2</m:t>
+                                </m:r>
+                              </m:e>
+                            </m:d>
+                          </m:e>
+                        </m:d>
+                      </m:e>
+                    </m:d>
+                  </m:oMath>
+                </a14:m>
+                <a:r>
+                  <a:rPr lang="en-US" dirty="0"/>
+                  <a:t>. </a:t>
+                </a:r>
+                <a:br>
+                  <a:rPr lang="en-US" dirty="0"/>
+                </a:br>
+                <a:r>
+                  <a:rPr lang="en-US" dirty="0"/>
+                  <a:t>So does their complement: </a:t>
+                </a:r>
+                <a14:m>
+                  <m:oMath xmlns:m="http://schemas.openxmlformats.org/officeDocument/2006/math">
+                    <m:sSub>
+                      <m:sSubPr>
+                        <m:ctrlPr>
+                          <a:rPr lang="en-US" i="1">
+                            <a:latin typeface="Cambria Math" panose="02040503050406030204" pitchFamily="18" charset="0"/>
+                          </a:rPr>
+                        </m:ctrlPr>
+                      </m:sSubPr>
+                      <m:e>
+                        <m:r>
+                          <a:rPr lang="en-US" i="1">
+                            <a:latin typeface="Cambria Math" panose="02040503050406030204" pitchFamily="18" charset="0"/>
+                          </a:rPr>
+                          <m:t>𝜇</m:t>
+                        </m:r>
+                      </m:e>
+                      <m:sub>
+                        <m:r>
+                          <a:rPr lang="en-US" i="1">
+                            <a:latin typeface="Cambria Math" panose="02040503050406030204" pitchFamily="18" charset="0"/>
+                          </a:rPr>
+                          <m:t>0</m:t>
+                        </m:r>
+                      </m:sub>
+                    </m:sSub>
+                    <m:d>
+                      <m:dPr>
+                        <m:ctrlPr>
+                          <a:rPr lang="en-US" i="1">
+                            <a:latin typeface="Cambria Math" panose="02040503050406030204" pitchFamily="18" charset="0"/>
+                          </a:rPr>
+                        </m:ctrlPr>
+                      </m:dPr>
+                      <m:e>
+                        <m:d>
+                          <m:dPr>
+                            <m:begChr m:val="{"/>
+                            <m:endChr m:val="}"/>
+                            <m:ctrlPr>
+                              <a:rPr lang="en-US" i="1">
+                                <a:latin typeface="Cambria Math" panose="02040503050406030204" pitchFamily="18" charset="0"/>
+                              </a:rPr>
+                            </m:ctrlPr>
+                          </m:dPr>
+                          <m:e>
+                            <m:d>
+                              <m:dPr>
+                                <m:begChr m:val="|"/>
+                                <m:endChr m:val="⟩"/>
+                                <m:ctrlPr>
+                                  <a:rPr lang="en-US" i="1">
+                                    <a:latin typeface="Cambria Math" panose="02040503050406030204" pitchFamily="18" charset="0"/>
+                                  </a:rPr>
+                                </m:ctrlPr>
+                              </m:dPr>
+                              <m:e>
+                                <m:r>
+                                  <a:rPr lang="en-US" b="0" i="1" smtClean="0">
+                                    <a:latin typeface="Cambria Math" panose="02040503050406030204" pitchFamily="18" charset="0"/>
+                                  </a:rPr>
+                                  <m:t>0</m:t>
+                                </m:r>
+                              </m:e>
+                            </m:d>
+                            <m:r>
+                              <a:rPr lang="en-US" b="0" i="1" smtClean="0">
+                                <a:latin typeface="Cambria Math" panose="02040503050406030204" pitchFamily="18" charset="0"/>
+                              </a:rPr>
+                              <m:t>,</m:t>
+                            </m:r>
+                            <m:d>
+                              <m:dPr>
+                                <m:begChr m:val="|"/>
+                                <m:endChr m:val="⟩"/>
+                                <m:ctrlPr>
+                                  <a:rPr lang="en-US" i="1">
+                                    <a:latin typeface="Cambria Math" panose="02040503050406030204" pitchFamily="18" charset="0"/>
+                                  </a:rPr>
+                                </m:ctrlPr>
+                              </m:dPr>
+                              <m:e>
+                                <m:r>
+                                  <a:rPr lang="en-US" b="0" i="1" smtClean="0">
+                                    <a:latin typeface="Cambria Math" panose="02040503050406030204" pitchFamily="18" charset="0"/>
+                                  </a:rPr>
+                                  <m:t>1</m:t>
+                                </m:r>
+                              </m:e>
+                            </m:d>
+                          </m:e>
+                        </m:d>
+                      </m:e>
+                    </m:d>
+                    <m:r>
+                      <a:rPr lang="en-US" i="1">
+                        <a:latin typeface="Cambria Math" panose="02040503050406030204" pitchFamily="18" charset="0"/>
+                      </a:rPr>
+                      <m:t>=</m:t>
+                    </m:r>
+                    <m:sSub>
+                      <m:sSubPr>
+                        <m:ctrlPr>
+                          <a:rPr lang="en-US" i="1">
+                            <a:latin typeface="Cambria Math" panose="02040503050406030204" pitchFamily="18" charset="0"/>
+                          </a:rPr>
+                        </m:ctrlPr>
+                      </m:sSubPr>
+                      <m:e>
+                        <m:r>
+                          <a:rPr lang="en-US" i="1">
+                            <a:latin typeface="Cambria Math" panose="02040503050406030204" pitchFamily="18" charset="0"/>
+                          </a:rPr>
+                          <m:t>𝜇</m:t>
+                        </m:r>
+                      </m:e>
+                      <m:sub>
+                        <m:r>
+                          <a:rPr lang="en-US" i="1">
+                            <a:latin typeface="Cambria Math" panose="02040503050406030204" pitchFamily="18" charset="0"/>
+                          </a:rPr>
+                          <m:t>1</m:t>
+                        </m:r>
+                      </m:sub>
+                    </m:sSub>
+                    <m:d>
+                      <m:dPr>
+                        <m:ctrlPr>
+                          <a:rPr lang="en-US" i="1">
+                            <a:latin typeface="Cambria Math" panose="02040503050406030204" pitchFamily="18" charset="0"/>
+                          </a:rPr>
+                        </m:ctrlPr>
+                      </m:dPr>
+                      <m:e>
+                        <m:d>
+                          <m:dPr>
+                            <m:begChr m:val="{"/>
+                            <m:endChr m:val="}"/>
+                            <m:ctrlPr>
+                              <a:rPr lang="en-US" i="1">
+                                <a:latin typeface="Cambria Math" panose="02040503050406030204" pitchFamily="18" charset="0"/>
+                              </a:rPr>
+                            </m:ctrlPr>
+                          </m:dPr>
+                          <m:e>
+                            <m:d>
+                              <m:dPr>
+                                <m:begChr m:val="|"/>
+                                <m:endChr m:val="⟩"/>
+                                <m:ctrlPr>
+                                  <a:rPr lang="en-US" i="1">
+                                    <a:latin typeface="Cambria Math" panose="02040503050406030204" pitchFamily="18" charset="0"/>
+                                  </a:rPr>
+                                </m:ctrlPr>
+                              </m:dPr>
+                              <m:e>
+                                <m:r>
+                                  <a:rPr lang="en-US" b="0" i="1" smtClean="0">
+                                    <a:latin typeface="Cambria Math" panose="02040503050406030204" pitchFamily="18" charset="0"/>
+                                  </a:rPr>
+                                  <m:t>+</m:t>
+                                </m:r>
+                              </m:e>
+                            </m:d>
+                            <m:r>
+                              <a:rPr lang="en-US" b="0" i="1" smtClean="0">
+                                <a:latin typeface="Cambria Math" panose="02040503050406030204" pitchFamily="18" charset="0"/>
+                              </a:rPr>
+                              <m:t>,</m:t>
+                            </m:r>
+                            <m:d>
+                              <m:dPr>
+                                <m:begChr m:val="|"/>
+                                <m:endChr m:val="⟩"/>
+                                <m:ctrlPr>
+                                  <a:rPr lang="en-US" i="1">
+                                    <a:latin typeface="Cambria Math" panose="02040503050406030204" pitchFamily="18" charset="0"/>
+                                  </a:rPr>
+                                </m:ctrlPr>
+                              </m:dPr>
+                              <m:e>
+                                <m:r>
+                                  <a:rPr lang="en-US" b="0" i="1" smtClean="0">
+                                    <a:latin typeface="Cambria Math" panose="02040503050406030204" pitchFamily="18" charset="0"/>
+                                  </a:rPr>
+                                  <m:t>−</m:t>
+                                </m:r>
+                              </m:e>
+                            </m:d>
+                          </m:e>
+                        </m:d>
+                      </m:e>
+                    </m:d>
+                  </m:oMath>
+                </a14:m>
+                <a:endParaRPr lang="en-US" dirty="0"/>
+              </a:p>
+            </p:txBody>
+          </p:sp>
+        </mc:Choice>
+        <mc:Fallback xmlns="">
+          <p:sp>
+            <p:nvSpPr>
+              <p:cNvPr id="8" name="Title 1">
+                <a:extLst>
+                  <a:ext uri="{FF2B5EF4-FFF2-40B4-BE49-F238E27FC236}">
+                    <a16:creationId xmlns:a16="http://schemas.microsoft.com/office/drawing/2014/main" id="{CE51F895-B79B-4090-AB6F-47C7A454D373}"/>
+                  </a:ext>
+                </a:extLst>
+              </p:cNvPr>
+              <p:cNvSpPr txBox="1">
+                <a:spLocks noRot="1" noChangeAspect="1" noMove="1" noResize="1" noEditPoints="1" noAdjustHandles="1" noChangeArrowheads="1" noChangeShapeType="1" noTextEdit="1"/>
+              </p:cNvSpPr>
+              <p:nvPr/>
+            </p:nvSpPr>
+            <p:spPr>
+              <a:xfrm>
+                <a:off x="663575" y="5167312"/>
+                <a:ext cx="10515600" cy="1325563"/>
+              </a:xfrm>
+              <a:prstGeom prst="rect">
+                <a:avLst/>
+              </a:prstGeom>
+              <a:blipFill>
+                <a:blip r:embed="rId4"/>
+                <a:stretch>
+                  <a:fillRect l="-1623" t="-11521" b="-11982"/>
+                </a:stretch>
+              </a:blipFill>
+            </p:spPr>
+            <p:txBody>
+              <a:bodyPr/>
+              <a:lstStyle/>
+              <a:p>
+                <a:r>
+                  <a:rPr lang="en-US">
+                    <a:noFill/>
+                  </a:rPr>
+                  <a:t> </a:t>
+                </a:r>
+              </a:p>
+            </p:txBody>
+          </p:sp>
+        </mc:Fallback>
+      </mc:AlternateContent>
     </p:spTree>
     <p:extLst>
       <p:ext uri="{BB962C8B-B14F-4D97-AF65-F5344CB8AC3E}">
-        <p14:creationId xmlns:p14="http://schemas.microsoft.com/office/powerpoint/2010/main" val="3245410040"/>
+        <p14:creationId xmlns:p14="http://schemas.microsoft.com/office/powerpoint/2010/main" val="1141696919"/>
       </p:ext>
     </p:extLst>
   </p:cSld>

--- a/defense.pptx
+++ b/defense.pptx
@@ -19,7 +19,13 @@
     <p:sldId id="271" r:id="rId13"/>
     <p:sldId id="272" r:id="rId14"/>
     <p:sldId id="273" r:id="rId15"/>
-    <p:sldId id="274" r:id="rId16"/>
+    <p:sldId id="275" r:id="rId16"/>
+    <p:sldId id="276" r:id="rId17"/>
+    <p:sldId id="277" r:id="rId18"/>
+    <p:sldId id="278" r:id="rId19"/>
+    <p:sldId id="279" r:id="rId20"/>
+    <p:sldId id="280" r:id="rId21"/>
+    <p:sldId id="281" r:id="rId22"/>
   </p:sldIdLst>
   <p:sldSz cx="12192000" cy="6858000"/>
   <p:notesSz cx="6858000" cy="9144000"/>
@@ -141,7 +147,13 @@
             <p14:sldId id="271"/>
             <p14:sldId id="272"/>
             <p14:sldId id="273"/>
-            <p14:sldId id="274"/>
+            <p14:sldId id="275"/>
+            <p14:sldId id="276"/>
+            <p14:sldId id="277"/>
+            <p14:sldId id="278"/>
+            <p14:sldId id="279"/>
+            <p14:sldId id="280"/>
+            <p14:sldId id="281"/>
           </p14:sldIdLst>
         </p14:section>
       </p14:sectionLst>
@@ -6646,8 +6658,8 @@
           </a:p>
         </p:txBody>
       </p:sp>
-      <mc:AlternateContent xmlns:mc="http://schemas.openxmlformats.org/markup-compatibility/2006">
-        <mc:Choice xmlns:a14="http://schemas.microsoft.com/office/drawing/2010/main" Requires="a14">
+      <mc:AlternateContent xmlns:mc="http://schemas.openxmlformats.org/markup-compatibility/2006" xmlns:a14="http://schemas.microsoft.com/office/drawing/2010/main">
+        <mc:Choice Requires="a14">
           <p:sp>
             <p:nvSpPr>
               <p:cNvPr id="3" name="Content Placeholder 2">
@@ -7830,7 +7842,7 @@
             </p:txBody>
           </p:sp>
         </mc:Choice>
-        <mc:Fallback>
+        <mc:Fallback xmlns="">
           <p:sp>
             <p:nvSpPr>
               <p:cNvPr id="3" name="Content Placeholder 2">
@@ -7928,8 +7940,8 @@
           </a:p>
         </p:txBody>
       </p:sp>
-      <mc:AlternateContent xmlns:mc="http://schemas.openxmlformats.org/markup-compatibility/2006">
-        <mc:Choice xmlns:a14="http://schemas.microsoft.com/office/drawing/2010/main" Requires="a14">
+      <mc:AlternateContent xmlns:mc="http://schemas.openxmlformats.org/markup-compatibility/2006" xmlns:a14="http://schemas.microsoft.com/office/drawing/2010/main">
+        <mc:Choice Requires="a14">
           <p:sp>
             <p:nvSpPr>
               <p:cNvPr id="3" name="Content Placeholder 2"/>
@@ -8206,7 +8218,7 @@
             </p:txBody>
           </p:sp>
         </mc:Choice>
-        <mc:Fallback>
+        <mc:Fallback xmlns="">
           <p:sp>
             <p:nvSpPr>
               <p:cNvPr id="3" name="Content Placeholder 2"/>
@@ -8298,8 +8310,8 @@
           </a:p>
         </p:txBody>
       </p:sp>
-      <mc:AlternateContent xmlns:mc="http://schemas.openxmlformats.org/markup-compatibility/2006">
-        <mc:Choice xmlns:a14="http://schemas.microsoft.com/office/drawing/2010/main" Requires="a14">
+      <mc:AlternateContent xmlns:mc="http://schemas.openxmlformats.org/markup-compatibility/2006" xmlns:a14="http://schemas.microsoft.com/office/drawing/2010/main">
+        <mc:Choice Requires="a14">
           <p:sp>
             <p:nvSpPr>
               <p:cNvPr id="3" name="Content Placeholder 2"/>
@@ -8390,7 +8402,7 @@
                         <m:begChr m:val="|"/>
                         <m:endChr m:val="⟩"/>
                         <m:ctrlPr>
-                          <a:rPr lang="en-US" b="0" i="0" smtClean="0">
+                          <a:rPr lang="en-US" b="0" i="1" smtClean="0">
                             <a:latin typeface="Cambria Math" panose="02040503050406030204" pitchFamily="18" charset="0"/>
                           </a:rPr>
                         </m:ctrlPr>
@@ -9176,7 +9188,7 @@
                             <m:sSub>
                               <m:sSubPr>
                                 <m:ctrlPr>
-                                  <a:rPr lang="en-US" b="0" i="0" smtClean="0">
+                                  <a:rPr lang="en-US" b="0" i="1" smtClean="0">
                                     <a:latin typeface="Cambria Math" panose="02040503050406030204" pitchFamily="18" charset="0"/>
                                   </a:rPr>
                                 </m:ctrlPr>
@@ -9284,7 +9296,7 @@
             </p:txBody>
           </p:sp>
         </mc:Choice>
-        <mc:Fallback>
+        <mc:Fallback xmlns="">
           <p:sp>
             <p:nvSpPr>
               <p:cNvPr id="3" name="Content Placeholder 2"/>
@@ -9353,7 +9365,7 @@
           <p:cNvPr id="2" name="Title 1">
             <a:extLst>
               <a:ext uri="{FF2B5EF4-FFF2-40B4-BE49-F238E27FC236}">
-                <a16:creationId xmlns:a16="http://schemas.microsoft.com/office/drawing/2014/main" id="{B46A63E5-9764-4C4C-A80C-5EC570F8C50F}"/>
+                <a16:creationId xmlns:a16="http://schemas.microsoft.com/office/drawing/2014/main" id="{C6268388-4EF6-40CF-818B-D0B86690174A}"/>
               </a:ext>
             </a:extLst>
           </p:cNvPr>
@@ -9371,14 +9383,7 @@
           <a:p>
             <a:r>
               <a:rPr lang="en-US" dirty="0"/>
-              <a:t>Pauli Operators and </a:t>
-            </a:r>
-            <a:br>
-              <a:rPr lang="en-US" dirty="0"/>
-            </a:br>
-            <a:r>
-              <a:rPr lang="en-US" dirty="0"/>
-              <a:t>the Reduced Density Matrix</a:t>
+              <a:t>Entanglement, Pauli Operators, and Purity</a:t>
             </a:r>
           </a:p>
         </p:txBody>
@@ -9390,7 +9395,1537 @@
               <p:cNvPr id="3" name="Content Placeholder 2">
                 <a:extLst>
                   <a:ext uri="{FF2B5EF4-FFF2-40B4-BE49-F238E27FC236}">
-                    <a16:creationId xmlns:a16="http://schemas.microsoft.com/office/drawing/2014/main" id="{110EFD77-4FE5-40A1-8269-4EECE3729BCF}"/>
+                    <a16:creationId xmlns:a16="http://schemas.microsoft.com/office/drawing/2014/main" id="{F364BBAB-E837-4C64-86D1-50BCF2E11232}"/>
+                  </a:ext>
+                </a:extLst>
+              </p:cNvPr>
+              <p:cNvSpPr>
+                <a:spLocks noGrp="1"/>
+              </p:cNvSpPr>
+              <p:nvPr>
+                <p:ph idx="1"/>
+              </p:nvPr>
+            </p:nvSpPr>
+            <p:spPr/>
+            <p:txBody>
+              <a:bodyPr>
+                <a:normAutofit lnSpcReduction="10000"/>
+              </a:bodyPr>
+              <a:lstStyle/>
+              <a:p>
+                <a:r>
+                  <a:rPr lang="en-US" dirty="0"/>
+                  <a:t>A state </a:t>
+                </a:r>
+                <a14:m>
+                  <m:oMath xmlns:m="http://schemas.openxmlformats.org/officeDocument/2006/math">
+                    <m:d>
+                      <m:dPr>
+                        <m:begChr m:val="|"/>
+                        <m:endChr m:val="⟩"/>
+                        <m:ctrlPr>
+                          <a:rPr lang="en-US" b="0" i="1" smtClean="0">
+                            <a:latin typeface="Cambria Math" panose="02040503050406030204" pitchFamily="18" charset="0"/>
+                          </a:rPr>
+                        </m:ctrlPr>
+                      </m:dPr>
+                      <m:e>
+                        <m:r>
+                          <m:rPr>
+                            <m:sty m:val="p"/>
+                          </m:rPr>
+                          <a:rPr lang="en-US" b="0" i="0" smtClean="0">
+                            <a:latin typeface="Cambria Math" panose="02040503050406030204" pitchFamily="18" charset="0"/>
+                          </a:rPr>
+                          <m:t>Ψ</m:t>
+                        </m:r>
+                      </m:e>
+                    </m:d>
+                  </m:oMath>
+                </a14:m>
+                <a:r>
+                  <a:rPr lang="en-US" dirty="0"/>
+                  <a:t> is entangled if </a:t>
+                </a:r>
+                <a14:m>
+                  <m:oMath xmlns:m="http://schemas.openxmlformats.org/officeDocument/2006/math">
+                    <m:d>
+                      <m:dPr>
+                        <m:begChr m:val="|"/>
+                        <m:endChr m:val="⟩"/>
+                        <m:ctrlPr>
+                          <a:rPr lang="en-US" i="1">
+                            <a:latin typeface="Cambria Math" panose="02040503050406030204" pitchFamily="18" charset="0"/>
+                          </a:rPr>
+                        </m:ctrlPr>
+                      </m:dPr>
+                      <m:e>
+                        <m:r>
+                          <m:rPr>
+                            <m:sty m:val="p"/>
+                          </m:rPr>
+                          <a:rPr lang="en-US">
+                            <a:latin typeface="Cambria Math" panose="02040503050406030204" pitchFamily="18" charset="0"/>
+                          </a:rPr>
+                          <m:t>Ψ</m:t>
+                        </m:r>
+                      </m:e>
+                    </m:d>
+                    <m:r>
+                      <a:rPr lang="en-US" b="0" i="1" smtClean="0">
+                        <a:latin typeface="Cambria Math" panose="02040503050406030204" pitchFamily="18" charset="0"/>
+                      </a:rPr>
+                      <m:t>≠</m:t>
+                    </m:r>
+                    <m:d>
+                      <m:dPr>
+                        <m:begChr m:val="|"/>
+                        <m:endChr m:val="⟩"/>
+                        <m:ctrlPr>
+                          <a:rPr lang="en-US" b="0" i="1" smtClean="0">
+                            <a:latin typeface="Cambria Math" panose="02040503050406030204" pitchFamily="18" charset="0"/>
+                          </a:rPr>
+                        </m:ctrlPr>
+                      </m:dPr>
+                      <m:e>
+                        <m:sSub>
+                          <m:sSubPr>
+                            <m:ctrlPr>
+                              <a:rPr lang="en-US" b="0" i="1" smtClean="0">
+                                <a:latin typeface="Cambria Math" panose="02040503050406030204" pitchFamily="18" charset="0"/>
+                              </a:rPr>
+                            </m:ctrlPr>
+                          </m:sSubPr>
+                          <m:e>
+                            <m:r>
+                              <a:rPr lang="en-US" b="0" i="1" smtClean="0">
+                                <a:latin typeface="Cambria Math" panose="02040503050406030204" pitchFamily="18" charset="0"/>
+                              </a:rPr>
+                              <m:t>𝜓</m:t>
+                            </m:r>
+                          </m:e>
+                          <m:sub>
+                            <m:r>
+                              <a:rPr lang="en-US" b="0" i="1" smtClean="0">
+                                <a:latin typeface="Cambria Math" panose="02040503050406030204" pitchFamily="18" charset="0"/>
+                              </a:rPr>
+                              <m:t>1</m:t>
+                            </m:r>
+                          </m:sub>
+                        </m:sSub>
+                      </m:e>
+                    </m:d>
+                    <m:r>
+                      <a:rPr lang="en-US" b="0" i="1" smtClean="0">
+                        <a:latin typeface="Cambria Math" panose="02040503050406030204" pitchFamily="18" charset="0"/>
+                      </a:rPr>
+                      <m:t>⊗…⊗</m:t>
+                    </m:r>
+                    <m:d>
+                      <m:dPr>
+                        <m:begChr m:val="|"/>
+                        <m:endChr m:val="⟩"/>
+                        <m:ctrlPr>
+                          <a:rPr lang="en-US" i="1">
+                            <a:latin typeface="Cambria Math" panose="02040503050406030204" pitchFamily="18" charset="0"/>
+                          </a:rPr>
+                        </m:ctrlPr>
+                      </m:dPr>
+                      <m:e>
+                        <m:sSub>
+                          <m:sSubPr>
+                            <m:ctrlPr>
+                              <a:rPr lang="en-US" i="1">
+                                <a:latin typeface="Cambria Math" panose="02040503050406030204" pitchFamily="18" charset="0"/>
+                              </a:rPr>
+                            </m:ctrlPr>
+                          </m:sSubPr>
+                          <m:e>
+                            <m:r>
+                              <a:rPr lang="en-US" i="1">
+                                <a:latin typeface="Cambria Math" panose="02040503050406030204" pitchFamily="18" charset="0"/>
+                              </a:rPr>
+                              <m:t>𝜓</m:t>
+                            </m:r>
+                          </m:e>
+                          <m:sub>
+                            <m:r>
+                              <a:rPr lang="en-US" b="0" i="1" smtClean="0">
+                                <a:latin typeface="Cambria Math" panose="02040503050406030204" pitchFamily="18" charset="0"/>
+                              </a:rPr>
+                              <m:t>𝑗</m:t>
+                            </m:r>
+                          </m:sub>
+                        </m:sSub>
+                      </m:e>
+                    </m:d>
+                    <m:r>
+                      <a:rPr lang="en-US" i="1">
+                        <a:latin typeface="Cambria Math" panose="02040503050406030204" pitchFamily="18" charset="0"/>
+                      </a:rPr>
+                      <m:t>⊗…⊗</m:t>
+                    </m:r>
+                    <m:d>
+                      <m:dPr>
+                        <m:begChr m:val="|"/>
+                        <m:endChr m:val="⟩"/>
+                        <m:ctrlPr>
+                          <a:rPr lang="en-US" i="1">
+                            <a:latin typeface="Cambria Math" panose="02040503050406030204" pitchFamily="18" charset="0"/>
+                          </a:rPr>
+                        </m:ctrlPr>
+                      </m:dPr>
+                      <m:e>
+                        <m:sSub>
+                          <m:sSubPr>
+                            <m:ctrlPr>
+                              <a:rPr lang="en-US" i="1">
+                                <a:latin typeface="Cambria Math" panose="02040503050406030204" pitchFamily="18" charset="0"/>
+                              </a:rPr>
+                            </m:ctrlPr>
+                          </m:sSubPr>
+                          <m:e>
+                            <m:r>
+                              <a:rPr lang="en-US" i="1">
+                                <a:latin typeface="Cambria Math" panose="02040503050406030204" pitchFamily="18" charset="0"/>
+                              </a:rPr>
+                              <m:t>𝜓</m:t>
+                            </m:r>
+                          </m:e>
+                          <m:sub>
+                            <m:r>
+                              <a:rPr lang="en-US" b="0" i="1" smtClean="0">
+                                <a:latin typeface="Cambria Math" panose="02040503050406030204" pitchFamily="18" charset="0"/>
+                              </a:rPr>
+                              <m:t>𝑛</m:t>
+                            </m:r>
+                          </m:sub>
+                        </m:sSub>
+                      </m:e>
+                    </m:d>
+                  </m:oMath>
+                </a14:m>
+                <a:r>
+                  <a:rPr lang="en-US" dirty="0"/>
+                  <a:t>.</a:t>
+                </a:r>
+              </a:p>
+              <a:p>
+                <a14:m>
+                  <m:oMath xmlns:m="http://schemas.openxmlformats.org/officeDocument/2006/math">
+                    <m:sSub>
+                      <m:sSubPr>
+                        <m:ctrlPr>
+                          <a:rPr lang="en-US" i="1">
+                            <a:latin typeface="Cambria Math" panose="02040503050406030204" pitchFamily="18" charset="0"/>
+                          </a:rPr>
+                        </m:ctrlPr>
+                      </m:sSubPr>
+                      <m:e>
+                        <m:r>
+                          <a:rPr lang="en-US" i="1">
+                            <a:latin typeface="Cambria Math" panose="02040503050406030204" pitchFamily="18" charset="0"/>
+                          </a:rPr>
+                          <m:t>𝜎</m:t>
+                        </m:r>
+                      </m:e>
+                      <m:sub>
+                        <m:r>
+                          <a:rPr lang="en-US" i="1">
+                            <a:latin typeface="Cambria Math" panose="02040503050406030204" pitchFamily="18" charset="0"/>
+                          </a:rPr>
+                          <m:t>0</m:t>
+                        </m:r>
+                      </m:sub>
+                    </m:sSub>
+                    <m:r>
+                      <a:rPr lang="en-US" i="1">
+                        <a:latin typeface="Cambria Math" panose="02040503050406030204" pitchFamily="18" charset="0"/>
+                      </a:rPr>
+                      <m:t>=</m:t>
+                    </m:r>
+                    <m:d>
+                      <m:dPr>
+                        <m:begChr m:val="|"/>
+                        <m:endChr m:val="⟩"/>
+                        <m:ctrlPr>
+                          <a:rPr lang="en-US" i="1">
+                            <a:latin typeface="Cambria Math" panose="02040503050406030204" pitchFamily="18" charset="0"/>
+                          </a:rPr>
+                        </m:ctrlPr>
+                      </m:dPr>
+                      <m:e>
+                        <m:r>
+                          <a:rPr lang="en-US" i="1">
+                            <a:latin typeface="Cambria Math" panose="02040503050406030204" pitchFamily="18" charset="0"/>
+                          </a:rPr>
+                          <m:t>0</m:t>
+                        </m:r>
+                      </m:e>
+                    </m:d>
+                    <m:d>
+                      <m:dPr>
+                        <m:begChr m:val="⟨"/>
+                        <m:endChr m:val="|"/>
+                        <m:ctrlPr>
+                          <a:rPr lang="en-US" i="1">
+                            <a:latin typeface="Cambria Math" panose="02040503050406030204" pitchFamily="18" charset="0"/>
+                          </a:rPr>
+                        </m:ctrlPr>
+                      </m:dPr>
+                      <m:e>
+                        <m:r>
+                          <a:rPr lang="en-US" i="1">
+                            <a:latin typeface="Cambria Math" panose="02040503050406030204" pitchFamily="18" charset="0"/>
+                          </a:rPr>
+                          <m:t>0</m:t>
+                        </m:r>
+                      </m:e>
+                    </m:d>
+                    <m:r>
+                      <a:rPr lang="en-US" i="1">
+                        <a:latin typeface="Cambria Math" panose="02040503050406030204" pitchFamily="18" charset="0"/>
+                      </a:rPr>
+                      <m:t>+</m:t>
+                    </m:r>
+                    <m:d>
+                      <m:dPr>
+                        <m:begChr m:val="|"/>
+                        <m:endChr m:val="⟩"/>
+                        <m:ctrlPr>
+                          <a:rPr lang="en-US" i="1">
+                            <a:latin typeface="Cambria Math" panose="02040503050406030204" pitchFamily="18" charset="0"/>
+                          </a:rPr>
+                        </m:ctrlPr>
+                      </m:dPr>
+                      <m:e>
+                        <m:r>
+                          <a:rPr lang="en-US" i="1">
+                            <a:latin typeface="Cambria Math" panose="02040503050406030204" pitchFamily="18" charset="0"/>
+                          </a:rPr>
+                          <m:t>0</m:t>
+                        </m:r>
+                      </m:e>
+                    </m:d>
+                    <m:d>
+                      <m:dPr>
+                        <m:begChr m:val="⟨"/>
+                        <m:endChr m:val="|"/>
+                        <m:ctrlPr>
+                          <a:rPr lang="en-US" i="1">
+                            <a:latin typeface="Cambria Math" panose="02040503050406030204" pitchFamily="18" charset="0"/>
+                          </a:rPr>
+                        </m:ctrlPr>
+                      </m:dPr>
+                      <m:e>
+                        <m:r>
+                          <a:rPr lang="en-US" i="1">
+                            <a:latin typeface="Cambria Math" panose="02040503050406030204" pitchFamily="18" charset="0"/>
+                          </a:rPr>
+                          <m:t>0</m:t>
+                        </m:r>
+                      </m:e>
+                    </m:d>
+                  </m:oMath>
+                </a14:m>
+                <a:r>
+                  <a:rPr lang="en-US" dirty="0"/>
+                  <a:t>, </a:t>
+                </a:r>
+                <a14:m>
+                  <m:oMath xmlns:m="http://schemas.openxmlformats.org/officeDocument/2006/math">
+                    <m:sSub>
+                      <m:sSubPr>
+                        <m:ctrlPr>
+                          <a:rPr lang="en-US" i="1">
+                            <a:latin typeface="Cambria Math" panose="02040503050406030204" pitchFamily="18" charset="0"/>
+                          </a:rPr>
+                        </m:ctrlPr>
+                      </m:sSubPr>
+                      <m:e>
+                        <m:r>
+                          <a:rPr lang="en-US" i="1">
+                            <a:latin typeface="Cambria Math" panose="02040503050406030204" pitchFamily="18" charset="0"/>
+                          </a:rPr>
+                          <m:t>𝜎</m:t>
+                        </m:r>
+                      </m:e>
+                      <m:sub>
+                        <m:r>
+                          <a:rPr lang="en-US" i="1">
+                            <a:latin typeface="Cambria Math" panose="02040503050406030204" pitchFamily="18" charset="0"/>
+                          </a:rPr>
+                          <m:t>𝑥</m:t>
+                        </m:r>
+                      </m:sub>
+                    </m:sSub>
+                    <m:r>
+                      <a:rPr lang="en-US" i="1">
+                        <a:latin typeface="Cambria Math" panose="02040503050406030204" pitchFamily="18" charset="0"/>
+                      </a:rPr>
+                      <m:t>=</m:t>
+                    </m:r>
+                    <m:d>
+                      <m:dPr>
+                        <m:begChr m:val="|"/>
+                        <m:endChr m:val="⟩"/>
+                        <m:ctrlPr>
+                          <a:rPr lang="en-US" i="1">
+                            <a:latin typeface="Cambria Math" panose="02040503050406030204" pitchFamily="18" charset="0"/>
+                          </a:rPr>
+                        </m:ctrlPr>
+                      </m:dPr>
+                      <m:e>
+                        <m:r>
+                          <a:rPr lang="en-US" i="1">
+                            <a:latin typeface="Cambria Math" panose="02040503050406030204" pitchFamily="18" charset="0"/>
+                          </a:rPr>
+                          <m:t>1</m:t>
+                        </m:r>
+                      </m:e>
+                    </m:d>
+                    <m:d>
+                      <m:dPr>
+                        <m:begChr m:val="⟨"/>
+                        <m:endChr m:val="|"/>
+                        <m:ctrlPr>
+                          <a:rPr lang="en-US" i="1">
+                            <a:latin typeface="Cambria Math" panose="02040503050406030204" pitchFamily="18" charset="0"/>
+                          </a:rPr>
+                        </m:ctrlPr>
+                      </m:dPr>
+                      <m:e>
+                        <m:r>
+                          <a:rPr lang="en-US" i="1">
+                            <a:latin typeface="Cambria Math" panose="02040503050406030204" pitchFamily="18" charset="0"/>
+                          </a:rPr>
+                          <m:t>0</m:t>
+                        </m:r>
+                      </m:e>
+                    </m:d>
+                    <m:r>
+                      <a:rPr lang="en-US" i="1">
+                        <a:latin typeface="Cambria Math" panose="02040503050406030204" pitchFamily="18" charset="0"/>
+                      </a:rPr>
+                      <m:t>+</m:t>
+                    </m:r>
+                    <m:d>
+                      <m:dPr>
+                        <m:begChr m:val="|"/>
+                        <m:endChr m:val="⟩"/>
+                        <m:ctrlPr>
+                          <a:rPr lang="en-US" i="1">
+                            <a:latin typeface="Cambria Math" panose="02040503050406030204" pitchFamily="18" charset="0"/>
+                          </a:rPr>
+                        </m:ctrlPr>
+                      </m:dPr>
+                      <m:e>
+                        <m:r>
+                          <a:rPr lang="en-US" i="1">
+                            <a:latin typeface="Cambria Math" panose="02040503050406030204" pitchFamily="18" charset="0"/>
+                          </a:rPr>
+                          <m:t>0</m:t>
+                        </m:r>
+                      </m:e>
+                    </m:d>
+                    <m:d>
+                      <m:dPr>
+                        <m:begChr m:val="⟨"/>
+                        <m:endChr m:val="|"/>
+                        <m:ctrlPr>
+                          <a:rPr lang="en-US" i="1">
+                            <a:latin typeface="Cambria Math" panose="02040503050406030204" pitchFamily="18" charset="0"/>
+                          </a:rPr>
+                        </m:ctrlPr>
+                      </m:dPr>
+                      <m:e>
+                        <m:r>
+                          <a:rPr lang="en-US" i="1">
+                            <a:latin typeface="Cambria Math" panose="02040503050406030204" pitchFamily="18" charset="0"/>
+                          </a:rPr>
+                          <m:t>1</m:t>
+                        </m:r>
+                      </m:e>
+                    </m:d>
+                  </m:oMath>
+                </a14:m>
+                <a:r>
+                  <a:rPr lang="en-US" dirty="0"/>
+                  <a:t>, </a:t>
+                </a:r>
+                <a14:m>
+                  <m:oMath xmlns:m="http://schemas.openxmlformats.org/officeDocument/2006/math">
+                    <m:sSub>
+                      <m:sSubPr>
+                        <m:ctrlPr>
+                          <a:rPr lang="en-US" i="1">
+                            <a:latin typeface="Cambria Math" panose="02040503050406030204" pitchFamily="18" charset="0"/>
+                          </a:rPr>
+                        </m:ctrlPr>
+                      </m:sSubPr>
+                      <m:e>
+                        <m:r>
+                          <a:rPr lang="en-US" i="1">
+                            <a:latin typeface="Cambria Math" panose="02040503050406030204" pitchFamily="18" charset="0"/>
+                          </a:rPr>
+                          <m:t>𝜎</m:t>
+                        </m:r>
+                      </m:e>
+                      <m:sub>
+                        <m:r>
+                          <a:rPr lang="en-US" i="1">
+                            <a:latin typeface="Cambria Math" panose="02040503050406030204" pitchFamily="18" charset="0"/>
+                          </a:rPr>
+                          <m:t>𝑦</m:t>
+                        </m:r>
+                      </m:sub>
+                    </m:sSub>
+                    <m:r>
+                      <a:rPr lang="en-US" i="1">
+                        <a:latin typeface="Cambria Math" panose="02040503050406030204" pitchFamily="18" charset="0"/>
+                      </a:rPr>
+                      <m:t>=</m:t>
+                    </m:r>
+                    <m:r>
+                      <a:rPr lang="en-US" i="1">
+                        <a:latin typeface="Cambria Math" panose="02040503050406030204" pitchFamily="18" charset="0"/>
+                        <a:ea typeface="Cambria Math" panose="02040503050406030204" pitchFamily="18" charset="0"/>
+                      </a:rPr>
+                      <m:t>𝕚</m:t>
+                    </m:r>
+                    <m:d>
+                      <m:dPr>
+                        <m:begChr m:val="|"/>
+                        <m:endChr m:val="⟩"/>
+                        <m:ctrlPr>
+                          <a:rPr lang="en-US" i="1">
+                            <a:latin typeface="Cambria Math" panose="02040503050406030204" pitchFamily="18" charset="0"/>
+                          </a:rPr>
+                        </m:ctrlPr>
+                      </m:dPr>
+                      <m:e>
+                        <m:r>
+                          <a:rPr lang="en-US" i="1">
+                            <a:latin typeface="Cambria Math" panose="02040503050406030204" pitchFamily="18" charset="0"/>
+                          </a:rPr>
+                          <m:t>1</m:t>
+                        </m:r>
+                      </m:e>
+                    </m:d>
+                    <m:d>
+                      <m:dPr>
+                        <m:begChr m:val="⟨"/>
+                        <m:endChr m:val="|"/>
+                        <m:ctrlPr>
+                          <a:rPr lang="en-US" i="1">
+                            <a:latin typeface="Cambria Math" panose="02040503050406030204" pitchFamily="18" charset="0"/>
+                          </a:rPr>
+                        </m:ctrlPr>
+                      </m:dPr>
+                      <m:e>
+                        <m:r>
+                          <a:rPr lang="en-US" i="1">
+                            <a:latin typeface="Cambria Math" panose="02040503050406030204" pitchFamily="18" charset="0"/>
+                          </a:rPr>
+                          <m:t>0</m:t>
+                        </m:r>
+                      </m:e>
+                    </m:d>
+                    <m:r>
+                      <a:rPr lang="en-US" i="1">
+                        <a:latin typeface="Cambria Math" panose="02040503050406030204" pitchFamily="18" charset="0"/>
+                      </a:rPr>
+                      <m:t>−</m:t>
+                    </m:r>
+                    <m:r>
+                      <a:rPr lang="en-US" i="1">
+                        <a:latin typeface="Cambria Math" panose="02040503050406030204" pitchFamily="18" charset="0"/>
+                        <a:ea typeface="Cambria Math" panose="02040503050406030204" pitchFamily="18" charset="0"/>
+                      </a:rPr>
+                      <m:t>𝕚</m:t>
+                    </m:r>
+                    <m:d>
+                      <m:dPr>
+                        <m:begChr m:val="|"/>
+                        <m:endChr m:val="⟩"/>
+                        <m:ctrlPr>
+                          <a:rPr lang="en-US" i="1">
+                            <a:latin typeface="Cambria Math" panose="02040503050406030204" pitchFamily="18" charset="0"/>
+                          </a:rPr>
+                        </m:ctrlPr>
+                      </m:dPr>
+                      <m:e>
+                        <m:r>
+                          <a:rPr lang="en-US" i="1">
+                            <a:latin typeface="Cambria Math" panose="02040503050406030204" pitchFamily="18" charset="0"/>
+                          </a:rPr>
+                          <m:t>0</m:t>
+                        </m:r>
+                      </m:e>
+                    </m:d>
+                    <m:d>
+                      <m:dPr>
+                        <m:begChr m:val="⟨"/>
+                        <m:endChr m:val="|"/>
+                        <m:ctrlPr>
+                          <a:rPr lang="en-US" i="1">
+                            <a:latin typeface="Cambria Math" panose="02040503050406030204" pitchFamily="18" charset="0"/>
+                          </a:rPr>
+                        </m:ctrlPr>
+                      </m:dPr>
+                      <m:e>
+                        <m:r>
+                          <a:rPr lang="en-US" i="1">
+                            <a:latin typeface="Cambria Math" panose="02040503050406030204" pitchFamily="18" charset="0"/>
+                          </a:rPr>
+                          <m:t>1</m:t>
+                        </m:r>
+                      </m:e>
+                    </m:d>
+                  </m:oMath>
+                </a14:m>
+                <a:r>
+                  <a:rPr lang="en-US" dirty="0"/>
+                  <a:t>, </a:t>
+                </a:r>
+                <a14:m>
+                  <m:oMath xmlns:m="http://schemas.openxmlformats.org/officeDocument/2006/math">
+                    <m:sSub>
+                      <m:sSubPr>
+                        <m:ctrlPr>
+                          <a:rPr lang="en-US" i="1">
+                            <a:latin typeface="Cambria Math" panose="02040503050406030204" pitchFamily="18" charset="0"/>
+                          </a:rPr>
+                        </m:ctrlPr>
+                      </m:sSubPr>
+                      <m:e>
+                        <m:r>
+                          <a:rPr lang="en-US" i="1">
+                            <a:latin typeface="Cambria Math" panose="02040503050406030204" pitchFamily="18" charset="0"/>
+                          </a:rPr>
+                          <m:t>𝜎</m:t>
+                        </m:r>
+                      </m:e>
+                      <m:sub>
+                        <m:r>
+                          <a:rPr lang="en-US" i="1">
+                            <a:latin typeface="Cambria Math" panose="02040503050406030204" pitchFamily="18" charset="0"/>
+                          </a:rPr>
+                          <m:t>𝑧</m:t>
+                        </m:r>
+                      </m:sub>
+                    </m:sSub>
+                    <m:r>
+                      <a:rPr lang="en-US" i="1">
+                        <a:latin typeface="Cambria Math" panose="02040503050406030204" pitchFamily="18" charset="0"/>
+                      </a:rPr>
+                      <m:t>=</m:t>
+                    </m:r>
+                    <m:d>
+                      <m:dPr>
+                        <m:begChr m:val="|"/>
+                        <m:endChr m:val="⟩"/>
+                        <m:ctrlPr>
+                          <a:rPr lang="en-US" i="1">
+                            <a:latin typeface="Cambria Math" panose="02040503050406030204" pitchFamily="18" charset="0"/>
+                          </a:rPr>
+                        </m:ctrlPr>
+                      </m:dPr>
+                      <m:e>
+                        <m:r>
+                          <a:rPr lang="en-US" i="1">
+                            <a:latin typeface="Cambria Math" panose="02040503050406030204" pitchFamily="18" charset="0"/>
+                          </a:rPr>
+                          <m:t>0</m:t>
+                        </m:r>
+                      </m:e>
+                    </m:d>
+                    <m:d>
+                      <m:dPr>
+                        <m:begChr m:val="⟨"/>
+                        <m:endChr m:val="|"/>
+                        <m:ctrlPr>
+                          <a:rPr lang="en-US" i="1">
+                            <a:latin typeface="Cambria Math" panose="02040503050406030204" pitchFamily="18" charset="0"/>
+                          </a:rPr>
+                        </m:ctrlPr>
+                      </m:dPr>
+                      <m:e>
+                        <m:r>
+                          <a:rPr lang="en-US" i="1">
+                            <a:latin typeface="Cambria Math" panose="02040503050406030204" pitchFamily="18" charset="0"/>
+                          </a:rPr>
+                          <m:t>0</m:t>
+                        </m:r>
+                      </m:e>
+                    </m:d>
+                    <m:r>
+                      <a:rPr lang="en-US" i="1">
+                        <a:latin typeface="Cambria Math" panose="02040503050406030204" pitchFamily="18" charset="0"/>
+                      </a:rPr>
+                      <m:t>−</m:t>
+                    </m:r>
+                    <m:d>
+                      <m:dPr>
+                        <m:begChr m:val="|"/>
+                        <m:endChr m:val="⟩"/>
+                        <m:ctrlPr>
+                          <a:rPr lang="en-US" i="1">
+                            <a:latin typeface="Cambria Math" panose="02040503050406030204" pitchFamily="18" charset="0"/>
+                          </a:rPr>
+                        </m:ctrlPr>
+                      </m:dPr>
+                      <m:e>
+                        <m:r>
+                          <a:rPr lang="en-US" i="1">
+                            <a:latin typeface="Cambria Math" panose="02040503050406030204" pitchFamily="18" charset="0"/>
+                          </a:rPr>
+                          <m:t>1</m:t>
+                        </m:r>
+                      </m:e>
+                    </m:d>
+                    <m:d>
+                      <m:dPr>
+                        <m:begChr m:val="⟨"/>
+                        <m:endChr m:val="|"/>
+                        <m:ctrlPr>
+                          <a:rPr lang="en-US" i="1">
+                            <a:latin typeface="Cambria Math" panose="02040503050406030204" pitchFamily="18" charset="0"/>
+                          </a:rPr>
+                        </m:ctrlPr>
+                      </m:dPr>
+                      <m:e>
+                        <m:r>
+                          <a:rPr lang="en-US" i="1">
+                            <a:latin typeface="Cambria Math" panose="02040503050406030204" pitchFamily="18" charset="0"/>
+                          </a:rPr>
+                          <m:t>1</m:t>
+                        </m:r>
+                      </m:e>
+                    </m:d>
+                  </m:oMath>
+                </a14:m>
+                <a:r>
+                  <a:rPr lang="en-US" dirty="0"/>
+                  <a:t>.</a:t>
+                </a:r>
+              </a:p>
+              <a:p>
+                <a14:m>
+                  <m:oMath xmlns:m="http://schemas.openxmlformats.org/officeDocument/2006/math">
+                    <m:sSubSup>
+                      <m:sSubSupPr>
+                        <m:ctrlPr>
+                          <a:rPr lang="en-US" i="1">
+                            <a:latin typeface="Cambria Math" panose="02040503050406030204" pitchFamily="18" charset="0"/>
+                          </a:rPr>
+                        </m:ctrlPr>
+                      </m:sSubSupPr>
+                      <m:e>
+                        <m:r>
+                          <a:rPr lang="en-US" i="1">
+                            <a:latin typeface="Cambria Math" panose="02040503050406030204" pitchFamily="18" charset="0"/>
+                          </a:rPr>
+                          <m:t>𝜎</m:t>
+                        </m:r>
+                      </m:e>
+                      <m:sub>
+                        <m:r>
+                          <a:rPr lang="en-US" i="1">
+                            <a:latin typeface="Cambria Math" panose="02040503050406030204" pitchFamily="18" charset="0"/>
+                            <a:ea typeface="Cambria Math" panose="02040503050406030204" pitchFamily="18" charset="0"/>
+                          </a:rPr>
+                          <m:t>𝜂</m:t>
+                        </m:r>
+                      </m:sub>
+                      <m:sup>
+                        <m:r>
+                          <a:rPr lang="en-US" i="1">
+                            <a:latin typeface="Cambria Math" panose="02040503050406030204" pitchFamily="18" charset="0"/>
+                          </a:rPr>
+                          <m:t>𝑗</m:t>
+                        </m:r>
+                      </m:sup>
+                    </m:sSubSup>
+                    <m:r>
+                      <a:rPr lang="en-US" i="1">
+                        <a:latin typeface="Cambria Math" panose="02040503050406030204" pitchFamily="18" charset="0"/>
+                      </a:rPr>
+                      <m:t>=</m:t>
+                    </m:r>
+                    <m:sSub>
+                      <m:sSubPr>
+                        <m:ctrlPr>
+                          <a:rPr lang="en-US" i="1">
+                            <a:latin typeface="Cambria Math" panose="02040503050406030204" pitchFamily="18" charset="0"/>
+                          </a:rPr>
+                        </m:ctrlPr>
+                      </m:sSubPr>
+                      <m:e>
+                        <m:r>
+                          <a:rPr lang="en-US" i="1">
+                            <a:latin typeface="Cambria Math" panose="02040503050406030204" pitchFamily="18" charset="0"/>
+                          </a:rPr>
+                          <m:t>𝜎</m:t>
+                        </m:r>
+                      </m:e>
+                      <m:sub>
+                        <m:r>
+                          <a:rPr lang="en-US" i="1">
+                            <a:latin typeface="Cambria Math" panose="02040503050406030204" pitchFamily="18" charset="0"/>
+                          </a:rPr>
+                          <m:t>0</m:t>
+                        </m:r>
+                      </m:sub>
+                    </m:sSub>
+                    <m:r>
+                      <a:rPr lang="en-US" i="1">
+                        <a:latin typeface="Cambria Math" panose="02040503050406030204" pitchFamily="18" charset="0"/>
+                      </a:rPr>
+                      <m:t>⊗…</m:t>
+                    </m:r>
+                    <m:r>
+                      <a:rPr lang="en-US" i="1">
+                        <a:latin typeface="Cambria Math" panose="02040503050406030204" pitchFamily="18" charset="0"/>
+                      </a:rPr>
+                      <m:t>⊗</m:t>
+                    </m:r>
+                    <m:sSub>
+                      <m:sSubPr>
+                        <m:ctrlPr>
+                          <a:rPr lang="en-US" i="1">
+                            <a:latin typeface="Cambria Math" panose="02040503050406030204" pitchFamily="18" charset="0"/>
+                          </a:rPr>
+                        </m:ctrlPr>
+                      </m:sSubPr>
+                      <m:e>
+                        <m:r>
+                          <a:rPr lang="en-US" i="1">
+                            <a:latin typeface="Cambria Math" panose="02040503050406030204" pitchFamily="18" charset="0"/>
+                          </a:rPr>
+                          <m:t>𝜎</m:t>
+                        </m:r>
+                      </m:e>
+                      <m:sub>
+                        <m:r>
+                          <a:rPr lang="en-US" i="1">
+                            <a:latin typeface="Cambria Math" panose="02040503050406030204" pitchFamily="18" charset="0"/>
+                          </a:rPr>
+                          <m:t>0</m:t>
+                        </m:r>
+                      </m:sub>
+                    </m:sSub>
+                    <m:r>
+                      <a:rPr lang="en-US" i="1">
+                        <a:latin typeface="Cambria Math" panose="02040503050406030204" pitchFamily="18" charset="0"/>
+                      </a:rPr>
+                      <m:t>⊗</m:t>
+                    </m:r>
+                    <m:sSub>
+                      <m:sSubPr>
+                        <m:ctrlPr>
+                          <a:rPr lang="en-US" i="1">
+                            <a:latin typeface="Cambria Math" panose="02040503050406030204" pitchFamily="18" charset="0"/>
+                          </a:rPr>
+                        </m:ctrlPr>
+                      </m:sSubPr>
+                      <m:e>
+                        <m:r>
+                          <a:rPr lang="en-US" i="1">
+                            <a:latin typeface="Cambria Math" panose="02040503050406030204" pitchFamily="18" charset="0"/>
+                          </a:rPr>
+                          <m:t>𝜎</m:t>
+                        </m:r>
+                      </m:e>
+                      <m:sub>
+                        <m:r>
+                          <a:rPr lang="en-US" i="1">
+                            <a:latin typeface="Cambria Math" panose="02040503050406030204" pitchFamily="18" charset="0"/>
+                          </a:rPr>
+                          <m:t>𝜂</m:t>
+                        </m:r>
+                      </m:sub>
+                    </m:sSub>
+                    <m:r>
+                      <a:rPr lang="en-US" i="1">
+                        <a:latin typeface="Cambria Math" panose="02040503050406030204" pitchFamily="18" charset="0"/>
+                      </a:rPr>
+                      <m:t>⊗</m:t>
+                    </m:r>
+                    <m:sSub>
+                      <m:sSubPr>
+                        <m:ctrlPr>
+                          <a:rPr lang="en-US" i="1">
+                            <a:latin typeface="Cambria Math" panose="02040503050406030204" pitchFamily="18" charset="0"/>
+                          </a:rPr>
+                        </m:ctrlPr>
+                      </m:sSubPr>
+                      <m:e>
+                        <m:r>
+                          <a:rPr lang="en-US" i="1">
+                            <a:latin typeface="Cambria Math" panose="02040503050406030204" pitchFamily="18" charset="0"/>
+                          </a:rPr>
+                          <m:t>𝜎</m:t>
+                        </m:r>
+                      </m:e>
+                      <m:sub>
+                        <m:r>
+                          <a:rPr lang="en-US" i="1">
+                            <a:latin typeface="Cambria Math" panose="02040503050406030204" pitchFamily="18" charset="0"/>
+                          </a:rPr>
+                          <m:t>0</m:t>
+                        </m:r>
+                      </m:sub>
+                    </m:sSub>
+                    <m:r>
+                      <a:rPr lang="en-US" i="1">
+                        <a:latin typeface="Cambria Math" panose="02040503050406030204" pitchFamily="18" charset="0"/>
+                      </a:rPr>
+                      <m:t>⊗</m:t>
+                    </m:r>
+                    <m:r>
+                      <a:rPr lang="en-US" i="1">
+                        <a:latin typeface="Cambria Math" panose="02040503050406030204" pitchFamily="18" charset="0"/>
+                      </a:rPr>
+                      <m:t>…</m:t>
+                    </m:r>
+                    <m:r>
+                      <a:rPr lang="en-US" i="1">
+                        <a:latin typeface="Cambria Math" panose="02040503050406030204" pitchFamily="18" charset="0"/>
+                      </a:rPr>
+                      <m:t>⊗</m:t>
+                    </m:r>
+                    <m:sSub>
+                      <m:sSubPr>
+                        <m:ctrlPr>
+                          <a:rPr lang="en-US" i="1">
+                            <a:latin typeface="Cambria Math" panose="02040503050406030204" pitchFamily="18" charset="0"/>
+                          </a:rPr>
+                        </m:ctrlPr>
+                      </m:sSubPr>
+                      <m:e>
+                        <m:r>
+                          <a:rPr lang="en-US" i="1">
+                            <a:latin typeface="Cambria Math" panose="02040503050406030204" pitchFamily="18" charset="0"/>
+                          </a:rPr>
+                          <m:t>𝜎</m:t>
+                        </m:r>
+                      </m:e>
+                      <m:sub>
+                        <m:r>
+                          <a:rPr lang="en-US" i="1">
+                            <a:latin typeface="Cambria Math" panose="02040503050406030204" pitchFamily="18" charset="0"/>
+                          </a:rPr>
+                          <m:t>0</m:t>
+                        </m:r>
+                      </m:sub>
+                    </m:sSub>
+                  </m:oMath>
+                </a14:m>
+                <a:r>
+                  <a:rPr lang="en-US" dirty="0"/>
+                  <a:t>, where </a:t>
+                </a:r>
+                <a14:m>
+                  <m:oMath xmlns:m="http://schemas.openxmlformats.org/officeDocument/2006/math">
+                    <m:sSub>
+                      <m:sSubPr>
+                        <m:ctrlPr>
+                          <a:rPr lang="en-US" i="1">
+                            <a:latin typeface="Cambria Math" panose="02040503050406030204" pitchFamily="18" charset="0"/>
+                          </a:rPr>
+                        </m:ctrlPr>
+                      </m:sSubPr>
+                      <m:e>
+                        <m:r>
+                          <a:rPr lang="en-US" i="1">
+                            <a:latin typeface="Cambria Math" panose="02040503050406030204" pitchFamily="18" charset="0"/>
+                          </a:rPr>
+                          <m:t>𝜎</m:t>
+                        </m:r>
+                      </m:e>
+                      <m:sub>
+                        <m:r>
+                          <a:rPr lang="en-US" i="1">
+                            <a:latin typeface="Cambria Math" panose="02040503050406030204" pitchFamily="18" charset="0"/>
+                          </a:rPr>
+                          <m:t>𝜂</m:t>
+                        </m:r>
+                      </m:sub>
+                    </m:sSub>
+                  </m:oMath>
+                </a14:m>
+                <a:r>
+                  <a:rPr lang="en-US" dirty="0"/>
+                  <a:t> is the </a:t>
+                </a:r>
+                <a14:m>
+                  <m:oMath xmlns:m="http://schemas.openxmlformats.org/officeDocument/2006/math">
+                    <m:r>
+                      <a:rPr lang="en-US" i="1">
+                        <a:latin typeface="Cambria Math" panose="02040503050406030204" pitchFamily="18" charset="0"/>
+                      </a:rPr>
+                      <m:t>𝑗</m:t>
+                    </m:r>
+                  </m:oMath>
+                </a14:m>
+                <a:r>
+                  <a:rPr lang="en-US" dirty="0"/>
+                  <a:t>-</a:t>
+                </a:r>
+                <a:r>
+                  <a:rPr lang="en-US" dirty="0" err="1"/>
+                  <a:t>th</a:t>
+                </a:r>
+                <a:r>
+                  <a:rPr lang="en-US" dirty="0"/>
+                  <a:t> factor.</a:t>
+                </a:r>
+              </a:p>
+              <a:p>
+                <a:r>
+                  <a:rPr lang="en-US" b="0" dirty="0"/>
+                  <a:t>The purity </a:t>
+                </a:r>
+                <a14:m>
+                  <m:oMath xmlns:m="http://schemas.openxmlformats.org/officeDocument/2006/math">
+                    <m:sSub>
+                      <m:sSubPr>
+                        <m:ctrlPr>
+                          <a:rPr lang="en-US" b="0" i="1" smtClean="0">
+                            <a:latin typeface="Cambria Math" panose="02040503050406030204" pitchFamily="18" charset="0"/>
+                          </a:rPr>
+                        </m:ctrlPr>
+                      </m:sSubPr>
+                      <m:e>
+                        <m:r>
+                          <a:rPr lang="en-US" b="0" i="1" smtClean="0">
+                            <a:latin typeface="Cambria Math" panose="02040503050406030204" pitchFamily="18" charset="0"/>
+                          </a:rPr>
+                          <m:t>𝑃</m:t>
+                        </m:r>
+                      </m:e>
+                      <m:sub>
+                        <m:r>
+                          <a:rPr lang="en-US" b="0" i="1" smtClean="0">
+                            <a:latin typeface="Cambria Math" panose="02040503050406030204" pitchFamily="18" charset="0"/>
+                            <a:ea typeface="Cambria Math" panose="02040503050406030204" pitchFamily="18" charset="0"/>
+                          </a:rPr>
+                          <m:t>𝔥</m:t>
+                        </m:r>
+                      </m:sub>
+                    </m:sSub>
+                    <m:r>
+                      <a:rPr lang="en-US" b="0" i="1" smtClean="0">
+                        <a:latin typeface="Cambria Math" panose="02040503050406030204" pitchFamily="18" charset="0"/>
+                        <a:ea typeface="Cambria Math" panose="02040503050406030204" pitchFamily="18" charset="0"/>
+                      </a:rPr>
+                      <m:t>=</m:t>
+                    </m:r>
+                    <m:f>
+                      <m:fPr>
+                        <m:ctrlPr>
+                          <a:rPr lang="en-US" b="0" i="1" smtClean="0">
+                            <a:latin typeface="Cambria Math" panose="02040503050406030204" pitchFamily="18" charset="0"/>
+                            <a:ea typeface="Cambria Math" panose="02040503050406030204" pitchFamily="18" charset="0"/>
+                          </a:rPr>
+                        </m:ctrlPr>
+                      </m:fPr>
+                      <m:num>
+                        <m:r>
+                          <a:rPr lang="en-US" b="0" i="1" smtClean="0">
+                            <a:latin typeface="Cambria Math" panose="02040503050406030204" pitchFamily="18" charset="0"/>
+                            <a:ea typeface="Cambria Math" panose="02040503050406030204" pitchFamily="18" charset="0"/>
+                          </a:rPr>
+                          <m:t>1</m:t>
+                        </m:r>
+                      </m:num>
+                      <m:den>
+                        <m:r>
+                          <a:rPr lang="en-US" b="0" i="1" smtClean="0">
+                            <a:latin typeface="Cambria Math" panose="02040503050406030204" pitchFamily="18" charset="0"/>
+                            <a:ea typeface="Cambria Math" panose="02040503050406030204" pitchFamily="18" charset="0"/>
+                          </a:rPr>
+                          <m:t>𝑛</m:t>
+                        </m:r>
+                      </m:den>
+                    </m:f>
+                    <m:nary>
+                      <m:naryPr>
+                        <m:chr m:val="∑"/>
+                        <m:ctrlPr>
+                          <a:rPr lang="en-US" b="0" i="1" smtClean="0">
+                            <a:latin typeface="Cambria Math" panose="02040503050406030204" pitchFamily="18" charset="0"/>
+                            <a:ea typeface="Cambria Math" panose="02040503050406030204" pitchFamily="18" charset="0"/>
+                          </a:rPr>
+                        </m:ctrlPr>
+                      </m:naryPr>
+                      <m:sub>
+                        <m:r>
+                          <m:rPr>
+                            <m:brk m:alnAt="23"/>
+                          </m:rPr>
+                          <a:rPr lang="en-US" b="0" i="1" smtClean="0">
+                            <a:latin typeface="Cambria Math" panose="02040503050406030204" pitchFamily="18" charset="0"/>
+                            <a:ea typeface="Cambria Math" panose="02040503050406030204" pitchFamily="18" charset="0"/>
+                          </a:rPr>
+                          <m:t>𝑗</m:t>
+                        </m:r>
+                        <m:r>
+                          <a:rPr lang="en-US" b="0" i="1" smtClean="0">
+                            <a:latin typeface="Cambria Math" panose="02040503050406030204" pitchFamily="18" charset="0"/>
+                            <a:ea typeface="Cambria Math" panose="02040503050406030204" pitchFamily="18" charset="0"/>
+                          </a:rPr>
+                          <m:t>=1</m:t>
+                        </m:r>
+                      </m:sub>
+                      <m:sup>
+                        <m:r>
+                          <a:rPr lang="en-US" b="0" i="1" smtClean="0">
+                            <a:latin typeface="Cambria Math" panose="02040503050406030204" pitchFamily="18" charset="0"/>
+                            <a:ea typeface="Cambria Math" panose="02040503050406030204" pitchFamily="18" charset="0"/>
+                          </a:rPr>
+                          <m:t>𝑛</m:t>
+                        </m:r>
+                      </m:sup>
+                      <m:e>
+                        <m:nary>
+                          <m:naryPr>
+                            <m:chr m:val="∑"/>
+                            <m:supHide m:val="on"/>
+                            <m:ctrlPr>
+                              <a:rPr lang="en-US" i="1">
+                                <a:latin typeface="Cambria Math" panose="02040503050406030204" pitchFamily="18" charset="0"/>
+                              </a:rPr>
+                            </m:ctrlPr>
+                          </m:naryPr>
+                          <m:sub>
+                            <m:r>
+                              <a:rPr lang="en-US" i="1">
+                                <a:latin typeface="Cambria Math" panose="02040503050406030204" pitchFamily="18" charset="0"/>
+                              </a:rPr>
+                              <m:t>𝜂</m:t>
+                            </m:r>
+                            <m:r>
+                              <a:rPr lang="en-US" i="1">
+                                <a:latin typeface="Cambria Math" panose="02040503050406030204" pitchFamily="18" charset="0"/>
+                              </a:rPr>
+                              <m:t>=</m:t>
+                            </m:r>
+                            <m:r>
+                              <a:rPr lang="en-US" i="1">
+                                <a:latin typeface="Cambria Math" panose="02040503050406030204" pitchFamily="18" charset="0"/>
+                              </a:rPr>
+                              <m:t>𝑥</m:t>
+                            </m:r>
+                            <m:r>
+                              <a:rPr lang="en-US" i="1">
+                                <a:latin typeface="Cambria Math" panose="02040503050406030204" pitchFamily="18" charset="0"/>
+                              </a:rPr>
+                              <m:t>,</m:t>
+                            </m:r>
+                            <m:r>
+                              <a:rPr lang="en-US" i="1">
+                                <a:latin typeface="Cambria Math" panose="02040503050406030204" pitchFamily="18" charset="0"/>
+                              </a:rPr>
+                              <m:t>𝑦</m:t>
+                            </m:r>
+                            <m:r>
+                              <a:rPr lang="en-US" i="1">
+                                <a:latin typeface="Cambria Math" panose="02040503050406030204" pitchFamily="18" charset="0"/>
+                              </a:rPr>
+                              <m:t>,</m:t>
+                            </m:r>
+                            <m:r>
+                              <a:rPr lang="en-US" i="1">
+                                <a:latin typeface="Cambria Math" panose="02040503050406030204" pitchFamily="18" charset="0"/>
+                              </a:rPr>
+                              <m:t>𝑧</m:t>
+                            </m:r>
+                          </m:sub>
+                          <m:sup/>
+                          <m:e>
+                            <m:sSup>
+                              <m:sSupPr>
+                                <m:ctrlPr>
+                                  <a:rPr lang="en-US" b="0" i="1" smtClean="0">
+                                    <a:latin typeface="Cambria Math" panose="02040503050406030204" pitchFamily="18" charset="0"/>
+                                  </a:rPr>
+                                </m:ctrlPr>
+                              </m:sSupPr>
+                              <m:e>
+                                <m:d>
+                                  <m:dPr>
+                                    <m:begChr m:val="⟨"/>
+                                    <m:endChr m:val="⟩"/>
+                                    <m:ctrlPr>
+                                      <a:rPr lang="en-US" i="1">
+                                        <a:latin typeface="Cambria Math" panose="02040503050406030204" pitchFamily="18" charset="0"/>
+                                      </a:rPr>
+                                    </m:ctrlPr>
+                                  </m:dPr>
+                                  <m:e>
+                                    <m:sSubSup>
+                                      <m:sSubSupPr>
+                                        <m:ctrlPr>
+                                          <a:rPr lang="en-US" i="1">
+                                            <a:latin typeface="Cambria Math" panose="02040503050406030204" pitchFamily="18" charset="0"/>
+                                          </a:rPr>
+                                        </m:ctrlPr>
+                                      </m:sSubSupPr>
+                                      <m:e>
+                                        <m:r>
+                                          <a:rPr lang="en-US" i="1">
+                                            <a:latin typeface="Cambria Math" panose="02040503050406030204" pitchFamily="18" charset="0"/>
+                                          </a:rPr>
+                                          <m:t>𝜎</m:t>
+                                        </m:r>
+                                      </m:e>
+                                      <m:sub>
+                                        <m:r>
+                                          <a:rPr lang="en-US" i="1">
+                                            <a:latin typeface="Cambria Math" panose="02040503050406030204" pitchFamily="18" charset="0"/>
+                                          </a:rPr>
+                                          <m:t>𝜂</m:t>
+                                        </m:r>
+                                      </m:sub>
+                                      <m:sup>
+                                        <m:r>
+                                          <a:rPr lang="en-US" i="1">
+                                            <a:latin typeface="Cambria Math" panose="02040503050406030204" pitchFamily="18" charset="0"/>
+                                          </a:rPr>
+                                          <m:t>𝑗</m:t>
+                                        </m:r>
+                                      </m:sup>
+                                    </m:sSubSup>
+                                  </m:e>
+                                </m:d>
+                              </m:e>
+                              <m:sup>
+                                <m:r>
+                                  <a:rPr lang="en-US" b="0" i="1" smtClean="0">
+                                    <a:latin typeface="Cambria Math" panose="02040503050406030204" pitchFamily="18" charset="0"/>
+                                  </a:rPr>
+                                  <m:t>2</m:t>
+                                </m:r>
+                              </m:sup>
+                            </m:sSup>
+                          </m:e>
+                        </m:nary>
+                      </m:e>
+                    </m:nary>
+                  </m:oMath>
+                </a14:m>
+                <a:r>
+                  <a:rPr lang="en-US" dirty="0"/>
+                  <a:t> is a measure of entanglement</a:t>
+                </a:r>
+              </a:p>
+              <a:p>
+                <a:r>
+                  <a:rPr lang="en-US" dirty="0"/>
+                  <a:t>If </a:t>
+                </a:r>
+                <a14:m>
+                  <m:oMath xmlns:m="http://schemas.openxmlformats.org/officeDocument/2006/math">
+                    <m:sSub>
+                      <m:sSubPr>
+                        <m:ctrlPr>
+                          <a:rPr lang="en-US" i="1">
+                            <a:latin typeface="Cambria Math" panose="02040503050406030204" pitchFamily="18" charset="0"/>
+                          </a:rPr>
+                        </m:ctrlPr>
+                      </m:sSubPr>
+                      <m:e>
+                        <m:r>
+                          <a:rPr lang="en-US" i="1">
+                            <a:latin typeface="Cambria Math" panose="02040503050406030204" pitchFamily="18" charset="0"/>
+                          </a:rPr>
+                          <m:t>𝑃</m:t>
+                        </m:r>
+                      </m:e>
+                      <m:sub>
+                        <m:r>
+                          <a:rPr lang="en-US" i="1">
+                            <a:latin typeface="Cambria Math" panose="02040503050406030204" pitchFamily="18" charset="0"/>
+                            <a:ea typeface="Cambria Math" panose="02040503050406030204" pitchFamily="18" charset="0"/>
+                          </a:rPr>
+                          <m:t>𝔥</m:t>
+                        </m:r>
+                      </m:sub>
+                    </m:sSub>
+                    <m:r>
+                      <a:rPr lang="en-US" b="0" i="1" smtClean="0">
+                        <a:latin typeface="Cambria Math" panose="02040503050406030204" pitchFamily="18" charset="0"/>
+                        <a:ea typeface="Cambria Math" panose="02040503050406030204" pitchFamily="18" charset="0"/>
+                      </a:rPr>
+                      <m:t>=1</m:t>
+                    </m:r>
+                  </m:oMath>
+                </a14:m>
+                <a:r>
+                  <a:rPr lang="en-US" dirty="0"/>
+                  <a:t>, the state is a product state.</a:t>
+                </a:r>
+              </a:p>
+              <a:p>
+                <a:r>
+                  <a:rPr lang="en-US" dirty="0"/>
+                  <a:t>When </a:t>
+                </a:r>
+                <a14:m>
+                  <m:oMath xmlns:m="http://schemas.openxmlformats.org/officeDocument/2006/math">
+                    <m:sSub>
+                      <m:sSubPr>
+                        <m:ctrlPr>
+                          <a:rPr lang="en-US" i="1">
+                            <a:latin typeface="Cambria Math" panose="02040503050406030204" pitchFamily="18" charset="0"/>
+                          </a:rPr>
+                        </m:ctrlPr>
+                      </m:sSubPr>
+                      <m:e>
+                        <m:r>
+                          <a:rPr lang="en-US" i="1">
+                            <a:latin typeface="Cambria Math" panose="02040503050406030204" pitchFamily="18" charset="0"/>
+                          </a:rPr>
+                          <m:t>𝑃</m:t>
+                        </m:r>
+                      </m:e>
+                      <m:sub>
+                        <m:r>
+                          <a:rPr lang="en-US" i="1">
+                            <a:latin typeface="Cambria Math" panose="02040503050406030204" pitchFamily="18" charset="0"/>
+                            <a:ea typeface="Cambria Math" panose="02040503050406030204" pitchFamily="18" charset="0"/>
+                          </a:rPr>
+                          <m:t>𝔥</m:t>
+                        </m:r>
+                      </m:sub>
+                    </m:sSub>
+                    <m:r>
+                      <a:rPr lang="en-US" i="1">
+                        <a:latin typeface="Cambria Math" panose="02040503050406030204" pitchFamily="18" charset="0"/>
+                        <a:ea typeface="Cambria Math" panose="02040503050406030204" pitchFamily="18" charset="0"/>
+                      </a:rPr>
+                      <m:t>=</m:t>
+                    </m:r>
+                    <m:r>
+                      <a:rPr lang="en-US" b="0" i="1" smtClean="0">
+                        <a:latin typeface="Cambria Math" panose="02040503050406030204" pitchFamily="18" charset="0"/>
+                        <a:ea typeface="Cambria Math" panose="02040503050406030204" pitchFamily="18" charset="0"/>
+                      </a:rPr>
+                      <m:t>0</m:t>
+                    </m:r>
+                  </m:oMath>
+                </a14:m>
+                <a:r>
+                  <a:rPr lang="en-US" dirty="0"/>
+                  <a:t>, the state is called maximally entangled.</a:t>
+                </a:r>
+              </a:p>
+              <a:p>
+                <a:endParaRPr lang="en-US" dirty="0"/>
+              </a:p>
+            </p:txBody>
+          </p:sp>
+        </mc:Choice>
+        <mc:Fallback>
+          <p:sp>
+            <p:nvSpPr>
+              <p:cNvPr id="3" name="Content Placeholder 2">
+                <a:extLst>
+                  <a:ext uri="{FF2B5EF4-FFF2-40B4-BE49-F238E27FC236}">
+                    <a16:creationId xmlns:a16="http://schemas.microsoft.com/office/drawing/2014/main" id="{F364BBAB-E837-4C64-86D1-50BCF2E11232}"/>
+                  </a:ext>
+                </a:extLst>
+              </p:cNvPr>
+              <p:cNvSpPr>
+                <a:spLocks noGrp="1" noRot="1" noChangeAspect="1" noMove="1" noResize="1" noEditPoints="1" noAdjustHandles="1" noChangeArrowheads="1" noChangeShapeType="1" noTextEdit="1"/>
+              </p:cNvSpPr>
+              <p:nvPr>
+                <p:ph idx="1"/>
+              </p:nvPr>
+            </p:nvSpPr>
+            <p:spPr>
+              <a:blipFill>
+                <a:blip r:embed="rId2"/>
+                <a:stretch>
+                  <a:fillRect l="-1043" t="-2241"/>
+                </a:stretch>
+              </a:blipFill>
+            </p:spPr>
+            <p:txBody>
+              <a:bodyPr/>
+              <a:lstStyle/>
+              <a:p>
+                <a:r>
+                  <a:rPr lang="en-US">
+                    <a:noFill/>
+                  </a:rPr>
+                  <a:t> </a:t>
+                </a:r>
+              </a:p>
+            </p:txBody>
+          </p:sp>
+        </mc:Fallback>
+      </mc:AlternateContent>
+    </p:spTree>
+    <p:extLst>
+      <p:ext uri="{BB962C8B-B14F-4D97-AF65-F5344CB8AC3E}">
+        <p14:creationId xmlns:p14="http://schemas.microsoft.com/office/powerpoint/2010/main" val="213332262"/>
+      </p:ext>
+    </p:extLst>
+  </p:cSld>
+  <p:clrMapOvr>
+    <a:masterClrMapping/>
+  </p:clrMapOvr>
+</p:sld>
+</file>
+
+<file path=ppt/slides/slide16.xml><?xml version="1.0" encoding="utf-8"?>
+<p:sld xmlns:a="http://schemas.openxmlformats.org/drawingml/2006/main" xmlns:r="http://schemas.openxmlformats.org/officeDocument/2006/relationships" xmlns:p="http://schemas.openxmlformats.org/presentationml/2006/main">
+  <p:cSld>
+    <p:spTree>
+      <p:nvGrpSpPr>
+        <p:cNvPr id="1" name=""/>
+        <p:cNvGrpSpPr/>
+        <p:nvPr/>
+      </p:nvGrpSpPr>
+      <p:grpSpPr>
+        <a:xfrm>
+          <a:off x="0" y="0"/>
+          <a:ext cx="0" cy="0"/>
+          <a:chOff x="0" y="0"/>
+          <a:chExt cx="0" cy="0"/>
+        </a:xfrm>
+      </p:grpSpPr>
+      <p:sp>
+        <p:nvSpPr>
+          <p:cNvPr id="2" name="Title 1">
+            <a:extLst>
+              <a:ext uri="{FF2B5EF4-FFF2-40B4-BE49-F238E27FC236}">
+                <a16:creationId xmlns:a16="http://schemas.microsoft.com/office/drawing/2014/main" id="{BD296307-E1F9-4BFF-988D-A881D7D3B01E}"/>
+              </a:ext>
+            </a:extLst>
+          </p:cNvPr>
+          <p:cNvSpPr>
+            <a:spLocks noGrp="1"/>
+          </p:cNvSpPr>
+          <p:nvPr>
+            <p:ph type="title"/>
+          </p:nvPr>
+        </p:nvSpPr>
+        <p:spPr/>
+        <p:txBody>
+          <a:bodyPr/>
+          <a:lstStyle/>
+          <a:p>
+            <a:r>
+              <a:rPr lang="en-US" dirty="0"/>
+              <a:t>Quantum Theories and Computing over Finite Fields</a:t>
+            </a:r>
+          </a:p>
+        </p:txBody>
+      </p:sp>
+      <p:sp>
+        <p:nvSpPr>
+          <p:cNvPr id="3" name="Text Placeholder 2">
+            <a:extLst>
+              <a:ext uri="{FF2B5EF4-FFF2-40B4-BE49-F238E27FC236}">
+                <a16:creationId xmlns:a16="http://schemas.microsoft.com/office/drawing/2014/main" id="{B2D08CDE-27D5-4BF7-A950-7F73EB14D08B}"/>
+              </a:ext>
+            </a:extLst>
+          </p:cNvPr>
+          <p:cNvSpPr>
+            <a:spLocks noGrp="1"/>
+          </p:cNvSpPr>
+          <p:nvPr>
+            <p:ph type="body" idx="1"/>
+          </p:nvPr>
+        </p:nvSpPr>
+        <p:spPr/>
+        <p:txBody>
+          <a:bodyPr/>
+          <a:lstStyle/>
+          <a:p>
+            <a:endParaRPr lang="en-US"/>
+          </a:p>
+        </p:txBody>
+      </p:sp>
+    </p:spTree>
+    <p:extLst>
+      <p:ext uri="{BB962C8B-B14F-4D97-AF65-F5344CB8AC3E}">
+        <p14:creationId xmlns:p14="http://schemas.microsoft.com/office/powerpoint/2010/main" val="4014847364"/>
+      </p:ext>
+    </p:extLst>
+  </p:cSld>
+  <p:clrMapOvr>
+    <a:masterClrMapping/>
+  </p:clrMapOvr>
+</p:sld>
+</file>
+
+<file path=ppt/slides/slide17.xml><?xml version="1.0" encoding="utf-8"?>
+<p:sld xmlns:a="http://schemas.openxmlformats.org/drawingml/2006/main" xmlns:r="http://schemas.openxmlformats.org/officeDocument/2006/relationships" xmlns:p="http://schemas.openxmlformats.org/presentationml/2006/main">
+  <p:cSld>
+    <p:spTree>
+      <p:nvGrpSpPr>
+        <p:cNvPr id="1" name=""/>
+        <p:cNvGrpSpPr/>
+        <p:nvPr/>
+      </p:nvGrpSpPr>
+      <p:grpSpPr>
+        <a:xfrm>
+          <a:off x="0" y="0"/>
+          <a:ext cx="0" cy="0"/>
+          <a:chOff x="0" y="0"/>
+          <a:chExt cx="0" cy="0"/>
+        </a:xfrm>
+      </p:grpSpPr>
+      <p:sp>
+        <p:nvSpPr>
+          <p:cNvPr id="2" name="Title 1">
+            <a:extLst>
+              <a:ext uri="{FF2B5EF4-FFF2-40B4-BE49-F238E27FC236}">
+                <a16:creationId xmlns:a16="http://schemas.microsoft.com/office/drawing/2014/main" id="{36E492C6-58D9-4F5F-833E-5F3043265A4C}"/>
+              </a:ext>
+            </a:extLst>
+          </p:cNvPr>
+          <p:cNvSpPr>
+            <a:spLocks noGrp="1"/>
+          </p:cNvSpPr>
+          <p:nvPr>
+            <p:ph type="title"/>
+          </p:nvPr>
+        </p:nvSpPr>
+        <p:spPr/>
+        <p:txBody>
+          <a:bodyPr>
+            <a:normAutofit/>
+          </a:bodyPr>
+          <a:lstStyle/>
+          <a:p>
+            <a:r>
+              <a:rPr lang="en-US" dirty="0"/>
+              <a:t>Modal Quantum Theory and Computing</a:t>
+            </a:r>
+            <a:br>
+              <a:rPr lang="en-US" dirty="0"/>
+            </a:br>
+            <a:r>
+              <a:rPr lang="en-US" dirty="0"/>
+              <a:t>No Deutsch’s algorithm</a:t>
+            </a:r>
+          </a:p>
+        </p:txBody>
+      </p:sp>
+      <mc:AlternateContent xmlns:mc="http://schemas.openxmlformats.org/markup-compatibility/2006">
+        <mc:Choice xmlns:a14="http://schemas.microsoft.com/office/drawing/2010/main" Requires="a14">
+          <p:sp>
+            <p:nvSpPr>
+              <p:cNvPr id="3" name="Content Placeholder 2">
+                <a:extLst>
+                  <a:ext uri="{FF2B5EF4-FFF2-40B4-BE49-F238E27FC236}">
+                    <a16:creationId xmlns:a16="http://schemas.microsoft.com/office/drawing/2014/main" id="{5E2BCD86-1876-43EC-BE7B-DCC3FB19F9EE}"/>
                   </a:ext>
                 </a:extLst>
               </p:cNvPr>
@@ -9406,126 +10941,131 @@
               <a:bodyPr/>
               <a:lstStyle/>
               <a:p>
+                <a:r>
+                  <a:rPr lang="en-US" dirty="0"/>
+                  <a:t>Replace Complex Numbers by </a:t>
+                </a:r>
                 <a14:m>
                   <m:oMath xmlns:m="http://schemas.openxmlformats.org/officeDocument/2006/math">
                     <m:sSub>
                       <m:sSubPr>
                         <m:ctrlPr>
-                          <a:rPr lang="en-US" b="0" i="1" smtClean="0">
+                          <a:rPr lang="en-US" i="1">
                             <a:latin typeface="Cambria Math" panose="02040503050406030204" pitchFamily="18" charset="0"/>
                           </a:rPr>
                         </m:ctrlPr>
                       </m:sSubPr>
                       <m:e>
                         <m:r>
-                          <a:rPr lang="en-US" b="0" i="1" smtClean="0">
-                            <a:latin typeface="Cambria Math" panose="02040503050406030204" pitchFamily="18" charset="0"/>
-                          </a:rPr>
-                          <m:t>𝜎</m:t>
+                          <a:rPr lang="en-US" i="1">
+                            <a:latin typeface="Cambria Math" panose="02040503050406030204" pitchFamily="18" charset="0"/>
+                          </a:rPr>
+                          <m:t>𝔽</m:t>
                         </m:r>
                       </m:e>
                       <m:sub>
                         <m:r>
-                          <a:rPr lang="en-US" b="0" i="1" smtClean="0">
-                            <a:latin typeface="Cambria Math" panose="02040503050406030204" pitchFamily="18" charset="0"/>
-                          </a:rPr>
-                          <m:t>0</m:t>
+                          <a:rPr lang="en-US" i="1">
+                            <a:latin typeface="Cambria Math" panose="02040503050406030204" pitchFamily="18" charset="0"/>
+                          </a:rPr>
+                          <m:t>2</m:t>
                         </m:r>
                       </m:sub>
                     </m:sSub>
-                    <m:r>
-                      <a:rPr lang="en-US" b="0" i="1" smtClean="0">
-                        <a:latin typeface="Cambria Math" panose="02040503050406030204" pitchFamily="18" charset="0"/>
-                      </a:rPr>
-                      <m:t>=</m:t>
-                    </m:r>
-                    <m:d>
-                      <m:dPr>
-                        <m:begChr m:val="|"/>
-                        <m:endChr m:val="⟩"/>
-                        <m:ctrlPr>
-                          <a:rPr lang="en-US" b="0" i="1" smtClean="0">
-                            <a:latin typeface="Cambria Math" panose="02040503050406030204" pitchFamily="18" charset="0"/>
-                          </a:rPr>
-                        </m:ctrlPr>
-                      </m:dPr>
-                      <m:e>
-                        <m:r>
-                          <a:rPr lang="en-US" b="0" i="1" smtClean="0">
-                            <a:latin typeface="Cambria Math" panose="02040503050406030204" pitchFamily="18" charset="0"/>
-                          </a:rPr>
-                          <m:t>0</m:t>
-                        </m:r>
-                      </m:e>
-                    </m:d>
-                    <m:d>
-                      <m:dPr>
-                        <m:begChr m:val="⟨"/>
-                        <m:endChr m:val="|"/>
-                        <m:ctrlPr>
-                          <a:rPr lang="en-US" b="0" i="1" smtClean="0">
-                            <a:latin typeface="Cambria Math" panose="02040503050406030204" pitchFamily="18" charset="0"/>
-                          </a:rPr>
-                        </m:ctrlPr>
-                      </m:dPr>
-                      <m:e>
-                        <m:r>
-                          <a:rPr lang="en-US" b="0" i="1" smtClean="0">
-                            <a:latin typeface="Cambria Math" panose="02040503050406030204" pitchFamily="18" charset="0"/>
-                          </a:rPr>
-                          <m:t>0</m:t>
-                        </m:r>
-                      </m:e>
-                    </m:d>
-                    <m:r>
-                      <a:rPr lang="en-US" b="0" i="1" smtClean="0">
-                        <a:latin typeface="Cambria Math" panose="02040503050406030204" pitchFamily="18" charset="0"/>
-                      </a:rPr>
-                      <m:t>+</m:t>
-                    </m:r>
-                    <m:d>
-                      <m:dPr>
-                        <m:begChr m:val="|"/>
-                        <m:endChr m:val="⟩"/>
-                        <m:ctrlPr>
-                          <a:rPr lang="en-US" i="1">
-                            <a:latin typeface="Cambria Math" panose="02040503050406030204" pitchFamily="18" charset="0"/>
-                          </a:rPr>
-                        </m:ctrlPr>
-                      </m:dPr>
-                      <m:e>
-                        <m:r>
-                          <a:rPr lang="en-US" i="1">
-                            <a:latin typeface="Cambria Math" panose="02040503050406030204" pitchFamily="18" charset="0"/>
-                          </a:rPr>
-                          <m:t>0</m:t>
-                        </m:r>
-                      </m:e>
-                    </m:d>
-                    <m:d>
-                      <m:dPr>
-                        <m:begChr m:val="⟨"/>
-                        <m:endChr m:val="|"/>
-                        <m:ctrlPr>
-                          <a:rPr lang="en-US" i="1">
-                            <a:latin typeface="Cambria Math" panose="02040503050406030204" pitchFamily="18" charset="0"/>
-                          </a:rPr>
-                        </m:ctrlPr>
-                      </m:dPr>
-                      <m:e>
-                        <m:r>
-                          <a:rPr lang="en-US" i="1">
-                            <a:latin typeface="Cambria Math" panose="02040503050406030204" pitchFamily="18" charset="0"/>
-                          </a:rPr>
-                          <m:t>0</m:t>
-                        </m:r>
-                      </m:e>
-                    </m:d>
                   </m:oMath>
                 </a14:m>
-                <a:r>
-                  <a:rPr lang="en-US" dirty="0"/>
-                  <a:t>, </a:t>
+                <a:endParaRPr lang="en-US" dirty="0"/>
+              </a:p>
+              <a:p>
+                <a:r>
+                  <a:rPr lang="en-US" dirty="0"/>
+                  <a:t>A </a:t>
+                </a:r>
+                <a14:m>
+                  <m:oMath xmlns:m="http://schemas.openxmlformats.org/officeDocument/2006/math">
+                    <m:r>
+                      <a:rPr lang="en-US" i="1" dirty="0" smtClean="0">
+                        <a:latin typeface="Cambria Math" panose="02040503050406030204" pitchFamily="18" charset="0"/>
+                      </a:rPr>
+                      <m:t>𝑛</m:t>
+                    </m:r>
+                  </m:oMath>
+                </a14:m>
+                <a:r>
+                  <a:rPr lang="en-US" dirty="0"/>
+                  <a:t>-qubit state is a non-zero vector in </a:t>
+                </a:r>
+                <a14:m>
+                  <m:oMath xmlns:m="http://schemas.openxmlformats.org/officeDocument/2006/math">
+                    <m:sSubSup>
+                      <m:sSubSupPr>
+                        <m:ctrlPr>
+                          <a:rPr lang="en-US" b="0" i="1" dirty="0" smtClean="0">
+                            <a:latin typeface="Cambria Math" panose="02040503050406030204" pitchFamily="18" charset="0"/>
+                          </a:rPr>
+                        </m:ctrlPr>
+                      </m:sSubSupPr>
+                      <m:e>
+                        <m:r>
+                          <a:rPr lang="en-US" i="1">
+                            <a:latin typeface="Cambria Math" panose="02040503050406030204" pitchFamily="18" charset="0"/>
+                          </a:rPr>
+                          <m:t>𝔽</m:t>
+                        </m:r>
+                      </m:e>
+                      <m:sub>
+                        <m:r>
+                          <a:rPr lang="en-US" b="0" i="1" dirty="0" smtClean="0">
+                            <a:latin typeface="Cambria Math" panose="02040503050406030204" pitchFamily="18" charset="0"/>
+                          </a:rPr>
+                          <m:t>2</m:t>
+                        </m:r>
+                      </m:sub>
+                      <m:sup>
+                        <m:sSup>
+                          <m:sSupPr>
+                            <m:ctrlPr>
+                              <a:rPr lang="en-US" b="0" i="1" dirty="0" smtClean="0">
+                                <a:latin typeface="Cambria Math" panose="02040503050406030204" pitchFamily="18" charset="0"/>
+                              </a:rPr>
+                            </m:ctrlPr>
+                          </m:sSupPr>
+                          <m:e>
+                            <m:r>
+                              <a:rPr lang="en-US" i="1" dirty="0" smtClean="0">
+                                <a:latin typeface="Cambria Math" panose="02040503050406030204" pitchFamily="18" charset="0"/>
+                              </a:rPr>
+                              <m:t>2</m:t>
+                            </m:r>
+                          </m:e>
+                          <m:sup>
+                            <m:r>
+                              <a:rPr lang="en-US" i="1" dirty="0" smtClean="0">
+                                <a:latin typeface="Cambria Math" panose="02040503050406030204" pitchFamily="18" charset="0"/>
+                              </a:rPr>
+                              <m:t>𝑛</m:t>
+                            </m:r>
+                          </m:sup>
+                        </m:sSup>
+                      </m:sup>
+                    </m:sSubSup>
+                  </m:oMath>
+                </a14:m>
+                <a:r>
+                  <a:rPr lang="en-US" dirty="0"/>
+                  <a:t>.</a:t>
+                </a:r>
+              </a:p>
+              <a:p>
+                <a:r>
+                  <a:rPr lang="en-US" dirty="0"/>
+                  <a:t>Since unitary matrices aren’t defined, the dynamics is realized by the group of any invertible linear map. </a:t>
+                </a:r>
+              </a:p>
+              <a:p>
+                <a:r>
+                  <a:rPr lang="en-US" dirty="0"/>
+                  <a:t>However, since </a:t>
                 </a:r>
                 <a14:m>
                   <m:oMath xmlns:m="http://schemas.openxmlformats.org/officeDocument/2006/math">
@@ -9542,579 +11082,15 @@
                           <a:rPr lang="en-US" i="1">
                             <a:latin typeface="Cambria Math" panose="02040503050406030204" pitchFamily="18" charset="0"/>
                           </a:rPr>
-                          <m:t>𝜎</m:t>
+                          <m:t>𝔽</m:t>
                         </m:r>
                       </m:e>
                       <m:sub>
                         <m:r>
-                          <a:rPr lang="en-US" b="0" i="1" smtClean="0">
-                            <a:latin typeface="Cambria Math" panose="02040503050406030204" pitchFamily="18" charset="0"/>
-                          </a:rPr>
-                          <m:t>𝑥</m:t>
-                        </m:r>
-                      </m:sub>
-                    </m:sSub>
-                    <m:r>
-                      <a:rPr lang="en-US" i="1">
-                        <a:latin typeface="Cambria Math" panose="02040503050406030204" pitchFamily="18" charset="0"/>
-                      </a:rPr>
-                      <m:t>=</m:t>
-                    </m:r>
-                    <m:d>
-                      <m:dPr>
-                        <m:begChr m:val="|"/>
-                        <m:endChr m:val="⟩"/>
-                        <m:ctrlPr>
-                          <a:rPr lang="en-US" i="1">
-                            <a:latin typeface="Cambria Math" panose="02040503050406030204" pitchFamily="18" charset="0"/>
-                          </a:rPr>
-                        </m:ctrlPr>
-                      </m:dPr>
-                      <m:e>
-                        <m:r>
-                          <a:rPr lang="en-US" b="0" i="1" smtClean="0">
-                            <a:latin typeface="Cambria Math" panose="02040503050406030204" pitchFamily="18" charset="0"/>
-                          </a:rPr>
-                          <m:t>1</m:t>
-                        </m:r>
-                      </m:e>
-                    </m:d>
-                    <m:d>
-                      <m:dPr>
-                        <m:begChr m:val="⟨"/>
-                        <m:endChr m:val="|"/>
-                        <m:ctrlPr>
-                          <a:rPr lang="en-US" i="1">
-                            <a:latin typeface="Cambria Math" panose="02040503050406030204" pitchFamily="18" charset="0"/>
-                          </a:rPr>
-                        </m:ctrlPr>
-                      </m:dPr>
-                      <m:e>
-                        <m:r>
-                          <a:rPr lang="en-US" i="1">
-                            <a:latin typeface="Cambria Math" panose="02040503050406030204" pitchFamily="18" charset="0"/>
-                          </a:rPr>
-                          <m:t>0</m:t>
-                        </m:r>
-                      </m:e>
-                    </m:d>
-                    <m:r>
-                      <a:rPr lang="en-US" i="1">
-                        <a:latin typeface="Cambria Math" panose="02040503050406030204" pitchFamily="18" charset="0"/>
-                      </a:rPr>
-                      <m:t>+</m:t>
-                    </m:r>
-                    <m:d>
-                      <m:dPr>
-                        <m:begChr m:val="|"/>
-                        <m:endChr m:val="⟩"/>
-                        <m:ctrlPr>
-                          <a:rPr lang="en-US" i="1">
-                            <a:latin typeface="Cambria Math" panose="02040503050406030204" pitchFamily="18" charset="0"/>
-                          </a:rPr>
-                        </m:ctrlPr>
-                      </m:dPr>
-                      <m:e>
-                        <m:r>
-                          <a:rPr lang="en-US" i="1">
-                            <a:latin typeface="Cambria Math" panose="02040503050406030204" pitchFamily="18" charset="0"/>
-                          </a:rPr>
-                          <m:t>0</m:t>
-                        </m:r>
-                      </m:e>
-                    </m:d>
-                    <m:d>
-                      <m:dPr>
-                        <m:begChr m:val="⟨"/>
-                        <m:endChr m:val="|"/>
-                        <m:ctrlPr>
-                          <a:rPr lang="en-US" i="1">
-                            <a:latin typeface="Cambria Math" panose="02040503050406030204" pitchFamily="18" charset="0"/>
-                          </a:rPr>
-                        </m:ctrlPr>
-                      </m:dPr>
-                      <m:e>
-                        <m:r>
-                          <a:rPr lang="en-US" b="0" i="1" smtClean="0">
-                            <a:latin typeface="Cambria Math" panose="02040503050406030204" pitchFamily="18" charset="0"/>
-                          </a:rPr>
-                          <m:t>1</m:t>
-                        </m:r>
-                      </m:e>
-                    </m:d>
-                  </m:oMath>
-                </a14:m>
-                <a:r>
-                  <a:rPr lang="en-US" dirty="0"/>
-                  <a:t>, </a:t>
-                </a:r>
-                <a14:m>
-                  <m:oMath xmlns:m="http://schemas.openxmlformats.org/officeDocument/2006/math">
-                    <m:sSub>
-                      <m:sSubPr>
-                        <m:ctrlPr>
-                          <a:rPr lang="en-US" i="1">
-                            <a:latin typeface="Cambria Math" panose="02040503050406030204" pitchFamily="18" charset="0"/>
-                          </a:rPr>
-                        </m:ctrlPr>
-                      </m:sSubPr>
-                      <m:e>
-                        <m:r>
-                          <a:rPr lang="en-US" i="1">
-                            <a:latin typeface="Cambria Math" panose="02040503050406030204" pitchFamily="18" charset="0"/>
-                          </a:rPr>
-                          <m:t>𝜎</m:t>
-                        </m:r>
-                      </m:e>
-                      <m:sub>
-                        <m:r>
-                          <a:rPr lang="en-US" b="0" i="1" smtClean="0">
-                            <a:latin typeface="Cambria Math" panose="02040503050406030204" pitchFamily="18" charset="0"/>
-                          </a:rPr>
-                          <m:t>𝑦</m:t>
-                        </m:r>
-                      </m:sub>
-                    </m:sSub>
-                    <m:r>
-                      <a:rPr lang="en-US" i="1">
-                        <a:latin typeface="Cambria Math" panose="02040503050406030204" pitchFamily="18" charset="0"/>
-                      </a:rPr>
-                      <m:t>=</m:t>
-                    </m:r>
-                    <m:r>
-                      <a:rPr lang="en-US" i="1" smtClean="0">
-                        <a:solidFill>
-                          <a:schemeClr val="tx1"/>
-                        </a:solidFill>
-                        <a:latin typeface="Cambria Math" panose="02040503050406030204" pitchFamily="18" charset="0"/>
-                        <a:ea typeface="Cambria Math" panose="02040503050406030204" pitchFamily="18" charset="0"/>
-                      </a:rPr>
-                      <m:t>𝕚</m:t>
-                    </m:r>
-                    <m:d>
-                      <m:dPr>
-                        <m:begChr m:val="|"/>
-                        <m:endChr m:val="⟩"/>
-                        <m:ctrlPr>
-                          <a:rPr lang="en-US" i="1">
-                            <a:latin typeface="Cambria Math" panose="02040503050406030204" pitchFamily="18" charset="0"/>
-                          </a:rPr>
-                        </m:ctrlPr>
-                      </m:dPr>
-                      <m:e>
-                        <m:r>
-                          <a:rPr lang="en-US" b="0" i="1" smtClean="0">
-                            <a:latin typeface="Cambria Math" panose="02040503050406030204" pitchFamily="18" charset="0"/>
-                          </a:rPr>
-                          <m:t>1</m:t>
-                        </m:r>
-                      </m:e>
-                    </m:d>
-                    <m:d>
-                      <m:dPr>
-                        <m:begChr m:val="⟨"/>
-                        <m:endChr m:val="|"/>
-                        <m:ctrlPr>
-                          <a:rPr lang="en-US" i="1">
-                            <a:latin typeface="Cambria Math" panose="02040503050406030204" pitchFamily="18" charset="0"/>
-                          </a:rPr>
-                        </m:ctrlPr>
-                      </m:dPr>
-                      <m:e>
-                        <m:r>
-                          <a:rPr lang="en-US" i="1">
-                            <a:latin typeface="Cambria Math" panose="02040503050406030204" pitchFamily="18" charset="0"/>
-                          </a:rPr>
-                          <m:t>0</m:t>
-                        </m:r>
-                      </m:e>
-                    </m:d>
-                    <m:r>
-                      <a:rPr lang="en-US" b="0" i="1" smtClean="0">
-                        <a:latin typeface="Cambria Math" panose="02040503050406030204" pitchFamily="18" charset="0"/>
-                      </a:rPr>
-                      <m:t>−</m:t>
-                    </m:r>
-                    <m:r>
-                      <a:rPr lang="en-US" i="1">
-                        <a:latin typeface="Cambria Math" panose="02040503050406030204" pitchFamily="18" charset="0"/>
-                        <a:ea typeface="Cambria Math" panose="02040503050406030204" pitchFamily="18" charset="0"/>
-                      </a:rPr>
-                      <m:t>𝕚</m:t>
-                    </m:r>
-                    <m:d>
-                      <m:dPr>
-                        <m:begChr m:val="|"/>
-                        <m:endChr m:val="⟩"/>
-                        <m:ctrlPr>
-                          <a:rPr lang="en-US" i="1">
-                            <a:latin typeface="Cambria Math" panose="02040503050406030204" pitchFamily="18" charset="0"/>
-                          </a:rPr>
-                        </m:ctrlPr>
-                      </m:dPr>
-                      <m:e>
-                        <m:r>
-                          <a:rPr lang="en-US" i="1">
-                            <a:latin typeface="Cambria Math" panose="02040503050406030204" pitchFamily="18" charset="0"/>
-                          </a:rPr>
-                          <m:t>0</m:t>
-                        </m:r>
-                      </m:e>
-                    </m:d>
-                    <m:d>
-                      <m:dPr>
-                        <m:begChr m:val="⟨"/>
-                        <m:endChr m:val="|"/>
-                        <m:ctrlPr>
-                          <a:rPr lang="en-US" i="1">
-                            <a:latin typeface="Cambria Math" panose="02040503050406030204" pitchFamily="18" charset="0"/>
-                          </a:rPr>
-                        </m:ctrlPr>
-                      </m:dPr>
-                      <m:e>
-                        <m:r>
-                          <a:rPr lang="en-US" b="0" i="1" smtClean="0">
-                            <a:latin typeface="Cambria Math" panose="02040503050406030204" pitchFamily="18" charset="0"/>
-                          </a:rPr>
-                          <m:t>1</m:t>
-                        </m:r>
-                      </m:e>
-                    </m:d>
-                  </m:oMath>
-                </a14:m>
-                <a:r>
-                  <a:rPr lang="en-US" dirty="0"/>
-                  <a:t>, </a:t>
-                </a:r>
-                <a14:m>
-                  <m:oMath xmlns:m="http://schemas.openxmlformats.org/officeDocument/2006/math">
-                    <m:sSub>
-                      <m:sSubPr>
-                        <m:ctrlPr>
-                          <a:rPr lang="en-US" i="1">
-                            <a:latin typeface="Cambria Math" panose="02040503050406030204" pitchFamily="18" charset="0"/>
-                          </a:rPr>
-                        </m:ctrlPr>
-                      </m:sSubPr>
-                      <m:e>
-                        <m:r>
-                          <a:rPr lang="en-US" i="1">
-                            <a:latin typeface="Cambria Math" panose="02040503050406030204" pitchFamily="18" charset="0"/>
-                          </a:rPr>
-                          <m:t>𝜎</m:t>
-                        </m:r>
-                      </m:e>
-                      <m:sub>
-                        <m:r>
-                          <a:rPr lang="en-US" b="0" i="1" smtClean="0">
-                            <a:latin typeface="Cambria Math" panose="02040503050406030204" pitchFamily="18" charset="0"/>
-                          </a:rPr>
-                          <m:t>𝑧</m:t>
-                        </m:r>
-                      </m:sub>
-                    </m:sSub>
-                    <m:r>
-                      <a:rPr lang="en-US" i="1">
-                        <a:latin typeface="Cambria Math" panose="02040503050406030204" pitchFamily="18" charset="0"/>
-                      </a:rPr>
-                      <m:t>=</m:t>
-                    </m:r>
-                    <m:d>
-                      <m:dPr>
-                        <m:begChr m:val="|"/>
-                        <m:endChr m:val="⟩"/>
-                        <m:ctrlPr>
-                          <a:rPr lang="en-US" i="1">
-                            <a:latin typeface="Cambria Math" panose="02040503050406030204" pitchFamily="18" charset="0"/>
-                          </a:rPr>
-                        </m:ctrlPr>
-                      </m:dPr>
-                      <m:e>
-                        <m:r>
-                          <a:rPr lang="en-US" i="1">
-                            <a:latin typeface="Cambria Math" panose="02040503050406030204" pitchFamily="18" charset="0"/>
-                          </a:rPr>
-                          <m:t>0</m:t>
-                        </m:r>
-                      </m:e>
-                    </m:d>
-                    <m:d>
-                      <m:dPr>
-                        <m:begChr m:val="⟨"/>
-                        <m:endChr m:val="|"/>
-                        <m:ctrlPr>
-                          <a:rPr lang="en-US" i="1">
-                            <a:latin typeface="Cambria Math" panose="02040503050406030204" pitchFamily="18" charset="0"/>
-                          </a:rPr>
-                        </m:ctrlPr>
-                      </m:dPr>
-                      <m:e>
-                        <m:r>
-                          <a:rPr lang="en-US" i="1">
-                            <a:latin typeface="Cambria Math" panose="02040503050406030204" pitchFamily="18" charset="0"/>
-                          </a:rPr>
-                          <m:t>0</m:t>
-                        </m:r>
-                      </m:e>
-                    </m:d>
-                    <m:r>
-                      <a:rPr lang="en-US" b="0" i="1" smtClean="0">
-                        <a:latin typeface="Cambria Math" panose="02040503050406030204" pitchFamily="18" charset="0"/>
-                      </a:rPr>
-                      <m:t>−</m:t>
-                    </m:r>
-                    <m:d>
-                      <m:dPr>
-                        <m:begChr m:val="|"/>
-                        <m:endChr m:val="⟩"/>
-                        <m:ctrlPr>
-                          <a:rPr lang="en-US" i="1">
-                            <a:latin typeface="Cambria Math" panose="02040503050406030204" pitchFamily="18" charset="0"/>
-                          </a:rPr>
-                        </m:ctrlPr>
-                      </m:dPr>
-                      <m:e>
-                        <m:r>
-                          <a:rPr lang="en-US" b="0" i="1" smtClean="0">
-                            <a:latin typeface="Cambria Math" panose="02040503050406030204" pitchFamily="18" charset="0"/>
-                          </a:rPr>
-                          <m:t>1</m:t>
-                        </m:r>
-                      </m:e>
-                    </m:d>
-                    <m:d>
-                      <m:dPr>
-                        <m:begChr m:val="⟨"/>
-                        <m:endChr m:val="|"/>
-                        <m:ctrlPr>
-                          <a:rPr lang="en-US" i="1">
-                            <a:latin typeface="Cambria Math" panose="02040503050406030204" pitchFamily="18" charset="0"/>
-                          </a:rPr>
-                        </m:ctrlPr>
-                      </m:dPr>
-                      <m:e>
-                        <m:r>
-                          <a:rPr lang="en-US" b="0" i="1" smtClean="0">
-                            <a:latin typeface="Cambria Math" panose="02040503050406030204" pitchFamily="18" charset="0"/>
-                          </a:rPr>
-                          <m:t>1</m:t>
-                        </m:r>
-                      </m:e>
-                    </m:d>
-                  </m:oMath>
-                </a14:m>
-                <a:r>
-                  <a:rPr lang="en-US" dirty="0"/>
-                  <a:t>.</a:t>
-                </a:r>
-              </a:p>
-              <a:p>
-                <a14:m>
-                  <m:oMath xmlns:m="http://schemas.openxmlformats.org/officeDocument/2006/math">
-                    <m:sSubSup>
-                      <m:sSubSupPr>
-                        <m:ctrlPr>
-                          <a:rPr lang="en-US" b="0" i="1" smtClean="0">
-                            <a:latin typeface="Cambria Math" panose="02040503050406030204" pitchFamily="18" charset="0"/>
-                          </a:rPr>
-                        </m:ctrlPr>
-                      </m:sSubSupPr>
-                      <m:e>
-                        <m:r>
-                          <a:rPr lang="en-US" b="0" i="1" smtClean="0">
-                            <a:latin typeface="Cambria Math" panose="02040503050406030204" pitchFamily="18" charset="0"/>
-                          </a:rPr>
-                          <m:t>𝜎</m:t>
-                        </m:r>
-                      </m:e>
-                      <m:sub>
-                        <m:r>
-                          <a:rPr lang="en-US" b="0" i="1" smtClean="0">
-                            <a:latin typeface="Cambria Math" panose="02040503050406030204" pitchFamily="18" charset="0"/>
-                            <a:ea typeface="Cambria Math" panose="02040503050406030204" pitchFamily="18" charset="0"/>
-                          </a:rPr>
-                          <m:t>𝜂</m:t>
-                        </m:r>
-                      </m:sub>
-                      <m:sup>
-                        <m:r>
-                          <a:rPr lang="en-US" b="0" i="1" smtClean="0">
-                            <a:latin typeface="Cambria Math" panose="02040503050406030204" pitchFamily="18" charset="0"/>
-                          </a:rPr>
-                          <m:t>𝑗</m:t>
-                        </m:r>
-                      </m:sup>
-                    </m:sSubSup>
-                    <m:r>
-                      <a:rPr lang="en-US" b="0" i="1" smtClean="0">
-                        <a:latin typeface="Cambria Math" panose="02040503050406030204" pitchFamily="18" charset="0"/>
-                      </a:rPr>
-                      <m:t>=</m:t>
-                    </m:r>
-                    <m:sSub>
-                      <m:sSubPr>
-                        <m:ctrlPr>
-                          <a:rPr lang="en-US" i="1">
-                            <a:latin typeface="Cambria Math" panose="02040503050406030204" pitchFamily="18" charset="0"/>
-                          </a:rPr>
-                        </m:ctrlPr>
-                      </m:sSubPr>
-                      <m:e>
-                        <m:r>
-                          <a:rPr lang="en-US" i="1">
-                            <a:latin typeface="Cambria Math" panose="02040503050406030204" pitchFamily="18" charset="0"/>
-                          </a:rPr>
-                          <m:t>𝜎</m:t>
-                        </m:r>
-                      </m:e>
-                      <m:sub>
-                        <m:r>
-                          <a:rPr lang="en-US" i="1">
-                            <a:latin typeface="Cambria Math" panose="02040503050406030204" pitchFamily="18" charset="0"/>
-                          </a:rPr>
-                          <m:t>0</m:t>
-                        </m:r>
-                      </m:sub>
-                    </m:sSub>
-                    <m:r>
-                      <a:rPr lang="en-US" b="0" i="1" smtClean="0">
-                        <a:latin typeface="Cambria Math" panose="02040503050406030204" pitchFamily="18" charset="0"/>
-                      </a:rPr>
-                      <m:t>⊗…</m:t>
-                    </m:r>
-                    <m:r>
-                      <a:rPr lang="en-US" i="1">
-                        <a:latin typeface="Cambria Math" panose="02040503050406030204" pitchFamily="18" charset="0"/>
-                      </a:rPr>
-                      <m:t>⊗</m:t>
-                    </m:r>
-                    <m:sSub>
-                      <m:sSubPr>
-                        <m:ctrlPr>
-                          <a:rPr lang="en-US" i="1">
-                            <a:latin typeface="Cambria Math" panose="02040503050406030204" pitchFamily="18" charset="0"/>
-                          </a:rPr>
-                        </m:ctrlPr>
-                      </m:sSubPr>
-                      <m:e>
-                        <m:r>
-                          <a:rPr lang="en-US" i="1">
-                            <a:latin typeface="Cambria Math" panose="02040503050406030204" pitchFamily="18" charset="0"/>
-                          </a:rPr>
-                          <m:t>𝜎</m:t>
-                        </m:r>
-                      </m:e>
-                      <m:sub>
-                        <m:r>
-                          <a:rPr lang="en-US" i="1">
-                            <a:latin typeface="Cambria Math" panose="02040503050406030204" pitchFamily="18" charset="0"/>
-                          </a:rPr>
-                          <m:t>0</m:t>
-                        </m:r>
-                      </m:sub>
-                    </m:sSub>
-                    <m:r>
-                      <a:rPr lang="en-US" i="1">
-                        <a:latin typeface="Cambria Math" panose="02040503050406030204" pitchFamily="18" charset="0"/>
-                      </a:rPr>
-                      <m:t>⊗</m:t>
-                    </m:r>
-                    <m:sSub>
-                      <m:sSubPr>
-                        <m:ctrlPr>
-                          <a:rPr lang="en-US" i="1">
-                            <a:latin typeface="Cambria Math" panose="02040503050406030204" pitchFamily="18" charset="0"/>
-                          </a:rPr>
-                        </m:ctrlPr>
-                      </m:sSubPr>
-                      <m:e>
-                        <m:r>
-                          <a:rPr lang="en-US" i="1">
-                            <a:latin typeface="Cambria Math" panose="02040503050406030204" pitchFamily="18" charset="0"/>
-                          </a:rPr>
-                          <m:t>𝜎</m:t>
-                        </m:r>
-                      </m:e>
-                      <m:sub>
-                        <m:r>
-                          <a:rPr lang="en-US" b="0" i="1" smtClean="0">
-                            <a:latin typeface="Cambria Math" panose="02040503050406030204" pitchFamily="18" charset="0"/>
-                          </a:rPr>
-                          <m:t>𝜂</m:t>
-                        </m:r>
-                      </m:sub>
-                    </m:sSub>
-                    <m:r>
-                      <a:rPr lang="en-US" i="1">
-                        <a:latin typeface="Cambria Math" panose="02040503050406030204" pitchFamily="18" charset="0"/>
-                      </a:rPr>
-                      <m:t>⊗</m:t>
-                    </m:r>
-                    <m:sSub>
-                      <m:sSubPr>
-                        <m:ctrlPr>
-                          <a:rPr lang="en-US" i="1">
-                            <a:latin typeface="Cambria Math" panose="02040503050406030204" pitchFamily="18" charset="0"/>
-                          </a:rPr>
-                        </m:ctrlPr>
-                      </m:sSubPr>
-                      <m:e>
-                        <m:r>
-                          <a:rPr lang="en-US" i="1">
-                            <a:latin typeface="Cambria Math" panose="02040503050406030204" pitchFamily="18" charset="0"/>
-                          </a:rPr>
-                          <m:t>𝜎</m:t>
-                        </m:r>
-                      </m:e>
-                      <m:sub>
-                        <m:r>
-                          <a:rPr lang="en-US" i="1">
-                            <a:latin typeface="Cambria Math" panose="02040503050406030204" pitchFamily="18" charset="0"/>
-                          </a:rPr>
-                          <m:t>0</m:t>
-                        </m:r>
-                      </m:sub>
-                    </m:sSub>
-                    <m:r>
-                      <a:rPr lang="en-US" i="1">
-                        <a:latin typeface="Cambria Math" panose="02040503050406030204" pitchFamily="18" charset="0"/>
-                      </a:rPr>
-                      <m:t>⊗</m:t>
-                    </m:r>
-                    <m:r>
-                      <a:rPr lang="en-US" b="0" i="1" smtClean="0">
-                        <a:latin typeface="Cambria Math" panose="02040503050406030204" pitchFamily="18" charset="0"/>
-                      </a:rPr>
-                      <m:t>…</m:t>
-                    </m:r>
-                    <m:r>
-                      <a:rPr lang="en-US" i="1">
-                        <a:latin typeface="Cambria Math" panose="02040503050406030204" pitchFamily="18" charset="0"/>
-                      </a:rPr>
-                      <m:t>⊗</m:t>
-                    </m:r>
-                    <m:sSub>
-                      <m:sSubPr>
-                        <m:ctrlPr>
-                          <a:rPr lang="en-US" i="1">
-                            <a:latin typeface="Cambria Math" panose="02040503050406030204" pitchFamily="18" charset="0"/>
-                          </a:rPr>
-                        </m:ctrlPr>
-                      </m:sSubPr>
-                      <m:e>
-                        <m:r>
-                          <a:rPr lang="en-US" i="1">
-                            <a:latin typeface="Cambria Math" panose="02040503050406030204" pitchFamily="18" charset="0"/>
-                          </a:rPr>
-                          <m:t>𝜎</m:t>
-                        </m:r>
-                      </m:e>
-                      <m:sub>
-                        <m:r>
-                          <a:rPr lang="en-US" i="1">
-                            <a:latin typeface="Cambria Math" panose="02040503050406030204" pitchFamily="18" charset="0"/>
-                          </a:rPr>
-                          <m:t>0</m:t>
+                          <a:rPr lang="en-US" i="1">
+                            <a:latin typeface="Cambria Math" panose="02040503050406030204" pitchFamily="18" charset="0"/>
+                          </a:rPr>
+                          <m:t>2</m:t>
                         </m:r>
                       </m:sub>
                     </m:sSub>
@@ -10122,46 +11098,149 @@
                 </a14:m>
                 <a:r>
                   <a:rPr lang="en-US" dirty="0"/>
-                  <a:t>, where </a:t>
+                  <a:t> only has two elements </a:t>
                 </a:r>
                 <a14:m>
                   <m:oMath xmlns:m="http://schemas.openxmlformats.org/officeDocument/2006/math">
-                    <m:sSub>
-                      <m:sSubPr>
-                        <m:ctrlPr>
-                          <a:rPr lang="en-US" i="1">
-                            <a:latin typeface="Cambria Math" panose="02040503050406030204" pitchFamily="18" charset="0"/>
-                          </a:rPr>
-                        </m:ctrlPr>
-                      </m:sSubPr>
-                      <m:e>
-                        <m:r>
-                          <a:rPr lang="en-US" i="1">
-                            <a:latin typeface="Cambria Math" panose="02040503050406030204" pitchFamily="18" charset="0"/>
-                          </a:rPr>
-                          <m:t>𝜎</m:t>
-                        </m:r>
-                      </m:e>
-                      <m:sub>
-                        <m:r>
-                          <a:rPr lang="en-US" i="1">
-                            <a:latin typeface="Cambria Math" panose="02040503050406030204" pitchFamily="18" charset="0"/>
-                          </a:rPr>
-                          <m:t>𝜂</m:t>
-                        </m:r>
-                      </m:sub>
-                    </m:sSub>
+                    <m:r>
+                      <a:rPr lang="en-US" b="0" i="1" smtClean="0">
+                        <a:latin typeface="Cambria Math" panose="02040503050406030204" pitchFamily="18" charset="0"/>
+                      </a:rPr>
+                      <m:t>0</m:t>
+                    </m:r>
                   </m:oMath>
                 </a14:m>
                 <a:r>
                   <a:rPr lang="en-US" dirty="0"/>
-                  <a:t> </a:t>
-                </a:r>
-                <a:r>
-                  <a:rPr lang="en-US"/>
-                  <a:t>is the </a:t>
-                </a:r>
-                <a:endParaRPr lang="en-US" dirty="0"/>
+                  <a:t> and </a:t>
+                </a:r>
+                <a14:m>
+                  <m:oMath xmlns:m="http://schemas.openxmlformats.org/officeDocument/2006/math">
+                    <m:r>
+                      <a:rPr lang="en-US" b="0" i="1" smtClean="0">
+                        <a:latin typeface="Cambria Math" panose="02040503050406030204" pitchFamily="18" charset="0"/>
+                      </a:rPr>
+                      <m:t>1</m:t>
+                    </m:r>
+                  </m:oMath>
+                </a14:m>
+                <a:r>
+                  <a:rPr lang="en-US" dirty="0"/>
+                  <a:t>, we cannot express the Hadamard transformation </a:t>
+                </a:r>
+                <a14:m>
+                  <m:oMath xmlns:m="http://schemas.openxmlformats.org/officeDocument/2006/math">
+                    <m:f>
+                      <m:fPr>
+                        <m:ctrlPr>
+                          <a:rPr lang="en-US" b="0" i="1" smtClean="0">
+                            <a:latin typeface="Cambria Math" panose="02040503050406030204" pitchFamily="18" charset="0"/>
+                          </a:rPr>
+                        </m:ctrlPr>
+                      </m:fPr>
+                      <m:num>
+                        <m:r>
+                          <a:rPr lang="en-US" b="0" i="1" smtClean="0">
+                            <a:latin typeface="Cambria Math" panose="02040503050406030204" pitchFamily="18" charset="0"/>
+                          </a:rPr>
+                          <m:t>1</m:t>
+                        </m:r>
+                      </m:num>
+                      <m:den>
+                        <m:rad>
+                          <m:radPr>
+                            <m:degHide m:val="on"/>
+                            <m:ctrlPr>
+                              <a:rPr lang="en-US" b="0" i="1" smtClean="0">
+                                <a:latin typeface="Cambria Math" panose="02040503050406030204" pitchFamily="18" charset="0"/>
+                              </a:rPr>
+                            </m:ctrlPr>
+                          </m:radPr>
+                          <m:deg/>
+                          <m:e>
+                            <m:r>
+                              <a:rPr lang="en-US" b="0" i="1" smtClean="0">
+                                <a:latin typeface="Cambria Math" panose="02040503050406030204" pitchFamily="18" charset="0"/>
+                              </a:rPr>
+                              <m:t>2</m:t>
+                            </m:r>
+                          </m:e>
+                        </m:rad>
+                      </m:den>
+                    </m:f>
+                    <m:d>
+                      <m:dPr>
+                        <m:ctrlPr>
+                          <a:rPr lang="en-US" b="0" i="1" smtClean="0">
+                            <a:latin typeface="Cambria Math" panose="02040503050406030204" pitchFamily="18" charset="0"/>
+                          </a:rPr>
+                        </m:ctrlPr>
+                      </m:dPr>
+                      <m:e>
+                        <m:m>
+                          <m:mPr>
+                            <m:mcs>
+                              <m:mc>
+                                <m:mcPr>
+                                  <m:count m:val="2"/>
+                                  <m:mcJc m:val="center"/>
+                                </m:mcPr>
+                              </m:mc>
+                            </m:mcs>
+                            <m:ctrlPr>
+                              <a:rPr lang="en-US" b="0" i="1" smtClean="0">
+                                <a:latin typeface="Cambria Math" panose="02040503050406030204" pitchFamily="18" charset="0"/>
+                              </a:rPr>
+                            </m:ctrlPr>
+                          </m:mPr>
+                          <m:mr>
+                            <m:e>
+                              <m:r>
+                                <m:rPr>
+                                  <m:brk m:alnAt="7"/>
+                                </m:rPr>
+                                <a:rPr lang="en-US" b="0" i="1" smtClean="0">
+                                  <a:latin typeface="Cambria Math" panose="02040503050406030204" pitchFamily="18" charset="0"/>
+                                </a:rPr>
+                                <m:t>1</m:t>
+                              </m:r>
+                            </m:e>
+                            <m:e>
+                              <m:r>
+                                <a:rPr lang="en-US" b="0" i="1" smtClean="0">
+                                  <a:latin typeface="Cambria Math" panose="02040503050406030204" pitchFamily="18" charset="0"/>
+                                </a:rPr>
+                                <m:t>1</m:t>
+                              </m:r>
+                            </m:e>
+                          </m:mr>
+                          <m:mr>
+                            <m:e>
+                              <m:r>
+                                <a:rPr lang="en-US" b="0" i="1" smtClean="0">
+                                  <a:latin typeface="Cambria Math" panose="02040503050406030204" pitchFamily="18" charset="0"/>
+                                </a:rPr>
+                                <m:t>1</m:t>
+                              </m:r>
+                            </m:e>
+                            <m:e>
+                              <m:r>
+                                <a:rPr lang="en-US" b="0" i="1" smtClean="0">
+                                  <a:latin typeface="Cambria Math" panose="02040503050406030204" pitchFamily="18" charset="0"/>
+                                </a:rPr>
+                                <m:t>−1</m:t>
+                              </m:r>
+                            </m:e>
+                          </m:mr>
+                        </m:m>
+                      </m:e>
+                    </m:d>
+                  </m:oMath>
+                </a14:m>
+                <a:r>
+                  <a:rPr lang="en-US" dirty="0"/>
+                  <a:t>, and any algorithm based on it including Deutsch’s algorithm.</a:t>
+                </a:r>
               </a:p>
             </p:txBody>
           </p:sp>
@@ -10172,7 +11251,7 @@
               <p:cNvPr id="3" name="Content Placeholder 2">
                 <a:extLst>
                   <a:ext uri="{FF2B5EF4-FFF2-40B4-BE49-F238E27FC236}">
-                    <a16:creationId xmlns:a16="http://schemas.microsoft.com/office/drawing/2014/main" id="{110EFD77-4FE5-40A1-8269-4EECE3729BCF}"/>
+                    <a16:creationId xmlns:a16="http://schemas.microsoft.com/office/drawing/2014/main" id="{5E2BCD86-1876-43EC-BE7B-DCC3FB19F9EE}"/>
                   </a:ext>
                 </a:extLst>
               </p:cNvPr>
@@ -10187,7 +11266,7 @@
               <a:blipFill>
                 <a:blip r:embed="rId2"/>
                 <a:stretch>
-                  <a:fillRect l="-1043" t="-1961"/>
+                  <a:fillRect l="-1043" t="-2241" r="-812"/>
                 </a:stretch>
               </a:blipFill>
             </p:spPr>
@@ -10209,7 +11288,1326 @@
     </p:spTree>
     <p:extLst>
       <p:ext uri="{BB962C8B-B14F-4D97-AF65-F5344CB8AC3E}">
-        <p14:creationId xmlns:p14="http://schemas.microsoft.com/office/powerpoint/2010/main" val="1874664231"/>
+        <p14:creationId xmlns:p14="http://schemas.microsoft.com/office/powerpoint/2010/main" val="132890011"/>
+      </p:ext>
+    </p:extLst>
+  </p:cSld>
+  <p:clrMapOvr>
+    <a:masterClrMapping/>
+  </p:clrMapOvr>
+</p:sld>
+</file>
+
+<file path=ppt/slides/slide18.xml><?xml version="1.0" encoding="utf-8"?>
+<p:sld xmlns:a="http://schemas.openxmlformats.org/drawingml/2006/main" xmlns:r="http://schemas.openxmlformats.org/officeDocument/2006/relationships" xmlns:p="http://schemas.openxmlformats.org/presentationml/2006/main">
+  <p:cSld>
+    <p:spTree>
+      <p:nvGrpSpPr>
+        <p:cNvPr id="1" name=""/>
+        <p:cNvGrpSpPr/>
+        <p:nvPr/>
+      </p:nvGrpSpPr>
+      <p:grpSpPr>
+        <a:xfrm>
+          <a:off x="0" y="0"/>
+          <a:ext cx="0" cy="0"/>
+          <a:chOff x="0" y="0"/>
+          <a:chExt cx="0" cy="0"/>
+        </a:xfrm>
+      </p:grpSpPr>
+      <p:sp>
+        <p:nvSpPr>
+          <p:cNvPr id="2" name="Title 1">
+            <a:extLst>
+              <a:ext uri="{FF2B5EF4-FFF2-40B4-BE49-F238E27FC236}">
+                <a16:creationId xmlns:a16="http://schemas.microsoft.com/office/drawing/2014/main" id="{F3A7A427-F314-41B9-8466-340E7ACA2B2C}"/>
+              </a:ext>
+            </a:extLst>
+          </p:cNvPr>
+          <p:cNvSpPr>
+            <a:spLocks noGrp="1"/>
+          </p:cNvSpPr>
+          <p:nvPr>
+            <p:ph type="title"/>
+          </p:nvPr>
+        </p:nvSpPr>
+        <p:spPr/>
+        <p:txBody>
+          <a:bodyPr/>
+          <a:lstStyle/>
+          <a:p>
+            <a:r>
+              <a:rPr lang="en-US" dirty="0"/>
+              <a:t>Modal Quantum Theory and Computing</a:t>
+            </a:r>
+            <a:br>
+              <a:rPr lang="en-US" dirty="0"/>
+            </a:br>
+            <a:r>
+              <a:rPr lang="en-US" dirty="0"/>
+              <a:t>Has UNIQUE-SAT algorithm</a:t>
+            </a:r>
+          </a:p>
+        </p:txBody>
+      </p:sp>
+      <mc:AlternateContent xmlns:mc="http://schemas.openxmlformats.org/markup-compatibility/2006">
+        <mc:Choice xmlns:a14="http://schemas.microsoft.com/office/drawing/2010/main" Requires="a14">
+          <p:sp>
+            <p:nvSpPr>
+              <p:cNvPr id="3" name="Content Placeholder 2">
+                <a:extLst>
+                  <a:ext uri="{FF2B5EF4-FFF2-40B4-BE49-F238E27FC236}">
+                    <a16:creationId xmlns:a16="http://schemas.microsoft.com/office/drawing/2014/main" id="{ED8DD34C-E734-403C-991E-4B057DC1F74F}"/>
+                  </a:ext>
+                </a:extLst>
+              </p:cNvPr>
+              <p:cNvSpPr>
+                <a:spLocks noGrp="1"/>
+              </p:cNvSpPr>
+              <p:nvPr>
+                <p:ph idx="1"/>
+              </p:nvPr>
+            </p:nvSpPr>
+            <p:spPr/>
+            <p:txBody>
+              <a:bodyPr/>
+              <a:lstStyle/>
+              <a:p>
+                <a:r>
+                  <a:rPr lang="en-US" dirty="0"/>
+                  <a:t>Since the dynamics is realized by the group of any invertible linear map, it also includes some maps which cannot be used on CQT like</a:t>
+                </a:r>
+                <a:br>
+                  <a:rPr lang="en-US" dirty="0"/>
+                </a:br>
+                <a14:m>
+                  <m:oMath xmlns:m="http://schemas.openxmlformats.org/officeDocument/2006/math">
+                    <m:r>
+                      <a:rPr lang="en-US" b="0" i="1" smtClean="0">
+                        <a:latin typeface="Cambria Math" panose="02040503050406030204" pitchFamily="18" charset="0"/>
+                      </a:rPr>
+                      <m:t>𝑆</m:t>
+                    </m:r>
+                    <m:r>
+                      <a:rPr lang="en-US" b="0" i="1" smtClean="0">
+                        <a:latin typeface="Cambria Math" panose="02040503050406030204" pitchFamily="18" charset="0"/>
+                      </a:rPr>
+                      <m:t>=</m:t>
+                    </m:r>
+                    <m:d>
+                      <m:dPr>
+                        <m:ctrlPr>
+                          <a:rPr lang="en-US" b="0" i="1" smtClean="0">
+                            <a:latin typeface="Cambria Math" panose="02040503050406030204" pitchFamily="18" charset="0"/>
+                          </a:rPr>
+                        </m:ctrlPr>
+                      </m:dPr>
+                      <m:e>
+                        <m:m>
+                          <m:mPr>
+                            <m:mcs>
+                              <m:mc>
+                                <m:mcPr>
+                                  <m:count m:val="2"/>
+                                  <m:mcJc m:val="center"/>
+                                </m:mcPr>
+                              </m:mc>
+                            </m:mcs>
+                            <m:ctrlPr>
+                              <a:rPr lang="en-US" b="0" i="1" smtClean="0">
+                                <a:latin typeface="Cambria Math" panose="02040503050406030204" pitchFamily="18" charset="0"/>
+                              </a:rPr>
+                            </m:ctrlPr>
+                          </m:mPr>
+                          <m:mr>
+                            <m:e>
+                              <m:r>
+                                <m:rPr>
+                                  <m:brk m:alnAt="7"/>
+                                </m:rPr>
+                                <a:rPr lang="en-US" b="0" i="1" smtClean="0">
+                                  <a:latin typeface="Cambria Math" panose="02040503050406030204" pitchFamily="18" charset="0"/>
+                                </a:rPr>
+                                <m:t>1</m:t>
+                              </m:r>
+                            </m:e>
+                            <m:e>
+                              <m:r>
+                                <a:rPr lang="en-US" b="0" i="1" smtClean="0">
+                                  <a:latin typeface="Cambria Math" panose="02040503050406030204" pitchFamily="18" charset="0"/>
+                                </a:rPr>
+                                <m:t>0</m:t>
+                              </m:r>
+                            </m:e>
+                          </m:mr>
+                          <m:mr>
+                            <m:e>
+                              <m:r>
+                                <a:rPr lang="en-US" b="0" i="1" smtClean="0">
+                                  <a:latin typeface="Cambria Math" panose="02040503050406030204" pitchFamily="18" charset="0"/>
+                                </a:rPr>
+                                <m:t>1</m:t>
+                              </m:r>
+                            </m:e>
+                            <m:e>
+                              <m:r>
+                                <a:rPr lang="en-US" b="0" i="1" smtClean="0">
+                                  <a:latin typeface="Cambria Math" panose="02040503050406030204" pitchFamily="18" charset="0"/>
+                                </a:rPr>
+                                <m:t>1</m:t>
+                              </m:r>
+                            </m:e>
+                          </m:mr>
+                        </m:m>
+                      </m:e>
+                    </m:d>
+                    <m:r>
+                      <m:rPr>
+                        <m:nor/>
+                      </m:rPr>
+                      <a:rPr lang="en-US" b="0" i="0" smtClean="0">
+                        <a:latin typeface="Cambria Math" panose="02040503050406030204" pitchFamily="18" charset="0"/>
+                      </a:rPr>
+                      <m:t> </m:t>
+                    </m:r>
+                    <m:r>
+                      <m:rPr>
+                        <m:nor/>
+                      </m:rPr>
+                      <a:rPr lang="en-US" b="0" i="0" smtClean="0">
+                        <a:latin typeface="Cambria Math" panose="02040503050406030204" pitchFamily="18" charset="0"/>
+                      </a:rPr>
+                      <m:t>and</m:t>
+                    </m:r>
+                    <m:r>
+                      <m:rPr>
+                        <m:nor/>
+                      </m:rPr>
+                      <a:rPr lang="en-US" b="0" i="0" smtClean="0">
+                        <a:latin typeface="Cambria Math" panose="02040503050406030204" pitchFamily="18" charset="0"/>
+                      </a:rPr>
+                      <m:t> </m:t>
+                    </m:r>
+                    <m:sSup>
+                      <m:sSupPr>
+                        <m:ctrlPr>
+                          <a:rPr lang="en-US" b="0" i="1" smtClean="0">
+                            <a:latin typeface="Cambria Math" panose="02040503050406030204" pitchFamily="18" charset="0"/>
+                          </a:rPr>
+                        </m:ctrlPr>
+                      </m:sSupPr>
+                      <m:e>
+                        <m:r>
+                          <a:rPr lang="en-US" i="1">
+                            <a:latin typeface="Cambria Math" panose="02040503050406030204" pitchFamily="18" charset="0"/>
+                          </a:rPr>
+                          <m:t>𝑆</m:t>
+                        </m:r>
+                      </m:e>
+                      <m:sup>
+                        <m:r>
+                          <a:rPr lang="en-US" i="1">
+                            <a:latin typeface="Cambria Math" panose="02040503050406030204" pitchFamily="18" charset="0"/>
+                            <a:ea typeface="Cambria Math" panose="02040503050406030204" pitchFamily="18" charset="0"/>
+                          </a:rPr>
+                          <m:t>†</m:t>
+                        </m:r>
+                      </m:sup>
+                    </m:sSup>
+                    <m:r>
+                      <a:rPr lang="en-US" i="1">
+                        <a:latin typeface="Cambria Math" panose="02040503050406030204" pitchFamily="18" charset="0"/>
+                      </a:rPr>
+                      <m:t>=</m:t>
+                    </m:r>
+                    <m:d>
+                      <m:dPr>
+                        <m:ctrlPr>
+                          <a:rPr lang="en-US" i="1">
+                            <a:latin typeface="Cambria Math" panose="02040503050406030204" pitchFamily="18" charset="0"/>
+                          </a:rPr>
+                        </m:ctrlPr>
+                      </m:dPr>
+                      <m:e>
+                        <m:m>
+                          <m:mPr>
+                            <m:mcs>
+                              <m:mc>
+                                <m:mcPr>
+                                  <m:count m:val="2"/>
+                                  <m:mcJc m:val="center"/>
+                                </m:mcPr>
+                              </m:mc>
+                            </m:mcs>
+                            <m:ctrlPr>
+                              <a:rPr lang="en-US" i="1">
+                                <a:latin typeface="Cambria Math" panose="02040503050406030204" pitchFamily="18" charset="0"/>
+                              </a:rPr>
+                            </m:ctrlPr>
+                          </m:mPr>
+                          <m:mr>
+                            <m:e>
+                              <m:r>
+                                <m:rPr>
+                                  <m:brk m:alnAt="7"/>
+                                </m:rPr>
+                                <a:rPr lang="en-US" i="1">
+                                  <a:latin typeface="Cambria Math" panose="02040503050406030204" pitchFamily="18" charset="0"/>
+                                </a:rPr>
+                                <m:t>1</m:t>
+                              </m:r>
+                            </m:e>
+                            <m:e>
+                              <m:r>
+                                <a:rPr lang="en-US" b="0" i="1" smtClean="0">
+                                  <a:latin typeface="Cambria Math" panose="02040503050406030204" pitchFamily="18" charset="0"/>
+                                </a:rPr>
+                                <m:t>1</m:t>
+                              </m:r>
+                            </m:e>
+                          </m:mr>
+                          <m:mr>
+                            <m:e>
+                              <m:r>
+                                <a:rPr lang="en-US" b="0" i="1" smtClean="0">
+                                  <a:latin typeface="Cambria Math" panose="02040503050406030204" pitchFamily="18" charset="0"/>
+                                </a:rPr>
+                                <m:t>0</m:t>
+                              </m:r>
+                            </m:e>
+                            <m:e>
+                              <m:r>
+                                <a:rPr lang="en-US" i="1">
+                                  <a:latin typeface="Cambria Math" panose="02040503050406030204" pitchFamily="18" charset="0"/>
+                                </a:rPr>
+                                <m:t>1</m:t>
+                              </m:r>
+                            </m:e>
+                          </m:mr>
+                        </m:m>
+                      </m:e>
+                    </m:d>
+                    <m:r>
+                      <a:rPr lang="en-US" b="0" i="1" smtClean="0">
+                        <a:latin typeface="Cambria Math" panose="02040503050406030204" pitchFamily="18" charset="0"/>
+                      </a:rPr>
+                      <m:t> .</m:t>
+                    </m:r>
+                  </m:oMath>
+                </a14:m>
+                <a:endParaRPr lang="en-US" dirty="0"/>
+              </a:p>
+              <a:p>
+                <a:r>
+                  <a:rPr lang="en-US" dirty="0"/>
+                  <a:t>Even if this theory only predicts whether an result is possible or impossible, we can use the above matrices to construct a circuit solving UNIQUE-SAT efficiently.</a:t>
+                </a:r>
+              </a:p>
+              <a:p>
+                <a:endParaRPr lang="en-US" dirty="0"/>
+              </a:p>
+            </p:txBody>
+          </p:sp>
+        </mc:Choice>
+        <mc:Fallback>
+          <p:sp>
+            <p:nvSpPr>
+              <p:cNvPr id="3" name="Content Placeholder 2">
+                <a:extLst>
+                  <a:ext uri="{FF2B5EF4-FFF2-40B4-BE49-F238E27FC236}">
+                    <a16:creationId xmlns:a16="http://schemas.microsoft.com/office/drawing/2014/main" id="{ED8DD34C-E734-403C-991E-4B057DC1F74F}"/>
+                  </a:ext>
+                </a:extLst>
+              </p:cNvPr>
+              <p:cNvSpPr>
+                <a:spLocks noGrp="1" noRot="1" noChangeAspect="1" noMove="1" noResize="1" noEditPoints="1" noAdjustHandles="1" noChangeArrowheads="1" noChangeShapeType="1" noTextEdit="1"/>
+              </p:cNvSpPr>
+              <p:nvPr>
+                <p:ph idx="1"/>
+              </p:nvPr>
+            </p:nvSpPr>
+            <p:spPr>
+              <a:blipFill>
+                <a:blip r:embed="rId2"/>
+                <a:stretch>
+                  <a:fillRect l="-1043" t="-2241"/>
+                </a:stretch>
+              </a:blipFill>
+            </p:spPr>
+            <p:txBody>
+              <a:bodyPr/>
+              <a:lstStyle/>
+              <a:p>
+                <a:r>
+                  <a:rPr lang="en-US">
+                    <a:noFill/>
+                  </a:rPr>
+                  <a:t> </a:t>
+                </a:r>
+              </a:p>
+            </p:txBody>
+          </p:sp>
+        </mc:Fallback>
+      </mc:AlternateContent>
+    </p:spTree>
+    <p:extLst>
+      <p:ext uri="{BB962C8B-B14F-4D97-AF65-F5344CB8AC3E}">
+        <p14:creationId xmlns:p14="http://schemas.microsoft.com/office/powerpoint/2010/main" val="1054978091"/>
+      </p:ext>
+    </p:extLst>
+  </p:cSld>
+  <p:clrMapOvr>
+    <a:masterClrMapping/>
+  </p:clrMapOvr>
+</p:sld>
+</file>
+
+<file path=ppt/slides/slide19.xml><?xml version="1.0" encoding="utf-8"?>
+<p:sld xmlns:a="http://schemas.openxmlformats.org/drawingml/2006/main" xmlns:r="http://schemas.openxmlformats.org/officeDocument/2006/relationships" xmlns:p="http://schemas.openxmlformats.org/presentationml/2006/main">
+  <p:cSld>
+    <p:spTree>
+      <p:nvGrpSpPr>
+        <p:cNvPr id="1" name=""/>
+        <p:cNvGrpSpPr/>
+        <p:nvPr/>
+      </p:nvGrpSpPr>
+      <p:grpSpPr>
+        <a:xfrm>
+          <a:off x="0" y="0"/>
+          <a:ext cx="0" cy="0"/>
+          <a:chOff x="0" y="0"/>
+          <a:chExt cx="0" cy="0"/>
+        </a:xfrm>
+      </p:grpSpPr>
+      <p:sp>
+        <p:nvSpPr>
+          <p:cNvPr id="2" name="Title 1">
+            <a:extLst>
+              <a:ext uri="{FF2B5EF4-FFF2-40B4-BE49-F238E27FC236}">
+                <a16:creationId xmlns:a16="http://schemas.microsoft.com/office/drawing/2014/main" id="{36E492C6-58D9-4F5F-833E-5F3043265A4C}"/>
+              </a:ext>
+            </a:extLst>
+          </p:cNvPr>
+          <p:cNvSpPr>
+            <a:spLocks noGrp="1"/>
+          </p:cNvSpPr>
+          <p:nvPr>
+            <p:ph type="title"/>
+          </p:nvPr>
+        </p:nvSpPr>
+        <p:spPr/>
+        <p:txBody>
+          <a:bodyPr>
+            <a:normAutofit/>
+          </a:bodyPr>
+          <a:lstStyle/>
+          <a:p>
+            <a:r>
+              <a:rPr lang="en-US" dirty="0"/>
+              <a:t>Discrete Quantum Theory I</a:t>
+            </a:r>
+          </a:p>
+        </p:txBody>
+      </p:sp>
+      <mc:AlternateContent xmlns:mc="http://schemas.openxmlformats.org/markup-compatibility/2006">
+        <mc:Choice xmlns:a14="http://schemas.microsoft.com/office/drawing/2010/main" Requires="a14">
+          <p:sp>
+            <p:nvSpPr>
+              <p:cNvPr id="3" name="Content Placeholder 2">
+                <a:extLst>
+                  <a:ext uri="{FF2B5EF4-FFF2-40B4-BE49-F238E27FC236}">
+                    <a16:creationId xmlns:a16="http://schemas.microsoft.com/office/drawing/2014/main" id="{5E2BCD86-1876-43EC-BE7B-DCC3FB19F9EE}"/>
+                  </a:ext>
+                </a:extLst>
+              </p:cNvPr>
+              <p:cNvSpPr>
+                <a:spLocks noGrp="1"/>
+              </p:cNvSpPr>
+              <p:nvPr>
+                <p:ph idx="1"/>
+              </p:nvPr>
+            </p:nvSpPr>
+            <p:spPr/>
+            <p:txBody>
+              <a:bodyPr>
+                <a:normAutofit fontScale="92500" lnSpcReduction="10000"/>
+              </a:bodyPr>
+              <a:lstStyle/>
+              <a:p>
+                <a:r>
+                  <a:rPr lang="en-US" dirty="0"/>
+                  <a:t>Replace Complex Numbers by </a:t>
+                </a:r>
+                <a14:m>
+                  <m:oMath xmlns:m="http://schemas.openxmlformats.org/officeDocument/2006/math">
+                    <m:sSub>
+                      <m:sSubPr>
+                        <m:ctrlPr>
+                          <a:rPr lang="en-US" i="1">
+                            <a:latin typeface="Cambria Math" panose="02040503050406030204" pitchFamily="18" charset="0"/>
+                          </a:rPr>
+                        </m:ctrlPr>
+                      </m:sSubPr>
+                      <m:e>
+                        <m:r>
+                          <a:rPr lang="en-US" i="1">
+                            <a:latin typeface="Cambria Math" panose="02040503050406030204" pitchFamily="18" charset="0"/>
+                          </a:rPr>
+                          <m:t>𝔽</m:t>
+                        </m:r>
+                      </m:e>
+                      <m:sub>
+                        <m:sSup>
+                          <m:sSupPr>
+                            <m:ctrlPr>
+                              <a:rPr lang="en-US" b="0" i="1" smtClean="0">
+                                <a:latin typeface="Cambria Math" panose="02040503050406030204" pitchFamily="18" charset="0"/>
+                              </a:rPr>
+                            </m:ctrlPr>
+                          </m:sSupPr>
+                          <m:e>
+                            <m:r>
+                              <a:rPr lang="en-US" b="0" i="1" smtClean="0">
+                                <a:latin typeface="Cambria Math" panose="02040503050406030204" pitchFamily="18" charset="0"/>
+                              </a:rPr>
+                              <m:t>𝑝</m:t>
+                            </m:r>
+                          </m:e>
+                          <m:sup>
+                            <m:r>
+                              <a:rPr lang="en-US" b="0" i="1" smtClean="0">
+                                <a:latin typeface="Cambria Math" panose="02040503050406030204" pitchFamily="18" charset="0"/>
+                              </a:rPr>
+                              <m:t>2</m:t>
+                            </m:r>
+                          </m:sup>
+                        </m:sSup>
+                      </m:sub>
+                    </m:sSub>
+                    <m:r>
+                      <a:rPr lang="en-US" b="0" i="1" smtClean="0">
+                        <a:latin typeface="Cambria Math" panose="02040503050406030204" pitchFamily="18" charset="0"/>
+                      </a:rPr>
+                      <m:t>=</m:t>
+                    </m:r>
+                    <m:d>
+                      <m:dPr>
+                        <m:begChr m:val="{"/>
+                        <m:endChr m:val="}"/>
+                        <m:ctrlPr>
+                          <a:rPr lang="en-US" b="0" i="1" smtClean="0">
+                            <a:latin typeface="Cambria Math" panose="02040503050406030204" pitchFamily="18" charset="0"/>
+                          </a:rPr>
+                        </m:ctrlPr>
+                      </m:dPr>
+                      <m:e>
+                        <m:r>
+                          <a:rPr lang="en-US" b="0" i="1" smtClean="0">
+                            <a:latin typeface="Cambria Math" panose="02040503050406030204" pitchFamily="18" charset="0"/>
+                          </a:rPr>
+                          <m:t>𝑎</m:t>
+                        </m:r>
+                        <m:r>
+                          <a:rPr lang="en-US" b="0" i="1" smtClean="0">
+                            <a:latin typeface="Cambria Math" panose="02040503050406030204" pitchFamily="18" charset="0"/>
+                          </a:rPr>
+                          <m:t>+</m:t>
+                        </m:r>
+                        <m:r>
+                          <a:rPr lang="en-US" b="0" i="1" smtClean="0">
+                            <a:latin typeface="Cambria Math" panose="02040503050406030204" pitchFamily="18" charset="0"/>
+                          </a:rPr>
+                          <m:t>𝑏</m:t>
+                        </m:r>
+                        <m:r>
+                          <a:rPr lang="en-US" i="1">
+                            <a:latin typeface="Cambria Math" panose="02040503050406030204" pitchFamily="18" charset="0"/>
+                            <a:ea typeface="Cambria Math" panose="02040503050406030204" pitchFamily="18" charset="0"/>
+                          </a:rPr>
+                          <m:t>𝕚</m:t>
+                        </m:r>
+                      </m:e>
+                      <m:e>
+                        <m:r>
+                          <a:rPr lang="en-US" b="0" i="1" smtClean="0">
+                            <a:latin typeface="Cambria Math" panose="02040503050406030204" pitchFamily="18" charset="0"/>
+                          </a:rPr>
+                          <m:t>𝑎</m:t>
+                        </m:r>
+                        <m:r>
+                          <a:rPr lang="en-US" b="0" i="1" smtClean="0">
+                            <a:latin typeface="Cambria Math" panose="02040503050406030204" pitchFamily="18" charset="0"/>
+                          </a:rPr>
+                          <m:t>,</m:t>
+                        </m:r>
+                        <m:r>
+                          <a:rPr lang="en-US" b="0" i="1" smtClean="0">
+                            <a:latin typeface="Cambria Math" panose="02040503050406030204" pitchFamily="18" charset="0"/>
+                          </a:rPr>
+                          <m:t>𝑏</m:t>
+                        </m:r>
+                        <m:r>
+                          <a:rPr lang="en-US" b="0" i="1" smtClean="0">
+                            <a:latin typeface="Cambria Math" panose="02040503050406030204" pitchFamily="18" charset="0"/>
+                          </a:rPr>
+                          <m:t>∈</m:t>
+                        </m:r>
+                        <m:sSub>
+                          <m:sSubPr>
+                            <m:ctrlPr>
+                              <a:rPr lang="en-US" i="1">
+                                <a:latin typeface="Cambria Math" panose="02040503050406030204" pitchFamily="18" charset="0"/>
+                              </a:rPr>
+                            </m:ctrlPr>
+                          </m:sSubPr>
+                          <m:e>
+                            <m:r>
+                              <a:rPr lang="en-US" i="1">
+                                <a:latin typeface="Cambria Math" panose="02040503050406030204" pitchFamily="18" charset="0"/>
+                              </a:rPr>
+                              <m:t>𝔽</m:t>
+                            </m:r>
+                          </m:e>
+                          <m:sub>
+                            <m:sSup>
+                              <m:sSupPr>
+                                <m:ctrlPr>
+                                  <a:rPr lang="en-US" i="1">
+                                    <a:latin typeface="Cambria Math" panose="02040503050406030204" pitchFamily="18" charset="0"/>
+                                  </a:rPr>
+                                </m:ctrlPr>
+                              </m:sSupPr>
+                              <m:e>
+                                <m:r>
+                                  <a:rPr lang="en-US" i="1">
+                                    <a:latin typeface="Cambria Math" panose="02040503050406030204" pitchFamily="18" charset="0"/>
+                                  </a:rPr>
+                                  <m:t>𝑝</m:t>
+                                </m:r>
+                              </m:e>
+                              <m:sup>
+                                <m:r>
+                                  <a:rPr lang="en-US" i="1">
+                                    <a:latin typeface="Cambria Math" panose="02040503050406030204" pitchFamily="18" charset="0"/>
+                                  </a:rPr>
+                                  <m:t>2</m:t>
+                                </m:r>
+                              </m:sup>
+                            </m:sSup>
+                          </m:sub>
+                        </m:sSub>
+                      </m:e>
+                    </m:d>
+                  </m:oMath>
+                </a14:m>
+                <a:r>
+                  <a:rPr lang="en-US" dirty="0"/>
+                  <a:t>. </a:t>
+                </a:r>
+              </a:p>
+              <a:p>
+                <a:r>
+                  <a:rPr lang="en-US" dirty="0"/>
+                  <a:t>A pure state can be represented as a </a:t>
+                </a:r>
+                <a14:m>
+                  <m:oMath xmlns:m="http://schemas.openxmlformats.org/officeDocument/2006/math">
+                    <m:r>
+                      <a:rPr lang="en-US" i="1">
+                        <a:latin typeface="Cambria Math" panose="02040503050406030204" pitchFamily="18" charset="0"/>
+                      </a:rPr>
+                      <m:t>𝐷</m:t>
+                    </m:r>
+                  </m:oMath>
+                </a14:m>
+                <a:r>
+                  <a:rPr lang="en-US" dirty="0"/>
+                  <a:t>-dimensional vector, </a:t>
+                </a:r>
+                <a14:m>
+                  <m:oMath xmlns:m="http://schemas.openxmlformats.org/officeDocument/2006/math">
+                    <m:d>
+                      <m:dPr>
+                        <m:begChr m:val="|"/>
+                        <m:endChr m:val="⟩"/>
+                        <m:ctrlPr>
+                          <a:rPr lang="en-US" i="1">
+                            <a:latin typeface="Cambria Math" panose="02040503050406030204" pitchFamily="18" charset="0"/>
+                          </a:rPr>
+                        </m:ctrlPr>
+                      </m:dPr>
+                      <m:e>
+                        <m:r>
+                          <m:rPr>
+                            <m:sty m:val="p"/>
+                          </m:rPr>
+                          <a:rPr lang="en-US">
+                            <a:latin typeface="Cambria Math" panose="02040503050406030204" pitchFamily="18" charset="0"/>
+                          </a:rPr>
+                          <m:t>Ψ</m:t>
+                        </m:r>
+                      </m:e>
+                    </m:d>
+                    <m:r>
+                      <a:rPr lang="en-US" i="1">
+                        <a:latin typeface="Cambria Math" panose="02040503050406030204" pitchFamily="18" charset="0"/>
+                      </a:rPr>
+                      <m:t>=</m:t>
+                    </m:r>
+                    <m:nary>
+                      <m:naryPr>
+                        <m:chr m:val="∑"/>
+                        <m:ctrlPr>
+                          <a:rPr lang="en-US" i="1">
+                            <a:latin typeface="Cambria Math" panose="02040503050406030204" pitchFamily="18" charset="0"/>
+                          </a:rPr>
+                        </m:ctrlPr>
+                      </m:naryPr>
+                      <m:sub>
+                        <m:r>
+                          <m:rPr>
+                            <m:brk m:alnAt="23"/>
+                          </m:rPr>
+                          <a:rPr lang="en-US" i="1">
+                            <a:latin typeface="Cambria Math" panose="02040503050406030204" pitchFamily="18" charset="0"/>
+                          </a:rPr>
+                          <m:t>𝑖</m:t>
+                        </m:r>
+                        <m:r>
+                          <a:rPr lang="en-US" i="1">
+                            <a:latin typeface="Cambria Math" panose="02040503050406030204" pitchFamily="18" charset="0"/>
+                          </a:rPr>
+                          <m:t>=0</m:t>
+                        </m:r>
+                      </m:sub>
+                      <m:sup>
+                        <m:r>
+                          <a:rPr lang="en-US" i="1">
+                            <a:latin typeface="Cambria Math" panose="02040503050406030204" pitchFamily="18" charset="0"/>
+                          </a:rPr>
+                          <m:t>𝐷</m:t>
+                        </m:r>
+                        <m:r>
+                          <a:rPr lang="en-US" i="1">
+                            <a:latin typeface="Cambria Math" panose="02040503050406030204" pitchFamily="18" charset="0"/>
+                          </a:rPr>
+                          <m:t>−1</m:t>
+                        </m:r>
+                      </m:sup>
+                      <m:e>
+                        <m:sSub>
+                          <m:sSubPr>
+                            <m:ctrlPr>
+                              <a:rPr lang="en-US" i="1">
+                                <a:latin typeface="Cambria Math" panose="02040503050406030204" pitchFamily="18" charset="0"/>
+                              </a:rPr>
+                            </m:ctrlPr>
+                          </m:sSubPr>
+                          <m:e>
+                            <m:r>
+                              <a:rPr lang="en-US" i="1">
+                                <a:latin typeface="Cambria Math" panose="02040503050406030204" pitchFamily="18" charset="0"/>
+                              </a:rPr>
+                              <m:t>𝛼</m:t>
+                            </m:r>
+                          </m:e>
+                          <m:sub>
+                            <m:r>
+                              <a:rPr lang="en-US" i="1">
+                                <a:latin typeface="Cambria Math" panose="02040503050406030204" pitchFamily="18" charset="0"/>
+                              </a:rPr>
+                              <m:t>𝑖</m:t>
+                            </m:r>
+                          </m:sub>
+                        </m:sSub>
+                        <m:d>
+                          <m:dPr>
+                            <m:begChr m:val="|"/>
+                            <m:endChr m:val="⟩"/>
+                            <m:ctrlPr>
+                              <a:rPr lang="en-US" i="1">
+                                <a:latin typeface="Cambria Math" panose="02040503050406030204" pitchFamily="18" charset="0"/>
+                              </a:rPr>
+                            </m:ctrlPr>
+                          </m:dPr>
+                          <m:e>
+                            <m:r>
+                              <a:rPr lang="en-US" i="1">
+                                <a:latin typeface="Cambria Math" panose="02040503050406030204" pitchFamily="18" charset="0"/>
+                              </a:rPr>
+                              <m:t>𝑖</m:t>
+                            </m:r>
+                          </m:e>
+                        </m:d>
+                      </m:e>
+                    </m:nary>
+                  </m:oMath>
+                </a14:m>
+                <a:r>
+                  <a:rPr lang="en-US" dirty="0"/>
+                  <a:t>, where </a:t>
+                </a:r>
+                <a14:m>
+                  <m:oMath xmlns:m="http://schemas.openxmlformats.org/officeDocument/2006/math">
+                    <m:d>
+                      <m:dPr>
+                        <m:begChr m:val="{"/>
+                        <m:endChr m:val="}"/>
+                        <m:ctrlPr>
+                          <a:rPr lang="en-US" i="1">
+                            <a:latin typeface="Cambria Math" panose="02040503050406030204" pitchFamily="18" charset="0"/>
+                          </a:rPr>
+                        </m:ctrlPr>
+                      </m:dPr>
+                      <m:e>
+                        <m:d>
+                          <m:dPr>
+                            <m:begChr m:val="|"/>
+                            <m:endChr m:val="⟩"/>
+                            <m:ctrlPr>
+                              <a:rPr lang="en-US" i="1">
+                                <a:latin typeface="Cambria Math" panose="02040503050406030204" pitchFamily="18" charset="0"/>
+                              </a:rPr>
+                            </m:ctrlPr>
+                          </m:dPr>
+                          <m:e>
+                            <m:r>
+                              <a:rPr lang="en-US" i="1">
+                                <a:latin typeface="Cambria Math" panose="02040503050406030204" pitchFamily="18" charset="0"/>
+                              </a:rPr>
+                              <m:t>0</m:t>
+                            </m:r>
+                          </m:e>
+                        </m:d>
+                        <m:r>
+                          <a:rPr lang="en-US" i="1">
+                            <a:latin typeface="Cambria Math" panose="02040503050406030204" pitchFamily="18" charset="0"/>
+                          </a:rPr>
+                          <m:t>,</m:t>
+                        </m:r>
+                        <m:d>
+                          <m:dPr>
+                            <m:begChr m:val="|"/>
+                            <m:endChr m:val="⟩"/>
+                            <m:ctrlPr>
+                              <a:rPr lang="en-US" i="1">
+                                <a:latin typeface="Cambria Math" panose="02040503050406030204" pitchFamily="18" charset="0"/>
+                              </a:rPr>
+                            </m:ctrlPr>
+                          </m:dPr>
+                          <m:e>
+                            <m:r>
+                              <a:rPr lang="en-US" i="1">
+                                <a:latin typeface="Cambria Math" panose="02040503050406030204" pitchFamily="18" charset="0"/>
+                              </a:rPr>
+                              <m:t>1</m:t>
+                            </m:r>
+                          </m:e>
+                        </m:d>
+                        <m:r>
+                          <a:rPr lang="en-US" i="1">
+                            <a:latin typeface="Cambria Math" panose="02040503050406030204" pitchFamily="18" charset="0"/>
+                          </a:rPr>
+                          <m:t>…,</m:t>
+                        </m:r>
+                        <m:d>
+                          <m:dPr>
+                            <m:begChr m:val="|"/>
+                            <m:endChr m:val="⟩"/>
+                            <m:ctrlPr>
+                              <a:rPr lang="en-US" i="1">
+                                <a:latin typeface="Cambria Math" panose="02040503050406030204" pitchFamily="18" charset="0"/>
+                              </a:rPr>
+                            </m:ctrlPr>
+                          </m:dPr>
+                          <m:e>
+                            <m:r>
+                              <a:rPr lang="en-US" i="1">
+                                <a:latin typeface="Cambria Math" panose="02040503050406030204" pitchFamily="18" charset="0"/>
+                              </a:rPr>
+                              <m:t>𝐷</m:t>
+                            </m:r>
+                            <m:r>
+                              <a:rPr lang="en-US" i="1">
+                                <a:latin typeface="Cambria Math" panose="02040503050406030204" pitchFamily="18" charset="0"/>
+                              </a:rPr>
+                              <m:t>−1</m:t>
+                            </m:r>
+                          </m:e>
+                        </m:d>
+                      </m:e>
+                    </m:d>
+                  </m:oMath>
+                </a14:m>
+                <a:r>
+                  <a:rPr lang="en-US" dirty="0"/>
+                  <a:t> form an orthonormal basis.</a:t>
+                </a:r>
+              </a:p>
+              <a:p>
+                <a:r>
+                  <a:rPr lang="en-US" dirty="0"/>
+                  <a:t>Given two states </a:t>
+                </a:r>
+                <a14:m>
+                  <m:oMath xmlns:m="http://schemas.openxmlformats.org/officeDocument/2006/math">
+                    <m:d>
+                      <m:dPr>
+                        <m:begChr m:val="|"/>
+                        <m:endChr m:val="⟩"/>
+                        <m:ctrlPr>
+                          <a:rPr lang="en-US" i="1">
+                            <a:latin typeface="Cambria Math" panose="02040503050406030204" pitchFamily="18" charset="0"/>
+                          </a:rPr>
+                        </m:ctrlPr>
+                      </m:dPr>
+                      <m:e>
+                        <m:r>
+                          <m:rPr>
+                            <m:sty m:val="p"/>
+                          </m:rPr>
+                          <a:rPr lang="en-US">
+                            <a:latin typeface="Cambria Math" panose="02040503050406030204" pitchFamily="18" charset="0"/>
+                          </a:rPr>
+                          <m:t>Ψ</m:t>
+                        </m:r>
+                      </m:e>
+                    </m:d>
+                    <m:r>
+                      <a:rPr lang="en-US" i="1">
+                        <a:latin typeface="Cambria Math" panose="02040503050406030204" pitchFamily="18" charset="0"/>
+                      </a:rPr>
+                      <m:t>=</m:t>
+                    </m:r>
+                    <m:nary>
+                      <m:naryPr>
+                        <m:chr m:val="∑"/>
+                        <m:ctrlPr>
+                          <a:rPr lang="en-US" i="1">
+                            <a:latin typeface="Cambria Math" panose="02040503050406030204" pitchFamily="18" charset="0"/>
+                          </a:rPr>
+                        </m:ctrlPr>
+                      </m:naryPr>
+                      <m:sub>
+                        <m:r>
+                          <m:rPr>
+                            <m:brk m:alnAt="23"/>
+                          </m:rPr>
+                          <a:rPr lang="en-US" i="1">
+                            <a:latin typeface="Cambria Math" panose="02040503050406030204" pitchFamily="18" charset="0"/>
+                          </a:rPr>
+                          <m:t>𝑖</m:t>
+                        </m:r>
+                        <m:r>
+                          <a:rPr lang="en-US" i="1">
+                            <a:latin typeface="Cambria Math" panose="02040503050406030204" pitchFamily="18" charset="0"/>
+                          </a:rPr>
+                          <m:t>=0</m:t>
+                        </m:r>
+                      </m:sub>
+                      <m:sup>
+                        <m:r>
+                          <a:rPr lang="en-US" i="1">
+                            <a:latin typeface="Cambria Math" panose="02040503050406030204" pitchFamily="18" charset="0"/>
+                          </a:rPr>
+                          <m:t>𝐷</m:t>
+                        </m:r>
+                        <m:r>
+                          <a:rPr lang="en-US" i="1">
+                            <a:latin typeface="Cambria Math" panose="02040503050406030204" pitchFamily="18" charset="0"/>
+                          </a:rPr>
+                          <m:t>−1</m:t>
+                        </m:r>
+                      </m:sup>
+                      <m:e>
+                        <m:sSub>
+                          <m:sSubPr>
+                            <m:ctrlPr>
+                              <a:rPr lang="en-US" i="1">
+                                <a:latin typeface="Cambria Math" panose="02040503050406030204" pitchFamily="18" charset="0"/>
+                              </a:rPr>
+                            </m:ctrlPr>
+                          </m:sSubPr>
+                          <m:e>
+                            <m:r>
+                              <a:rPr lang="en-US" i="1">
+                                <a:latin typeface="Cambria Math" panose="02040503050406030204" pitchFamily="18" charset="0"/>
+                              </a:rPr>
+                              <m:t>𝛼</m:t>
+                            </m:r>
+                          </m:e>
+                          <m:sub>
+                            <m:r>
+                              <a:rPr lang="en-US" i="1">
+                                <a:latin typeface="Cambria Math" panose="02040503050406030204" pitchFamily="18" charset="0"/>
+                              </a:rPr>
+                              <m:t>𝑖</m:t>
+                            </m:r>
+                          </m:sub>
+                        </m:sSub>
+                        <m:d>
+                          <m:dPr>
+                            <m:begChr m:val="|"/>
+                            <m:endChr m:val="⟩"/>
+                            <m:ctrlPr>
+                              <a:rPr lang="en-US" i="1">
+                                <a:latin typeface="Cambria Math" panose="02040503050406030204" pitchFamily="18" charset="0"/>
+                              </a:rPr>
+                            </m:ctrlPr>
+                          </m:dPr>
+                          <m:e>
+                            <m:r>
+                              <a:rPr lang="en-US" i="1">
+                                <a:latin typeface="Cambria Math" panose="02040503050406030204" pitchFamily="18" charset="0"/>
+                              </a:rPr>
+                              <m:t>𝑖</m:t>
+                            </m:r>
+                          </m:e>
+                        </m:d>
+                      </m:e>
+                    </m:nary>
+                  </m:oMath>
+                </a14:m>
+                <a:r>
+                  <a:rPr lang="en-US" dirty="0"/>
+                  <a:t> and </a:t>
+                </a:r>
+                <a14:m>
+                  <m:oMath xmlns:m="http://schemas.openxmlformats.org/officeDocument/2006/math">
+                    <m:d>
+                      <m:dPr>
+                        <m:begChr m:val="|"/>
+                        <m:endChr m:val="⟩"/>
+                        <m:ctrlPr>
+                          <a:rPr lang="en-US" i="1">
+                            <a:latin typeface="Cambria Math" panose="02040503050406030204" pitchFamily="18" charset="0"/>
+                          </a:rPr>
+                        </m:ctrlPr>
+                      </m:dPr>
+                      <m:e>
+                        <m:r>
+                          <m:rPr>
+                            <m:sty m:val="p"/>
+                          </m:rPr>
+                          <a:rPr lang="en-US">
+                            <a:latin typeface="Cambria Math" panose="02040503050406030204" pitchFamily="18" charset="0"/>
+                          </a:rPr>
+                          <m:t>Φ</m:t>
+                        </m:r>
+                      </m:e>
+                    </m:d>
+                    <m:r>
+                      <a:rPr lang="en-US" i="1">
+                        <a:latin typeface="Cambria Math" panose="02040503050406030204" pitchFamily="18" charset="0"/>
+                      </a:rPr>
+                      <m:t>=</m:t>
+                    </m:r>
+                    <m:nary>
+                      <m:naryPr>
+                        <m:chr m:val="∑"/>
+                        <m:ctrlPr>
+                          <a:rPr lang="en-US" i="1">
+                            <a:latin typeface="Cambria Math" panose="02040503050406030204" pitchFamily="18" charset="0"/>
+                          </a:rPr>
+                        </m:ctrlPr>
+                      </m:naryPr>
+                      <m:sub>
+                        <m:r>
+                          <m:rPr>
+                            <m:brk m:alnAt="23"/>
+                          </m:rPr>
+                          <a:rPr lang="en-US" i="1">
+                            <a:latin typeface="Cambria Math" panose="02040503050406030204" pitchFamily="18" charset="0"/>
+                          </a:rPr>
+                          <m:t>𝑖</m:t>
+                        </m:r>
+                        <m:r>
+                          <a:rPr lang="en-US" i="1">
+                            <a:latin typeface="Cambria Math" panose="02040503050406030204" pitchFamily="18" charset="0"/>
+                          </a:rPr>
+                          <m:t>=0</m:t>
+                        </m:r>
+                      </m:sub>
+                      <m:sup>
+                        <m:r>
+                          <a:rPr lang="en-US" i="1">
+                            <a:latin typeface="Cambria Math" panose="02040503050406030204" pitchFamily="18" charset="0"/>
+                          </a:rPr>
+                          <m:t>𝐷</m:t>
+                        </m:r>
+                        <m:r>
+                          <a:rPr lang="en-US" i="1">
+                            <a:latin typeface="Cambria Math" panose="02040503050406030204" pitchFamily="18" charset="0"/>
+                          </a:rPr>
+                          <m:t>−1</m:t>
+                        </m:r>
+                      </m:sup>
+                      <m:e>
+                        <m:sSub>
+                          <m:sSubPr>
+                            <m:ctrlPr>
+                              <a:rPr lang="en-US" i="1">
+                                <a:latin typeface="Cambria Math" panose="02040503050406030204" pitchFamily="18" charset="0"/>
+                              </a:rPr>
+                            </m:ctrlPr>
+                          </m:sSubPr>
+                          <m:e>
+                            <m:r>
+                              <a:rPr lang="en-US" i="1">
+                                <a:latin typeface="Cambria Math" panose="02040503050406030204" pitchFamily="18" charset="0"/>
+                              </a:rPr>
+                              <m:t>𝛽</m:t>
+                            </m:r>
+                          </m:e>
+                          <m:sub>
+                            <m:r>
+                              <a:rPr lang="en-US" i="1">
+                                <a:latin typeface="Cambria Math" panose="02040503050406030204" pitchFamily="18" charset="0"/>
+                              </a:rPr>
+                              <m:t>𝑖</m:t>
+                            </m:r>
+                          </m:sub>
+                        </m:sSub>
+                        <m:d>
+                          <m:dPr>
+                            <m:begChr m:val="|"/>
+                            <m:endChr m:val="⟩"/>
+                            <m:ctrlPr>
+                              <a:rPr lang="en-US" i="1">
+                                <a:latin typeface="Cambria Math" panose="02040503050406030204" pitchFamily="18" charset="0"/>
+                              </a:rPr>
+                            </m:ctrlPr>
+                          </m:dPr>
+                          <m:e>
+                            <m:r>
+                              <a:rPr lang="en-US" i="1">
+                                <a:latin typeface="Cambria Math" panose="02040503050406030204" pitchFamily="18" charset="0"/>
+                              </a:rPr>
+                              <m:t>𝑖</m:t>
+                            </m:r>
+                          </m:e>
+                        </m:d>
+                      </m:e>
+                    </m:nary>
+                  </m:oMath>
+                </a14:m>
+                <a:r>
+                  <a:rPr lang="en-US" dirty="0"/>
+                  <a:t>, their Hermitian dot product </a:t>
+                </a:r>
+                <a:br>
+                  <a:rPr lang="en-US" i="1" dirty="0">
+                    <a:latin typeface="Cambria Math" panose="02040503050406030204" pitchFamily="18" charset="0"/>
+                  </a:rPr>
+                </a:br>
+                <a14:m>
+                  <m:oMath xmlns:m="http://schemas.openxmlformats.org/officeDocument/2006/math">
+                    <m:d>
+                      <m:dPr>
+                        <m:begChr m:val="⟨"/>
+                        <m:endChr m:val="⟩"/>
+                        <m:ctrlPr>
+                          <a:rPr lang="en-US" i="1">
+                            <a:latin typeface="Cambria Math" panose="02040503050406030204" pitchFamily="18" charset="0"/>
+                          </a:rPr>
+                        </m:ctrlPr>
+                      </m:dPr>
+                      <m:e>
+                        <m:r>
+                          <m:rPr>
+                            <m:sty m:val="p"/>
+                          </m:rPr>
+                          <a:rPr lang="en-US">
+                            <a:latin typeface="Cambria Math" panose="02040503050406030204" pitchFamily="18" charset="0"/>
+                          </a:rPr>
+                          <m:t>Φ</m:t>
+                        </m:r>
+                      </m:e>
+                      <m:e>
+                        <m:r>
+                          <m:rPr>
+                            <m:sty m:val="p"/>
+                          </m:rPr>
+                          <a:rPr lang="en-US">
+                            <a:latin typeface="Cambria Math" panose="02040503050406030204" pitchFamily="18" charset="0"/>
+                          </a:rPr>
+                          <m:t>Ψ</m:t>
+                        </m:r>
+                      </m:e>
+                    </m:d>
+                    <m:r>
+                      <a:rPr lang="en-US" i="1">
+                        <a:latin typeface="Cambria Math" panose="02040503050406030204" pitchFamily="18" charset="0"/>
+                      </a:rPr>
+                      <m:t>=</m:t>
+                    </m:r>
+                    <m:nary>
+                      <m:naryPr>
+                        <m:chr m:val="∑"/>
+                        <m:ctrlPr>
+                          <a:rPr lang="en-US" i="1">
+                            <a:latin typeface="Cambria Math" panose="02040503050406030204" pitchFamily="18" charset="0"/>
+                          </a:rPr>
+                        </m:ctrlPr>
+                      </m:naryPr>
+                      <m:sub>
+                        <m:r>
+                          <m:rPr>
+                            <m:brk m:alnAt="23"/>
+                          </m:rPr>
+                          <a:rPr lang="en-US" i="1">
+                            <a:latin typeface="Cambria Math" panose="02040503050406030204" pitchFamily="18" charset="0"/>
+                          </a:rPr>
+                          <m:t>𝑖</m:t>
+                        </m:r>
+                        <m:r>
+                          <a:rPr lang="en-US" i="1">
+                            <a:latin typeface="Cambria Math" panose="02040503050406030204" pitchFamily="18" charset="0"/>
+                          </a:rPr>
+                          <m:t>=0</m:t>
+                        </m:r>
+                      </m:sub>
+                      <m:sup>
+                        <m:r>
+                          <a:rPr lang="en-US" i="1">
+                            <a:latin typeface="Cambria Math" panose="02040503050406030204" pitchFamily="18" charset="0"/>
+                          </a:rPr>
+                          <m:t>𝐷</m:t>
+                        </m:r>
+                        <m:r>
+                          <a:rPr lang="en-US" i="1">
+                            <a:latin typeface="Cambria Math" panose="02040503050406030204" pitchFamily="18" charset="0"/>
+                          </a:rPr>
+                          <m:t>−1</m:t>
+                        </m:r>
+                      </m:sup>
+                      <m:e>
+                        <m:sSubSup>
+                          <m:sSubSupPr>
+                            <m:ctrlPr>
+                              <a:rPr lang="en-US" i="1">
+                                <a:latin typeface="Cambria Math" panose="02040503050406030204" pitchFamily="18" charset="0"/>
+                              </a:rPr>
+                            </m:ctrlPr>
+                          </m:sSubSupPr>
+                          <m:e>
+                            <m:r>
+                              <a:rPr lang="en-US" i="1">
+                                <a:latin typeface="Cambria Math" panose="02040503050406030204" pitchFamily="18" charset="0"/>
+                              </a:rPr>
+                              <m:t>𝛽</m:t>
+                            </m:r>
+                          </m:e>
+                          <m:sub>
+                            <m:r>
+                              <a:rPr lang="en-US" i="1">
+                                <a:latin typeface="Cambria Math" panose="02040503050406030204" pitchFamily="18" charset="0"/>
+                              </a:rPr>
+                              <m:t>𝑖</m:t>
+                            </m:r>
+                          </m:sub>
+                          <m:sup>
+                            <m:r>
+                              <a:rPr lang="en-US" i="1">
+                                <a:latin typeface="Cambria Math" panose="02040503050406030204" pitchFamily="18" charset="0"/>
+                              </a:rPr>
+                              <m:t>∗</m:t>
+                            </m:r>
+                          </m:sup>
+                        </m:sSubSup>
+                        <m:sSub>
+                          <m:sSubPr>
+                            <m:ctrlPr>
+                              <a:rPr lang="en-US" i="1">
+                                <a:latin typeface="Cambria Math" panose="02040503050406030204" pitchFamily="18" charset="0"/>
+                              </a:rPr>
+                            </m:ctrlPr>
+                          </m:sSubPr>
+                          <m:e>
+                            <m:r>
+                              <a:rPr lang="en-US" i="1">
+                                <a:latin typeface="Cambria Math" panose="02040503050406030204" pitchFamily="18" charset="0"/>
+                              </a:rPr>
+                              <m:t>𝛼</m:t>
+                            </m:r>
+                          </m:e>
+                          <m:sub>
+                            <m:r>
+                              <a:rPr lang="en-US" i="1">
+                                <a:latin typeface="Cambria Math" panose="02040503050406030204" pitchFamily="18" charset="0"/>
+                              </a:rPr>
+                              <m:t>𝑖</m:t>
+                            </m:r>
+                          </m:sub>
+                        </m:sSub>
+                      </m:e>
+                    </m:nary>
+                  </m:oMath>
+                </a14:m>
+                <a:endParaRPr lang="en-US" dirty="0"/>
+              </a:p>
+              <a:p>
+                <a:r>
+                  <a:rPr lang="en-US" dirty="0"/>
+                  <a:t>Although the Hermitian dot product looks  familiar, it doesn’t have positive definite.</a:t>
+                </a:r>
+              </a:p>
+              <a:p>
+                <a:r>
+                  <a:rPr lang="en-US" dirty="0"/>
+                  <a:t>This theory only predicts whether an result is possible or impossible.</a:t>
+                </a:r>
+              </a:p>
+              <a:p>
+                <a:endParaRPr lang="en-US" dirty="0"/>
+              </a:p>
+            </p:txBody>
+          </p:sp>
+        </mc:Choice>
+        <mc:Fallback>
+          <p:sp>
+            <p:nvSpPr>
+              <p:cNvPr id="3" name="Content Placeholder 2">
+                <a:extLst>
+                  <a:ext uri="{FF2B5EF4-FFF2-40B4-BE49-F238E27FC236}">
+                    <a16:creationId xmlns:a16="http://schemas.microsoft.com/office/drawing/2014/main" id="{5E2BCD86-1876-43EC-BE7B-DCC3FB19F9EE}"/>
+                  </a:ext>
+                </a:extLst>
+              </p:cNvPr>
+              <p:cNvSpPr>
+                <a:spLocks noGrp="1" noRot="1" noChangeAspect="1" noMove="1" noResize="1" noEditPoints="1" noAdjustHandles="1" noChangeArrowheads="1" noChangeShapeType="1" noTextEdit="1"/>
+              </p:cNvSpPr>
+              <p:nvPr>
+                <p:ph idx="1"/>
+              </p:nvPr>
+            </p:nvSpPr>
+            <p:spPr>
+              <a:blipFill>
+                <a:blip r:embed="rId2"/>
+                <a:stretch>
+                  <a:fillRect l="-928" t="-2101" r="-812"/>
+                </a:stretch>
+              </a:blipFill>
+            </p:spPr>
+            <p:txBody>
+              <a:bodyPr/>
+              <a:lstStyle/>
+              <a:p>
+                <a:r>
+                  <a:rPr lang="en-US">
+                    <a:noFill/>
+                  </a:rPr>
+                  <a:t> </a:t>
+                </a:r>
+              </a:p>
+            </p:txBody>
+          </p:sp>
+        </mc:Fallback>
+      </mc:AlternateContent>
+    </p:spTree>
+    <p:extLst>
+      <p:ext uri="{BB962C8B-B14F-4D97-AF65-F5344CB8AC3E}">
+        <p14:creationId xmlns:p14="http://schemas.microsoft.com/office/powerpoint/2010/main" val="1654329025"/>
       </p:ext>
     </p:extLst>
   </p:cSld>
@@ -10362,6 +12760,858 @@
     <p:extLst>
       <p:ext uri="{BB962C8B-B14F-4D97-AF65-F5344CB8AC3E}">
         <p14:creationId xmlns:p14="http://schemas.microsoft.com/office/powerpoint/2010/main" val="1278134303"/>
+      </p:ext>
+    </p:extLst>
+  </p:cSld>
+  <p:clrMapOvr>
+    <a:masterClrMapping/>
+  </p:clrMapOvr>
+</p:sld>
+</file>
+
+<file path=ppt/slides/slide20.xml><?xml version="1.0" encoding="utf-8"?>
+<p:sld xmlns:a="http://schemas.openxmlformats.org/drawingml/2006/main" xmlns:r="http://schemas.openxmlformats.org/officeDocument/2006/relationships" xmlns:p="http://schemas.openxmlformats.org/presentationml/2006/main">
+  <p:cSld>
+    <p:spTree>
+      <p:nvGrpSpPr>
+        <p:cNvPr id="1" name=""/>
+        <p:cNvGrpSpPr/>
+        <p:nvPr/>
+      </p:nvGrpSpPr>
+      <p:grpSpPr>
+        <a:xfrm>
+          <a:off x="0" y="0"/>
+          <a:ext cx="0" cy="0"/>
+          <a:chOff x="0" y="0"/>
+          <a:chExt cx="0" cy="0"/>
+        </a:xfrm>
+      </p:grpSpPr>
+      <p:sp>
+        <p:nvSpPr>
+          <p:cNvPr id="2" name="Title 1">
+            <a:extLst>
+              <a:ext uri="{FF2B5EF4-FFF2-40B4-BE49-F238E27FC236}">
+                <a16:creationId xmlns:a16="http://schemas.microsoft.com/office/drawing/2014/main" id="{36E492C6-58D9-4F5F-833E-5F3043265A4C}"/>
+              </a:ext>
+            </a:extLst>
+          </p:cNvPr>
+          <p:cNvSpPr>
+            <a:spLocks noGrp="1"/>
+          </p:cNvSpPr>
+          <p:nvPr>
+            <p:ph type="title"/>
+          </p:nvPr>
+        </p:nvSpPr>
+        <p:spPr/>
+        <p:txBody>
+          <a:bodyPr>
+            <a:normAutofit/>
+          </a:bodyPr>
+          <a:lstStyle/>
+          <a:p>
+            <a:r>
+              <a:rPr lang="en-US" dirty="0"/>
+              <a:t>Discrete Quantum Theory I</a:t>
+            </a:r>
+            <a:br>
+              <a:rPr lang="en-US" dirty="0"/>
+            </a:br>
+            <a:r>
+              <a:rPr lang="en-US" dirty="0"/>
+              <a:t>State Counting</a:t>
+            </a:r>
+          </a:p>
+        </p:txBody>
+      </p:sp>
+      <mc:AlternateContent xmlns:mc="http://schemas.openxmlformats.org/markup-compatibility/2006">
+        <mc:Choice xmlns:a14="http://schemas.microsoft.com/office/drawing/2010/main" Requires="a14">
+          <p:sp>
+            <p:nvSpPr>
+              <p:cNvPr id="3" name="Content Placeholder 2">
+                <a:extLst>
+                  <a:ext uri="{FF2B5EF4-FFF2-40B4-BE49-F238E27FC236}">
+                    <a16:creationId xmlns:a16="http://schemas.microsoft.com/office/drawing/2014/main" id="{5E2BCD86-1876-43EC-BE7B-DCC3FB19F9EE}"/>
+                  </a:ext>
+                </a:extLst>
+              </p:cNvPr>
+              <p:cNvSpPr>
+                <a:spLocks noGrp="1"/>
+              </p:cNvSpPr>
+              <p:nvPr>
+                <p:ph idx="1"/>
+              </p:nvPr>
+            </p:nvSpPr>
+            <p:spPr/>
+            <p:txBody>
+              <a:bodyPr>
+                <a:normAutofit/>
+              </a:bodyPr>
+              <a:lstStyle/>
+              <a:p>
+                <a:r>
+                  <a:rPr lang="en-US" dirty="0"/>
+                  <a:t>The total count of unique irreducible state in </a:t>
+                </a:r>
+                <a14:m>
+                  <m:oMath xmlns:m="http://schemas.openxmlformats.org/officeDocument/2006/math">
+                    <m:r>
+                      <a:rPr lang="en-US" b="0" i="1" smtClean="0">
+                        <a:latin typeface="Cambria Math" panose="02040503050406030204" pitchFamily="18" charset="0"/>
+                      </a:rPr>
+                      <m:t>𝐷</m:t>
+                    </m:r>
+                  </m:oMath>
+                </a14:m>
+                <a:r>
+                  <a:rPr lang="en-US" dirty="0"/>
+                  <a:t>-dimensional space is </a:t>
+                </a:r>
+                <a:br>
+                  <a:rPr lang="en-US" b="0" i="1" dirty="0">
+                    <a:latin typeface="Cambria Math" panose="02040503050406030204" pitchFamily="18" charset="0"/>
+                  </a:rPr>
+                </a:br>
+                <a14:m>
+                  <m:oMath xmlns:m="http://schemas.openxmlformats.org/officeDocument/2006/math">
+                    <m:f>
+                      <m:fPr>
+                        <m:ctrlPr>
+                          <a:rPr lang="en-US" b="0" i="1" smtClean="0">
+                            <a:latin typeface="Cambria Math" panose="02040503050406030204" pitchFamily="18" charset="0"/>
+                          </a:rPr>
+                        </m:ctrlPr>
+                      </m:fPr>
+                      <m:num>
+                        <m:sSup>
+                          <m:sSupPr>
+                            <m:ctrlPr>
+                              <a:rPr lang="en-US" b="0" i="1" smtClean="0">
+                                <a:latin typeface="Cambria Math" panose="02040503050406030204" pitchFamily="18" charset="0"/>
+                              </a:rPr>
+                            </m:ctrlPr>
+                          </m:sSupPr>
+                          <m:e>
+                            <m:r>
+                              <a:rPr lang="en-US" b="0" i="1" smtClean="0">
+                                <a:latin typeface="Cambria Math" panose="02040503050406030204" pitchFamily="18" charset="0"/>
+                              </a:rPr>
+                              <m:t>𝑝</m:t>
+                            </m:r>
+                          </m:e>
+                          <m:sup>
+                            <m:r>
+                              <a:rPr lang="en-US" b="0" i="1" smtClean="0">
+                                <a:latin typeface="Cambria Math" panose="02040503050406030204" pitchFamily="18" charset="0"/>
+                              </a:rPr>
+                              <m:t>𝐷</m:t>
+                            </m:r>
+                          </m:sup>
+                        </m:sSup>
+                        <m:d>
+                          <m:dPr>
+                            <m:ctrlPr>
+                              <a:rPr lang="en-US" b="0" i="1" smtClean="0">
+                                <a:latin typeface="Cambria Math" panose="02040503050406030204" pitchFamily="18" charset="0"/>
+                              </a:rPr>
+                            </m:ctrlPr>
+                          </m:dPr>
+                          <m:e>
+                            <m:sSup>
+                              <m:sSupPr>
+                                <m:ctrlPr>
+                                  <a:rPr lang="en-US" b="0" i="1" smtClean="0">
+                                    <a:latin typeface="Cambria Math" panose="02040503050406030204" pitchFamily="18" charset="0"/>
+                                  </a:rPr>
+                                </m:ctrlPr>
+                              </m:sSupPr>
+                              <m:e>
+                                <m:r>
+                                  <a:rPr lang="en-US" b="0" i="1" smtClean="0">
+                                    <a:latin typeface="Cambria Math" panose="02040503050406030204" pitchFamily="18" charset="0"/>
+                                  </a:rPr>
+                                  <m:t>𝑝</m:t>
+                                </m:r>
+                              </m:e>
+                              <m:sup>
+                                <m:r>
+                                  <a:rPr lang="en-US" b="0" i="1" smtClean="0">
+                                    <a:latin typeface="Cambria Math" panose="02040503050406030204" pitchFamily="18" charset="0"/>
+                                  </a:rPr>
+                                  <m:t>𝐷</m:t>
+                                </m:r>
+                              </m:sup>
+                            </m:sSup>
+                            <m:r>
+                              <a:rPr lang="en-US" b="0" i="1" smtClean="0">
+                                <a:latin typeface="Cambria Math" panose="02040503050406030204" pitchFamily="18" charset="0"/>
+                              </a:rPr>
+                              <m:t>−</m:t>
+                            </m:r>
+                            <m:sSup>
+                              <m:sSupPr>
+                                <m:ctrlPr>
+                                  <a:rPr lang="en-US" b="0" i="1" smtClean="0">
+                                    <a:latin typeface="Cambria Math" panose="02040503050406030204" pitchFamily="18" charset="0"/>
+                                  </a:rPr>
+                                </m:ctrlPr>
+                              </m:sSupPr>
+                              <m:e>
+                                <m:d>
+                                  <m:dPr>
+                                    <m:ctrlPr>
+                                      <a:rPr lang="en-US" b="0" i="1" smtClean="0">
+                                        <a:latin typeface="Cambria Math" panose="02040503050406030204" pitchFamily="18" charset="0"/>
+                                      </a:rPr>
+                                    </m:ctrlPr>
+                                  </m:dPr>
+                                  <m:e>
+                                    <m:r>
+                                      <a:rPr lang="en-US" b="0" i="1" smtClean="0">
+                                        <a:latin typeface="Cambria Math" panose="02040503050406030204" pitchFamily="18" charset="0"/>
+                                      </a:rPr>
+                                      <m:t>−1</m:t>
+                                    </m:r>
+                                  </m:e>
+                                </m:d>
+                              </m:e>
+                              <m:sup>
+                                <m:r>
+                                  <a:rPr lang="en-US" b="0" i="1" smtClean="0">
+                                    <a:latin typeface="Cambria Math" panose="02040503050406030204" pitchFamily="18" charset="0"/>
+                                  </a:rPr>
+                                  <m:t>𝐷</m:t>
+                                </m:r>
+                              </m:sup>
+                            </m:sSup>
+                          </m:e>
+                        </m:d>
+                      </m:num>
+                      <m:den>
+                        <m:r>
+                          <a:rPr lang="en-US" b="0" i="1" smtClean="0">
+                            <a:latin typeface="Cambria Math" panose="02040503050406030204" pitchFamily="18" charset="0"/>
+                          </a:rPr>
+                          <m:t>𝑝</m:t>
+                        </m:r>
+                        <m:r>
+                          <a:rPr lang="en-US" b="0" i="1" smtClean="0">
+                            <a:latin typeface="Cambria Math" panose="02040503050406030204" pitchFamily="18" charset="0"/>
+                          </a:rPr>
+                          <m:t>+1</m:t>
+                        </m:r>
+                      </m:den>
+                    </m:f>
+                    <m:r>
+                      <a:rPr lang="en-US" b="0" i="1" smtClean="0">
+                        <a:latin typeface="Cambria Math" panose="02040503050406030204" pitchFamily="18" charset="0"/>
+                      </a:rPr>
+                      <m:t> .</m:t>
+                    </m:r>
+                  </m:oMath>
+                </a14:m>
+                <a:endParaRPr lang="en-US" dirty="0"/>
+              </a:p>
+              <a:p>
+                <a:r>
+                  <a:rPr lang="en-US" dirty="0"/>
+                  <a:t>For </a:t>
+                </a:r>
+                <a14:m>
+                  <m:oMath xmlns:m="http://schemas.openxmlformats.org/officeDocument/2006/math">
+                    <m:r>
+                      <a:rPr lang="en-US" b="0" i="1" smtClean="0">
+                        <a:latin typeface="Cambria Math" panose="02040503050406030204" pitchFamily="18" charset="0"/>
+                      </a:rPr>
+                      <m:t>𝑛</m:t>
+                    </m:r>
+                  </m:oMath>
+                </a14:m>
+                <a:r>
+                  <a:rPr lang="en-US" dirty="0"/>
+                  <a:t>-qubit system, the number of product state is </a:t>
+                </a:r>
+                <a14:m>
+                  <m:oMath xmlns:m="http://schemas.openxmlformats.org/officeDocument/2006/math">
+                    <m:sSup>
+                      <m:sSupPr>
+                        <m:ctrlPr>
+                          <a:rPr lang="en-US" b="0" i="1" smtClean="0">
+                            <a:latin typeface="Cambria Math" panose="02040503050406030204" pitchFamily="18" charset="0"/>
+                          </a:rPr>
+                        </m:ctrlPr>
+                      </m:sSupPr>
+                      <m:e>
+                        <m:r>
+                          <a:rPr lang="en-US" b="0" i="1" smtClean="0">
+                            <a:latin typeface="Cambria Math" panose="02040503050406030204" pitchFamily="18" charset="0"/>
+                          </a:rPr>
+                          <m:t>𝑝</m:t>
+                        </m:r>
+                      </m:e>
+                      <m:sup>
+                        <m:r>
+                          <a:rPr lang="en-US" b="0" i="1" smtClean="0">
+                            <a:latin typeface="Cambria Math" panose="02040503050406030204" pitchFamily="18" charset="0"/>
+                          </a:rPr>
+                          <m:t>𝑛</m:t>
+                        </m:r>
+                      </m:sup>
+                    </m:sSup>
+                    <m:sSup>
+                      <m:sSupPr>
+                        <m:ctrlPr>
+                          <a:rPr lang="en-US" b="0" i="1" smtClean="0">
+                            <a:latin typeface="Cambria Math" panose="02040503050406030204" pitchFamily="18" charset="0"/>
+                          </a:rPr>
+                        </m:ctrlPr>
+                      </m:sSupPr>
+                      <m:e>
+                        <m:d>
+                          <m:dPr>
+                            <m:ctrlPr>
+                              <a:rPr lang="en-US" b="0" i="1" smtClean="0">
+                                <a:latin typeface="Cambria Math" panose="02040503050406030204" pitchFamily="18" charset="0"/>
+                              </a:rPr>
+                            </m:ctrlPr>
+                          </m:dPr>
+                          <m:e>
+                            <m:r>
+                              <a:rPr lang="en-US" b="0" i="1" smtClean="0">
+                                <a:latin typeface="Cambria Math" panose="02040503050406030204" pitchFamily="18" charset="0"/>
+                              </a:rPr>
+                              <m:t>𝑝</m:t>
+                            </m:r>
+                            <m:r>
+                              <a:rPr lang="en-US" b="0" i="1" smtClean="0">
+                                <a:latin typeface="Cambria Math" panose="02040503050406030204" pitchFamily="18" charset="0"/>
+                              </a:rPr>
+                              <m:t>−1</m:t>
+                            </m:r>
+                          </m:e>
+                        </m:d>
+                      </m:e>
+                      <m:sup>
+                        <m:r>
+                          <a:rPr lang="en-US" b="0" i="1" smtClean="0">
+                            <a:latin typeface="Cambria Math" panose="02040503050406030204" pitchFamily="18" charset="0"/>
+                          </a:rPr>
+                          <m:t>𝑛</m:t>
+                        </m:r>
+                      </m:sup>
+                    </m:sSup>
+                  </m:oMath>
+                </a14:m>
+                <a:r>
+                  <a:rPr lang="en-US" dirty="0"/>
+                  <a:t>.</a:t>
+                </a:r>
+              </a:p>
+              <a:p>
+                <a:r>
+                  <a:rPr lang="en-US" dirty="0"/>
+                  <a:t>The maximal entangled state is defined to satisfy</a:t>
+                </a:r>
+                <a:br>
+                  <a:rPr lang="en-US" dirty="0"/>
+                </a:br>
+                <a14:m>
+                  <m:oMath xmlns:m="http://schemas.openxmlformats.org/officeDocument/2006/math">
+                    <m:r>
+                      <a:rPr lang="en-US" b="0" i="1" smtClean="0">
+                        <a:latin typeface="Cambria Math" panose="02040503050406030204" pitchFamily="18" charset="0"/>
+                      </a:rPr>
+                      <m:t>∀</m:t>
+                    </m:r>
+                    <m:r>
+                      <a:rPr lang="en-US" b="0" i="1" smtClean="0">
+                        <a:latin typeface="Cambria Math" panose="02040503050406030204" pitchFamily="18" charset="0"/>
+                      </a:rPr>
+                      <m:t>𝑗</m:t>
+                    </m:r>
+                    <m:r>
+                      <a:rPr lang="en-US" b="0" i="1" smtClean="0">
+                        <a:latin typeface="Cambria Math" panose="02040503050406030204" pitchFamily="18" charset="0"/>
+                      </a:rPr>
+                      <m:t>, ∀</m:t>
+                    </m:r>
+                    <m:r>
+                      <a:rPr lang="en-US" b="0" i="1" smtClean="0">
+                        <a:latin typeface="Cambria Math" panose="02040503050406030204" pitchFamily="18" charset="0"/>
+                      </a:rPr>
+                      <m:t>𝜂</m:t>
+                    </m:r>
+                    <m:r>
+                      <a:rPr lang="en-US" b="0" i="1" smtClean="0">
+                        <a:latin typeface="Cambria Math" panose="02040503050406030204" pitchFamily="18" charset="0"/>
+                      </a:rPr>
+                      <m:t>∈</m:t>
+                    </m:r>
+                    <m:d>
+                      <m:dPr>
+                        <m:begChr m:val="{"/>
+                        <m:endChr m:val="}"/>
+                        <m:ctrlPr>
+                          <a:rPr lang="en-US" b="0" i="1" smtClean="0">
+                            <a:latin typeface="Cambria Math" panose="02040503050406030204" pitchFamily="18" charset="0"/>
+                          </a:rPr>
+                        </m:ctrlPr>
+                      </m:dPr>
+                      <m:e>
+                        <m:r>
+                          <a:rPr lang="en-US" b="0" i="1" smtClean="0">
+                            <a:latin typeface="Cambria Math" panose="02040503050406030204" pitchFamily="18" charset="0"/>
+                          </a:rPr>
+                          <m:t>𝑥</m:t>
+                        </m:r>
+                        <m:r>
+                          <a:rPr lang="en-US" b="0" i="1" smtClean="0">
+                            <a:latin typeface="Cambria Math" panose="02040503050406030204" pitchFamily="18" charset="0"/>
+                          </a:rPr>
+                          <m:t>,</m:t>
+                        </m:r>
+                        <m:r>
+                          <a:rPr lang="en-US" b="0" i="1" smtClean="0">
+                            <a:latin typeface="Cambria Math" panose="02040503050406030204" pitchFamily="18" charset="0"/>
+                          </a:rPr>
+                          <m:t>𝑦</m:t>
+                        </m:r>
+                        <m:r>
+                          <a:rPr lang="en-US" b="0" i="1" smtClean="0">
+                            <a:latin typeface="Cambria Math" panose="02040503050406030204" pitchFamily="18" charset="0"/>
+                          </a:rPr>
+                          <m:t>,</m:t>
+                        </m:r>
+                        <m:r>
+                          <a:rPr lang="en-US" b="0" i="1" smtClean="0">
+                            <a:latin typeface="Cambria Math" panose="02040503050406030204" pitchFamily="18" charset="0"/>
+                          </a:rPr>
+                          <m:t>𝑧</m:t>
+                        </m:r>
+                      </m:e>
+                    </m:d>
+                    <m:r>
+                      <a:rPr lang="en-US" b="0" i="1" smtClean="0">
+                        <a:latin typeface="Cambria Math" panose="02040503050406030204" pitchFamily="18" charset="0"/>
+                      </a:rPr>
+                      <m:t>,</m:t>
+                    </m:r>
+                    <m:sSup>
+                      <m:sSupPr>
+                        <m:ctrlPr>
+                          <a:rPr lang="en-US" i="1">
+                            <a:latin typeface="Cambria Math" panose="02040503050406030204" pitchFamily="18" charset="0"/>
+                          </a:rPr>
+                        </m:ctrlPr>
+                      </m:sSupPr>
+                      <m:e>
+                        <m:d>
+                          <m:dPr>
+                            <m:begChr m:val="⟨"/>
+                            <m:endChr m:val="⟩"/>
+                            <m:ctrlPr>
+                              <a:rPr lang="en-US" i="1">
+                                <a:latin typeface="Cambria Math" panose="02040503050406030204" pitchFamily="18" charset="0"/>
+                              </a:rPr>
+                            </m:ctrlPr>
+                          </m:dPr>
+                          <m:e>
+                            <m:sSubSup>
+                              <m:sSubSupPr>
+                                <m:ctrlPr>
+                                  <a:rPr lang="en-US" i="1">
+                                    <a:latin typeface="Cambria Math" panose="02040503050406030204" pitchFamily="18" charset="0"/>
+                                  </a:rPr>
+                                </m:ctrlPr>
+                              </m:sSubSupPr>
+                              <m:e>
+                                <m:r>
+                                  <a:rPr lang="en-US" i="1">
+                                    <a:latin typeface="Cambria Math" panose="02040503050406030204" pitchFamily="18" charset="0"/>
+                                  </a:rPr>
+                                  <m:t>𝜎</m:t>
+                                </m:r>
+                              </m:e>
+                              <m:sub>
+                                <m:r>
+                                  <a:rPr lang="en-US" i="1">
+                                    <a:latin typeface="Cambria Math" panose="02040503050406030204" pitchFamily="18" charset="0"/>
+                                  </a:rPr>
+                                  <m:t>𝜂</m:t>
+                                </m:r>
+                              </m:sub>
+                              <m:sup>
+                                <m:r>
+                                  <a:rPr lang="en-US" i="1">
+                                    <a:latin typeface="Cambria Math" panose="02040503050406030204" pitchFamily="18" charset="0"/>
+                                  </a:rPr>
+                                  <m:t>𝑗</m:t>
+                                </m:r>
+                              </m:sup>
+                            </m:sSubSup>
+                          </m:e>
+                        </m:d>
+                      </m:e>
+                      <m:sup>
+                        <m:r>
+                          <a:rPr lang="en-US" i="1">
+                            <a:latin typeface="Cambria Math" panose="02040503050406030204" pitchFamily="18" charset="0"/>
+                          </a:rPr>
+                          <m:t>2</m:t>
+                        </m:r>
+                      </m:sup>
+                    </m:sSup>
+                    <m:r>
+                      <a:rPr lang="en-US" b="0" i="1" smtClean="0">
+                        <a:latin typeface="Cambria Math" panose="02040503050406030204" pitchFamily="18" charset="0"/>
+                      </a:rPr>
+                      <m:t>=0 .</m:t>
+                    </m:r>
+                  </m:oMath>
+                </a14:m>
+                <a:endParaRPr lang="en-US" dirty="0"/>
+              </a:p>
+              <a:p>
+                <a:r>
+                  <a:rPr lang="en-US" dirty="0"/>
+                  <a:t>The number of maximal entangled state for two-qubit and three-qubit systems are </a:t>
+                </a:r>
+                <a14:m>
+                  <m:oMath xmlns:m="http://schemas.openxmlformats.org/officeDocument/2006/math">
+                    <m:r>
+                      <a:rPr lang="en-US" b="0" i="1" smtClean="0">
+                        <a:latin typeface="Cambria Math" panose="02040503050406030204" pitchFamily="18" charset="0"/>
+                      </a:rPr>
+                      <m:t>𝑝</m:t>
+                    </m:r>
+                    <m:d>
+                      <m:dPr>
+                        <m:ctrlPr>
+                          <a:rPr lang="en-US" b="0" i="1" smtClean="0">
+                            <a:latin typeface="Cambria Math" panose="02040503050406030204" pitchFamily="18" charset="0"/>
+                          </a:rPr>
+                        </m:ctrlPr>
+                      </m:dPr>
+                      <m:e>
+                        <m:sSup>
+                          <m:sSupPr>
+                            <m:ctrlPr>
+                              <a:rPr lang="en-US" b="0" i="1" smtClean="0">
+                                <a:latin typeface="Cambria Math" panose="02040503050406030204" pitchFamily="18" charset="0"/>
+                              </a:rPr>
+                            </m:ctrlPr>
+                          </m:sSupPr>
+                          <m:e>
+                            <m:r>
+                              <a:rPr lang="en-US" b="0" i="1" smtClean="0">
+                                <a:latin typeface="Cambria Math" panose="02040503050406030204" pitchFamily="18" charset="0"/>
+                              </a:rPr>
+                              <m:t>𝑝</m:t>
+                            </m:r>
+                          </m:e>
+                          <m:sup>
+                            <m:r>
+                              <a:rPr lang="en-US" b="0" i="1" smtClean="0">
+                                <a:latin typeface="Cambria Math" panose="02040503050406030204" pitchFamily="18" charset="0"/>
+                              </a:rPr>
+                              <m:t>2</m:t>
+                            </m:r>
+                          </m:sup>
+                        </m:sSup>
+                        <m:r>
+                          <a:rPr lang="en-US" b="0" i="1" smtClean="0">
+                            <a:latin typeface="Cambria Math" panose="02040503050406030204" pitchFamily="18" charset="0"/>
+                          </a:rPr>
+                          <m:t>−1</m:t>
+                        </m:r>
+                      </m:e>
+                    </m:d>
+                  </m:oMath>
+                </a14:m>
+                <a:r>
+                  <a:rPr lang="en-US" dirty="0"/>
+                  <a:t> and </a:t>
+                </a:r>
+                <a14:m>
+                  <m:oMath xmlns:m="http://schemas.openxmlformats.org/officeDocument/2006/math">
+                    <m:sSup>
+                      <m:sSupPr>
+                        <m:ctrlPr>
+                          <a:rPr lang="en-US" b="0" i="1" smtClean="0">
+                            <a:latin typeface="Cambria Math" panose="02040503050406030204" pitchFamily="18" charset="0"/>
+                          </a:rPr>
+                        </m:ctrlPr>
+                      </m:sSupPr>
+                      <m:e>
+                        <m:r>
+                          <a:rPr lang="en-US" b="0" i="1" smtClean="0">
+                            <a:latin typeface="Cambria Math" panose="02040503050406030204" pitchFamily="18" charset="0"/>
+                          </a:rPr>
+                          <m:t>𝑝</m:t>
+                        </m:r>
+                      </m:e>
+                      <m:sup>
+                        <m:r>
+                          <a:rPr lang="en-US" b="0" i="1" smtClean="0">
+                            <a:latin typeface="Cambria Math" panose="02040503050406030204" pitchFamily="18" charset="0"/>
+                          </a:rPr>
+                          <m:t>3</m:t>
+                        </m:r>
+                      </m:sup>
+                    </m:sSup>
+                    <m:d>
+                      <m:dPr>
+                        <m:ctrlPr>
+                          <a:rPr lang="en-US" b="0" i="1" smtClean="0">
+                            <a:latin typeface="Cambria Math" panose="02040503050406030204" pitchFamily="18" charset="0"/>
+                          </a:rPr>
+                        </m:ctrlPr>
+                      </m:dPr>
+                      <m:e>
+                        <m:sSup>
+                          <m:sSupPr>
+                            <m:ctrlPr>
+                              <a:rPr lang="en-US" b="0" i="1" smtClean="0">
+                                <a:latin typeface="Cambria Math" panose="02040503050406030204" pitchFamily="18" charset="0"/>
+                              </a:rPr>
+                            </m:ctrlPr>
+                          </m:sSupPr>
+                          <m:e>
+                            <m:r>
+                              <a:rPr lang="en-US" b="0" i="1" smtClean="0">
+                                <a:latin typeface="Cambria Math" panose="02040503050406030204" pitchFamily="18" charset="0"/>
+                              </a:rPr>
+                              <m:t>𝑝</m:t>
+                            </m:r>
+                          </m:e>
+                          <m:sup>
+                            <m:r>
+                              <a:rPr lang="en-US" b="0" i="1" smtClean="0">
+                                <a:latin typeface="Cambria Math" panose="02040503050406030204" pitchFamily="18" charset="0"/>
+                              </a:rPr>
+                              <m:t>4</m:t>
+                            </m:r>
+                          </m:sup>
+                        </m:sSup>
+                        <m:r>
+                          <a:rPr lang="en-US" b="0" i="1" smtClean="0">
+                            <a:latin typeface="Cambria Math" panose="02040503050406030204" pitchFamily="18" charset="0"/>
+                          </a:rPr>
+                          <m:t>−1</m:t>
+                        </m:r>
+                      </m:e>
+                    </m:d>
+                  </m:oMath>
+                </a14:m>
+                <a:r>
+                  <a:rPr lang="en-US" dirty="0"/>
+                  <a:t>, respectively.</a:t>
+                </a:r>
+              </a:p>
+            </p:txBody>
+          </p:sp>
+        </mc:Choice>
+        <mc:Fallback>
+          <p:sp>
+            <p:nvSpPr>
+              <p:cNvPr id="3" name="Content Placeholder 2">
+                <a:extLst>
+                  <a:ext uri="{FF2B5EF4-FFF2-40B4-BE49-F238E27FC236}">
+                    <a16:creationId xmlns:a16="http://schemas.microsoft.com/office/drawing/2014/main" id="{5E2BCD86-1876-43EC-BE7B-DCC3FB19F9EE}"/>
+                  </a:ext>
+                </a:extLst>
+              </p:cNvPr>
+              <p:cNvSpPr>
+                <a:spLocks noGrp="1" noRot="1" noChangeAspect="1" noMove="1" noResize="1" noEditPoints="1" noAdjustHandles="1" noChangeArrowheads="1" noChangeShapeType="1" noTextEdit="1"/>
+              </p:cNvSpPr>
+              <p:nvPr>
+                <p:ph idx="1"/>
+              </p:nvPr>
+            </p:nvSpPr>
+            <p:spPr>
+              <a:blipFill>
+                <a:blip r:embed="rId2"/>
+                <a:stretch>
+                  <a:fillRect l="-1043" t="-2241"/>
+                </a:stretch>
+              </a:blipFill>
+            </p:spPr>
+            <p:txBody>
+              <a:bodyPr/>
+              <a:lstStyle/>
+              <a:p>
+                <a:r>
+                  <a:rPr lang="en-US">
+                    <a:noFill/>
+                  </a:rPr>
+                  <a:t> </a:t>
+                </a:r>
+              </a:p>
+            </p:txBody>
+          </p:sp>
+        </mc:Fallback>
+      </mc:AlternateContent>
+    </p:spTree>
+    <p:extLst>
+      <p:ext uri="{BB962C8B-B14F-4D97-AF65-F5344CB8AC3E}">
+        <p14:creationId xmlns:p14="http://schemas.microsoft.com/office/powerpoint/2010/main" val="4133404916"/>
+      </p:ext>
+    </p:extLst>
+  </p:cSld>
+  <p:clrMapOvr>
+    <a:masterClrMapping/>
+  </p:clrMapOvr>
+</p:sld>
+</file>
+
+<file path=ppt/slides/slide21.xml><?xml version="1.0" encoding="utf-8"?>
+<p:sld xmlns:a="http://schemas.openxmlformats.org/drawingml/2006/main" xmlns:r="http://schemas.openxmlformats.org/officeDocument/2006/relationships" xmlns:p="http://schemas.openxmlformats.org/presentationml/2006/main">
+  <p:cSld>
+    <p:spTree>
+      <p:nvGrpSpPr>
+        <p:cNvPr id="1" name=""/>
+        <p:cNvGrpSpPr/>
+        <p:nvPr/>
+      </p:nvGrpSpPr>
+      <p:grpSpPr>
+        <a:xfrm>
+          <a:off x="0" y="0"/>
+          <a:ext cx="0" cy="0"/>
+          <a:chOff x="0" y="0"/>
+          <a:chExt cx="0" cy="0"/>
+        </a:xfrm>
+      </p:grpSpPr>
+      <p:sp>
+        <p:nvSpPr>
+          <p:cNvPr id="2" name="Title 1">
+            <a:extLst>
+              <a:ext uri="{FF2B5EF4-FFF2-40B4-BE49-F238E27FC236}">
+                <a16:creationId xmlns:a16="http://schemas.microsoft.com/office/drawing/2014/main" id="{36E492C6-58D9-4F5F-833E-5F3043265A4C}"/>
+              </a:ext>
+            </a:extLst>
+          </p:cNvPr>
+          <p:cNvSpPr>
+            <a:spLocks noGrp="1"/>
+          </p:cNvSpPr>
+          <p:nvPr>
+            <p:ph type="title"/>
+          </p:nvPr>
+        </p:nvSpPr>
+        <p:spPr/>
+        <p:txBody>
+          <a:bodyPr>
+            <a:normAutofit/>
+          </a:bodyPr>
+          <a:lstStyle/>
+          <a:p>
+            <a:r>
+              <a:rPr lang="en-US" dirty="0"/>
+              <a:t>Discrete Quantum Computing I</a:t>
+            </a:r>
+          </a:p>
+        </p:txBody>
+      </p:sp>
+      <mc:AlternateContent xmlns:mc="http://schemas.openxmlformats.org/markup-compatibility/2006">
+        <mc:Choice xmlns:a14="http://schemas.microsoft.com/office/drawing/2010/main" Requires="a14">
+          <p:sp>
+            <p:nvSpPr>
+              <p:cNvPr id="3" name="Content Placeholder 2">
+                <a:extLst>
+                  <a:ext uri="{FF2B5EF4-FFF2-40B4-BE49-F238E27FC236}">
+                    <a16:creationId xmlns:a16="http://schemas.microsoft.com/office/drawing/2014/main" id="{5E2BCD86-1876-43EC-BE7B-DCC3FB19F9EE}"/>
+                  </a:ext>
+                </a:extLst>
+              </p:cNvPr>
+              <p:cNvSpPr>
+                <a:spLocks noGrp="1"/>
+              </p:cNvSpPr>
+              <p:nvPr>
+                <p:ph idx="1"/>
+              </p:nvPr>
+            </p:nvSpPr>
+            <p:spPr/>
+            <p:txBody>
+              <a:bodyPr>
+                <a:normAutofit/>
+              </a:bodyPr>
+              <a:lstStyle/>
+              <a:p>
+                <a:r>
+                  <a:rPr lang="en-US" dirty="0"/>
+                  <a:t>We can express Deutsch’s algorithm.</a:t>
+                </a:r>
+              </a:p>
+              <a:p>
+                <a:r>
+                  <a:rPr lang="en-US" dirty="0"/>
+                  <a:t>We may have UNIQUE-SAT algorithm depending on the relation between the prime </a:t>
+                </a:r>
+                <a14:m>
+                  <m:oMath xmlns:m="http://schemas.openxmlformats.org/officeDocument/2006/math">
+                    <m:r>
+                      <a:rPr lang="en-US" b="0" i="1" smtClean="0">
+                        <a:latin typeface="Cambria Math" panose="02040503050406030204" pitchFamily="18" charset="0"/>
+                      </a:rPr>
+                      <m:t>𝑝</m:t>
+                    </m:r>
+                  </m:oMath>
+                </a14:m>
+                <a:r>
+                  <a:rPr lang="en-US" dirty="0"/>
+                  <a:t> and the size of </a:t>
+                </a:r>
+                <a:r>
+                  <a:rPr lang="en-US"/>
+                  <a:t>Boolean expression.</a:t>
+                </a:r>
+                <a:endParaRPr lang="en-US" dirty="0"/>
+              </a:p>
+            </p:txBody>
+          </p:sp>
+        </mc:Choice>
+        <mc:Fallback>
+          <p:sp>
+            <p:nvSpPr>
+              <p:cNvPr id="3" name="Content Placeholder 2">
+                <a:extLst>
+                  <a:ext uri="{FF2B5EF4-FFF2-40B4-BE49-F238E27FC236}">
+                    <a16:creationId xmlns:a16="http://schemas.microsoft.com/office/drawing/2014/main" id="{5E2BCD86-1876-43EC-BE7B-DCC3FB19F9EE}"/>
+                  </a:ext>
+                </a:extLst>
+              </p:cNvPr>
+              <p:cNvSpPr>
+                <a:spLocks noGrp="1" noRot="1" noChangeAspect="1" noMove="1" noResize="1" noEditPoints="1" noAdjustHandles="1" noChangeArrowheads="1" noChangeShapeType="1" noTextEdit="1"/>
+              </p:cNvSpPr>
+              <p:nvPr>
+                <p:ph idx="1"/>
+              </p:nvPr>
+            </p:nvSpPr>
+            <p:spPr>
+              <a:blipFill>
+                <a:blip r:embed="rId2"/>
+                <a:stretch>
+                  <a:fillRect l="-1043" t="-2241"/>
+                </a:stretch>
+              </a:blipFill>
+            </p:spPr>
+            <p:txBody>
+              <a:bodyPr/>
+              <a:lstStyle/>
+              <a:p>
+                <a:r>
+                  <a:rPr lang="en-US">
+                    <a:noFill/>
+                  </a:rPr>
+                  <a:t> </a:t>
+                </a:r>
+              </a:p>
+            </p:txBody>
+          </p:sp>
+        </mc:Fallback>
+      </mc:AlternateContent>
+    </p:spTree>
+    <p:extLst>
+      <p:ext uri="{BB962C8B-B14F-4D97-AF65-F5344CB8AC3E}">
+        <p14:creationId xmlns:p14="http://schemas.microsoft.com/office/powerpoint/2010/main" val="3492578417"/>
       </p:ext>
     </p:extLst>
   </p:cSld>

--- a/defense.pptx
+++ b/defense.pptx
@@ -4,6 +4,9 @@
   <p:sldMasterIdLst>
     <p:sldMasterId id="2147483648" r:id="rId1"/>
   </p:sldMasterIdLst>
+  <p:notesMasterIdLst>
+    <p:notesMasterId r:id="rId28"/>
+  </p:notesMasterIdLst>
   <p:sldIdLst>
     <p:sldId id="256" r:id="rId2"/>
     <p:sldId id="259" r:id="rId3"/>
@@ -26,6 +29,11 @@
     <p:sldId id="279" r:id="rId20"/>
     <p:sldId id="280" r:id="rId21"/>
     <p:sldId id="281" r:id="rId22"/>
+    <p:sldId id="282" r:id="rId23"/>
+    <p:sldId id="283" r:id="rId24"/>
+    <p:sldId id="285" r:id="rId25"/>
+    <p:sldId id="286" r:id="rId26"/>
+    <p:sldId id="306" r:id="rId27"/>
   </p:sldIdLst>
   <p:sldSz cx="12192000" cy="6858000"/>
   <p:notesSz cx="6858000" cy="9144000"/>
@@ -154,6 +162,15 @@
             <p14:sldId id="279"/>
             <p14:sldId id="280"/>
             <p14:sldId id="281"/>
+            <p14:sldId id="282"/>
+            <p14:sldId id="283"/>
+            <p14:sldId id="285"/>
+            <p14:sldId id="286"/>
+          </p14:sldIdLst>
+        </p14:section>
+        <p14:section name="Quantum Interval-Valued Probability" id="{5E8975C1-6BED-46EF-87D5-DF2FB1F06502}">
+          <p14:sldIdLst>
+            <p14:sldId id="306"/>
           </p14:sldIdLst>
         </p14:section>
       </p14:sectionLst>
@@ -163,6 +180,355 @@
     </p:ext>
   </p:extLst>
 </p:presentation>
+</file>
+
+<file path=ppt/notesMasters/notesMaster1.xml><?xml version="1.0" encoding="utf-8"?>
+<p:notesMaster xmlns:a="http://schemas.openxmlformats.org/drawingml/2006/main" xmlns:r="http://schemas.openxmlformats.org/officeDocument/2006/relationships" xmlns:p="http://schemas.openxmlformats.org/presentationml/2006/main">
+  <p:cSld>
+    <p:bg>
+      <p:bgRef idx="1001">
+        <a:schemeClr val="bg1"/>
+      </p:bgRef>
+    </p:bg>
+    <p:spTree>
+      <p:nvGrpSpPr>
+        <p:cNvPr id="1" name=""/>
+        <p:cNvGrpSpPr/>
+        <p:nvPr/>
+      </p:nvGrpSpPr>
+      <p:grpSpPr>
+        <a:xfrm>
+          <a:off x="0" y="0"/>
+          <a:ext cx="0" cy="0"/>
+          <a:chOff x="0" y="0"/>
+          <a:chExt cx="0" cy="0"/>
+        </a:xfrm>
+      </p:grpSpPr>
+      <p:sp>
+        <p:nvSpPr>
+          <p:cNvPr id="2" name="Header Placeholder 1"/>
+          <p:cNvSpPr>
+            <a:spLocks noGrp="1"/>
+          </p:cNvSpPr>
+          <p:nvPr>
+            <p:ph type="hdr" sz="quarter"/>
+          </p:nvPr>
+        </p:nvSpPr>
+        <p:spPr>
+          <a:xfrm>
+            <a:off x="0" y="0"/>
+            <a:ext cx="2971800" cy="458788"/>
+          </a:xfrm>
+          <a:prstGeom prst="rect">
+            <a:avLst/>
+          </a:prstGeom>
+        </p:spPr>
+        <p:txBody>
+          <a:bodyPr vert="horz" lIns="91440" tIns="45720" rIns="91440" bIns="45720" rtlCol="0"/>
+          <a:lstStyle>
+            <a:lvl1pPr algn="l">
+              <a:defRPr sz="1200"/>
+            </a:lvl1pPr>
+          </a:lstStyle>
+          <a:p>
+            <a:endParaRPr lang="en-US"/>
+          </a:p>
+        </p:txBody>
+      </p:sp>
+      <p:sp>
+        <p:nvSpPr>
+          <p:cNvPr id="3" name="Date Placeholder 2"/>
+          <p:cNvSpPr>
+            <a:spLocks noGrp="1"/>
+          </p:cNvSpPr>
+          <p:nvPr>
+            <p:ph type="dt" idx="1"/>
+          </p:nvPr>
+        </p:nvSpPr>
+        <p:spPr>
+          <a:xfrm>
+            <a:off x="3884613" y="0"/>
+            <a:ext cx="2971800" cy="458788"/>
+          </a:xfrm>
+          <a:prstGeom prst="rect">
+            <a:avLst/>
+          </a:prstGeom>
+        </p:spPr>
+        <p:txBody>
+          <a:bodyPr vert="horz" lIns="91440" tIns="45720" rIns="91440" bIns="45720" rtlCol="0"/>
+          <a:lstStyle>
+            <a:lvl1pPr algn="r">
+              <a:defRPr sz="1200"/>
+            </a:lvl1pPr>
+          </a:lstStyle>
+          <a:p>
+            <a:fld id="{2744FFCD-925C-4910-B7E0-96526800C260}" type="datetimeFigureOut">
+              <a:rPr lang="en-US" smtClean="0"/>
+              <a:t>11/29/2018</a:t>
+            </a:fld>
+            <a:endParaRPr lang="en-US"/>
+          </a:p>
+        </p:txBody>
+      </p:sp>
+      <p:sp>
+        <p:nvSpPr>
+          <p:cNvPr id="4" name="Slide Image Placeholder 3"/>
+          <p:cNvSpPr>
+            <a:spLocks noGrp="1" noRot="1" noChangeAspect="1"/>
+          </p:cNvSpPr>
+          <p:nvPr>
+            <p:ph type="sldImg" idx="2"/>
+          </p:nvPr>
+        </p:nvSpPr>
+        <p:spPr>
+          <a:xfrm>
+            <a:off x="685800" y="1143000"/>
+            <a:ext cx="5486400" cy="3086100"/>
+          </a:xfrm>
+          <a:prstGeom prst="rect">
+            <a:avLst/>
+          </a:prstGeom>
+          <a:noFill/>
+          <a:ln w="12700">
+            <a:solidFill>
+              <a:prstClr val="black"/>
+            </a:solidFill>
+          </a:ln>
+        </p:spPr>
+        <p:txBody>
+          <a:bodyPr vert="horz" lIns="91440" tIns="45720" rIns="91440" bIns="45720" rtlCol="0" anchor="ctr"/>
+          <a:lstStyle/>
+          <a:p>
+            <a:endParaRPr lang="en-US"/>
+          </a:p>
+        </p:txBody>
+      </p:sp>
+      <p:sp>
+        <p:nvSpPr>
+          <p:cNvPr id="5" name="Notes Placeholder 4"/>
+          <p:cNvSpPr>
+            <a:spLocks noGrp="1"/>
+          </p:cNvSpPr>
+          <p:nvPr>
+            <p:ph type="body" sz="quarter" idx="3"/>
+          </p:nvPr>
+        </p:nvSpPr>
+        <p:spPr>
+          <a:xfrm>
+            <a:off x="685800" y="4400550"/>
+            <a:ext cx="5486400" cy="3600450"/>
+          </a:xfrm>
+          <a:prstGeom prst="rect">
+            <a:avLst/>
+          </a:prstGeom>
+        </p:spPr>
+        <p:txBody>
+          <a:bodyPr vert="horz" lIns="91440" tIns="45720" rIns="91440" bIns="45720" rtlCol="0"/>
+          <a:lstStyle/>
+          <a:p>
+            <a:pPr lvl="0"/>
+            <a:r>
+              <a:rPr lang="en-US"/>
+              <a:t>Edit Master text styles</a:t>
+            </a:r>
+          </a:p>
+          <a:p>
+            <a:pPr lvl="1"/>
+            <a:r>
+              <a:rPr lang="en-US"/>
+              <a:t>Second level</a:t>
+            </a:r>
+          </a:p>
+          <a:p>
+            <a:pPr lvl="2"/>
+            <a:r>
+              <a:rPr lang="en-US"/>
+              <a:t>Third level</a:t>
+            </a:r>
+          </a:p>
+          <a:p>
+            <a:pPr lvl="3"/>
+            <a:r>
+              <a:rPr lang="en-US"/>
+              <a:t>Fourth level</a:t>
+            </a:r>
+          </a:p>
+          <a:p>
+            <a:pPr lvl="4"/>
+            <a:r>
+              <a:rPr lang="en-US"/>
+              <a:t>Fifth level</a:t>
+            </a:r>
+          </a:p>
+        </p:txBody>
+      </p:sp>
+      <p:sp>
+        <p:nvSpPr>
+          <p:cNvPr id="6" name="Footer Placeholder 5"/>
+          <p:cNvSpPr>
+            <a:spLocks noGrp="1"/>
+          </p:cNvSpPr>
+          <p:nvPr>
+            <p:ph type="ftr" sz="quarter" idx="4"/>
+          </p:nvPr>
+        </p:nvSpPr>
+        <p:spPr>
+          <a:xfrm>
+            <a:off x="0" y="8685213"/>
+            <a:ext cx="2971800" cy="458787"/>
+          </a:xfrm>
+          <a:prstGeom prst="rect">
+            <a:avLst/>
+          </a:prstGeom>
+        </p:spPr>
+        <p:txBody>
+          <a:bodyPr vert="horz" lIns="91440" tIns="45720" rIns="91440" bIns="45720" rtlCol="0" anchor="b"/>
+          <a:lstStyle>
+            <a:lvl1pPr algn="l">
+              <a:defRPr sz="1200"/>
+            </a:lvl1pPr>
+          </a:lstStyle>
+          <a:p>
+            <a:endParaRPr lang="en-US"/>
+          </a:p>
+        </p:txBody>
+      </p:sp>
+      <p:sp>
+        <p:nvSpPr>
+          <p:cNvPr id="7" name="Slide Number Placeholder 6"/>
+          <p:cNvSpPr>
+            <a:spLocks noGrp="1"/>
+          </p:cNvSpPr>
+          <p:nvPr>
+            <p:ph type="sldNum" sz="quarter" idx="5"/>
+          </p:nvPr>
+        </p:nvSpPr>
+        <p:spPr>
+          <a:xfrm>
+            <a:off x="3884613" y="8685213"/>
+            <a:ext cx="2971800" cy="458787"/>
+          </a:xfrm>
+          <a:prstGeom prst="rect">
+            <a:avLst/>
+          </a:prstGeom>
+        </p:spPr>
+        <p:txBody>
+          <a:bodyPr vert="horz" lIns="91440" tIns="45720" rIns="91440" bIns="45720" rtlCol="0" anchor="b"/>
+          <a:lstStyle>
+            <a:lvl1pPr algn="r">
+              <a:defRPr sz="1200"/>
+            </a:lvl1pPr>
+          </a:lstStyle>
+          <a:p>
+            <a:fld id="{E3D05D0C-15ED-44B3-81FF-A9EBDA05D5F5}" type="slidenum">
+              <a:rPr lang="en-US" smtClean="0"/>
+              <a:t>‹#›</a:t>
+            </a:fld>
+            <a:endParaRPr lang="en-US"/>
+          </a:p>
+        </p:txBody>
+      </p:sp>
+    </p:spTree>
+    <p:extLst>
+      <p:ext uri="{BB962C8B-B14F-4D97-AF65-F5344CB8AC3E}">
+        <p14:creationId xmlns:p14="http://schemas.microsoft.com/office/powerpoint/2010/main" val="3204558195"/>
+      </p:ext>
+    </p:extLst>
+  </p:cSld>
+  <p:clrMap bg1="lt1" tx1="dk1" bg2="lt2" tx2="dk2" accent1="accent1" accent2="accent2" accent3="accent3" accent4="accent4" accent5="accent5" accent6="accent6" hlink="hlink" folHlink="folHlink"/>
+  <p:notesStyle>
+    <a:lvl1pPr marL="0" algn="l" defTabSz="914400" rtl="0" eaLnBrk="1" latinLnBrk="0" hangingPunct="1">
+      <a:defRPr sz="1200" kern="1200">
+        <a:solidFill>
+          <a:schemeClr val="tx1"/>
+        </a:solidFill>
+        <a:latin typeface="+mn-lt"/>
+        <a:ea typeface="+mn-ea"/>
+        <a:cs typeface="+mn-cs"/>
+      </a:defRPr>
+    </a:lvl1pPr>
+    <a:lvl2pPr marL="457200" algn="l" defTabSz="914400" rtl="0" eaLnBrk="1" latinLnBrk="0" hangingPunct="1">
+      <a:defRPr sz="1200" kern="1200">
+        <a:solidFill>
+          <a:schemeClr val="tx1"/>
+        </a:solidFill>
+        <a:latin typeface="+mn-lt"/>
+        <a:ea typeface="+mn-ea"/>
+        <a:cs typeface="+mn-cs"/>
+      </a:defRPr>
+    </a:lvl2pPr>
+    <a:lvl3pPr marL="914400" algn="l" defTabSz="914400" rtl="0" eaLnBrk="1" latinLnBrk="0" hangingPunct="1">
+      <a:defRPr sz="1200" kern="1200">
+        <a:solidFill>
+          <a:schemeClr val="tx1"/>
+        </a:solidFill>
+        <a:latin typeface="+mn-lt"/>
+        <a:ea typeface="+mn-ea"/>
+        <a:cs typeface="+mn-cs"/>
+      </a:defRPr>
+    </a:lvl3pPr>
+    <a:lvl4pPr marL="1371600" algn="l" defTabSz="914400" rtl="0" eaLnBrk="1" latinLnBrk="0" hangingPunct="1">
+      <a:defRPr sz="1200" kern="1200">
+        <a:solidFill>
+          <a:schemeClr val="tx1"/>
+        </a:solidFill>
+        <a:latin typeface="+mn-lt"/>
+        <a:ea typeface="+mn-ea"/>
+        <a:cs typeface="+mn-cs"/>
+      </a:defRPr>
+    </a:lvl4pPr>
+    <a:lvl5pPr marL="1828800" algn="l" defTabSz="914400" rtl="0" eaLnBrk="1" latinLnBrk="0" hangingPunct="1">
+      <a:defRPr sz="1200" kern="1200">
+        <a:solidFill>
+          <a:schemeClr val="tx1"/>
+        </a:solidFill>
+        <a:latin typeface="+mn-lt"/>
+        <a:ea typeface="+mn-ea"/>
+        <a:cs typeface="+mn-cs"/>
+      </a:defRPr>
+    </a:lvl5pPr>
+    <a:lvl6pPr marL="2286000" algn="l" defTabSz="914400" rtl="0" eaLnBrk="1" latinLnBrk="0" hangingPunct="1">
+      <a:defRPr sz="1200" kern="1200">
+        <a:solidFill>
+          <a:schemeClr val="tx1"/>
+        </a:solidFill>
+        <a:latin typeface="+mn-lt"/>
+        <a:ea typeface="+mn-ea"/>
+        <a:cs typeface="+mn-cs"/>
+      </a:defRPr>
+    </a:lvl6pPr>
+    <a:lvl7pPr marL="2743200" algn="l" defTabSz="914400" rtl="0" eaLnBrk="1" latinLnBrk="0" hangingPunct="1">
+      <a:defRPr sz="1200" kern="1200">
+        <a:solidFill>
+          <a:schemeClr val="tx1"/>
+        </a:solidFill>
+        <a:latin typeface="+mn-lt"/>
+        <a:ea typeface="+mn-ea"/>
+        <a:cs typeface="+mn-cs"/>
+      </a:defRPr>
+    </a:lvl7pPr>
+    <a:lvl8pPr marL="3200400" algn="l" defTabSz="914400" rtl="0" eaLnBrk="1" latinLnBrk="0" hangingPunct="1">
+      <a:defRPr sz="1200" kern="1200">
+        <a:solidFill>
+          <a:schemeClr val="tx1"/>
+        </a:solidFill>
+        <a:latin typeface="+mn-lt"/>
+        <a:ea typeface="+mn-ea"/>
+        <a:cs typeface="+mn-cs"/>
+      </a:defRPr>
+    </a:lvl8pPr>
+    <a:lvl9pPr marL="3657600" algn="l" defTabSz="914400" rtl="0" eaLnBrk="1" latinLnBrk="0" hangingPunct="1">
+      <a:defRPr sz="1200" kern="1200">
+        <a:solidFill>
+          <a:schemeClr val="tx1"/>
+        </a:solidFill>
+        <a:latin typeface="+mn-lt"/>
+        <a:ea typeface="+mn-ea"/>
+        <a:cs typeface="+mn-cs"/>
+      </a:defRPr>
+    </a:lvl9pPr>
+  </p:notesStyle>
+</p:notesMaster>
 </file>
 
 <file path=ppt/slideLayouts/slideLayout1.xml><?xml version="1.0" encoding="utf-8"?>
@@ -312,7 +678,7 @@
           <a:p>
             <a:fld id="{C8E7DD55-92D8-4F00-9465-9362BAFC34DC}" type="datetimeFigureOut">
               <a:rPr lang="en-US" smtClean="0"/>
-              <a:t>11/28/2018</a:t>
+              <a:t>11/29/2018</a:t>
             </a:fld>
             <a:endParaRPr lang="en-US"/>
           </a:p>
@@ -510,7 +876,7 @@
           <a:p>
             <a:fld id="{C8E7DD55-92D8-4F00-9465-9362BAFC34DC}" type="datetimeFigureOut">
               <a:rPr lang="en-US" smtClean="0"/>
-              <a:t>11/28/2018</a:t>
+              <a:t>11/29/2018</a:t>
             </a:fld>
             <a:endParaRPr lang="en-US"/>
           </a:p>
@@ -718,7 +1084,7 @@
           <a:p>
             <a:fld id="{C8E7DD55-92D8-4F00-9465-9362BAFC34DC}" type="datetimeFigureOut">
               <a:rPr lang="en-US" smtClean="0"/>
-              <a:t>11/28/2018</a:t>
+              <a:t>11/29/2018</a:t>
             </a:fld>
             <a:endParaRPr lang="en-US"/>
           </a:p>
@@ -916,7 +1282,7 @@
           <a:p>
             <a:fld id="{C8E7DD55-92D8-4F00-9465-9362BAFC34DC}" type="datetimeFigureOut">
               <a:rPr lang="en-US" smtClean="0"/>
-              <a:t>11/28/2018</a:t>
+              <a:t>11/29/2018</a:t>
             </a:fld>
             <a:endParaRPr lang="en-US"/>
           </a:p>
@@ -1191,7 +1557,7 @@
           <a:p>
             <a:fld id="{C8E7DD55-92D8-4F00-9465-9362BAFC34DC}" type="datetimeFigureOut">
               <a:rPr lang="en-US" smtClean="0"/>
-              <a:t>11/28/2018</a:t>
+              <a:t>11/29/2018</a:t>
             </a:fld>
             <a:endParaRPr lang="en-US"/>
           </a:p>
@@ -1456,7 +1822,7 @@
           <a:p>
             <a:fld id="{C8E7DD55-92D8-4F00-9465-9362BAFC34DC}" type="datetimeFigureOut">
               <a:rPr lang="en-US" smtClean="0"/>
-              <a:t>11/28/2018</a:t>
+              <a:t>11/29/2018</a:t>
             </a:fld>
             <a:endParaRPr lang="en-US"/>
           </a:p>
@@ -1868,7 +2234,7 @@
           <a:p>
             <a:fld id="{C8E7DD55-92D8-4F00-9465-9362BAFC34DC}" type="datetimeFigureOut">
               <a:rPr lang="en-US" smtClean="0"/>
-              <a:t>11/28/2018</a:t>
+              <a:t>11/29/2018</a:t>
             </a:fld>
             <a:endParaRPr lang="en-US"/>
           </a:p>
@@ -2009,7 +2375,7 @@
           <a:p>
             <a:fld id="{C8E7DD55-92D8-4F00-9465-9362BAFC34DC}" type="datetimeFigureOut">
               <a:rPr lang="en-US" smtClean="0"/>
-              <a:t>11/28/2018</a:t>
+              <a:t>11/29/2018</a:t>
             </a:fld>
             <a:endParaRPr lang="en-US"/>
           </a:p>
@@ -2122,7 +2488,7 @@
           <a:p>
             <a:fld id="{C8E7DD55-92D8-4F00-9465-9362BAFC34DC}" type="datetimeFigureOut">
               <a:rPr lang="en-US" smtClean="0"/>
-              <a:t>11/28/2018</a:t>
+              <a:t>11/29/2018</a:t>
             </a:fld>
             <a:endParaRPr lang="en-US"/>
           </a:p>
@@ -2433,7 +2799,7 @@
           <a:p>
             <a:fld id="{C8E7DD55-92D8-4F00-9465-9362BAFC34DC}" type="datetimeFigureOut">
               <a:rPr lang="en-US" smtClean="0"/>
-              <a:t>11/28/2018</a:t>
+              <a:t>11/29/2018</a:t>
             </a:fld>
             <a:endParaRPr lang="en-US"/>
           </a:p>
@@ -2721,7 +3087,7 @@
           <a:p>
             <a:fld id="{C8E7DD55-92D8-4F00-9465-9362BAFC34DC}" type="datetimeFigureOut">
               <a:rPr lang="en-US" smtClean="0"/>
-              <a:t>11/28/2018</a:t>
+              <a:t>11/29/2018</a:t>
             </a:fld>
             <a:endParaRPr lang="en-US"/>
           </a:p>
@@ -2962,7 +3328,7 @@
           <a:p>
             <a:fld id="{C8E7DD55-92D8-4F00-9465-9362BAFC34DC}" type="datetimeFigureOut">
               <a:rPr lang="en-US" smtClean="0"/>
-              <a:t>11/28/2018</a:t>
+              <a:t>11/29/2018</a:t>
             </a:fld>
             <a:endParaRPr lang="en-US"/>
           </a:p>
@@ -8324,7 +8690,9 @@
             </p:nvSpPr>
             <p:spPr/>
             <p:txBody>
-              <a:bodyPr/>
+              <a:bodyPr>
+                <a:normAutofit lnSpcReduction="10000"/>
+              </a:bodyPr>
               <a:lstStyle/>
               <a:p>
                 <a:r>
@@ -8393,7 +8761,7 @@
                 </a14:m>
                 <a:r>
                   <a:rPr lang="en-US" dirty="0"/>
-                  <a:t> denote the quantum probability measure created by the particle in the normalized pure state </a:t>
+                  <a:t> denote the quantum probability measure created by the particle in the unnormalized pure state </a:t>
                 </a:r>
                 <a14:m>
                   <m:oMath xmlns:m="http://schemas.openxmlformats.org/officeDocument/2006/math">
@@ -8826,6 +9194,200 @@
                       </a:rPr>
                       <m:t>=</m:t>
                     </m:r>
+                    <m:f>
+                      <m:fPr>
+                        <m:ctrlPr>
+                          <a:rPr lang="en-US" b="0" i="1" smtClean="0">
+                            <a:latin typeface="Cambria Math" panose="02040503050406030204" pitchFamily="18" charset="0"/>
+                          </a:rPr>
+                        </m:ctrlPr>
+                      </m:fPr>
+                      <m:num>
+                        <m:d>
+                          <m:dPr>
+                            <m:begChr m:val="⟨"/>
+                            <m:endChr m:val="⟩"/>
+                            <m:sepChr m:val="∣"/>
+                            <m:ctrlPr>
+                              <a:rPr lang="en-US" i="1">
+                                <a:latin typeface="Cambria Math" panose="02040503050406030204" pitchFamily="18" charset="0"/>
+                              </a:rPr>
+                            </m:ctrlPr>
+                          </m:dPr>
+                          <m:e>
+                            <m:r>
+                              <m:rPr>
+                                <m:sty m:val="p"/>
+                              </m:rPr>
+                              <a:rPr lang="en-US">
+                                <a:latin typeface="Cambria Math" panose="02040503050406030204" pitchFamily="18" charset="0"/>
+                              </a:rPr>
+                              <m:t>Φ</m:t>
+                            </m:r>
+                          </m:e>
+                          <m:e>
+                            <m:r>
+                              <a:rPr lang="en-US" i="1">
+                                <a:latin typeface="Cambria Math" panose="02040503050406030204" pitchFamily="18" charset="0"/>
+                              </a:rPr>
+                              <m:t>𝑃</m:t>
+                            </m:r>
+                          </m:e>
+                          <m:e>
+                            <m:r>
+                              <m:rPr>
+                                <m:sty m:val="p"/>
+                              </m:rPr>
+                              <a:rPr lang="en-US">
+                                <a:latin typeface="Cambria Math" panose="02040503050406030204" pitchFamily="18" charset="0"/>
+                              </a:rPr>
+                              <m:t>Φ</m:t>
+                            </m:r>
+                          </m:e>
+                        </m:d>
+                      </m:num>
+                      <m:den>
+                        <m:d>
+                          <m:dPr>
+                            <m:begChr m:val="⟨"/>
+                            <m:endChr m:val="⟩"/>
+                            <m:ctrlPr>
+                              <a:rPr lang="en-US" b="0" i="1" smtClean="0">
+                                <a:latin typeface="Cambria Math" panose="02040503050406030204" pitchFamily="18" charset="0"/>
+                              </a:rPr>
+                            </m:ctrlPr>
+                          </m:dPr>
+                          <m:e>
+                            <m:r>
+                              <m:rPr>
+                                <m:sty m:val="p"/>
+                              </m:rPr>
+                              <a:rPr lang="en-US">
+                                <a:latin typeface="Cambria Math" panose="02040503050406030204" pitchFamily="18" charset="0"/>
+                              </a:rPr>
+                              <m:t>Φ</m:t>
+                            </m:r>
+                          </m:e>
+                          <m:e>
+                            <m:r>
+                              <m:rPr>
+                                <m:sty m:val="p"/>
+                              </m:rPr>
+                              <a:rPr lang="en-US">
+                                <a:latin typeface="Cambria Math" panose="02040503050406030204" pitchFamily="18" charset="0"/>
+                              </a:rPr>
+                              <m:t>Φ</m:t>
+                            </m:r>
+                          </m:e>
+                        </m:d>
+                      </m:den>
+                    </m:f>
+                  </m:oMath>
+                </a14:m>
+                <a:r>
+                  <a:rPr lang="en-US" dirty="0"/>
+                  <a:t> is called the Born rule.</a:t>
+                </a:r>
+              </a:p>
+              <a:p>
+                <a:r>
+                  <a:rPr lang="en-US" dirty="0"/>
+                  <a:t>When </a:t>
+                </a:r>
+                <a14:m>
+                  <m:oMath xmlns:m="http://schemas.openxmlformats.org/officeDocument/2006/math">
+                    <m:d>
+                      <m:dPr>
+                        <m:begChr m:val="|"/>
+                        <m:endChr m:val="⟩"/>
+                        <m:ctrlPr>
+                          <a:rPr lang="en-US" i="1">
+                            <a:latin typeface="Cambria Math" panose="02040503050406030204" pitchFamily="18" charset="0"/>
+                          </a:rPr>
+                        </m:ctrlPr>
+                      </m:dPr>
+                      <m:e>
+                        <m:r>
+                          <m:rPr>
+                            <m:sty m:val="p"/>
+                          </m:rPr>
+                          <a:rPr lang="en-US">
+                            <a:latin typeface="Cambria Math" panose="02040503050406030204" pitchFamily="18" charset="0"/>
+                          </a:rPr>
+                          <m:t>Φ</m:t>
+                        </m:r>
+                      </m:e>
+                    </m:d>
+                  </m:oMath>
+                </a14:m>
+                <a:r>
+                  <a:rPr lang="en-US" dirty="0"/>
+                  <a:t> is normalized, </a:t>
+                </a:r>
+                <a14:m>
+                  <m:oMath xmlns:m="http://schemas.openxmlformats.org/officeDocument/2006/math">
+                    <m:sSubSup>
+                      <m:sSubSupPr>
+                        <m:ctrlPr>
+                          <a:rPr lang="en-US" i="1">
+                            <a:latin typeface="Cambria Math" panose="02040503050406030204" pitchFamily="18" charset="0"/>
+                          </a:rPr>
+                        </m:ctrlPr>
+                      </m:sSubSupPr>
+                      <m:e>
+                        <m:r>
+                          <a:rPr lang="en-US" i="1">
+                            <a:latin typeface="Cambria Math" panose="02040503050406030204" pitchFamily="18" charset="0"/>
+                          </a:rPr>
+                          <m:t>𝜇</m:t>
+                        </m:r>
+                      </m:e>
+                      <m:sub>
+                        <m:r>
+                          <m:rPr>
+                            <m:sty m:val="p"/>
+                          </m:rPr>
+                          <a:rPr lang="en-US">
+                            <a:latin typeface="Cambria Math" panose="02040503050406030204" pitchFamily="18" charset="0"/>
+                          </a:rPr>
+                          <m:t>Φ</m:t>
+                        </m:r>
+                      </m:sub>
+                      <m:sup>
+                        <m:r>
+                          <m:rPr>
+                            <m:nor/>
+                          </m:rPr>
+                          <a:rPr lang="en-US">
+                            <a:latin typeface="Cambria Math" panose="02040503050406030204" pitchFamily="18" charset="0"/>
+                          </a:rPr>
+                          <m:t>B</m:t>
+                        </m:r>
+                      </m:sup>
+                    </m:sSubSup>
+                    <m:d>
+                      <m:dPr>
+                        <m:ctrlPr>
+                          <a:rPr lang="en-US" i="1">
+                            <a:latin typeface="Cambria Math" panose="02040503050406030204" pitchFamily="18" charset="0"/>
+                          </a:rPr>
+                        </m:ctrlPr>
+                      </m:dPr>
+                      <m:e>
+                        <m:r>
+                          <a:rPr lang="en-US" i="1">
+                            <a:latin typeface="Cambria Math" panose="02040503050406030204" pitchFamily="18" charset="0"/>
+                          </a:rPr>
+                          <m:t>𝑃</m:t>
+                        </m:r>
+                      </m:e>
+                    </m:d>
+                    <m:r>
+                      <a:rPr lang="en-US" i="1">
+                        <a:latin typeface="Cambria Math" panose="02040503050406030204" pitchFamily="18" charset="0"/>
+                      </a:rPr>
+                      <m:t>=</m:t>
+                    </m:r>
                     <m:d>
                       <m:dPr>
                         <m:begChr m:val="⟨"/>
@@ -8872,7 +9434,7 @@
                 </a14:m>
                 <a:r>
                   <a:rPr lang="en-US" dirty="0"/>
-                  <a:t> is called the Born rule.</a:t>
+                  <a:t>.</a:t>
                 </a:r>
               </a:p>
               <a:p>
@@ -9045,7 +9607,9 @@
                   <a:t>, </a:t>
                 </a:r>
                 <a:br>
-                  <a:rPr lang="en-US" dirty="0"/>
+                  <a:rPr lang="en-US" i="1" dirty="0">
+                    <a:latin typeface="Cambria Math" panose="02040503050406030204" pitchFamily="18" charset="0"/>
+                  </a:rPr>
                 </a:br>
                 <a14:m>
                   <m:oMath xmlns:m="http://schemas.openxmlformats.org/officeDocument/2006/math">
@@ -9291,7 +9855,10 @@
                     </m:d>
                   </m:oMath>
                 </a14:m>
-                <a:endParaRPr lang="en-US" dirty="0"/>
+                <a:r>
+                  <a:rPr lang="en-US" dirty="0"/>
+                  <a:t>.</a:t>
+                </a:r>
               </a:p>
             </p:txBody>
           </p:sp>
@@ -9311,7 +9878,7 @@
               <a:blipFill>
                 <a:blip r:embed="rId2"/>
                 <a:stretch>
-                  <a:fillRect l="-1043" t="-420"/>
+                  <a:fillRect l="-1043" t="-1681"/>
                 </a:stretch>
               </a:blipFill>
             </p:spPr>
@@ -9388,8 +9955,8 @@
           </a:p>
         </p:txBody>
       </p:sp>
-      <mc:AlternateContent xmlns:mc="http://schemas.openxmlformats.org/markup-compatibility/2006">
-        <mc:Choice xmlns:a14="http://schemas.microsoft.com/office/drawing/2010/main" Requires="a14">
+      <mc:AlternateContent xmlns:mc="http://schemas.openxmlformats.org/markup-compatibility/2006" xmlns:a14="http://schemas.microsoft.com/office/drawing/2010/main">
+        <mc:Choice Requires="a14">
           <p:sp>
             <p:nvSpPr>
               <p:cNvPr id="3" name="Content Placeholder 2">
@@ -10182,13 +10749,7 @@
                       <a:rPr lang="en-US" i="1">
                         <a:latin typeface="Cambria Math" panose="02040503050406030204" pitchFamily="18" charset="0"/>
                       </a:rPr>
-                      <m:t>⊗…</m:t>
-                    </m:r>
-                    <m:r>
-                      <a:rPr lang="en-US" i="1">
-                        <a:latin typeface="Cambria Math" panose="02040503050406030204" pitchFamily="18" charset="0"/>
-                      </a:rPr>
-                      <m:t>⊗</m:t>
+                      <m:t>⊗…⊗</m:t>
                     </m:r>
                     <m:sSub>
                       <m:sSubPr>
@@ -10281,19 +10842,7 @@
                       <a:rPr lang="en-US" i="1">
                         <a:latin typeface="Cambria Math" panose="02040503050406030204" pitchFamily="18" charset="0"/>
                       </a:rPr>
-                      <m:t>⊗</m:t>
-                    </m:r>
-                    <m:r>
-                      <a:rPr lang="en-US" i="1">
-                        <a:latin typeface="Cambria Math" panose="02040503050406030204" pitchFamily="18" charset="0"/>
-                      </a:rPr>
-                      <m:t>…</m:t>
-                    </m:r>
-                    <m:r>
-                      <a:rPr lang="en-US" i="1">
-                        <a:latin typeface="Cambria Math" panose="02040503050406030204" pitchFamily="18" charset="0"/>
-                      </a:rPr>
-                      <m:t>⊗</m:t>
+                      <m:t>⊗…⊗</m:t>
                     </m:r>
                     <m:sSub>
                       <m:sSubPr>
@@ -10728,7 +11277,7 @@
             </p:txBody>
           </p:sp>
         </mc:Choice>
-        <mc:Fallback>
+        <mc:Fallback xmlns="">
           <p:sp>
             <p:nvSpPr>
               <p:cNvPr id="3" name="Content Placeholder 2">
@@ -10918,8 +11467,8 @@
           </a:p>
         </p:txBody>
       </p:sp>
-      <mc:AlternateContent xmlns:mc="http://schemas.openxmlformats.org/markup-compatibility/2006">
-        <mc:Choice xmlns:a14="http://schemas.microsoft.com/office/drawing/2010/main" Requires="a14">
+      <mc:AlternateContent xmlns:mc="http://schemas.openxmlformats.org/markup-compatibility/2006" xmlns:a14="http://schemas.microsoft.com/office/drawing/2010/main">
+        <mc:Choice Requires="a14">
           <p:sp>
             <p:nvSpPr>
               <p:cNvPr id="3" name="Content Placeholder 2">
@@ -11245,7 +11794,7 @@
             </p:txBody>
           </p:sp>
         </mc:Choice>
-        <mc:Fallback>
+        <mc:Fallback xmlns="">
           <p:sp>
             <p:nvSpPr>
               <p:cNvPr id="3" name="Content Placeholder 2">
@@ -11350,8 +11899,8 @@
           </a:p>
         </p:txBody>
       </p:sp>
-      <mc:AlternateContent xmlns:mc="http://schemas.openxmlformats.org/markup-compatibility/2006">
-        <mc:Choice xmlns:a14="http://schemas.microsoft.com/office/drawing/2010/main" Requires="a14">
+      <mc:AlternateContent xmlns:mc="http://schemas.openxmlformats.org/markup-compatibility/2006" xmlns:a14="http://schemas.microsoft.com/office/drawing/2010/main">
+        <mc:Choice Requires="a14">
           <p:sp>
             <p:nvSpPr>
               <p:cNvPr id="3" name="Content Placeholder 2">
@@ -11609,7 +12158,7 @@
             </p:txBody>
           </p:sp>
         </mc:Choice>
-        <mc:Fallback>
+        <mc:Fallback xmlns="">
           <p:sp>
             <p:nvSpPr>
               <p:cNvPr id="3" name="Content Placeholder 2">
@@ -11704,13 +12253,13 @@
           <a:p>
             <a:r>
               <a:rPr lang="en-US" dirty="0"/>
-              <a:t>Discrete Quantum Theory I</a:t>
+              <a:t>Discrete Quantum Theory (I)</a:t>
             </a:r>
           </a:p>
         </p:txBody>
       </p:sp>
-      <mc:AlternateContent xmlns:mc="http://schemas.openxmlformats.org/markup-compatibility/2006">
-        <mc:Choice xmlns:a14="http://schemas.microsoft.com/office/drawing/2010/main" Requires="a14">
+      <mc:AlternateContent xmlns:mc="http://schemas.openxmlformats.org/markup-compatibility/2006" xmlns:a14="http://schemas.microsoft.com/office/drawing/2010/main">
+        <mc:Choice Requires="a14">
           <p:sp>
             <p:nvSpPr>
               <p:cNvPr id="3" name="Content Placeholder 2">
@@ -12564,7 +13113,7 @@
             </p:txBody>
           </p:sp>
         </mc:Choice>
-        <mc:Fallback>
+        <mc:Fallback xmlns="">
           <p:sp>
             <p:nvSpPr>
               <p:cNvPr id="3" name="Content Placeholder 2">
@@ -12811,20 +13360,13 @@
           <a:p>
             <a:r>
               <a:rPr lang="en-US" dirty="0"/>
-              <a:t>Discrete Quantum Theory I</a:t>
-            </a:r>
-            <a:br>
-              <a:rPr lang="en-US" dirty="0"/>
-            </a:br>
-            <a:r>
-              <a:rPr lang="en-US" dirty="0"/>
-              <a:t>State Counting</a:t>
+              <a:t>Discrete Quantum Theory (I): State Counting</a:t>
             </a:r>
           </a:p>
         </p:txBody>
       </p:sp>
-      <mc:AlternateContent xmlns:mc="http://schemas.openxmlformats.org/markup-compatibility/2006">
-        <mc:Choice xmlns:a14="http://schemas.microsoft.com/office/drawing/2010/main" Requires="a14">
+      <mc:AlternateContent xmlns:mc="http://schemas.openxmlformats.org/markup-compatibility/2006" xmlns:a14="http://schemas.microsoft.com/office/drawing/2010/main">
+        <mc:Choice Requires="a14">
           <p:sp>
             <p:nvSpPr>
               <p:cNvPr id="3" name="Content Placeholder 2">
@@ -13410,7 +13952,7 @@
             </p:txBody>
           </p:sp>
         </mc:Choice>
-        <mc:Fallback>
+        <mc:Fallback xmlns="">
           <p:sp>
             <p:nvSpPr>
               <p:cNvPr id="3" name="Content Placeholder 2">
@@ -13505,13 +14047,13 @@
           <a:p>
             <a:r>
               <a:rPr lang="en-US" dirty="0"/>
-              <a:t>Discrete Quantum Computing I</a:t>
+              <a:t>Discrete Quantum Computing (I)</a:t>
             </a:r>
           </a:p>
         </p:txBody>
       </p:sp>
-      <mc:AlternateContent xmlns:mc="http://schemas.openxmlformats.org/markup-compatibility/2006">
-        <mc:Choice xmlns:a14="http://schemas.microsoft.com/office/drawing/2010/main" Requires="a14">
+      <mc:AlternateContent xmlns:mc="http://schemas.openxmlformats.org/markup-compatibility/2006" xmlns:a14="http://schemas.microsoft.com/office/drawing/2010/main">
+        <mc:Choice Requires="a14">
           <p:sp>
             <p:nvSpPr>
               <p:cNvPr id="3" name="Content Placeholder 2">
@@ -13568,7 +14110,7 @@
             </p:txBody>
           </p:sp>
         </mc:Choice>
-        <mc:Fallback>
+        <mc:Fallback xmlns="">
           <p:sp>
             <p:nvSpPr>
               <p:cNvPr id="3" name="Content Placeholder 2">
@@ -13612,6 +14154,6467 @@
     <p:extLst>
       <p:ext uri="{BB962C8B-B14F-4D97-AF65-F5344CB8AC3E}">
         <p14:creationId xmlns:p14="http://schemas.microsoft.com/office/powerpoint/2010/main" val="3492578417"/>
+      </p:ext>
+    </p:extLst>
+  </p:cSld>
+  <p:clrMapOvr>
+    <a:masterClrMapping/>
+  </p:clrMapOvr>
+</p:sld>
+</file>
+
+<file path=ppt/slides/slide22.xml><?xml version="1.0" encoding="utf-8"?>
+<p:sld xmlns:a="http://schemas.openxmlformats.org/drawingml/2006/main" xmlns:r="http://schemas.openxmlformats.org/officeDocument/2006/relationships" xmlns:p="http://schemas.openxmlformats.org/presentationml/2006/main">
+  <p:cSld>
+    <p:spTree>
+      <p:nvGrpSpPr>
+        <p:cNvPr id="1" name=""/>
+        <p:cNvGrpSpPr/>
+        <p:nvPr/>
+      </p:nvGrpSpPr>
+      <p:grpSpPr>
+        <a:xfrm>
+          <a:off x="0" y="0"/>
+          <a:ext cx="0" cy="0"/>
+          <a:chOff x="0" y="0"/>
+          <a:chExt cx="0" cy="0"/>
+        </a:xfrm>
+      </p:grpSpPr>
+      <p:sp>
+        <p:nvSpPr>
+          <p:cNvPr id="2" name="Title 1">
+            <a:extLst>
+              <a:ext uri="{FF2B5EF4-FFF2-40B4-BE49-F238E27FC236}">
+                <a16:creationId xmlns:a16="http://schemas.microsoft.com/office/drawing/2014/main" id="{5843362A-0431-4233-BAA0-DAC52CE06CA1}"/>
+              </a:ext>
+            </a:extLst>
+          </p:cNvPr>
+          <p:cNvSpPr>
+            <a:spLocks noGrp="1"/>
+          </p:cNvSpPr>
+          <p:nvPr>
+            <p:ph type="title"/>
+          </p:nvPr>
+        </p:nvSpPr>
+        <p:spPr/>
+        <p:txBody>
+          <a:bodyPr/>
+          <a:lstStyle/>
+          <a:p>
+            <a:r>
+              <a:rPr lang="en-US" dirty="0"/>
+              <a:t>Discrete Quantum Theory (II)</a:t>
+            </a:r>
+          </a:p>
+        </p:txBody>
+      </p:sp>
+      <mc:AlternateContent xmlns:mc="http://schemas.openxmlformats.org/markup-compatibility/2006">
+        <mc:Choice xmlns:a14="http://schemas.microsoft.com/office/drawing/2010/main" Requires="a14">
+          <p:sp>
+            <p:nvSpPr>
+              <p:cNvPr id="3" name="Content Placeholder 2">
+                <a:extLst>
+                  <a:ext uri="{FF2B5EF4-FFF2-40B4-BE49-F238E27FC236}">
+                    <a16:creationId xmlns:a16="http://schemas.microsoft.com/office/drawing/2014/main" id="{97EDB58B-773E-4945-B2A4-58CFA400F58B}"/>
+                  </a:ext>
+                </a:extLst>
+              </p:cNvPr>
+              <p:cNvSpPr>
+                <a:spLocks noGrp="1"/>
+              </p:cNvSpPr>
+              <p:nvPr>
+                <p:ph idx="1"/>
+              </p:nvPr>
+            </p:nvSpPr>
+            <p:spPr/>
+            <p:txBody>
+              <a:bodyPr/>
+              <a:lstStyle/>
+              <a:p>
+                <a:r>
+                  <a:rPr lang="en-US" dirty="0"/>
+                  <a:t>Recall when </a:t>
+                </a:r>
+                <a14:m>
+                  <m:oMath xmlns:m="http://schemas.openxmlformats.org/officeDocument/2006/math">
+                    <m:d>
+                      <m:dPr>
+                        <m:begChr m:val="|"/>
+                        <m:endChr m:val="⟩"/>
+                        <m:ctrlPr>
+                          <a:rPr lang="en-US" i="1">
+                            <a:latin typeface="Cambria Math" panose="02040503050406030204" pitchFamily="18" charset="0"/>
+                          </a:rPr>
+                        </m:ctrlPr>
+                      </m:dPr>
+                      <m:e>
+                        <m:r>
+                          <m:rPr>
+                            <m:sty m:val="p"/>
+                          </m:rPr>
+                          <a:rPr lang="en-US">
+                            <a:latin typeface="Cambria Math" panose="02040503050406030204" pitchFamily="18" charset="0"/>
+                          </a:rPr>
+                          <m:t>Ψ</m:t>
+                        </m:r>
+                      </m:e>
+                    </m:d>
+                    <m:r>
+                      <a:rPr lang="en-US" i="1">
+                        <a:latin typeface="Cambria Math" panose="02040503050406030204" pitchFamily="18" charset="0"/>
+                      </a:rPr>
+                      <m:t>=</m:t>
+                    </m:r>
+                    <m:nary>
+                      <m:naryPr>
+                        <m:chr m:val="∑"/>
+                        <m:ctrlPr>
+                          <a:rPr lang="en-US" i="1">
+                            <a:latin typeface="Cambria Math" panose="02040503050406030204" pitchFamily="18" charset="0"/>
+                          </a:rPr>
+                        </m:ctrlPr>
+                      </m:naryPr>
+                      <m:sub>
+                        <m:r>
+                          <m:rPr>
+                            <m:brk m:alnAt="23"/>
+                          </m:rPr>
+                          <a:rPr lang="en-US" i="1">
+                            <a:latin typeface="Cambria Math" panose="02040503050406030204" pitchFamily="18" charset="0"/>
+                          </a:rPr>
+                          <m:t>𝑖</m:t>
+                        </m:r>
+                        <m:r>
+                          <a:rPr lang="en-US" i="1">
+                            <a:latin typeface="Cambria Math" panose="02040503050406030204" pitchFamily="18" charset="0"/>
+                          </a:rPr>
+                          <m:t>=0</m:t>
+                        </m:r>
+                      </m:sub>
+                      <m:sup>
+                        <m:r>
+                          <a:rPr lang="en-US" i="1">
+                            <a:latin typeface="Cambria Math" panose="02040503050406030204" pitchFamily="18" charset="0"/>
+                          </a:rPr>
+                          <m:t>𝐷</m:t>
+                        </m:r>
+                        <m:r>
+                          <a:rPr lang="en-US" i="1">
+                            <a:latin typeface="Cambria Math" panose="02040503050406030204" pitchFamily="18" charset="0"/>
+                          </a:rPr>
+                          <m:t>−1</m:t>
+                        </m:r>
+                      </m:sup>
+                      <m:e>
+                        <m:sSub>
+                          <m:sSubPr>
+                            <m:ctrlPr>
+                              <a:rPr lang="en-US" i="1">
+                                <a:latin typeface="Cambria Math" panose="02040503050406030204" pitchFamily="18" charset="0"/>
+                              </a:rPr>
+                            </m:ctrlPr>
+                          </m:sSubPr>
+                          <m:e>
+                            <m:r>
+                              <a:rPr lang="en-US" i="1">
+                                <a:latin typeface="Cambria Math" panose="02040503050406030204" pitchFamily="18" charset="0"/>
+                              </a:rPr>
+                              <m:t>𝛼</m:t>
+                            </m:r>
+                          </m:e>
+                          <m:sub>
+                            <m:r>
+                              <a:rPr lang="en-US" i="1">
+                                <a:latin typeface="Cambria Math" panose="02040503050406030204" pitchFamily="18" charset="0"/>
+                              </a:rPr>
+                              <m:t>𝑖</m:t>
+                            </m:r>
+                          </m:sub>
+                        </m:sSub>
+                        <m:d>
+                          <m:dPr>
+                            <m:begChr m:val="|"/>
+                            <m:endChr m:val="⟩"/>
+                            <m:ctrlPr>
+                              <a:rPr lang="en-US" i="1">
+                                <a:latin typeface="Cambria Math" panose="02040503050406030204" pitchFamily="18" charset="0"/>
+                              </a:rPr>
+                            </m:ctrlPr>
+                          </m:dPr>
+                          <m:e>
+                            <m:r>
+                              <a:rPr lang="en-US" i="1">
+                                <a:latin typeface="Cambria Math" panose="02040503050406030204" pitchFamily="18" charset="0"/>
+                              </a:rPr>
+                              <m:t>𝑖</m:t>
+                            </m:r>
+                          </m:e>
+                        </m:d>
+                      </m:e>
+                    </m:nary>
+                  </m:oMath>
+                </a14:m>
+                <a:r>
+                  <a:rPr lang="en-US" dirty="0"/>
+                  <a:t> is not normalized, </a:t>
+                </a:r>
+                <a:br>
+                  <a:rPr lang="en-US" i="1" dirty="0">
+                    <a:latin typeface="Cambria Math" panose="02040503050406030204" pitchFamily="18" charset="0"/>
+                  </a:rPr>
+                </a:br>
+                <a14:m>
+                  <m:oMath xmlns:m="http://schemas.openxmlformats.org/officeDocument/2006/math">
+                    <m:sSubSup>
+                      <m:sSubSupPr>
+                        <m:ctrlPr>
+                          <a:rPr lang="en-US" i="1">
+                            <a:latin typeface="Cambria Math" panose="02040503050406030204" pitchFamily="18" charset="0"/>
+                          </a:rPr>
+                        </m:ctrlPr>
+                      </m:sSubSupPr>
+                      <m:e>
+                        <m:r>
+                          <a:rPr lang="en-US" i="1">
+                            <a:latin typeface="Cambria Math" panose="02040503050406030204" pitchFamily="18" charset="0"/>
+                          </a:rPr>
+                          <m:t>𝜇</m:t>
+                        </m:r>
+                      </m:e>
+                      <m:sub>
+                        <m:r>
+                          <m:rPr>
+                            <m:sty m:val="p"/>
+                          </m:rPr>
+                          <a:rPr lang="en-US">
+                            <a:latin typeface="Cambria Math" panose="02040503050406030204" pitchFamily="18" charset="0"/>
+                          </a:rPr>
+                          <m:t>Ψ</m:t>
+                        </m:r>
+                      </m:sub>
+                      <m:sup>
+                        <m:r>
+                          <m:rPr>
+                            <m:nor/>
+                          </m:rPr>
+                          <a:rPr lang="en-US">
+                            <a:latin typeface="Cambria Math" panose="02040503050406030204" pitchFamily="18" charset="0"/>
+                          </a:rPr>
+                          <m:t>B</m:t>
+                        </m:r>
+                      </m:sup>
+                    </m:sSubSup>
+                    <m:d>
+                      <m:dPr>
+                        <m:ctrlPr>
+                          <a:rPr lang="en-US" i="1">
+                            <a:latin typeface="Cambria Math" panose="02040503050406030204" pitchFamily="18" charset="0"/>
+                          </a:rPr>
+                        </m:ctrlPr>
+                      </m:dPr>
+                      <m:e>
+                        <m:d>
+                          <m:dPr>
+                            <m:begChr m:val="|"/>
+                            <m:endChr m:val="⟩"/>
+                            <m:ctrlPr>
+                              <a:rPr lang="en-US" b="0" i="1" smtClean="0">
+                                <a:latin typeface="Cambria Math" panose="02040503050406030204" pitchFamily="18" charset="0"/>
+                              </a:rPr>
+                            </m:ctrlPr>
+                          </m:dPr>
+                          <m:e>
+                            <m:r>
+                              <a:rPr lang="en-US" b="0" i="1" smtClean="0">
+                                <a:latin typeface="Cambria Math" panose="02040503050406030204" pitchFamily="18" charset="0"/>
+                              </a:rPr>
+                              <m:t>𝑖</m:t>
+                            </m:r>
+                          </m:e>
+                        </m:d>
+                        <m:d>
+                          <m:dPr>
+                            <m:begChr m:val="⟨"/>
+                            <m:endChr m:val="|"/>
+                            <m:ctrlPr>
+                              <a:rPr lang="en-US" b="0" i="1" smtClean="0">
+                                <a:latin typeface="Cambria Math" panose="02040503050406030204" pitchFamily="18" charset="0"/>
+                              </a:rPr>
+                            </m:ctrlPr>
+                          </m:dPr>
+                          <m:e>
+                            <m:r>
+                              <a:rPr lang="en-US" b="0" i="1" smtClean="0">
+                                <a:latin typeface="Cambria Math" panose="02040503050406030204" pitchFamily="18" charset="0"/>
+                              </a:rPr>
+                              <m:t>𝑖</m:t>
+                            </m:r>
+                          </m:e>
+                        </m:d>
+                      </m:e>
+                    </m:d>
+                    <m:r>
+                      <a:rPr lang="en-US" i="1">
+                        <a:latin typeface="Cambria Math" panose="02040503050406030204" pitchFamily="18" charset="0"/>
+                      </a:rPr>
+                      <m:t>=</m:t>
+                    </m:r>
+                    <m:f>
+                      <m:fPr>
+                        <m:ctrlPr>
+                          <a:rPr lang="en-US" i="1">
+                            <a:latin typeface="Cambria Math" panose="02040503050406030204" pitchFamily="18" charset="0"/>
+                          </a:rPr>
+                        </m:ctrlPr>
+                      </m:fPr>
+                      <m:num>
+                        <m:d>
+                          <m:dPr>
+                            <m:begChr m:val="⟨"/>
+                            <m:endChr m:val="⟩"/>
+                            <m:ctrlPr>
+                              <a:rPr lang="en-US" i="1">
+                                <a:latin typeface="Cambria Math" panose="02040503050406030204" pitchFamily="18" charset="0"/>
+                              </a:rPr>
+                            </m:ctrlPr>
+                          </m:dPr>
+                          <m:e>
+                            <m:r>
+                              <m:rPr>
+                                <m:sty m:val="p"/>
+                              </m:rPr>
+                              <a:rPr lang="en-US">
+                                <a:latin typeface="Cambria Math" panose="02040503050406030204" pitchFamily="18" charset="0"/>
+                              </a:rPr>
+                              <m:t>Ψ</m:t>
+                            </m:r>
+                          </m:e>
+                          <m:e>
+                            <m:r>
+                              <a:rPr lang="en-US" b="0" i="1" smtClean="0">
+                                <a:latin typeface="Cambria Math" panose="02040503050406030204" pitchFamily="18" charset="0"/>
+                              </a:rPr>
+                              <m:t>𝑖</m:t>
+                            </m:r>
+                          </m:e>
+                        </m:d>
+                        <m:d>
+                          <m:dPr>
+                            <m:begChr m:val="⟨"/>
+                            <m:endChr m:val="⟩"/>
+                            <m:ctrlPr>
+                              <a:rPr lang="en-US" i="1">
+                                <a:latin typeface="Cambria Math" panose="02040503050406030204" pitchFamily="18" charset="0"/>
+                              </a:rPr>
+                            </m:ctrlPr>
+                          </m:dPr>
+                          <m:e>
+                            <m:r>
+                              <a:rPr lang="en-US" b="0" i="1" smtClean="0">
+                                <a:latin typeface="Cambria Math" panose="02040503050406030204" pitchFamily="18" charset="0"/>
+                              </a:rPr>
+                              <m:t>𝑖</m:t>
+                            </m:r>
+                          </m:e>
+                          <m:e>
+                            <m:r>
+                              <m:rPr>
+                                <m:sty m:val="p"/>
+                              </m:rPr>
+                              <a:rPr lang="en-US">
+                                <a:latin typeface="Cambria Math" panose="02040503050406030204" pitchFamily="18" charset="0"/>
+                              </a:rPr>
+                              <m:t>Ψ</m:t>
+                            </m:r>
+                          </m:e>
+                        </m:d>
+                      </m:num>
+                      <m:den>
+                        <m:d>
+                          <m:dPr>
+                            <m:begChr m:val="⟨"/>
+                            <m:endChr m:val="⟩"/>
+                            <m:ctrlPr>
+                              <a:rPr lang="en-US" i="1">
+                                <a:latin typeface="Cambria Math" panose="02040503050406030204" pitchFamily="18" charset="0"/>
+                              </a:rPr>
+                            </m:ctrlPr>
+                          </m:dPr>
+                          <m:e>
+                            <m:r>
+                              <m:rPr>
+                                <m:sty m:val="p"/>
+                              </m:rPr>
+                              <a:rPr lang="en-US">
+                                <a:latin typeface="Cambria Math" panose="02040503050406030204" pitchFamily="18" charset="0"/>
+                              </a:rPr>
+                              <m:t>Ψ</m:t>
+                            </m:r>
+                          </m:e>
+                          <m:e>
+                            <m:r>
+                              <m:rPr>
+                                <m:sty m:val="p"/>
+                              </m:rPr>
+                              <a:rPr lang="en-US">
+                                <a:latin typeface="Cambria Math" panose="02040503050406030204" pitchFamily="18" charset="0"/>
+                              </a:rPr>
+                              <m:t>Ψ</m:t>
+                            </m:r>
+                          </m:e>
+                        </m:d>
+                      </m:den>
+                    </m:f>
+                    <m:r>
+                      <a:rPr lang="en-US" b="0" i="1" smtClean="0">
+                        <a:latin typeface="Cambria Math" panose="02040503050406030204" pitchFamily="18" charset="0"/>
+                      </a:rPr>
+                      <m:t>=</m:t>
+                    </m:r>
+                    <m:f>
+                      <m:fPr>
+                        <m:ctrlPr>
+                          <a:rPr lang="en-US" i="1">
+                            <a:latin typeface="Cambria Math" panose="02040503050406030204" pitchFamily="18" charset="0"/>
+                          </a:rPr>
+                        </m:ctrlPr>
+                      </m:fPr>
+                      <m:num>
+                        <m:sSubSup>
+                          <m:sSubSupPr>
+                            <m:ctrlPr>
+                              <a:rPr lang="en-US" b="0" i="1" smtClean="0">
+                                <a:latin typeface="Cambria Math" panose="02040503050406030204" pitchFamily="18" charset="0"/>
+                              </a:rPr>
+                            </m:ctrlPr>
+                          </m:sSubSupPr>
+                          <m:e>
+                            <m:r>
+                              <a:rPr lang="en-US" i="1">
+                                <a:latin typeface="Cambria Math" panose="02040503050406030204" pitchFamily="18" charset="0"/>
+                              </a:rPr>
+                              <m:t>𝛼</m:t>
+                            </m:r>
+                          </m:e>
+                          <m:sub>
+                            <m:r>
+                              <a:rPr lang="en-US" i="1">
+                                <a:latin typeface="Cambria Math" panose="02040503050406030204" pitchFamily="18" charset="0"/>
+                              </a:rPr>
+                              <m:t>𝑖</m:t>
+                            </m:r>
+                          </m:sub>
+                          <m:sup>
+                            <m:r>
+                              <a:rPr lang="en-US" b="0" i="1" smtClean="0">
+                                <a:latin typeface="Cambria Math" panose="02040503050406030204" pitchFamily="18" charset="0"/>
+                              </a:rPr>
+                              <m:t>∗</m:t>
+                            </m:r>
+                          </m:sup>
+                        </m:sSubSup>
+                        <m:sSub>
+                          <m:sSubPr>
+                            <m:ctrlPr>
+                              <a:rPr lang="en-US" i="1">
+                                <a:latin typeface="Cambria Math" panose="02040503050406030204" pitchFamily="18" charset="0"/>
+                              </a:rPr>
+                            </m:ctrlPr>
+                          </m:sSubPr>
+                          <m:e>
+                            <m:r>
+                              <a:rPr lang="en-US" i="1">
+                                <a:latin typeface="Cambria Math" panose="02040503050406030204" pitchFamily="18" charset="0"/>
+                              </a:rPr>
+                              <m:t>𝛼</m:t>
+                            </m:r>
+                          </m:e>
+                          <m:sub>
+                            <m:r>
+                              <a:rPr lang="en-US" i="1">
+                                <a:latin typeface="Cambria Math" panose="02040503050406030204" pitchFamily="18" charset="0"/>
+                              </a:rPr>
+                              <m:t>𝑖</m:t>
+                            </m:r>
+                          </m:sub>
+                        </m:sSub>
+                      </m:num>
+                      <m:den>
+                        <m:nary>
+                          <m:naryPr>
+                            <m:chr m:val="∑"/>
+                            <m:ctrlPr>
+                              <a:rPr lang="en-US" i="1">
+                                <a:latin typeface="Cambria Math" panose="02040503050406030204" pitchFamily="18" charset="0"/>
+                              </a:rPr>
+                            </m:ctrlPr>
+                          </m:naryPr>
+                          <m:sub>
+                            <m:r>
+                              <m:rPr>
+                                <m:brk m:alnAt="23"/>
+                              </m:rPr>
+                              <a:rPr lang="en-US" i="1">
+                                <a:latin typeface="Cambria Math" panose="02040503050406030204" pitchFamily="18" charset="0"/>
+                              </a:rPr>
+                              <m:t>𝑖</m:t>
+                            </m:r>
+                            <m:r>
+                              <a:rPr lang="en-US" i="1">
+                                <a:latin typeface="Cambria Math" panose="02040503050406030204" pitchFamily="18" charset="0"/>
+                              </a:rPr>
+                              <m:t>=0</m:t>
+                            </m:r>
+                          </m:sub>
+                          <m:sup>
+                            <m:r>
+                              <a:rPr lang="en-US" i="1">
+                                <a:latin typeface="Cambria Math" panose="02040503050406030204" pitchFamily="18" charset="0"/>
+                              </a:rPr>
+                              <m:t>𝐷</m:t>
+                            </m:r>
+                            <m:r>
+                              <a:rPr lang="en-US" i="1">
+                                <a:latin typeface="Cambria Math" panose="02040503050406030204" pitchFamily="18" charset="0"/>
+                              </a:rPr>
+                              <m:t>−1</m:t>
+                            </m:r>
+                          </m:sup>
+                          <m:e>
+                            <m:sSubSup>
+                              <m:sSubSupPr>
+                                <m:ctrlPr>
+                                  <a:rPr lang="en-US" i="1">
+                                    <a:latin typeface="Cambria Math" panose="02040503050406030204" pitchFamily="18" charset="0"/>
+                                  </a:rPr>
+                                </m:ctrlPr>
+                              </m:sSubSupPr>
+                              <m:e>
+                                <m:r>
+                                  <a:rPr lang="en-US" i="1">
+                                    <a:latin typeface="Cambria Math" panose="02040503050406030204" pitchFamily="18" charset="0"/>
+                                  </a:rPr>
+                                  <m:t>𝛼</m:t>
+                                </m:r>
+                              </m:e>
+                              <m:sub>
+                                <m:r>
+                                  <a:rPr lang="en-US" i="1">
+                                    <a:latin typeface="Cambria Math" panose="02040503050406030204" pitchFamily="18" charset="0"/>
+                                  </a:rPr>
+                                  <m:t>𝑖</m:t>
+                                </m:r>
+                              </m:sub>
+                              <m:sup>
+                                <m:r>
+                                  <a:rPr lang="en-US" i="1">
+                                    <a:latin typeface="Cambria Math" panose="02040503050406030204" pitchFamily="18" charset="0"/>
+                                  </a:rPr>
+                                  <m:t>∗</m:t>
+                                </m:r>
+                              </m:sup>
+                            </m:sSubSup>
+                            <m:sSub>
+                              <m:sSubPr>
+                                <m:ctrlPr>
+                                  <a:rPr lang="en-US" i="1">
+                                    <a:latin typeface="Cambria Math" panose="02040503050406030204" pitchFamily="18" charset="0"/>
+                                  </a:rPr>
+                                </m:ctrlPr>
+                              </m:sSubPr>
+                              <m:e>
+                                <m:r>
+                                  <a:rPr lang="en-US" i="1">
+                                    <a:latin typeface="Cambria Math" panose="02040503050406030204" pitchFamily="18" charset="0"/>
+                                  </a:rPr>
+                                  <m:t>𝛼</m:t>
+                                </m:r>
+                              </m:e>
+                              <m:sub>
+                                <m:r>
+                                  <a:rPr lang="en-US" i="1">
+                                    <a:latin typeface="Cambria Math" panose="02040503050406030204" pitchFamily="18" charset="0"/>
+                                  </a:rPr>
+                                  <m:t>𝑖</m:t>
+                                </m:r>
+                              </m:sub>
+                            </m:sSub>
+                          </m:e>
+                        </m:nary>
+                      </m:den>
+                    </m:f>
+                  </m:oMath>
+                </a14:m>
+                <a:r>
+                  <a:rPr lang="en-US" dirty="0"/>
+                  <a:t>.</a:t>
+                </a:r>
+              </a:p>
+              <a:p>
+                <a:r>
+                  <a:rPr lang="en-US" dirty="0"/>
+                  <a:t>When </a:t>
+                </a:r>
+                <a14:m>
+                  <m:oMath xmlns:m="http://schemas.openxmlformats.org/officeDocument/2006/math">
+                    <m:sSub>
+                      <m:sSubPr>
+                        <m:ctrlPr>
+                          <a:rPr lang="en-US" i="1">
+                            <a:latin typeface="Cambria Math" panose="02040503050406030204" pitchFamily="18" charset="0"/>
+                          </a:rPr>
+                        </m:ctrlPr>
+                      </m:sSubPr>
+                      <m:e>
+                        <m:r>
+                          <a:rPr lang="en-US" i="1">
+                            <a:latin typeface="Cambria Math" panose="02040503050406030204" pitchFamily="18" charset="0"/>
+                          </a:rPr>
+                          <m:t>𝛼</m:t>
+                        </m:r>
+                      </m:e>
+                      <m:sub>
+                        <m:r>
+                          <a:rPr lang="en-US" i="1">
+                            <a:latin typeface="Cambria Math" panose="02040503050406030204" pitchFamily="18" charset="0"/>
+                          </a:rPr>
+                          <m:t>𝑖</m:t>
+                        </m:r>
+                      </m:sub>
+                    </m:sSub>
+                  </m:oMath>
+                </a14:m>
+                <a:r>
+                  <a:rPr lang="en-US" dirty="0"/>
+                  <a:t> is an element in finite fields, the division doesn’t make sense, but </a:t>
+                </a:r>
+                <a14:m>
+                  <m:oMath xmlns:m="http://schemas.openxmlformats.org/officeDocument/2006/math">
+                    <m:sSubSup>
+                      <m:sSubSupPr>
+                        <m:ctrlPr>
+                          <a:rPr lang="en-US" i="1">
+                            <a:latin typeface="Cambria Math" panose="02040503050406030204" pitchFamily="18" charset="0"/>
+                          </a:rPr>
+                        </m:ctrlPr>
+                      </m:sSubSupPr>
+                      <m:e>
+                        <m:r>
+                          <a:rPr lang="en-US" i="1">
+                            <a:latin typeface="Cambria Math" panose="02040503050406030204" pitchFamily="18" charset="0"/>
+                          </a:rPr>
+                          <m:t>𝛼</m:t>
+                        </m:r>
+                      </m:e>
+                      <m:sub>
+                        <m:r>
+                          <a:rPr lang="en-US" i="1">
+                            <a:latin typeface="Cambria Math" panose="02040503050406030204" pitchFamily="18" charset="0"/>
+                          </a:rPr>
+                          <m:t>𝑖</m:t>
+                        </m:r>
+                      </m:sub>
+                      <m:sup>
+                        <m:r>
+                          <a:rPr lang="en-US" i="1">
+                            <a:latin typeface="Cambria Math" panose="02040503050406030204" pitchFamily="18" charset="0"/>
+                          </a:rPr>
+                          <m:t>∗</m:t>
+                        </m:r>
+                      </m:sup>
+                    </m:sSubSup>
+                    <m:sSub>
+                      <m:sSubPr>
+                        <m:ctrlPr>
+                          <a:rPr lang="en-US" i="1">
+                            <a:latin typeface="Cambria Math" panose="02040503050406030204" pitchFamily="18" charset="0"/>
+                          </a:rPr>
+                        </m:ctrlPr>
+                      </m:sSubPr>
+                      <m:e>
+                        <m:r>
+                          <a:rPr lang="en-US" i="1">
+                            <a:latin typeface="Cambria Math" panose="02040503050406030204" pitchFamily="18" charset="0"/>
+                          </a:rPr>
+                          <m:t>𝛼</m:t>
+                        </m:r>
+                      </m:e>
+                      <m:sub>
+                        <m:r>
+                          <a:rPr lang="en-US" i="1">
+                            <a:latin typeface="Cambria Math" panose="02040503050406030204" pitchFamily="18" charset="0"/>
+                          </a:rPr>
+                          <m:t>𝑖</m:t>
+                        </m:r>
+                      </m:sub>
+                    </m:sSub>
+                  </m:oMath>
+                </a14:m>
+                <a:r>
+                  <a:rPr lang="en-US" dirty="0"/>
+                  <a:t> and </a:t>
+                </a:r>
+                <a14:m>
+                  <m:oMath xmlns:m="http://schemas.openxmlformats.org/officeDocument/2006/math">
+                    <m:nary>
+                      <m:naryPr>
+                        <m:chr m:val="∑"/>
+                        <m:ctrlPr>
+                          <a:rPr lang="en-US" i="1">
+                            <a:latin typeface="Cambria Math" panose="02040503050406030204" pitchFamily="18" charset="0"/>
+                          </a:rPr>
+                        </m:ctrlPr>
+                      </m:naryPr>
+                      <m:sub>
+                        <m:r>
+                          <m:rPr>
+                            <m:brk m:alnAt="23"/>
+                          </m:rPr>
+                          <a:rPr lang="en-US" i="1">
+                            <a:latin typeface="Cambria Math" panose="02040503050406030204" pitchFamily="18" charset="0"/>
+                          </a:rPr>
+                          <m:t>𝑖</m:t>
+                        </m:r>
+                        <m:r>
+                          <a:rPr lang="en-US" i="1">
+                            <a:latin typeface="Cambria Math" panose="02040503050406030204" pitchFamily="18" charset="0"/>
+                          </a:rPr>
+                          <m:t>=0</m:t>
+                        </m:r>
+                      </m:sub>
+                      <m:sup>
+                        <m:r>
+                          <a:rPr lang="en-US" i="1">
+                            <a:latin typeface="Cambria Math" panose="02040503050406030204" pitchFamily="18" charset="0"/>
+                          </a:rPr>
+                          <m:t>𝐷</m:t>
+                        </m:r>
+                        <m:r>
+                          <a:rPr lang="en-US" i="1">
+                            <a:latin typeface="Cambria Math" panose="02040503050406030204" pitchFamily="18" charset="0"/>
+                          </a:rPr>
+                          <m:t>−1</m:t>
+                        </m:r>
+                      </m:sup>
+                      <m:e>
+                        <m:sSubSup>
+                          <m:sSubSupPr>
+                            <m:ctrlPr>
+                              <a:rPr lang="en-US" i="1">
+                                <a:latin typeface="Cambria Math" panose="02040503050406030204" pitchFamily="18" charset="0"/>
+                              </a:rPr>
+                            </m:ctrlPr>
+                          </m:sSubSupPr>
+                          <m:e>
+                            <m:r>
+                              <a:rPr lang="en-US" i="1">
+                                <a:latin typeface="Cambria Math" panose="02040503050406030204" pitchFamily="18" charset="0"/>
+                              </a:rPr>
+                              <m:t>𝛼</m:t>
+                            </m:r>
+                          </m:e>
+                          <m:sub>
+                            <m:r>
+                              <a:rPr lang="en-US" i="1">
+                                <a:latin typeface="Cambria Math" panose="02040503050406030204" pitchFamily="18" charset="0"/>
+                              </a:rPr>
+                              <m:t>𝑖</m:t>
+                            </m:r>
+                          </m:sub>
+                          <m:sup>
+                            <m:r>
+                              <a:rPr lang="en-US" i="1">
+                                <a:latin typeface="Cambria Math" panose="02040503050406030204" pitchFamily="18" charset="0"/>
+                              </a:rPr>
+                              <m:t>∗</m:t>
+                            </m:r>
+                          </m:sup>
+                        </m:sSubSup>
+                        <m:sSub>
+                          <m:sSubPr>
+                            <m:ctrlPr>
+                              <a:rPr lang="en-US" i="1">
+                                <a:latin typeface="Cambria Math" panose="02040503050406030204" pitchFamily="18" charset="0"/>
+                              </a:rPr>
+                            </m:ctrlPr>
+                          </m:sSubPr>
+                          <m:e>
+                            <m:r>
+                              <a:rPr lang="en-US" i="1">
+                                <a:latin typeface="Cambria Math" panose="02040503050406030204" pitchFamily="18" charset="0"/>
+                              </a:rPr>
+                              <m:t>𝛼</m:t>
+                            </m:r>
+                          </m:e>
+                          <m:sub>
+                            <m:r>
+                              <a:rPr lang="en-US" i="1">
+                                <a:latin typeface="Cambria Math" panose="02040503050406030204" pitchFamily="18" charset="0"/>
+                              </a:rPr>
+                              <m:t>𝑖</m:t>
+                            </m:r>
+                          </m:sub>
+                        </m:sSub>
+                      </m:e>
+                    </m:nary>
+                  </m:oMath>
+                </a14:m>
+                <a:r>
+                  <a:rPr lang="en-US" dirty="0"/>
+                  <a:t> could make sense as long as we don’t wrap around </a:t>
+                </a:r>
+                <a14:m>
+                  <m:oMath xmlns:m="http://schemas.openxmlformats.org/officeDocument/2006/math">
+                    <m:r>
+                      <a:rPr lang="en-US" b="0" i="1" smtClean="0">
+                        <a:latin typeface="Cambria Math" panose="02040503050406030204" pitchFamily="18" charset="0"/>
+                      </a:rPr>
+                      <m:t>1+1+…+1=0</m:t>
+                    </m:r>
+                  </m:oMath>
+                </a14:m>
+                <a:r>
+                  <a:rPr lang="en-US" dirty="0"/>
+                  <a:t>.</a:t>
+                </a:r>
+              </a:p>
+              <a:p>
+                <a:r>
+                  <a:rPr lang="en-US" dirty="0"/>
+                  <a:t>To not wrap around, we restrict computation in a small region.</a:t>
+                </a:r>
+              </a:p>
+              <a:p>
+                <a:r>
+                  <a:rPr lang="en-US" dirty="0"/>
+                  <a:t>To not divide, we replace the division by </a:t>
+                </a:r>
+                <a14:m>
+                  <m:oMath xmlns:m="http://schemas.openxmlformats.org/officeDocument/2006/math">
+                    <m:r>
+                      <a:rPr lang="en-US" i="1">
+                        <a:latin typeface="Cambria Math" panose="02040503050406030204" pitchFamily="18" charset="0"/>
+                      </a:rPr>
+                      <m:t>//</m:t>
+                    </m:r>
+                  </m:oMath>
+                </a14:m>
+                <a:r>
+                  <a:rPr lang="en-US" dirty="0"/>
+                  <a:t> and get the cardinal probability </a:t>
+                </a:r>
+                <a14:m>
+                  <m:oMath xmlns:m="http://schemas.openxmlformats.org/officeDocument/2006/math">
+                    <m:sSubSup>
+                      <m:sSubSupPr>
+                        <m:ctrlPr>
+                          <a:rPr lang="en-US" i="1">
+                            <a:latin typeface="Cambria Math" panose="02040503050406030204" pitchFamily="18" charset="0"/>
+                          </a:rPr>
+                        </m:ctrlPr>
+                      </m:sSubSupPr>
+                      <m:e>
+                        <m:r>
+                          <a:rPr lang="en-US" i="1">
+                            <a:latin typeface="Cambria Math" panose="02040503050406030204" pitchFamily="18" charset="0"/>
+                          </a:rPr>
+                          <m:t>𝜇</m:t>
+                        </m:r>
+                      </m:e>
+                      <m:sub>
+                        <m:r>
+                          <m:rPr>
+                            <m:sty m:val="p"/>
+                          </m:rPr>
+                          <a:rPr lang="en-US">
+                            <a:latin typeface="Cambria Math" panose="02040503050406030204" pitchFamily="18" charset="0"/>
+                          </a:rPr>
+                          <m:t>Ψ</m:t>
+                        </m:r>
+                      </m:sub>
+                      <m:sup>
+                        <m:r>
+                          <m:rPr>
+                            <m:nor/>
+                          </m:rPr>
+                          <a:rPr lang="en-US" b="0" i="0" smtClean="0">
+                            <a:latin typeface="Cambria Math" panose="02040503050406030204" pitchFamily="18" charset="0"/>
+                          </a:rPr>
+                          <m:t>C</m:t>
+                        </m:r>
+                      </m:sup>
+                    </m:sSubSup>
+                    <m:d>
+                      <m:dPr>
+                        <m:ctrlPr>
+                          <a:rPr lang="en-US" i="1">
+                            <a:latin typeface="Cambria Math" panose="02040503050406030204" pitchFamily="18" charset="0"/>
+                          </a:rPr>
+                        </m:ctrlPr>
+                      </m:dPr>
+                      <m:e>
+                        <m:r>
+                          <a:rPr lang="en-US" b="0" i="1" smtClean="0">
+                            <a:latin typeface="Cambria Math" panose="02040503050406030204" pitchFamily="18" charset="0"/>
+                          </a:rPr>
+                          <m:t>𝑖</m:t>
+                        </m:r>
+                      </m:e>
+                    </m:d>
+                    <m:r>
+                      <a:rPr lang="en-US" i="1">
+                        <a:latin typeface="Cambria Math" panose="02040503050406030204" pitchFamily="18" charset="0"/>
+                      </a:rPr>
+                      <m:t>=</m:t>
+                    </m:r>
+                    <m:sSubSup>
+                      <m:sSubSupPr>
+                        <m:ctrlPr>
+                          <a:rPr lang="en-US" i="1">
+                            <a:latin typeface="Cambria Math" panose="02040503050406030204" pitchFamily="18" charset="0"/>
+                          </a:rPr>
+                        </m:ctrlPr>
+                      </m:sSubSupPr>
+                      <m:e>
+                        <m:r>
+                          <a:rPr lang="en-US" i="1">
+                            <a:latin typeface="Cambria Math" panose="02040503050406030204" pitchFamily="18" charset="0"/>
+                          </a:rPr>
+                          <m:t>𝛼</m:t>
+                        </m:r>
+                      </m:e>
+                      <m:sub>
+                        <m:r>
+                          <a:rPr lang="en-US" i="1">
+                            <a:latin typeface="Cambria Math" panose="02040503050406030204" pitchFamily="18" charset="0"/>
+                          </a:rPr>
+                          <m:t>𝑖</m:t>
+                        </m:r>
+                      </m:sub>
+                      <m:sup>
+                        <m:r>
+                          <a:rPr lang="en-US" i="1">
+                            <a:latin typeface="Cambria Math" panose="02040503050406030204" pitchFamily="18" charset="0"/>
+                          </a:rPr>
+                          <m:t>∗</m:t>
+                        </m:r>
+                      </m:sup>
+                    </m:sSubSup>
+                    <m:sSub>
+                      <m:sSubPr>
+                        <m:ctrlPr>
+                          <a:rPr lang="en-US" i="1">
+                            <a:latin typeface="Cambria Math" panose="02040503050406030204" pitchFamily="18" charset="0"/>
+                          </a:rPr>
+                        </m:ctrlPr>
+                      </m:sSubPr>
+                      <m:e>
+                        <m:r>
+                          <a:rPr lang="en-US" i="1">
+                            <a:latin typeface="Cambria Math" panose="02040503050406030204" pitchFamily="18" charset="0"/>
+                          </a:rPr>
+                          <m:t>𝛼</m:t>
+                        </m:r>
+                      </m:e>
+                      <m:sub>
+                        <m:r>
+                          <a:rPr lang="en-US" i="1">
+                            <a:latin typeface="Cambria Math" panose="02040503050406030204" pitchFamily="18" charset="0"/>
+                          </a:rPr>
+                          <m:t>𝑖</m:t>
+                        </m:r>
+                      </m:sub>
+                    </m:sSub>
+                    <m:r>
+                      <a:rPr lang="en-US" i="1">
+                        <a:latin typeface="Cambria Math" panose="02040503050406030204" pitchFamily="18" charset="0"/>
+                      </a:rPr>
+                      <m:t>//</m:t>
+                    </m:r>
+                    <m:nary>
+                      <m:naryPr>
+                        <m:chr m:val="∑"/>
+                        <m:ctrlPr>
+                          <a:rPr lang="en-US" i="1">
+                            <a:latin typeface="Cambria Math" panose="02040503050406030204" pitchFamily="18" charset="0"/>
+                          </a:rPr>
+                        </m:ctrlPr>
+                      </m:naryPr>
+                      <m:sub>
+                        <m:r>
+                          <m:rPr>
+                            <m:brk m:alnAt="23"/>
+                          </m:rPr>
+                          <a:rPr lang="en-US" i="1">
+                            <a:latin typeface="Cambria Math" panose="02040503050406030204" pitchFamily="18" charset="0"/>
+                          </a:rPr>
+                          <m:t>𝑖</m:t>
+                        </m:r>
+                        <m:r>
+                          <a:rPr lang="en-US" i="1">
+                            <a:latin typeface="Cambria Math" panose="02040503050406030204" pitchFamily="18" charset="0"/>
+                          </a:rPr>
+                          <m:t>=0</m:t>
+                        </m:r>
+                      </m:sub>
+                      <m:sup>
+                        <m:r>
+                          <a:rPr lang="en-US" i="1">
+                            <a:latin typeface="Cambria Math" panose="02040503050406030204" pitchFamily="18" charset="0"/>
+                          </a:rPr>
+                          <m:t>𝐷</m:t>
+                        </m:r>
+                        <m:r>
+                          <a:rPr lang="en-US" i="1">
+                            <a:latin typeface="Cambria Math" panose="02040503050406030204" pitchFamily="18" charset="0"/>
+                          </a:rPr>
+                          <m:t>−1</m:t>
+                        </m:r>
+                      </m:sup>
+                      <m:e>
+                        <m:sSubSup>
+                          <m:sSubSupPr>
+                            <m:ctrlPr>
+                              <a:rPr lang="en-US" i="1">
+                                <a:latin typeface="Cambria Math" panose="02040503050406030204" pitchFamily="18" charset="0"/>
+                              </a:rPr>
+                            </m:ctrlPr>
+                          </m:sSubSupPr>
+                          <m:e>
+                            <m:r>
+                              <a:rPr lang="en-US" i="1">
+                                <a:latin typeface="Cambria Math" panose="02040503050406030204" pitchFamily="18" charset="0"/>
+                              </a:rPr>
+                              <m:t>𝛼</m:t>
+                            </m:r>
+                          </m:e>
+                          <m:sub>
+                            <m:r>
+                              <a:rPr lang="en-US" i="1">
+                                <a:latin typeface="Cambria Math" panose="02040503050406030204" pitchFamily="18" charset="0"/>
+                              </a:rPr>
+                              <m:t>𝑖</m:t>
+                            </m:r>
+                          </m:sub>
+                          <m:sup>
+                            <m:r>
+                              <a:rPr lang="en-US" i="1">
+                                <a:latin typeface="Cambria Math" panose="02040503050406030204" pitchFamily="18" charset="0"/>
+                              </a:rPr>
+                              <m:t>∗</m:t>
+                            </m:r>
+                          </m:sup>
+                        </m:sSubSup>
+                        <m:sSub>
+                          <m:sSubPr>
+                            <m:ctrlPr>
+                              <a:rPr lang="en-US" i="1">
+                                <a:latin typeface="Cambria Math" panose="02040503050406030204" pitchFamily="18" charset="0"/>
+                              </a:rPr>
+                            </m:ctrlPr>
+                          </m:sSubPr>
+                          <m:e>
+                            <m:r>
+                              <a:rPr lang="en-US" i="1">
+                                <a:latin typeface="Cambria Math" panose="02040503050406030204" pitchFamily="18" charset="0"/>
+                              </a:rPr>
+                              <m:t>𝛼</m:t>
+                            </m:r>
+                          </m:e>
+                          <m:sub>
+                            <m:r>
+                              <a:rPr lang="en-US" i="1">
+                                <a:latin typeface="Cambria Math" panose="02040503050406030204" pitchFamily="18" charset="0"/>
+                              </a:rPr>
+                              <m:t>𝑖</m:t>
+                            </m:r>
+                          </m:sub>
+                        </m:sSub>
+                      </m:e>
+                    </m:nary>
+                  </m:oMath>
+                </a14:m>
+                <a:r>
+                  <a:rPr lang="en-US" dirty="0"/>
+                  <a:t>.</a:t>
+                </a:r>
+              </a:p>
+              <a:p>
+                <a:endParaRPr lang="en-US" dirty="0"/>
+              </a:p>
+            </p:txBody>
+          </p:sp>
+        </mc:Choice>
+        <mc:Fallback>
+          <p:sp>
+            <p:nvSpPr>
+              <p:cNvPr id="3" name="Content Placeholder 2">
+                <a:extLst>
+                  <a:ext uri="{FF2B5EF4-FFF2-40B4-BE49-F238E27FC236}">
+                    <a16:creationId xmlns:a16="http://schemas.microsoft.com/office/drawing/2014/main" id="{97EDB58B-773E-4945-B2A4-58CFA400F58B}"/>
+                  </a:ext>
+                </a:extLst>
+              </p:cNvPr>
+              <p:cNvSpPr>
+                <a:spLocks noGrp="1" noRot="1" noChangeAspect="1" noMove="1" noResize="1" noEditPoints="1" noAdjustHandles="1" noChangeArrowheads="1" noChangeShapeType="1" noTextEdit="1"/>
+              </p:cNvSpPr>
+              <p:nvPr>
+                <p:ph idx="1"/>
+              </p:nvPr>
+            </p:nvSpPr>
+            <p:spPr>
+              <a:blipFill>
+                <a:blip r:embed="rId2"/>
+                <a:stretch>
+                  <a:fillRect l="-1043" t="-1821" r="-812"/>
+                </a:stretch>
+              </a:blipFill>
+            </p:spPr>
+            <p:txBody>
+              <a:bodyPr/>
+              <a:lstStyle/>
+              <a:p>
+                <a:r>
+                  <a:rPr lang="en-US">
+                    <a:noFill/>
+                  </a:rPr>
+                  <a:t> </a:t>
+                </a:r>
+              </a:p>
+            </p:txBody>
+          </p:sp>
+        </mc:Fallback>
+      </mc:AlternateContent>
+    </p:spTree>
+    <p:extLst>
+      <p:ext uri="{BB962C8B-B14F-4D97-AF65-F5344CB8AC3E}">
+        <p14:creationId xmlns:p14="http://schemas.microsoft.com/office/powerpoint/2010/main" val="4110368340"/>
+      </p:ext>
+    </p:extLst>
+  </p:cSld>
+  <p:clrMapOvr>
+    <a:masterClrMapping/>
+  </p:clrMapOvr>
+</p:sld>
+</file>
+
+<file path=ppt/slides/slide23.xml><?xml version="1.0" encoding="utf-8"?>
+<p:sld xmlns:a="http://schemas.openxmlformats.org/drawingml/2006/main" xmlns:r="http://schemas.openxmlformats.org/officeDocument/2006/relationships" xmlns:p="http://schemas.openxmlformats.org/presentationml/2006/main">
+  <p:cSld>
+    <p:spTree>
+      <p:nvGrpSpPr>
+        <p:cNvPr id="1" name=""/>
+        <p:cNvGrpSpPr/>
+        <p:nvPr/>
+      </p:nvGrpSpPr>
+      <p:grpSpPr>
+        <a:xfrm>
+          <a:off x="0" y="0"/>
+          <a:ext cx="0" cy="0"/>
+          <a:chOff x="0" y="0"/>
+          <a:chExt cx="0" cy="0"/>
+        </a:xfrm>
+      </p:grpSpPr>
+      <p:sp>
+        <p:nvSpPr>
+          <p:cNvPr id="2" name="Title 1">
+            <a:extLst>
+              <a:ext uri="{FF2B5EF4-FFF2-40B4-BE49-F238E27FC236}">
+                <a16:creationId xmlns:a16="http://schemas.microsoft.com/office/drawing/2014/main" id="{5843362A-0431-4233-BAA0-DAC52CE06CA1}"/>
+              </a:ext>
+            </a:extLst>
+          </p:cNvPr>
+          <p:cNvSpPr>
+            <a:spLocks noGrp="1"/>
+          </p:cNvSpPr>
+          <p:nvPr>
+            <p:ph type="title"/>
+          </p:nvPr>
+        </p:nvSpPr>
+        <p:spPr/>
+        <p:txBody>
+          <a:bodyPr/>
+          <a:lstStyle/>
+          <a:p>
+            <a:r>
+              <a:rPr lang="en-US" dirty="0"/>
+              <a:t>Discrete Quantum Computing (II)</a:t>
+            </a:r>
+          </a:p>
+        </p:txBody>
+      </p:sp>
+      <p:sp>
+        <p:nvSpPr>
+          <p:cNvPr id="3" name="Content Placeholder 2">
+            <a:extLst>
+              <a:ext uri="{FF2B5EF4-FFF2-40B4-BE49-F238E27FC236}">
+                <a16:creationId xmlns:a16="http://schemas.microsoft.com/office/drawing/2014/main" id="{97EDB58B-773E-4945-B2A4-58CFA400F58B}"/>
+              </a:ext>
+            </a:extLst>
+          </p:cNvPr>
+          <p:cNvSpPr>
+            <a:spLocks noGrp="1"/>
+          </p:cNvSpPr>
+          <p:nvPr>
+            <p:ph idx="1"/>
+          </p:nvPr>
+        </p:nvSpPr>
+        <p:spPr/>
+        <p:txBody>
+          <a:bodyPr/>
+          <a:lstStyle/>
+          <a:p>
+            <a:r>
+              <a:rPr lang="en-US" dirty="0"/>
+              <a:t>UNIQUE-SAT could not perform because the vectors cannot inside a small region during the whole computation. </a:t>
+            </a:r>
+          </a:p>
+          <a:p>
+            <a:r>
+              <a:rPr lang="en-US" dirty="0"/>
+              <a:t>Neither does Shor's algorithm. </a:t>
+            </a:r>
+          </a:p>
+          <a:p>
+            <a:r>
+              <a:rPr lang="en-US" dirty="0"/>
+              <a:t>It can perform probabilistic Grover search algorithm. </a:t>
+            </a:r>
+          </a:p>
+          <a:p>
+            <a:r>
+              <a:rPr lang="en-US" dirty="0"/>
+              <a:t>It is not clear how to define mixed states on the cardinal probability.</a:t>
+            </a:r>
+          </a:p>
+        </p:txBody>
+      </p:sp>
+    </p:spTree>
+    <p:extLst>
+      <p:ext uri="{BB962C8B-B14F-4D97-AF65-F5344CB8AC3E}">
+        <p14:creationId xmlns:p14="http://schemas.microsoft.com/office/powerpoint/2010/main" val="21514844"/>
+      </p:ext>
+    </p:extLst>
+  </p:cSld>
+  <p:clrMapOvr>
+    <a:masterClrMapping/>
+  </p:clrMapOvr>
+</p:sld>
+</file>
+
+<file path=ppt/slides/slide24.xml><?xml version="1.0" encoding="utf-8"?>
+<p:sld xmlns:a="http://schemas.openxmlformats.org/drawingml/2006/main" xmlns:r="http://schemas.openxmlformats.org/officeDocument/2006/relationships" xmlns:p="http://schemas.openxmlformats.org/presentationml/2006/main">
+  <p:cSld>
+    <p:spTree>
+      <p:nvGrpSpPr>
+        <p:cNvPr id="1" name=""/>
+        <p:cNvGrpSpPr/>
+        <p:nvPr/>
+      </p:nvGrpSpPr>
+      <p:grpSpPr>
+        <a:xfrm>
+          <a:off x="0" y="0"/>
+          <a:ext cx="0" cy="0"/>
+          <a:chOff x="0" y="0"/>
+          <a:chExt cx="0" cy="0"/>
+        </a:xfrm>
+      </p:grpSpPr>
+      <p:sp>
+        <p:nvSpPr>
+          <p:cNvPr id="2" name="Title 1">
+            <a:extLst>
+              <a:ext uri="{FF2B5EF4-FFF2-40B4-BE49-F238E27FC236}">
+                <a16:creationId xmlns:a16="http://schemas.microsoft.com/office/drawing/2014/main" id="{B40DB600-F61B-4D6A-B04B-2CCD978EB2E6}"/>
+              </a:ext>
+            </a:extLst>
+          </p:cNvPr>
+          <p:cNvSpPr>
+            <a:spLocks noGrp="1"/>
+          </p:cNvSpPr>
+          <p:nvPr>
+            <p:ph type="title"/>
+          </p:nvPr>
+        </p:nvSpPr>
+        <p:spPr/>
+        <p:txBody>
+          <a:bodyPr>
+            <a:normAutofit/>
+          </a:bodyPr>
+          <a:lstStyle/>
+          <a:p>
+            <a:r>
+              <a:rPr lang="en-US" dirty="0"/>
+              <a:t>Quantum Probability Measures </a:t>
+            </a:r>
+            <a:br>
+              <a:rPr lang="en-US" dirty="0"/>
+            </a:br>
+            <a:r>
+              <a:rPr lang="en-US" dirty="0"/>
+              <a:t>over Finite Fields</a:t>
+            </a:r>
+          </a:p>
+        </p:txBody>
+      </p:sp>
+      <p:sp>
+        <p:nvSpPr>
+          <p:cNvPr id="4" name="Text Placeholder 3">
+            <a:extLst>
+              <a:ext uri="{FF2B5EF4-FFF2-40B4-BE49-F238E27FC236}">
+                <a16:creationId xmlns:a16="http://schemas.microsoft.com/office/drawing/2014/main" id="{D87DB010-D924-4187-9FDF-7913C44EEE08}"/>
+              </a:ext>
+            </a:extLst>
+          </p:cNvPr>
+          <p:cNvSpPr>
+            <a:spLocks noGrp="1"/>
+          </p:cNvSpPr>
+          <p:nvPr>
+            <p:ph type="body" idx="1"/>
+          </p:nvPr>
+        </p:nvSpPr>
+        <p:spPr>
+          <a:xfrm>
+            <a:off x="836612" y="1690688"/>
+            <a:ext cx="5157787" cy="823912"/>
+          </a:xfrm>
+        </p:spPr>
+        <p:txBody>
+          <a:bodyPr>
+            <a:normAutofit/>
+          </a:bodyPr>
+          <a:lstStyle/>
+          <a:p>
+            <a:r>
+              <a:rPr lang="en-US" dirty="0"/>
+              <a:t>Quantum Probability Measure</a:t>
+            </a:r>
+            <a:endParaRPr lang="en-US" i="1" dirty="0">
+              <a:latin typeface="Cambria Math" panose="02040503050406030204" pitchFamily="18" charset="0"/>
+              <a:ea typeface="Cambria Math" panose="02040503050406030204" pitchFamily="18" charset="0"/>
+            </a:endParaRPr>
+          </a:p>
+        </p:txBody>
+      </p:sp>
+      <mc:AlternateContent xmlns:mc="http://schemas.openxmlformats.org/markup-compatibility/2006">
+        <mc:Choice xmlns:a14="http://schemas.microsoft.com/office/drawing/2010/main" Requires="a14">
+          <p:sp>
+            <p:nvSpPr>
+              <p:cNvPr id="5" name="Content Placeholder 4">
+                <a:extLst>
+                  <a:ext uri="{FF2B5EF4-FFF2-40B4-BE49-F238E27FC236}">
+                    <a16:creationId xmlns:a16="http://schemas.microsoft.com/office/drawing/2014/main" id="{BF2B535F-A1B1-4A73-A7FF-8E5D362BBFD9}"/>
+                  </a:ext>
+                </a:extLst>
+              </p:cNvPr>
+              <p:cNvSpPr>
+                <a:spLocks noGrp="1"/>
+              </p:cNvSpPr>
+              <p:nvPr>
+                <p:ph sz="half" idx="2"/>
+              </p:nvPr>
+            </p:nvSpPr>
+            <p:spPr>
+              <a:xfrm>
+                <a:off x="836612" y="2514600"/>
+                <a:ext cx="5157787" cy="3684588"/>
+              </a:xfrm>
+            </p:spPr>
+            <p:txBody>
+              <a:bodyPr>
+                <a:normAutofit fontScale="70000" lnSpcReduction="20000"/>
+              </a:bodyPr>
+              <a:lstStyle/>
+              <a:p>
+                <a:pPr>
+                  <a:lnSpc>
+                    <a:spcPct val="100000"/>
+                  </a:lnSpc>
+                </a:pPr>
+                <a14:m>
+                  <m:oMath xmlns:m="http://schemas.openxmlformats.org/officeDocument/2006/math">
+                    <m:r>
+                      <a:rPr lang="en-US" i="1">
+                        <a:latin typeface="Cambria Math" panose="02040503050406030204" pitchFamily="18" charset="0"/>
+                      </a:rPr>
+                      <m:t>𝜇</m:t>
+                    </m:r>
+                    <m:r>
+                      <a:rPr lang="en-US" i="1">
+                        <a:latin typeface="Cambria Math" panose="02040503050406030204" pitchFamily="18" charset="0"/>
+                      </a:rPr>
+                      <m:t>:</m:t>
+                    </m:r>
+                    <m:r>
+                      <a:rPr lang="en-US" i="1">
+                        <a:latin typeface="Cambria Math" panose="02040503050406030204" pitchFamily="18" charset="0"/>
+                        <a:ea typeface="Cambria Math" panose="02040503050406030204" pitchFamily="18" charset="0"/>
+                      </a:rPr>
+                      <m:t>ℰ</m:t>
+                    </m:r>
+                    <m:r>
+                      <a:rPr lang="en-US">
+                        <a:latin typeface="Cambria Math" panose="02040503050406030204" pitchFamily="18" charset="0"/>
+                        <a:ea typeface="Cambria Math" panose="02040503050406030204" pitchFamily="18" charset="0"/>
+                      </a:rPr>
+                      <m:t>→</m:t>
+                    </m:r>
+                    <m:d>
+                      <m:dPr>
+                        <m:begChr m:val="["/>
+                        <m:endChr m:val="]"/>
+                        <m:ctrlPr>
+                          <a:rPr lang="en-US" i="1">
+                            <a:latin typeface="Cambria Math" panose="02040503050406030204" pitchFamily="18" charset="0"/>
+                            <a:ea typeface="Cambria Math" panose="02040503050406030204" pitchFamily="18" charset="0"/>
+                          </a:rPr>
+                        </m:ctrlPr>
+                      </m:dPr>
+                      <m:e>
+                        <m:r>
+                          <a:rPr lang="en-US" i="1">
+                            <a:latin typeface="Cambria Math" panose="02040503050406030204" pitchFamily="18" charset="0"/>
+                            <a:ea typeface="Cambria Math" panose="02040503050406030204" pitchFamily="18" charset="0"/>
+                          </a:rPr>
+                          <m:t>0,1</m:t>
+                        </m:r>
+                      </m:e>
+                    </m:d>
+                  </m:oMath>
+                </a14:m>
+                <a:endParaRPr lang="en-US" i="1" dirty="0">
+                  <a:solidFill>
+                    <a:srgbClr val="BF9000"/>
+                  </a:solidFill>
+                  <a:latin typeface="Cambria Math" panose="02040503050406030204" pitchFamily="18" charset="0"/>
+                  <a:ea typeface="Cambria Math" panose="02040503050406030204" pitchFamily="18" charset="0"/>
+                </a:endParaRPr>
+              </a:p>
+              <a:p>
+                <a:pPr>
+                  <a:lnSpc>
+                    <a:spcPct val="100000"/>
+                  </a:lnSpc>
+                </a:pPr>
+                <a14:m>
+                  <m:oMath xmlns:m="http://schemas.openxmlformats.org/officeDocument/2006/math">
+                    <m:r>
+                      <a:rPr lang="en-US" i="1">
+                        <a:latin typeface="Cambria Math" panose="02040503050406030204" pitchFamily="18" charset="0"/>
+                      </a:rPr>
+                      <m:t>𝜇</m:t>
+                    </m:r>
+                    <m:d>
+                      <m:dPr>
+                        <m:ctrlPr>
+                          <a:rPr lang="en-US" i="1">
+                            <a:latin typeface="Cambria Math" panose="02040503050406030204" pitchFamily="18" charset="0"/>
+                          </a:rPr>
+                        </m:ctrlPr>
+                      </m:dPr>
+                      <m:e>
+                        <m:r>
+                          <a:rPr lang="en-US" i="1">
+                            <a:solidFill>
+                              <a:srgbClr val="FF0000"/>
+                            </a:solidFill>
+                            <a:latin typeface="Cambria Math" panose="02040503050406030204" pitchFamily="18" charset="0"/>
+                          </a:rPr>
+                          <m:t>𝟘</m:t>
+                        </m:r>
+                      </m:e>
+                    </m:d>
+                    <m:r>
+                      <a:rPr lang="en-US" i="1">
+                        <a:latin typeface="Cambria Math" panose="02040503050406030204" pitchFamily="18" charset="0"/>
+                      </a:rPr>
+                      <m:t>=0</m:t>
+                    </m:r>
+                  </m:oMath>
+                </a14:m>
+                <a:r>
+                  <a:rPr lang="en-US" dirty="0"/>
+                  <a:t>.</a:t>
+                </a:r>
+              </a:p>
+              <a:p>
+                <a:pPr>
+                  <a:lnSpc>
+                    <a:spcPct val="100000"/>
+                  </a:lnSpc>
+                </a:pPr>
+                <a14:m>
+                  <m:oMath xmlns:m="http://schemas.openxmlformats.org/officeDocument/2006/math">
+                    <m:r>
+                      <a:rPr lang="en-US" i="1">
+                        <a:latin typeface="Cambria Math" panose="02040503050406030204" pitchFamily="18" charset="0"/>
+                      </a:rPr>
+                      <m:t>𝜇</m:t>
+                    </m:r>
+                    <m:d>
+                      <m:dPr>
+                        <m:ctrlPr>
+                          <a:rPr lang="en-US" i="1">
+                            <a:latin typeface="Cambria Math" panose="02040503050406030204" pitchFamily="18" charset="0"/>
+                          </a:rPr>
+                        </m:ctrlPr>
+                      </m:dPr>
+                      <m:e>
+                        <m:r>
+                          <a:rPr lang="en-US" i="1">
+                            <a:solidFill>
+                              <a:srgbClr val="FF0000"/>
+                            </a:solidFill>
+                            <a:latin typeface="Cambria Math" panose="02040503050406030204" pitchFamily="18" charset="0"/>
+                          </a:rPr>
+                          <m:t>𝟙</m:t>
+                        </m:r>
+                      </m:e>
+                    </m:d>
+                    <m:r>
+                      <a:rPr lang="en-US" i="1">
+                        <a:latin typeface="Cambria Math" panose="02040503050406030204" pitchFamily="18" charset="0"/>
+                      </a:rPr>
+                      <m:t>=1</m:t>
+                    </m:r>
+                  </m:oMath>
+                </a14:m>
+                <a:r>
+                  <a:rPr lang="en-US" dirty="0"/>
+                  <a:t>.</a:t>
+                </a:r>
+              </a:p>
+              <a:p>
+                <a:pPr>
+                  <a:lnSpc>
+                    <a:spcPct val="100000"/>
+                  </a:lnSpc>
+                </a:pPr>
+                <a:r>
+                  <a:rPr lang="en-US" dirty="0"/>
+                  <a:t>For any projector </a:t>
+                </a:r>
+                <a14:m>
+                  <m:oMath xmlns:m="http://schemas.openxmlformats.org/officeDocument/2006/math">
+                    <m:r>
+                      <a:rPr lang="en-US" i="1">
+                        <a:latin typeface="Cambria Math" panose="02040503050406030204" pitchFamily="18" charset="0"/>
+                      </a:rPr>
+                      <m:t>𝑃</m:t>
+                    </m:r>
+                  </m:oMath>
+                </a14:m>
+                <a:r>
+                  <a:rPr lang="en-US" dirty="0"/>
+                  <a:t>,</a:t>
+                </a:r>
+                <a:br>
+                  <a:rPr lang="en-US" i="1" dirty="0">
+                    <a:latin typeface="Cambria Math" panose="02040503050406030204" pitchFamily="18" charset="0"/>
+                  </a:rPr>
+                </a:br>
+                <a14:m>
+                  <m:oMath xmlns:m="http://schemas.openxmlformats.org/officeDocument/2006/math">
+                    <m:r>
+                      <a:rPr lang="en-US" i="1">
+                        <a:latin typeface="Cambria Math" panose="02040503050406030204" pitchFamily="18" charset="0"/>
+                      </a:rPr>
+                      <m:t>𝜇</m:t>
+                    </m:r>
+                    <m:d>
+                      <m:dPr>
+                        <m:ctrlPr>
+                          <a:rPr lang="en-US" i="1">
+                            <a:latin typeface="Cambria Math" panose="02040503050406030204" pitchFamily="18" charset="0"/>
+                          </a:rPr>
+                        </m:ctrlPr>
+                      </m:dPr>
+                      <m:e>
+                        <m:r>
+                          <a:rPr lang="en-US" i="1">
+                            <a:solidFill>
+                              <a:srgbClr val="FF0000"/>
+                            </a:solidFill>
+                            <a:latin typeface="Cambria Math" panose="02040503050406030204" pitchFamily="18" charset="0"/>
+                          </a:rPr>
+                          <m:t>𝟙</m:t>
+                        </m:r>
+                        <m:r>
+                          <a:rPr lang="en-US" i="1">
+                            <a:solidFill>
+                              <a:srgbClr val="FF0000"/>
+                            </a:solidFill>
+                            <a:latin typeface="Cambria Math" panose="02040503050406030204" pitchFamily="18" charset="0"/>
+                          </a:rPr>
+                          <m:t>−</m:t>
+                        </m:r>
+                        <m:r>
+                          <a:rPr lang="en-US" i="1">
+                            <a:latin typeface="Cambria Math" panose="02040503050406030204" pitchFamily="18" charset="0"/>
+                          </a:rPr>
+                          <m:t>𝑃</m:t>
+                        </m:r>
+                      </m:e>
+                    </m:d>
+                    <m:r>
+                      <a:rPr lang="en-US" i="1">
+                        <a:latin typeface="Cambria Math" panose="02040503050406030204" pitchFamily="18" charset="0"/>
+                      </a:rPr>
+                      <m:t>=1−</m:t>
+                    </m:r>
+                    <m:r>
+                      <a:rPr lang="en-US" i="1">
+                        <a:latin typeface="Cambria Math" panose="02040503050406030204" pitchFamily="18" charset="0"/>
+                      </a:rPr>
+                      <m:t>𝜇</m:t>
+                    </m:r>
+                    <m:d>
+                      <m:dPr>
+                        <m:ctrlPr>
+                          <a:rPr lang="en-US" i="1">
+                            <a:latin typeface="Cambria Math" panose="02040503050406030204" pitchFamily="18" charset="0"/>
+                          </a:rPr>
+                        </m:ctrlPr>
+                      </m:dPr>
+                      <m:e>
+                        <m:r>
+                          <a:rPr lang="en-US" i="1">
+                            <a:latin typeface="Cambria Math" panose="02040503050406030204" pitchFamily="18" charset="0"/>
+                          </a:rPr>
+                          <m:t>𝑃</m:t>
+                        </m:r>
+                      </m:e>
+                    </m:d>
+                    <m:r>
+                      <a:rPr lang="en-US" i="1">
+                        <a:latin typeface="Cambria Math" panose="02040503050406030204" pitchFamily="18" charset="0"/>
+                      </a:rPr>
+                      <m:t> .</m:t>
+                    </m:r>
+                  </m:oMath>
+                </a14:m>
+                <a:endParaRPr lang="en-US" dirty="0"/>
+              </a:p>
+              <a:p>
+                <a:pPr>
+                  <a:lnSpc>
+                    <a:spcPct val="100000"/>
+                  </a:lnSpc>
+                </a:pPr>
+                <a:r>
+                  <a:rPr lang="en-US" dirty="0"/>
+                  <a:t>For </a:t>
+                </a:r>
+                <a:r>
+                  <a:rPr lang="en-US" dirty="0">
+                    <a:solidFill>
+                      <a:srgbClr val="FF0000"/>
+                    </a:solidFill>
+                  </a:rPr>
+                  <a:t>orthogonal </a:t>
+                </a:r>
+                <a:r>
+                  <a:rPr lang="en-US" dirty="0"/>
+                  <a:t>projectors </a:t>
+                </a:r>
+                <a14:m>
+                  <m:oMath xmlns:m="http://schemas.openxmlformats.org/officeDocument/2006/math">
+                    <m:sSub>
+                      <m:sSubPr>
+                        <m:ctrlPr>
+                          <a:rPr lang="en-US" i="1">
+                            <a:latin typeface="Cambria Math" panose="02040503050406030204" pitchFamily="18" charset="0"/>
+                          </a:rPr>
+                        </m:ctrlPr>
+                      </m:sSubPr>
+                      <m:e>
+                        <m:r>
+                          <a:rPr lang="en-US" i="1">
+                            <a:latin typeface="Cambria Math" panose="02040503050406030204" pitchFamily="18" charset="0"/>
+                          </a:rPr>
+                          <m:t>𝑃</m:t>
+                        </m:r>
+                      </m:e>
+                      <m:sub>
+                        <m:r>
+                          <a:rPr lang="en-US" i="1">
+                            <a:latin typeface="Cambria Math" panose="02040503050406030204" pitchFamily="18" charset="0"/>
+                          </a:rPr>
+                          <m:t>0</m:t>
+                        </m:r>
+                      </m:sub>
+                    </m:sSub>
+                  </m:oMath>
+                </a14:m>
+                <a:r>
+                  <a:rPr lang="en-US" dirty="0"/>
+                  <a:t> and </a:t>
+                </a:r>
+                <a14:m>
+                  <m:oMath xmlns:m="http://schemas.openxmlformats.org/officeDocument/2006/math">
+                    <m:sSub>
+                      <m:sSubPr>
+                        <m:ctrlPr>
+                          <a:rPr lang="en-US" i="1">
+                            <a:latin typeface="Cambria Math" panose="02040503050406030204" pitchFamily="18" charset="0"/>
+                          </a:rPr>
+                        </m:ctrlPr>
+                      </m:sSubPr>
+                      <m:e>
+                        <m:r>
+                          <a:rPr lang="en-US" i="1">
+                            <a:latin typeface="Cambria Math" panose="02040503050406030204" pitchFamily="18" charset="0"/>
+                          </a:rPr>
+                          <m:t>𝑃</m:t>
+                        </m:r>
+                      </m:e>
+                      <m:sub>
+                        <m:r>
+                          <a:rPr lang="en-US" i="1">
+                            <a:latin typeface="Cambria Math" panose="02040503050406030204" pitchFamily="18" charset="0"/>
+                          </a:rPr>
+                          <m:t>1</m:t>
+                        </m:r>
+                      </m:sub>
+                    </m:sSub>
+                  </m:oMath>
+                </a14:m>
+                <a:r>
+                  <a:rPr lang="en-US" dirty="0"/>
+                  <a:t> </a:t>
+                </a:r>
+                <a:br>
+                  <a:rPr lang="en-US" dirty="0"/>
+                </a:br>
+                <a:r>
+                  <a:rPr lang="en-US" dirty="0"/>
+                  <a:t>(</a:t>
+                </a:r>
+                <a14:m>
+                  <m:oMath xmlns:m="http://schemas.openxmlformats.org/officeDocument/2006/math">
+                    <m:sSub>
+                      <m:sSubPr>
+                        <m:ctrlPr>
+                          <a:rPr lang="en-US" i="1">
+                            <a:solidFill>
+                              <a:srgbClr val="FF0000"/>
+                            </a:solidFill>
+                            <a:latin typeface="Cambria Math" panose="02040503050406030204" pitchFamily="18" charset="0"/>
+                          </a:rPr>
+                        </m:ctrlPr>
+                      </m:sSubPr>
+                      <m:e>
+                        <m:r>
+                          <a:rPr lang="en-US" i="1">
+                            <a:solidFill>
+                              <a:srgbClr val="FF0000"/>
+                            </a:solidFill>
+                            <a:latin typeface="Cambria Math" panose="02040503050406030204" pitchFamily="18" charset="0"/>
+                          </a:rPr>
+                          <m:t>𝑃</m:t>
+                        </m:r>
+                      </m:e>
+                      <m:sub>
+                        <m:r>
+                          <a:rPr lang="en-US" i="1">
+                            <a:solidFill>
+                              <a:srgbClr val="FF0000"/>
+                            </a:solidFill>
+                            <a:latin typeface="Cambria Math" panose="02040503050406030204" pitchFamily="18" charset="0"/>
+                          </a:rPr>
+                          <m:t>0</m:t>
+                        </m:r>
+                      </m:sub>
+                    </m:sSub>
+                    <m:sSub>
+                      <m:sSubPr>
+                        <m:ctrlPr>
+                          <a:rPr lang="en-US" i="1">
+                            <a:solidFill>
+                              <a:srgbClr val="FF0000"/>
+                            </a:solidFill>
+                            <a:latin typeface="Cambria Math" panose="02040503050406030204" pitchFamily="18" charset="0"/>
+                          </a:rPr>
+                        </m:ctrlPr>
+                      </m:sSubPr>
+                      <m:e>
+                        <m:r>
+                          <a:rPr lang="en-US" i="1">
+                            <a:solidFill>
+                              <a:srgbClr val="FF0000"/>
+                            </a:solidFill>
+                            <a:latin typeface="Cambria Math" panose="02040503050406030204" pitchFamily="18" charset="0"/>
+                          </a:rPr>
+                          <m:t>𝑃</m:t>
+                        </m:r>
+                      </m:e>
+                      <m:sub>
+                        <m:r>
+                          <a:rPr lang="en-US" i="1">
+                            <a:solidFill>
+                              <a:srgbClr val="FF0000"/>
+                            </a:solidFill>
+                            <a:latin typeface="Cambria Math" panose="02040503050406030204" pitchFamily="18" charset="0"/>
+                          </a:rPr>
+                          <m:t>1</m:t>
+                        </m:r>
+                      </m:sub>
+                    </m:sSub>
+                    <m:r>
+                      <a:rPr lang="en-US" i="1">
+                        <a:solidFill>
+                          <a:srgbClr val="FF0000"/>
+                        </a:solidFill>
+                        <a:latin typeface="Cambria Math" panose="02040503050406030204" pitchFamily="18" charset="0"/>
+                      </a:rPr>
+                      <m:t>=</m:t>
+                    </m:r>
+                    <m:r>
+                      <a:rPr lang="en-US" i="1">
+                        <a:solidFill>
+                          <a:srgbClr val="FF0000"/>
+                        </a:solidFill>
+                        <a:latin typeface="Cambria Math" panose="02040503050406030204" pitchFamily="18" charset="0"/>
+                      </a:rPr>
+                      <m:t>𝟘</m:t>
+                    </m:r>
+                  </m:oMath>
+                </a14:m>
+                <a:r>
+                  <a:rPr lang="en-US" dirty="0"/>
+                  <a:t>), </a:t>
+                </a:r>
+                <a:br>
+                  <a:rPr lang="en-US" dirty="0"/>
+                </a:br>
+                <a14:m>
+                  <m:oMath xmlns:m="http://schemas.openxmlformats.org/officeDocument/2006/math">
+                    <m:r>
+                      <a:rPr lang="en-US" i="1">
+                        <a:latin typeface="Cambria Math" panose="02040503050406030204" pitchFamily="18" charset="0"/>
+                      </a:rPr>
+                      <m:t>𝜇</m:t>
+                    </m:r>
+                    <m:d>
+                      <m:dPr>
+                        <m:ctrlPr>
+                          <a:rPr lang="en-US" i="1">
+                            <a:latin typeface="Cambria Math" panose="02040503050406030204" pitchFamily="18" charset="0"/>
+                          </a:rPr>
+                        </m:ctrlPr>
+                      </m:dPr>
+                      <m:e>
+                        <m:sSub>
+                          <m:sSubPr>
+                            <m:ctrlPr>
+                              <a:rPr lang="en-US" i="1">
+                                <a:latin typeface="Cambria Math" panose="02040503050406030204" pitchFamily="18" charset="0"/>
+                              </a:rPr>
+                            </m:ctrlPr>
+                          </m:sSubPr>
+                          <m:e>
+                            <m:r>
+                              <a:rPr lang="en-US" i="1">
+                                <a:latin typeface="Cambria Math" panose="02040503050406030204" pitchFamily="18" charset="0"/>
+                              </a:rPr>
+                              <m:t>𝑃</m:t>
+                            </m:r>
+                          </m:e>
+                          <m:sub>
+                            <m:r>
+                              <a:rPr lang="en-US" i="1">
+                                <a:latin typeface="Cambria Math" panose="02040503050406030204" pitchFamily="18" charset="0"/>
+                              </a:rPr>
+                              <m:t>0</m:t>
+                            </m:r>
+                          </m:sub>
+                        </m:sSub>
+                        <m:r>
+                          <a:rPr lang="en-US" i="1">
+                            <a:solidFill>
+                              <a:srgbClr val="FF0000"/>
+                            </a:solidFill>
+                            <a:latin typeface="Cambria Math" panose="02040503050406030204" pitchFamily="18" charset="0"/>
+                          </a:rPr>
+                          <m:t>+</m:t>
+                        </m:r>
+                        <m:sSub>
+                          <m:sSubPr>
+                            <m:ctrlPr>
+                              <a:rPr lang="en-US" i="1">
+                                <a:latin typeface="Cambria Math" panose="02040503050406030204" pitchFamily="18" charset="0"/>
+                              </a:rPr>
+                            </m:ctrlPr>
+                          </m:sSubPr>
+                          <m:e>
+                            <m:r>
+                              <a:rPr lang="en-US" i="1">
+                                <a:latin typeface="Cambria Math" panose="02040503050406030204" pitchFamily="18" charset="0"/>
+                              </a:rPr>
+                              <m:t>𝑃</m:t>
+                            </m:r>
+                          </m:e>
+                          <m:sub>
+                            <m:r>
+                              <a:rPr lang="en-US" i="1">
+                                <a:latin typeface="Cambria Math" panose="02040503050406030204" pitchFamily="18" charset="0"/>
+                              </a:rPr>
+                              <m:t>1</m:t>
+                            </m:r>
+                          </m:sub>
+                        </m:sSub>
+                      </m:e>
+                    </m:d>
+                    <m:r>
+                      <a:rPr lang="en-US" i="1">
+                        <a:latin typeface="Cambria Math" panose="02040503050406030204" pitchFamily="18" charset="0"/>
+                      </a:rPr>
+                      <m:t>=</m:t>
+                    </m:r>
+                    <m:r>
+                      <a:rPr lang="en-US" i="1">
+                        <a:latin typeface="Cambria Math" panose="02040503050406030204" pitchFamily="18" charset="0"/>
+                      </a:rPr>
+                      <m:t>𝜇</m:t>
+                    </m:r>
+                    <m:d>
+                      <m:dPr>
+                        <m:ctrlPr>
+                          <a:rPr lang="en-US" i="1">
+                            <a:latin typeface="Cambria Math" panose="02040503050406030204" pitchFamily="18" charset="0"/>
+                          </a:rPr>
+                        </m:ctrlPr>
+                      </m:dPr>
+                      <m:e>
+                        <m:sSub>
+                          <m:sSubPr>
+                            <m:ctrlPr>
+                              <a:rPr lang="en-US" i="1">
+                                <a:latin typeface="Cambria Math" panose="02040503050406030204" pitchFamily="18" charset="0"/>
+                              </a:rPr>
+                            </m:ctrlPr>
+                          </m:sSubPr>
+                          <m:e>
+                            <m:r>
+                              <a:rPr lang="en-US" i="1">
+                                <a:latin typeface="Cambria Math" panose="02040503050406030204" pitchFamily="18" charset="0"/>
+                              </a:rPr>
+                              <m:t>𝑃</m:t>
+                            </m:r>
+                          </m:e>
+                          <m:sub>
+                            <m:r>
+                              <a:rPr lang="en-US" i="1">
+                                <a:latin typeface="Cambria Math" panose="02040503050406030204" pitchFamily="18" charset="0"/>
+                              </a:rPr>
+                              <m:t>0</m:t>
+                            </m:r>
+                          </m:sub>
+                        </m:sSub>
+                      </m:e>
+                    </m:d>
+                    <m:r>
+                      <a:rPr lang="en-US" i="1">
+                        <a:latin typeface="Cambria Math" panose="02040503050406030204" pitchFamily="18" charset="0"/>
+                      </a:rPr>
+                      <m:t>+</m:t>
+                    </m:r>
+                    <m:r>
+                      <a:rPr lang="en-US" i="1">
+                        <a:latin typeface="Cambria Math" panose="02040503050406030204" pitchFamily="18" charset="0"/>
+                      </a:rPr>
+                      <m:t>𝜇</m:t>
+                    </m:r>
+                    <m:d>
+                      <m:dPr>
+                        <m:ctrlPr>
+                          <a:rPr lang="en-US" i="1">
+                            <a:latin typeface="Cambria Math" panose="02040503050406030204" pitchFamily="18" charset="0"/>
+                          </a:rPr>
+                        </m:ctrlPr>
+                      </m:dPr>
+                      <m:e>
+                        <m:sSub>
+                          <m:sSubPr>
+                            <m:ctrlPr>
+                              <a:rPr lang="en-US" i="1">
+                                <a:latin typeface="Cambria Math" panose="02040503050406030204" pitchFamily="18" charset="0"/>
+                              </a:rPr>
+                            </m:ctrlPr>
+                          </m:sSubPr>
+                          <m:e>
+                            <m:r>
+                              <a:rPr lang="en-US" i="1">
+                                <a:latin typeface="Cambria Math" panose="02040503050406030204" pitchFamily="18" charset="0"/>
+                              </a:rPr>
+                              <m:t>𝑃</m:t>
+                            </m:r>
+                          </m:e>
+                          <m:sub>
+                            <m:r>
+                              <a:rPr lang="en-US" i="1">
+                                <a:latin typeface="Cambria Math" panose="02040503050406030204" pitchFamily="18" charset="0"/>
+                              </a:rPr>
+                              <m:t>1</m:t>
+                            </m:r>
+                          </m:sub>
+                        </m:sSub>
+                      </m:e>
+                    </m:d>
+                    <m:r>
+                      <a:rPr lang="en-US" i="1">
+                        <a:latin typeface="Cambria Math" panose="02040503050406030204" pitchFamily="18" charset="0"/>
+                      </a:rPr>
+                      <m:t> .</m:t>
+                    </m:r>
+                  </m:oMath>
+                </a14:m>
+                <a:br>
+                  <a:rPr lang="en-US" dirty="0"/>
+                </a:br>
+                <a:endParaRPr lang="en-US" dirty="0"/>
+              </a:p>
+            </p:txBody>
+          </p:sp>
+        </mc:Choice>
+        <mc:Fallback>
+          <p:sp>
+            <p:nvSpPr>
+              <p:cNvPr id="5" name="Content Placeholder 4">
+                <a:extLst>
+                  <a:ext uri="{FF2B5EF4-FFF2-40B4-BE49-F238E27FC236}">
+                    <a16:creationId xmlns:a16="http://schemas.microsoft.com/office/drawing/2014/main" id="{BF2B535F-A1B1-4A73-A7FF-8E5D362BBFD9}"/>
+                  </a:ext>
+                </a:extLst>
+              </p:cNvPr>
+              <p:cNvSpPr>
+                <a:spLocks noGrp="1" noRot="1" noChangeAspect="1" noMove="1" noResize="1" noEditPoints="1" noAdjustHandles="1" noChangeArrowheads="1" noChangeShapeType="1" noTextEdit="1"/>
+              </p:cNvSpPr>
+              <p:nvPr>
+                <p:ph sz="half" idx="2"/>
+              </p:nvPr>
+            </p:nvSpPr>
+            <p:spPr>
+              <a:xfrm>
+                <a:off x="836612" y="2514600"/>
+                <a:ext cx="5157787" cy="3684588"/>
+              </a:xfrm>
+              <a:blipFill>
+                <a:blip r:embed="rId2"/>
+                <a:stretch>
+                  <a:fillRect l="-1064" t="-331"/>
+                </a:stretch>
+              </a:blipFill>
+            </p:spPr>
+            <p:txBody>
+              <a:bodyPr/>
+              <a:lstStyle/>
+              <a:p>
+                <a:r>
+                  <a:rPr lang="en-US">
+                    <a:noFill/>
+                  </a:rPr>
+                  <a:t> </a:t>
+                </a:r>
+              </a:p>
+            </p:txBody>
+          </p:sp>
+        </mc:Fallback>
+      </mc:AlternateContent>
+      <p:sp>
+        <p:nvSpPr>
+          <p:cNvPr id="6" name="Text Placeholder 5">
+            <a:extLst>
+              <a:ext uri="{FF2B5EF4-FFF2-40B4-BE49-F238E27FC236}">
+                <a16:creationId xmlns:a16="http://schemas.microsoft.com/office/drawing/2014/main" id="{8487C2F4-333B-4987-B890-D87138065004}"/>
+              </a:ext>
+            </a:extLst>
+          </p:cNvPr>
+          <p:cNvSpPr>
+            <a:spLocks noGrp="1"/>
+          </p:cNvSpPr>
+          <p:nvPr>
+            <p:ph type="body" sz="quarter" idx="3"/>
+          </p:nvPr>
+        </p:nvSpPr>
+        <p:spPr>
+          <a:xfrm>
+            <a:off x="6169024" y="1690688"/>
+            <a:ext cx="5183188" cy="823912"/>
+          </a:xfrm>
+        </p:spPr>
+        <p:txBody>
+          <a:bodyPr>
+            <a:normAutofit/>
+          </a:bodyPr>
+          <a:lstStyle/>
+          <a:p>
+            <a:r>
+              <a:rPr lang="en-US" dirty="0"/>
+              <a:t>Quantum Probability Measure over Finite Fields</a:t>
+            </a:r>
+            <a:endParaRPr lang="en-US" i="1" dirty="0">
+              <a:latin typeface="Cambria Math" panose="02040503050406030204" pitchFamily="18" charset="0"/>
+              <a:ea typeface="Cambria Math" panose="02040503050406030204" pitchFamily="18" charset="0"/>
+            </a:endParaRPr>
+          </a:p>
+        </p:txBody>
+      </p:sp>
+      <mc:AlternateContent xmlns:mc="http://schemas.openxmlformats.org/markup-compatibility/2006">
+        <mc:Choice xmlns:a14="http://schemas.microsoft.com/office/drawing/2010/main" Requires="a14">
+          <p:sp>
+            <p:nvSpPr>
+              <p:cNvPr id="7" name="Content Placeholder 6">
+                <a:extLst>
+                  <a:ext uri="{FF2B5EF4-FFF2-40B4-BE49-F238E27FC236}">
+                    <a16:creationId xmlns:a16="http://schemas.microsoft.com/office/drawing/2014/main" id="{C75BD9D8-9251-4CCB-BE0F-0D011B4A8172}"/>
+                  </a:ext>
+                </a:extLst>
+              </p:cNvPr>
+              <p:cNvSpPr>
+                <a:spLocks noGrp="1"/>
+              </p:cNvSpPr>
+              <p:nvPr>
+                <p:ph sz="quarter" idx="4"/>
+              </p:nvPr>
+            </p:nvSpPr>
+            <p:spPr>
+              <a:xfrm>
+                <a:off x="6169024" y="2514600"/>
+                <a:ext cx="5183188" cy="3684588"/>
+              </a:xfrm>
+            </p:spPr>
+            <p:txBody>
+              <a:bodyPr>
+                <a:normAutofit fontScale="70000" lnSpcReduction="20000"/>
+              </a:bodyPr>
+              <a:lstStyle/>
+              <a:p>
+                <a:pPr>
+                  <a:lnSpc>
+                    <a:spcPct val="100000"/>
+                  </a:lnSpc>
+                </a:pPr>
+                <a:r>
+                  <a:rPr lang="en-US" dirty="0">
+                    <a:latin typeface="Cambria Math" panose="02040503050406030204" pitchFamily="18" charset="0"/>
+                  </a:rPr>
+                  <a:t>Let </a:t>
+                </a:r>
+                <a14:m>
+                  <m:oMath xmlns:m="http://schemas.openxmlformats.org/officeDocument/2006/math">
+                    <m:sSub>
+                      <m:sSubPr>
+                        <m:ctrlPr>
+                          <a:rPr lang="en-US" i="1">
+                            <a:latin typeface="Cambria Math" panose="02040503050406030204" pitchFamily="18" charset="0"/>
+                            <a:ea typeface="Cambria Math" panose="02040503050406030204" pitchFamily="18" charset="0"/>
+                          </a:rPr>
+                        </m:ctrlPr>
+                      </m:sSubPr>
+                      <m:e>
+                        <m:r>
+                          <a:rPr lang="en-US" i="1">
+                            <a:latin typeface="Cambria Math" panose="02040503050406030204" pitchFamily="18" charset="0"/>
+                            <a:ea typeface="Cambria Math" panose="02040503050406030204" pitchFamily="18" charset="0"/>
+                          </a:rPr>
+                          <m:t>ℰ</m:t>
+                        </m:r>
+                      </m:e>
+                      <m:sub>
+                        <m:sSup>
+                          <m:sSupPr>
+                            <m:ctrlPr>
+                              <a:rPr lang="en-US" i="1">
+                                <a:latin typeface="Cambria Math" panose="02040503050406030204" pitchFamily="18" charset="0"/>
+                                <a:ea typeface="Cambria Math" panose="02040503050406030204" pitchFamily="18" charset="0"/>
+                              </a:rPr>
+                            </m:ctrlPr>
+                          </m:sSupPr>
+                          <m:e>
+                            <m:r>
+                              <a:rPr lang="en-US" i="1">
+                                <a:latin typeface="Cambria Math" panose="02040503050406030204" pitchFamily="18" charset="0"/>
+                                <a:ea typeface="Cambria Math" panose="02040503050406030204" pitchFamily="18" charset="0"/>
+                              </a:rPr>
+                              <m:t>𝑝</m:t>
+                            </m:r>
+                          </m:e>
+                          <m:sup>
+                            <m:r>
+                              <a:rPr lang="en-US" i="1">
+                                <a:latin typeface="Cambria Math" panose="02040503050406030204" pitchFamily="18" charset="0"/>
+                                <a:ea typeface="Cambria Math" panose="02040503050406030204" pitchFamily="18" charset="0"/>
+                              </a:rPr>
+                              <m:t>2</m:t>
+                            </m:r>
+                          </m:sup>
+                        </m:sSup>
+                      </m:sub>
+                    </m:sSub>
+                  </m:oMath>
+                </a14:m>
+                <a:r>
+                  <a:rPr lang="en-US" dirty="0">
+                    <a:latin typeface="Cambria Math" panose="02040503050406030204" pitchFamily="18" charset="0"/>
+                  </a:rPr>
+                  <a:t> denote the set of projectors which can be expressed as the sum of </a:t>
+                </a:r>
+                <a14:m>
+                  <m:oMath xmlns:m="http://schemas.openxmlformats.org/officeDocument/2006/math">
+                    <m:r>
+                      <a:rPr lang="en-US" b="0" i="1" smtClean="0">
+                        <a:latin typeface="Cambria Math" panose="02040503050406030204" pitchFamily="18" charset="0"/>
+                      </a:rPr>
+                      <m:t>1</m:t>
+                    </m:r>
+                  </m:oMath>
+                </a14:m>
+                <a:r>
+                  <a:rPr lang="en-US" dirty="0">
+                    <a:latin typeface="Cambria Math" panose="02040503050406030204" pitchFamily="18" charset="0"/>
+                  </a:rPr>
+                  <a:t>-dimensional projectors on </a:t>
+                </a:r>
+                <a14:m>
+                  <m:oMath xmlns:m="http://schemas.openxmlformats.org/officeDocument/2006/math">
+                    <m:sSub>
+                      <m:sSubPr>
+                        <m:ctrlPr>
+                          <a:rPr lang="en-US" i="1">
+                            <a:latin typeface="Cambria Math" panose="02040503050406030204" pitchFamily="18" charset="0"/>
+                          </a:rPr>
+                        </m:ctrlPr>
+                      </m:sSubPr>
+                      <m:e>
+                        <m:r>
+                          <a:rPr lang="en-US" i="1">
+                            <a:latin typeface="Cambria Math" panose="02040503050406030204" pitchFamily="18" charset="0"/>
+                          </a:rPr>
+                          <m:t>𝔽</m:t>
+                        </m:r>
+                      </m:e>
+                      <m:sub>
+                        <m:sSup>
+                          <m:sSupPr>
+                            <m:ctrlPr>
+                              <a:rPr lang="en-US" i="1">
+                                <a:latin typeface="Cambria Math" panose="02040503050406030204" pitchFamily="18" charset="0"/>
+                              </a:rPr>
+                            </m:ctrlPr>
+                          </m:sSupPr>
+                          <m:e>
+                            <m:r>
+                              <a:rPr lang="en-US" i="1">
+                                <a:latin typeface="Cambria Math" panose="02040503050406030204" pitchFamily="18" charset="0"/>
+                              </a:rPr>
+                              <m:t>𝑝</m:t>
+                            </m:r>
+                          </m:e>
+                          <m:sup>
+                            <m:r>
+                              <a:rPr lang="en-US" i="1">
+                                <a:latin typeface="Cambria Math" panose="02040503050406030204" pitchFamily="18" charset="0"/>
+                              </a:rPr>
+                              <m:t>2</m:t>
+                            </m:r>
+                          </m:sup>
+                        </m:sSup>
+                      </m:sub>
+                    </m:sSub>
+                  </m:oMath>
+                </a14:m>
+                <a:r>
+                  <a:rPr lang="en-US" dirty="0">
+                    <a:latin typeface="Cambria Math" panose="02040503050406030204" pitchFamily="18" charset="0"/>
+                  </a:rPr>
+                  <a:t>.</a:t>
+                </a:r>
+              </a:p>
+              <a:p>
+                <a:pPr>
+                  <a:lnSpc>
+                    <a:spcPct val="100000"/>
+                  </a:lnSpc>
+                </a:pPr>
+                <a14:m>
+                  <m:oMath xmlns:m="http://schemas.openxmlformats.org/officeDocument/2006/math">
+                    <m:r>
+                      <a:rPr lang="en-US" i="1" smtClean="0">
+                        <a:latin typeface="Cambria Math" panose="02040503050406030204" pitchFamily="18" charset="0"/>
+                      </a:rPr>
+                      <m:t>𝜇</m:t>
+                    </m:r>
+                    <m:r>
+                      <a:rPr lang="en-US" i="1" smtClean="0">
+                        <a:latin typeface="Cambria Math" panose="02040503050406030204" pitchFamily="18" charset="0"/>
+                      </a:rPr>
+                      <m:t>:</m:t>
+                    </m:r>
+                    <m:sSub>
+                      <m:sSubPr>
+                        <m:ctrlPr>
+                          <a:rPr lang="en-US" b="0" i="1" smtClean="0">
+                            <a:latin typeface="Cambria Math" panose="02040503050406030204" pitchFamily="18" charset="0"/>
+                            <a:ea typeface="Cambria Math" panose="02040503050406030204" pitchFamily="18" charset="0"/>
+                          </a:rPr>
+                        </m:ctrlPr>
+                      </m:sSubPr>
+                      <m:e>
+                        <m:r>
+                          <a:rPr lang="en-US" i="1">
+                            <a:latin typeface="Cambria Math" panose="02040503050406030204" pitchFamily="18" charset="0"/>
+                            <a:ea typeface="Cambria Math" panose="02040503050406030204" pitchFamily="18" charset="0"/>
+                          </a:rPr>
+                          <m:t>ℰ</m:t>
+                        </m:r>
+                      </m:e>
+                      <m:sub>
+                        <m:sSup>
+                          <m:sSupPr>
+                            <m:ctrlPr>
+                              <a:rPr lang="en-US" b="0" i="1" smtClean="0">
+                                <a:latin typeface="Cambria Math" panose="02040503050406030204" pitchFamily="18" charset="0"/>
+                                <a:ea typeface="Cambria Math" panose="02040503050406030204" pitchFamily="18" charset="0"/>
+                              </a:rPr>
+                            </m:ctrlPr>
+                          </m:sSupPr>
+                          <m:e>
+                            <m:r>
+                              <a:rPr lang="en-US" b="0" i="1" smtClean="0">
+                                <a:latin typeface="Cambria Math" panose="02040503050406030204" pitchFamily="18" charset="0"/>
+                                <a:ea typeface="Cambria Math" panose="02040503050406030204" pitchFamily="18" charset="0"/>
+                              </a:rPr>
+                              <m:t>𝑝</m:t>
+                            </m:r>
+                          </m:e>
+                          <m:sup>
+                            <m:r>
+                              <a:rPr lang="en-US" b="0" i="1" smtClean="0">
+                                <a:latin typeface="Cambria Math" panose="02040503050406030204" pitchFamily="18" charset="0"/>
+                                <a:ea typeface="Cambria Math" panose="02040503050406030204" pitchFamily="18" charset="0"/>
+                              </a:rPr>
+                              <m:t>2</m:t>
+                            </m:r>
+                          </m:sup>
+                        </m:sSup>
+                      </m:sub>
+                    </m:sSub>
+                    <m:r>
+                      <a:rPr lang="en-US">
+                        <a:latin typeface="Cambria Math" panose="02040503050406030204" pitchFamily="18" charset="0"/>
+                        <a:ea typeface="Cambria Math" panose="02040503050406030204" pitchFamily="18" charset="0"/>
+                      </a:rPr>
+                      <m:t>→</m:t>
+                    </m:r>
+                    <m:d>
+                      <m:dPr>
+                        <m:begChr m:val="["/>
+                        <m:endChr m:val="]"/>
+                        <m:ctrlPr>
+                          <a:rPr lang="en-US" i="1">
+                            <a:latin typeface="Cambria Math" panose="02040503050406030204" pitchFamily="18" charset="0"/>
+                            <a:ea typeface="Cambria Math" panose="02040503050406030204" pitchFamily="18" charset="0"/>
+                          </a:rPr>
+                        </m:ctrlPr>
+                      </m:dPr>
+                      <m:e>
+                        <m:r>
+                          <a:rPr lang="en-US" i="1">
+                            <a:latin typeface="Cambria Math" panose="02040503050406030204" pitchFamily="18" charset="0"/>
+                            <a:ea typeface="Cambria Math" panose="02040503050406030204" pitchFamily="18" charset="0"/>
+                          </a:rPr>
+                          <m:t>0,1</m:t>
+                        </m:r>
+                      </m:e>
+                    </m:d>
+                  </m:oMath>
+                </a14:m>
+                <a:endParaRPr lang="en-US" i="1" dirty="0">
+                  <a:solidFill>
+                    <a:srgbClr val="BF9000"/>
+                  </a:solidFill>
+                  <a:latin typeface="Cambria Math" panose="02040503050406030204" pitchFamily="18" charset="0"/>
+                  <a:ea typeface="Cambria Math" panose="02040503050406030204" pitchFamily="18" charset="0"/>
+                </a:endParaRPr>
+              </a:p>
+              <a:p>
+                <a:pPr>
+                  <a:lnSpc>
+                    <a:spcPct val="100000"/>
+                  </a:lnSpc>
+                </a:pPr>
+                <a14:m>
+                  <m:oMath xmlns:m="http://schemas.openxmlformats.org/officeDocument/2006/math">
+                    <m:r>
+                      <a:rPr lang="en-US" i="1">
+                        <a:latin typeface="Cambria Math" panose="02040503050406030204" pitchFamily="18" charset="0"/>
+                      </a:rPr>
+                      <m:t>𝜇</m:t>
+                    </m:r>
+                    <m:d>
+                      <m:dPr>
+                        <m:ctrlPr>
+                          <a:rPr lang="en-US" i="1">
+                            <a:latin typeface="Cambria Math" panose="02040503050406030204" pitchFamily="18" charset="0"/>
+                          </a:rPr>
+                        </m:ctrlPr>
+                      </m:dPr>
+                      <m:e>
+                        <m:r>
+                          <a:rPr lang="en-US" i="1">
+                            <a:solidFill>
+                              <a:srgbClr val="FF0000"/>
+                            </a:solidFill>
+                            <a:latin typeface="Cambria Math" panose="02040503050406030204" pitchFamily="18" charset="0"/>
+                          </a:rPr>
+                          <m:t>𝟘</m:t>
+                        </m:r>
+                      </m:e>
+                    </m:d>
+                    <m:r>
+                      <a:rPr lang="en-US" i="1">
+                        <a:latin typeface="Cambria Math" panose="02040503050406030204" pitchFamily="18" charset="0"/>
+                      </a:rPr>
+                      <m:t>=0</m:t>
+                    </m:r>
+                  </m:oMath>
+                </a14:m>
+                <a:r>
+                  <a:rPr lang="en-US" dirty="0"/>
+                  <a:t>.</a:t>
+                </a:r>
+              </a:p>
+              <a:p>
+                <a:pPr>
+                  <a:lnSpc>
+                    <a:spcPct val="100000"/>
+                  </a:lnSpc>
+                </a:pPr>
+                <a14:m>
+                  <m:oMath xmlns:m="http://schemas.openxmlformats.org/officeDocument/2006/math">
+                    <m:r>
+                      <a:rPr lang="en-US" i="1">
+                        <a:latin typeface="Cambria Math" panose="02040503050406030204" pitchFamily="18" charset="0"/>
+                      </a:rPr>
+                      <m:t>𝜇</m:t>
+                    </m:r>
+                    <m:d>
+                      <m:dPr>
+                        <m:ctrlPr>
+                          <a:rPr lang="en-US" i="1">
+                            <a:latin typeface="Cambria Math" panose="02040503050406030204" pitchFamily="18" charset="0"/>
+                          </a:rPr>
+                        </m:ctrlPr>
+                      </m:dPr>
+                      <m:e>
+                        <m:r>
+                          <a:rPr lang="en-US" i="1">
+                            <a:solidFill>
+                              <a:srgbClr val="FF0000"/>
+                            </a:solidFill>
+                            <a:latin typeface="Cambria Math" panose="02040503050406030204" pitchFamily="18" charset="0"/>
+                          </a:rPr>
+                          <m:t>𝟙</m:t>
+                        </m:r>
+                      </m:e>
+                    </m:d>
+                    <m:r>
+                      <a:rPr lang="en-US" i="1">
+                        <a:latin typeface="Cambria Math" panose="02040503050406030204" pitchFamily="18" charset="0"/>
+                      </a:rPr>
+                      <m:t>=1</m:t>
+                    </m:r>
+                  </m:oMath>
+                </a14:m>
+                <a:r>
+                  <a:rPr lang="en-US" dirty="0"/>
+                  <a:t>.</a:t>
+                </a:r>
+              </a:p>
+              <a:p>
+                <a:pPr>
+                  <a:lnSpc>
+                    <a:spcPct val="100000"/>
+                  </a:lnSpc>
+                </a:pPr>
+                <a:r>
+                  <a:rPr lang="en-US" dirty="0"/>
+                  <a:t>For any projector </a:t>
+                </a:r>
+                <a14:m>
+                  <m:oMath xmlns:m="http://schemas.openxmlformats.org/officeDocument/2006/math">
+                    <m:r>
+                      <a:rPr lang="en-US" i="1">
+                        <a:latin typeface="Cambria Math" panose="02040503050406030204" pitchFamily="18" charset="0"/>
+                      </a:rPr>
+                      <m:t>𝑃</m:t>
+                    </m:r>
+                  </m:oMath>
+                </a14:m>
+                <a:r>
+                  <a:rPr lang="en-US" dirty="0"/>
+                  <a:t>,</a:t>
+                </a:r>
+                <a:br>
+                  <a:rPr lang="en-US" i="1" dirty="0">
+                    <a:latin typeface="Cambria Math" panose="02040503050406030204" pitchFamily="18" charset="0"/>
+                  </a:rPr>
+                </a:br>
+                <a14:m>
+                  <m:oMath xmlns:m="http://schemas.openxmlformats.org/officeDocument/2006/math">
+                    <m:r>
+                      <a:rPr lang="en-US" i="1">
+                        <a:latin typeface="Cambria Math" panose="02040503050406030204" pitchFamily="18" charset="0"/>
+                      </a:rPr>
+                      <m:t>𝜇</m:t>
+                    </m:r>
+                    <m:d>
+                      <m:dPr>
+                        <m:ctrlPr>
+                          <a:rPr lang="en-US" i="1">
+                            <a:latin typeface="Cambria Math" panose="02040503050406030204" pitchFamily="18" charset="0"/>
+                          </a:rPr>
+                        </m:ctrlPr>
+                      </m:dPr>
+                      <m:e>
+                        <m:r>
+                          <a:rPr lang="en-US" i="1">
+                            <a:solidFill>
+                              <a:srgbClr val="FF0000"/>
+                            </a:solidFill>
+                            <a:latin typeface="Cambria Math" panose="02040503050406030204" pitchFamily="18" charset="0"/>
+                          </a:rPr>
+                          <m:t>𝟙</m:t>
+                        </m:r>
+                        <m:r>
+                          <a:rPr lang="en-US" i="1">
+                            <a:solidFill>
+                              <a:srgbClr val="FF0000"/>
+                            </a:solidFill>
+                            <a:latin typeface="Cambria Math" panose="02040503050406030204" pitchFamily="18" charset="0"/>
+                          </a:rPr>
+                          <m:t>−</m:t>
+                        </m:r>
+                        <m:r>
+                          <a:rPr lang="en-US" i="1">
+                            <a:latin typeface="Cambria Math" panose="02040503050406030204" pitchFamily="18" charset="0"/>
+                          </a:rPr>
+                          <m:t>𝑃</m:t>
+                        </m:r>
+                      </m:e>
+                    </m:d>
+                    <m:r>
+                      <a:rPr lang="en-US" i="1">
+                        <a:latin typeface="Cambria Math" panose="02040503050406030204" pitchFamily="18" charset="0"/>
+                      </a:rPr>
+                      <m:t>=1−</m:t>
+                    </m:r>
+                    <m:r>
+                      <a:rPr lang="en-US" i="1">
+                        <a:latin typeface="Cambria Math" panose="02040503050406030204" pitchFamily="18" charset="0"/>
+                      </a:rPr>
+                      <m:t>𝜇</m:t>
+                    </m:r>
+                    <m:d>
+                      <m:dPr>
+                        <m:ctrlPr>
+                          <a:rPr lang="en-US" i="1">
+                            <a:latin typeface="Cambria Math" panose="02040503050406030204" pitchFamily="18" charset="0"/>
+                          </a:rPr>
+                        </m:ctrlPr>
+                      </m:dPr>
+                      <m:e>
+                        <m:r>
+                          <a:rPr lang="en-US" i="1">
+                            <a:latin typeface="Cambria Math" panose="02040503050406030204" pitchFamily="18" charset="0"/>
+                          </a:rPr>
+                          <m:t>𝑃</m:t>
+                        </m:r>
+                      </m:e>
+                    </m:d>
+                    <m:r>
+                      <a:rPr lang="en-US" i="1">
+                        <a:latin typeface="Cambria Math" panose="02040503050406030204" pitchFamily="18" charset="0"/>
+                      </a:rPr>
+                      <m:t> .</m:t>
+                    </m:r>
+                  </m:oMath>
+                </a14:m>
+                <a:endParaRPr lang="en-US" dirty="0"/>
+              </a:p>
+              <a:p>
+                <a:pPr>
+                  <a:lnSpc>
+                    <a:spcPct val="100000"/>
+                  </a:lnSpc>
+                </a:pPr>
+                <a:r>
+                  <a:rPr lang="en-US" dirty="0"/>
+                  <a:t>For </a:t>
+                </a:r>
+                <a:r>
+                  <a:rPr lang="en-US" dirty="0">
+                    <a:solidFill>
+                      <a:srgbClr val="FF0000"/>
+                    </a:solidFill>
+                  </a:rPr>
+                  <a:t>orthogonal </a:t>
+                </a:r>
+                <a:r>
+                  <a:rPr lang="en-US" dirty="0"/>
+                  <a:t>projectors </a:t>
+                </a:r>
+                <a14:m>
+                  <m:oMath xmlns:m="http://schemas.openxmlformats.org/officeDocument/2006/math">
+                    <m:sSub>
+                      <m:sSubPr>
+                        <m:ctrlPr>
+                          <a:rPr lang="en-US" i="1">
+                            <a:latin typeface="Cambria Math" panose="02040503050406030204" pitchFamily="18" charset="0"/>
+                          </a:rPr>
+                        </m:ctrlPr>
+                      </m:sSubPr>
+                      <m:e>
+                        <m:r>
+                          <a:rPr lang="en-US" i="1">
+                            <a:latin typeface="Cambria Math" panose="02040503050406030204" pitchFamily="18" charset="0"/>
+                          </a:rPr>
+                          <m:t>𝑃</m:t>
+                        </m:r>
+                      </m:e>
+                      <m:sub>
+                        <m:r>
+                          <a:rPr lang="en-US" i="1">
+                            <a:latin typeface="Cambria Math" panose="02040503050406030204" pitchFamily="18" charset="0"/>
+                          </a:rPr>
+                          <m:t>0</m:t>
+                        </m:r>
+                      </m:sub>
+                    </m:sSub>
+                  </m:oMath>
+                </a14:m>
+                <a:r>
+                  <a:rPr lang="en-US" dirty="0"/>
+                  <a:t> and </a:t>
+                </a:r>
+                <a14:m>
+                  <m:oMath xmlns:m="http://schemas.openxmlformats.org/officeDocument/2006/math">
+                    <m:sSub>
+                      <m:sSubPr>
+                        <m:ctrlPr>
+                          <a:rPr lang="en-US" i="1">
+                            <a:latin typeface="Cambria Math" panose="02040503050406030204" pitchFamily="18" charset="0"/>
+                          </a:rPr>
+                        </m:ctrlPr>
+                      </m:sSubPr>
+                      <m:e>
+                        <m:r>
+                          <a:rPr lang="en-US" i="1">
+                            <a:latin typeface="Cambria Math" panose="02040503050406030204" pitchFamily="18" charset="0"/>
+                          </a:rPr>
+                          <m:t>𝑃</m:t>
+                        </m:r>
+                      </m:e>
+                      <m:sub>
+                        <m:r>
+                          <a:rPr lang="en-US" i="1">
+                            <a:latin typeface="Cambria Math" panose="02040503050406030204" pitchFamily="18" charset="0"/>
+                          </a:rPr>
+                          <m:t>1</m:t>
+                        </m:r>
+                      </m:sub>
+                    </m:sSub>
+                  </m:oMath>
+                </a14:m>
+                <a:r>
+                  <a:rPr lang="en-US" dirty="0"/>
+                  <a:t> </a:t>
+                </a:r>
+                <a:br>
+                  <a:rPr lang="en-US" dirty="0"/>
+                </a:br>
+                <a:r>
+                  <a:rPr lang="en-US" dirty="0"/>
+                  <a:t>(</a:t>
+                </a:r>
+                <a14:m>
+                  <m:oMath xmlns:m="http://schemas.openxmlformats.org/officeDocument/2006/math">
+                    <m:sSub>
+                      <m:sSubPr>
+                        <m:ctrlPr>
+                          <a:rPr lang="en-US" i="1">
+                            <a:solidFill>
+                              <a:srgbClr val="FF0000"/>
+                            </a:solidFill>
+                            <a:latin typeface="Cambria Math" panose="02040503050406030204" pitchFamily="18" charset="0"/>
+                          </a:rPr>
+                        </m:ctrlPr>
+                      </m:sSubPr>
+                      <m:e>
+                        <m:r>
+                          <a:rPr lang="en-US" i="1">
+                            <a:solidFill>
+                              <a:srgbClr val="FF0000"/>
+                            </a:solidFill>
+                            <a:latin typeface="Cambria Math" panose="02040503050406030204" pitchFamily="18" charset="0"/>
+                          </a:rPr>
+                          <m:t>𝑃</m:t>
+                        </m:r>
+                      </m:e>
+                      <m:sub>
+                        <m:r>
+                          <a:rPr lang="en-US" i="1">
+                            <a:solidFill>
+                              <a:srgbClr val="FF0000"/>
+                            </a:solidFill>
+                            <a:latin typeface="Cambria Math" panose="02040503050406030204" pitchFamily="18" charset="0"/>
+                          </a:rPr>
+                          <m:t>0</m:t>
+                        </m:r>
+                      </m:sub>
+                    </m:sSub>
+                    <m:sSub>
+                      <m:sSubPr>
+                        <m:ctrlPr>
+                          <a:rPr lang="en-US" i="1">
+                            <a:solidFill>
+                              <a:srgbClr val="FF0000"/>
+                            </a:solidFill>
+                            <a:latin typeface="Cambria Math" panose="02040503050406030204" pitchFamily="18" charset="0"/>
+                          </a:rPr>
+                        </m:ctrlPr>
+                      </m:sSubPr>
+                      <m:e>
+                        <m:r>
+                          <a:rPr lang="en-US" i="1">
+                            <a:solidFill>
+                              <a:srgbClr val="FF0000"/>
+                            </a:solidFill>
+                            <a:latin typeface="Cambria Math" panose="02040503050406030204" pitchFamily="18" charset="0"/>
+                          </a:rPr>
+                          <m:t>𝑃</m:t>
+                        </m:r>
+                      </m:e>
+                      <m:sub>
+                        <m:r>
+                          <a:rPr lang="en-US" i="1">
+                            <a:solidFill>
+                              <a:srgbClr val="FF0000"/>
+                            </a:solidFill>
+                            <a:latin typeface="Cambria Math" panose="02040503050406030204" pitchFamily="18" charset="0"/>
+                          </a:rPr>
+                          <m:t>1</m:t>
+                        </m:r>
+                      </m:sub>
+                    </m:sSub>
+                    <m:r>
+                      <a:rPr lang="en-US" i="1">
+                        <a:solidFill>
+                          <a:srgbClr val="FF0000"/>
+                        </a:solidFill>
+                        <a:latin typeface="Cambria Math" panose="02040503050406030204" pitchFamily="18" charset="0"/>
+                      </a:rPr>
+                      <m:t>=</m:t>
+                    </m:r>
+                    <m:r>
+                      <a:rPr lang="en-US" i="1">
+                        <a:solidFill>
+                          <a:srgbClr val="FF0000"/>
+                        </a:solidFill>
+                        <a:latin typeface="Cambria Math" panose="02040503050406030204" pitchFamily="18" charset="0"/>
+                      </a:rPr>
+                      <m:t>𝟘</m:t>
+                    </m:r>
+                  </m:oMath>
+                </a14:m>
+                <a:r>
+                  <a:rPr lang="en-US" dirty="0"/>
+                  <a:t>), </a:t>
+                </a:r>
+                <a:br>
+                  <a:rPr lang="en-US" dirty="0"/>
+                </a:br>
+                <a14:m>
+                  <m:oMath xmlns:m="http://schemas.openxmlformats.org/officeDocument/2006/math">
+                    <m:r>
+                      <a:rPr lang="en-US" i="1">
+                        <a:latin typeface="Cambria Math" panose="02040503050406030204" pitchFamily="18" charset="0"/>
+                      </a:rPr>
+                      <m:t>𝜇</m:t>
+                    </m:r>
+                    <m:d>
+                      <m:dPr>
+                        <m:ctrlPr>
+                          <a:rPr lang="en-US" i="1">
+                            <a:latin typeface="Cambria Math" panose="02040503050406030204" pitchFamily="18" charset="0"/>
+                          </a:rPr>
+                        </m:ctrlPr>
+                      </m:dPr>
+                      <m:e>
+                        <m:sSub>
+                          <m:sSubPr>
+                            <m:ctrlPr>
+                              <a:rPr lang="en-US" i="1">
+                                <a:latin typeface="Cambria Math" panose="02040503050406030204" pitchFamily="18" charset="0"/>
+                              </a:rPr>
+                            </m:ctrlPr>
+                          </m:sSubPr>
+                          <m:e>
+                            <m:r>
+                              <a:rPr lang="en-US" i="1">
+                                <a:latin typeface="Cambria Math" panose="02040503050406030204" pitchFamily="18" charset="0"/>
+                              </a:rPr>
+                              <m:t>𝑃</m:t>
+                            </m:r>
+                          </m:e>
+                          <m:sub>
+                            <m:r>
+                              <a:rPr lang="en-US" i="1">
+                                <a:latin typeface="Cambria Math" panose="02040503050406030204" pitchFamily="18" charset="0"/>
+                              </a:rPr>
+                              <m:t>0</m:t>
+                            </m:r>
+                          </m:sub>
+                        </m:sSub>
+                        <m:r>
+                          <a:rPr lang="en-US" i="1">
+                            <a:solidFill>
+                              <a:srgbClr val="FF0000"/>
+                            </a:solidFill>
+                            <a:latin typeface="Cambria Math" panose="02040503050406030204" pitchFamily="18" charset="0"/>
+                          </a:rPr>
+                          <m:t>+</m:t>
+                        </m:r>
+                        <m:sSub>
+                          <m:sSubPr>
+                            <m:ctrlPr>
+                              <a:rPr lang="en-US" i="1">
+                                <a:latin typeface="Cambria Math" panose="02040503050406030204" pitchFamily="18" charset="0"/>
+                              </a:rPr>
+                            </m:ctrlPr>
+                          </m:sSubPr>
+                          <m:e>
+                            <m:r>
+                              <a:rPr lang="en-US" i="1">
+                                <a:latin typeface="Cambria Math" panose="02040503050406030204" pitchFamily="18" charset="0"/>
+                              </a:rPr>
+                              <m:t>𝑃</m:t>
+                            </m:r>
+                          </m:e>
+                          <m:sub>
+                            <m:r>
+                              <a:rPr lang="en-US" i="1">
+                                <a:latin typeface="Cambria Math" panose="02040503050406030204" pitchFamily="18" charset="0"/>
+                              </a:rPr>
+                              <m:t>1</m:t>
+                            </m:r>
+                          </m:sub>
+                        </m:sSub>
+                      </m:e>
+                    </m:d>
+                    <m:r>
+                      <a:rPr lang="en-US" i="1">
+                        <a:latin typeface="Cambria Math" panose="02040503050406030204" pitchFamily="18" charset="0"/>
+                      </a:rPr>
+                      <m:t>=</m:t>
+                    </m:r>
+                    <m:r>
+                      <a:rPr lang="en-US" i="1">
+                        <a:latin typeface="Cambria Math" panose="02040503050406030204" pitchFamily="18" charset="0"/>
+                      </a:rPr>
+                      <m:t>𝜇</m:t>
+                    </m:r>
+                    <m:d>
+                      <m:dPr>
+                        <m:ctrlPr>
+                          <a:rPr lang="en-US" i="1">
+                            <a:latin typeface="Cambria Math" panose="02040503050406030204" pitchFamily="18" charset="0"/>
+                          </a:rPr>
+                        </m:ctrlPr>
+                      </m:dPr>
+                      <m:e>
+                        <m:sSub>
+                          <m:sSubPr>
+                            <m:ctrlPr>
+                              <a:rPr lang="en-US" i="1">
+                                <a:latin typeface="Cambria Math" panose="02040503050406030204" pitchFamily="18" charset="0"/>
+                              </a:rPr>
+                            </m:ctrlPr>
+                          </m:sSubPr>
+                          <m:e>
+                            <m:r>
+                              <a:rPr lang="en-US" i="1">
+                                <a:latin typeface="Cambria Math" panose="02040503050406030204" pitchFamily="18" charset="0"/>
+                              </a:rPr>
+                              <m:t>𝑃</m:t>
+                            </m:r>
+                          </m:e>
+                          <m:sub>
+                            <m:r>
+                              <a:rPr lang="en-US" i="1">
+                                <a:latin typeface="Cambria Math" panose="02040503050406030204" pitchFamily="18" charset="0"/>
+                              </a:rPr>
+                              <m:t>0</m:t>
+                            </m:r>
+                          </m:sub>
+                        </m:sSub>
+                      </m:e>
+                    </m:d>
+                    <m:r>
+                      <a:rPr lang="en-US" i="1">
+                        <a:latin typeface="Cambria Math" panose="02040503050406030204" pitchFamily="18" charset="0"/>
+                      </a:rPr>
+                      <m:t>+</m:t>
+                    </m:r>
+                    <m:r>
+                      <a:rPr lang="en-US" i="1">
+                        <a:latin typeface="Cambria Math" panose="02040503050406030204" pitchFamily="18" charset="0"/>
+                      </a:rPr>
+                      <m:t>𝜇</m:t>
+                    </m:r>
+                    <m:d>
+                      <m:dPr>
+                        <m:ctrlPr>
+                          <a:rPr lang="en-US" i="1">
+                            <a:latin typeface="Cambria Math" panose="02040503050406030204" pitchFamily="18" charset="0"/>
+                          </a:rPr>
+                        </m:ctrlPr>
+                      </m:dPr>
+                      <m:e>
+                        <m:sSub>
+                          <m:sSubPr>
+                            <m:ctrlPr>
+                              <a:rPr lang="en-US" i="1">
+                                <a:latin typeface="Cambria Math" panose="02040503050406030204" pitchFamily="18" charset="0"/>
+                              </a:rPr>
+                            </m:ctrlPr>
+                          </m:sSubPr>
+                          <m:e>
+                            <m:r>
+                              <a:rPr lang="en-US" i="1">
+                                <a:latin typeface="Cambria Math" panose="02040503050406030204" pitchFamily="18" charset="0"/>
+                              </a:rPr>
+                              <m:t>𝑃</m:t>
+                            </m:r>
+                          </m:e>
+                          <m:sub>
+                            <m:r>
+                              <a:rPr lang="en-US" i="1">
+                                <a:latin typeface="Cambria Math" panose="02040503050406030204" pitchFamily="18" charset="0"/>
+                              </a:rPr>
+                              <m:t>1</m:t>
+                            </m:r>
+                          </m:sub>
+                        </m:sSub>
+                      </m:e>
+                    </m:d>
+                    <m:r>
+                      <a:rPr lang="en-US" i="1">
+                        <a:latin typeface="Cambria Math" panose="02040503050406030204" pitchFamily="18" charset="0"/>
+                      </a:rPr>
+                      <m:t> .</m:t>
+                    </m:r>
+                  </m:oMath>
+                </a14:m>
+                <a:br>
+                  <a:rPr lang="en-US" dirty="0"/>
+                </a:br>
+                <a:endParaRPr lang="en-US" dirty="0"/>
+              </a:p>
+            </p:txBody>
+          </p:sp>
+        </mc:Choice>
+        <mc:Fallback>
+          <p:sp>
+            <p:nvSpPr>
+              <p:cNvPr id="7" name="Content Placeholder 6">
+                <a:extLst>
+                  <a:ext uri="{FF2B5EF4-FFF2-40B4-BE49-F238E27FC236}">
+                    <a16:creationId xmlns:a16="http://schemas.microsoft.com/office/drawing/2014/main" id="{C75BD9D8-9251-4CCB-BE0F-0D011B4A8172}"/>
+                  </a:ext>
+                </a:extLst>
+              </p:cNvPr>
+              <p:cNvSpPr>
+                <a:spLocks noGrp="1" noRot="1" noChangeAspect="1" noMove="1" noResize="1" noEditPoints="1" noAdjustHandles="1" noChangeArrowheads="1" noChangeShapeType="1" noTextEdit="1"/>
+              </p:cNvSpPr>
+              <p:nvPr>
+                <p:ph sz="quarter" idx="4"/>
+              </p:nvPr>
+            </p:nvSpPr>
+            <p:spPr>
+              <a:xfrm>
+                <a:off x="6169024" y="2514600"/>
+                <a:ext cx="5183188" cy="3684588"/>
+              </a:xfrm>
+              <a:blipFill>
+                <a:blip r:embed="rId3"/>
+                <a:stretch>
+                  <a:fillRect l="-1059" t="-2649"/>
+                </a:stretch>
+              </a:blipFill>
+            </p:spPr>
+            <p:txBody>
+              <a:bodyPr/>
+              <a:lstStyle/>
+              <a:p>
+                <a:r>
+                  <a:rPr lang="en-US">
+                    <a:noFill/>
+                  </a:rPr>
+                  <a:t> </a:t>
+                </a:r>
+              </a:p>
+            </p:txBody>
+          </p:sp>
+        </mc:Fallback>
+      </mc:AlternateContent>
+    </p:spTree>
+    <p:extLst>
+      <p:ext uri="{BB962C8B-B14F-4D97-AF65-F5344CB8AC3E}">
+        <p14:creationId xmlns:p14="http://schemas.microsoft.com/office/powerpoint/2010/main" val="3886009269"/>
+      </p:ext>
+    </p:extLst>
+  </p:cSld>
+  <p:clrMapOvr>
+    <a:masterClrMapping/>
+  </p:clrMapOvr>
+</p:sld>
+</file>
+
+<file path=ppt/slides/slide25.xml><?xml version="1.0" encoding="utf-8"?>
+<p:sld xmlns:a="http://schemas.openxmlformats.org/drawingml/2006/main" xmlns:r="http://schemas.openxmlformats.org/officeDocument/2006/relationships" xmlns:p="http://schemas.openxmlformats.org/presentationml/2006/main">
+  <p:cSld>
+    <p:spTree>
+      <p:nvGrpSpPr>
+        <p:cNvPr id="1" name=""/>
+        <p:cNvGrpSpPr/>
+        <p:nvPr/>
+      </p:nvGrpSpPr>
+      <p:grpSpPr>
+        <a:xfrm>
+          <a:off x="0" y="0"/>
+          <a:ext cx="0" cy="0"/>
+          <a:chOff x="0" y="0"/>
+          <a:chExt cx="0" cy="0"/>
+        </a:xfrm>
+      </p:grpSpPr>
+      <p:sp>
+        <p:nvSpPr>
+          <p:cNvPr id="2" name="Title 1">
+            <a:extLst>
+              <a:ext uri="{FF2B5EF4-FFF2-40B4-BE49-F238E27FC236}">
+                <a16:creationId xmlns:a16="http://schemas.microsoft.com/office/drawing/2014/main" id="{6B3CADE9-1929-4E2A-B538-BA81B3F05D69}"/>
+              </a:ext>
+            </a:extLst>
+          </p:cNvPr>
+          <p:cNvSpPr>
+            <a:spLocks noGrp="1"/>
+          </p:cNvSpPr>
+          <p:nvPr>
+            <p:ph type="title"/>
+          </p:nvPr>
+        </p:nvSpPr>
+        <p:spPr/>
+        <p:txBody>
+          <a:bodyPr/>
+          <a:lstStyle/>
+          <a:p>
+            <a:r>
+              <a:rPr lang="en-US" dirty="0"/>
+              <a:t>Quantum Probability Measures </a:t>
+            </a:r>
+            <a:br>
+              <a:rPr lang="en-US" dirty="0"/>
+            </a:br>
+            <a:r>
+              <a:rPr lang="en-US" dirty="0"/>
+              <a:t>over Finite Fields (QPMFF)</a:t>
+            </a:r>
+          </a:p>
+        </p:txBody>
+      </p:sp>
+      <mc:AlternateContent xmlns:mc="http://schemas.openxmlformats.org/markup-compatibility/2006">
+        <mc:Choice xmlns:a14="http://schemas.microsoft.com/office/drawing/2010/main" Requires="a14">
+          <p:sp>
+            <p:nvSpPr>
+              <p:cNvPr id="3" name="Content Placeholder 2">
+                <a:extLst>
+                  <a:ext uri="{FF2B5EF4-FFF2-40B4-BE49-F238E27FC236}">
+                    <a16:creationId xmlns:a16="http://schemas.microsoft.com/office/drawing/2014/main" id="{548F1546-3B2D-4BE0-89CB-830CE215A903}"/>
+                  </a:ext>
+                </a:extLst>
+              </p:cNvPr>
+              <p:cNvSpPr>
+                <a:spLocks noGrp="1"/>
+              </p:cNvSpPr>
+              <p:nvPr>
+                <p:ph idx="1"/>
+              </p:nvPr>
+            </p:nvSpPr>
+            <p:spPr/>
+            <p:txBody>
+              <a:bodyPr/>
+              <a:lstStyle/>
+              <a:p>
+                <a:r>
+                  <a:rPr lang="en-US" dirty="0"/>
+                  <a:t>When </a:t>
+                </a:r>
+                <a14:m>
+                  <m:oMath xmlns:m="http://schemas.openxmlformats.org/officeDocument/2006/math">
+                    <m:r>
+                      <a:rPr lang="en-US" b="0" i="1" smtClean="0">
+                        <a:latin typeface="Cambria Math" panose="02040503050406030204" pitchFamily="18" charset="0"/>
+                      </a:rPr>
+                      <m:t>𝐷</m:t>
+                    </m:r>
+                    <m:r>
+                      <a:rPr lang="en-US" b="0" i="1" smtClean="0">
+                        <a:latin typeface="Cambria Math" panose="02040503050406030204" pitchFamily="18" charset="0"/>
+                      </a:rPr>
+                      <m:t>=3</m:t>
+                    </m:r>
+                  </m:oMath>
+                </a14:m>
+                <a:r>
+                  <a:rPr lang="en-US" dirty="0"/>
+                  <a:t> and </a:t>
+                </a:r>
+                <a14:m>
+                  <m:oMath xmlns:m="http://schemas.openxmlformats.org/officeDocument/2006/math">
+                    <m:r>
+                      <a:rPr lang="en-US" b="0" i="1" smtClean="0">
+                        <a:latin typeface="Cambria Math" panose="02040503050406030204" pitchFamily="18" charset="0"/>
+                      </a:rPr>
+                      <m:t>𝑝</m:t>
+                    </m:r>
+                    <m:r>
+                      <a:rPr lang="en-US" b="0" i="1" smtClean="0">
+                        <a:latin typeface="Cambria Math" panose="02040503050406030204" pitchFamily="18" charset="0"/>
+                      </a:rPr>
+                      <m:t>=7</m:t>
+                    </m:r>
+                  </m:oMath>
+                </a14:m>
+                <a:r>
+                  <a:rPr lang="en-US" dirty="0"/>
+                  <a:t>, there is only one QPMFF.</a:t>
+                </a:r>
+              </a:p>
+              <a:p>
+                <a:r>
+                  <a:rPr lang="en-US" dirty="0"/>
+                  <a:t>For </a:t>
+                </a:r>
+                <a14:m>
+                  <m:oMath xmlns:m="http://schemas.openxmlformats.org/officeDocument/2006/math">
+                    <m:r>
+                      <a:rPr lang="en-US" i="1">
+                        <a:latin typeface="Cambria Math" panose="02040503050406030204" pitchFamily="18" charset="0"/>
+                      </a:rPr>
+                      <m:t>𝐷</m:t>
+                    </m:r>
+                    <m:r>
+                      <a:rPr lang="en-US" i="1">
+                        <a:latin typeface="Cambria Math" panose="02040503050406030204" pitchFamily="18" charset="0"/>
+                      </a:rPr>
+                      <m:t>≥3</m:t>
+                    </m:r>
+                  </m:oMath>
+                </a14:m>
+                <a:r>
+                  <a:rPr lang="en-US" dirty="0"/>
+                  <a:t> except </a:t>
+                </a:r>
+                <a14:m>
+                  <m:oMath xmlns:m="http://schemas.openxmlformats.org/officeDocument/2006/math">
+                    <m:r>
+                      <a:rPr lang="en-US" i="1">
+                        <a:latin typeface="Cambria Math" panose="02040503050406030204" pitchFamily="18" charset="0"/>
+                      </a:rPr>
+                      <m:t>𝑝</m:t>
+                    </m:r>
+                    <m:r>
+                      <a:rPr lang="en-US" i="1">
+                        <a:latin typeface="Cambria Math" panose="02040503050406030204" pitchFamily="18" charset="0"/>
+                      </a:rPr>
+                      <m:t>=</m:t>
+                    </m:r>
+                    <m:r>
+                      <a:rPr lang="en-US" i="1">
+                        <a:latin typeface="Cambria Math" panose="02040503050406030204" pitchFamily="18" charset="0"/>
+                      </a:rPr>
+                      <m:t>𝐷</m:t>
+                    </m:r>
+                    <m:r>
+                      <a:rPr lang="en-US" i="1">
+                        <a:latin typeface="Cambria Math" panose="02040503050406030204" pitchFamily="18" charset="0"/>
+                      </a:rPr>
+                      <m:t>=3 </m:t>
+                    </m:r>
+                  </m:oMath>
+                </a14:m>
+                <a:r>
+                  <a:rPr lang="en-US" dirty="0"/>
+                  <a:t>, there is no Born rule satisfying:</a:t>
+                </a:r>
+              </a:p>
+              <a:p>
+                <a:pPr lvl="1"/>
+                <a14:m>
+                  <m:oMath xmlns:m="http://schemas.openxmlformats.org/officeDocument/2006/math">
+                    <m:sSubSup>
+                      <m:sSubSupPr>
+                        <m:ctrlPr>
+                          <a:rPr lang="en-US" i="1">
+                            <a:latin typeface="Cambria Math" panose="02040503050406030204" pitchFamily="18" charset="0"/>
+                          </a:rPr>
+                        </m:ctrlPr>
+                      </m:sSubSupPr>
+                      <m:e>
+                        <m:r>
+                          <a:rPr lang="en-US" i="1">
+                            <a:latin typeface="Cambria Math" panose="02040503050406030204" pitchFamily="18" charset="0"/>
+                          </a:rPr>
+                          <m:t>𝜇</m:t>
+                        </m:r>
+                      </m:e>
+                      <m:sub>
+                        <m:r>
+                          <m:rPr>
+                            <m:sty m:val="p"/>
+                          </m:rPr>
+                          <a:rPr lang="en-US">
+                            <a:latin typeface="Cambria Math" panose="02040503050406030204" pitchFamily="18" charset="0"/>
+                          </a:rPr>
+                          <m:t>Φ</m:t>
+                        </m:r>
+                      </m:sub>
+                      <m:sup>
+                        <m:r>
+                          <m:rPr>
+                            <m:nor/>
+                          </m:rPr>
+                          <a:rPr lang="en-US" b="0" i="0" smtClean="0">
+                            <a:latin typeface="Cambria Math" panose="02040503050406030204" pitchFamily="18" charset="0"/>
+                          </a:rPr>
+                          <m:t>F</m:t>
+                        </m:r>
+                      </m:sup>
+                    </m:sSubSup>
+                    <m:r>
+                      <a:rPr lang="en-US" b="0" i="1" smtClean="0">
+                        <a:latin typeface="Cambria Math" panose="02040503050406030204" pitchFamily="18" charset="0"/>
+                      </a:rPr>
+                      <m:t>:</m:t>
+                    </m:r>
+                    <m:sSub>
+                      <m:sSubPr>
+                        <m:ctrlPr>
+                          <a:rPr lang="en-US" i="1">
+                            <a:latin typeface="Cambria Math" panose="02040503050406030204" pitchFamily="18" charset="0"/>
+                            <a:ea typeface="Cambria Math" panose="02040503050406030204" pitchFamily="18" charset="0"/>
+                          </a:rPr>
+                        </m:ctrlPr>
+                      </m:sSubPr>
+                      <m:e>
+                        <m:r>
+                          <a:rPr lang="en-US" i="1">
+                            <a:latin typeface="Cambria Math" panose="02040503050406030204" pitchFamily="18" charset="0"/>
+                            <a:ea typeface="Cambria Math" panose="02040503050406030204" pitchFamily="18" charset="0"/>
+                          </a:rPr>
+                          <m:t>ℰ</m:t>
+                        </m:r>
+                      </m:e>
+                      <m:sub>
+                        <m:sSup>
+                          <m:sSupPr>
+                            <m:ctrlPr>
+                              <a:rPr lang="en-US" i="1">
+                                <a:latin typeface="Cambria Math" panose="02040503050406030204" pitchFamily="18" charset="0"/>
+                                <a:ea typeface="Cambria Math" panose="02040503050406030204" pitchFamily="18" charset="0"/>
+                              </a:rPr>
+                            </m:ctrlPr>
+                          </m:sSupPr>
+                          <m:e>
+                            <m:r>
+                              <a:rPr lang="en-US" i="1">
+                                <a:latin typeface="Cambria Math" panose="02040503050406030204" pitchFamily="18" charset="0"/>
+                                <a:ea typeface="Cambria Math" panose="02040503050406030204" pitchFamily="18" charset="0"/>
+                              </a:rPr>
+                              <m:t>𝑝</m:t>
+                            </m:r>
+                          </m:e>
+                          <m:sup>
+                            <m:r>
+                              <a:rPr lang="en-US" i="1">
+                                <a:latin typeface="Cambria Math" panose="02040503050406030204" pitchFamily="18" charset="0"/>
+                                <a:ea typeface="Cambria Math" panose="02040503050406030204" pitchFamily="18" charset="0"/>
+                              </a:rPr>
+                              <m:t>2</m:t>
+                            </m:r>
+                          </m:sup>
+                        </m:sSup>
+                      </m:sub>
+                    </m:sSub>
+                    <m:r>
+                      <a:rPr lang="en-US">
+                        <a:latin typeface="Cambria Math" panose="02040503050406030204" pitchFamily="18" charset="0"/>
+                        <a:ea typeface="Cambria Math" panose="02040503050406030204" pitchFamily="18" charset="0"/>
+                      </a:rPr>
+                      <m:t>→</m:t>
+                    </m:r>
+                    <m:d>
+                      <m:dPr>
+                        <m:begChr m:val="["/>
+                        <m:endChr m:val="]"/>
+                        <m:ctrlPr>
+                          <a:rPr lang="en-US" i="1">
+                            <a:latin typeface="Cambria Math" panose="02040503050406030204" pitchFamily="18" charset="0"/>
+                            <a:ea typeface="Cambria Math" panose="02040503050406030204" pitchFamily="18" charset="0"/>
+                          </a:rPr>
+                        </m:ctrlPr>
+                      </m:dPr>
+                      <m:e>
+                        <m:r>
+                          <a:rPr lang="en-US" i="1">
+                            <a:latin typeface="Cambria Math" panose="02040503050406030204" pitchFamily="18" charset="0"/>
+                            <a:ea typeface="Cambria Math" panose="02040503050406030204" pitchFamily="18" charset="0"/>
+                          </a:rPr>
+                          <m:t>0,1</m:t>
+                        </m:r>
+                      </m:e>
+                    </m:d>
+                  </m:oMath>
+                </a14:m>
+                <a:r>
+                  <a:rPr lang="en-US" dirty="0"/>
+                  <a:t> is a quantum probability measure.</a:t>
+                </a:r>
+              </a:p>
+              <a:p>
+                <a:pPr lvl="1"/>
+                <a14:m>
+                  <m:oMath xmlns:m="http://schemas.openxmlformats.org/officeDocument/2006/math">
+                    <m:r>
+                      <a:rPr lang="en-US" i="1">
+                        <a:latin typeface="Cambria Math" panose="02040503050406030204" pitchFamily="18" charset="0"/>
+                      </a:rPr>
+                      <m:t>𝑃</m:t>
+                    </m:r>
+                    <m:d>
+                      <m:dPr>
+                        <m:begChr m:val="|"/>
+                        <m:endChr m:val="⟩"/>
+                        <m:ctrlPr>
+                          <a:rPr lang="en-US" i="1">
+                            <a:latin typeface="Cambria Math" panose="02040503050406030204" pitchFamily="18" charset="0"/>
+                          </a:rPr>
+                        </m:ctrlPr>
+                      </m:dPr>
+                      <m:e>
+                        <m:r>
+                          <m:rPr>
+                            <m:sty m:val="p"/>
+                          </m:rPr>
+                          <a:rPr lang="en-US">
+                            <a:latin typeface="Cambria Math" panose="02040503050406030204" pitchFamily="18" charset="0"/>
+                          </a:rPr>
+                          <m:t>Φ</m:t>
+                        </m:r>
+                      </m:e>
+                    </m:d>
+                    <m:r>
+                      <a:rPr lang="en-US" i="1">
+                        <a:latin typeface="Cambria Math" panose="02040503050406030204" pitchFamily="18" charset="0"/>
+                      </a:rPr>
+                      <m:t>=</m:t>
+                    </m:r>
+                    <m:d>
+                      <m:dPr>
+                        <m:begChr m:val="|"/>
+                        <m:endChr m:val="⟩"/>
+                        <m:ctrlPr>
+                          <a:rPr lang="en-US" i="1">
+                            <a:latin typeface="Cambria Math" panose="02040503050406030204" pitchFamily="18" charset="0"/>
+                          </a:rPr>
+                        </m:ctrlPr>
+                      </m:dPr>
+                      <m:e>
+                        <m:r>
+                          <m:rPr>
+                            <m:sty m:val="p"/>
+                          </m:rPr>
+                          <a:rPr lang="en-US">
+                            <a:latin typeface="Cambria Math" panose="02040503050406030204" pitchFamily="18" charset="0"/>
+                          </a:rPr>
+                          <m:t>Φ</m:t>
+                        </m:r>
+                      </m:e>
+                    </m:d>
+                  </m:oMath>
+                </a14:m>
+                <a:r>
+                  <a:rPr lang="en-US" dirty="0"/>
+                  <a:t> if and only if </a:t>
+                </a:r>
+                <a14:m>
+                  <m:oMath xmlns:m="http://schemas.openxmlformats.org/officeDocument/2006/math">
+                    <m:sSubSup>
+                      <m:sSubSupPr>
+                        <m:ctrlPr>
+                          <a:rPr lang="en-US" i="1">
+                            <a:latin typeface="Cambria Math" panose="02040503050406030204" pitchFamily="18" charset="0"/>
+                          </a:rPr>
+                        </m:ctrlPr>
+                      </m:sSubSupPr>
+                      <m:e>
+                        <m:r>
+                          <a:rPr lang="en-US" i="1">
+                            <a:latin typeface="Cambria Math" panose="02040503050406030204" pitchFamily="18" charset="0"/>
+                          </a:rPr>
+                          <m:t>𝜇</m:t>
+                        </m:r>
+                      </m:e>
+                      <m:sub>
+                        <m:r>
+                          <m:rPr>
+                            <m:sty m:val="p"/>
+                          </m:rPr>
+                          <a:rPr lang="en-US">
+                            <a:latin typeface="Cambria Math" panose="02040503050406030204" pitchFamily="18" charset="0"/>
+                          </a:rPr>
+                          <m:t>Φ</m:t>
+                        </m:r>
+                      </m:sub>
+                      <m:sup>
+                        <m:r>
+                          <m:rPr>
+                            <m:nor/>
+                          </m:rPr>
+                          <a:rPr lang="en-US" b="0" i="0" smtClean="0">
+                            <a:latin typeface="Cambria Math" panose="02040503050406030204" pitchFamily="18" charset="0"/>
+                          </a:rPr>
+                          <m:t>F</m:t>
+                        </m:r>
+                      </m:sup>
+                    </m:sSubSup>
+                    <m:d>
+                      <m:dPr>
+                        <m:ctrlPr>
+                          <a:rPr lang="en-US" i="1">
+                            <a:latin typeface="Cambria Math" panose="02040503050406030204" pitchFamily="18" charset="0"/>
+                          </a:rPr>
+                        </m:ctrlPr>
+                      </m:dPr>
+                      <m:e>
+                        <m:r>
+                          <a:rPr lang="en-US" i="1">
+                            <a:latin typeface="Cambria Math" panose="02040503050406030204" pitchFamily="18" charset="0"/>
+                          </a:rPr>
+                          <m:t>𝑃</m:t>
+                        </m:r>
+                      </m:e>
+                    </m:d>
+                    <m:r>
+                      <a:rPr lang="en-US" i="1">
+                        <a:latin typeface="Cambria Math" panose="02040503050406030204" pitchFamily="18" charset="0"/>
+                      </a:rPr>
+                      <m:t>=1</m:t>
+                    </m:r>
+                  </m:oMath>
+                </a14:m>
+                <a:r>
+                  <a:rPr lang="en-US" dirty="0"/>
+                  <a:t>.</a:t>
+                </a:r>
+              </a:p>
+              <a:p>
+                <a:pPr lvl="1"/>
+                <a14:m>
+                  <m:oMath xmlns:m="http://schemas.openxmlformats.org/officeDocument/2006/math">
+                    <m:sSubSup>
+                      <m:sSubSupPr>
+                        <m:ctrlPr>
+                          <a:rPr lang="en-US" i="1">
+                            <a:latin typeface="Cambria Math" panose="02040503050406030204" pitchFamily="18" charset="0"/>
+                          </a:rPr>
+                        </m:ctrlPr>
+                      </m:sSubSupPr>
+                      <m:e>
+                        <m:r>
+                          <a:rPr lang="en-US" i="1">
+                            <a:latin typeface="Cambria Math" panose="02040503050406030204" pitchFamily="18" charset="0"/>
+                          </a:rPr>
+                          <m:t>𝜇</m:t>
+                        </m:r>
+                      </m:e>
+                      <m:sub>
+                        <m:r>
+                          <m:rPr>
+                            <m:sty m:val="p"/>
+                          </m:rPr>
+                          <a:rPr lang="en-US">
+                            <a:latin typeface="Cambria Math" panose="02040503050406030204" pitchFamily="18" charset="0"/>
+                          </a:rPr>
+                          <m:t>Φ</m:t>
+                        </m:r>
+                      </m:sub>
+                      <m:sup>
+                        <m:r>
+                          <m:rPr>
+                            <m:nor/>
+                          </m:rPr>
+                          <a:rPr lang="en-US" b="0" i="0" smtClean="0">
+                            <a:latin typeface="Cambria Math" panose="02040503050406030204" pitchFamily="18" charset="0"/>
+                          </a:rPr>
+                          <m:t>F</m:t>
+                        </m:r>
+                      </m:sup>
+                    </m:sSubSup>
+                    <m:d>
+                      <m:dPr>
+                        <m:ctrlPr>
+                          <a:rPr lang="en-US" i="1">
+                            <a:latin typeface="Cambria Math" panose="02040503050406030204" pitchFamily="18" charset="0"/>
+                          </a:rPr>
+                        </m:ctrlPr>
+                      </m:dPr>
+                      <m:e>
+                        <m:r>
+                          <a:rPr lang="en-US" i="1">
+                            <a:latin typeface="Cambria Math" panose="02040503050406030204" pitchFamily="18" charset="0"/>
+                          </a:rPr>
+                          <m:t>𝑃</m:t>
+                        </m:r>
+                      </m:e>
+                    </m:d>
+                    <m:r>
+                      <a:rPr lang="en-US" i="1">
+                        <a:latin typeface="Cambria Math" panose="02040503050406030204" pitchFamily="18" charset="0"/>
+                      </a:rPr>
+                      <m:t>=</m:t>
+                    </m:r>
+                    <m:sSubSup>
+                      <m:sSubSupPr>
+                        <m:ctrlPr>
+                          <a:rPr lang="en-US" i="1">
+                            <a:latin typeface="Cambria Math" panose="02040503050406030204" pitchFamily="18" charset="0"/>
+                          </a:rPr>
+                        </m:ctrlPr>
+                      </m:sSubSupPr>
+                      <m:e>
+                        <m:r>
+                          <a:rPr lang="en-US" i="1">
+                            <a:latin typeface="Cambria Math" panose="02040503050406030204" pitchFamily="18" charset="0"/>
+                          </a:rPr>
+                          <m:t>𝜇</m:t>
+                        </m:r>
+                      </m:e>
+                      <m:sub>
+                        <m:r>
+                          <a:rPr lang="en-US" i="1">
+                            <a:latin typeface="Cambria Math" panose="02040503050406030204" pitchFamily="18" charset="0"/>
+                          </a:rPr>
+                          <m:t>𝑈</m:t>
+                        </m:r>
+                        <m:d>
+                          <m:dPr>
+                            <m:begChr m:val="|"/>
+                            <m:endChr m:val="⟩"/>
+                            <m:ctrlPr>
+                              <a:rPr lang="en-US" i="1">
+                                <a:latin typeface="Cambria Math" panose="02040503050406030204" pitchFamily="18" charset="0"/>
+                              </a:rPr>
+                            </m:ctrlPr>
+                          </m:dPr>
+                          <m:e>
+                            <m:r>
+                              <m:rPr>
+                                <m:sty m:val="p"/>
+                              </m:rPr>
+                              <a:rPr lang="en-US">
+                                <a:latin typeface="Cambria Math" panose="02040503050406030204" pitchFamily="18" charset="0"/>
+                              </a:rPr>
+                              <m:t>Φ</m:t>
+                            </m:r>
+                          </m:e>
+                        </m:d>
+                      </m:sub>
+                      <m:sup>
+                        <m:r>
+                          <m:rPr>
+                            <m:nor/>
+                          </m:rPr>
+                          <a:rPr lang="en-US" b="0" i="0" smtClean="0">
+                            <a:latin typeface="Cambria Math" panose="02040503050406030204" pitchFamily="18" charset="0"/>
+                          </a:rPr>
+                          <m:t>F</m:t>
+                        </m:r>
+                      </m:sup>
+                    </m:sSubSup>
+                    <m:d>
+                      <m:dPr>
+                        <m:ctrlPr>
+                          <a:rPr lang="en-US" i="1">
+                            <a:latin typeface="Cambria Math" panose="02040503050406030204" pitchFamily="18" charset="0"/>
+                          </a:rPr>
+                        </m:ctrlPr>
+                      </m:dPr>
+                      <m:e>
+                        <m:r>
+                          <a:rPr lang="en-US" i="1">
+                            <a:latin typeface="Cambria Math" panose="02040503050406030204" pitchFamily="18" charset="0"/>
+                          </a:rPr>
+                          <m:t>𝑈</m:t>
+                        </m:r>
+                        <m:r>
+                          <a:rPr lang="en-US" i="1">
+                            <a:latin typeface="Cambria Math" panose="02040503050406030204" pitchFamily="18" charset="0"/>
+                          </a:rPr>
+                          <m:t>𝑃</m:t>
+                        </m:r>
+                        <m:sSup>
+                          <m:sSupPr>
+                            <m:ctrlPr>
+                              <a:rPr lang="en-US" i="1">
+                                <a:latin typeface="Cambria Math" panose="02040503050406030204" pitchFamily="18" charset="0"/>
+                              </a:rPr>
+                            </m:ctrlPr>
+                          </m:sSupPr>
+                          <m:e>
+                            <m:r>
+                              <a:rPr lang="en-US" i="1">
+                                <a:latin typeface="Cambria Math" panose="02040503050406030204" pitchFamily="18" charset="0"/>
+                              </a:rPr>
+                              <m:t>𝑈</m:t>
+                            </m:r>
+                          </m:e>
+                          <m:sup>
+                            <m:r>
+                              <a:rPr lang="en-US" i="1">
+                                <a:latin typeface="Cambria Math" panose="02040503050406030204" pitchFamily="18" charset="0"/>
+                                <a:ea typeface="Cambria Math" panose="02040503050406030204" pitchFamily="18" charset="0"/>
+                              </a:rPr>
+                              <m:t>†</m:t>
+                            </m:r>
+                          </m:sup>
+                        </m:sSup>
+                      </m:e>
+                    </m:d>
+                  </m:oMath>
+                </a14:m>
+                <a:r>
+                  <a:rPr lang="en-US" dirty="0"/>
+                  <a:t> for unitary </a:t>
+                </a:r>
+                <a14:m>
+                  <m:oMath xmlns:m="http://schemas.openxmlformats.org/officeDocument/2006/math">
+                    <m:r>
+                      <a:rPr lang="en-US" i="1">
+                        <a:latin typeface="Cambria Math" panose="02040503050406030204" pitchFamily="18" charset="0"/>
+                      </a:rPr>
+                      <m:t>𝑈</m:t>
+                    </m:r>
+                  </m:oMath>
+                </a14:m>
+                <a:r>
+                  <a:rPr lang="en-US" dirty="0"/>
+                  <a:t>.</a:t>
+                </a:r>
+              </a:p>
+              <a:p>
+                <a:endParaRPr lang="en-US" dirty="0"/>
+              </a:p>
+              <a:p>
+                <a:endParaRPr lang="en-US" dirty="0"/>
+              </a:p>
+            </p:txBody>
+          </p:sp>
+        </mc:Choice>
+        <mc:Fallback>
+          <p:sp>
+            <p:nvSpPr>
+              <p:cNvPr id="3" name="Content Placeholder 2">
+                <a:extLst>
+                  <a:ext uri="{FF2B5EF4-FFF2-40B4-BE49-F238E27FC236}">
+                    <a16:creationId xmlns:a16="http://schemas.microsoft.com/office/drawing/2014/main" id="{548F1546-3B2D-4BE0-89CB-830CE215A903}"/>
+                  </a:ext>
+                </a:extLst>
+              </p:cNvPr>
+              <p:cNvSpPr>
+                <a:spLocks noGrp="1" noRot="1" noChangeAspect="1" noMove="1" noResize="1" noEditPoints="1" noAdjustHandles="1" noChangeArrowheads="1" noChangeShapeType="1" noTextEdit="1"/>
+              </p:cNvSpPr>
+              <p:nvPr>
+                <p:ph idx="1"/>
+              </p:nvPr>
+            </p:nvSpPr>
+            <p:spPr>
+              <a:blipFill>
+                <a:blip r:embed="rId2"/>
+                <a:stretch>
+                  <a:fillRect l="-1043" t="-2241"/>
+                </a:stretch>
+              </a:blipFill>
+            </p:spPr>
+            <p:txBody>
+              <a:bodyPr/>
+              <a:lstStyle/>
+              <a:p>
+                <a:r>
+                  <a:rPr lang="en-US">
+                    <a:noFill/>
+                  </a:rPr>
+                  <a:t> </a:t>
+                </a:r>
+              </a:p>
+            </p:txBody>
+          </p:sp>
+        </mc:Fallback>
+      </mc:AlternateContent>
+    </p:spTree>
+    <p:extLst>
+      <p:ext uri="{BB962C8B-B14F-4D97-AF65-F5344CB8AC3E}">
+        <p14:creationId xmlns:p14="http://schemas.microsoft.com/office/powerpoint/2010/main" val="3030798579"/>
+      </p:ext>
+    </p:extLst>
+  </p:cSld>
+  <p:clrMapOvr>
+    <a:masterClrMapping/>
+  </p:clrMapOvr>
+</p:sld>
+</file>
+
+<file path=ppt/slides/slide26.xml><?xml version="1.0" encoding="utf-8"?>
+<p:sld xmlns:a="http://schemas.openxmlformats.org/drawingml/2006/main" xmlns:r="http://schemas.openxmlformats.org/officeDocument/2006/relationships" xmlns:p="http://schemas.openxmlformats.org/presentationml/2006/main">
+  <p:cSld>
+    <p:spTree>
+      <p:nvGrpSpPr>
+        <p:cNvPr id="1" name=""/>
+        <p:cNvGrpSpPr/>
+        <p:nvPr/>
+      </p:nvGrpSpPr>
+      <p:grpSpPr>
+        <a:xfrm>
+          <a:off x="0" y="0"/>
+          <a:ext cx="0" cy="0"/>
+          <a:chOff x="0" y="0"/>
+          <a:chExt cx="0" cy="0"/>
+        </a:xfrm>
+      </p:grpSpPr>
+      <p:sp>
+        <p:nvSpPr>
+          <p:cNvPr id="2" name="Title 1"/>
+          <p:cNvSpPr>
+            <a:spLocks noGrp="1"/>
+          </p:cNvSpPr>
+          <p:nvPr>
+            <p:ph type="title"/>
+          </p:nvPr>
+        </p:nvSpPr>
+        <p:spPr/>
+        <p:txBody>
+          <a:bodyPr/>
+          <a:lstStyle/>
+          <a:p>
+            <a:r>
+              <a:rPr lang="en-US" dirty="0"/>
+              <a:t>From </a:t>
+            </a:r>
+            <a:r>
+              <a:rPr lang="en-US" dirty="0">
+                <a:solidFill>
+                  <a:schemeClr val="accent4">
+                    <a:lumMod val="75000"/>
+                  </a:schemeClr>
+                </a:solidFill>
+              </a:rPr>
+              <a:t>Infinitely Precise</a:t>
+            </a:r>
+            <a:r>
+              <a:rPr lang="en-US" dirty="0"/>
+              <a:t> to </a:t>
+            </a:r>
+            <a:r>
+              <a:rPr lang="en-US" dirty="0">
+                <a:solidFill>
+                  <a:schemeClr val="accent4">
+                    <a:lumMod val="75000"/>
+                  </a:schemeClr>
+                </a:solidFill>
+              </a:rPr>
+              <a:t>Finite-Precision</a:t>
+            </a:r>
+          </a:p>
+        </p:txBody>
+      </p:sp>
+      <p:sp>
+        <p:nvSpPr>
+          <p:cNvPr id="3" name="Text Placeholder 2"/>
+          <p:cNvSpPr>
+            <a:spLocks noGrp="1"/>
+          </p:cNvSpPr>
+          <p:nvPr>
+            <p:ph type="body" idx="1"/>
+          </p:nvPr>
+        </p:nvSpPr>
+        <p:spPr/>
+        <p:txBody>
+          <a:bodyPr/>
+          <a:lstStyle/>
+          <a:p>
+            <a:r>
+              <a:rPr lang="en-US" dirty="0"/>
+              <a:t>Classical Probability Measure</a:t>
+            </a:r>
+          </a:p>
+        </p:txBody>
+      </p:sp>
+      <mc:AlternateContent xmlns:mc="http://schemas.openxmlformats.org/markup-compatibility/2006" xmlns:a14="http://schemas.microsoft.com/office/drawing/2010/main">
+        <mc:Choice Requires="a14">
+          <p:sp>
+            <p:nvSpPr>
+              <p:cNvPr id="4" name="Content Placeholder 3"/>
+              <p:cNvSpPr>
+                <a:spLocks noGrp="1"/>
+              </p:cNvSpPr>
+              <p:nvPr>
+                <p:ph sz="half" idx="2"/>
+              </p:nvPr>
+            </p:nvSpPr>
+            <p:spPr/>
+            <p:txBody>
+              <a:bodyPr>
+                <a:normAutofit/>
+              </a:bodyPr>
+              <a:lstStyle/>
+              <a:p>
+                <a14:m>
+                  <m:oMath xmlns:m="http://schemas.openxmlformats.org/officeDocument/2006/math">
+                    <m:r>
+                      <a:rPr lang="en-US" i="1" smtClean="0">
+                        <a:solidFill>
+                          <a:schemeClr val="tx1"/>
+                        </a:solidFill>
+                        <a:latin typeface="Cambria Math" panose="02040503050406030204" pitchFamily="18" charset="0"/>
+                      </a:rPr>
+                      <m:t>𝜇</m:t>
+                    </m:r>
+                    <m:r>
+                      <a:rPr lang="en-US" i="1" smtClean="0">
+                        <a:solidFill>
+                          <a:schemeClr val="tx1"/>
+                        </a:solidFill>
+                        <a:latin typeface="Cambria Math" panose="02040503050406030204" pitchFamily="18" charset="0"/>
+                      </a:rPr>
+                      <m:t>:</m:t>
+                    </m:r>
+                    <m:sSup>
+                      <m:sSupPr>
+                        <m:ctrlPr>
+                          <a:rPr lang="en-US" b="0" i="1" smtClean="0">
+                            <a:solidFill>
+                              <a:schemeClr val="tx1"/>
+                            </a:solidFill>
+                            <a:latin typeface="Cambria Math" panose="02040503050406030204" pitchFamily="18" charset="0"/>
+                            <a:ea typeface="Cambria Math" panose="02040503050406030204" pitchFamily="18" charset="0"/>
+                          </a:rPr>
+                        </m:ctrlPr>
+                      </m:sSupPr>
+                      <m:e>
+                        <m:r>
+                          <a:rPr lang="en-US" b="0" i="1" smtClean="0">
+                            <a:solidFill>
+                              <a:schemeClr val="tx1"/>
+                            </a:solidFill>
+                            <a:latin typeface="Cambria Math" panose="02040503050406030204" pitchFamily="18" charset="0"/>
+                            <a:ea typeface="Cambria Math" panose="02040503050406030204" pitchFamily="18" charset="0"/>
+                          </a:rPr>
+                          <m:t>2</m:t>
+                        </m:r>
+                      </m:e>
+                      <m:sup>
+                        <m:r>
+                          <m:rPr>
+                            <m:sty m:val="p"/>
+                          </m:rPr>
+                          <a:rPr lang="el-GR" i="1">
+                            <a:latin typeface="Cambria Math" panose="02040503050406030204" pitchFamily="18" charset="0"/>
+                            <a:ea typeface="Cambria Math" panose="02040503050406030204" pitchFamily="18" charset="0"/>
+                          </a:rPr>
+                          <m:t>Ω</m:t>
+                        </m:r>
+                      </m:sup>
+                    </m:sSup>
+                    <m:r>
+                      <a:rPr lang="en-US">
+                        <a:solidFill>
+                          <a:schemeClr val="tx1"/>
+                        </a:solidFill>
+                        <a:latin typeface="Cambria Math" panose="02040503050406030204" pitchFamily="18" charset="0"/>
+                        <a:ea typeface="Cambria Math" panose="02040503050406030204" pitchFamily="18" charset="0"/>
+                      </a:rPr>
+                      <m:t>→</m:t>
+                    </m:r>
+                    <m:d>
+                      <m:dPr>
+                        <m:begChr m:val="["/>
+                        <m:endChr m:val="]"/>
+                        <m:ctrlPr>
+                          <a:rPr lang="en-US" i="1" smtClean="0">
+                            <a:solidFill>
+                              <a:schemeClr val="accent4">
+                                <a:lumMod val="75000"/>
+                              </a:schemeClr>
+                            </a:solidFill>
+                            <a:latin typeface="Cambria Math" panose="02040503050406030204" pitchFamily="18" charset="0"/>
+                            <a:ea typeface="Cambria Math" panose="02040503050406030204" pitchFamily="18" charset="0"/>
+                          </a:rPr>
+                        </m:ctrlPr>
+                      </m:dPr>
+                      <m:e>
+                        <m:r>
+                          <a:rPr lang="en-US" i="1">
+                            <a:solidFill>
+                              <a:schemeClr val="accent4">
+                                <a:lumMod val="75000"/>
+                              </a:schemeClr>
+                            </a:solidFill>
+                            <a:latin typeface="Cambria Math" panose="02040503050406030204" pitchFamily="18" charset="0"/>
+                            <a:ea typeface="Cambria Math" panose="02040503050406030204" pitchFamily="18" charset="0"/>
+                          </a:rPr>
+                          <m:t>0,1</m:t>
+                        </m:r>
+                      </m:e>
+                    </m:d>
+                  </m:oMath>
+                </a14:m>
+                <a:endParaRPr lang="en-US" i="1" dirty="0">
+                  <a:solidFill>
+                    <a:schemeClr val="tx1"/>
+                  </a:solidFill>
+                  <a:latin typeface="Cambria Math" panose="02040503050406030204" pitchFamily="18" charset="0"/>
+                  <a:ea typeface="Cambria Math" panose="02040503050406030204" pitchFamily="18" charset="0"/>
+                </a:endParaRPr>
+              </a:p>
+              <a:p>
+                <a14:m>
+                  <m:oMath xmlns:m="http://schemas.openxmlformats.org/officeDocument/2006/math">
+                    <m:r>
+                      <a:rPr lang="en-US" i="1">
+                        <a:solidFill>
+                          <a:schemeClr val="tx1"/>
+                        </a:solidFill>
+                        <a:latin typeface="Cambria Math" panose="02040503050406030204" pitchFamily="18" charset="0"/>
+                      </a:rPr>
+                      <m:t>𝜇</m:t>
+                    </m:r>
+                    <m:d>
+                      <m:dPr>
+                        <m:ctrlPr>
+                          <a:rPr lang="en-US" i="1">
+                            <a:solidFill>
+                              <a:schemeClr val="tx1"/>
+                            </a:solidFill>
+                            <a:latin typeface="Cambria Math" panose="02040503050406030204" pitchFamily="18" charset="0"/>
+                          </a:rPr>
+                        </m:ctrlPr>
+                      </m:dPr>
+                      <m:e>
+                        <m:r>
+                          <a:rPr lang="en-US" i="1" smtClean="0">
+                            <a:solidFill>
+                              <a:schemeClr val="tx1"/>
+                            </a:solidFill>
+                            <a:latin typeface="Cambria Math" panose="02040503050406030204" pitchFamily="18" charset="0"/>
+                            <a:ea typeface="Cambria Math" panose="02040503050406030204" pitchFamily="18" charset="0"/>
+                          </a:rPr>
+                          <m:t>∅</m:t>
+                        </m:r>
+                      </m:e>
+                    </m:d>
+                    <m:r>
+                      <a:rPr lang="en-US" i="1">
+                        <a:solidFill>
+                          <a:schemeClr val="tx1"/>
+                        </a:solidFill>
+                        <a:latin typeface="Cambria Math" panose="02040503050406030204" pitchFamily="18" charset="0"/>
+                      </a:rPr>
+                      <m:t>=</m:t>
+                    </m:r>
+                    <m:r>
+                      <a:rPr lang="en-US" i="1" smtClean="0">
+                        <a:solidFill>
+                          <a:schemeClr val="accent4">
+                            <a:lumMod val="75000"/>
+                          </a:schemeClr>
+                        </a:solidFill>
+                        <a:latin typeface="Cambria Math" panose="02040503050406030204" pitchFamily="18" charset="0"/>
+                      </a:rPr>
+                      <m:t>0</m:t>
+                    </m:r>
+                  </m:oMath>
+                </a14:m>
+                <a:r>
+                  <a:rPr lang="en-US" dirty="0">
+                    <a:solidFill>
+                      <a:schemeClr val="tx1"/>
+                    </a:solidFill>
+                  </a:rPr>
+                  <a:t>.</a:t>
+                </a:r>
+              </a:p>
+              <a:p>
+                <a14:m>
+                  <m:oMath xmlns:m="http://schemas.openxmlformats.org/officeDocument/2006/math">
+                    <m:r>
+                      <a:rPr lang="en-US" i="1">
+                        <a:solidFill>
+                          <a:schemeClr val="tx1"/>
+                        </a:solidFill>
+                        <a:latin typeface="Cambria Math" panose="02040503050406030204" pitchFamily="18" charset="0"/>
+                      </a:rPr>
+                      <m:t>𝜇</m:t>
+                    </m:r>
+                    <m:d>
+                      <m:dPr>
+                        <m:ctrlPr>
+                          <a:rPr lang="en-US" i="1">
+                            <a:solidFill>
+                              <a:schemeClr val="tx1"/>
+                            </a:solidFill>
+                            <a:latin typeface="Cambria Math" panose="02040503050406030204" pitchFamily="18" charset="0"/>
+                          </a:rPr>
+                        </m:ctrlPr>
+                      </m:dPr>
+                      <m:e>
+                        <m:r>
+                          <m:rPr>
+                            <m:sty m:val="p"/>
+                          </m:rPr>
+                          <a:rPr lang="el-GR" i="1">
+                            <a:solidFill>
+                              <a:schemeClr val="tx1"/>
+                            </a:solidFill>
+                            <a:latin typeface="Cambria Math" panose="02040503050406030204" pitchFamily="18" charset="0"/>
+                            <a:ea typeface="Cambria Math" panose="02040503050406030204" pitchFamily="18" charset="0"/>
+                          </a:rPr>
+                          <m:t>Ω</m:t>
+                        </m:r>
+                      </m:e>
+                    </m:d>
+                    <m:r>
+                      <a:rPr lang="en-US" i="1">
+                        <a:solidFill>
+                          <a:schemeClr val="tx1"/>
+                        </a:solidFill>
+                        <a:latin typeface="Cambria Math" panose="02040503050406030204" pitchFamily="18" charset="0"/>
+                      </a:rPr>
+                      <m:t>=</m:t>
+                    </m:r>
+                    <m:r>
+                      <a:rPr lang="en-US" i="1" smtClean="0">
+                        <a:solidFill>
+                          <a:schemeClr val="accent4">
+                            <a:lumMod val="75000"/>
+                          </a:schemeClr>
+                        </a:solidFill>
+                        <a:latin typeface="Cambria Math" panose="02040503050406030204" pitchFamily="18" charset="0"/>
+                      </a:rPr>
+                      <m:t>1</m:t>
+                    </m:r>
+                  </m:oMath>
+                </a14:m>
+                <a:r>
+                  <a:rPr lang="en-US" dirty="0">
+                    <a:solidFill>
+                      <a:schemeClr val="tx1"/>
+                    </a:solidFill>
+                  </a:rPr>
+                  <a:t>.</a:t>
+                </a:r>
+              </a:p>
+              <a:p>
+                <a:r>
+                  <a:rPr lang="en-US" dirty="0">
+                    <a:solidFill>
+                      <a:schemeClr val="tx1"/>
+                    </a:solidFill>
+                  </a:rPr>
+                  <a:t>For any event </a:t>
+                </a:r>
+                <a14:m>
+                  <m:oMath xmlns:m="http://schemas.openxmlformats.org/officeDocument/2006/math">
+                    <m:r>
+                      <a:rPr lang="en-US" b="0" i="1" smtClean="0">
+                        <a:solidFill>
+                          <a:schemeClr val="tx1"/>
+                        </a:solidFill>
+                        <a:latin typeface="Cambria Math" panose="02040503050406030204" pitchFamily="18" charset="0"/>
+                      </a:rPr>
+                      <m:t>𝐸</m:t>
+                    </m:r>
+                  </m:oMath>
+                </a14:m>
+                <a:r>
+                  <a:rPr lang="en-US" dirty="0">
+                    <a:solidFill>
+                      <a:schemeClr val="tx1"/>
+                    </a:solidFill>
+                  </a:rPr>
+                  <a:t>, </a:t>
+                </a:r>
+                <a:br>
+                  <a:rPr lang="en-US" dirty="0">
+                    <a:solidFill>
+                      <a:schemeClr val="tx1"/>
+                    </a:solidFill>
+                  </a:rPr>
+                </a:br>
+                <a14:m>
+                  <m:oMath xmlns:m="http://schemas.openxmlformats.org/officeDocument/2006/math">
+                    <m:r>
+                      <a:rPr lang="en-US" i="1">
+                        <a:solidFill>
+                          <a:schemeClr val="tx1"/>
+                        </a:solidFill>
+                        <a:latin typeface="Cambria Math" panose="02040503050406030204" pitchFamily="18" charset="0"/>
+                      </a:rPr>
+                      <m:t>𝜇</m:t>
+                    </m:r>
+                    <m:d>
+                      <m:dPr>
+                        <m:ctrlPr>
+                          <a:rPr lang="en-US" i="1">
+                            <a:solidFill>
+                              <a:schemeClr val="tx1"/>
+                            </a:solidFill>
+                            <a:latin typeface="Cambria Math" panose="02040503050406030204" pitchFamily="18" charset="0"/>
+                          </a:rPr>
+                        </m:ctrlPr>
+                      </m:dPr>
+                      <m:e>
+                        <m:r>
+                          <m:rPr>
+                            <m:sty m:val="p"/>
+                          </m:rPr>
+                          <a:rPr lang="el-GR" i="1" smtClean="0">
+                            <a:solidFill>
+                              <a:schemeClr val="tx1"/>
+                            </a:solidFill>
+                            <a:latin typeface="Cambria Math" panose="02040503050406030204" pitchFamily="18" charset="0"/>
+                            <a:ea typeface="Cambria Math" panose="02040503050406030204" pitchFamily="18" charset="0"/>
+                          </a:rPr>
+                          <m:t>Ω</m:t>
+                        </m:r>
+                        <m:r>
+                          <a:rPr lang="en-US" b="0" i="1" smtClean="0">
+                            <a:solidFill>
+                              <a:schemeClr val="tx1"/>
+                            </a:solidFill>
+                            <a:latin typeface="Cambria Math" panose="02040503050406030204" pitchFamily="18" charset="0"/>
+                          </a:rPr>
+                          <m:t>\</m:t>
+                        </m:r>
+                        <m:r>
+                          <a:rPr lang="en-US" b="0" i="1" smtClean="0">
+                            <a:solidFill>
+                              <a:schemeClr val="tx1"/>
+                            </a:solidFill>
+                            <a:latin typeface="Cambria Math" panose="02040503050406030204" pitchFamily="18" charset="0"/>
+                          </a:rPr>
+                          <m:t>𝐸</m:t>
+                        </m:r>
+                      </m:e>
+                    </m:d>
+                    <m:r>
+                      <a:rPr lang="en-US" i="1">
+                        <a:solidFill>
+                          <a:schemeClr val="tx1"/>
+                        </a:solidFill>
+                        <a:latin typeface="Cambria Math" panose="02040503050406030204" pitchFamily="18" charset="0"/>
+                      </a:rPr>
+                      <m:t>=</m:t>
+                    </m:r>
+                    <m:r>
+                      <a:rPr lang="en-US" i="1" smtClean="0">
+                        <a:solidFill>
+                          <a:schemeClr val="accent4">
+                            <a:lumMod val="75000"/>
+                          </a:schemeClr>
+                        </a:solidFill>
+                        <a:latin typeface="Cambria Math" panose="02040503050406030204" pitchFamily="18" charset="0"/>
+                      </a:rPr>
+                      <m:t>1</m:t>
+                    </m:r>
+                    <m:r>
+                      <a:rPr lang="en-US" i="1">
+                        <a:solidFill>
+                          <a:schemeClr val="tx1"/>
+                        </a:solidFill>
+                        <a:latin typeface="Cambria Math" panose="02040503050406030204" pitchFamily="18" charset="0"/>
+                      </a:rPr>
+                      <m:t>−</m:t>
+                    </m:r>
+                    <m:r>
+                      <a:rPr lang="en-US" i="1">
+                        <a:solidFill>
+                          <a:schemeClr val="tx1"/>
+                        </a:solidFill>
+                        <a:latin typeface="Cambria Math" panose="02040503050406030204" pitchFamily="18" charset="0"/>
+                      </a:rPr>
+                      <m:t>𝜇</m:t>
+                    </m:r>
+                    <m:d>
+                      <m:dPr>
+                        <m:ctrlPr>
+                          <a:rPr lang="en-US" i="1">
+                            <a:solidFill>
+                              <a:schemeClr val="tx1"/>
+                            </a:solidFill>
+                            <a:latin typeface="Cambria Math" panose="02040503050406030204" pitchFamily="18" charset="0"/>
+                          </a:rPr>
+                        </m:ctrlPr>
+                      </m:dPr>
+                      <m:e>
+                        <m:r>
+                          <a:rPr lang="en-US" b="0" i="1" smtClean="0">
+                            <a:solidFill>
+                              <a:schemeClr val="tx1"/>
+                            </a:solidFill>
+                            <a:latin typeface="Cambria Math" panose="02040503050406030204" pitchFamily="18" charset="0"/>
+                          </a:rPr>
+                          <m:t>𝐸</m:t>
+                        </m:r>
+                      </m:e>
+                    </m:d>
+                    <m:r>
+                      <a:rPr lang="en-US" b="0" i="1" smtClean="0">
+                        <a:solidFill>
+                          <a:schemeClr val="tx1"/>
+                        </a:solidFill>
+                        <a:latin typeface="Cambria Math" panose="02040503050406030204" pitchFamily="18" charset="0"/>
+                      </a:rPr>
+                      <m:t> .</m:t>
+                    </m:r>
+                  </m:oMath>
+                </a14:m>
+                <a:endParaRPr lang="en-US" dirty="0">
+                  <a:solidFill>
+                    <a:schemeClr val="tx1"/>
+                  </a:solidFill>
+                </a:endParaRPr>
+              </a:p>
+              <a:p>
+                <a:r>
+                  <a:rPr lang="en-US" dirty="0">
+                    <a:solidFill>
+                      <a:schemeClr val="tx1"/>
+                    </a:solidFill>
+                  </a:rPr>
+                  <a:t>For disjoint events </a:t>
+                </a:r>
+                <a14:m>
+                  <m:oMath xmlns:m="http://schemas.openxmlformats.org/officeDocument/2006/math">
+                    <m:sSub>
+                      <m:sSubPr>
+                        <m:ctrlPr>
+                          <a:rPr lang="en-US" i="1">
+                            <a:solidFill>
+                              <a:schemeClr val="tx1"/>
+                            </a:solidFill>
+                            <a:latin typeface="Cambria Math" panose="02040503050406030204" pitchFamily="18" charset="0"/>
+                          </a:rPr>
+                        </m:ctrlPr>
+                      </m:sSubPr>
+                      <m:e>
+                        <m:r>
+                          <a:rPr lang="en-US" i="1">
+                            <a:solidFill>
+                              <a:schemeClr val="tx1"/>
+                            </a:solidFill>
+                            <a:latin typeface="Cambria Math" panose="02040503050406030204" pitchFamily="18" charset="0"/>
+                          </a:rPr>
+                          <m:t>𝐸</m:t>
+                        </m:r>
+                      </m:e>
+                      <m:sub>
+                        <m:r>
+                          <a:rPr lang="en-US" i="1">
+                            <a:solidFill>
+                              <a:schemeClr val="tx1"/>
+                            </a:solidFill>
+                            <a:latin typeface="Cambria Math" panose="02040503050406030204" pitchFamily="18" charset="0"/>
+                          </a:rPr>
+                          <m:t>0</m:t>
+                        </m:r>
+                      </m:sub>
+                    </m:sSub>
+                  </m:oMath>
+                </a14:m>
+                <a:r>
+                  <a:rPr lang="en-US" dirty="0">
+                    <a:solidFill>
+                      <a:schemeClr val="tx1"/>
+                    </a:solidFill>
+                  </a:rPr>
+                  <a:t> and </a:t>
+                </a:r>
+                <a14:m>
+                  <m:oMath xmlns:m="http://schemas.openxmlformats.org/officeDocument/2006/math">
+                    <m:sSub>
+                      <m:sSubPr>
+                        <m:ctrlPr>
+                          <a:rPr lang="en-US" i="1">
+                            <a:solidFill>
+                              <a:schemeClr val="tx1"/>
+                            </a:solidFill>
+                            <a:latin typeface="Cambria Math" panose="02040503050406030204" pitchFamily="18" charset="0"/>
+                          </a:rPr>
+                        </m:ctrlPr>
+                      </m:sSubPr>
+                      <m:e>
+                        <m:r>
+                          <a:rPr lang="en-US" i="1">
+                            <a:solidFill>
+                              <a:schemeClr val="tx1"/>
+                            </a:solidFill>
+                            <a:latin typeface="Cambria Math" panose="02040503050406030204" pitchFamily="18" charset="0"/>
+                          </a:rPr>
+                          <m:t>𝐸</m:t>
+                        </m:r>
+                      </m:e>
+                      <m:sub>
+                        <m:r>
+                          <a:rPr lang="en-US" i="1">
+                            <a:solidFill>
+                              <a:schemeClr val="tx1"/>
+                            </a:solidFill>
+                            <a:latin typeface="Cambria Math" panose="02040503050406030204" pitchFamily="18" charset="0"/>
+                          </a:rPr>
+                          <m:t>1</m:t>
+                        </m:r>
+                      </m:sub>
+                    </m:sSub>
+                  </m:oMath>
+                </a14:m>
+                <a:r>
+                  <a:rPr lang="en-US" dirty="0">
+                    <a:solidFill>
+                      <a:schemeClr val="tx1"/>
+                    </a:solidFill>
+                  </a:rPr>
+                  <a:t>, </a:t>
+                </a:r>
+                <a:br>
+                  <a:rPr lang="en-US" dirty="0">
+                    <a:solidFill>
+                      <a:schemeClr val="tx1"/>
+                    </a:solidFill>
+                  </a:rPr>
+                </a:br>
+                <a14:m>
+                  <m:oMath xmlns:m="http://schemas.openxmlformats.org/officeDocument/2006/math">
+                    <m:r>
+                      <a:rPr lang="en-US" i="1">
+                        <a:solidFill>
+                          <a:schemeClr val="tx1"/>
+                        </a:solidFill>
+                        <a:latin typeface="Cambria Math" panose="02040503050406030204" pitchFamily="18" charset="0"/>
+                      </a:rPr>
+                      <m:t>𝜇</m:t>
+                    </m:r>
+                    <m:d>
+                      <m:dPr>
+                        <m:ctrlPr>
+                          <a:rPr lang="en-US" i="1">
+                            <a:solidFill>
+                              <a:schemeClr val="tx1"/>
+                            </a:solidFill>
+                            <a:latin typeface="Cambria Math" panose="02040503050406030204" pitchFamily="18" charset="0"/>
+                          </a:rPr>
+                        </m:ctrlPr>
+                      </m:dPr>
+                      <m:e>
+                        <m:sSub>
+                          <m:sSubPr>
+                            <m:ctrlPr>
+                              <a:rPr lang="en-US" i="1">
+                                <a:solidFill>
+                                  <a:schemeClr val="tx1"/>
+                                </a:solidFill>
+                                <a:latin typeface="Cambria Math" panose="02040503050406030204" pitchFamily="18" charset="0"/>
+                              </a:rPr>
+                            </m:ctrlPr>
+                          </m:sSubPr>
+                          <m:e>
+                            <m:r>
+                              <a:rPr lang="en-US" i="1">
+                                <a:solidFill>
+                                  <a:schemeClr val="tx1"/>
+                                </a:solidFill>
+                                <a:latin typeface="Cambria Math" panose="02040503050406030204" pitchFamily="18" charset="0"/>
+                              </a:rPr>
+                              <m:t>𝐸</m:t>
+                            </m:r>
+                          </m:e>
+                          <m:sub>
+                            <m:r>
+                              <a:rPr lang="en-US" i="1">
+                                <a:solidFill>
+                                  <a:schemeClr val="tx1"/>
+                                </a:solidFill>
+                                <a:latin typeface="Cambria Math" panose="02040503050406030204" pitchFamily="18" charset="0"/>
+                              </a:rPr>
+                              <m:t>0</m:t>
+                            </m:r>
+                          </m:sub>
+                        </m:sSub>
+                        <m:r>
+                          <a:rPr lang="en-US" i="1">
+                            <a:solidFill>
+                              <a:schemeClr val="tx1"/>
+                            </a:solidFill>
+                            <a:latin typeface="Cambria Math" panose="02040503050406030204" pitchFamily="18" charset="0"/>
+                          </a:rPr>
+                          <m:t>∪</m:t>
+                        </m:r>
+                        <m:sSub>
+                          <m:sSubPr>
+                            <m:ctrlPr>
+                              <a:rPr lang="en-US" i="1">
+                                <a:solidFill>
+                                  <a:schemeClr val="tx1"/>
+                                </a:solidFill>
+                                <a:latin typeface="Cambria Math" panose="02040503050406030204" pitchFamily="18" charset="0"/>
+                              </a:rPr>
+                            </m:ctrlPr>
+                          </m:sSubPr>
+                          <m:e>
+                            <m:r>
+                              <a:rPr lang="en-US" i="1">
+                                <a:solidFill>
+                                  <a:schemeClr val="tx1"/>
+                                </a:solidFill>
+                                <a:latin typeface="Cambria Math" panose="02040503050406030204" pitchFamily="18" charset="0"/>
+                              </a:rPr>
+                              <m:t>𝐸</m:t>
+                            </m:r>
+                          </m:e>
+                          <m:sub>
+                            <m:r>
+                              <a:rPr lang="en-US" i="1">
+                                <a:solidFill>
+                                  <a:schemeClr val="tx1"/>
+                                </a:solidFill>
+                                <a:latin typeface="Cambria Math" panose="02040503050406030204" pitchFamily="18" charset="0"/>
+                              </a:rPr>
+                              <m:t>1</m:t>
+                            </m:r>
+                          </m:sub>
+                        </m:sSub>
+                      </m:e>
+                    </m:d>
+                    <m:r>
+                      <a:rPr lang="en-US" i="1" smtClean="0">
+                        <a:solidFill>
+                          <a:schemeClr val="accent4">
+                            <a:lumMod val="75000"/>
+                          </a:schemeClr>
+                        </a:solidFill>
+                        <a:latin typeface="Cambria Math" panose="02040503050406030204" pitchFamily="18" charset="0"/>
+                      </a:rPr>
+                      <m:t>=</m:t>
+                    </m:r>
+                    <m:r>
+                      <a:rPr lang="en-US" i="1">
+                        <a:solidFill>
+                          <a:schemeClr val="tx1"/>
+                        </a:solidFill>
+                        <a:latin typeface="Cambria Math" panose="02040503050406030204" pitchFamily="18" charset="0"/>
+                      </a:rPr>
+                      <m:t>𝜇</m:t>
+                    </m:r>
+                    <m:d>
+                      <m:dPr>
+                        <m:ctrlPr>
+                          <a:rPr lang="en-US" i="1">
+                            <a:solidFill>
+                              <a:schemeClr val="tx1"/>
+                            </a:solidFill>
+                            <a:latin typeface="Cambria Math" panose="02040503050406030204" pitchFamily="18" charset="0"/>
+                          </a:rPr>
+                        </m:ctrlPr>
+                      </m:dPr>
+                      <m:e>
+                        <m:sSub>
+                          <m:sSubPr>
+                            <m:ctrlPr>
+                              <a:rPr lang="en-US" i="1">
+                                <a:solidFill>
+                                  <a:schemeClr val="tx1"/>
+                                </a:solidFill>
+                                <a:latin typeface="Cambria Math" panose="02040503050406030204" pitchFamily="18" charset="0"/>
+                              </a:rPr>
+                            </m:ctrlPr>
+                          </m:sSubPr>
+                          <m:e>
+                            <m:r>
+                              <a:rPr lang="en-US" i="1">
+                                <a:solidFill>
+                                  <a:schemeClr val="tx1"/>
+                                </a:solidFill>
+                                <a:latin typeface="Cambria Math" panose="02040503050406030204" pitchFamily="18" charset="0"/>
+                              </a:rPr>
+                              <m:t>𝐸</m:t>
+                            </m:r>
+                          </m:e>
+                          <m:sub>
+                            <m:r>
+                              <a:rPr lang="en-US" i="1">
+                                <a:solidFill>
+                                  <a:schemeClr val="tx1"/>
+                                </a:solidFill>
+                                <a:latin typeface="Cambria Math" panose="02040503050406030204" pitchFamily="18" charset="0"/>
+                              </a:rPr>
+                              <m:t>0</m:t>
+                            </m:r>
+                          </m:sub>
+                        </m:sSub>
+                      </m:e>
+                    </m:d>
+                    <m:r>
+                      <a:rPr lang="en-US" i="1">
+                        <a:solidFill>
+                          <a:schemeClr val="tx1"/>
+                        </a:solidFill>
+                        <a:latin typeface="Cambria Math" panose="02040503050406030204" pitchFamily="18" charset="0"/>
+                      </a:rPr>
+                      <m:t>+</m:t>
+                    </m:r>
+                    <m:r>
+                      <a:rPr lang="en-US" i="1">
+                        <a:solidFill>
+                          <a:schemeClr val="tx1"/>
+                        </a:solidFill>
+                        <a:latin typeface="Cambria Math" panose="02040503050406030204" pitchFamily="18" charset="0"/>
+                      </a:rPr>
+                      <m:t>𝜇</m:t>
+                    </m:r>
+                    <m:d>
+                      <m:dPr>
+                        <m:ctrlPr>
+                          <a:rPr lang="en-US" i="1">
+                            <a:solidFill>
+                              <a:schemeClr val="tx1"/>
+                            </a:solidFill>
+                            <a:latin typeface="Cambria Math" panose="02040503050406030204" pitchFamily="18" charset="0"/>
+                          </a:rPr>
+                        </m:ctrlPr>
+                      </m:dPr>
+                      <m:e>
+                        <m:sSub>
+                          <m:sSubPr>
+                            <m:ctrlPr>
+                              <a:rPr lang="en-US" i="1">
+                                <a:solidFill>
+                                  <a:schemeClr val="tx1"/>
+                                </a:solidFill>
+                                <a:latin typeface="Cambria Math" panose="02040503050406030204" pitchFamily="18" charset="0"/>
+                              </a:rPr>
+                            </m:ctrlPr>
+                          </m:sSubPr>
+                          <m:e>
+                            <m:r>
+                              <a:rPr lang="en-US" i="1">
+                                <a:solidFill>
+                                  <a:schemeClr val="tx1"/>
+                                </a:solidFill>
+                                <a:latin typeface="Cambria Math" panose="02040503050406030204" pitchFamily="18" charset="0"/>
+                              </a:rPr>
+                              <m:t>𝐸</m:t>
+                            </m:r>
+                          </m:e>
+                          <m:sub>
+                            <m:r>
+                              <a:rPr lang="en-US" i="1">
+                                <a:solidFill>
+                                  <a:schemeClr val="tx1"/>
+                                </a:solidFill>
+                                <a:latin typeface="Cambria Math" panose="02040503050406030204" pitchFamily="18" charset="0"/>
+                              </a:rPr>
+                              <m:t>1</m:t>
+                            </m:r>
+                          </m:sub>
+                        </m:sSub>
+                      </m:e>
+                    </m:d>
+                    <m:r>
+                      <a:rPr lang="en-US" b="0" i="1" smtClean="0">
+                        <a:solidFill>
+                          <a:schemeClr val="tx1"/>
+                        </a:solidFill>
+                        <a:latin typeface="Cambria Math" panose="02040503050406030204" pitchFamily="18" charset="0"/>
+                      </a:rPr>
+                      <m:t> .</m:t>
+                    </m:r>
+                  </m:oMath>
+                </a14:m>
+                <a:endParaRPr lang="en-US" dirty="0">
+                  <a:solidFill>
+                    <a:schemeClr val="tx1"/>
+                  </a:solidFill>
+                </a:endParaRPr>
+              </a:p>
+              <a:p>
+                <a:endParaRPr lang="en-US" dirty="0">
+                  <a:solidFill>
+                    <a:schemeClr val="tx1"/>
+                  </a:solidFill>
+                </a:endParaRPr>
+              </a:p>
+            </p:txBody>
+          </p:sp>
+        </mc:Choice>
+        <mc:Fallback xmlns="">
+          <p:sp>
+            <p:nvSpPr>
+              <p:cNvPr id="4" name="Content Placeholder 3"/>
+              <p:cNvSpPr>
+                <a:spLocks noGrp="1" noRot="1" noChangeAspect="1" noMove="1" noResize="1" noEditPoints="1" noAdjustHandles="1" noChangeArrowheads="1" noChangeShapeType="1" noTextEdit="1"/>
+              </p:cNvSpPr>
+              <p:nvPr>
+                <p:ph sz="half" idx="2"/>
+              </p:nvPr>
+            </p:nvSpPr>
+            <p:spPr>
+              <a:blipFill rotWithShape="0">
+                <a:blip r:embed="rId4"/>
+                <a:stretch>
+                  <a:fillRect l="-2128"/>
+                </a:stretch>
+              </a:blipFill>
+            </p:spPr>
+            <p:txBody>
+              <a:bodyPr/>
+              <a:lstStyle/>
+              <a:p>
+                <a:r>
+                  <a:rPr lang="en-US">
+                    <a:noFill/>
+                  </a:rPr>
+                  <a:t> </a:t>
+                </a:r>
+              </a:p>
+            </p:txBody>
+          </p:sp>
+        </mc:Fallback>
+      </mc:AlternateContent>
+      <p:sp>
+        <p:nvSpPr>
+          <p:cNvPr id="5" name="Text Placeholder 4"/>
+          <p:cNvSpPr>
+            <a:spLocks noGrp="1"/>
+          </p:cNvSpPr>
+          <p:nvPr>
+            <p:ph type="body" sz="quarter" idx="3"/>
+          </p:nvPr>
+        </p:nvSpPr>
+        <p:spPr/>
+        <p:txBody>
+          <a:bodyPr/>
+          <a:lstStyle/>
+          <a:p>
+            <a:r>
+              <a:rPr lang="en-US" dirty="0"/>
+              <a:t>Classical </a:t>
+            </a:r>
+            <a:r>
+              <a:rPr lang="en-US" dirty="0">
+                <a:solidFill>
+                  <a:schemeClr val="accent4">
+                    <a:lumMod val="75000"/>
+                  </a:schemeClr>
+                </a:solidFill>
+              </a:rPr>
+              <a:t>Interval</a:t>
+            </a:r>
+            <a:r>
+              <a:rPr lang="en-US" dirty="0"/>
+              <a:t>-Valued Probability Measure (</a:t>
+            </a:r>
+            <a:r>
+              <a:rPr lang="en-US" dirty="0">
+                <a:solidFill>
+                  <a:schemeClr val="accent4">
+                    <a:lumMod val="75000"/>
+                  </a:schemeClr>
+                </a:solidFill>
+              </a:rPr>
+              <a:t>I</a:t>
+            </a:r>
+            <a:r>
+              <a:rPr lang="en-US" dirty="0"/>
+              <a:t>VPM)</a:t>
+            </a:r>
+          </a:p>
+        </p:txBody>
+      </p:sp>
+      <mc:AlternateContent xmlns:mc="http://schemas.openxmlformats.org/markup-compatibility/2006" xmlns:a14="http://schemas.microsoft.com/office/drawing/2010/main">
+        <mc:Choice Requires="a14">
+          <p:sp>
+            <p:nvSpPr>
+              <p:cNvPr id="6" name="Content Placeholder 5"/>
+              <p:cNvSpPr>
+                <a:spLocks noGrp="1"/>
+              </p:cNvSpPr>
+              <p:nvPr>
+                <p:ph sz="quarter" idx="4"/>
+              </p:nvPr>
+            </p:nvSpPr>
+            <p:spPr/>
+            <p:txBody>
+              <a:bodyPr>
+                <a:normAutofit fontScale="77500" lnSpcReduction="20000"/>
+              </a:bodyPr>
+              <a:lstStyle/>
+              <a:p>
+                <a:pPr>
+                  <a:lnSpc>
+                    <a:spcPct val="105000"/>
+                  </a:lnSpc>
+                </a:pPr>
+                <a14:m>
+                  <m:oMath xmlns:m="http://schemas.openxmlformats.org/officeDocument/2006/math">
+                    <m:bar>
+                      <m:barPr>
+                        <m:pos m:val="top"/>
+                        <m:ctrlPr>
+                          <a:rPr lang="en-US" i="1" smtClean="0">
+                            <a:latin typeface="Cambria Math" panose="02040503050406030204" pitchFamily="18" charset="0"/>
+                          </a:rPr>
+                        </m:ctrlPr>
+                      </m:barPr>
+                      <m:e>
+                        <m:r>
+                          <a:rPr lang="en-US" i="1">
+                            <a:latin typeface="Cambria Math" panose="02040503050406030204" pitchFamily="18" charset="0"/>
+                          </a:rPr>
+                          <m:t>𝜇</m:t>
+                        </m:r>
+                      </m:e>
+                    </m:bar>
+                    <m:r>
+                      <a:rPr lang="en-US" i="1">
+                        <a:latin typeface="Cambria Math" panose="02040503050406030204" pitchFamily="18" charset="0"/>
+                      </a:rPr>
+                      <m:t>:</m:t>
+                    </m:r>
+                    <m:sSup>
+                      <m:sSupPr>
+                        <m:ctrlPr>
+                          <a:rPr lang="en-US" i="1">
+                            <a:latin typeface="Cambria Math" panose="02040503050406030204" pitchFamily="18" charset="0"/>
+                            <a:ea typeface="Cambria Math" panose="02040503050406030204" pitchFamily="18" charset="0"/>
+                          </a:rPr>
+                        </m:ctrlPr>
+                      </m:sSupPr>
+                      <m:e>
+                        <m:r>
+                          <a:rPr lang="en-US" i="1">
+                            <a:latin typeface="Cambria Math" panose="02040503050406030204" pitchFamily="18" charset="0"/>
+                            <a:ea typeface="Cambria Math" panose="02040503050406030204" pitchFamily="18" charset="0"/>
+                          </a:rPr>
+                          <m:t>2</m:t>
+                        </m:r>
+                      </m:e>
+                      <m:sup>
+                        <m:r>
+                          <m:rPr>
+                            <m:sty m:val="p"/>
+                          </m:rPr>
+                          <a:rPr lang="el-GR" i="1">
+                            <a:latin typeface="Cambria Math" panose="02040503050406030204" pitchFamily="18" charset="0"/>
+                            <a:ea typeface="Cambria Math" panose="02040503050406030204" pitchFamily="18" charset="0"/>
+                          </a:rPr>
+                          <m:t>Ω</m:t>
+                        </m:r>
+                      </m:sup>
+                    </m:sSup>
+                    <m:r>
+                      <a:rPr lang="en-US">
+                        <a:latin typeface="Cambria Math" panose="02040503050406030204" pitchFamily="18" charset="0"/>
+                        <a:ea typeface="Cambria Math" panose="02040503050406030204" pitchFamily="18" charset="0"/>
+                      </a:rPr>
+                      <m:t>→</m:t>
+                    </m:r>
+                    <m:d>
+                      <m:dPr>
+                        <m:begChr m:val=""/>
+                        <m:endChr m:val=""/>
+                        <m:ctrlPr>
+                          <a:rPr lang="en-US" i="1" smtClean="0">
+                            <a:solidFill>
+                              <a:schemeClr val="accent4">
+                                <a:lumMod val="75000"/>
+                              </a:schemeClr>
+                            </a:solidFill>
+                            <a:latin typeface="Cambria Math" panose="02040503050406030204" pitchFamily="18" charset="0"/>
+                            <a:ea typeface="Cambria Math" panose="02040503050406030204" pitchFamily="18" charset="0"/>
+                            <a:cs typeface="XITS Math" panose="02000503000000000000" pitchFamily="50" charset="0"/>
+                          </a:rPr>
+                        </m:ctrlPr>
+                      </m:dPr>
+                      <m:e>
+                        <m:r>
+                          <a:rPr lang="en-US" i="1">
+                            <a:solidFill>
+                              <a:schemeClr val="accent4">
+                                <a:lumMod val="75000"/>
+                              </a:schemeClr>
+                            </a:solidFill>
+                            <a:latin typeface="Cambria Math" panose="02040503050406030204" pitchFamily="18" charset="0"/>
+                            <a:ea typeface="XITS Math" panose="02000503000000000000" pitchFamily="50" charset="0"/>
+                            <a:cs typeface="XITS Math" panose="02000503000000000000" pitchFamily="50" charset="0"/>
+                          </a:rPr>
+                          <m:t>ℐ</m:t>
+                        </m:r>
+                      </m:e>
+                    </m:d>
+                    <m:r>
+                      <a:rPr lang="en-US" i="1">
+                        <a:solidFill>
+                          <a:schemeClr val="accent4">
+                            <a:lumMod val="75000"/>
+                          </a:schemeClr>
+                        </a:solidFill>
+                        <a:latin typeface="Cambria Math" panose="02040503050406030204" pitchFamily="18" charset="0"/>
+                        <a:ea typeface="Cambria Math" panose="02040503050406030204" pitchFamily="18" charset="0"/>
+                      </a:rPr>
+                      <m:t>=</m:t>
+                    </m:r>
+                    <m:d>
+                      <m:dPr>
+                        <m:begChr m:val="{"/>
+                        <m:endChr m:val="}"/>
+                        <m:ctrlPr>
+                          <a:rPr lang="en-US" i="1">
+                            <a:solidFill>
+                              <a:schemeClr val="accent4">
+                                <a:lumMod val="75000"/>
+                              </a:schemeClr>
+                            </a:solidFill>
+                            <a:latin typeface="Cambria Math" panose="02040503050406030204" pitchFamily="18" charset="0"/>
+                            <a:ea typeface="Cambria Math" panose="02040503050406030204" pitchFamily="18" charset="0"/>
+                          </a:rPr>
+                        </m:ctrlPr>
+                      </m:dPr>
+                      <m:e>
+                        <m:d>
+                          <m:dPr>
+                            <m:begChr m:val="["/>
+                            <m:endChr m:val="]"/>
+                            <m:ctrlPr>
+                              <a:rPr lang="en-US" i="1">
+                                <a:solidFill>
+                                  <a:schemeClr val="accent4">
+                                    <a:lumMod val="75000"/>
+                                  </a:schemeClr>
+                                </a:solidFill>
+                                <a:latin typeface="Cambria Math" panose="02040503050406030204" pitchFamily="18" charset="0"/>
+                                <a:ea typeface="Cambria Math" panose="02040503050406030204" pitchFamily="18" charset="0"/>
+                              </a:rPr>
+                            </m:ctrlPr>
+                          </m:dPr>
+                          <m:e>
+                            <m:sSub>
+                              <m:sSubPr>
+                                <m:ctrlPr>
+                                  <a:rPr lang="en-US" i="1">
+                                    <a:solidFill>
+                                      <a:schemeClr val="accent4">
+                                        <a:lumMod val="75000"/>
+                                      </a:schemeClr>
+                                    </a:solidFill>
+                                    <a:latin typeface="Cambria Math" panose="02040503050406030204" pitchFamily="18" charset="0"/>
+                                    <a:ea typeface="Cambria Math" panose="02040503050406030204" pitchFamily="18" charset="0"/>
+                                  </a:rPr>
+                                </m:ctrlPr>
+                              </m:sSubPr>
+                              <m:e>
+                                <m:r>
+                                  <a:rPr lang="en-US" i="1">
+                                    <a:solidFill>
+                                      <a:schemeClr val="accent4">
+                                        <a:lumMod val="75000"/>
+                                      </a:schemeClr>
+                                    </a:solidFill>
+                                    <a:latin typeface="Cambria Math" panose="02040503050406030204" pitchFamily="18" charset="0"/>
+                                    <a:ea typeface="Cambria Math" panose="02040503050406030204" pitchFamily="18" charset="0"/>
+                                  </a:rPr>
+                                  <m:t>ℓ</m:t>
+                                </m:r>
+                              </m:e>
+                              <m:sub>
+                                <m:r>
+                                  <a:rPr lang="en-US" i="1">
+                                    <a:solidFill>
+                                      <a:schemeClr val="accent4">
+                                        <a:lumMod val="75000"/>
+                                      </a:schemeClr>
+                                    </a:solidFill>
+                                    <a:latin typeface="Cambria Math" panose="02040503050406030204" pitchFamily="18" charset="0"/>
+                                    <a:ea typeface="Cambria Math" panose="02040503050406030204" pitchFamily="18" charset="0"/>
+                                  </a:rPr>
+                                  <m:t>𝑖</m:t>
+                                </m:r>
+                              </m:sub>
+                            </m:sSub>
+                            <m:r>
+                              <a:rPr lang="en-US" b="0" i="1" smtClean="0">
+                                <a:solidFill>
+                                  <a:schemeClr val="accent4">
+                                    <a:lumMod val="75000"/>
+                                  </a:schemeClr>
+                                </a:solidFill>
+                                <a:latin typeface="Cambria Math" panose="02040503050406030204" pitchFamily="18" charset="0"/>
+                                <a:ea typeface="Cambria Math" panose="02040503050406030204" pitchFamily="18" charset="0"/>
+                              </a:rPr>
+                              <m:t>,</m:t>
+                            </m:r>
+                            <m:sSub>
+                              <m:sSubPr>
+                                <m:ctrlPr>
+                                  <a:rPr lang="en-US" i="1">
+                                    <a:solidFill>
+                                      <a:schemeClr val="accent4">
+                                        <a:lumMod val="75000"/>
+                                      </a:schemeClr>
+                                    </a:solidFill>
+                                    <a:latin typeface="Cambria Math" panose="02040503050406030204" pitchFamily="18" charset="0"/>
+                                    <a:ea typeface="Cambria Math" panose="02040503050406030204" pitchFamily="18" charset="0"/>
+                                  </a:rPr>
+                                </m:ctrlPr>
+                              </m:sSubPr>
+                              <m:e>
+                                <m:r>
+                                  <a:rPr lang="en-US" i="1">
+                                    <a:solidFill>
+                                      <a:schemeClr val="accent4">
+                                        <a:lumMod val="75000"/>
+                                      </a:schemeClr>
+                                    </a:solidFill>
+                                    <a:latin typeface="Cambria Math" panose="02040503050406030204" pitchFamily="18" charset="0"/>
+                                    <a:ea typeface="Cambria Math" panose="02040503050406030204" pitchFamily="18" charset="0"/>
+                                  </a:rPr>
+                                  <m:t>𝑟</m:t>
+                                </m:r>
+                              </m:e>
+                              <m:sub>
+                                <m:r>
+                                  <a:rPr lang="en-US" i="1">
+                                    <a:solidFill>
+                                      <a:schemeClr val="accent4">
+                                        <a:lumMod val="75000"/>
+                                      </a:schemeClr>
+                                    </a:solidFill>
+                                    <a:latin typeface="Cambria Math" panose="02040503050406030204" pitchFamily="18" charset="0"/>
+                                    <a:ea typeface="Cambria Math" panose="02040503050406030204" pitchFamily="18" charset="0"/>
+                                  </a:rPr>
+                                  <m:t>𝑖</m:t>
+                                </m:r>
+                              </m:sub>
+                            </m:sSub>
+                          </m:e>
+                        </m:d>
+                        <m:r>
+                          <a:rPr lang="en-US" i="1">
+                            <a:solidFill>
+                              <a:schemeClr val="accent4">
+                                <a:lumMod val="75000"/>
+                              </a:schemeClr>
+                            </a:solidFill>
+                            <a:latin typeface="Cambria Math" panose="02040503050406030204" pitchFamily="18" charset="0"/>
+                            <a:ea typeface="Cambria Math" panose="02040503050406030204" pitchFamily="18" charset="0"/>
+                          </a:rPr>
+                          <m:t>⊆</m:t>
+                        </m:r>
+                        <m:d>
+                          <m:dPr>
+                            <m:begChr m:val="["/>
+                            <m:endChr m:val="]"/>
+                            <m:ctrlPr>
+                              <a:rPr lang="en-US" i="1">
+                                <a:solidFill>
+                                  <a:schemeClr val="accent4">
+                                    <a:lumMod val="75000"/>
+                                  </a:schemeClr>
+                                </a:solidFill>
+                                <a:latin typeface="Cambria Math" panose="02040503050406030204" pitchFamily="18" charset="0"/>
+                                <a:ea typeface="Cambria Math" panose="02040503050406030204" pitchFamily="18" charset="0"/>
+                              </a:rPr>
+                            </m:ctrlPr>
+                          </m:dPr>
+                          <m:e>
+                            <m:r>
+                              <a:rPr lang="en-US" i="1">
+                                <a:solidFill>
+                                  <a:schemeClr val="accent4">
+                                    <a:lumMod val="75000"/>
+                                  </a:schemeClr>
+                                </a:solidFill>
+                                <a:latin typeface="Cambria Math" panose="02040503050406030204" pitchFamily="18" charset="0"/>
+                                <a:ea typeface="Cambria Math" panose="02040503050406030204" pitchFamily="18" charset="0"/>
+                              </a:rPr>
+                              <m:t>0,1</m:t>
+                            </m:r>
+                          </m:e>
+                        </m:d>
+                      </m:e>
+                    </m:d>
+                  </m:oMath>
+                </a14:m>
+                <a:endParaRPr lang="en-US" i="1" dirty="0">
+                  <a:latin typeface="Cambria Math" panose="02040503050406030204" pitchFamily="18" charset="0"/>
+                  <a:ea typeface="Cambria Math" panose="02040503050406030204" pitchFamily="18" charset="0"/>
+                </a:endParaRPr>
+              </a:p>
+              <a:p>
+                <a:pPr>
+                  <a:lnSpc>
+                    <a:spcPct val="105000"/>
+                  </a:lnSpc>
+                </a:pPr>
+                <a14:m>
+                  <m:oMath xmlns:m="http://schemas.openxmlformats.org/officeDocument/2006/math">
+                    <m:bar>
+                      <m:barPr>
+                        <m:pos m:val="top"/>
+                        <m:ctrlPr>
+                          <a:rPr lang="en-US" i="1">
+                            <a:latin typeface="Cambria Math" panose="02040503050406030204" pitchFamily="18" charset="0"/>
+                          </a:rPr>
+                        </m:ctrlPr>
+                      </m:barPr>
+                      <m:e>
+                        <m:r>
+                          <a:rPr lang="en-US" i="1">
+                            <a:latin typeface="Cambria Math" panose="02040503050406030204" pitchFamily="18" charset="0"/>
+                          </a:rPr>
+                          <m:t>𝜇</m:t>
+                        </m:r>
+                      </m:e>
+                    </m:bar>
+                    <m:d>
+                      <m:dPr>
+                        <m:ctrlPr>
+                          <a:rPr lang="en-US" i="1">
+                            <a:latin typeface="Cambria Math" panose="02040503050406030204" pitchFamily="18" charset="0"/>
+                          </a:rPr>
+                        </m:ctrlPr>
+                      </m:dPr>
+                      <m:e>
+                        <m:r>
+                          <a:rPr lang="en-US" i="1">
+                            <a:latin typeface="Cambria Math" panose="02040503050406030204" pitchFamily="18" charset="0"/>
+                            <a:ea typeface="Cambria Math" panose="02040503050406030204" pitchFamily="18" charset="0"/>
+                          </a:rPr>
+                          <m:t>∅</m:t>
+                        </m:r>
+                      </m:e>
+                    </m:d>
+                    <m:r>
+                      <a:rPr lang="en-US" i="1">
+                        <a:latin typeface="Cambria Math" panose="02040503050406030204" pitchFamily="18" charset="0"/>
+                      </a:rPr>
+                      <m:t>=</m:t>
+                    </m:r>
+                    <m:d>
+                      <m:dPr>
+                        <m:begChr m:val="["/>
+                        <m:endChr m:val="]"/>
+                        <m:ctrlPr>
+                          <a:rPr lang="en-US" b="0" i="1" smtClean="0">
+                            <a:solidFill>
+                              <a:schemeClr val="accent4">
+                                <a:lumMod val="75000"/>
+                              </a:schemeClr>
+                            </a:solidFill>
+                            <a:latin typeface="Cambria Math" panose="02040503050406030204" pitchFamily="18" charset="0"/>
+                          </a:rPr>
+                        </m:ctrlPr>
+                      </m:dPr>
+                      <m:e>
+                        <m:r>
+                          <a:rPr lang="en-US" b="0" i="1" smtClean="0">
+                            <a:solidFill>
+                              <a:schemeClr val="accent4">
+                                <a:lumMod val="75000"/>
+                              </a:schemeClr>
+                            </a:solidFill>
+                            <a:latin typeface="Cambria Math" panose="02040503050406030204" pitchFamily="18" charset="0"/>
+                          </a:rPr>
+                          <m:t>0,0</m:t>
+                        </m:r>
+                      </m:e>
+                    </m:d>
+                  </m:oMath>
+                </a14:m>
+                <a:r>
+                  <a:rPr lang="en-US" dirty="0"/>
+                  <a:t>.</a:t>
+                </a:r>
+              </a:p>
+              <a:p>
+                <a:pPr>
+                  <a:lnSpc>
+                    <a:spcPct val="105000"/>
+                  </a:lnSpc>
+                </a:pPr>
+                <a14:m>
+                  <m:oMath xmlns:m="http://schemas.openxmlformats.org/officeDocument/2006/math">
+                    <m:bar>
+                      <m:barPr>
+                        <m:pos m:val="top"/>
+                        <m:ctrlPr>
+                          <a:rPr lang="en-US" i="1">
+                            <a:latin typeface="Cambria Math" panose="02040503050406030204" pitchFamily="18" charset="0"/>
+                          </a:rPr>
+                        </m:ctrlPr>
+                      </m:barPr>
+                      <m:e>
+                        <m:r>
+                          <a:rPr lang="en-US" i="1">
+                            <a:latin typeface="Cambria Math" panose="02040503050406030204" pitchFamily="18" charset="0"/>
+                          </a:rPr>
+                          <m:t>𝜇</m:t>
+                        </m:r>
+                      </m:e>
+                    </m:bar>
+                    <m:d>
+                      <m:dPr>
+                        <m:ctrlPr>
+                          <a:rPr lang="en-US" i="1">
+                            <a:latin typeface="Cambria Math" panose="02040503050406030204" pitchFamily="18" charset="0"/>
+                          </a:rPr>
+                        </m:ctrlPr>
+                      </m:dPr>
+                      <m:e>
+                        <m:r>
+                          <m:rPr>
+                            <m:sty m:val="p"/>
+                          </m:rPr>
+                          <a:rPr lang="el-GR" i="1">
+                            <a:latin typeface="Cambria Math" panose="02040503050406030204" pitchFamily="18" charset="0"/>
+                            <a:ea typeface="Cambria Math" panose="02040503050406030204" pitchFamily="18" charset="0"/>
+                          </a:rPr>
+                          <m:t>Ω</m:t>
+                        </m:r>
+                      </m:e>
+                    </m:d>
+                    <m:r>
+                      <a:rPr lang="en-US" i="1">
+                        <a:latin typeface="Cambria Math" panose="02040503050406030204" pitchFamily="18" charset="0"/>
+                      </a:rPr>
+                      <m:t>=</m:t>
+                    </m:r>
+                    <m:d>
+                      <m:dPr>
+                        <m:begChr m:val="["/>
+                        <m:endChr m:val="]"/>
+                        <m:ctrlPr>
+                          <a:rPr lang="en-US" i="1" smtClean="0">
+                            <a:solidFill>
+                              <a:schemeClr val="accent4">
+                                <a:lumMod val="75000"/>
+                              </a:schemeClr>
+                            </a:solidFill>
+                            <a:latin typeface="Cambria Math" panose="02040503050406030204" pitchFamily="18" charset="0"/>
+                          </a:rPr>
+                        </m:ctrlPr>
+                      </m:dPr>
+                      <m:e>
+                        <m:r>
+                          <a:rPr lang="en-US" b="0" i="1" smtClean="0">
+                            <a:solidFill>
+                              <a:schemeClr val="accent4">
+                                <a:lumMod val="75000"/>
+                              </a:schemeClr>
+                            </a:solidFill>
+                            <a:latin typeface="Cambria Math" panose="02040503050406030204" pitchFamily="18" charset="0"/>
+                          </a:rPr>
+                          <m:t>1</m:t>
+                        </m:r>
+                        <m:r>
+                          <a:rPr lang="en-US" i="1">
+                            <a:solidFill>
+                              <a:schemeClr val="accent4">
+                                <a:lumMod val="75000"/>
+                              </a:schemeClr>
+                            </a:solidFill>
+                            <a:latin typeface="Cambria Math" panose="02040503050406030204" pitchFamily="18" charset="0"/>
+                          </a:rPr>
+                          <m:t>,</m:t>
+                        </m:r>
+                        <m:r>
+                          <a:rPr lang="en-US" b="0" i="1" smtClean="0">
+                            <a:solidFill>
+                              <a:schemeClr val="accent4">
+                                <a:lumMod val="75000"/>
+                              </a:schemeClr>
+                            </a:solidFill>
+                            <a:latin typeface="Cambria Math" panose="02040503050406030204" pitchFamily="18" charset="0"/>
+                          </a:rPr>
+                          <m:t>1</m:t>
+                        </m:r>
+                      </m:e>
+                    </m:d>
+                  </m:oMath>
+                </a14:m>
+                <a:r>
+                  <a:rPr lang="en-US" dirty="0"/>
+                  <a:t>.</a:t>
+                </a:r>
+              </a:p>
+              <a:p>
+                <a:pPr>
+                  <a:lnSpc>
+                    <a:spcPct val="105000"/>
+                  </a:lnSpc>
+                </a:pPr>
+                <a:r>
+                  <a:rPr lang="en-US" dirty="0"/>
+                  <a:t>For any event </a:t>
+                </a:r>
+                <a14:m>
+                  <m:oMath xmlns:m="http://schemas.openxmlformats.org/officeDocument/2006/math">
+                    <m:r>
+                      <a:rPr lang="en-US" i="1">
+                        <a:latin typeface="Cambria Math" panose="02040503050406030204" pitchFamily="18" charset="0"/>
+                      </a:rPr>
+                      <m:t>𝐸</m:t>
+                    </m:r>
+                  </m:oMath>
+                </a14:m>
+                <a:r>
+                  <a:rPr lang="en-US" dirty="0"/>
+                  <a:t>, if </a:t>
+                </a:r>
+                <a14:m>
+                  <m:oMath xmlns:m="http://schemas.openxmlformats.org/officeDocument/2006/math">
+                    <m:bar>
+                      <m:barPr>
+                        <m:pos m:val="top"/>
+                        <m:ctrlPr>
+                          <a:rPr lang="en-US" i="1">
+                            <a:latin typeface="Cambria Math" panose="02040503050406030204" pitchFamily="18" charset="0"/>
+                          </a:rPr>
+                        </m:ctrlPr>
+                      </m:barPr>
+                      <m:e>
+                        <m:r>
+                          <a:rPr lang="en-US" i="1">
+                            <a:latin typeface="Cambria Math" panose="02040503050406030204" pitchFamily="18" charset="0"/>
+                          </a:rPr>
+                          <m:t>𝜇</m:t>
+                        </m:r>
+                      </m:e>
+                    </m:bar>
+                    <m:d>
+                      <m:dPr>
+                        <m:ctrlPr>
+                          <a:rPr lang="en-US" i="1">
+                            <a:latin typeface="Cambria Math" panose="02040503050406030204" pitchFamily="18" charset="0"/>
+                          </a:rPr>
+                        </m:ctrlPr>
+                      </m:dPr>
+                      <m:e>
+                        <m:r>
+                          <a:rPr lang="en-US" b="0" i="1" smtClean="0">
+                            <a:latin typeface="Cambria Math" panose="02040503050406030204" pitchFamily="18" charset="0"/>
+                          </a:rPr>
+                          <m:t>𝐸</m:t>
+                        </m:r>
+                      </m:e>
+                    </m:d>
+                    <m:r>
+                      <a:rPr lang="en-US" i="1">
+                        <a:latin typeface="Cambria Math" panose="02040503050406030204" pitchFamily="18" charset="0"/>
+                      </a:rPr>
+                      <m:t>=</m:t>
+                    </m:r>
+                    <m:d>
+                      <m:dPr>
+                        <m:begChr m:val="["/>
+                        <m:endChr m:val="]"/>
+                        <m:ctrlPr>
+                          <a:rPr lang="en-US" i="1" smtClean="0">
+                            <a:solidFill>
+                              <a:schemeClr val="accent4">
+                                <a:lumMod val="75000"/>
+                              </a:schemeClr>
+                            </a:solidFill>
+                            <a:latin typeface="Cambria Math" panose="02040503050406030204" pitchFamily="18" charset="0"/>
+                          </a:rPr>
+                        </m:ctrlPr>
+                      </m:dPr>
+                      <m:e>
+                        <m:r>
+                          <a:rPr lang="en-US" i="1">
+                            <a:solidFill>
+                              <a:schemeClr val="accent4">
+                                <a:lumMod val="75000"/>
+                              </a:schemeClr>
+                            </a:solidFill>
+                            <a:latin typeface="Cambria Math" panose="02040503050406030204" pitchFamily="18" charset="0"/>
+                          </a:rPr>
+                          <m:t>ℓ,</m:t>
+                        </m:r>
+                        <m:r>
+                          <a:rPr lang="en-US" i="1">
+                            <a:solidFill>
+                              <a:schemeClr val="accent4">
+                                <a:lumMod val="75000"/>
+                              </a:schemeClr>
+                            </a:solidFill>
+                            <a:latin typeface="Cambria Math" panose="02040503050406030204" pitchFamily="18" charset="0"/>
+                          </a:rPr>
+                          <m:t>𝑟</m:t>
+                        </m:r>
+                      </m:e>
+                    </m:d>
+                  </m:oMath>
+                </a14:m>
+                <a:r>
+                  <a:rPr lang="en-US" dirty="0"/>
+                  <a:t>, then</a:t>
+                </a:r>
+                <a:br>
+                  <a:rPr lang="en-US" dirty="0"/>
+                </a:br>
+                <a14:m>
+                  <m:oMath xmlns:m="http://schemas.openxmlformats.org/officeDocument/2006/math">
+                    <m:bar>
+                      <m:barPr>
+                        <m:pos m:val="top"/>
+                        <m:ctrlPr>
+                          <a:rPr lang="en-US" i="1">
+                            <a:latin typeface="Cambria Math" panose="02040503050406030204" pitchFamily="18" charset="0"/>
+                          </a:rPr>
+                        </m:ctrlPr>
+                      </m:barPr>
+                      <m:e>
+                        <m:r>
+                          <a:rPr lang="en-US" i="1">
+                            <a:latin typeface="Cambria Math" panose="02040503050406030204" pitchFamily="18" charset="0"/>
+                          </a:rPr>
+                          <m:t>𝜇</m:t>
+                        </m:r>
+                      </m:e>
+                    </m:bar>
+                    <m:d>
+                      <m:dPr>
+                        <m:ctrlPr>
+                          <a:rPr lang="en-US" i="1">
+                            <a:latin typeface="Cambria Math" panose="02040503050406030204" pitchFamily="18" charset="0"/>
+                          </a:rPr>
+                        </m:ctrlPr>
+                      </m:dPr>
+                      <m:e>
+                        <m:r>
+                          <m:rPr>
+                            <m:sty m:val="p"/>
+                          </m:rPr>
+                          <a:rPr lang="el-GR" i="1">
+                            <a:latin typeface="Cambria Math" panose="02040503050406030204" pitchFamily="18" charset="0"/>
+                            <a:ea typeface="Cambria Math" panose="02040503050406030204" pitchFamily="18" charset="0"/>
+                          </a:rPr>
+                          <m:t>Ω</m:t>
+                        </m:r>
+                        <m:r>
+                          <a:rPr lang="en-US" i="1">
+                            <a:latin typeface="Cambria Math" panose="02040503050406030204" pitchFamily="18" charset="0"/>
+                          </a:rPr>
+                          <m:t>\</m:t>
+                        </m:r>
+                        <m:r>
+                          <a:rPr lang="en-US" i="1">
+                            <a:latin typeface="Cambria Math" panose="02040503050406030204" pitchFamily="18" charset="0"/>
+                          </a:rPr>
+                          <m:t>𝐸</m:t>
+                        </m:r>
+                      </m:e>
+                    </m:d>
+                    <m:r>
+                      <a:rPr lang="en-US" i="1">
+                        <a:latin typeface="Cambria Math" panose="02040503050406030204" pitchFamily="18" charset="0"/>
+                      </a:rPr>
+                      <m:t>=</m:t>
+                    </m:r>
+                    <m:d>
+                      <m:dPr>
+                        <m:begChr m:val="["/>
+                        <m:endChr m:val="]"/>
+                        <m:ctrlPr>
+                          <a:rPr lang="en-US" b="0" i="1" smtClean="0">
+                            <a:solidFill>
+                              <a:schemeClr val="accent4">
+                                <a:lumMod val="75000"/>
+                              </a:schemeClr>
+                            </a:solidFill>
+                            <a:latin typeface="Cambria Math" panose="02040503050406030204" pitchFamily="18" charset="0"/>
+                          </a:rPr>
+                        </m:ctrlPr>
+                      </m:dPr>
+                      <m:e>
+                        <m:r>
+                          <a:rPr lang="en-US" b="0" i="1" smtClean="0">
+                            <a:solidFill>
+                              <a:schemeClr val="accent4">
+                                <a:lumMod val="75000"/>
+                              </a:schemeClr>
+                            </a:solidFill>
+                            <a:latin typeface="Cambria Math" panose="02040503050406030204" pitchFamily="18" charset="0"/>
+                          </a:rPr>
+                          <m:t>1,1</m:t>
+                        </m:r>
+                      </m:e>
+                    </m:d>
+                    <m:r>
+                      <a:rPr lang="en-US" i="1">
+                        <a:latin typeface="Cambria Math" panose="02040503050406030204" pitchFamily="18" charset="0"/>
+                      </a:rPr>
+                      <m:t>−</m:t>
+                    </m:r>
+                    <m:bar>
+                      <m:barPr>
+                        <m:pos m:val="top"/>
+                        <m:ctrlPr>
+                          <a:rPr lang="en-US" i="1">
+                            <a:latin typeface="Cambria Math" panose="02040503050406030204" pitchFamily="18" charset="0"/>
+                          </a:rPr>
+                        </m:ctrlPr>
+                      </m:barPr>
+                      <m:e>
+                        <m:r>
+                          <a:rPr lang="en-US" i="1">
+                            <a:latin typeface="Cambria Math" panose="02040503050406030204" pitchFamily="18" charset="0"/>
+                          </a:rPr>
+                          <m:t>𝜇</m:t>
+                        </m:r>
+                      </m:e>
+                    </m:bar>
+                    <m:d>
+                      <m:dPr>
+                        <m:ctrlPr>
+                          <a:rPr lang="en-US" i="1">
+                            <a:latin typeface="Cambria Math" panose="02040503050406030204" pitchFamily="18" charset="0"/>
+                          </a:rPr>
+                        </m:ctrlPr>
+                      </m:dPr>
+                      <m:e>
+                        <m:r>
+                          <a:rPr lang="en-US" i="1">
+                            <a:latin typeface="Cambria Math" panose="02040503050406030204" pitchFamily="18" charset="0"/>
+                          </a:rPr>
+                          <m:t>𝐸</m:t>
+                        </m:r>
+                      </m:e>
+                    </m:d>
+                    <m:r>
+                      <a:rPr lang="en-US" i="1">
+                        <a:latin typeface="Cambria Math" panose="02040503050406030204" pitchFamily="18" charset="0"/>
+                      </a:rPr>
+                      <m:t>=</m:t>
+                    </m:r>
+                    <m:d>
+                      <m:dPr>
+                        <m:begChr m:val="["/>
+                        <m:endChr m:val="]"/>
+                        <m:ctrlPr>
+                          <a:rPr lang="en-US" i="1" smtClean="0">
+                            <a:solidFill>
+                              <a:schemeClr val="accent4">
+                                <a:lumMod val="75000"/>
+                              </a:schemeClr>
+                            </a:solidFill>
+                            <a:latin typeface="Cambria Math" panose="02040503050406030204" pitchFamily="18" charset="0"/>
+                          </a:rPr>
+                        </m:ctrlPr>
+                      </m:dPr>
+                      <m:e>
+                        <m:r>
+                          <a:rPr lang="en-US" i="1">
+                            <a:solidFill>
+                              <a:schemeClr val="accent4">
+                                <a:lumMod val="75000"/>
+                              </a:schemeClr>
+                            </a:solidFill>
+                            <a:latin typeface="Cambria Math" panose="02040503050406030204" pitchFamily="18" charset="0"/>
+                          </a:rPr>
+                          <m:t>1−</m:t>
+                        </m:r>
+                        <m:r>
+                          <a:rPr lang="en-US" i="1">
+                            <a:solidFill>
+                              <a:schemeClr val="accent4">
+                                <a:lumMod val="75000"/>
+                              </a:schemeClr>
+                            </a:solidFill>
+                            <a:latin typeface="Cambria Math" panose="02040503050406030204" pitchFamily="18" charset="0"/>
+                          </a:rPr>
+                          <m:t>𝑟</m:t>
+                        </m:r>
+                        <m:r>
+                          <a:rPr lang="en-US" i="1">
+                            <a:solidFill>
+                              <a:schemeClr val="accent4">
+                                <a:lumMod val="75000"/>
+                              </a:schemeClr>
+                            </a:solidFill>
+                            <a:latin typeface="Cambria Math" panose="02040503050406030204" pitchFamily="18" charset="0"/>
+                          </a:rPr>
+                          <m:t>,1−ℓ</m:t>
+                        </m:r>
+                      </m:e>
+                    </m:d>
+                    <m:r>
+                      <a:rPr lang="en-US" i="1">
+                        <a:latin typeface="Cambria Math" panose="02040503050406030204" pitchFamily="18" charset="0"/>
+                      </a:rPr>
+                      <m:t> .</m:t>
+                    </m:r>
+                  </m:oMath>
+                </a14:m>
+                <a:endParaRPr lang="en-US" dirty="0"/>
+              </a:p>
+              <a:p>
+                <a:pPr>
+                  <a:lnSpc>
+                    <a:spcPct val="105000"/>
+                  </a:lnSpc>
+                </a:pPr>
+                <a:r>
+                  <a:rPr lang="en-US" dirty="0"/>
+                  <a:t>For disjoint events </a:t>
+                </a:r>
+                <a14:m>
+                  <m:oMath xmlns:m="http://schemas.openxmlformats.org/officeDocument/2006/math">
+                    <m:sSub>
+                      <m:sSubPr>
+                        <m:ctrlPr>
+                          <a:rPr lang="en-US" i="1">
+                            <a:latin typeface="Cambria Math" panose="02040503050406030204" pitchFamily="18" charset="0"/>
+                          </a:rPr>
+                        </m:ctrlPr>
+                      </m:sSubPr>
+                      <m:e>
+                        <m:r>
+                          <a:rPr lang="en-US" i="1">
+                            <a:latin typeface="Cambria Math" panose="02040503050406030204" pitchFamily="18" charset="0"/>
+                          </a:rPr>
+                          <m:t>𝐸</m:t>
+                        </m:r>
+                      </m:e>
+                      <m:sub>
+                        <m:r>
+                          <a:rPr lang="en-US" i="1">
+                            <a:latin typeface="Cambria Math" panose="02040503050406030204" pitchFamily="18" charset="0"/>
+                          </a:rPr>
+                          <m:t>0</m:t>
+                        </m:r>
+                      </m:sub>
+                    </m:sSub>
+                  </m:oMath>
+                </a14:m>
+                <a:r>
+                  <a:rPr lang="en-US" dirty="0"/>
+                  <a:t> and </a:t>
+                </a:r>
+                <a14:m>
+                  <m:oMath xmlns:m="http://schemas.openxmlformats.org/officeDocument/2006/math">
+                    <m:sSub>
+                      <m:sSubPr>
+                        <m:ctrlPr>
+                          <a:rPr lang="en-US" i="1">
+                            <a:latin typeface="Cambria Math" panose="02040503050406030204" pitchFamily="18" charset="0"/>
+                          </a:rPr>
+                        </m:ctrlPr>
+                      </m:sSubPr>
+                      <m:e>
+                        <m:r>
+                          <a:rPr lang="en-US" i="1">
+                            <a:latin typeface="Cambria Math" panose="02040503050406030204" pitchFamily="18" charset="0"/>
+                          </a:rPr>
+                          <m:t>𝐸</m:t>
+                        </m:r>
+                      </m:e>
+                      <m:sub>
+                        <m:r>
+                          <a:rPr lang="en-US" i="1">
+                            <a:latin typeface="Cambria Math" panose="02040503050406030204" pitchFamily="18" charset="0"/>
+                          </a:rPr>
+                          <m:t>1</m:t>
+                        </m:r>
+                      </m:sub>
+                    </m:sSub>
+                  </m:oMath>
+                </a14:m>
+                <a:r>
+                  <a:rPr lang="en-US" dirty="0"/>
+                  <a:t>, </a:t>
+                </a:r>
+                <a:br>
+                  <a:rPr lang="en-US" dirty="0"/>
+                </a:br>
+                <a:r>
+                  <a:rPr lang="en-US" dirty="0"/>
+                  <a:t>if </a:t>
+                </a:r>
+                <a14:m>
+                  <m:oMath xmlns:m="http://schemas.openxmlformats.org/officeDocument/2006/math">
+                    <m:bar>
+                      <m:barPr>
+                        <m:pos m:val="top"/>
+                        <m:ctrlPr>
+                          <a:rPr lang="en-US" i="1">
+                            <a:latin typeface="Cambria Math" panose="02040503050406030204" pitchFamily="18" charset="0"/>
+                          </a:rPr>
+                        </m:ctrlPr>
+                      </m:barPr>
+                      <m:e>
+                        <m:r>
+                          <a:rPr lang="en-US" i="1">
+                            <a:latin typeface="Cambria Math" panose="02040503050406030204" pitchFamily="18" charset="0"/>
+                          </a:rPr>
+                          <m:t>𝜇</m:t>
+                        </m:r>
+                      </m:e>
+                    </m:bar>
+                    <m:d>
+                      <m:dPr>
+                        <m:ctrlPr>
+                          <a:rPr lang="en-US" i="1">
+                            <a:latin typeface="Cambria Math" panose="02040503050406030204" pitchFamily="18" charset="0"/>
+                          </a:rPr>
+                        </m:ctrlPr>
+                      </m:dPr>
+                      <m:e>
+                        <m:sSub>
+                          <m:sSubPr>
+                            <m:ctrlPr>
+                              <a:rPr lang="en-US" i="1">
+                                <a:latin typeface="Cambria Math" panose="02040503050406030204" pitchFamily="18" charset="0"/>
+                              </a:rPr>
+                            </m:ctrlPr>
+                          </m:sSubPr>
+                          <m:e>
+                            <m:r>
+                              <a:rPr lang="en-US" i="1">
+                                <a:latin typeface="Cambria Math" panose="02040503050406030204" pitchFamily="18" charset="0"/>
+                              </a:rPr>
+                              <m:t>𝐸</m:t>
+                            </m:r>
+                          </m:e>
+                          <m:sub>
+                            <m:r>
+                              <a:rPr lang="en-US" i="1">
+                                <a:latin typeface="Cambria Math" panose="02040503050406030204" pitchFamily="18" charset="0"/>
+                              </a:rPr>
+                              <m:t>0</m:t>
+                            </m:r>
+                          </m:sub>
+                        </m:sSub>
+                      </m:e>
+                    </m:d>
+                    <m:r>
+                      <a:rPr lang="en-US" i="1">
+                        <a:latin typeface="Cambria Math" panose="02040503050406030204" pitchFamily="18" charset="0"/>
+                      </a:rPr>
+                      <m:t>=</m:t>
+                    </m:r>
+                    <m:d>
+                      <m:dPr>
+                        <m:begChr m:val="["/>
+                        <m:endChr m:val="]"/>
+                        <m:ctrlPr>
+                          <a:rPr lang="en-US" i="1" smtClean="0">
+                            <a:solidFill>
+                              <a:schemeClr val="accent4">
+                                <a:lumMod val="75000"/>
+                              </a:schemeClr>
+                            </a:solidFill>
+                            <a:latin typeface="Cambria Math" panose="02040503050406030204" pitchFamily="18" charset="0"/>
+                          </a:rPr>
+                        </m:ctrlPr>
+                      </m:dPr>
+                      <m:e>
+                        <m:sSub>
+                          <m:sSubPr>
+                            <m:ctrlPr>
+                              <a:rPr lang="en-US" i="1">
+                                <a:solidFill>
+                                  <a:schemeClr val="accent4">
+                                    <a:lumMod val="75000"/>
+                                  </a:schemeClr>
+                                </a:solidFill>
+                                <a:latin typeface="Cambria Math" panose="02040503050406030204" pitchFamily="18" charset="0"/>
+                              </a:rPr>
+                            </m:ctrlPr>
+                          </m:sSubPr>
+                          <m:e>
+                            <m:r>
+                              <a:rPr lang="en-US" i="1">
+                                <a:solidFill>
+                                  <a:schemeClr val="accent4">
+                                    <a:lumMod val="75000"/>
+                                  </a:schemeClr>
+                                </a:solidFill>
+                                <a:latin typeface="Cambria Math" panose="02040503050406030204" pitchFamily="18" charset="0"/>
+                              </a:rPr>
+                              <m:t>ℓ</m:t>
+                            </m:r>
+                          </m:e>
+                          <m:sub>
+                            <m:r>
+                              <a:rPr lang="en-US" i="1">
+                                <a:solidFill>
+                                  <a:schemeClr val="accent4">
+                                    <a:lumMod val="75000"/>
+                                  </a:schemeClr>
+                                </a:solidFill>
+                                <a:latin typeface="Cambria Math" panose="02040503050406030204" pitchFamily="18" charset="0"/>
+                              </a:rPr>
+                              <m:t>0</m:t>
+                            </m:r>
+                          </m:sub>
+                        </m:sSub>
+                        <m:r>
+                          <a:rPr lang="en-US" i="1">
+                            <a:solidFill>
+                              <a:schemeClr val="accent4">
+                                <a:lumMod val="75000"/>
+                              </a:schemeClr>
+                            </a:solidFill>
+                            <a:latin typeface="Cambria Math" panose="02040503050406030204" pitchFamily="18" charset="0"/>
+                          </a:rPr>
+                          <m:t>,</m:t>
+                        </m:r>
+                        <m:sSub>
+                          <m:sSubPr>
+                            <m:ctrlPr>
+                              <a:rPr lang="en-US" i="1">
+                                <a:solidFill>
+                                  <a:schemeClr val="accent4">
+                                    <a:lumMod val="75000"/>
+                                  </a:schemeClr>
+                                </a:solidFill>
+                                <a:latin typeface="Cambria Math" panose="02040503050406030204" pitchFamily="18" charset="0"/>
+                              </a:rPr>
+                            </m:ctrlPr>
+                          </m:sSubPr>
+                          <m:e>
+                            <m:r>
+                              <a:rPr lang="en-US" i="1">
+                                <a:solidFill>
+                                  <a:schemeClr val="accent4">
+                                    <a:lumMod val="75000"/>
+                                  </a:schemeClr>
+                                </a:solidFill>
+                                <a:latin typeface="Cambria Math" panose="02040503050406030204" pitchFamily="18" charset="0"/>
+                              </a:rPr>
+                              <m:t>𝑟</m:t>
+                            </m:r>
+                          </m:e>
+                          <m:sub>
+                            <m:r>
+                              <a:rPr lang="en-US" i="1">
+                                <a:solidFill>
+                                  <a:schemeClr val="accent4">
+                                    <a:lumMod val="75000"/>
+                                  </a:schemeClr>
+                                </a:solidFill>
+                                <a:latin typeface="Cambria Math" panose="02040503050406030204" pitchFamily="18" charset="0"/>
+                              </a:rPr>
+                              <m:t>0</m:t>
+                            </m:r>
+                          </m:sub>
+                        </m:sSub>
+                      </m:e>
+                    </m:d>
+                  </m:oMath>
+                </a14:m>
+                <a:r>
+                  <a:rPr lang="en-US" dirty="0"/>
+                  <a:t> and </a:t>
+                </a:r>
+                <a14:m>
+                  <m:oMath xmlns:m="http://schemas.openxmlformats.org/officeDocument/2006/math">
+                    <m:bar>
+                      <m:barPr>
+                        <m:pos m:val="top"/>
+                        <m:ctrlPr>
+                          <a:rPr lang="en-US" i="1">
+                            <a:latin typeface="Cambria Math" panose="02040503050406030204" pitchFamily="18" charset="0"/>
+                          </a:rPr>
+                        </m:ctrlPr>
+                      </m:barPr>
+                      <m:e>
+                        <m:r>
+                          <a:rPr lang="en-US" i="1">
+                            <a:latin typeface="Cambria Math" panose="02040503050406030204" pitchFamily="18" charset="0"/>
+                          </a:rPr>
+                          <m:t>𝜇</m:t>
+                        </m:r>
+                      </m:e>
+                    </m:bar>
+                    <m:d>
+                      <m:dPr>
+                        <m:ctrlPr>
+                          <a:rPr lang="en-US" i="1">
+                            <a:latin typeface="Cambria Math" panose="02040503050406030204" pitchFamily="18" charset="0"/>
+                          </a:rPr>
+                        </m:ctrlPr>
+                      </m:dPr>
+                      <m:e>
+                        <m:sSub>
+                          <m:sSubPr>
+                            <m:ctrlPr>
+                              <a:rPr lang="en-US" i="1">
+                                <a:latin typeface="Cambria Math" panose="02040503050406030204" pitchFamily="18" charset="0"/>
+                              </a:rPr>
+                            </m:ctrlPr>
+                          </m:sSubPr>
+                          <m:e>
+                            <m:r>
+                              <a:rPr lang="en-US" i="1">
+                                <a:latin typeface="Cambria Math" panose="02040503050406030204" pitchFamily="18" charset="0"/>
+                              </a:rPr>
+                              <m:t>𝐸</m:t>
+                            </m:r>
+                          </m:e>
+                          <m:sub>
+                            <m:r>
+                              <a:rPr lang="en-US" i="1">
+                                <a:latin typeface="Cambria Math" panose="02040503050406030204" pitchFamily="18" charset="0"/>
+                              </a:rPr>
+                              <m:t>1</m:t>
+                            </m:r>
+                          </m:sub>
+                        </m:sSub>
+                      </m:e>
+                    </m:d>
+                    <m:r>
+                      <a:rPr lang="en-US" i="1">
+                        <a:latin typeface="Cambria Math" panose="02040503050406030204" pitchFamily="18" charset="0"/>
+                      </a:rPr>
+                      <m:t>=</m:t>
+                    </m:r>
+                    <m:d>
+                      <m:dPr>
+                        <m:begChr m:val="["/>
+                        <m:endChr m:val="]"/>
+                        <m:ctrlPr>
+                          <a:rPr lang="en-US" i="1" smtClean="0">
+                            <a:solidFill>
+                              <a:schemeClr val="accent4">
+                                <a:lumMod val="75000"/>
+                              </a:schemeClr>
+                            </a:solidFill>
+                            <a:latin typeface="Cambria Math" panose="02040503050406030204" pitchFamily="18" charset="0"/>
+                          </a:rPr>
+                        </m:ctrlPr>
+                      </m:dPr>
+                      <m:e>
+                        <m:sSub>
+                          <m:sSubPr>
+                            <m:ctrlPr>
+                              <a:rPr lang="en-US" i="1">
+                                <a:solidFill>
+                                  <a:schemeClr val="accent4">
+                                    <a:lumMod val="75000"/>
+                                  </a:schemeClr>
+                                </a:solidFill>
+                                <a:latin typeface="Cambria Math" panose="02040503050406030204" pitchFamily="18" charset="0"/>
+                              </a:rPr>
+                            </m:ctrlPr>
+                          </m:sSubPr>
+                          <m:e>
+                            <m:r>
+                              <a:rPr lang="en-US" i="1">
+                                <a:solidFill>
+                                  <a:schemeClr val="accent4">
+                                    <a:lumMod val="75000"/>
+                                  </a:schemeClr>
+                                </a:solidFill>
+                                <a:latin typeface="Cambria Math" panose="02040503050406030204" pitchFamily="18" charset="0"/>
+                              </a:rPr>
+                              <m:t>ℓ</m:t>
+                            </m:r>
+                          </m:e>
+                          <m:sub>
+                            <m:r>
+                              <a:rPr lang="en-US" i="1">
+                                <a:solidFill>
+                                  <a:schemeClr val="accent4">
+                                    <a:lumMod val="75000"/>
+                                  </a:schemeClr>
+                                </a:solidFill>
+                                <a:latin typeface="Cambria Math" panose="02040503050406030204" pitchFamily="18" charset="0"/>
+                              </a:rPr>
+                              <m:t>1</m:t>
+                            </m:r>
+                          </m:sub>
+                        </m:sSub>
+                        <m:r>
+                          <a:rPr lang="en-US" i="1">
+                            <a:solidFill>
+                              <a:schemeClr val="accent4">
+                                <a:lumMod val="75000"/>
+                              </a:schemeClr>
+                            </a:solidFill>
+                            <a:latin typeface="Cambria Math" panose="02040503050406030204" pitchFamily="18" charset="0"/>
+                          </a:rPr>
+                          <m:t>,</m:t>
+                        </m:r>
+                        <m:sSub>
+                          <m:sSubPr>
+                            <m:ctrlPr>
+                              <a:rPr lang="en-US" i="1">
+                                <a:solidFill>
+                                  <a:schemeClr val="accent4">
+                                    <a:lumMod val="75000"/>
+                                  </a:schemeClr>
+                                </a:solidFill>
+                                <a:latin typeface="Cambria Math" panose="02040503050406030204" pitchFamily="18" charset="0"/>
+                              </a:rPr>
+                            </m:ctrlPr>
+                          </m:sSubPr>
+                          <m:e>
+                            <m:r>
+                              <a:rPr lang="en-US" i="1">
+                                <a:solidFill>
+                                  <a:schemeClr val="accent4">
+                                    <a:lumMod val="75000"/>
+                                  </a:schemeClr>
+                                </a:solidFill>
+                                <a:latin typeface="Cambria Math" panose="02040503050406030204" pitchFamily="18" charset="0"/>
+                              </a:rPr>
+                              <m:t>𝑟</m:t>
+                            </m:r>
+                          </m:e>
+                          <m:sub>
+                            <m:r>
+                              <a:rPr lang="en-US" i="1">
+                                <a:solidFill>
+                                  <a:schemeClr val="accent4">
+                                    <a:lumMod val="75000"/>
+                                  </a:schemeClr>
+                                </a:solidFill>
+                                <a:latin typeface="Cambria Math" panose="02040503050406030204" pitchFamily="18" charset="0"/>
+                              </a:rPr>
+                              <m:t>1</m:t>
+                            </m:r>
+                          </m:sub>
+                        </m:sSub>
+                      </m:e>
+                    </m:d>
+                  </m:oMath>
+                </a14:m>
+                <a:r>
+                  <a:rPr lang="en-US" dirty="0"/>
+                  <a:t>, then</a:t>
+                </a:r>
+                <a:br>
+                  <a:rPr lang="en-US" dirty="0"/>
+                </a:br>
+                <a14:m>
+                  <m:oMath xmlns:m="http://schemas.openxmlformats.org/officeDocument/2006/math">
+                    <m:bar>
+                      <m:barPr>
+                        <m:pos m:val="top"/>
+                        <m:ctrlPr>
+                          <a:rPr lang="en-US" i="1">
+                            <a:latin typeface="Cambria Math" panose="02040503050406030204" pitchFamily="18" charset="0"/>
+                          </a:rPr>
+                        </m:ctrlPr>
+                      </m:barPr>
+                      <m:e>
+                        <m:r>
+                          <a:rPr lang="en-US" i="1">
+                            <a:latin typeface="Cambria Math" panose="02040503050406030204" pitchFamily="18" charset="0"/>
+                          </a:rPr>
+                          <m:t>𝜇</m:t>
+                        </m:r>
+                      </m:e>
+                    </m:bar>
+                    <m:d>
+                      <m:dPr>
+                        <m:ctrlPr>
+                          <a:rPr lang="en-US" i="1">
+                            <a:latin typeface="Cambria Math" panose="02040503050406030204" pitchFamily="18" charset="0"/>
+                          </a:rPr>
+                        </m:ctrlPr>
+                      </m:dPr>
+                      <m:e>
+                        <m:sSub>
+                          <m:sSubPr>
+                            <m:ctrlPr>
+                              <a:rPr lang="en-US" i="1">
+                                <a:latin typeface="Cambria Math" panose="02040503050406030204" pitchFamily="18" charset="0"/>
+                              </a:rPr>
+                            </m:ctrlPr>
+                          </m:sSubPr>
+                          <m:e>
+                            <m:r>
+                              <a:rPr lang="en-US" i="1">
+                                <a:latin typeface="Cambria Math" panose="02040503050406030204" pitchFamily="18" charset="0"/>
+                              </a:rPr>
+                              <m:t>𝐸</m:t>
+                            </m:r>
+                          </m:e>
+                          <m:sub>
+                            <m:r>
+                              <a:rPr lang="en-US" i="1">
+                                <a:latin typeface="Cambria Math" panose="02040503050406030204" pitchFamily="18" charset="0"/>
+                              </a:rPr>
+                              <m:t>0</m:t>
+                            </m:r>
+                          </m:sub>
+                        </m:sSub>
+                        <m:r>
+                          <a:rPr lang="en-US" i="1">
+                            <a:latin typeface="Cambria Math" panose="02040503050406030204" pitchFamily="18" charset="0"/>
+                          </a:rPr>
+                          <m:t>∪</m:t>
+                        </m:r>
+                        <m:sSub>
+                          <m:sSubPr>
+                            <m:ctrlPr>
+                              <a:rPr lang="en-US" i="1">
+                                <a:latin typeface="Cambria Math" panose="02040503050406030204" pitchFamily="18" charset="0"/>
+                              </a:rPr>
+                            </m:ctrlPr>
+                          </m:sSubPr>
+                          <m:e>
+                            <m:r>
+                              <a:rPr lang="en-US" i="1">
+                                <a:latin typeface="Cambria Math" panose="02040503050406030204" pitchFamily="18" charset="0"/>
+                              </a:rPr>
+                              <m:t>𝐸</m:t>
+                            </m:r>
+                          </m:e>
+                          <m:sub>
+                            <m:r>
+                              <a:rPr lang="en-US" i="1">
+                                <a:latin typeface="Cambria Math" panose="02040503050406030204" pitchFamily="18" charset="0"/>
+                              </a:rPr>
+                              <m:t>1</m:t>
+                            </m:r>
+                          </m:sub>
+                        </m:sSub>
+                      </m:e>
+                    </m:d>
+                    <m:r>
+                      <a:rPr lang="en-US" i="1" smtClean="0">
+                        <a:solidFill>
+                          <a:schemeClr val="accent4">
+                            <a:lumMod val="75000"/>
+                          </a:schemeClr>
+                        </a:solidFill>
+                        <a:latin typeface="Cambria Math" panose="02040503050406030204" pitchFamily="18" charset="0"/>
+                      </a:rPr>
+                      <m:t>⊆</m:t>
+                    </m:r>
+                    <m:bar>
+                      <m:barPr>
+                        <m:pos m:val="top"/>
+                        <m:ctrlPr>
+                          <a:rPr lang="en-US" i="1">
+                            <a:latin typeface="Cambria Math" panose="02040503050406030204" pitchFamily="18" charset="0"/>
+                          </a:rPr>
+                        </m:ctrlPr>
+                      </m:barPr>
+                      <m:e>
+                        <m:r>
+                          <a:rPr lang="en-US" i="1">
+                            <a:latin typeface="Cambria Math" panose="02040503050406030204" pitchFamily="18" charset="0"/>
+                          </a:rPr>
+                          <m:t>𝜇</m:t>
+                        </m:r>
+                      </m:e>
+                    </m:bar>
+                    <m:d>
+                      <m:dPr>
+                        <m:ctrlPr>
+                          <a:rPr lang="en-US" i="1">
+                            <a:latin typeface="Cambria Math" panose="02040503050406030204" pitchFamily="18" charset="0"/>
+                          </a:rPr>
+                        </m:ctrlPr>
+                      </m:dPr>
+                      <m:e>
+                        <m:sSub>
+                          <m:sSubPr>
+                            <m:ctrlPr>
+                              <a:rPr lang="en-US" i="1">
+                                <a:latin typeface="Cambria Math" panose="02040503050406030204" pitchFamily="18" charset="0"/>
+                              </a:rPr>
+                            </m:ctrlPr>
+                          </m:sSubPr>
+                          <m:e>
+                            <m:r>
+                              <a:rPr lang="en-US" i="1">
+                                <a:latin typeface="Cambria Math" panose="02040503050406030204" pitchFamily="18" charset="0"/>
+                              </a:rPr>
+                              <m:t>𝐸</m:t>
+                            </m:r>
+                          </m:e>
+                          <m:sub>
+                            <m:r>
+                              <a:rPr lang="en-US" i="1">
+                                <a:latin typeface="Cambria Math" panose="02040503050406030204" pitchFamily="18" charset="0"/>
+                              </a:rPr>
+                              <m:t>0</m:t>
+                            </m:r>
+                          </m:sub>
+                        </m:sSub>
+                      </m:e>
+                    </m:d>
+                    <m:r>
+                      <a:rPr lang="en-US" i="1">
+                        <a:latin typeface="Cambria Math" panose="02040503050406030204" pitchFamily="18" charset="0"/>
+                      </a:rPr>
+                      <m:t>+</m:t>
+                    </m:r>
+                    <m:bar>
+                      <m:barPr>
+                        <m:pos m:val="top"/>
+                        <m:ctrlPr>
+                          <a:rPr lang="en-US" i="1">
+                            <a:latin typeface="Cambria Math" panose="02040503050406030204" pitchFamily="18" charset="0"/>
+                          </a:rPr>
+                        </m:ctrlPr>
+                      </m:barPr>
+                      <m:e>
+                        <m:r>
+                          <a:rPr lang="en-US" i="1">
+                            <a:latin typeface="Cambria Math" panose="02040503050406030204" pitchFamily="18" charset="0"/>
+                          </a:rPr>
+                          <m:t>𝜇</m:t>
+                        </m:r>
+                      </m:e>
+                    </m:bar>
+                    <m:d>
+                      <m:dPr>
+                        <m:ctrlPr>
+                          <a:rPr lang="en-US" i="1">
+                            <a:latin typeface="Cambria Math" panose="02040503050406030204" pitchFamily="18" charset="0"/>
+                          </a:rPr>
+                        </m:ctrlPr>
+                      </m:dPr>
+                      <m:e>
+                        <m:sSub>
+                          <m:sSubPr>
+                            <m:ctrlPr>
+                              <a:rPr lang="en-US" i="1">
+                                <a:latin typeface="Cambria Math" panose="02040503050406030204" pitchFamily="18" charset="0"/>
+                              </a:rPr>
+                            </m:ctrlPr>
+                          </m:sSubPr>
+                          <m:e>
+                            <m:r>
+                              <a:rPr lang="en-US" i="1">
+                                <a:latin typeface="Cambria Math" panose="02040503050406030204" pitchFamily="18" charset="0"/>
+                              </a:rPr>
+                              <m:t>𝐸</m:t>
+                            </m:r>
+                          </m:e>
+                          <m:sub>
+                            <m:r>
+                              <a:rPr lang="en-US" i="1">
+                                <a:latin typeface="Cambria Math" panose="02040503050406030204" pitchFamily="18" charset="0"/>
+                              </a:rPr>
+                              <m:t>1</m:t>
+                            </m:r>
+                          </m:sub>
+                        </m:sSub>
+                      </m:e>
+                    </m:d>
+                    <m:r>
+                      <a:rPr lang="en-US" i="1">
+                        <a:latin typeface="Cambria Math" panose="02040503050406030204" pitchFamily="18" charset="0"/>
+                      </a:rPr>
+                      <m:t>=</m:t>
+                    </m:r>
+                    <m:d>
+                      <m:dPr>
+                        <m:begChr m:val="["/>
+                        <m:endChr m:val="]"/>
+                        <m:ctrlPr>
+                          <a:rPr lang="en-US" i="1" smtClean="0">
+                            <a:solidFill>
+                              <a:schemeClr val="accent4">
+                                <a:lumMod val="75000"/>
+                              </a:schemeClr>
+                            </a:solidFill>
+                            <a:latin typeface="Cambria Math" panose="02040503050406030204" pitchFamily="18" charset="0"/>
+                          </a:rPr>
+                        </m:ctrlPr>
+                      </m:dPr>
+                      <m:e>
+                        <m:sSub>
+                          <m:sSubPr>
+                            <m:ctrlPr>
+                              <a:rPr lang="en-US" i="1">
+                                <a:solidFill>
+                                  <a:schemeClr val="accent4">
+                                    <a:lumMod val="75000"/>
+                                  </a:schemeClr>
+                                </a:solidFill>
+                                <a:latin typeface="Cambria Math" panose="02040503050406030204" pitchFamily="18" charset="0"/>
+                              </a:rPr>
+                            </m:ctrlPr>
+                          </m:sSubPr>
+                          <m:e>
+                            <m:r>
+                              <a:rPr lang="en-US" i="1">
+                                <a:solidFill>
+                                  <a:schemeClr val="accent4">
+                                    <a:lumMod val="75000"/>
+                                  </a:schemeClr>
+                                </a:solidFill>
+                                <a:latin typeface="Cambria Math" panose="02040503050406030204" pitchFamily="18" charset="0"/>
+                              </a:rPr>
+                              <m:t>ℓ</m:t>
+                            </m:r>
+                          </m:e>
+                          <m:sub>
+                            <m:r>
+                              <a:rPr lang="en-US" i="1">
+                                <a:solidFill>
+                                  <a:schemeClr val="accent4">
+                                    <a:lumMod val="75000"/>
+                                  </a:schemeClr>
+                                </a:solidFill>
+                                <a:latin typeface="Cambria Math" panose="02040503050406030204" pitchFamily="18" charset="0"/>
+                              </a:rPr>
+                              <m:t>0</m:t>
+                            </m:r>
+                          </m:sub>
+                        </m:sSub>
+                        <m:r>
+                          <a:rPr lang="en-US" i="1">
+                            <a:solidFill>
+                              <a:schemeClr val="accent4">
+                                <a:lumMod val="75000"/>
+                              </a:schemeClr>
+                            </a:solidFill>
+                            <a:latin typeface="Cambria Math" panose="02040503050406030204" pitchFamily="18" charset="0"/>
+                          </a:rPr>
+                          <m:t>+</m:t>
+                        </m:r>
+                        <m:sSub>
+                          <m:sSubPr>
+                            <m:ctrlPr>
+                              <a:rPr lang="en-US" i="1">
+                                <a:solidFill>
+                                  <a:schemeClr val="accent4">
+                                    <a:lumMod val="75000"/>
+                                  </a:schemeClr>
+                                </a:solidFill>
+                                <a:latin typeface="Cambria Math" panose="02040503050406030204" pitchFamily="18" charset="0"/>
+                              </a:rPr>
+                            </m:ctrlPr>
+                          </m:sSubPr>
+                          <m:e>
+                            <m:r>
+                              <a:rPr lang="en-US" i="1">
+                                <a:solidFill>
+                                  <a:schemeClr val="accent4">
+                                    <a:lumMod val="75000"/>
+                                  </a:schemeClr>
+                                </a:solidFill>
+                                <a:latin typeface="Cambria Math" panose="02040503050406030204" pitchFamily="18" charset="0"/>
+                              </a:rPr>
+                              <m:t>ℓ</m:t>
+                            </m:r>
+                          </m:e>
+                          <m:sub>
+                            <m:r>
+                              <a:rPr lang="en-US" i="1">
+                                <a:solidFill>
+                                  <a:schemeClr val="accent4">
+                                    <a:lumMod val="75000"/>
+                                  </a:schemeClr>
+                                </a:solidFill>
+                                <a:latin typeface="Cambria Math" panose="02040503050406030204" pitchFamily="18" charset="0"/>
+                              </a:rPr>
+                              <m:t>1</m:t>
+                            </m:r>
+                          </m:sub>
+                        </m:sSub>
+                        <m:r>
+                          <a:rPr lang="en-US" i="1">
+                            <a:solidFill>
+                              <a:schemeClr val="accent4">
+                                <a:lumMod val="75000"/>
+                              </a:schemeClr>
+                            </a:solidFill>
+                            <a:latin typeface="Cambria Math" panose="02040503050406030204" pitchFamily="18" charset="0"/>
+                          </a:rPr>
+                          <m:t>,</m:t>
+                        </m:r>
+                        <m:sSub>
+                          <m:sSubPr>
+                            <m:ctrlPr>
+                              <a:rPr lang="en-US" i="1">
+                                <a:solidFill>
+                                  <a:schemeClr val="accent4">
+                                    <a:lumMod val="75000"/>
+                                  </a:schemeClr>
+                                </a:solidFill>
+                                <a:latin typeface="Cambria Math" panose="02040503050406030204" pitchFamily="18" charset="0"/>
+                              </a:rPr>
+                            </m:ctrlPr>
+                          </m:sSubPr>
+                          <m:e>
+                            <m:r>
+                              <a:rPr lang="en-US" i="1">
+                                <a:solidFill>
+                                  <a:schemeClr val="accent4">
+                                    <a:lumMod val="75000"/>
+                                  </a:schemeClr>
+                                </a:solidFill>
+                                <a:latin typeface="Cambria Math" panose="02040503050406030204" pitchFamily="18" charset="0"/>
+                              </a:rPr>
+                              <m:t>𝑟</m:t>
+                            </m:r>
+                          </m:e>
+                          <m:sub>
+                            <m:r>
+                              <a:rPr lang="en-US" i="1">
+                                <a:solidFill>
+                                  <a:schemeClr val="accent4">
+                                    <a:lumMod val="75000"/>
+                                  </a:schemeClr>
+                                </a:solidFill>
+                                <a:latin typeface="Cambria Math" panose="02040503050406030204" pitchFamily="18" charset="0"/>
+                              </a:rPr>
+                              <m:t>0</m:t>
+                            </m:r>
+                          </m:sub>
+                        </m:sSub>
+                        <m:r>
+                          <a:rPr lang="en-US" i="1">
+                            <a:solidFill>
+                              <a:schemeClr val="accent4">
+                                <a:lumMod val="75000"/>
+                              </a:schemeClr>
+                            </a:solidFill>
+                            <a:latin typeface="Cambria Math" panose="02040503050406030204" pitchFamily="18" charset="0"/>
+                          </a:rPr>
+                          <m:t>+</m:t>
+                        </m:r>
+                        <m:sSub>
+                          <m:sSubPr>
+                            <m:ctrlPr>
+                              <a:rPr lang="en-US" i="1">
+                                <a:solidFill>
+                                  <a:schemeClr val="accent4">
+                                    <a:lumMod val="75000"/>
+                                  </a:schemeClr>
+                                </a:solidFill>
+                                <a:latin typeface="Cambria Math" panose="02040503050406030204" pitchFamily="18" charset="0"/>
+                              </a:rPr>
+                            </m:ctrlPr>
+                          </m:sSubPr>
+                          <m:e>
+                            <m:r>
+                              <a:rPr lang="en-US" i="1">
+                                <a:solidFill>
+                                  <a:schemeClr val="accent4">
+                                    <a:lumMod val="75000"/>
+                                  </a:schemeClr>
+                                </a:solidFill>
+                                <a:latin typeface="Cambria Math" panose="02040503050406030204" pitchFamily="18" charset="0"/>
+                              </a:rPr>
+                              <m:t>𝑟</m:t>
+                            </m:r>
+                          </m:e>
+                          <m:sub>
+                            <m:r>
+                              <a:rPr lang="en-US" i="1">
+                                <a:solidFill>
+                                  <a:schemeClr val="accent4">
+                                    <a:lumMod val="75000"/>
+                                  </a:schemeClr>
+                                </a:solidFill>
+                                <a:latin typeface="Cambria Math" panose="02040503050406030204" pitchFamily="18" charset="0"/>
+                              </a:rPr>
+                              <m:t>1</m:t>
+                            </m:r>
+                          </m:sub>
+                        </m:sSub>
+                      </m:e>
+                    </m:d>
+                    <m:r>
+                      <m:rPr>
+                        <m:nor/>
+                      </m:rPr>
+                      <a:rPr lang="en-US" dirty="0"/>
+                      <m:t>	</m:t>
+                    </m:r>
+                    <m:r>
+                      <a:rPr lang="en-US" i="1" dirty="0">
+                        <a:latin typeface="Cambria Math" panose="02040503050406030204" pitchFamily="18" charset="0"/>
+                      </a:rPr>
+                      <m:t> .</m:t>
+                    </m:r>
+                  </m:oMath>
+                </a14:m>
+                <a:endParaRPr lang="en-US" dirty="0"/>
+              </a:p>
+            </p:txBody>
+          </p:sp>
+        </mc:Choice>
+        <mc:Fallback xmlns="">
+          <p:sp>
+            <p:nvSpPr>
+              <p:cNvPr id="6" name="Content Placeholder 5"/>
+              <p:cNvSpPr>
+                <a:spLocks noGrp="1" noRot="1" noChangeAspect="1" noMove="1" noResize="1" noEditPoints="1" noAdjustHandles="1" noChangeArrowheads="1" noChangeShapeType="1" noTextEdit="1"/>
+              </p:cNvSpPr>
+              <p:nvPr>
+                <p:ph sz="quarter" idx="4"/>
+              </p:nvPr>
+            </p:nvSpPr>
+            <p:spPr>
+              <a:blipFill rotWithShape="0">
+                <a:blip r:embed="rId5"/>
+                <a:stretch>
+                  <a:fillRect l="-1412" t="-662"/>
+                </a:stretch>
+              </a:blipFill>
+            </p:spPr>
+            <p:txBody>
+              <a:bodyPr/>
+              <a:lstStyle/>
+              <a:p>
+                <a:r>
+                  <a:rPr lang="en-US">
+                    <a:noFill/>
+                  </a:rPr>
+                  <a:t> </a:t>
+                </a:r>
+              </a:p>
+            </p:txBody>
+          </p:sp>
+        </mc:Fallback>
+      </mc:AlternateContent>
+    </p:spTree>
+    <p:extLst>
+      <p:ext uri="{BB962C8B-B14F-4D97-AF65-F5344CB8AC3E}">
+        <p14:creationId xmlns:p14="http://schemas.microsoft.com/office/powerpoint/2010/main" val="1767980098"/>
       </p:ext>
     </p:extLst>
   </p:cSld>
@@ -19468,4 +26471,299 @@
     </a:ext>
   </a:extLst>
 </a:theme>
+</file>
+
+<file path=ppt/theme/theme2.xml><?xml version="1.0" encoding="utf-8"?>
+<a:theme xmlns:a="http://schemas.openxmlformats.org/drawingml/2006/main" name="Office Theme">
+  <a:themeElements>
+    <a:clrScheme name="Office">
+      <a:dk1>
+        <a:sysClr val="windowText" lastClr="000000"/>
+      </a:dk1>
+      <a:lt1>
+        <a:sysClr val="window" lastClr="FFFFFF"/>
+      </a:lt1>
+      <a:dk2>
+        <a:srgbClr val="44546A"/>
+      </a:dk2>
+      <a:lt2>
+        <a:srgbClr val="E7E6E6"/>
+      </a:lt2>
+      <a:accent1>
+        <a:srgbClr val="4472C4"/>
+      </a:accent1>
+      <a:accent2>
+        <a:srgbClr val="ED7D31"/>
+      </a:accent2>
+      <a:accent3>
+        <a:srgbClr val="A5A5A5"/>
+      </a:accent3>
+      <a:accent4>
+        <a:srgbClr val="FFC000"/>
+      </a:accent4>
+      <a:accent5>
+        <a:srgbClr val="5B9BD5"/>
+      </a:accent5>
+      <a:accent6>
+        <a:srgbClr val="70AD47"/>
+      </a:accent6>
+      <a:hlink>
+        <a:srgbClr val="0563C1"/>
+      </a:hlink>
+      <a:folHlink>
+        <a:srgbClr val="954F72"/>
+      </a:folHlink>
+    </a:clrScheme>
+    <a:fontScheme name="Office">
+      <a:majorFont>
+        <a:latin typeface="Calibri Light" panose="020F0302020204030204"/>
+        <a:ea typeface=""/>
+        <a:cs typeface=""/>
+        <a:font script="Jpan" typeface="游ゴシック Light"/>
+        <a:font script="Hang" typeface="맑은 고딕"/>
+        <a:font script="Hans" typeface="等线 Light"/>
+        <a:font script="Hant" typeface="新細明體"/>
+        <a:font script="Arab" typeface="Times New Roman"/>
+        <a:font script="Hebr" typeface="Times New Roman"/>
+        <a:font script="Thai" typeface="Angsana New"/>
+        <a:font script="Ethi" typeface="Nyala"/>
+        <a:font script="Beng" typeface="Vrinda"/>
+        <a:font script="Gujr" typeface="Shruti"/>
+        <a:font script="Khmr" typeface="MoolBoran"/>
+        <a:font script="Knda" typeface="Tunga"/>
+        <a:font script="Guru" typeface="Raavi"/>
+        <a:font script="Cans" typeface="Euphemia"/>
+        <a:font script="Cher" typeface="Plantagenet Cherokee"/>
+        <a:font script="Yiii" typeface="Microsoft Yi Baiti"/>
+        <a:font script="Tibt" typeface="Microsoft Himalaya"/>
+        <a:font script="Thaa" typeface="MV Boli"/>
+        <a:font script="Deva" typeface="Mangal"/>
+        <a:font script="Telu" typeface="Gautami"/>
+        <a:font script="Taml" typeface="Latha"/>
+        <a:font script="Syrc" typeface="Estrangelo Edessa"/>
+        <a:font script="Orya" typeface="Kalinga"/>
+        <a:font script="Mlym" typeface="Kartika"/>
+        <a:font script="Laoo" typeface="DokChampa"/>
+        <a:font script="Sinh" typeface="Iskoola Pota"/>
+        <a:font script="Mong" typeface="Mongolian Baiti"/>
+        <a:font script="Viet" typeface="Times New Roman"/>
+        <a:font script="Uigh" typeface="Microsoft Uighur"/>
+        <a:font script="Geor" typeface="Sylfaen"/>
+        <a:font script="Armn" typeface="Arial"/>
+        <a:font script="Bugi" typeface="Leelawadee UI"/>
+        <a:font script="Bopo" typeface="Microsoft JhengHei"/>
+        <a:font script="Java" typeface="Javanese Text"/>
+        <a:font script="Lisu" typeface="Segoe UI"/>
+        <a:font script="Mymr" typeface="Myanmar Text"/>
+        <a:font script="Nkoo" typeface="Ebrima"/>
+        <a:font script="Olck" typeface="Nirmala UI"/>
+        <a:font script="Osma" typeface="Ebrima"/>
+        <a:font script="Phag" typeface="Phagspa"/>
+        <a:font script="Syrn" typeface="Estrangelo Edessa"/>
+        <a:font script="Syrj" typeface="Estrangelo Edessa"/>
+        <a:font script="Syre" typeface="Estrangelo Edessa"/>
+        <a:font script="Sora" typeface="Nirmala UI"/>
+        <a:font script="Tale" typeface="Microsoft Tai Le"/>
+        <a:font script="Talu" typeface="Microsoft New Tai Lue"/>
+        <a:font script="Tfng" typeface="Ebrima"/>
+      </a:majorFont>
+      <a:minorFont>
+        <a:latin typeface="Calibri" panose="020F0502020204030204"/>
+        <a:ea typeface=""/>
+        <a:cs typeface=""/>
+        <a:font script="Jpan" typeface="游ゴシック"/>
+        <a:font script="Hang" typeface="맑은 고딕"/>
+        <a:font script="Hans" typeface="等线"/>
+        <a:font script="Hant" typeface="新細明體"/>
+        <a:font script="Arab" typeface="Arial"/>
+        <a:font script="Hebr" typeface="Arial"/>
+        <a:font script="Thai" typeface="Cordia New"/>
+        <a:font script="Ethi" typeface="Nyala"/>
+        <a:font script="Beng" typeface="Vrinda"/>
+        <a:font script="Gujr" typeface="Shruti"/>
+        <a:font script="Khmr" typeface="DaunPenh"/>
+        <a:font script="Knda" typeface="Tunga"/>
+        <a:font script="Guru" typeface="Raavi"/>
+        <a:font script="Cans" typeface="Euphemia"/>
+        <a:font script="Cher" typeface="Plantagenet Cherokee"/>
+        <a:font script="Yiii" typeface="Microsoft Yi Baiti"/>
+        <a:font script="Tibt" typeface="Microsoft Himalaya"/>
+        <a:font script="Thaa" typeface="MV Boli"/>
+        <a:font script="Deva" typeface="Mangal"/>
+        <a:font script="Telu" typeface="Gautami"/>
+        <a:font script="Taml" typeface="Latha"/>
+        <a:font script="Syrc" typeface="Estrangelo Edessa"/>
+        <a:font script="Orya" typeface="Kalinga"/>
+        <a:font script="Mlym" typeface="Kartika"/>
+        <a:font script="Laoo" typeface="DokChampa"/>
+        <a:font script="Sinh" typeface="Iskoola Pota"/>
+        <a:font script="Mong" typeface="Mongolian Baiti"/>
+        <a:font script="Viet" typeface="Arial"/>
+        <a:font script="Uigh" typeface="Microsoft Uighur"/>
+        <a:font script="Geor" typeface="Sylfaen"/>
+        <a:font script="Armn" typeface="Arial"/>
+        <a:font script="Bugi" typeface="Leelawadee UI"/>
+        <a:font script="Bopo" typeface="Microsoft JhengHei"/>
+        <a:font script="Java" typeface="Javanese Text"/>
+        <a:font script="Lisu" typeface="Segoe UI"/>
+        <a:font script="Mymr" typeface="Myanmar Text"/>
+        <a:font script="Nkoo" typeface="Ebrima"/>
+        <a:font script="Olck" typeface="Nirmala UI"/>
+        <a:font script="Osma" typeface="Ebrima"/>
+        <a:font script="Phag" typeface="Phagspa"/>
+        <a:font script="Syrn" typeface="Estrangelo Edessa"/>
+        <a:font script="Syrj" typeface="Estrangelo Edessa"/>
+        <a:font script="Syre" typeface="Estrangelo Edessa"/>
+        <a:font script="Sora" typeface="Nirmala UI"/>
+        <a:font script="Tale" typeface="Microsoft Tai Le"/>
+        <a:font script="Talu" typeface="Microsoft New Tai Lue"/>
+        <a:font script="Tfng" typeface="Ebrima"/>
+      </a:minorFont>
+    </a:fontScheme>
+    <a:fmtScheme name="Office">
+      <a:fillStyleLst>
+        <a:solidFill>
+          <a:schemeClr val="phClr"/>
+        </a:solidFill>
+        <a:gradFill rotWithShape="1">
+          <a:gsLst>
+            <a:gs pos="0">
+              <a:schemeClr val="phClr">
+                <a:lumMod val="110000"/>
+                <a:satMod val="105000"/>
+                <a:tint val="67000"/>
+              </a:schemeClr>
+            </a:gs>
+            <a:gs pos="50000">
+              <a:schemeClr val="phClr">
+                <a:lumMod val="105000"/>
+                <a:satMod val="103000"/>
+                <a:tint val="73000"/>
+              </a:schemeClr>
+            </a:gs>
+            <a:gs pos="100000">
+              <a:schemeClr val="phClr">
+                <a:lumMod val="105000"/>
+                <a:satMod val="109000"/>
+                <a:tint val="81000"/>
+              </a:schemeClr>
+            </a:gs>
+          </a:gsLst>
+          <a:lin ang="5400000" scaled="0"/>
+        </a:gradFill>
+        <a:gradFill rotWithShape="1">
+          <a:gsLst>
+            <a:gs pos="0">
+              <a:schemeClr val="phClr">
+                <a:satMod val="103000"/>
+                <a:lumMod val="102000"/>
+                <a:tint val="94000"/>
+              </a:schemeClr>
+            </a:gs>
+            <a:gs pos="50000">
+              <a:schemeClr val="phClr">
+                <a:satMod val="110000"/>
+                <a:lumMod val="100000"/>
+                <a:shade val="100000"/>
+              </a:schemeClr>
+            </a:gs>
+            <a:gs pos="100000">
+              <a:schemeClr val="phClr">
+                <a:lumMod val="99000"/>
+                <a:satMod val="120000"/>
+                <a:shade val="78000"/>
+              </a:schemeClr>
+            </a:gs>
+          </a:gsLst>
+          <a:lin ang="5400000" scaled="0"/>
+        </a:gradFill>
+      </a:fillStyleLst>
+      <a:lnStyleLst>
+        <a:ln w="6350" cap="flat" cmpd="sng" algn="ctr">
+          <a:solidFill>
+            <a:schemeClr val="phClr"/>
+          </a:solidFill>
+          <a:prstDash val="solid"/>
+          <a:miter lim="800000"/>
+        </a:ln>
+        <a:ln w="12700" cap="flat" cmpd="sng" algn="ctr">
+          <a:solidFill>
+            <a:schemeClr val="phClr"/>
+          </a:solidFill>
+          <a:prstDash val="solid"/>
+          <a:miter lim="800000"/>
+        </a:ln>
+        <a:ln w="19050" cap="flat" cmpd="sng" algn="ctr">
+          <a:solidFill>
+            <a:schemeClr val="phClr"/>
+          </a:solidFill>
+          <a:prstDash val="solid"/>
+          <a:miter lim="800000"/>
+        </a:ln>
+      </a:lnStyleLst>
+      <a:effectStyleLst>
+        <a:effectStyle>
+          <a:effectLst/>
+        </a:effectStyle>
+        <a:effectStyle>
+          <a:effectLst/>
+        </a:effectStyle>
+        <a:effectStyle>
+          <a:effectLst>
+            <a:outerShdw blurRad="57150" dist="19050" dir="5400000" algn="ctr" rotWithShape="0">
+              <a:srgbClr val="000000">
+                <a:alpha val="63000"/>
+              </a:srgbClr>
+            </a:outerShdw>
+          </a:effectLst>
+        </a:effectStyle>
+      </a:effectStyleLst>
+      <a:bgFillStyleLst>
+        <a:solidFill>
+          <a:schemeClr val="phClr"/>
+        </a:solidFill>
+        <a:solidFill>
+          <a:schemeClr val="phClr">
+            <a:tint val="95000"/>
+            <a:satMod val="170000"/>
+          </a:schemeClr>
+        </a:solidFill>
+        <a:gradFill rotWithShape="1">
+          <a:gsLst>
+            <a:gs pos="0">
+              <a:schemeClr val="phClr">
+                <a:tint val="93000"/>
+                <a:satMod val="150000"/>
+                <a:shade val="98000"/>
+                <a:lumMod val="102000"/>
+              </a:schemeClr>
+            </a:gs>
+            <a:gs pos="50000">
+              <a:schemeClr val="phClr">
+                <a:tint val="98000"/>
+                <a:satMod val="130000"/>
+                <a:shade val="90000"/>
+                <a:lumMod val="103000"/>
+              </a:schemeClr>
+            </a:gs>
+            <a:gs pos="100000">
+              <a:schemeClr val="phClr">
+                <a:shade val="63000"/>
+                <a:satMod val="120000"/>
+              </a:schemeClr>
+            </a:gs>
+          </a:gsLst>
+          <a:lin ang="5400000" scaled="0"/>
+        </a:gradFill>
+      </a:bgFillStyleLst>
+    </a:fmtScheme>
+  </a:themeElements>
+  <a:objectDefaults/>
+  <a:extraClrSchemeLst/>
+  <a:extLst>
+    <a:ext uri="{05A4C25C-085E-4340-85A3-A5531E510DB2}">
+      <thm15:themeFamily xmlns:thm15="http://schemas.microsoft.com/office/thememl/2012/main" name="Office Theme" id="{62F939B6-93AF-4DB8-9C6B-D6C7DFDC589F}" vid="{4A3C46E8-61CC-4603-A589-7422A47A8E4A}"/>
+    </a:ext>
+  </a:extLst>
+</a:theme>
 </file>